--- a/presentation/bit Composer.pptx
+++ b/presentation/bit Composer.pptx
@@ -213,7 +213,7 @@
           <a:p>
             <a:fld id="{CFE7C3F7-5C92-45C1-81B6-3020317CA2CB}" type="datetimeFigureOut">
               <a:rPr kumimoji="1" lang="ja-JP" altLang="en-US" smtClean="0"/>
-              <a:t>2021/10/2</a:t>
+              <a:t>2021/10/3</a:t>
             </a:fld>
             <a:endParaRPr kumimoji="1" lang="ja-JP" altLang="en-US"/>
           </a:p>
@@ -659,7 +659,7 @@
           <a:p>
             <a:fld id="{4A6B28F3-BB62-4EA0-99DF-EF5932BC4FCF}" type="datetimeFigureOut">
               <a:rPr kumimoji="1" lang="ja-JP" altLang="en-US" smtClean="0"/>
-              <a:t>2021/10/2</a:t>
+              <a:t>2021/10/3</a:t>
             </a:fld>
             <a:endParaRPr kumimoji="1" lang="ja-JP" altLang="en-US"/>
           </a:p>
@@ -889,7 +889,7 @@
           <a:p>
             <a:fld id="{4A6B28F3-BB62-4EA0-99DF-EF5932BC4FCF}" type="datetimeFigureOut">
               <a:rPr kumimoji="1" lang="ja-JP" altLang="en-US" smtClean="0"/>
-              <a:t>2021/10/2</a:t>
+              <a:t>2021/10/3</a:t>
             </a:fld>
             <a:endParaRPr kumimoji="1" lang="ja-JP" altLang="en-US"/>
           </a:p>
@@ -1129,7 +1129,7 @@
           <a:p>
             <a:fld id="{4A6B28F3-BB62-4EA0-99DF-EF5932BC4FCF}" type="datetimeFigureOut">
               <a:rPr kumimoji="1" lang="ja-JP" altLang="en-US" smtClean="0"/>
-              <a:t>2021/10/2</a:t>
+              <a:t>2021/10/3</a:t>
             </a:fld>
             <a:endParaRPr kumimoji="1" lang="ja-JP" altLang="en-US"/>
           </a:p>
@@ -1359,7 +1359,7 @@
           <a:p>
             <a:fld id="{4A6B28F3-BB62-4EA0-99DF-EF5932BC4FCF}" type="datetimeFigureOut">
               <a:rPr kumimoji="1" lang="ja-JP" altLang="en-US" smtClean="0"/>
-              <a:t>2021/10/2</a:t>
+              <a:t>2021/10/3</a:t>
             </a:fld>
             <a:endParaRPr kumimoji="1" lang="ja-JP" altLang="en-US"/>
           </a:p>
@@ -1634,7 +1634,7 @@
           <a:p>
             <a:fld id="{4A6B28F3-BB62-4EA0-99DF-EF5932BC4FCF}" type="datetimeFigureOut">
               <a:rPr kumimoji="1" lang="ja-JP" altLang="en-US" smtClean="0"/>
-              <a:t>2021/10/2</a:t>
+              <a:t>2021/10/3</a:t>
             </a:fld>
             <a:endParaRPr kumimoji="1" lang="ja-JP" altLang="en-US"/>
           </a:p>
@@ -1963,7 +1963,7 @@
           <a:p>
             <a:fld id="{4A6B28F3-BB62-4EA0-99DF-EF5932BC4FCF}" type="datetimeFigureOut">
               <a:rPr kumimoji="1" lang="ja-JP" altLang="en-US" smtClean="0"/>
-              <a:t>2021/10/2</a:t>
+              <a:t>2021/10/3</a:t>
             </a:fld>
             <a:endParaRPr kumimoji="1" lang="ja-JP" altLang="en-US"/>
           </a:p>
@@ -2439,7 +2439,7 @@
           <a:p>
             <a:fld id="{4A6B28F3-BB62-4EA0-99DF-EF5932BC4FCF}" type="datetimeFigureOut">
               <a:rPr kumimoji="1" lang="ja-JP" altLang="en-US" smtClean="0"/>
-              <a:t>2021/10/2</a:t>
+              <a:t>2021/10/3</a:t>
             </a:fld>
             <a:endParaRPr kumimoji="1" lang="ja-JP" altLang="en-US"/>
           </a:p>
@@ -2580,7 +2580,7 @@
           <a:p>
             <a:fld id="{4A6B28F3-BB62-4EA0-99DF-EF5932BC4FCF}" type="datetimeFigureOut">
               <a:rPr kumimoji="1" lang="ja-JP" altLang="en-US" smtClean="0"/>
-              <a:t>2021/10/2</a:t>
+              <a:t>2021/10/3</a:t>
             </a:fld>
             <a:endParaRPr kumimoji="1" lang="ja-JP" altLang="en-US"/>
           </a:p>
@@ -2693,7 +2693,7 @@
           <a:p>
             <a:fld id="{4A6B28F3-BB62-4EA0-99DF-EF5932BC4FCF}" type="datetimeFigureOut">
               <a:rPr kumimoji="1" lang="ja-JP" altLang="en-US" smtClean="0"/>
-              <a:t>2021/10/2</a:t>
+              <a:t>2021/10/3</a:t>
             </a:fld>
             <a:endParaRPr kumimoji="1" lang="ja-JP" altLang="en-US"/>
           </a:p>
@@ -3036,7 +3036,7 @@
           <a:p>
             <a:fld id="{4A6B28F3-BB62-4EA0-99DF-EF5932BC4FCF}" type="datetimeFigureOut">
               <a:rPr kumimoji="1" lang="ja-JP" altLang="en-US" smtClean="0"/>
-              <a:t>2021/10/2</a:t>
+              <a:t>2021/10/3</a:t>
             </a:fld>
             <a:endParaRPr kumimoji="1" lang="ja-JP" altLang="en-US"/>
           </a:p>
@@ -3324,7 +3324,7 @@
           <a:p>
             <a:fld id="{4A6B28F3-BB62-4EA0-99DF-EF5932BC4FCF}" type="datetimeFigureOut">
               <a:rPr kumimoji="1" lang="ja-JP" altLang="en-US" smtClean="0"/>
-              <a:t>2021/10/2</a:t>
+              <a:t>2021/10/3</a:t>
             </a:fld>
             <a:endParaRPr kumimoji="1" lang="ja-JP" altLang="en-US"/>
           </a:p>
@@ -3597,7 +3597,7 @@
           <a:p>
             <a:fld id="{4A6B28F3-BB62-4EA0-99DF-EF5932BC4FCF}" type="datetimeFigureOut">
               <a:rPr kumimoji="1" lang="ja-JP" altLang="en-US" smtClean="0"/>
-              <a:t>2021/10/2</a:t>
+              <a:t>2021/10/3</a:t>
             </a:fld>
             <a:endParaRPr kumimoji="1" lang="ja-JP" altLang="en-US"/>
           </a:p>
@@ -5676,7 +5676,7 @@
             </a:r>
             <a:r>
               <a:rPr kumimoji="1" lang="ja-JP" altLang="en-US" sz="3600" dirty="0"/>
-              <a:t>サイトで鍵盤で作成</a:t>
+              <a:t>ページ上の鍵盤で作曲</a:t>
             </a:r>
             <a:endParaRPr kumimoji="1" lang="en-US" altLang="ja-JP" sz="3600" dirty="0"/>
           </a:p>
@@ -5687,7 +5687,7 @@
             </a:pPr>
             <a:r>
               <a:rPr kumimoji="1" lang="ja-JP" altLang="en-US" sz="3600" dirty="0"/>
-              <a:t>完成したら送信する</a:t>
+              <a:t>完成したら送信</a:t>
             </a:r>
             <a:endParaRPr kumimoji="1" lang="en-US" altLang="ja-JP" sz="3600" dirty="0"/>
           </a:p>
@@ -5698,7 +5698,7 @@
             </a:pPr>
             <a:r>
               <a:rPr lang="ja-JP" altLang="en-US" sz="3600" dirty="0"/>
-              <a:t>返信した音楽を再生する。</a:t>
+              <a:t>音楽を再生</a:t>
             </a:r>
             <a:endParaRPr lang="en-US" altLang="ja-JP" sz="3600" dirty="0"/>
           </a:p>
@@ -5765,7 +5765,7 @@
             </a:r>
             <a:r>
               <a:rPr kumimoji="1" lang="ja-JP" altLang="en-US" dirty="0"/>
-              <a:t>ページで鍵盤を作成</a:t>
+              <a:t>ページ上の鍵盤で作曲</a:t>
             </a:r>
           </a:p>
         </p:txBody>
@@ -5866,7 +5866,7 @@
             <a:pPr algn="l"/>
             <a:r>
               <a:rPr lang="ja-JP" altLang="en-US" sz="4400" dirty="0"/>
-              <a:t>音楽を作成したら送信する</a:t>
+              <a:t>音楽を作成したら送信</a:t>
             </a:r>
             <a:endParaRPr kumimoji="1" lang="ja-JP" altLang="en-US" sz="4400" dirty="0"/>
           </a:p>
@@ -5989,8 +5989,12 @@
           <a:lstStyle/>
           <a:p>
             <a:r>
+              <a:rPr lang="ja-JP" altLang="en-US" dirty="0"/>
+              <a:t>音楽</a:t>
+            </a:r>
+            <a:r>
               <a:rPr kumimoji="1" lang="ja-JP" altLang="en-US" dirty="0"/>
-              <a:t>返信された自動作曲を聞く</a:t>
+              <a:t>を再生する</a:t>
             </a:r>
           </a:p>
         </p:txBody>

--- a/presentation/bit Composer.pptx
+++ b/presentation/bit Composer.pptx
@@ -5,26 +5,25 @@
     <p:sldMasterId id="2147483648" r:id="rId1"/>
   </p:sldMasterIdLst>
   <p:notesMasterIdLst>
-    <p:notesMasterId r:id="rId19"/>
+    <p:notesMasterId r:id="rId18"/>
   </p:notesMasterIdLst>
   <p:sldIdLst>
     <p:sldId id="259" r:id="rId2"/>
     <p:sldId id="260" r:id="rId3"/>
-    <p:sldId id="267" r:id="rId4"/>
+    <p:sldId id="276" r:id="rId4"/>
     <p:sldId id="268" r:id="rId5"/>
     <p:sldId id="274" r:id="rId6"/>
     <p:sldId id="272" r:id="rId7"/>
     <p:sldId id="273" r:id="rId8"/>
     <p:sldId id="275" r:id="rId9"/>
-    <p:sldId id="258" r:id="rId10"/>
-    <p:sldId id="262" r:id="rId11"/>
-    <p:sldId id="263" r:id="rId12"/>
-    <p:sldId id="270" r:id="rId13"/>
-    <p:sldId id="269" r:id="rId14"/>
-    <p:sldId id="264" r:id="rId15"/>
-    <p:sldId id="271" r:id="rId16"/>
-    <p:sldId id="265" r:id="rId17"/>
-    <p:sldId id="266" r:id="rId18"/>
+    <p:sldId id="262" r:id="rId10"/>
+    <p:sldId id="263" r:id="rId11"/>
+    <p:sldId id="269" r:id="rId12"/>
+    <p:sldId id="277" r:id="rId13"/>
+    <p:sldId id="264" r:id="rId14"/>
+    <p:sldId id="271" r:id="rId15"/>
+    <p:sldId id="265" r:id="rId16"/>
+    <p:sldId id="266" r:id="rId17"/>
   </p:sldIdLst>
   <p:sldSz cx="12192000" cy="6858000"/>
   <p:notesSz cx="6858000" cy="9144000"/>
@@ -131,6 +130,32 @@
 </p:presentation>
 </file>
 
+<file path=ppt/commentAuthors.xml><?xml version="1.0" encoding="utf-8"?>
+<p:cmAuthorLst xmlns:a="http://schemas.openxmlformats.org/drawingml/2006/main" xmlns:r="http://schemas.openxmlformats.org/officeDocument/2006/relationships" xmlns:p="http://schemas.openxmlformats.org/presentationml/2006/main">
+  <p:cmAuthor id="1" name="吉川 孟志" initials="吉川" lastIdx="1" clrIdx="0">
+    <p:extLst>
+      <p:ext uri="{19B8F6BF-5375-455C-9EA6-DF929625EA0E}">
+        <p15:presenceInfo xmlns:p15="http://schemas.microsoft.com/office/powerpoint/2012/main" userId="S-1-5-21-4206470692-4146437883-2304300903-2492" providerId="AD"/>
+      </p:ext>
+    </p:extLst>
+  </p:cmAuthor>
+</p:cmAuthorLst>
+</file>
+
+<file path=ppt/comments/comment1.xml><?xml version="1.0" encoding="utf-8"?>
+<p:cmLst xmlns:a="http://schemas.openxmlformats.org/drawingml/2006/main" xmlns:r="http://schemas.openxmlformats.org/officeDocument/2006/relationships" xmlns:p="http://schemas.openxmlformats.org/presentationml/2006/main">
+  <p:cm authorId="1" dt="2021-10-05T13:50:07.738" idx="1">
+    <p:pos x="637" y="2426"/>
+    <p:text>ここにmidiの説明を入れる</p:text>
+    <p:extLst>
+      <p:ext uri="{C676402C-5697-4E1C-873F-D02D1690AC5C}">
+        <p15:threadingInfo xmlns:p15="http://schemas.microsoft.com/office/powerpoint/2012/main" timeZoneBias="-540"/>
+      </p:ext>
+    </p:extLst>
+  </p:cm>
+</p:cmLst>
+</file>
+
 <file path=ppt/notesMasters/notesMaster1.xml><?xml version="1.0" encoding="utf-8"?>
 <p:notesMaster xmlns:a="http://schemas.openxmlformats.org/drawingml/2006/main" xmlns:r="http://schemas.openxmlformats.org/officeDocument/2006/relationships" xmlns:p="http://schemas.openxmlformats.org/presentationml/2006/main">
   <p:cSld>
@@ -213,7 +238,7 @@
           <a:p>
             <a:fld id="{CFE7C3F7-5C92-45C1-81B6-3020317CA2CB}" type="datetimeFigureOut">
               <a:rPr kumimoji="1" lang="ja-JP" altLang="en-US" smtClean="0"/>
-              <a:t>2021/10/3</a:t>
+              <a:t>2021/10/5</a:t>
             </a:fld>
             <a:endParaRPr kumimoji="1" lang="ja-JP" altLang="en-US"/>
           </a:p>
@@ -659,7 +684,7 @@
           <a:p>
             <a:fld id="{4A6B28F3-BB62-4EA0-99DF-EF5932BC4FCF}" type="datetimeFigureOut">
               <a:rPr kumimoji="1" lang="ja-JP" altLang="en-US" smtClean="0"/>
-              <a:t>2021/10/3</a:t>
+              <a:t>2021/10/5</a:t>
             </a:fld>
             <a:endParaRPr kumimoji="1" lang="ja-JP" altLang="en-US"/>
           </a:p>
@@ -889,7 +914,7 @@
           <a:p>
             <a:fld id="{4A6B28F3-BB62-4EA0-99DF-EF5932BC4FCF}" type="datetimeFigureOut">
               <a:rPr kumimoji="1" lang="ja-JP" altLang="en-US" smtClean="0"/>
-              <a:t>2021/10/3</a:t>
+              <a:t>2021/10/5</a:t>
             </a:fld>
             <a:endParaRPr kumimoji="1" lang="ja-JP" altLang="en-US"/>
           </a:p>
@@ -1129,7 +1154,7 @@
           <a:p>
             <a:fld id="{4A6B28F3-BB62-4EA0-99DF-EF5932BC4FCF}" type="datetimeFigureOut">
               <a:rPr kumimoji="1" lang="ja-JP" altLang="en-US" smtClean="0"/>
-              <a:t>2021/10/3</a:t>
+              <a:t>2021/10/5</a:t>
             </a:fld>
             <a:endParaRPr kumimoji="1" lang="ja-JP" altLang="en-US"/>
           </a:p>
@@ -1359,7 +1384,7 @@
           <a:p>
             <a:fld id="{4A6B28F3-BB62-4EA0-99DF-EF5932BC4FCF}" type="datetimeFigureOut">
               <a:rPr kumimoji="1" lang="ja-JP" altLang="en-US" smtClean="0"/>
-              <a:t>2021/10/3</a:t>
+              <a:t>2021/10/5</a:t>
             </a:fld>
             <a:endParaRPr kumimoji="1" lang="ja-JP" altLang="en-US"/>
           </a:p>
@@ -1634,7 +1659,7 @@
           <a:p>
             <a:fld id="{4A6B28F3-BB62-4EA0-99DF-EF5932BC4FCF}" type="datetimeFigureOut">
               <a:rPr kumimoji="1" lang="ja-JP" altLang="en-US" smtClean="0"/>
-              <a:t>2021/10/3</a:t>
+              <a:t>2021/10/5</a:t>
             </a:fld>
             <a:endParaRPr kumimoji="1" lang="ja-JP" altLang="en-US"/>
           </a:p>
@@ -1963,7 +1988,7 @@
           <a:p>
             <a:fld id="{4A6B28F3-BB62-4EA0-99DF-EF5932BC4FCF}" type="datetimeFigureOut">
               <a:rPr kumimoji="1" lang="ja-JP" altLang="en-US" smtClean="0"/>
-              <a:t>2021/10/3</a:t>
+              <a:t>2021/10/5</a:t>
             </a:fld>
             <a:endParaRPr kumimoji="1" lang="ja-JP" altLang="en-US"/>
           </a:p>
@@ -2439,7 +2464,7 @@
           <a:p>
             <a:fld id="{4A6B28F3-BB62-4EA0-99DF-EF5932BC4FCF}" type="datetimeFigureOut">
               <a:rPr kumimoji="1" lang="ja-JP" altLang="en-US" smtClean="0"/>
-              <a:t>2021/10/3</a:t>
+              <a:t>2021/10/5</a:t>
             </a:fld>
             <a:endParaRPr kumimoji="1" lang="ja-JP" altLang="en-US"/>
           </a:p>
@@ -2580,7 +2605,7 @@
           <a:p>
             <a:fld id="{4A6B28F3-BB62-4EA0-99DF-EF5932BC4FCF}" type="datetimeFigureOut">
               <a:rPr kumimoji="1" lang="ja-JP" altLang="en-US" smtClean="0"/>
-              <a:t>2021/10/3</a:t>
+              <a:t>2021/10/5</a:t>
             </a:fld>
             <a:endParaRPr kumimoji="1" lang="ja-JP" altLang="en-US"/>
           </a:p>
@@ -2693,7 +2718,7 @@
           <a:p>
             <a:fld id="{4A6B28F3-BB62-4EA0-99DF-EF5932BC4FCF}" type="datetimeFigureOut">
               <a:rPr kumimoji="1" lang="ja-JP" altLang="en-US" smtClean="0"/>
-              <a:t>2021/10/3</a:t>
+              <a:t>2021/10/5</a:t>
             </a:fld>
             <a:endParaRPr kumimoji="1" lang="ja-JP" altLang="en-US"/>
           </a:p>
@@ -3036,7 +3061,7 @@
           <a:p>
             <a:fld id="{4A6B28F3-BB62-4EA0-99DF-EF5932BC4FCF}" type="datetimeFigureOut">
               <a:rPr kumimoji="1" lang="ja-JP" altLang="en-US" smtClean="0"/>
-              <a:t>2021/10/3</a:t>
+              <a:t>2021/10/5</a:t>
             </a:fld>
             <a:endParaRPr kumimoji="1" lang="ja-JP" altLang="en-US"/>
           </a:p>
@@ -3324,7 +3349,7 @@
           <a:p>
             <a:fld id="{4A6B28F3-BB62-4EA0-99DF-EF5932BC4FCF}" type="datetimeFigureOut">
               <a:rPr kumimoji="1" lang="ja-JP" altLang="en-US" smtClean="0"/>
-              <a:t>2021/10/3</a:t>
+              <a:t>2021/10/5</a:t>
             </a:fld>
             <a:endParaRPr kumimoji="1" lang="ja-JP" altLang="en-US"/>
           </a:p>
@@ -3597,7 +3622,7 @@
           <a:p>
             <a:fld id="{4A6B28F3-BB62-4EA0-99DF-EF5932BC4FCF}" type="datetimeFigureOut">
               <a:rPr kumimoji="1" lang="ja-JP" altLang="en-US" smtClean="0"/>
-              <a:t>2021/10/3</a:t>
+              <a:t>2021/10/5</a:t>
             </a:fld>
             <a:endParaRPr kumimoji="1" lang="ja-JP" altLang="en-US"/>
           </a:p>
@@ -4144,7 +4169,7 @@
           <p:cNvPr id="2" name="タイトル 1">
             <a:extLst>
               <a:ext uri="{FF2B5EF4-FFF2-40B4-BE49-F238E27FC236}">
-                <a16:creationId xmlns:a16="http://schemas.microsoft.com/office/drawing/2014/main" id="{C3174454-D844-4A22-BF34-332BED72D544}"/>
+                <a16:creationId xmlns:a16="http://schemas.microsoft.com/office/drawing/2014/main" id="{F3684142-10EA-4764-B9B7-28F84F0E15A3}"/>
               </a:ext>
             </a:extLst>
           </p:cNvPr>
@@ -4157,8 +4182,8 @@
         </p:nvSpPr>
         <p:spPr>
           <a:xfrm>
-            <a:off x="832184" y="323850"/>
-            <a:ext cx="9144000" cy="1314450"/>
+            <a:off x="383098" y="704675"/>
+            <a:ext cx="9144000" cy="744890"/>
           </a:xfrm>
         </p:spPr>
         <p:txBody>
@@ -4169,80 +4194,52 @@
           <a:p>
             <a:pPr algn="l"/>
             <a:r>
-              <a:rPr lang="en-US" altLang="ja-JP" b="1" dirty="0"/>
-              <a:t>Python</a:t>
-            </a:r>
-            <a:r>
-              <a:rPr lang="ja-JP" altLang="en-US" b="1" dirty="0"/>
-              <a:t> ライブラリ</a:t>
-            </a:r>
-            <a:endParaRPr kumimoji="1" lang="ja-JP" altLang="en-US" dirty="0"/>
-          </a:p>
-        </p:txBody>
-      </p:sp>
-      <p:sp>
-        <p:nvSpPr>
-          <p:cNvPr id="4" name="テキスト ボックス 3">
-            <a:extLst>
-              <a:ext uri="{FF2B5EF4-FFF2-40B4-BE49-F238E27FC236}">
-                <a16:creationId xmlns:a16="http://schemas.microsoft.com/office/drawing/2014/main" id="{049B4402-B3E7-4BF5-A2EC-DDBCFFE4FB80}"/>
-              </a:ext>
-            </a:extLst>
-          </p:cNvPr>
-          <p:cNvSpPr txBox="1"/>
-          <p:nvPr/>
+              <a:rPr kumimoji="1" lang="en-US" altLang="ja-JP" sz="4400" dirty="0"/>
+              <a:t>DNN</a:t>
+            </a:r>
+            <a:r>
+              <a:rPr kumimoji="1" lang="ja-JP" altLang="en-US" sz="4400" dirty="0"/>
+              <a:t>について</a:t>
+            </a:r>
+          </a:p>
+        </p:txBody>
+      </p:sp>
+      <p:sp>
+        <p:nvSpPr>
+          <p:cNvPr id="3" name="字幕 2">
+            <a:extLst>
+              <a:ext uri="{FF2B5EF4-FFF2-40B4-BE49-F238E27FC236}">
+                <a16:creationId xmlns:a16="http://schemas.microsoft.com/office/drawing/2014/main" id="{7BE7E29D-D287-41A0-BA39-82F258B16C0C}"/>
+              </a:ext>
+            </a:extLst>
+          </p:cNvPr>
+          <p:cNvSpPr>
+            <a:spLocks noGrp="1"/>
+          </p:cNvSpPr>
+          <p:nvPr>
+            <p:ph type="subTitle" idx="1"/>
+          </p:nvPr>
         </p:nvSpPr>
         <p:spPr>
           <a:xfrm>
-            <a:off x="875727" y="2104824"/>
-            <a:ext cx="10527632" cy="1754326"/>
+            <a:off x="1524000" y="2583543"/>
+            <a:ext cx="9144000" cy="3656835"/>
           </a:xfrm>
-          <a:prstGeom prst="rect">
-            <a:avLst/>
-          </a:prstGeom>
-          <a:noFill/>
         </p:spPr>
         <p:txBody>
-          <a:bodyPr wrap="square" rtlCol="0">
-            <a:spAutoFit/>
+          <a:bodyPr>
+            <a:normAutofit/>
           </a:bodyPr>
           <a:lstStyle/>
           <a:p>
-            <a:pPr marL="571500" indent="-571500">
-              <a:buFont typeface="Arial" panose="020B0604020202020204" pitchFamily="34" charset="0"/>
-              <a:buChar char="•"/>
-            </a:pPr>
-            <a:r>
-              <a:rPr lang="en-US" altLang="ja-JP" sz="3600" dirty="0"/>
-              <a:t>TensorFlow</a:t>
-            </a:r>
-          </a:p>
-          <a:p>
-            <a:pPr marL="571500" indent="-571500">
-              <a:buFont typeface="Arial" panose="020B0604020202020204" pitchFamily="34" charset="0"/>
-              <a:buChar char="•"/>
-            </a:pPr>
-            <a:r>
-              <a:rPr lang="en-US" altLang="ja-JP" sz="3600" dirty="0"/>
-              <a:t>music21</a:t>
-            </a:r>
-          </a:p>
-          <a:p>
-            <a:pPr marL="571500" indent="-571500">
-              <a:buFont typeface="Arial" panose="020B0604020202020204" pitchFamily="34" charset="0"/>
-              <a:buChar char="•"/>
-            </a:pPr>
-            <a:r>
-              <a:rPr lang="en-US" altLang="ja-JP" sz="3600" dirty="0"/>
-              <a:t>Flask</a:t>
-            </a:r>
+            <a:endParaRPr kumimoji="1" lang="ja-JP" altLang="en-US" dirty="0"/>
           </a:p>
         </p:txBody>
       </p:sp>
     </p:spTree>
     <p:extLst>
       <p:ext uri="{BB962C8B-B14F-4D97-AF65-F5344CB8AC3E}">
-        <p14:creationId xmlns:p14="http://schemas.microsoft.com/office/powerpoint/2010/main" val="545056453"/>
+        <p14:creationId xmlns:p14="http://schemas.microsoft.com/office/powerpoint/2010/main" val="1515653326"/>
       </p:ext>
     </p:extLst>
   </p:cSld>
@@ -4274,127 +4271,83 @@
           <p:cNvPr id="2" name="タイトル 1">
             <a:extLst>
               <a:ext uri="{FF2B5EF4-FFF2-40B4-BE49-F238E27FC236}">
-                <a16:creationId xmlns:a16="http://schemas.microsoft.com/office/drawing/2014/main" id="{F3684142-10EA-4764-B9B7-28F84F0E15A3}"/>
-              </a:ext>
-            </a:extLst>
-          </p:cNvPr>
-          <p:cNvSpPr>
-            <a:spLocks noGrp="1"/>
-          </p:cNvSpPr>
-          <p:nvPr>
-            <p:ph type="ctrTitle"/>
+                <a16:creationId xmlns:a16="http://schemas.microsoft.com/office/drawing/2014/main" id="{E4883A0A-8D8C-4B9C-B52B-0F6D514B04E0}"/>
+              </a:ext>
+            </a:extLst>
+          </p:cNvPr>
+          <p:cNvSpPr>
+            <a:spLocks noGrp="1"/>
+          </p:cNvSpPr>
+          <p:nvPr>
+            <p:ph type="title"/>
+          </p:nvPr>
+        </p:nvSpPr>
+        <p:spPr/>
+        <p:txBody>
+          <a:bodyPr/>
+          <a:lstStyle/>
+          <a:p>
+            <a:r>
+              <a:rPr kumimoji="1" lang="en-US" altLang="ja-JP" dirty="0"/>
+              <a:t>LSTM</a:t>
+            </a:r>
+            <a:r>
+              <a:rPr kumimoji="1" lang="ja-JP" altLang="en-US" dirty="0"/>
+              <a:t>について</a:t>
+            </a:r>
+          </a:p>
+        </p:txBody>
+      </p:sp>
+      <p:sp>
+        <p:nvSpPr>
+          <p:cNvPr id="3" name="コンテンツ プレースホルダー 2">
+            <a:extLst>
+              <a:ext uri="{FF2B5EF4-FFF2-40B4-BE49-F238E27FC236}">
+                <a16:creationId xmlns:a16="http://schemas.microsoft.com/office/drawing/2014/main" id="{9AB6985F-E57D-4069-BD74-D0C7F1F9B720}"/>
+              </a:ext>
+            </a:extLst>
+          </p:cNvPr>
+          <p:cNvSpPr>
+            <a:spLocks noGrp="1"/>
+          </p:cNvSpPr>
+          <p:nvPr>
+            <p:ph idx="1"/>
           </p:nvPr>
         </p:nvSpPr>
         <p:spPr>
           <a:xfrm>
-            <a:off x="1524000" y="1001487"/>
-            <a:ext cx="9144000" cy="1161142"/>
+            <a:off x="1393371" y="1901372"/>
+            <a:ext cx="8824686" cy="3817258"/>
           </a:xfrm>
         </p:spPr>
         <p:txBody>
           <a:bodyPr/>
           <a:lstStyle/>
           <a:p>
-            <a:pPr algn="l"/>
-            <a:r>
-              <a:rPr lang="en-US" altLang="ja-JP" b="1" dirty="0"/>
-              <a:t>AI</a:t>
-            </a:r>
-            <a:r>
-              <a:rPr lang="ja-JP" altLang="en-US" b="1" dirty="0"/>
-              <a:t>について</a:t>
-            </a:r>
-            <a:endParaRPr kumimoji="1" lang="ja-JP" altLang="en-US" dirty="0"/>
-          </a:p>
-        </p:txBody>
-      </p:sp>
-      <p:sp>
-        <p:nvSpPr>
-          <p:cNvPr id="3" name="字幕 2">
-            <a:extLst>
-              <a:ext uri="{FF2B5EF4-FFF2-40B4-BE49-F238E27FC236}">
-                <a16:creationId xmlns:a16="http://schemas.microsoft.com/office/drawing/2014/main" id="{7BE7E29D-D287-41A0-BA39-82F258B16C0C}"/>
-              </a:ext>
-            </a:extLst>
-          </p:cNvPr>
-          <p:cNvSpPr>
-            <a:spLocks noGrp="1"/>
-          </p:cNvSpPr>
-          <p:nvPr>
-            <p:ph type="subTitle" idx="1"/>
-          </p:nvPr>
-        </p:nvSpPr>
-        <p:spPr>
-          <a:xfrm>
-            <a:off x="1524000" y="2583543"/>
-            <a:ext cx="9144000" cy="3656835"/>
-          </a:xfrm>
-        </p:spPr>
-        <p:txBody>
-          <a:bodyPr>
-            <a:normAutofit/>
-          </a:bodyPr>
-          <a:lstStyle/>
-          <a:p>
-            <a:pPr algn="l"/>
-            <a:r>
-              <a:rPr lang="en-US" altLang="ja-JP" sz="2800" dirty="0"/>
-              <a:t>LSTM</a:t>
-            </a:r>
-            <a:r>
-              <a:rPr lang="ja-JP" altLang="en-US" sz="2800" dirty="0"/>
-              <a:t>を用いた</a:t>
-            </a:r>
-            <a:r>
-              <a:rPr lang="en-US" altLang="ja-JP" sz="2800" dirty="0"/>
-              <a:t>Deep Learning</a:t>
-            </a:r>
-            <a:r>
-              <a:rPr lang="ja-JP" altLang="en-US" sz="2800" dirty="0"/>
-              <a:t>を</a:t>
-            </a:r>
-            <a:r>
-              <a:rPr lang="en-US" altLang="ja-JP" sz="2800" dirty="0"/>
-              <a:t>Python</a:t>
-            </a:r>
-            <a:r>
-              <a:rPr lang="ja-JP" altLang="en-US" sz="2800" dirty="0"/>
-              <a:t>で実装</a:t>
-            </a:r>
-            <a:endParaRPr lang="en-US" altLang="ja-JP" sz="2800" dirty="0"/>
-          </a:p>
-          <a:p>
-            <a:pPr algn="l"/>
-            <a:r>
-              <a:rPr lang="en-US" altLang="ja-JP" sz="2800" dirty="0"/>
-              <a:t>MIDI</a:t>
-            </a:r>
-            <a:r>
-              <a:rPr lang="ja-JP" altLang="en-US" sz="2800" dirty="0"/>
-              <a:t>の音のデータを用いて機械学習を行う</a:t>
-            </a:r>
-            <a:endParaRPr lang="en-US" altLang="ja-JP" sz="2800" dirty="0"/>
-          </a:p>
-          <a:p>
-            <a:pPr algn="l"/>
-            <a:r>
-              <a:rPr lang="en-US" altLang="ja-JP" sz="2800" dirty="0"/>
-              <a:t>Music21</a:t>
-            </a:r>
-            <a:r>
-              <a:rPr lang="ja-JP" altLang="en-US" sz="2800" dirty="0"/>
-              <a:t>は</a:t>
-            </a:r>
-            <a:r>
-              <a:rPr lang="en-US" altLang="ja-JP" sz="2800" dirty="0"/>
-              <a:t>MIDI</a:t>
-            </a:r>
-            <a:r>
-              <a:rPr lang="ja-JP" altLang="en-US" sz="2800" dirty="0"/>
-              <a:t>データをプログラムで扱えるようにするために使う</a:t>
-            </a:r>
-          </a:p>
-          <a:p>
+            <a:r>
+              <a:rPr lang="en-US" altLang="ja-JP" dirty="0"/>
+              <a:t>LSTM </a:t>
+            </a:r>
+            <a:r>
+              <a:rPr lang="ja-JP" altLang="en-US" dirty="0"/>
+              <a:t>（</a:t>
+            </a:r>
+            <a:r>
+              <a:rPr lang="en-US" altLang="ja-JP" dirty="0"/>
+              <a:t>Long Short-Term Memory: </a:t>
+            </a:r>
+            <a:r>
+              <a:rPr lang="ja-JP" altLang="en-US" dirty="0"/>
+              <a:t>長・短期記憶）ネットワークは、</a:t>
+            </a:r>
+            <a:r>
+              <a:rPr lang="en-US" altLang="ja-JP" dirty="0"/>
+              <a:t>RNN</a:t>
+            </a:r>
+            <a:r>
+              <a:rPr lang="ja-JP" altLang="en-US" dirty="0"/>
+              <a:t>（再帰型 ニューラルネットワーク） の一種です。</a:t>
+            </a:r>
             <a:endParaRPr kumimoji="1" lang="ja-JP" altLang="en-US" dirty="0"/>
           </a:p>
         </p:txBody>
@@ -4402,7 +4355,7 @@
     </p:spTree>
     <p:extLst>
       <p:ext uri="{BB962C8B-B14F-4D97-AF65-F5344CB8AC3E}">
-        <p14:creationId xmlns:p14="http://schemas.microsoft.com/office/powerpoint/2010/main" val="1515653326"/>
+        <p14:creationId xmlns:p14="http://schemas.microsoft.com/office/powerpoint/2010/main" val="2660890987"/>
       </p:ext>
     </p:extLst>
   </p:cSld>
@@ -4434,7 +4387,7 @@
           <p:cNvPr id="2" name="タイトル 1">
             <a:extLst>
               <a:ext uri="{FF2B5EF4-FFF2-40B4-BE49-F238E27FC236}">
-                <a16:creationId xmlns:a16="http://schemas.microsoft.com/office/drawing/2014/main" id="{6AD69AAC-306D-4ED1-9BF9-5E7E5B5E1201}"/>
+                <a16:creationId xmlns:a16="http://schemas.microsoft.com/office/drawing/2014/main" id="{F9DAB316-4A00-468F-994D-6D2C4AC24AF5}"/>
               </a:ext>
             </a:extLst>
           </p:cNvPr>
@@ -4452,120 +4405,117 @@
           <a:p>
             <a:r>
               <a:rPr kumimoji="1" lang="en-US" altLang="ja-JP" dirty="0"/>
-              <a:t>Deep Learning</a:t>
+              <a:t>AI</a:t>
             </a:r>
             <a:r>
               <a:rPr kumimoji="1" lang="ja-JP" altLang="en-US" dirty="0"/>
-              <a:t>について</a:t>
-            </a:r>
-          </a:p>
-        </p:txBody>
-      </p:sp>
-      <p:pic>
-        <p:nvPicPr>
-          <p:cNvPr id="2050" name="Picture 2" descr="https://msp.c.yimg.jp/images/v2/FUTi93tXq405grZVGgDqG88rA64D70GuPEoBFwECA0A2_TLtspBM2DB31i__JaT58xPhvOOa8YokQ0h9FkFsJj1Kz82Vh3Whn03CIakzPRFgLsVgnTQsYA64vhbYGd0zkRJasxNqiCNffoqXyxhZpySYkleBLaIczj27w2sijjX1HG95FMJAFZOe57QRtTL48G9dplYvX-fQCXVU9vr8DjLj7GurLJOrJ8Ju_axuPXk=/zu010.jpg?errorImage=false">
-            <a:extLst>
-              <a:ext uri="{FF2B5EF4-FFF2-40B4-BE49-F238E27FC236}">
-                <a16:creationId xmlns:a16="http://schemas.microsoft.com/office/drawing/2014/main" id="{92AD17DC-BC65-404B-8693-B46C41F52615}"/>
-              </a:ext>
-            </a:extLst>
-          </p:cNvPr>
-          <p:cNvPicPr>
-            <a:picLocks noGrp="1" noChangeAspect="1" noChangeArrowheads="1"/>
-          </p:cNvPicPr>
+              <a:t>のプログラム</a:t>
+            </a:r>
+          </a:p>
+        </p:txBody>
+      </p:sp>
+      <p:sp>
+        <p:nvSpPr>
+          <p:cNvPr id="3" name="コンテンツ プレースホルダー 2">
+            <a:extLst>
+              <a:ext uri="{FF2B5EF4-FFF2-40B4-BE49-F238E27FC236}">
+                <a16:creationId xmlns:a16="http://schemas.microsoft.com/office/drawing/2014/main" id="{4417CF7E-6C0A-4D0C-B5B2-C3BC5E906F32}"/>
+              </a:ext>
+            </a:extLst>
+          </p:cNvPr>
+          <p:cNvSpPr>
+            <a:spLocks noGrp="1"/>
+          </p:cNvSpPr>
           <p:nvPr>
             <p:ph idx="1"/>
           </p:nvPr>
-        </p:nvPicPr>
-        <p:blipFill>
-          <a:blip r:embed="rId2">
-            <a:extLst>
-              <a:ext uri="{28A0092B-C50C-407E-A947-70E740481C1C}">
-                <a14:useLocalDpi xmlns:a14="http://schemas.microsoft.com/office/drawing/2010/main" val="0"/>
-              </a:ext>
-            </a:extLst>
-          </a:blip>
-          <a:srcRect/>
-          <a:stretch>
-            <a:fillRect/>
-          </a:stretch>
-        </p:blipFill>
-        <p:spPr bwMode="auto">
-          <a:xfrm>
-            <a:off x="5772184" y="1989221"/>
-            <a:ext cx="5201311" cy="3308493"/>
-          </a:xfrm>
-          <a:prstGeom prst="rect">
-            <a:avLst/>
-          </a:prstGeom>
-          <a:noFill/>
-          <a:extLst>
-            <a:ext uri="{909E8E84-426E-40DD-AFC4-6F175D3DCCD1}">
-              <a14:hiddenFill xmlns:a14="http://schemas.microsoft.com/office/drawing/2010/main">
-                <a:solidFill>
-                  <a:srgbClr val="FFFFFF"/>
-                </a:solidFill>
-              </a14:hiddenFill>
-            </a:ext>
-          </a:extLst>
-        </p:spPr>
-      </p:pic>
-      <p:sp>
-        <p:nvSpPr>
-          <p:cNvPr id="4" name="テキスト ボックス 3">
-            <a:extLst>
-              <a:ext uri="{FF2B5EF4-FFF2-40B4-BE49-F238E27FC236}">
-                <a16:creationId xmlns:a16="http://schemas.microsoft.com/office/drawing/2014/main" id="{B381695A-E443-4B0D-9544-C34DFC6638B5}"/>
-              </a:ext>
-            </a:extLst>
-          </p:cNvPr>
-          <p:cNvSpPr txBox="1"/>
-          <p:nvPr/>
-        </p:nvSpPr>
-        <p:spPr>
-          <a:xfrm>
-            <a:off x="1042737" y="1572126"/>
-            <a:ext cx="4299284" cy="3539430"/>
-          </a:xfrm>
-          <a:prstGeom prst="rect">
-            <a:avLst/>
-          </a:prstGeom>
-          <a:noFill/>
-        </p:spPr>
-        <p:txBody>
-          <a:bodyPr wrap="square" rtlCol="0">
-            <a:spAutoFit/>
-          </a:bodyPr>
-          <a:lstStyle/>
-          <a:p>
-            <a:r>
-              <a:rPr lang="ja-JP" altLang="en-US" sz="2800" dirty="0"/>
-              <a:t>図のように、</a:t>
-            </a:r>
-            <a:r>
-              <a:rPr lang="en-US" altLang="ja-JP" sz="2800" dirty="0"/>
-              <a:t>Deep</a:t>
-            </a:r>
-            <a:r>
-              <a:rPr lang="ja-JP" altLang="en-US" sz="2800" dirty="0"/>
-              <a:t>　</a:t>
-            </a:r>
-            <a:r>
-              <a:rPr lang="en-US" altLang="ja-JP" sz="2800" dirty="0"/>
-              <a:t>Learning </a:t>
-            </a:r>
-            <a:r>
-              <a:rPr lang="ja-JP" altLang="en-US" sz="2800" dirty="0"/>
-              <a:t>は中間層を多層にすることで情報伝達と処理を増やし、特徴量の精度や汎用性をあげたり、予測精度を向上させたりすることが可能になります。</a:t>
-            </a:r>
-            <a:endParaRPr kumimoji="1" lang="ja-JP" altLang="en-US" sz="2800" dirty="0"/>
+        </p:nvSpPr>
+        <p:spPr/>
+        <p:txBody>
+          <a:bodyPr/>
+          <a:lstStyle/>
+          <a:p>
+            <a:r>
+              <a:rPr lang="en-US" altLang="ja-JP" dirty="0"/>
+              <a:t>Python</a:t>
+            </a:r>
+            <a:r>
+              <a:rPr lang="ja-JP" altLang="en-US" dirty="0"/>
+              <a:t>で実装</a:t>
+            </a:r>
+            <a:endParaRPr lang="en-US" altLang="ja-JP" dirty="0"/>
+          </a:p>
+          <a:p>
+            <a:r>
+              <a:rPr lang="en-US" altLang="ja-JP" dirty="0"/>
+              <a:t>TensorFlow</a:t>
+            </a:r>
+          </a:p>
+          <a:p>
+            <a:pPr lvl="1"/>
+            <a:r>
+              <a:rPr kumimoji="1" lang="en-US" altLang="ja-JP" dirty="0"/>
+              <a:t>LSTM</a:t>
+            </a:r>
+            <a:r>
+              <a:rPr kumimoji="1" lang="ja-JP" altLang="en-US" dirty="0"/>
+              <a:t>を用いた</a:t>
+            </a:r>
+            <a:r>
+              <a:rPr kumimoji="1" lang="en-US" altLang="ja-JP" dirty="0"/>
+              <a:t>DNN</a:t>
+            </a:r>
+            <a:r>
+              <a:rPr kumimoji="1" lang="ja-JP" altLang="en-US" dirty="0"/>
+              <a:t>を作るためのライブラリ</a:t>
+            </a:r>
+            <a:endParaRPr kumimoji="1" lang="en-US" altLang="ja-JP" dirty="0"/>
+          </a:p>
+          <a:p>
+            <a:r>
+              <a:rPr lang="en-US" altLang="ja-JP" dirty="0"/>
+              <a:t>music21</a:t>
+            </a:r>
+          </a:p>
+          <a:p>
+            <a:pPr lvl="1"/>
+            <a:r>
+              <a:rPr lang="en-US" altLang="ja-JP" dirty="0"/>
+              <a:t>midi</a:t>
+            </a:r>
+            <a:r>
+              <a:rPr lang="ja-JP" altLang="en-US" dirty="0"/>
+              <a:t>の音データを取り出すためのライブラリ</a:t>
+            </a:r>
+            <a:endParaRPr lang="en-US" altLang="ja-JP" dirty="0"/>
+          </a:p>
+          <a:p>
+            <a:endParaRPr kumimoji="1" lang="en-US" altLang="ja-JP" dirty="0"/>
+          </a:p>
+          <a:p>
+            <a:pPr marL="457200" lvl="1" indent="0">
+              <a:buNone/>
+            </a:pPr>
+            <a:endParaRPr lang="en-US" altLang="ja-JP" dirty="0"/>
+          </a:p>
+          <a:p>
+            <a:pPr marL="457200" lvl="1" indent="0">
+              <a:buNone/>
+            </a:pPr>
+            <a:r>
+              <a:rPr kumimoji="1" lang="en-US" altLang="ja-JP" dirty="0"/>
+              <a:t> 		</a:t>
+            </a:r>
+          </a:p>
+          <a:p>
+            <a:endParaRPr kumimoji="1" lang="ja-JP" altLang="en-US" dirty="0"/>
           </a:p>
         </p:txBody>
       </p:sp>
     </p:spTree>
     <p:extLst>
       <p:ext uri="{BB962C8B-B14F-4D97-AF65-F5344CB8AC3E}">
-        <p14:creationId xmlns:p14="http://schemas.microsoft.com/office/powerpoint/2010/main" val="3343050065"/>
+        <p14:creationId xmlns:p14="http://schemas.microsoft.com/office/powerpoint/2010/main" val="3512944444"/>
       </p:ext>
     </p:extLst>
   </p:cSld>
@@ -4597,83 +4547,78 @@
           <p:cNvPr id="2" name="タイトル 1">
             <a:extLst>
               <a:ext uri="{FF2B5EF4-FFF2-40B4-BE49-F238E27FC236}">
-                <a16:creationId xmlns:a16="http://schemas.microsoft.com/office/drawing/2014/main" id="{E4883A0A-8D8C-4B9C-B52B-0F6D514B04E0}"/>
-              </a:ext>
-            </a:extLst>
-          </p:cNvPr>
-          <p:cNvSpPr>
-            <a:spLocks noGrp="1"/>
-          </p:cNvSpPr>
-          <p:nvPr>
-            <p:ph type="title"/>
+                <a16:creationId xmlns:a16="http://schemas.microsoft.com/office/drawing/2014/main" id="{A4C37BF0-35EE-4B0C-BACE-89BF8EBFA2E6}"/>
+              </a:ext>
+            </a:extLst>
+          </p:cNvPr>
+          <p:cNvSpPr>
+            <a:spLocks noGrp="1"/>
+          </p:cNvSpPr>
+          <p:nvPr>
+            <p:ph type="ctrTitle"/>
           </p:nvPr>
         </p:nvSpPr>
         <p:spPr/>
         <p:txBody>
-          <a:bodyPr/>
-          <a:lstStyle/>
-          <a:p>
-            <a:r>
-              <a:rPr kumimoji="1" lang="en-US" altLang="ja-JP" dirty="0"/>
-              <a:t>LSTM</a:t>
-            </a:r>
-            <a:r>
-              <a:rPr kumimoji="1" lang="ja-JP" altLang="en-US" dirty="0"/>
-              <a:t>について</a:t>
-            </a:r>
-          </a:p>
-        </p:txBody>
-      </p:sp>
-      <p:sp>
-        <p:nvSpPr>
-          <p:cNvPr id="3" name="コンテンツ プレースホルダー 2">
-            <a:extLst>
-              <a:ext uri="{FF2B5EF4-FFF2-40B4-BE49-F238E27FC236}">
-                <a16:creationId xmlns:a16="http://schemas.microsoft.com/office/drawing/2014/main" id="{9AB6985F-E57D-4069-BD74-D0C7F1F9B720}"/>
-              </a:ext>
-            </a:extLst>
-          </p:cNvPr>
-          <p:cNvSpPr>
-            <a:spLocks noGrp="1"/>
-          </p:cNvSpPr>
-          <p:nvPr>
-            <p:ph idx="1"/>
-          </p:nvPr>
-        </p:nvSpPr>
-        <p:spPr>
-          <a:xfrm>
-            <a:off x="1393371" y="1901372"/>
-            <a:ext cx="8824686" cy="3817258"/>
-          </a:xfrm>
-        </p:spPr>
-        <p:txBody>
-          <a:bodyPr/>
-          <a:lstStyle/>
-          <a:p>
-            <a:r>
-              <a:rPr lang="en-US" altLang="ja-JP" dirty="0"/>
-              <a:t>LSTM </a:t>
-            </a:r>
-            <a:r>
-              <a:rPr lang="ja-JP" altLang="en-US" dirty="0"/>
-              <a:t>（</a:t>
-            </a:r>
-            <a:r>
-              <a:rPr lang="en-US" altLang="ja-JP" dirty="0"/>
-              <a:t>Long Short-Term Memory: </a:t>
-            </a:r>
-            <a:r>
-              <a:rPr lang="ja-JP" altLang="en-US" dirty="0"/>
-              <a:t>長・短期記憶）ネットワークは、</a:t>
-            </a:r>
-            <a:r>
-              <a:rPr lang="en-US" altLang="ja-JP" dirty="0"/>
-              <a:t>RNN</a:t>
-            </a:r>
-            <a:r>
-              <a:rPr lang="ja-JP" altLang="en-US" dirty="0"/>
-              <a:t>（再帰型 ニューラルネットワーク） の一種です。</a:t>
-            </a:r>
+          <a:bodyPr>
+            <a:normAutofit/>
+          </a:bodyPr>
+          <a:lstStyle/>
+          <a:p>
+            <a:r>
+              <a:rPr lang="en-US" altLang="ja-JP" sz="6600" b="1" dirty="0"/>
+              <a:t>Web</a:t>
+            </a:r>
+            <a:r>
+              <a:rPr lang="ja-JP" altLang="en-US" sz="6600" b="1" dirty="0"/>
+              <a:t>システムについて</a:t>
+            </a:r>
+            <a:endParaRPr kumimoji="1" lang="ja-JP" altLang="en-US" sz="6600" dirty="0"/>
+          </a:p>
+        </p:txBody>
+      </p:sp>
+      <p:sp>
+        <p:nvSpPr>
+          <p:cNvPr id="3" name="字幕 2">
+            <a:extLst>
+              <a:ext uri="{FF2B5EF4-FFF2-40B4-BE49-F238E27FC236}">
+                <a16:creationId xmlns:a16="http://schemas.microsoft.com/office/drawing/2014/main" id="{98CA206C-CDC0-4BBE-B15D-F8731E2FCBE0}"/>
+              </a:ext>
+            </a:extLst>
+          </p:cNvPr>
+          <p:cNvSpPr>
+            <a:spLocks noGrp="1"/>
+          </p:cNvSpPr>
+          <p:nvPr>
+            <p:ph type="subTitle" idx="1"/>
+          </p:nvPr>
+        </p:nvSpPr>
+        <p:spPr/>
+        <p:txBody>
+          <a:bodyPr>
+            <a:normAutofit/>
+          </a:bodyPr>
+          <a:lstStyle/>
+          <a:p>
+            <a:pPr algn="l"/>
+            <a:r>
+              <a:rPr lang="en-US" altLang="ja-JP" sz="3600" dirty="0"/>
+              <a:t>Flask</a:t>
+            </a:r>
+            <a:r>
+              <a:rPr lang="ja-JP" altLang="en-US" sz="3600" dirty="0"/>
+              <a:t>で</a:t>
+            </a:r>
+            <a:r>
+              <a:rPr lang="en-US" altLang="ja-JP" sz="3600" dirty="0"/>
+              <a:t>Web</a:t>
+            </a:r>
+            <a:r>
+              <a:rPr lang="ja-JP" altLang="en-US" sz="3600" dirty="0"/>
+              <a:t>サーバの立ち上げやユーザとサーバのやり取りをします</a:t>
+            </a:r>
+          </a:p>
+          <a:p>
             <a:endParaRPr kumimoji="1" lang="ja-JP" altLang="en-US" dirty="0"/>
           </a:p>
         </p:txBody>
@@ -4681,7 +4626,7 @@
     </p:spTree>
     <p:extLst>
       <p:ext uri="{BB962C8B-B14F-4D97-AF65-F5344CB8AC3E}">
-        <p14:creationId xmlns:p14="http://schemas.microsoft.com/office/powerpoint/2010/main" val="2660890987"/>
+        <p14:creationId xmlns:p14="http://schemas.microsoft.com/office/powerpoint/2010/main" val="1258775609"/>
       </p:ext>
     </p:extLst>
   </p:cSld>
@@ -4713,78 +4658,114 @@
           <p:cNvPr id="2" name="タイトル 1">
             <a:extLst>
               <a:ext uri="{FF2B5EF4-FFF2-40B4-BE49-F238E27FC236}">
-                <a16:creationId xmlns:a16="http://schemas.microsoft.com/office/drawing/2014/main" id="{A4C37BF0-35EE-4B0C-BACE-89BF8EBFA2E6}"/>
-              </a:ext>
-            </a:extLst>
-          </p:cNvPr>
-          <p:cNvSpPr>
-            <a:spLocks noGrp="1"/>
-          </p:cNvSpPr>
-          <p:nvPr>
-            <p:ph type="ctrTitle"/>
+                <a16:creationId xmlns:a16="http://schemas.microsoft.com/office/drawing/2014/main" id="{E2A2CFD8-21B5-4294-9689-B5742664F9BF}"/>
+              </a:ext>
+            </a:extLst>
+          </p:cNvPr>
+          <p:cNvSpPr>
+            <a:spLocks noGrp="1"/>
+          </p:cNvSpPr>
+          <p:nvPr>
+            <p:ph type="title"/>
           </p:nvPr>
         </p:nvSpPr>
         <p:spPr/>
         <p:txBody>
-          <a:bodyPr>
-            <a:normAutofit/>
-          </a:bodyPr>
-          <a:lstStyle/>
-          <a:p>
-            <a:r>
-              <a:rPr lang="en-US" altLang="ja-JP" sz="6600" b="1" dirty="0"/>
+          <a:bodyPr/>
+          <a:lstStyle/>
+          <a:p>
+            <a:r>
+              <a:rPr lang="en-US" altLang="ja-JP" dirty="0"/>
               <a:t>Web</a:t>
             </a:r>
             <a:r>
-              <a:rPr lang="ja-JP" altLang="en-US" sz="6600" b="1" dirty="0"/>
-              <a:t>システムについて</a:t>
-            </a:r>
-            <a:endParaRPr kumimoji="1" lang="ja-JP" altLang="en-US" sz="6600" dirty="0"/>
-          </a:p>
-        </p:txBody>
-      </p:sp>
-      <p:sp>
-        <p:nvSpPr>
-          <p:cNvPr id="3" name="字幕 2">
-            <a:extLst>
-              <a:ext uri="{FF2B5EF4-FFF2-40B4-BE49-F238E27FC236}">
-                <a16:creationId xmlns:a16="http://schemas.microsoft.com/office/drawing/2014/main" id="{98CA206C-CDC0-4BBE-B15D-F8731E2FCBE0}"/>
-              </a:ext>
-            </a:extLst>
-          </p:cNvPr>
-          <p:cNvSpPr>
-            <a:spLocks noGrp="1"/>
-          </p:cNvSpPr>
-          <p:nvPr>
-            <p:ph type="subTitle" idx="1"/>
+              <a:rPr lang="ja-JP" altLang="en-US" dirty="0"/>
+              <a:t>ページの種類</a:t>
+            </a:r>
+            <a:endParaRPr kumimoji="1" lang="ja-JP" altLang="en-US" dirty="0"/>
+          </a:p>
+        </p:txBody>
+      </p:sp>
+      <p:sp>
+        <p:nvSpPr>
+          <p:cNvPr id="3" name="コンテンツ プレースホルダー 2">
+            <a:extLst>
+              <a:ext uri="{FF2B5EF4-FFF2-40B4-BE49-F238E27FC236}">
+                <a16:creationId xmlns:a16="http://schemas.microsoft.com/office/drawing/2014/main" id="{64180FAD-121D-4131-826C-9F51C09F08AB}"/>
+              </a:ext>
+            </a:extLst>
+          </p:cNvPr>
+          <p:cNvSpPr>
+            <a:spLocks noGrp="1"/>
+          </p:cNvSpPr>
+          <p:nvPr>
+            <p:ph idx="1"/>
           </p:nvPr>
         </p:nvSpPr>
         <p:spPr/>
         <p:txBody>
-          <a:bodyPr>
-            <a:normAutofit/>
-          </a:bodyPr>
-          <a:lstStyle/>
-          <a:p>
-            <a:pPr algn="l"/>
-            <a:r>
-              <a:rPr lang="en-US" altLang="ja-JP" sz="3600" dirty="0"/>
+          <a:bodyPr/>
+          <a:lstStyle/>
+          <a:p>
+            <a:r>
+              <a:rPr lang="en-US" altLang="ja-JP" dirty="0"/>
               <a:t>Flask</a:t>
             </a:r>
             <a:r>
-              <a:rPr lang="ja-JP" altLang="en-US" sz="3600" dirty="0"/>
-              <a:t>で</a:t>
-            </a:r>
-            <a:r>
-              <a:rPr lang="en-US" altLang="ja-JP" sz="3600" dirty="0"/>
+              <a:rPr lang="ja-JP" altLang="en-US" dirty="0"/>
+              <a:t>（フラスコ</a:t>
+            </a:r>
+            <a:r>
+              <a:rPr lang="en-US" altLang="ja-JP" dirty="0"/>
+              <a:t>/</a:t>
+            </a:r>
+            <a:r>
+              <a:rPr lang="ja-JP" altLang="en-US" dirty="0"/>
+              <a:t>フラスク）は</a:t>
+            </a:r>
+            <a:r>
+              <a:rPr lang="en-US" altLang="ja-JP" dirty="0"/>
+              <a:t>Python</a:t>
+            </a:r>
+            <a:r>
+              <a:rPr lang="ja-JP" altLang="en-US" dirty="0"/>
+              <a:t>の</a:t>
+            </a:r>
+            <a:r>
+              <a:rPr lang="en-US" altLang="ja-JP" dirty="0"/>
               <a:t>Web</a:t>
             </a:r>
             <a:r>
-              <a:rPr lang="ja-JP" altLang="en-US" sz="3600" dirty="0"/>
-              <a:t>サーバの立ち上げやユーザとサーバのやり取りをします</a:t>
-            </a:r>
-          </a:p>
-          <a:p>
+              <a:rPr lang="ja-JP" altLang="en-US" dirty="0"/>
+              <a:t>アプリケーションフレームワークで、小規模向けの簡単な</a:t>
+            </a:r>
+            <a:r>
+              <a:rPr lang="en-US" altLang="ja-JP" dirty="0"/>
+              <a:t>Web</a:t>
+            </a:r>
+            <a:r>
+              <a:rPr lang="ja-JP" altLang="en-US" dirty="0"/>
+              <a:t>アプリケーションを作るのに適しています。</a:t>
+            </a:r>
+            <a:br>
+              <a:rPr lang="ja-JP" altLang="en-US" dirty="0"/>
+            </a:br>
+            <a:r>
+              <a:rPr lang="en-US" altLang="ja-JP" dirty="0"/>
+              <a:t>Web</a:t>
+            </a:r>
+            <a:r>
+              <a:rPr lang="ja-JP" altLang="en-US" dirty="0"/>
+              <a:t>フレームワークとは、ウェブサイトやウェブアプリケーションを作るための機能を提供し、ウェブフレームワークを使わない時よりもより容易に</a:t>
+            </a:r>
+            <a:r>
+              <a:rPr lang="en-US" altLang="ja-JP" dirty="0"/>
+              <a:t>Web</a:t>
+            </a:r>
+            <a:r>
+              <a:rPr lang="ja-JP" altLang="en-US" dirty="0"/>
+              <a:t>アプリケーションを作ることができるものです。</a:t>
+            </a:r>
             <a:endParaRPr kumimoji="1" lang="ja-JP" altLang="en-US" dirty="0"/>
           </a:p>
         </p:txBody>
@@ -4792,7 +4773,7 @@
     </p:spTree>
     <p:extLst>
       <p:ext uri="{BB962C8B-B14F-4D97-AF65-F5344CB8AC3E}">
-        <p14:creationId xmlns:p14="http://schemas.microsoft.com/office/powerpoint/2010/main" val="1258775609"/>
+        <p14:creationId xmlns:p14="http://schemas.microsoft.com/office/powerpoint/2010/main" val="898338798"/>
       </p:ext>
     </p:extLst>
   </p:cSld>
@@ -4824,153 +4805,6 @@
           <p:cNvPr id="2" name="タイトル 1">
             <a:extLst>
               <a:ext uri="{FF2B5EF4-FFF2-40B4-BE49-F238E27FC236}">
-                <a16:creationId xmlns:a16="http://schemas.microsoft.com/office/drawing/2014/main" id="{E2A2CFD8-21B5-4294-9689-B5742664F9BF}"/>
-              </a:ext>
-            </a:extLst>
-          </p:cNvPr>
-          <p:cNvSpPr>
-            <a:spLocks noGrp="1"/>
-          </p:cNvSpPr>
-          <p:nvPr>
-            <p:ph type="title"/>
-          </p:nvPr>
-        </p:nvSpPr>
-        <p:spPr/>
-        <p:txBody>
-          <a:bodyPr/>
-          <a:lstStyle/>
-          <a:p>
-            <a:r>
-              <a:rPr lang="en-US" altLang="ja-JP" dirty="0"/>
-              <a:t>Web</a:t>
-            </a:r>
-            <a:r>
-              <a:rPr lang="ja-JP" altLang="en-US" dirty="0"/>
-              <a:t>ページの種類</a:t>
-            </a:r>
-            <a:endParaRPr kumimoji="1" lang="ja-JP" altLang="en-US" dirty="0"/>
-          </a:p>
-        </p:txBody>
-      </p:sp>
-      <p:sp>
-        <p:nvSpPr>
-          <p:cNvPr id="3" name="コンテンツ プレースホルダー 2">
-            <a:extLst>
-              <a:ext uri="{FF2B5EF4-FFF2-40B4-BE49-F238E27FC236}">
-                <a16:creationId xmlns:a16="http://schemas.microsoft.com/office/drawing/2014/main" id="{64180FAD-121D-4131-826C-9F51C09F08AB}"/>
-              </a:ext>
-            </a:extLst>
-          </p:cNvPr>
-          <p:cNvSpPr>
-            <a:spLocks noGrp="1"/>
-          </p:cNvSpPr>
-          <p:nvPr>
-            <p:ph idx="1"/>
-          </p:nvPr>
-        </p:nvSpPr>
-        <p:spPr/>
-        <p:txBody>
-          <a:bodyPr/>
-          <a:lstStyle/>
-          <a:p>
-            <a:r>
-              <a:rPr lang="en-US" altLang="ja-JP" dirty="0"/>
-              <a:t>Flask</a:t>
-            </a:r>
-            <a:r>
-              <a:rPr lang="ja-JP" altLang="en-US" dirty="0"/>
-              <a:t>（フラスコ</a:t>
-            </a:r>
-            <a:r>
-              <a:rPr lang="en-US" altLang="ja-JP" dirty="0"/>
-              <a:t>/</a:t>
-            </a:r>
-            <a:r>
-              <a:rPr lang="ja-JP" altLang="en-US" dirty="0"/>
-              <a:t>フラスク）は</a:t>
-            </a:r>
-            <a:r>
-              <a:rPr lang="en-US" altLang="ja-JP" dirty="0"/>
-              <a:t>Python</a:t>
-            </a:r>
-            <a:r>
-              <a:rPr lang="ja-JP" altLang="en-US" dirty="0"/>
-              <a:t>の</a:t>
-            </a:r>
-            <a:r>
-              <a:rPr lang="en-US" altLang="ja-JP" dirty="0"/>
-              <a:t>Web</a:t>
-            </a:r>
-            <a:r>
-              <a:rPr lang="ja-JP" altLang="en-US" dirty="0"/>
-              <a:t>アプリケーションフレームワークで、小規模向けの簡単な</a:t>
-            </a:r>
-            <a:r>
-              <a:rPr lang="en-US" altLang="ja-JP" dirty="0"/>
-              <a:t>Web</a:t>
-            </a:r>
-            <a:r>
-              <a:rPr lang="ja-JP" altLang="en-US" dirty="0"/>
-              <a:t>アプリケーションを作るのに適しています。</a:t>
-            </a:r>
-            <a:br>
-              <a:rPr lang="ja-JP" altLang="en-US" dirty="0"/>
-            </a:br>
-            <a:r>
-              <a:rPr lang="en-US" altLang="ja-JP" dirty="0"/>
-              <a:t>Web</a:t>
-            </a:r>
-            <a:r>
-              <a:rPr lang="ja-JP" altLang="en-US" dirty="0"/>
-              <a:t>フレームワークとは、ウェブサイトやウェブアプリケーションを作るための機能を提供し、ウェブフレームワークを使わない時よりもより容易に</a:t>
-            </a:r>
-            <a:r>
-              <a:rPr lang="en-US" altLang="ja-JP" dirty="0"/>
-              <a:t>Web</a:t>
-            </a:r>
-            <a:r>
-              <a:rPr lang="ja-JP" altLang="en-US" dirty="0"/>
-              <a:t>アプリケーションを作ることができるものです。</a:t>
-            </a:r>
-            <a:endParaRPr kumimoji="1" lang="ja-JP" altLang="en-US" dirty="0"/>
-          </a:p>
-        </p:txBody>
-      </p:sp>
-    </p:spTree>
-    <p:extLst>
-      <p:ext uri="{BB962C8B-B14F-4D97-AF65-F5344CB8AC3E}">
-        <p14:creationId xmlns:p14="http://schemas.microsoft.com/office/powerpoint/2010/main" val="898338798"/>
-      </p:ext>
-    </p:extLst>
-  </p:cSld>
-  <p:clrMapOvr>
-    <a:masterClrMapping/>
-  </p:clrMapOvr>
-</p:sld>
-</file>
-
-<file path=ppt/slides/slide16.xml><?xml version="1.0" encoding="utf-8"?>
-<p:sld xmlns:a="http://schemas.openxmlformats.org/drawingml/2006/main" xmlns:r="http://schemas.openxmlformats.org/officeDocument/2006/relationships" xmlns:p="http://schemas.openxmlformats.org/presentationml/2006/main">
-  <p:cSld>
-    <p:spTree>
-      <p:nvGrpSpPr>
-        <p:cNvPr id="1" name=""/>
-        <p:cNvGrpSpPr/>
-        <p:nvPr/>
-      </p:nvGrpSpPr>
-      <p:grpSpPr>
-        <a:xfrm>
-          <a:off x="0" y="0"/>
-          <a:ext cx="0" cy="0"/>
-          <a:chOff x="0" y="0"/>
-          <a:chExt cx="0" cy="0"/>
-        </a:xfrm>
-      </p:grpSpPr>
-      <p:sp>
-        <p:nvSpPr>
-          <p:cNvPr id="2" name="タイトル 1">
-            <a:extLst>
-              <a:ext uri="{FF2B5EF4-FFF2-40B4-BE49-F238E27FC236}">
                 <a16:creationId xmlns:a16="http://schemas.microsoft.com/office/drawing/2014/main" id="{99218024-A4EE-4EEA-8916-177105FDF5DB}"/>
               </a:ext>
             </a:extLst>
@@ -5057,35 +4891,43 @@
             </a:r>
             <a:r>
               <a:rPr lang="ja-JP" altLang="en-US" sz="2800" dirty="0"/>
-              <a:t>サイトは仮ですが動かせるようになっています。</a:t>
+              <a:t>サイトは動かせるようになっています</a:t>
             </a:r>
             <a:endParaRPr lang="en-US" altLang="ja-JP" sz="2800" dirty="0"/>
           </a:p>
           <a:p>
-            <a:pPr marL="342900" indent="-342900" algn="l">
+            <a:pPr algn="l"/>
+            <a:endParaRPr lang="en-US" altLang="ja-JP" sz="2800" dirty="0"/>
+          </a:p>
+          <a:p>
+            <a:pPr algn="l"/>
+            <a:r>
+              <a:rPr kumimoji="1" lang="ja-JP" altLang="en-US" sz="2800" dirty="0"/>
+              <a:t>課題</a:t>
+            </a:r>
+            <a:endParaRPr kumimoji="1" lang="en-US" altLang="ja-JP" sz="2800" dirty="0"/>
+          </a:p>
+          <a:p>
+            <a:pPr marL="457200" indent="-457200" algn="l">
               <a:buFont typeface="Arial" panose="020B0604020202020204" pitchFamily="34" charset="0"/>
               <a:buChar char="•"/>
             </a:pPr>
             <a:r>
               <a:rPr kumimoji="1" lang="ja-JP" altLang="en-US" sz="2800" dirty="0"/>
-              <a:t>ファイルのやり取りや学習モデルがまだ未完成です。</a:t>
+              <a:t>学習モデル</a:t>
             </a:r>
             <a:endParaRPr kumimoji="1" lang="en-US" altLang="ja-JP" sz="2800" dirty="0"/>
           </a:p>
           <a:p>
-            <a:pPr marL="342900" indent="-342900" algn="l">
+            <a:pPr marL="457200" indent="-457200" algn="l">
               <a:buFont typeface="Arial" panose="020B0604020202020204" pitchFamily="34" charset="0"/>
               <a:buChar char="•"/>
             </a:pPr>
             <a:r>
-              <a:rPr kumimoji="1" lang="ja-JP" altLang="en-US" sz="2800" dirty="0"/>
-              <a:t>入力されたデータの送信方法についても考えています</a:t>
-            </a:r>
-            <a:endParaRPr kumimoji="1" lang="en-US" altLang="ja-JP" sz="2800" dirty="0"/>
-          </a:p>
-          <a:p>
-            <a:pPr algn="l"/>
-            <a:endParaRPr kumimoji="1" lang="ja-JP" altLang="en-US" sz="2800" dirty="0"/>
+              <a:rPr lang="ja-JP" altLang="en-US" sz="2800" dirty="0"/>
+              <a:t>音楽ファイルのやり取り</a:t>
+            </a:r>
+            <a:endParaRPr lang="en-US" altLang="ja-JP" sz="2800" dirty="0"/>
           </a:p>
         </p:txBody>
       </p:sp>
@@ -5102,7 +4944,7 @@
 </p:sld>
 </file>
 
-<file path=ppt/slides/slide17.xml><?xml version="1.0" encoding="utf-8"?>
+<file path=ppt/slides/slide16.xml><?xml version="1.0" encoding="utf-8"?>
 <p:sld xmlns:a="http://schemas.openxmlformats.org/drawingml/2006/main" xmlns:r="http://schemas.openxmlformats.org/officeDocument/2006/relationships" xmlns:p="http://schemas.openxmlformats.org/presentationml/2006/main">
   <p:cSld>
     <p:spTree>
@@ -5220,7 +5062,7 @@
             </a:r>
             <a:r>
               <a:rPr kumimoji="1" lang="en-US" altLang="ja-JP" sz="6000" dirty="0"/>
-              <a:t>it Composer</a:t>
+              <a:t>it composer</a:t>
             </a:r>
             <a:r>
               <a:rPr kumimoji="1" lang="ja-JP" altLang="en-US" sz="6000" dirty="0"/>
@@ -5248,8 +5090,8 @@
         </p:nvSpPr>
         <p:spPr>
           <a:xfrm>
-            <a:off x="2114550" y="2990850"/>
-            <a:ext cx="8305800" cy="1231106"/>
+            <a:off x="1257300" y="2584113"/>
+            <a:ext cx="9677400" cy="3385542"/>
           </a:xfrm>
           <a:prstGeom prst="rect">
             <a:avLst/>
@@ -5275,24 +5117,59 @@
           <a:p>
             <a:r>
               <a:rPr lang="ja-JP" altLang="en-US" sz="2800" dirty="0"/>
-              <a:t>ゲームに使われる</a:t>
+              <a:t>ゲームに使われる音楽にそっくりな曲を作曲します。</a:t>
+            </a:r>
+            <a:endParaRPr lang="en-US" altLang="ja-JP" sz="2800" dirty="0"/>
+          </a:p>
+          <a:p>
+            <a:endParaRPr lang="en-US" altLang="ja-JP" sz="2800" dirty="0"/>
+          </a:p>
+          <a:p>
+            <a:r>
+              <a:rPr lang="ja-JP" altLang="en-US" sz="2800" dirty="0"/>
+              <a:t>例</a:t>
+            </a:r>
+            <a:endParaRPr lang="en-US" altLang="ja-JP" sz="2800" dirty="0"/>
+          </a:p>
+          <a:p>
+            <a:pPr marL="457200" indent="-457200">
+              <a:buFont typeface="Arial" panose="020B0604020202020204" pitchFamily="34" charset="0"/>
+              <a:buChar char="•"/>
+            </a:pPr>
+            <a:r>
+              <a:rPr lang="ja-JP" altLang="en-US" sz="2800" dirty="0"/>
+              <a:t>スーパーマリオブラザーズ </a:t>
             </a:r>
             <a:r>
               <a:rPr lang="en-US" altLang="ja-JP" sz="2800" dirty="0"/>
-              <a:t>BGM</a:t>
+              <a:t>1 - 1(</a:t>
             </a:r>
             <a:r>
               <a:rPr lang="ja-JP" altLang="en-US" sz="2800" dirty="0"/>
-              <a:t>に似た曲を</a:t>
+              <a:t>地上</a:t>
             </a:r>
             <a:r>
               <a:rPr lang="en-US" altLang="ja-JP" sz="2800" dirty="0"/>
-              <a:t>AI</a:t>
-            </a:r>
+              <a:t>BGM)</a:t>
+            </a:r>
+          </a:p>
+          <a:p>
+            <a:pPr marL="457200" indent="-457200">
+              <a:buFont typeface="Arial" panose="020B0604020202020204" pitchFamily="34" charset="0"/>
+              <a:buChar char="•"/>
+            </a:pPr>
             <a:r>
               <a:rPr lang="ja-JP" altLang="en-US" sz="2800" dirty="0"/>
-              <a:t>が作る</a:t>
-            </a:r>
+              <a:t>ドラゴンクエスト オープニング</a:t>
+            </a:r>
+            <a:endParaRPr lang="en-US" altLang="ja-JP" sz="2800" dirty="0"/>
+          </a:p>
+          <a:p>
+            <a:pPr marL="457200" indent="-457200">
+              <a:buFont typeface="Arial" panose="020B0604020202020204" pitchFamily="34" charset="0"/>
+              <a:buChar char="•"/>
+            </a:pPr>
+            <a:endParaRPr lang="en-US" altLang="ja-JP" sz="2800" dirty="0"/>
           </a:p>
           <a:p>
             <a:endParaRPr lang="en-US" altLang="ja-JP" dirty="0"/>
@@ -5331,10 +5208,10 @@
       </p:grpSpPr>
       <p:sp>
         <p:nvSpPr>
-          <p:cNvPr id="2" name="タイトル 1">
-            <a:extLst>
-              <a:ext uri="{FF2B5EF4-FFF2-40B4-BE49-F238E27FC236}">
-                <a16:creationId xmlns:a16="http://schemas.microsoft.com/office/drawing/2014/main" id="{776D80D2-4D7F-42A3-845D-3A4007DA9299}"/>
+          <p:cNvPr id="4" name="タイトル 3">
+            <a:extLst>
+              <a:ext uri="{FF2B5EF4-FFF2-40B4-BE49-F238E27FC236}">
+                <a16:creationId xmlns:a16="http://schemas.microsoft.com/office/drawing/2014/main" id="{77D4D360-3452-403B-A802-00F2AC9725F0}"/>
               </a:ext>
             </a:extLst>
           </p:cNvPr>
@@ -5351,130 +5228,124 @@
           <a:lstStyle/>
           <a:p>
             <a:r>
-              <a:rPr kumimoji="1" lang="en-US" altLang="ja-JP" dirty="0"/>
-              <a:t>BGM</a:t>
-            </a:r>
-            <a:r>
               <a:rPr kumimoji="1" lang="ja-JP" altLang="en-US" dirty="0"/>
-              <a:t>とは</a:t>
-            </a:r>
-          </a:p>
-        </p:txBody>
-      </p:sp>
-      <p:sp>
-        <p:nvSpPr>
-          <p:cNvPr id="3" name="コンテンツ プレースホルダー 2">
-            <a:extLst>
-              <a:ext uri="{FF2B5EF4-FFF2-40B4-BE49-F238E27FC236}">
-                <a16:creationId xmlns:a16="http://schemas.microsoft.com/office/drawing/2014/main" id="{673A48D2-6C69-4495-BB71-8FB3DC621403}"/>
-              </a:ext>
-            </a:extLst>
-          </p:cNvPr>
-          <p:cNvSpPr>
-            <a:spLocks noGrp="1"/>
-          </p:cNvSpPr>
-          <p:nvPr>
-            <p:ph idx="1"/>
-          </p:nvPr>
-        </p:nvSpPr>
-        <p:spPr/>
-        <p:txBody>
-          <a:bodyPr/>
-          <a:lstStyle/>
-          <a:p>
-            <a:r>
-              <a:rPr kumimoji="1" lang="en-US" altLang="ja-JP" dirty="0"/>
-              <a:t>Back</a:t>
-            </a:r>
-            <a:r>
-              <a:rPr lang="ja-JP" altLang="en-US" dirty="0"/>
-              <a:t> </a:t>
-            </a:r>
-            <a:r>
-              <a:rPr kumimoji="1" lang="en-US" altLang="ja-JP" dirty="0"/>
-              <a:t>Ground Music</a:t>
-            </a:r>
-            <a:r>
-              <a:rPr kumimoji="1" lang="ja-JP" altLang="en-US" dirty="0"/>
-              <a:t>の略で、雰囲気を作るための背景となる音楽です</a:t>
-            </a:r>
-            <a:endParaRPr lang="en-US" altLang="ja-JP" dirty="0"/>
-          </a:p>
-          <a:p>
-            <a:endParaRPr kumimoji="1" lang="en-US" altLang="ja-JP" dirty="0"/>
-          </a:p>
-          <a:p>
-            <a:r>
-              <a:rPr kumimoji="1" lang="ja-JP" altLang="en-US" dirty="0"/>
-              <a:t>ゲームミュージックの例</a:t>
-            </a:r>
-            <a:endParaRPr kumimoji="1" lang="en-US" altLang="ja-JP" dirty="0"/>
-          </a:p>
-          <a:p>
-            <a:pPr lvl="1"/>
-            <a:r>
-              <a:rPr lang="ja-JP" altLang="en-US" dirty="0"/>
-              <a:t>スーパー</a:t>
-            </a:r>
-            <a:r>
-              <a:rPr kumimoji="1" lang="ja-JP" altLang="en-US" dirty="0"/>
-              <a:t>マリオブラザーズの</a:t>
-            </a:r>
-            <a:r>
-              <a:rPr kumimoji="1" lang="en-US" altLang="ja-JP" dirty="0"/>
-              <a:t>1-1</a:t>
-            </a:r>
-          </a:p>
-          <a:p>
-            <a:pPr lvl="1"/>
-            <a:r>
-              <a:rPr lang="ja-JP" altLang="en-US" dirty="0"/>
-              <a:t>ドラゴンクエストのオープニング　など</a:t>
-            </a:r>
-            <a:endParaRPr kumimoji="1" lang="ja-JP" altLang="en-US" i="1" dirty="0"/>
-          </a:p>
-        </p:txBody>
-      </p:sp>
-      <p:pic>
-        <p:nvPicPr>
-          <p:cNvPr id="5" name="図 4">
-            <a:extLst>
-              <a:ext uri="{FF2B5EF4-FFF2-40B4-BE49-F238E27FC236}">
-                <a16:creationId xmlns:a16="http://schemas.microsoft.com/office/drawing/2014/main" id="{AB5A2EDD-0F44-4863-91D6-D537B81874BB}"/>
-              </a:ext>
-            </a:extLst>
-          </p:cNvPr>
-          <p:cNvPicPr>
-            <a:picLocks noChangeAspect="1"/>
-          </p:cNvPicPr>
+              <a:t>システムの構成</a:t>
+            </a:r>
+          </a:p>
+        </p:txBody>
+      </p:sp>
+      <p:sp>
+        <p:nvSpPr>
+          <p:cNvPr id="5" name="テキスト ボックス 4">
+            <a:extLst>
+              <a:ext uri="{FF2B5EF4-FFF2-40B4-BE49-F238E27FC236}">
+                <a16:creationId xmlns:a16="http://schemas.microsoft.com/office/drawing/2014/main" id="{843B0245-9A3B-4E97-B4FC-2A4D8CA8C5A5}"/>
+              </a:ext>
+            </a:extLst>
+          </p:cNvPr>
+          <p:cNvSpPr txBox="1"/>
           <p:nvPr/>
-        </p:nvPicPr>
-        <p:blipFill>
-          <a:blip r:embed="rId2">
-            <a:extLst>
-              <a:ext uri="{28A0092B-C50C-407E-A947-70E740481C1C}">
-                <a14:useLocalDpi xmlns:a14="http://schemas.microsoft.com/office/drawing/2010/main" val="0"/>
-              </a:ext>
-            </a:extLst>
-          </a:blip>
-          <a:stretch>
-            <a:fillRect/>
-          </a:stretch>
-        </p:blipFill>
+        </p:nvSpPr>
         <p:spPr>
           <a:xfrm>
-            <a:off x="8096340" y="3675501"/>
-            <a:ext cx="3779927" cy="2983622"/>
+            <a:off x="660400" y="1690688"/>
+            <a:ext cx="10236200" cy="1938992"/>
           </a:xfrm>
           <a:prstGeom prst="rect">
             <a:avLst/>
           </a:prstGeom>
+          <a:noFill/>
         </p:spPr>
-      </p:pic>
+        <p:txBody>
+          <a:bodyPr wrap="square" rtlCol="0">
+            <a:spAutoFit/>
+          </a:bodyPr>
+          <a:lstStyle/>
+          <a:p>
+            <a:pPr marL="285750" indent="-285750">
+              <a:buFont typeface="Arial" panose="020B0604020202020204" pitchFamily="34" charset="0"/>
+              <a:buChar char="•"/>
+            </a:pPr>
+            <a:r>
+              <a:rPr lang="en-US" altLang="ja-JP" sz="2400" dirty="0"/>
+              <a:t>Web</a:t>
+            </a:r>
+            <a:r>
+              <a:rPr lang="ja-JP" altLang="en-US" sz="2400" dirty="0"/>
+              <a:t>アプリケーションなのでサーバに自動作曲システムがある</a:t>
+            </a:r>
+            <a:endParaRPr lang="en-US" altLang="ja-JP" sz="2400" dirty="0"/>
+          </a:p>
+          <a:p>
+            <a:pPr marL="285750" indent="-285750">
+              <a:buFont typeface="Arial" panose="020B0604020202020204" pitchFamily="34" charset="0"/>
+              <a:buChar char="•"/>
+            </a:pPr>
+            <a:endParaRPr lang="en-US" altLang="ja-JP" sz="2400" dirty="0"/>
+          </a:p>
+          <a:p>
+            <a:pPr marL="285750" indent="-285750">
+              <a:buFont typeface="Arial" panose="020B0604020202020204" pitchFamily="34" charset="0"/>
+              <a:buChar char="•"/>
+            </a:pPr>
+            <a:r>
+              <a:rPr lang="ja-JP" altLang="en-US" sz="2400" dirty="0"/>
+              <a:t>自動作曲システムは</a:t>
+            </a:r>
+            <a:r>
+              <a:rPr lang="en-US" altLang="ja-JP" sz="2400" dirty="0"/>
+              <a:t>Python</a:t>
+            </a:r>
+            <a:r>
+              <a:rPr lang="ja-JP" altLang="en-US" sz="2400" dirty="0"/>
+              <a:t>で実装</a:t>
+            </a:r>
+            <a:endParaRPr lang="en-US" altLang="ja-JP" sz="2400" dirty="0"/>
+          </a:p>
+          <a:p>
+            <a:pPr marL="285750" indent="-285750">
+              <a:buFont typeface="Arial" panose="020B0604020202020204" pitchFamily="34" charset="0"/>
+              <a:buChar char="•"/>
+            </a:pPr>
+            <a:endParaRPr lang="en-US" altLang="ja-JP" sz="2400" dirty="0"/>
+          </a:p>
+          <a:p>
+            <a:pPr marL="285750" indent="-285750">
+              <a:buFont typeface="Arial" panose="020B0604020202020204" pitchFamily="34" charset="0"/>
+              <a:buChar char="•"/>
+            </a:pPr>
+            <a:r>
+              <a:rPr lang="ja-JP" altLang="en-US" sz="2400" dirty="0"/>
+              <a:t>サーバのプログラムは</a:t>
+            </a:r>
+            <a:r>
+              <a:rPr kumimoji="1" lang="en-US" altLang="ja-JP" sz="2400" dirty="0"/>
+              <a:t>Flask</a:t>
+            </a:r>
+            <a:r>
+              <a:rPr kumimoji="1" lang="ja-JP" altLang="en-US" sz="2400" dirty="0"/>
+              <a:t>という</a:t>
+            </a:r>
+            <a:r>
+              <a:rPr kumimoji="1" lang="en-US" altLang="ja-JP" sz="2400" dirty="0"/>
+              <a:t>Python</a:t>
+            </a:r>
+            <a:r>
+              <a:rPr kumimoji="1" lang="ja-JP" altLang="en-US" sz="2400" dirty="0"/>
+              <a:t>のライブラリを使い</a:t>
+            </a:r>
+            <a:r>
+              <a:rPr lang="ja-JP" altLang="en-US" sz="2400" dirty="0"/>
+              <a:t>実装</a:t>
+            </a:r>
+            <a:endParaRPr kumimoji="1" lang="ja-JP" altLang="en-US" sz="2400" dirty="0"/>
+          </a:p>
+        </p:txBody>
+      </p:sp>
     </p:spTree>
     <p:extLst>
       <p:ext uri="{BB962C8B-B14F-4D97-AF65-F5344CB8AC3E}">
-        <p14:creationId xmlns:p14="http://schemas.microsoft.com/office/powerpoint/2010/main" val="3722956379"/>
+        <p14:creationId xmlns:p14="http://schemas.microsoft.com/office/powerpoint/2010/main" val="2826307774"/>
       </p:ext>
     </p:extLst>
   </p:cSld>
@@ -5515,7 +5386,7 @@
         </p:nvSpPr>
         <p:spPr>
           <a:xfrm>
-            <a:off x="244929" y="228600"/>
+            <a:off x="468086" y="214509"/>
             <a:ext cx="11478985" cy="523220"/>
           </a:xfrm>
           <a:prstGeom prst="rect">
@@ -5531,7 +5402,7 @@
           <a:p>
             <a:r>
               <a:rPr lang="ja-JP" altLang="en-US" sz="2800" dirty="0"/>
-              <a:t>システム構成図</a:t>
+              <a:t>システムの流れ</a:t>
             </a:r>
             <a:endParaRPr kumimoji="1" lang="ja-JP" altLang="en-US" sz="2800" dirty="0"/>
           </a:p>
@@ -5539,10 +5410,10 @@
       </p:sp>
       <p:pic>
         <p:nvPicPr>
-          <p:cNvPr id="3" name="図 2">
-            <a:extLst>
-              <a:ext uri="{FF2B5EF4-FFF2-40B4-BE49-F238E27FC236}">
-                <a16:creationId xmlns:a16="http://schemas.microsoft.com/office/drawing/2014/main" id="{133A9197-0983-4EB2-97BF-E5107BE34406}"/>
+          <p:cNvPr id="7" name="図 6">
+            <a:extLst>
+              <a:ext uri="{FF2B5EF4-FFF2-40B4-BE49-F238E27FC236}">
+                <a16:creationId xmlns:a16="http://schemas.microsoft.com/office/drawing/2014/main" id="{E330C363-7654-4AFD-9851-C415D075876E}"/>
               </a:ext>
             </a:extLst>
           </p:cNvPr>
@@ -5565,8 +5436,8 @@
         </p:blipFill>
         <p:spPr>
           <a:xfrm>
-            <a:off x="244929" y="1037771"/>
-            <a:ext cx="4782320" cy="5355772"/>
+            <a:off x="766775" y="1084982"/>
+            <a:ext cx="10658449" cy="4688035"/>
           </a:xfrm>
           <a:prstGeom prst="rect">
             <a:avLst/>
@@ -5770,21 +5641,73 @@
           </a:p>
         </p:txBody>
       </p:sp>
+      <p:sp>
+        <p:nvSpPr>
+          <p:cNvPr id="3" name="正方形/長方形 2">
+            <a:extLst>
+              <a:ext uri="{FF2B5EF4-FFF2-40B4-BE49-F238E27FC236}">
+                <a16:creationId xmlns:a16="http://schemas.microsoft.com/office/drawing/2014/main" id="{3315B995-5F06-43D9-BAA8-F4D65FE55F0F}"/>
+              </a:ext>
+            </a:extLst>
+          </p:cNvPr>
+          <p:cNvSpPr/>
+          <p:nvPr/>
+        </p:nvSpPr>
+        <p:spPr>
+          <a:xfrm>
+            <a:off x="2806700" y="5791200"/>
+            <a:ext cx="177800" cy="292100"/>
+          </a:xfrm>
+          <a:prstGeom prst="rect">
+            <a:avLst/>
+          </a:prstGeom>
+          <a:solidFill>
+            <a:schemeClr val="bg1"/>
+          </a:solidFill>
+          <a:ln>
+            <a:solidFill>
+              <a:schemeClr val="bg1"/>
+            </a:solidFill>
+          </a:ln>
+        </p:spPr>
+        <p:style>
+          <a:lnRef idx="2">
+            <a:schemeClr val="accent1">
+              <a:shade val="50000"/>
+            </a:schemeClr>
+          </a:lnRef>
+          <a:fillRef idx="1">
+            <a:schemeClr val="accent1"/>
+          </a:fillRef>
+          <a:effectRef idx="0">
+            <a:schemeClr val="accent1"/>
+          </a:effectRef>
+          <a:fontRef idx="minor">
+            <a:schemeClr val="lt1"/>
+          </a:fontRef>
+        </p:style>
+        <p:txBody>
+          <a:bodyPr rtlCol="0" anchor="ctr"/>
+          <a:lstStyle/>
+          <a:p>
+            <a:pPr algn="ctr"/>
+            <a:endParaRPr kumimoji="1" lang="ja-JP" altLang="en-US"/>
+          </a:p>
+        </p:txBody>
+      </p:sp>
       <p:pic>
         <p:nvPicPr>
-          <p:cNvPr id="5" name="コンテンツ プレースホルダー 4">
-            <a:extLst>
-              <a:ext uri="{FF2B5EF4-FFF2-40B4-BE49-F238E27FC236}">
-                <a16:creationId xmlns:a16="http://schemas.microsoft.com/office/drawing/2014/main" id="{B1E5B313-2ED0-4670-B2BF-5B114823B22D}"/>
+          <p:cNvPr id="16" name="図 15">
+            <a:extLst>
+              <a:ext uri="{FF2B5EF4-FFF2-40B4-BE49-F238E27FC236}">
+                <a16:creationId xmlns:a16="http://schemas.microsoft.com/office/drawing/2014/main" id="{686B58AA-D48B-4925-B388-8C5F2C5591D2}"/>
               </a:ext>
             </a:extLst>
           </p:cNvPr>
           <p:cNvPicPr>
-            <a:picLocks noGrp="1" noChangeAspect="1"/>
+            <a:picLocks noChangeAspect="1"/>
           </p:cNvPicPr>
-          <p:nvPr>
-            <p:ph idx="1"/>
-          </p:nvPr>
+          <p:nvPr/>
         </p:nvPicPr>
         <p:blipFill>
           <a:blip r:embed="rId2">
@@ -5800,11 +5723,129 @@
         </p:blipFill>
         <p:spPr>
           <a:xfrm>
-            <a:off x="838200" y="1690688"/>
-            <a:ext cx="7763958" cy="3019846"/>
+            <a:off x="2132334" y="1748396"/>
+            <a:ext cx="7927331" cy="1923298"/>
+          </a:xfrm>
+          <a:prstGeom prst="rect">
+            <a:avLst/>
+          </a:prstGeom>
+        </p:spPr>
+      </p:pic>
+      <p:sp>
+        <p:nvSpPr>
+          <p:cNvPr id="18" name="テキスト ボックス 17">
+            <a:extLst>
+              <a:ext uri="{FF2B5EF4-FFF2-40B4-BE49-F238E27FC236}">
+                <a16:creationId xmlns:a16="http://schemas.microsoft.com/office/drawing/2014/main" id="{673A27D1-5C7D-434F-892D-083B8433228A}"/>
+              </a:ext>
+            </a:extLst>
+          </p:cNvPr>
+          <p:cNvSpPr txBox="1"/>
+          <p:nvPr/>
+        </p:nvSpPr>
+        <p:spPr>
+          <a:xfrm>
+            <a:off x="9385300" y="3182779"/>
+            <a:ext cx="1968500" cy="246221"/>
+          </a:xfrm>
+          <a:prstGeom prst="rect">
+            <a:avLst/>
+          </a:prstGeom>
+          <a:noFill/>
+        </p:spPr>
+        <p:txBody>
+          <a:bodyPr wrap="square" rtlCol="0">
+            <a:spAutoFit/>
+          </a:bodyPr>
+          <a:lstStyle/>
+          <a:p>
+            <a:r>
+              <a:rPr kumimoji="1" lang="en-US" altLang="ja-JP" sz="1000" dirty="0"/>
+              <a:t>※ Flat</a:t>
+            </a:r>
+            <a:r>
+              <a:rPr kumimoji="1" lang="ja-JP" altLang="en-US" sz="1000" dirty="0"/>
+              <a:t>より作成</a:t>
+            </a:r>
+          </a:p>
+        </p:txBody>
+      </p:sp>
+      <p:pic>
+        <p:nvPicPr>
+          <p:cNvPr id="22" name="コンテンツ プレースホルダー 21">
+            <a:extLst>
+              <a:ext uri="{FF2B5EF4-FFF2-40B4-BE49-F238E27FC236}">
+                <a16:creationId xmlns:a16="http://schemas.microsoft.com/office/drawing/2014/main" id="{5AEEA717-E89F-4444-84E7-3D55D771147F}"/>
+              </a:ext>
+            </a:extLst>
+          </p:cNvPr>
+          <p:cNvPicPr>
+            <a:picLocks noGrp="1" noChangeAspect="1"/>
+          </p:cNvPicPr>
+          <p:nvPr>
+            <p:ph idx="1"/>
+          </p:nvPr>
+        </p:nvPicPr>
+        <p:blipFill>
+          <a:blip r:embed="rId3">
+            <a:extLst>
+              <a:ext uri="{28A0092B-C50C-407E-A947-70E740481C1C}">
+                <a14:useLocalDpi xmlns:a14="http://schemas.microsoft.com/office/drawing/2010/main" val="0"/>
+              </a:ext>
+            </a:extLst>
+          </a:blip>
+          <a:stretch>
+            <a:fillRect/>
+          </a:stretch>
+        </p:blipFill>
+        <p:spPr>
+          <a:xfrm>
+            <a:off x="1123950" y="3657600"/>
+            <a:ext cx="9944100" cy="2133600"/>
           </a:xfrm>
         </p:spPr>
       </p:pic>
+      <p:sp>
+        <p:nvSpPr>
+          <p:cNvPr id="24" name="テキスト ボックス 23">
+            <a:extLst>
+              <a:ext uri="{FF2B5EF4-FFF2-40B4-BE49-F238E27FC236}">
+                <a16:creationId xmlns:a16="http://schemas.microsoft.com/office/drawing/2014/main" id="{CC2F4E9E-E77D-4EBB-A9E8-858EFC0F5752}"/>
+              </a:ext>
+            </a:extLst>
+          </p:cNvPr>
+          <p:cNvSpPr txBox="1"/>
+          <p:nvPr/>
+        </p:nvSpPr>
+        <p:spPr>
+          <a:xfrm>
+            <a:off x="9840286" y="5652700"/>
+            <a:ext cx="2588130" cy="276999"/>
+          </a:xfrm>
+          <a:prstGeom prst="rect">
+            <a:avLst/>
+          </a:prstGeom>
+          <a:noFill/>
+        </p:spPr>
+        <p:txBody>
+          <a:bodyPr wrap="square" rtlCol="0">
+            <a:spAutoFit/>
+          </a:bodyPr>
+          <a:lstStyle/>
+          <a:p>
+            <a:r>
+              <a:rPr kumimoji="1" lang="ja-JP" altLang="en-US" sz="1200" dirty="0">
+                <a:hlinkClick r:id="rId4"/>
+              </a:rPr>
+              <a:t>来夢来人</a:t>
+            </a:r>
+            <a:r>
+              <a:rPr kumimoji="1" lang="ja-JP" altLang="en-US" sz="1200" dirty="0"/>
+              <a:t>より引用</a:t>
+            </a:r>
+          </a:p>
+        </p:txBody>
+      </p:sp>
     </p:spTree>
     <p:extLst>
       <p:ext uri="{BB962C8B-B14F-4D97-AF65-F5344CB8AC3E}">
@@ -5853,8 +5894,8 @@
         </p:nvSpPr>
         <p:spPr>
           <a:xfrm>
-            <a:off x="914400" y="493487"/>
-            <a:ext cx="9753600" cy="1291770"/>
+            <a:off x="746620" y="544740"/>
+            <a:ext cx="9753600" cy="725714"/>
           </a:xfrm>
         </p:spPr>
         <p:txBody>
@@ -5864,6 +5905,10 @@
           <a:lstStyle/>
           <a:p>
             <a:pPr algn="l"/>
+            <a:r>
+              <a:rPr lang="en-US" altLang="ja-JP" sz="4400" dirty="0"/>
+              <a:t>2. </a:t>
+            </a:r>
             <a:r>
               <a:rPr lang="ja-JP" altLang="en-US" sz="4400" dirty="0"/>
               <a:t>音楽を作成したら送信</a:t>
@@ -5894,8 +5939,8 @@
         </p:blipFill>
         <p:spPr>
           <a:xfrm>
-            <a:off x="7311572" y="3099026"/>
-            <a:ext cx="3810000" cy="3381375"/>
+            <a:off x="9191752" y="4102217"/>
+            <a:ext cx="2491316" cy="2211043"/>
           </a:xfrm>
           <a:prstGeom prst="rect">
             <a:avLst/>
@@ -5920,7 +5965,7 @@
         </p:nvSpPr>
         <p:spPr>
           <a:xfrm>
-            <a:off x="1524000" y="2569029"/>
+            <a:off x="3014663" y="3020294"/>
             <a:ext cx="4572000" cy="725713"/>
           </a:xfrm>
         </p:spPr>
@@ -5930,13 +5975,50 @@
           </a:bodyPr>
           <a:lstStyle/>
           <a:p>
+            <a:pPr algn="l"/>
             <a:r>
               <a:rPr kumimoji="1" lang="ja-JP" altLang="en-US" b="1" dirty="0"/>
-              <a:t>送信ボタンを押す</a:t>
-            </a:r>
-          </a:p>
-        </p:txBody>
-      </p:sp>
+              <a:t>を押す</a:t>
+            </a:r>
+          </a:p>
+        </p:txBody>
+      </p:sp>
+      <p:pic>
+        <p:nvPicPr>
+          <p:cNvPr id="6" name="図 5">
+            <a:extLst>
+              <a:ext uri="{FF2B5EF4-FFF2-40B4-BE49-F238E27FC236}">
+                <a16:creationId xmlns:a16="http://schemas.microsoft.com/office/drawing/2014/main" id="{834CDCC0-B381-4919-8609-03FC93929CF5}"/>
+              </a:ext>
+            </a:extLst>
+          </p:cNvPr>
+          <p:cNvPicPr>
+            <a:picLocks noChangeAspect="1"/>
+          </p:cNvPicPr>
+          <p:nvPr/>
+        </p:nvPicPr>
+        <p:blipFill>
+          <a:blip r:embed="rId3">
+            <a:extLst>
+              <a:ext uri="{28A0092B-C50C-407E-A947-70E740481C1C}">
+                <a14:useLocalDpi xmlns:a14="http://schemas.microsoft.com/office/drawing/2010/main" val="0"/>
+              </a:ext>
+            </a:extLst>
+          </a:blip>
+          <a:stretch>
+            <a:fillRect/>
+          </a:stretch>
+        </p:blipFill>
+        <p:spPr>
+          <a:xfrm>
+            <a:off x="1524000" y="2531344"/>
+            <a:ext cx="1490663" cy="851807"/>
+          </a:xfrm>
+          <a:prstGeom prst="rect">
+            <a:avLst/>
+          </a:prstGeom>
+        </p:spPr>
+      </p:pic>
     </p:spTree>
     <p:extLst>
       <p:ext uri="{BB962C8B-B14F-4D97-AF65-F5344CB8AC3E}">
@@ -5983,11 +6065,20 @@
             <p:ph type="title"/>
           </p:nvPr>
         </p:nvSpPr>
-        <p:spPr/>
+        <p:spPr>
+          <a:xfrm>
+            <a:off x="838200" y="452790"/>
+            <a:ext cx="10515600" cy="818233"/>
+          </a:xfrm>
+        </p:spPr>
         <p:txBody>
           <a:bodyPr/>
           <a:lstStyle/>
           <a:p>
+            <a:r>
+              <a:rPr lang="en-US" altLang="ja-JP" dirty="0"/>
+              <a:t>3. </a:t>
+            </a:r>
             <a:r>
               <a:rPr lang="ja-JP" altLang="en-US" dirty="0"/>
               <a:t>音楽</a:t>
@@ -6030,7 +6121,7 @@
         </p:blipFill>
         <p:spPr bwMode="auto">
           <a:xfrm>
-            <a:off x="6632626" y="2275568"/>
+            <a:off x="7677654" y="2506662"/>
             <a:ext cx="4514346" cy="4351338"/>
           </a:xfrm>
           <a:prstGeom prst="rect">
@@ -6048,6 +6139,50 @@
           </a:extLst>
         </p:spPr>
       </p:pic>
+      <p:sp>
+        <p:nvSpPr>
+          <p:cNvPr id="3" name="テキスト ボックス 2">
+            <a:extLst>
+              <a:ext uri="{FF2B5EF4-FFF2-40B4-BE49-F238E27FC236}">
+                <a16:creationId xmlns:a16="http://schemas.microsoft.com/office/drawing/2014/main" id="{303A859F-F73B-4AFA-9984-840E0DF037E6}"/>
+              </a:ext>
+            </a:extLst>
+          </p:cNvPr>
+          <p:cNvSpPr txBox="1"/>
+          <p:nvPr/>
+        </p:nvSpPr>
+        <p:spPr>
+          <a:xfrm>
+            <a:off x="838200" y="2133600"/>
+            <a:ext cx="6839454" cy="369332"/>
+          </a:xfrm>
+          <a:prstGeom prst="rect">
+            <a:avLst/>
+          </a:prstGeom>
+          <a:noFill/>
+        </p:spPr>
+        <p:txBody>
+          <a:bodyPr wrap="square" rtlCol="0">
+            <a:spAutoFit/>
+          </a:bodyPr>
+          <a:lstStyle/>
+          <a:p>
+            <a:r>
+              <a:rPr kumimoji="1" lang="ja-JP" altLang="en-US" dirty="0"/>
+              <a:t>結果出力ページに</a:t>
+            </a:r>
+            <a:r>
+              <a:rPr kumimoji="1" lang="en-US" altLang="ja-JP" dirty="0"/>
+              <a:t>AI</a:t>
+            </a:r>
+            <a:r>
+              <a:rPr kumimoji="1" lang="ja-JP" altLang="en-US" dirty="0"/>
+              <a:t>が作った曲が送信されているのでそこで聴く</a:t>
+            </a:r>
+            <a:endParaRPr kumimoji="1" lang="en-US" altLang="ja-JP" dirty="0"/>
+          </a:p>
+        </p:txBody>
+      </p:sp>
     </p:spTree>
     <p:extLst>
       <p:ext uri="{BB962C8B-B14F-4D97-AF65-F5344CB8AC3E}">
@@ -6083,370 +6218,57 @@
           <p:cNvPr id="2" name="タイトル 1">
             <a:extLst>
               <a:ext uri="{FF2B5EF4-FFF2-40B4-BE49-F238E27FC236}">
-                <a16:creationId xmlns:a16="http://schemas.microsoft.com/office/drawing/2014/main" id="{42A3831B-72D3-4BFE-90E4-E4E1BB07BCFE}"/>
-              </a:ext>
-            </a:extLst>
-          </p:cNvPr>
-          <p:cNvSpPr>
-            <a:spLocks noGrp="1"/>
-          </p:cNvSpPr>
-          <p:nvPr>
-            <p:ph type="title"/>
+                <a16:creationId xmlns:a16="http://schemas.microsoft.com/office/drawing/2014/main" id="{C3174454-D844-4A22-BF34-332BED72D544}"/>
+              </a:ext>
+            </a:extLst>
+          </p:cNvPr>
+          <p:cNvSpPr>
+            <a:spLocks noGrp="1"/>
+          </p:cNvSpPr>
+          <p:nvPr>
+            <p:ph type="ctrTitle"/>
           </p:nvPr>
         </p:nvSpPr>
         <p:spPr>
           <a:xfrm>
-            <a:off x="0" y="-2765"/>
-            <a:ext cx="6625180" cy="1325563"/>
+            <a:off x="875727" y="310202"/>
+            <a:ext cx="9144000" cy="1314450"/>
           </a:xfrm>
         </p:spPr>
         <p:txBody>
           <a:bodyPr>
-            <a:noAutofit/>
+            <a:normAutofit/>
           </a:bodyPr>
           <a:lstStyle/>
           <a:p>
-            <a:r>
-              <a:rPr lang="ja-JP" altLang="en-US" b="1" dirty="0"/>
-              <a:t>システムの処理の流れ</a:t>
-            </a:r>
-            <a:endParaRPr kumimoji="1" lang="ja-JP" altLang="en-US" dirty="0"/>
-          </a:p>
-        </p:txBody>
-      </p:sp>
-      <p:sp>
-        <p:nvSpPr>
-          <p:cNvPr id="25" name="四角形: 角を丸くする 24">
-            <a:extLst>
-              <a:ext uri="{FF2B5EF4-FFF2-40B4-BE49-F238E27FC236}">
-                <a16:creationId xmlns:a16="http://schemas.microsoft.com/office/drawing/2014/main" id="{9B6DF629-C6DF-4AD2-B464-53CC6B0D7EC3}"/>
-              </a:ext>
-            </a:extLst>
-          </p:cNvPr>
-          <p:cNvSpPr/>
+            <a:pPr algn="l"/>
+            <a:r>
+              <a:rPr kumimoji="1" lang="en-US" altLang="ja-JP" dirty="0"/>
+              <a:t>AI</a:t>
+            </a:r>
+            <a:r>
+              <a:rPr kumimoji="1" lang="ja-JP" altLang="en-US" dirty="0"/>
+              <a:t>の学習</a:t>
+            </a:r>
+          </a:p>
+        </p:txBody>
+      </p:sp>
+      <p:sp>
+        <p:nvSpPr>
+          <p:cNvPr id="4" name="テキスト ボックス 3">
+            <a:extLst>
+              <a:ext uri="{FF2B5EF4-FFF2-40B4-BE49-F238E27FC236}">
+                <a16:creationId xmlns:a16="http://schemas.microsoft.com/office/drawing/2014/main" id="{049B4402-B3E7-4BF5-A2EC-DDBCFFE4FB80}"/>
+              </a:ext>
+            </a:extLst>
+          </p:cNvPr>
+          <p:cNvSpPr txBox="1"/>
           <p:nvPr/>
         </p:nvSpPr>
         <p:spPr>
           <a:xfrm>
-            <a:off x="212289" y="1570672"/>
-            <a:ext cx="4148624" cy="5026071"/>
-          </a:xfrm>
-          <a:prstGeom prst="roundRect">
-            <a:avLst/>
-          </a:prstGeom>
-        </p:spPr>
-        <p:style>
-          <a:lnRef idx="1">
-            <a:schemeClr val="accent5"/>
-          </a:lnRef>
-          <a:fillRef idx="2">
-            <a:schemeClr val="accent5"/>
-          </a:fillRef>
-          <a:effectRef idx="1">
-            <a:schemeClr val="accent5"/>
-          </a:effectRef>
-          <a:fontRef idx="minor">
-            <a:schemeClr val="dk1"/>
-          </a:fontRef>
-        </p:style>
-        <p:txBody>
-          <a:bodyPr rtlCol="0" anchor="ctr"/>
-          <a:lstStyle/>
-          <a:p>
-            <a:pPr algn="ctr"/>
-            <a:endParaRPr kumimoji="1" lang="ja-JP" altLang="en-US"/>
-          </a:p>
-        </p:txBody>
-      </p:sp>
-      <p:sp>
-        <p:nvSpPr>
-          <p:cNvPr id="29" name="正方形/長方形 28">
-            <a:extLst>
-              <a:ext uri="{FF2B5EF4-FFF2-40B4-BE49-F238E27FC236}">
-                <a16:creationId xmlns:a16="http://schemas.microsoft.com/office/drawing/2014/main" id="{D55FC7DB-0690-41C9-BB7D-20EB2F05ACD1}"/>
-              </a:ext>
-            </a:extLst>
-          </p:cNvPr>
-          <p:cNvSpPr/>
-          <p:nvPr/>
-        </p:nvSpPr>
-        <p:spPr>
-          <a:xfrm>
-            <a:off x="564073" y="5213049"/>
-            <a:ext cx="3200399" cy="523218"/>
-          </a:xfrm>
-          <a:prstGeom prst="rect">
-            <a:avLst/>
-          </a:prstGeom>
-        </p:spPr>
-        <p:style>
-          <a:lnRef idx="2">
-            <a:schemeClr val="accent1">
-              <a:shade val="50000"/>
-            </a:schemeClr>
-          </a:lnRef>
-          <a:fillRef idx="1">
-            <a:schemeClr val="accent1"/>
-          </a:fillRef>
-          <a:effectRef idx="0">
-            <a:schemeClr val="accent1"/>
-          </a:effectRef>
-          <a:fontRef idx="minor">
-            <a:schemeClr val="lt1"/>
-          </a:fontRef>
-        </p:style>
-        <p:txBody>
-          <a:bodyPr rtlCol="0" anchor="ctr"/>
-          <a:lstStyle/>
-          <a:p>
-            <a:pPr algn="ctr"/>
-            <a:r>
-              <a:rPr kumimoji="1" lang="ja-JP" altLang="en-US" dirty="0"/>
-              <a:t>曲を聞く</a:t>
-            </a:r>
-          </a:p>
-        </p:txBody>
-      </p:sp>
-      <p:grpSp>
-        <p:nvGrpSpPr>
-          <p:cNvPr id="30" name="グループ化 29">
-            <a:extLst>
-              <a:ext uri="{FF2B5EF4-FFF2-40B4-BE49-F238E27FC236}">
-                <a16:creationId xmlns:a16="http://schemas.microsoft.com/office/drawing/2014/main" id="{43960898-4105-4D45-B539-86AB92B57864}"/>
-              </a:ext>
-            </a:extLst>
-          </p:cNvPr>
-          <p:cNvGrpSpPr/>
-          <p:nvPr/>
-        </p:nvGrpSpPr>
-        <p:grpSpPr>
-          <a:xfrm>
-            <a:off x="7158153" y="1454872"/>
-            <a:ext cx="4148624" cy="5141871"/>
-            <a:chOff x="7543262" y="1813639"/>
-            <a:chExt cx="4148624" cy="4519508"/>
-          </a:xfrm>
-        </p:grpSpPr>
-        <p:grpSp>
-          <p:nvGrpSpPr>
-            <p:cNvPr id="28" name="グループ化 27">
-              <a:extLst>
-                <a:ext uri="{FF2B5EF4-FFF2-40B4-BE49-F238E27FC236}">
-                  <a16:creationId xmlns:a16="http://schemas.microsoft.com/office/drawing/2014/main" id="{12FD6250-98C6-48B4-AF44-D147A5FFB2E0}"/>
-                </a:ext>
-              </a:extLst>
-            </p:cNvPr>
-            <p:cNvGrpSpPr/>
-            <p:nvPr/>
-          </p:nvGrpSpPr>
-          <p:grpSpPr>
-            <a:xfrm>
-              <a:off x="7543262" y="1813639"/>
-              <a:ext cx="4148624" cy="4519508"/>
-              <a:chOff x="7904426" y="1836981"/>
-              <a:chExt cx="4148624" cy="4519508"/>
-            </a:xfrm>
-          </p:grpSpPr>
-          <p:sp>
-            <p:nvSpPr>
-              <p:cNvPr id="11" name="四角形: 角を丸くする 10">
-                <a:extLst>
-                  <a:ext uri="{FF2B5EF4-FFF2-40B4-BE49-F238E27FC236}">
-                    <a16:creationId xmlns:a16="http://schemas.microsoft.com/office/drawing/2014/main" id="{56CF3D17-4F6B-4840-9164-C2F95A877603}"/>
-                  </a:ext>
-                </a:extLst>
-              </p:cNvPr>
-              <p:cNvSpPr/>
-              <p:nvPr/>
-            </p:nvSpPr>
-            <p:spPr>
-              <a:xfrm>
-                <a:off x="7904426" y="1836981"/>
-                <a:ext cx="4148624" cy="4519508"/>
-              </a:xfrm>
-              <a:prstGeom prst="roundRect">
-                <a:avLst/>
-              </a:prstGeom>
-            </p:spPr>
-            <p:style>
-              <a:lnRef idx="1">
-                <a:schemeClr val="accent5"/>
-              </a:lnRef>
-              <a:fillRef idx="2">
-                <a:schemeClr val="accent5"/>
-              </a:fillRef>
-              <a:effectRef idx="1">
-                <a:schemeClr val="accent5"/>
-              </a:effectRef>
-              <a:fontRef idx="minor">
-                <a:schemeClr val="dk1"/>
-              </a:fontRef>
-            </p:style>
-            <p:txBody>
-              <a:bodyPr rtlCol="0" anchor="ctr"/>
-              <a:lstStyle/>
-              <a:p>
-                <a:pPr algn="ctr"/>
-                <a:endParaRPr kumimoji="1" lang="ja-JP" altLang="en-US" dirty="0"/>
-              </a:p>
-            </p:txBody>
-          </p:sp>
-          <p:sp>
-            <p:nvSpPr>
-              <p:cNvPr id="18" name="正方形/長方形 17">
-                <a:extLst>
-                  <a:ext uri="{FF2B5EF4-FFF2-40B4-BE49-F238E27FC236}">
-                    <a16:creationId xmlns:a16="http://schemas.microsoft.com/office/drawing/2014/main" id="{9E5E12D6-56E5-4DE9-8180-5BEFE678489D}"/>
-                  </a:ext>
-                </a:extLst>
-              </p:cNvPr>
-              <p:cNvSpPr/>
-              <p:nvPr/>
-            </p:nvSpPr>
-            <p:spPr>
-              <a:xfrm>
-                <a:off x="8391279" y="2853565"/>
-                <a:ext cx="3321600" cy="523185"/>
-              </a:xfrm>
-              <a:prstGeom prst="rect">
-                <a:avLst/>
-              </a:prstGeom>
-            </p:spPr>
-            <p:style>
-              <a:lnRef idx="2">
-                <a:schemeClr val="accent1">
-                  <a:shade val="50000"/>
-                </a:schemeClr>
-              </a:lnRef>
-              <a:fillRef idx="1">
-                <a:schemeClr val="accent1"/>
-              </a:fillRef>
-              <a:effectRef idx="0">
-                <a:schemeClr val="accent1"/>
-              </a:effectRef>
-              <a:fontRef idx="minor">
-                <a:schemeClr val="lt1"/>
-              </a:fontRef>
-            </p:style>
-            <p:txBody>
-              <a:bodyPr rtlCol="0" anchor="ctr"/>
-              <a:lstStyle/>
-              <a:p>
-                <a:pPr algn="ctr"/>
-                <a:r>
-                  <a:rPr kumimoji="1" lang="en-US" altLang="ja-JP" dirty="0"/>
-                  <a:t>Web</a:t>
-                </a:r>
-                <a:r>
-                  <a:rPr kumimoji="1" lang="ja-JP" altLang="en-US" dirty="0"/>
-                  <a:t>ページ</a:t>
-                </a:r>
-              </a:p>
-            </p:txBody>
-          </p:sp>
-          <p:sp>
-            <p:nvSpPr>
-              <p:cNvPr id="20" name="正方形/長方形 19">
-                <a:extLst>
-                  <a:ext uri="{FF2B5EF4-FFF2-40B4-BE49-F238E27FC236}">
-                    <a16:creationId xmlns:a16="http://schemas.microsoft.com/office/drawing/2014/main" id="{1F876274-08B4-480A-B214-C903DEF6A2CD}"/>
-                  </a:ext>
-                </a:extLst>
-              </p:cNvPr>
-              <p:cNvSpPr/>
-              <p:nvPr/>
-            </p:nvSpPr>
-            <p:spPr>
-              <a:xfrm>
-                <a:off x="8385716" y="3886033"/>
-                <a:ext cx="3321601" cy="523185"/>
-              </a:xfrm>
-              <a:prstGeom prst="rect">
-                <a:avLst/>
-              </a:prstGeom>
-            </p:spPr>
-            <p:style>
-              <a:lnRef idx="2">
-                <a:schemeClr val="accent1">
-                  <a:shade val="50000"/>
-                </a:schemeClr>
-              </a:lnRef>
-              <a:fillRef idx="1">
-                <a:schemeClr val="accent1"/>
-              </a:fillRef>
-              <a:effectRef idx="0">
-                <a:schemeClr val="accent1"/>
-              </a:effectRef>
-              <a:fontRef idx="minor">
-                <a:schemeClr val="lt1"/>
-              </a:fontRef>
-            </p:style>
-            <p:txBody>
-              <a:bodyPr rtlCol="0" anchor="ctr"/>
-              <a:lstStyle/>
-              <a:p>
-                <a:pPr algn="ctr"/>
-                <a:r>
-                  <a:rPr kumimoji="1" lang="ja-JP" altLang="en-US" dirty="0"/>
-                  <a:t>自動作曲プログラム</a:t>
-                </a:r>
-              </a:p>
-            </p:txBody>
-          </p:sp>
-        </p:grpSp>
-        <p:sp>
-          <p:nvSpPr>
-            <p:cNvPr id="10" name="テキスト ボックス 9">
-              <a:extLst>
-                <a:ext uri="{FF2B5EF4-FFF2-40B4-BE49-F238E27FC236}">
-                  <a16:creationId xmlns:a16="http://schemas.microsoft.com/office/drawing/2014/main" id="{35250E19-98B1-49DD-95B3-76486585C25F}"/>
-                </a:ext>
-              </a:extLst>
-            </p:cNvPr>
-            <p:cNvSpPr txBox="1"/>
-            <p:nvPr/>
-          </p:nvSpPr>
-          <p:spPr>
-            <a:xfrm>
-              <a:off x="8343410" y="2123095"/>
-              <a:ext cx="2548328" cy="584775"/>
-            </a:xfrm>
-            <a:prstGeom prst="rect">
-              <a:avLst/>
-            </a:prstGeom>
-            <a:noFill/>
-          </p:spPr>
-          <p:txBody>
-            <a:bodyPr wrap="square" rtlCol="0">
-              <a:spAutoFit/>
-            </a:bodyPr>
-            <a:lstStyle/>
-            <a:p>
-              <a:pPr algn="ctr"/>
-              <a:r>
-                <a:rPr kumimoji="1" lang="ja-JP" altLang="en-US" sz="3200" dirty="0"/>
-                <a:t>サーバ</a:t>
-              </a:r>
-            </a:p>
-          </p:txBody>
-        </p:sp>
-      </p:grpSp>
-      <p:sp>
-        <p:nvSpPr>
-          <p:cNvPr id="12" name="テキスト ボックス 11">
-            <a:extLst>
-              <a:ext uri="{FF2B5EF4-FFF2-40B4-BE49-F238E27FC236}">
-                <a16:creationId xmlns:a16="http://schemas.microsoft.com/office/drawing/2014/main" id="{40597A4D-9B11-4EBC-BD69-C5BB7ED7DC1B}"/>
-              </a:ext>
-            </a:extLst>
-          </p:cNvPr>
-          <p:cNvSpPr txBox="1"/>
-          <p:nvPr/>
-        </p:nvSpPr>
-        <p:spPr>
-          <a:xfrm>
-            <a:off x="1250160" y="1764328"/>
-            <a:ext cx="1828233" cy="584775"/>
+            <a:off x="875727" y="2104824"/>
+            <a:ext cx="10527632" cy="1938992"/>
           </a:xfrm>
           <a:prstGeom prst="rect">
             <a:avLst/>
@@ -6459,436 +6281,72 @@
           </a:bodyPr>
           <a:lstStyle/>
           <a:p>
-            <a:pPr algn="ctr"/>
-            <a:r>
-              <a:rPr kumimoji="1" lang="ja-JP" altLang="en-US" sz="3200" dirty="0"/>
-              <a:t>ユーザ</a:t>
-            </a:r>
-          </a:p>
-        </p:txBody>
-      </p:sp>
-      <p:sp>
-        <p:nvSpPr>
-          <p:cNvPr id="31" name="正方形/長方形 30">
-            <a:extLst>
-              <a:ext uri="{FF2B5EF4-FFF2-40B4-BE49-F238E27FC236}">
-                <a16:creationId xmlns:a16="http://schemas.microsoft.com/office/drawing/2014/main" id="{FA55496C-035C-4314-9385-65952729C1C5}"/>
-              </a:ext>
-            </a:extLst>
-          </p:cNvPr>
-          <p:cNvSpPr/>
-          <p:nvPr/>
-        </p:nvSpPr>
-        <p:spPr>
-          <a:xfrm>
-            <a:off x="564074" y="2998227"/>
-            <a:ext cx="3200399" cy="523218"/>
-          </a:xfrm>
-          <a:prstGeom prst="rect">
-            <a:avLst/>
-          </a:prstGeom>
-        </p:spPr>
-        <p:style>
-          <a:lnRef idx="2">
-            <a:schemeClr val="accent1">
-              <a:shade val="50000"/>
-            </a:schemeClr>
-          </a:lnRef>
-          <a:fillRef idx="1">
-            <a:schemeClr val="accent1"/>
-          </a:fillRef>
-          <a:effectRef idx="0">
-            <a:schemeClr val="accent1"/>
-          </a:effectRef>
-          <a:fontRef idx="minor">
-            <a:schemeClr val="lt1"/>
-          </a:fontRef>
-        </p:style>
-        <p:txBody>
-          <a:bodyPr rtlCol="0" anchor="ctr"/>
-          <a:lstStyle/>
-          <a:p>
-            <a:pPr algn="ctr"/>
-            <a:r>
-              <a:rPr kumimoji="1" lang="ja-JP" altLang="en-US" dirty="0"/>
-              <a:t>メロディを入力</a:t>
-            </a:r>
-          </a:p>
-        </p:txBody>
-      </p:sp>
-      <p:sp>
-        <p:nvSpPr>
-          <p:cNvPr id="32" name="矢印: 右 31">
-            <a:extLst>
-              <a:ext uri="{FF2B5EF4-FFF2-40B4-BE49-F238E27FC236}">
-                <a16:creationId xmlns:a16="http://schemas.microsoft.com/office/drawing/2014/main" id="{1A8CAD5B-7A20-495B-9E78-2DC27A2D9981}"/>
-              </a:ext>
-            </a:extLst>
-          </p:cNvPr>
-          <p:cNvSpPr/>
-          <p:nvPr/>
-        </p:nvSpPr>
-        <p:spPr>
-          <a:xfrm rot="10800000">
-            <a:off x="3967416" y="2636558"/>
-            <a:ext cx="3339571" cy="453381"/>
-          </a:xfrm>
-          <a:prstGeom prst="rightArrow">
-            <a:avLst/>
-          </a:prstGeom>
-        </p:spPr>
-        <p:style>
-          <a:lnRef idx="2">
-            <a:schemeClr val="accent1">
-              <a:shade val="50000"/>
-            </a:schemeClr>
-          </a:lnRef>
-          <a:fillRef idx="1">
-            <a:schemeClr val="accent1"/>
-          </a:fillRef>
-          <a:effectRef idx="0">
-            <a:schemeClr val="accent1"/>
-          </a:effectRef>
-          <a:fontRef idx="minor">
-            <a:schemeClr val="lt1"/>
-          </a:fontRef>
-        </p:style>
-        <p:txBody>
-          <a:bodyPr rtlCol="0" anchor="ctr"/>
-          <a:lstStyle/>
-          <a:p>
-            <a:pPr algn="ctr"/>
-            <a:endParaRPr kumimoji="1" lang="ja-JP" altLang="en-US"/>
-          </a:p>
-        </p:txBody>
-      </p:sp>
-      <p:sp>
-        <p:nvSpPr>
-          <p:cNvPr id="33" name="テキスト ボックス 32">
-            <a:extLst>
-              <a:ext uri="{FF2B5EF4-FFF2-40B4-BE49-F238E27FC236}">
-                <a16:creationId xmlns:a16="http://schemas.microsoft.com/office/drawing/2014/main" id="{141EE3DE-B964-41DD-A810-BA625FC98B80}"/>
-              </a:ext>
-            </a:extLst>
-          </p:cNvPr>
-          <p:cNvSpPr txBox="1"/>
-          <p:nvPr/>
-        </p:nvSpPr>
-        <p:spPr>
-          <a:xfrm>
-            <a:off x="4718725" y="2310123"/>
-            <a:ext cx="2318119" cy="369332"/>
-          </a:xfrm>
-          <a:prstGeom prst="rect">
-            <a:avLst/>
-          </a:prstGeom>
-          <a:noFill/>
-        </p:spPr>
-        <p:txBody>
-          <a:bodyPr wrap="square" rtlCol="0">
-            <a:spAutoFit/>
-          </a:bodyPr>
-          <a:lstStyle/>
-          <a:p>
-            <a:r>
-              <a:rPr kumimoji="1" lang="ja-JP" altLang="en-US" dirty="0"/>
-              <a:t>入力ページを表示</a:t>
-            </a:r>
-          </a:p>
-        </p:txBody>
-      </p:sp>
-      <p:grpSp>
-        <p:nvGrpSpPr>
-          <p:cNvPr id="36" name="グループ化 35">
-            <a:extLst>
-              <a:ext uri="{FF2B5EF4-FFF2-40B4-BE49-F238E27FC236}">
-                <a16:creationId xmlns:a16="http://schemas.microsoft.com/office/drawing/2014/main" id="{D2B9A1DA-F14C-4315-85C4-A2CD7FE5A4FA}"/>
-              </a:ext>
-            </a:extLst>
-          </p:cNvPr>
-          <p:cNvGrpSpPr/>
-          <p:nvPr/>
-        </p:nvGrpSpPr>
-        <p:grpSpPr>
-          <a:xfrm rot="21039221">
-            <a:off x="3961543" y="3371435"/>
-            <a:ext cx="3523605" cy="706621"/>
-            <a:chOff x="3864568" y="3681486"/>
-            <a:chExt cx="3523605" cy="706621"/>
-          </a:xfrm>
-        </p:grpSpPr>
-        <p:sp>
-          <p:nvSpPr>
-            <p:cNvPr id="34" name="矢印: 右 33">
-              <a:extLst>
-                <a:ext uri="{FF2B5EF4-FFF2-40B4-BE49-F238E27FC236}">
-                  <a16:creationId xmlns:a16="http://schemas.microsoft.com/office/drawing/2014/main" id="{85213EC3-8BE9-4685-BADA-6D514C71CD8C}"/>
-                </a:ext>
-              </a:extLst>
-            </p:cNvPr>
-            <p:cNvSpPr/>
-            <p:nvPr/>
-          </p:nvSpPr>
-          <p:spPr>
-            <a:xfrm rot="1008892">
-              <a:off x="3864568" y="3934726"/>
-              <a:ext cx="3350805" cy="453381"/>
-            </a:xfrm>
-            <a:prstGeom prst="rightArrow">
-              <a:avLst/>
-            </a:prstGeom>
-          </p:spPr>
-          <p:style>
-            <a:lnRef idx="2">
-              <a:schemeClr val="accent1">
-                <a:shade val="50000"/>
-              </a:schemeClr>
-            </a:lnRef>
-            <a:fillRef idx="1">
-              <a:schemeClr val="accent1"/>
-            </a:fillRef>
-            <a:effectRef idx="0">
-              <a:schemeClr val="accent1"/>
-            </a:effectRef>
-            <a:fontRef idx="minor">
-              <a:schemeClr val="lt1"/>
-            </a:fontRef>
-          </p:style>
-          <p:txBody>
-            <a:bodyPr rtlCol="0" anchor="ctr"/>
-            <a:lstStyle/>
-            <a:p>
-              <a:pPr algn="ctr"/>
-              <a:endParaRPr kumimoji="1" lang="ja-JP" altLang="en-US"/>
-            </a:p>
-          </p:txBody>
-        </p:sp>
-        <p:sp>
-          <p:nvSpPr>
-            <p:cNvPr id="35" name="テキスト ボックス 34">
-              <a:extLst>
-                <a:ext uri="{FF2B5EF4-FFF2-40B4-BE49-F238E27FC236}">
-                  <a16:creationId xmlns:a16="http://schemas.microsoft.com/office/drawing/2014/main" id="{468BA4D8-6D99-4067-BB9B-A16CE3BB92EF}"/>
-                </a:ext>
-              </a:extLst>
-            </p:cNvPr>
-            <p:cNvSpPr txBox="1"/>
-            <p:nvPr/>
-          </p:nvSpPr>
-          <p:spPr>
-            <a:xfrm rot="1021773">
-              <a:off x="4453386" y="3681486"/>
-              <a:ext cx="2934787" cy="369332"/>
-            </a:xfrm>
-            <a:prstGeom prst="rect">
-              <a:avLst/>
-            </a:prstGeom>
-            <a:noFill/>
-          </p:spPr>
-          <p:txBody>
-            <a:bodyPr wrap="square" rtlCol="0">
-              <a:spAutoFit/>
-            </a:bodyPr>
-            <a:lstStyle/>
-            <a:p>
-              <a:r>
-                <a:rPr kumimoji="1" lang="ja-JP" altLang="en-US" dirty="0"/>
-                <a:t>入力した</a:t>
-              </a:r>
-              <a:r>
-                <a:rPr lang="ja-JP" altLang="en-US" dirty="0"/>
-                <a:t>メロディを送信</a:t>
-              </a:r>
-              <a:endParaRPr kumimoji="1" lang="ja-JP" altLang="en-US" dirty="0"/>
-            </a:p>
-          </p:txBody>
-        </p:sp>
-      </p:grpSp>
-      <p:sp>
-        <p:nvSpPr>
-          <p:cNvPr id="38" name="矢印: 右 37">
-            <a:extLst>
-              <a:ext uri="{FF2B5EF4-FFF2-40B4-BE49-F238E27FC236}">
-                <a16:creationId xmlns:a16="http://schemas.microsoft.com/office/drawing/2014/main" id="{342AF544-1B6E-447B-9DBB-639DFF4EFABB}"/>
-              </a:ext>
-            </a:extLst>
-          </p:cNvPr>
-          <p:cNvSpPr/>
-          <p:nvPr/>
-        </p:nvSpPr>
-        <p:spPr>
-          <a:xfrm rot="10800000">
-            <a:off x="3920006" y="5249506"/>
-            <a:ext cx="3630972" cy="453381"/>
-          </a:xfrm>
-          <a:prstGeom prst="rightArrow">
-            <a:avLst/>
-          </a:prstGeom>
-        </p:spPr>
-        <p:style>
-          <a:lnRef idx="2">
-            <a:schemeClr val="accent1">
-              <a:shade val="50000"/>
-            </a:schemeClr>
-          </a:lnRef>
-          <a:fillRef idx="1">
-            <a:schemeClr val="accent1"/>
-          </a:fillRef>
-          <a:effectRef idx="0">
-            <a:schemeClr val="accent1"/>
-          </a:effectRef>
-          <a:fontRef idx="minor">
-            <a:schemeClr val="lt1"/>
-          </a:fontRef>
-        </p:style>
-        <p:txBody>
-          <a:bodyPr rtlCol="0" anchor="ctr"/>
-          <a:lstStyle/>
-          <a:p>
-            <a:pPr algn="ctr"/>
-            <a:endParaRPr kumimoji="1" lang="ja-JP" altLang="en-US"/>
-          </a:p>
-        </p:txBody>
-      </p:sp>
-      <p:sp>
-        <p:nvSpPr>
-          <p:cNvPr id="40" name="正方形/長方形 39">
-            <a:extLst>
-              <a:ext uri="{FF2B5EF4-FFF2-40B4-BE49-F238E27FC236}">
-                <a16:creationId xmlns:a16="http://schemas.microsoft.com/office/drawing/2014/main" id="{E7E8BA4E-DD20-4ED3-BDC7-BFDF4B0E60A0}"/>
-              </a:ext>
-            </a:extLst>
-          </p:cNvPr>
-          <p:cNvSpPr/>
-          <p:nvPr/>
-        </p:nvSpPr>
-        <p:spPr>
-          <a:xfrm>
-            <a:off x="7672287" y="5177042"/>
-            <a:ext cx="3321601" cy="595231"/>
-          </a:xfrm>
-          <a:prstGeom prst="rect">
-            <a:avLst/>
-          </a:prstGeom>
-        </p:spPr>
-        <p:style>
-          <a:lnRef idx="2">
-            <a:schemeClr val="accent1">
-              <a:shade val="50000"/>
-            </a:schemeClr>
-          </a:lnRef>
-          <a:fillRef idx="1">
-            <a:schemeClr val="accent1"/>
-          </a:fillRef>
-          <a:effectRef idx="0">
-            <a:schemeClr val="accent1"/>
-          </a:effectRef>
-          <a:fontRef idx="minor">
-            <a:schemeClr val="lt1"/>
-          </a:fontRef>
-        </p:style>
-        <p:txBody>
-          <a:bodyPr rtlCol="0" anchor="ctr"/>
-          <a:lstStyle/>
-          <a:p>
-            <a:pPr algn="ctr"/>
-            <a:r>
-              <a:rPr kumimoji="1" lang="en-US" altLang="ja-JP" dirty="0"/>
-              <a:t>Midi</a:t>
-            </a:r>
-            <a:r>
-              <a:rPr kumimoji="1" lang="ja-JP" altLang="en-US" dirty="0"/>
-              <a:t>ファイルの保存フォルダ</a:t>
-            </a:r>
-          </a:p>
-        </p:txBody>
-      </p:sp>
-      <p:sp>
-        <p:nvSpPr>
-          <p:cNvPr id="41" name="矢印: 下 40">
-            <a:extLst>
-              <a:ext uri="{FF2B5EF4-FFF2-40B4-BE49-F238E27FC236}">
-                <a16:creationId xmlns:a16="http://schemas.microsoft.com/office/drawing/2014/main" id="{721E01F5-A087-4C47-85A5-8BCD80514230}"/>
-              </a:ext>
-            </a:extLst>
-          </p:cNvPr>
-          <p:cNvSpPr/>
-          <p:nvPr/>
-        </p:nvSpPr>
-        <p:spPr>
-          <a:xfrm>
-            <a:off x="7838980" y="4505847"/>
-            <a:ext cx="434585" cy="595231"/>
-          </a:xfrm>
-          <a:prstGeom prst="downArrow">
-            <a:avLst/>
-          </a:prstGeom>
-        </p:spPr>
-        <p:style>
-          <a:lnRef idx="2">
-            <a:schemeClr val="accent1">
-              <a:shade val="50000"/>
-            </a:schemeClr>
-          </a:lnRef>
-          <a:fillRef idx="1">
-            <a:schemeClr val="accent1"/>
-          </a:fillRef>
-          <a:effectRef idx="0">
-            <a:schemeClr val="accent1"/>
-          </a:effectRef>
-          <a:fontRef idx="minor">
-            <a:schemeClr val="lt1"/>
-          </a:fontRef>
-        </p:style>
-        <p:txBody>
-          <a:bodyPr rtlCol="0" anchor="ctr"/>
-          <a:lstStyle/>
-          <a:p>
-            <a:pPr algn="ctr"/>
-            <a:endParaRPr kumimoji="1" lang="ja-JP" altLang="en-US"/>
-          </a:p>
-        </p:txBody>
-      </p:sp>
-      <p:sp>
-        <p:nvSpPr>
-          <p:cNvPr id="42" name="テキスト ボックス 41">
-            <a:extLst>
-              <a:ext uri="{FF2B5EF4-FFF2-40B4-BE49-F238E27FC236}">
-                <a16:creationId xmlns:a16="http://schemas.microsoft.com/office/drawing/2014/main" id="{A0B6E101-6E57-41BE-BB9F-E79ACC591D04}"/>
-              </a:ext>
-            </a:extLst>
-          </p:cNvPr>
-          <p:cNvSpPr txBox="1"/>
-          <p:nvPr/>
-        </p:nvSpPr>
-        <p:spPr>
-          <a:xfrm>
-            <a:off x="4374054" y="4952052"/>
-            <a:ext cx="2957819" cy="369332"/>
-          </a:xfrm>
-          <a:prstGeom prst="rect">
-            <a:avLst/>
-          </a:prstGeom>
-          <a:noFill/>
-        </p:spPr>
-        <p:txBody>
-          <a:bodyPr wrap="square" rtlCol="0">
-            <a:spAutoFit/>
-          </a:bodyPr>
-          <a:lstStyle/>
-          <a:p>
-            <a:r>
-              <a:rPr lang="ja-JP" altLang="en-US" dirty="0"/>
-              <a:t>作曲したファイルを送信</a:t>
-            </a:r>
-            <a:endParaRPr kumimoji="1" lang="ja-JP" altLang="en-US" dirty="0"/>
+            <a:pPr marL="342900" indent="-342900">
+              <a:buFont typeface="Arial" panose="020B0604020202020204" pitchFamily="34" charset="0"/>
+              <a:buChar char="•"/>
+            </a:pPr>
+            <a:r>
+              <a:rPr lang="ja-JP" altLang="en-US" sz="2400" dirty="0"/>
+              <a:t>ゲーム音楽の</a:t>
+            </a:r>
+            <a:r>
+              <a:rPr lang="en-US" altLang="ja-JP" sz="2400" dirty="0"/>
+              <a:t>midi</a:t>
+            </a:r>
+            <a:r>
+              <a:rPr lang="ja-JP" altLang="en-US" sz="2400" dirty="0"/>
+              <a:t>のなかに出現するドやレなどの音を学習</a:t>
+            </a:r>
+            <a:endParaRPr lang="en-US" altLang="ja-JP" sz="2400" dirty="0"/>
+          </a:p>
+          <a:p>
+            <a:pPr marL="342900" indent="-342900">
+              <a:buFont typeface="Arial" panose="020B0604020202020204" pitchFamily="34" charset="0"/>
+              <a:buChar char="•"/>
+            </a:pPr>
+            <a:r>
+              <a:rPr lang="ja-JP" altLang="en-US" sz="2400" dirty="0"/>
+              <a:t>音のパターンを学習してそれに合わせるよう作曲できるようになる</a:t>
+            </a:r>
+            <a:endParaRPr lang="en-US" altLang="ja-JP" sz="2400" dirty="0"/>
+          </a:p>
+          <a:p>
+            <a:pPr marL="342900" indent="-342900">
+              <a:buFont typeface="Arial" panose="020B0604020202020204" pitchFamily="34" charset="0"/>
+              <a:buChar char="•"/>
+            </a:pPr>
+            <a:r>
+              <a:rPr lang="en-US" altLang="ja-JP" sz="2400" dirty="0"/>
+              <a:t>LSTM</a:t>
+            </a:r>
+            <a:r>
+              <a:rPr lang="ja-JP" altLang="en-US" sz="2400" dirty="0"/>
+              <a:t>を用いた</a:t>
+            </a:r>
+            <a:r>
+              <a:rPr lang="en-US" altLang="ja-JP" sz="2400" dirty="0"/>
+              <a:t>DNN</a:t>
+            </a:r>
+            <a:r>
+              <a:rPr lang="ja-JP" altLang="en-US" sz="2400" dirty="0"/>
+              <a:t>で実装する</a:t>
+            </a:r>
+            <a:endParaRPr lang="en-US" altLang="ja-JP" sz="2400" dirty="0"/>
+          </a:p>
+          <a:p>
+            <a:pPr lvl="1"/>
+            <a:endParaRPr lang="en-US" altLang="ja-JP" sz="2400" dirty="0"/>
+          </a:p>
+          <a:p>
+            <a:pPr lvl="1"/>
+            <a:endParaRPr lang="en-US" altLang="ja-JP" sz="2400" dirty="0"/>
           </a:p>
         </p:txBody>
       </p:sp>
     </p:spTree>
     <p:extLst>
       <p:ext uri="{BB962C8B-B14F-4D97-AF65-F5344CB8AC3E}">
-        <p14:creationId xmlns:p14="http://schemas.microsoft.com/office/powerpoint/2010/main" val="2973525537"/>
+        <p14:creationId xmlns:p14="http://schemas.microsoft.com/office/powerpoint/2010/main" val="545056453"/>
       </p:ext>
     </p:extLst>
   </p:cSld>

--- a/presentation/bit Composer.pptx
+++ b/presentation/bit Composer.pptx
@@ -145,9 +145,9 @@
 <file path=ppt/comments/comment1.xml><?xml version="1.0" encoding="utf-8"?>
 <p:cmLst xmlns:a="http://schemas.openxmlformats.org/drawingml/2006/main" xmlns:r="http://schemas.openxmlformats.org/officeDocument/2006/relationships" xmlns:p="http://schemas.openxmlformats.org/presentationml/2006/main">
   <p:cm authorId="1" dt="2021-10-05T13:50:07.738" idx="1">
-    <p:pos x="637" y="2426"/>
+    <p:pos x="597" y="2802"/>
     <p:text>ここにmidiの説明を入れる</p:text>
-    <p:extLst>
+    <p:extLst mod="1">
       <p:ext uri="{C676402C-5697-4E1C-873F-D02D1690AC5C}">
         <p15:threadingInfo xmlns:p15="http://schemas.microsoft.com/office/powerpoint/2012/main" timeZoneBias="-540"/>
       </p:ext>
@@ -535,6 +535,94 @@
     </a:lvl9pPr>
   </p:notesStyle>
 </p:notesMaster>
+</file>
+
+<file path=ppt/notesSlides/notesSlide1.xml><?xml version="1.0" encoding="utf-8"?>
+<p:notes xmlns:a="http://schemas.openxmlformats.org/drawingml/2006/main" xmlns:r="http://schemas.openxmlformats.org/officeDocument/2006/relationships" xmlns:p="http://schemas.openxmlformats.org/presentationml/2006/main">
+  <p:cSld>
+    <p:spTree>
+      <p:nvGrpSpPr>
+        <p:cNvPr id="1" name=""/>
+        <p:cNvGrpSpPr/>
+        <p:nvPr/>
+      </p:nvGrpSpPr>
+      <p:grpSpPr>
+        <a:xfrm>
+          <a:off x="0" y="0"/>
+          <a:ext cx="0" cy="0"/>
+          <a:chOff x="0" y="0"/>
+          <a:chExt cx="0" cy="0"/>
+        </a:xfrm>
+      </p:grpSpPr>
+      <p:sp>
+        <p:nvSpPr>
+          <p:cNvPr id="2" name="スライド イメージ プレースホルダー 1"/>
+          <p:cNvSpPr>
+            <a:spLocks noGrp="1" noRot="1" noChangeAspect="1"/>
+          </p:cNvSpPr>
+          <p:nvPr>
+            <p:ph type="sldImg"/>
+          </p:nvPr>
+        </p:nvSpPr>
+        <p:spPr/>
+      </p:sp>
+      <p:sp>
+        <p:nvSpPr>
+          <p:cNvPr id="3" name="ノート プレースホルダー 2"/>
+          <p:cNvSpPr>
+            <a:spLocks noGrp="1"/>
+          </p:cNvSpPr>
+          <p:nvPr>
+            <p:ph type="body" idx="1"/>
+          </p:nvPr>
+        </p:nvSpPr>
+        <p:spPr/>
+        <p:txBody>
+          <a:bodyPr/>
+          <a:lstStyle/>
+          <a:p>
+            <a:r>
+              <a:rPr kumimoji="1" lang="ja-JP" altLang="en-US" dirty="0"/>
+              <a:t>入力ページへ行くとこのような画面があるので、</a:t>
+            </a:r>
+            <a:endParaRPr kumimoji="1" lang="en-US" altLang="ja-JP" dirty="0"/>
+          </a:p>
+        </p:txBody>
+      </p:sp>
+      <p:sp>
+        <p:nvSpPr>
+          <p:cNvPr id="4" name="スライド番号プレースホルダー 3"/>
+          <p:cNvSpPr>
+            <a:spLocks noGrp="1"/>
+          </p:cNvSpPr>
+          <p:nvPr>
+            <p:ph type="sldNum" sz="quarter" idx="5"/>
+          </p:nvPr>
+        </p:nvSpPr>
+        <p:spPr/>
+        <p:txBody>
+          <a:bodyPr/>
+          <a:lstStyle/>
+          <a:p>
+            <a:fld id="{FD808316-81CD-4B36-BDD1-D6460C124C29}" type="slidenum">
+              <a:rPr kumimoji="1" lang="ja-JP" altLang="en-US" smtClean="0"/>
+              <a:t>6</a:t>
+            </a:fld>
+            <a:endParaRPr kumimoji="1" lang="ja-JP" altLang="en-US"/>
+          </a:p>
+        </p:txBody>
+      </p:sp>
+    </p:spTree>
+    <p:extLst>
+      <p:ext uri="{BB962C8B-B14F-4D97-AF65-F5344CB8AC3E}">
+        <p14:creationId xmlns:p14="http://schemas.microsoft.com/office/powerpoint/2010/main" val="1810583014"/>
+      </p:ext>
+    </p:extLst>
+  </p:cSld>
+  <p:clrMapOvr>
+    <a:masterClrMapping/>
+  </p:clrMapOvr>
+</p:notes>
 </file>
 
 <file path=ppt/slideLayouts/slideLayout1.xml><?xml version="1.0" encoding="utf-8"?>
@@ -4432,7 +4520,9 @@
         </p:nvSpPr>
         <p:spPr/>
         <p:txBody>
-          <a:bodyPr/>
+          <a:bodyPr>
+            <a:normAutofit lnSpcReduction="10000"/>
+          </a:bodyPr>
           <a:lstStyle/>
           <a:p>
             <a:r>
@@ -4446,6 +4536,9 @@
             <a:endParaRPr lang="en-US" altLang="ja-JP" dirty="0"/>
           </a:p>
           <a:p>
+            <a:endParaRPr lang="en-US" altLang="ja-JP" dirty="0"/>
+          </a:p>
+          <a:p>
             <a:r>
               <a:rPr lang="en-US" altLang="ja-JP" dirty="0"/>
               <a:t>TensorFlow</a:t>
@@ -4469,6 +4562,10 @@
               <a:rPr kumimoji="1" lang="ja-JP" altLang="en-US" dirty="0"/>
               <a:t>を作るためのライブラリ</a:t>
             </a:r>
+            <a:endParaRPr kumimoji="1" lang="en-US" altLang="ja-JP" dirty="0"/>
+          </a:p>
+          <a:p>
+            <a:pPr lvl="1"/>
             <a:endParaRPr kumimoji="1" lang="en-US" altLang="ja-JP" dirty="0"/>
           </a:p>
           <a:p>
@@ -4565,14 +4662,6 @@
           </a:bodyPr>
           <a:lstStyle/>
           <a:p>
-            <a:r>
-              <a:rPr lang="en-US" altLang="ja-JP" sz="6600" b="1" dirty="0"/>
-              <a:t>Web</a:t>
-            </a:r>
-            <a:r>
-              <a:rPr lang="ja-JP" altLang="en-US" sz="6600" b="1" dirty="0"/>
-              <a:t>システムについて</a:t>
-            </a:r>
             <a:endParaRPr kumimoji="1" lang="ja-JP" altLang="en-US" sz="6600" dirty="0"/>
           </a:p>
         </p:txBody>
@@ -4599,25 +4688,6 @@
             <a:normAutofit/>
           </a:bodyPr>
           <a:lstStyle/>
-          <a:p>
-            <a:pPr algn="l"/>
-            <a:r>
-              <a:rPr lang="en-US" altLang="ja-JP" sz="3600" dirty="0"/>
-              <a:t>Flask</a:t>
-            </a:r>
-            <a:r>
-              <a:rPr lang="ja-JP" altLang="en-US" sz="3600" dirty="0"/>
-              <a:t>で</a:t>
-            </a:r>
-            <a:r>
-              <a:rPr lang="en-US" altLang="ja-JP" sz="3600" dirty="0"/>
-              <a:t>Web</a:t>
-            </a:r>
-            <a:r>
-              <a:rPr lang="ja-JP" altLang="en-US" sz="3600" dirty="0"/>
-              <a:t>サーバの立ち上げやユーザとサーバのやり取りをします</a:t>
-            </a:r>
-          </a:p>
           <a:p>
             <a:endParaRPr kumimoji="1" lang="ja-JP" altLang="en-US" dirty="0"/>
           </a:p>
@@ -4680,7 +4750,7 @@
             </a:r>
             <a:r>
               <a:rPr lang="ja-JP" altLang="en-US" dirty="0"/>
-              <a:t>ページの種類</a:t>
+              <a:t>ページ</a:t>
             </a:r>
             <a:endParaRPr kumimoji="1" lang="ja-JP" altLang="en-US" dirty="0"/>
           </a:p>
@@ -4702,71 +4772,67 @@
             <p:ph idx="1"/>
           </p:nvPr>
         </p:nvSpPr>
-        <p:spPr/>
+        <p:spPr>
+          <a:xfrm>
+            <a:off x="1130300" y="1690688"/>
+            <a:ext cx="10515600" cy="4351338"/>
+          </a:xfrm>
+        </p:spPr>
         <p:txBody>
           <a:bodyPr/>
           <a:lstStyle/>
           <a:p>
             <a:r>
-              <a:rPr lang="en-US" altLang="ja-JP" dirty="0"/>
-              <a:t>Flask</a:t>
-            </a:r>
+              <a:rPr kumimoji="1" lang="ja-JP" altLang="en-US" dirty="0"/>
+              <a:t>トップページ</a:t>
+            </a:r>
+            <a:endParaRPr kumimoji="1" lang="en-US" altLang="ja-JP" dirty="0"/>
+          </a:p>
+          <a:p>
+            <a:pPr lvl="1"/>
             <a:r>
               <a:rPr lang="ja-JP" altLang="en-US" dirty="0"/>
-              <a:t>（フラスコ</a:t>
-            </a:r>
-            <a:r>
-              <a:rPr lang="en-US" altLang="ja-JP" dirty="0"/>
-              <a:t>/</a:t>
-            </a:r>
+              <a:t>タイトル</a:t>
+            </a:r>
+            <a:endParaRPr lang="en-US" altLang="ja-JP" dirty="0"/>
+          </a:p>
+          <a:p>
+            <a:pPr lvl="1"/>
+            <a:endParaRPr lang="en-US" altLang="ja-JP" dirty="0"/>
+          </a:p>
+          <a:p>
+            <a:r>
+              <a:rPr kumimoji="1" lang="ja-JP" altLang="en-US" dirty="0"/>
+              <a:t>入力画面</a:t>
+            </a:r>
+            <a:endParaRPr kumimoji="1" lang="en-US" altLang="ja-JP" dirty="0"/>
+          </a:p>
+          <a:p>
+            <a:pPr lvl="1"/>
+            <a:r>
+              <a:rPr kumimoji="1" lang="ja-JP" altLang="en-US" dirty="0"/>
+              <a:t>メロディを入力して送信</a:t>
+            </a:r>
+            <a:endParaRPr kumimoji="1" lang="en-US" altLang="ja-JP" dirty="0"/>
+          </a:p>
+          <a:p>
+            <a:pPr lvl="1"/>
+            <a:endParaRPr kumimoji="1" lang="en-US" altLang="ja-JP" dirty="0"/>
+          </a:p>
+          <a:p>
             <a:r>
               <a:rPr lang="ja-JP" altLang="en-US" dirty="0"/>
-              <a:t>フラスク）は</a:t>
-            </a:r>
-            <a:r>
-              <a:rPr lang="en-US" altLang="ja-JP" dirty="0"/>
-              <a:t>Python</a:t>
-            </a:r>
+              <a:t>結果出力画面</a:t>
+            </a:r>
+            <a:endParaRPr lang="en-US" altLang="ja-JP" dirty="0"/>
+          </a:p>
+          <a:p>
+            <a:pPr lvl="1"/>
             <a:r>
               <a:rPr lang="ja-JP" altLang="en-US" dirty="0"/>
-              <a:t>の</a:t>
-            </a:r>
-            <a:r>
-              <a:rPr lang="en-US" altLang="ja-JP" dirty="0"/>
-              <a:t>Web</a:t>
-            </a:r>
-            <a:r>
-              <a:rPr lang="ja-JP" altLang="en-US" dirty="0"/>
-              <a:t>アプリケーションフレームワークで、小規模向けの簡単な</a:t>
-            </a:r>
-            <a:r>
-              <a:rPr lang="en-US" altLang="ja-JP" dirty="0"/>
-              <a:t>Web</a:t>
-            </a:r>
-            <a:r>
-              <a:rPr lang="ja-JP" altLang="en-US" dirty="0"/>
-              <a:t>アプリケーションを作るのに適しています。</a:t>
-            </a:r>
-            <a:br>
-              <a:rPr lang="ja-JP" altLang="en-US" dirty="0"/>
-            </a:br>
-            <a:r>
-              <a:rPr lang="en-US" altLang="ja-JP" dirty="0"/>
-              <a:t>Web</a:t>
-            </a:r>
-            <a:r>
-              <a:rPr lang="ja-JP" altLang="en-US" dirty="0"/>
-              <a:t>フレームワークとは、ウェブサイトやウェブアプリケーションを作るための機能を提供し、ウェブフレームワークを使わない時よりもより容易に</a:t>
-            </a:r>
-            <a:r>
-              <a:rPr lang="en-US" altLang="ja-JP" dirty="0"/>
-              <a:t>Web</a:t>
-            </a:r>
-            <a:r>
-              <a:rPr lang="ja-JP" altLang="en-US" dirty="0"/>
-              <a:t>アプリケーションを作ることができるものです。</a:t>
-            </a:r>
-            <a:endParaRPr kumimoji="1" lang="ja-JP" altLang="en-US" dirty="0"/>
+              <a:t>作曲された曲を聴く</a:t>
+            </a:r>
+            <a:endParaRPr lang="en-US" altLang="ja-JP" dirty="0"/>
           </a:p>
         </p:txBody>
       </p:sp>
@@ -4818,8 +4884,8 @@
         </p:nvSpPr>
         <p:spPr>
           <a:xfrm>
-            <a:off x="0" y="0"/>
-            <a:ext cx="9144000" cy="2387600"/>
+            <a:off x="228600" y="152400"/>
+            <a:ext cx="9144000" cy="1892300"/>
           </a:xfrm>
         </p:spPr>
         <p:txBody>
@@ -4857,7 +4923,7 @@
         <p:spPr>
           <a:xfrm>
             <a:off x="737936" y="1773238"/>
-            <a:ext cx="10857163" cy="4627562"/>
+            <a:ext cx="10857163" cy="4475162"/>
           </a:xfrm>
         </p:spPr>
         <p:txBody>
@@ -5636,7 +5702,7 @@
             </a:r>
             <a:r>
               <a:rPr kumimoji="1" lang="ja-JP" altLang="en-US" dirty="0"/>
-              <a:t>ページ上の鍵盤で作曲</a:t>
+              <a:t>ページ上の鍵盤で作曲して送信</a:t>
             </a:r>
           </a:p>
         </p:txBody>
@@ -5710,7 +5776,7 @@
           <p:nvPr/>
         </p:nvPicPr>
         <p:blipFill>
-          <a:blip r:embed="rId2">
+          <a:blip r:embed="rId3">
             <a:extLst>
               <a:ext uri="{28A0092B-C50C-407E-A947-70E740481C1C}">
                 <a14:useLocalDpi xmlns:a14="http://schemas.microsoft.com/office/drawing/2010/main" val="0"/>
@@ -5787,7 +5853,7 @@
           </p:nvPr>
         </p:nvPicPr>
         <p:blipFill>
-          <a:blip r:embed="rId3">
+          <a:blip r:embed="rId4">
             <a:extLst>
               <a:ext uri="{28A0092B-C50C-407E-A947-70E740481C1C}">
                 <a14:useLocalDpi xmlns:a14="http://schemas.microsoft.com/office/drawing/2010/main" val="0"/>
@@ -5835,7 +5901,7 @@
           <a:p>
             <a:r>
               <a:rPr kumimoji="1" lang="ja-JP" altLang="en-US" sz="1200" dirty="0">
-                <a:hlinkClick r:id="rId4"/>
+                <a:hlinkClick r:id="rId5"/>
               </a:rPr>
               <a:t>来夢来人</a:t>
             </a:r>
@@ -5846,6 +5912,42 @@
           </a:p>
         </p:txBody>
       </p:sp>
+      <p:pic>
+        <p:nvPicPr>
+          <p:cNvPr id="5" name="図 4">
+            <a:extLst>
+              <a:ext uri="{FF2B5EF4-FFF2-40B4-BE49-F238E27FC236}">
+                <a16:creationId xmlns:a16="http://schemas.microsoft.com/office/drawing/2014/main" id="{EDA78303-DDD5-40EC-BAA5-657927D0C6C9}"/>
+              </a:ext>
+            </a:extLst>
+          </p:cNvPr>
+          <p:cNvPicPr>
+            <a:picLocks noChangeAspect="1"/>
+          </p:cNvPicPr>
+          <p:nvPr/>
+        </p:nvPicPr>
+        <p:blipFill>
+          <a:blip r:embed="rId6">
+            <a:extLst>
+              <a:ext uri="{28A0092B-C50C-407E-A947-70E740481C1C}">
+                <a14:useLocalDpi xmlns:a14="http://schemas.microsoft.com/office/drawing/2010/main" val="0"/>
+              </a:ext>
+            </a:extLst>
+          </a:blip>
+          <a:stretch>
+            <a:fillRect/>
+          </a:stretch>
+        </p:blipFill>
+        <p:spPr>
+          <a:xfrm>
+            <a:off x="11134351" y="5042895"/>
+            <a:ext cx="700502" cy="400287"/>
+          </a:xfrm>
+          <a:prstGeom prst="rect">
+            <a:avLst/>
+          </a:prstGeom>
+        </p:spPr>
+      </p:pic>
     </p:spTree>
     <p:extLst>
       <p:ext uri="{BB962C8B-B14F-4D97-AF65-F5344CB8AC3E}">
@@ -6011,7 +6113,7 @@
         </p:blipFill>
         <p:spPr>
           <a:xfrm>
-            <a:off x="1524000" y="2531344"/>
+            <a:off x="1524000" y="2531343"/>
             <a:ext cx="1490663" cy="851807"/>
           </a:xfrm>
           <a:prstGeom prst="rect">
@@ -6268,7 +6370,7 @@
         <p:spPr>
           <a:xfrm>
             <a:off x="875727" y="2104824"/>
-            <a:ext cx="10527632" cy="1938992"/>
+            <a:ext cx="10527632" cy="2677656"/>
           </a:xfrm>
           <a:prstGeom prst="rect">
             <a:avLst/>
@@ -6304,10 +6406,24 @@
               <a:buFont typeface="Arial" panose="020B0604020202020204" pitchFamily="34" charset="0"/>
               <a:buChar char="•"/>
             </a:pPr>
+            <a:endParaRPr lang="en-US" altLang="ja-JP" sz="2400" dirty="0"/>
+          </a:p>
+          <a:p>
+            <a:pPr marL="342900" indent="-342900">
+              <a:buFont typeface="Arial" panose="020B0604020202020204" pitchFamily="34" charset="0"/>
+              <a:buChar char="•"/>
+            </a:pPr>
             <a:r>
               <a:rPr lang="ja-JP" altLang="en-US" sz="2400" dirty="0"/>
               <a:t>音のパターンを学習してそれに合わせるよう作曲できるようになる</a:t>
             </a:r>
+            <a:endParaRPr lang="en-US" altLang="ja-JP" sz="2400" dirty="0"/>
+          </a:p>
+          <a:p>
+            <a:pPr marL="342900" indent="-342900">
+              <a:buFont typeface="Arial" panose="020B0604020202020204" pitchFamily="34" charset="0"/>
+              <a:buChar char="•"/>
+            </a:pPr>
             <a:endParaRPr lang="en-US" altLang="ja-JP" sz="2400" dirty="0"/>
           </a:p>
           <a:p>

--- a/presentation/bit Composer.pptx
+++ b/presentation/bit Composer.pptx
@@ -538,6 +538,192 @@
 </file>
 
 <file path=ppt/notesSlides/notesSlide1.xml><?xml version="1.0" encoding="utf-8"?>
+<p:notes xmlns:a="http://schemas.openxmlformats.org/drawingml/2006/main" xmlns:r="http://schemas.openxmlformats.org/officeDocument/2006/relationships" xmlns:p="http://schemas.openxmlformats.org/presentationml/2006/main">
+  <p:cSld>
+    <p:spTree>
+      <p:nvGrpSpPr>
+        <p:cNvPr id="1" name=""/>
+        <p:cNvGrpSpPr/>
+        <p:nvPr/>
+      </p:nvGrpSpPr>
+      <p:grpSpPr>
+        <a:xfrm>
+          <a:off x="0" y="0"/>
+          <a:ext cx="0" cy="0"/>
+          <a:chOff x="0" y="0"/>
+          <a:chExt cx="0" cy="0"/>
+        </a:xfrm>
+      </p:grpSpPr>
+      <p:sp>
+        <p:nvSpPr>
+          <p:cNvPr id="2" name="スライド イメージ プレースホルダー 1"/>
+          <p:cNvSpPr>
+            <a:spLocks noGrp="1" noRot="1" noChangeAspect="1"/>
+          </p:cNvSpPr>
+          <p:nvPr>
+            <p:ph type="sldImg"/>
+          </p:nvPr>
+        </p:nvSpPr>
+        <p:spPr/>
+      </p:sp>
+      <p:sp>
+        <p:nvSpPr>
+          <p:cNvPr id="3" name="ノート プレースホルダー 2"/>
+          <p:cNvSpPr>
+            <a:spLocks noGrp="1"/>
+          </p:cNvSpPr>
+          <p:nvPr>
+            <p:ph type="body" idx="1"/>
+          </p:nvPr>
+        </p:nvSpPr>
+        <p:spPr/>
+        <p:txBody>
+          <a:bodyPr/>
+          <a:lstStyle/>
+          <a:p>
+            <a:r>
+              <a:rPr kumimoji="1" lang="ja-JP" altLang="en-US" dirty="0"/>
+              <a:t>これから私たちは</a:t>
+            </a:r>
+            <a:r>
+              <a:rPr kumimoji="1" lang="en-US" altLang="ja-JP" dirty="0"/>
+              <a:t>bit composer</a:t>
+            </a:r>
+            <a:r>
+              <a:rPr kumimoji="1" lang="ja-JP" altLang="en-US" dirty="0"/>
+              <a:t>というシステムのご提案をしたいと思います。</a:t>
+            </a:r>
+          </a:p>
+        </p:txBody>
+      </p:sp>
+      <p:sp>
+        <p:nvSpPr>
+          <p:cNvPr id="4" name="スライド番号プレースホルダー 3"/>
+          <p:cNvSpPr>
+            <a:spLocks noGrp="1"/>
+          </p:cNvSpPr>
+          <p:nvPr>
+            <p:ph type="sldNum" sz="quarter" idx="5"/>
+          </p:nvPr>
+        </p:nvSpPr>
+        <p:spPr/>
+        <p:txBody>
+          <a:bodyPr/>
+          <a:lstStyle/>
+          <a:p>
+            <a:fld id="{FD808316-81CD-4B36-BDD1-D6460C124C29}" type="slidenum">
+              <a:rPr kumimoji="1" lang="ja-JP" altLang="en-US" smtClean="0"/>
+              <a:t>1</a:t>
+            </a:fld>
+            <a:endParaRPr kumimoji="1" lang="ja-JP" altLang="en-US"/>
+          </a:p>
+        </p:txBody>
+      </p:sp>
+    </p:spTree>
+    <p:extLst>
+      <p:ext uri="{BB962C8B-B14F-4D97-AF65-F5344CB8AC3E}">
+        <p14:creationId xmlns:p14="http://schemas.microsoft.com/office/powerpoint/2010/main" val="4206182225"/>
+      </p:ext>
+    </p:extLst>
+  </p:cSld>
+  <p:clrMapOvr>
+    <a:masterClrMapping/>
+  </p:clrMapOvr>
+</p:notes>
+</file>
+
+<file path=ppt/notesSlides/notesSlide2.xml><?xml version="1.0" encoding="utf-8"?>
+<p:notes xmlns:a="http://schemas.openxmlformats.org/drawingml/2006/main" xmlns:r="http://schemas.openxmlformats.org/officeDocument/2006/relationships" xmlns:p="http://schemas.openxmlformats.org/presentationml/2006/main">
+  <p:cSld>
+    <p:spTree>
+      <p:nvGrpSpPr>
+        <p:cNvPr id="1" name=""/>
+        <p:cNvGrpSpPr/>
+        <p:nvPr/>
+      </p:nvGrpSpPr>
+      <p:grpSpPr>
+        <a:xfrm>
+          <a:off x="0" y="0"/>
+          <a:ext cx="0" cy="0"/>
+          <a:chOff x="0" y="0"/>
+          <a:chExt cx="0" cy="0"/>
+        </a:xfrm>
+      </p:grpSpPr>
+      <p:sp>
+        <p:nvSpPr>
+          <p:cNvPr id="2" name="スライド イメージ プレースホルダー 1"/>
+          <p:cNvSpPr>
+            <a:spLocks noGrp="1" noRot="1" noChangeAspect="1"/>
+          </p:cNvSpPr>
+          <p:nvPr>
+            <p:ph type="sldImg"/>
+          </p:nvPr>
+        </p:nvSpPr>
+        <p:spPr/>
+      </p:sp>
+      <p:sp>
+        <p:nvSpPr>
+          <p:cNvPr id="3" name="ノート プレースホルダー 2"/>
+          <p:cNvSpPr>
+            <a:spLocks noGrp="1"/>
+          </p:cNvSpPr>
+          <p:nvPr>
+            <p:ph type="body" idx="1"/>
+          </p:nvPr>
+        </p:nvSpPr>
+        <p:spPr/>
+        <p:txBody>
+          <a:bodyPr/>
+          <a:lstStyle/>
+          <a:p>
+            <a:r>
+              <a:rPr kumimoji="1" lang="en-US" altLang="ja-JP" dirty="0"/>
+              <a:t>bit composer</a:t>
+            </a:r>
+            <a:r>
+              <a:rPr kumimoji="1" lang="ja-JP" altLang="en-US" dirty="0"/>
+              <a:t>は自動作曲アプリです。ゲーム音楽に似た曲をつくってくれます。作曲の例としてはこのようなものがあります</a:t>
+            </a:r>
+          </a:p>
+        </p:txBody>
+      </p:sp>
+      <p:sp>
+        <p:nvSpPr>
+          <p:cNvPr id="4" name="スライド番号プレースホルダー 3"/>
+          <p:cNvSpPr>
+            <a:spLocks noGrp="1"/>
+          </p:cNvSpPr>
+          <p:nvPr>
+            <p:ph type="sldNum" sz="quarter" idx="5"/>
+          </p:nvPr>
+        </p:nvSpPr>
+        <p:spPr/>
+        <p:txBody>
+          <a:bodyPr/>
+          <a:lstStyle/>
+          <a:p>
+            <a:fld id="{FD808316-81CD-4B36-BDD1-D6460C124C29}" type="slidenum">
+              <a:rPr kumimoji="1" lang="ja-JP" altLang="en-US" smtClean="0"/>
+              <a:t>2</a:t>
+            </a:fld>
+            <a:endParaRPr kumimoji="1" lang="ja-JP" altLang="en-US"/>
+          </a:p>
+        </p:txBody>
+      </p:sp>
+    </p:spTree>
+    <p:extLst>
+      <p:ext uri="{BB962C8B-B14F-4D97-AF65-F5344CB8AC3E}">
+        <p14:creationId xmlns:p14="http://schemas.microsoft.com/office/powerpoint/2010/main" val="2251164369"/>
+      </p:ext>
+    </p:extLst>
+  </p:cSld>
+  <p:clrMapOvr>
+    <a:masterClrMapping/>
+  </p:clrMapOvr>
+</p:notes>
+</file>
+
+<file path=ppt/notesSlides/notesSlide3.xml><?xml version="1.0" encoding="utf-8"?>
 <p:notes xmlns:a="http://schemas.openxmlformats.org/drawingml/2006/main" xmlns:r="http://schemas.openxmlformats.org/officeDocument/2006/relationships" xmlns:p="http://schemas.openxmlformats.org/presentationml/2006/main">
   <p:cSld>
     <p:spTree>
@@ -4144,7 +4330,7 @@
           </p:nvPr>
         </p:nvPicPr>
         <p:blipFill>
-          <a:blip r:embed="rId2">
+          <a:blip r:embed="rId3">
             <a:extLst>
               <a:ext uri="{28A0092B-C50C-407E-A947-70E740481C1C}">
                 <a14:useLocalDpi xmlns:a14="http://schemas.microsoft.com/office/drawing/2010/main" val="0"/>
@@ -5183,7 +5369,7 @@
           <a:p>
             <a:r>
               <a:rPr lang="ja-JP" altLang="en-US" sz="2800" dirty="0"/>
-              <a:t>ゲームに使われる音楽にそっくりな曲を作曲します。</a:t>
+              <a:t>ゲーム音楽に似た曲を作曲します。</a:t>
             </a:r>
             <a:endParaRPr lang="en-US" altLang="ja-JP" sz="2800" dirty="0"/>
           </a:p>
@@ -5302,109 +5488,47 @@
       </p:sp>
       <p:sp>
         <p:nvSpPr>
-          <p:cNvPr id="5" name="テキスト ボックス 4">
-            <a:extLst>
-              <a:ext uri="{FF2B5EF4-FFF2-40B4-BE49-F238E27FC236}">
-                <a16:creationId xmlns:a16="http://schemas.microsoft.com/office/drawing/2014/main" id="{843B0245-9A3B-4E97-B4FC-2A4D8CA8C5A5}"/>
-              </a:ext>
-            </a:extLst>
-          </p:cNvPr>
-          <p:cNvSpPr txBox="1"/>
+          <p:cNvPr id="3" name="四角形: 角を丸くする 2">
+            <a:extLst>
+              <a:ext uri="{FF2B5EF4-FFF2-40B4-BE49-F238E27FC236}">
+                <a16:creationId xmlns:a16="http://schemas.microsoft.com/office/drawing/2014/main" id="{F1D9F806-EEEB-4499-BA2F-D3C0C169D498}"/>
+              </a:ext>
+            </a:extLst>
+          </p:cNvPr>
+          <p:cNvSpPr/>
           <p:nvPr/>
         </p:nvSpPr>
         <p:spPr>
           <a:xfrm>
-            <a:off x="660400" y="1690688"/>
-            <a:ext cx="10236200" cy="1938992"/>
+            <a:off x="1012658" y="1925053"/>
+            <a:ext cx="2885574" cy="4423443"/>
           </a:xfrm>
-          <a:prstGeom prst="rect">
+          <a:prstGeom prst="roundRect">
             <a:avLst/>
           </a:prstGeom>
-          <a:noFill/>
         </p:spPr>
-        <p:txBody>
-          <a:bodyPr wrap="square" rtlCol="0">
-            <a:spAutoFit/>
-          </a:bodyPr>
-          <a:lstStyle/>
-          <a:p>
-            <a:pPr marL="285750" indent="-285750">
-              <a:buFont typeface="Arial" panose="020B0604020202020204" pitchFamily="34" charset="0"/>
-              <a:buChar char="•"/>
-            </a:pPr>
-            <a:r>
-              <a:rPr lang="en-US" altLang="ja-JP" sz="2400" dirty="0"/>
-              <a:t>Web</a:t>
-            </a:r>
-            <a:r>
-              <a:rPr lang="ja-JP" altLang="en-US" sz="2400" dirty="0"/>
-              <a:t>アプリケーションなのでサーバに自動作曲システムがある</a:t>
-            </a:r>
-            <a:endParaRPr lang="en-US" altLang="ja-JP" sz="2400" dirty="0"/>
-          </a:p>
-          <a:p>
-            <a:pPr marL="285750" indent="-285750">
-              <a:buFont typeface="Arial" panose="020B0604020202020204" pitchFamily="34" charset="0"/>
-              <a:buChar char="•"/>
-            </a:pPr>
-            <a:endParaRPr lang="en-US" altLang="ja-JP" sz="2400" dirty="0"/>
-          </a:p>
-          <a:p>
-            <a:pPr marL="285750" indent="-285750">
-              <a:buFont typeface="Arial" panose="020B0604020202020204" pitchFamily="34" charset="0"/>
-              <a:buChar char="•"/>
-            </a:pPr>
-            <a:r>
-              <a:rPr lang="ja-JP" altLang="en-US" sz="2400" dirty="0"/>
-              <a:t>自動作曲システムは</a:t>
-            </a:r>
-            <a:r>
-              <a:rPr lang="en-US" altLang="ja-JP" sz="2400" dirty="0"/>
-              <a:t>Python</a:t>
-            </a:r>
-            <a:r>
-              <a:rPr lang="ja-JP" altLang="en-US" sz="2400" dirty="0"/>
-              <a:t>で実装</a:t>
-            </a:r>
-            <a:endParaRPr lang="en-US" altLang="ja-JP" sz="2400" dirty="0"/>
-          </a:p>
-          <a:p>
-            <a:pPr marL="285750" indent="-285750">
-              <a:buFont typeface="Arial" panose="020B0604020202020204" pitchFamily="34" charset="0"/>
-              <a:buChar char="•"/>
-            </a:pPr>
-            <a:endParaRPr lang="en-US" altLang="ja-JP" sz="2400" dirty="0"/>
-          </a:p>
-          <a:p>
-            <a:pPr marL="285750" indent="-285750">
-              <a:buFont typeface="Arial" panose="020B0604020202020204" pitchFamily="34" charset="0"/>
-              <a:buChar char="•"/>
-            </a:pPr>
-            <a:r>
-              <a:rPr lang="ja-JP" altLang="en-US" sz="2400" dirty="0"/>
-              <a:t>サーバのプログラムは</a:t>
-            </a:r>
-            <a:r>
-              <a:rPr kumimoji="1" lang="en-US" altLang="ja-JP" sz="2400" dirty="0"/>
-              <a:t>Flask</a:t>
-            </a:r>
-            <a:r>
-              <a:rPr kumimoji="1" lang="ja-JP" altLang="en-US" sz="2400" dirty="0"/>
-              <a:t>という</a:t>
-            </a:r>
-            <a:r>
-              <a:rPr kumimoji="1" lang="en-US" altLang="ja-JP" sz="2400" dirty="0"/>
-              <a:t>Python</a:t>
-            </a:r>
-            <a:r>
-              <a:rPr kumimoji="1" lang="ja-JP" altLang="en-US" sz="2400" dirty="0"/>
-              <a:t>のライブラリを使い</a:t>
-            </a:r>
-            <a:r>
-              <a:rPr lang="ja-JP" altLang="en-US" sz="2400" dirty="0"/>
-              <a:t>実装</a:t>
-            </a:r>
-            <a:endParaRPr kumimoji="1" lang="ja-JP" altLang="en-US" sz="2400" dirty="0"/>
+        <p:style>
+          <a:lnRef idx="2">
+            <a:schemeClr val="accent1">
+              <a:shade val="50000"/>
+            </a:schemeClr>
+          </a:lnRef>
+          <a:fillRef idx="1">
+            <a:schemeClr val="accent1"/>
+          </a:fillRef>
+          <a:effectRef idx="0">
+            <a:schemeClr val="accent1"/>
+          </a:effectRef>
+          <a:fontRef idx="minor">
+            <a:schemeClr val="lt1"/>
+          </a:fontRef>
+        </p:style>
+        <p:txBody>
+          <a:bodyPr rtlCol="0" anchor="ctr"/>
+          <a:lstStyle/>
+          <a:p>
+            <a:pPr algn="ctr"/>
+            <a:endParaRPr kumimoji="1" lang="ja-JP" altLang="en-US"/>
           </a:p>
         </p:txBody>
       </p:sp>

--- a/presentation/bit Composer.pptx
+++ b/presentation/bit Composer.pptx
@@ -2,28 +2,24 @@
 <file path=ppt/presentation.xml><?xml version="1.0" encoding="utf-8"?>
 <p:presentation xmlns:a="http://schemas.openxmlformats.org/drawingml/2006/main" xmlns:r="http://schemas.openxmlformats.org/officeDocument/2006/relationships" xmlns:p="http://schemas.openxmlformats.org/presentationml/2006/main" saveSubsetFonts="1">
   <p:sldMasterIdLst>
-    <p:sldMasterId id="2147483648" r:id="rId1"/>
+    <p:sldMasterId id="2147483696" r:id="rId1"/>
   </p:sldMasterIdLst>
   <p:notesMasterIdLst>
-    <p:notesMasterId r:id="rId18"/>
+    <p:notesMasterId r:id="rId14"/>
   </p:notesMasterIdLst>
   <p:sldIdLst>
     <p:sldId id="259" r:id="rId2"/>
     <p:sldId id="260" r:id="rId3"/>
     <p:sldId id="276" r:id="rId4"/>
-    <p:sldId id="268" r:id="rId5"/>
-    <p:sldId id="274" r:id="rId6"/>
-    <p:sldId id="272" r:id="rId7"/>
-    <p:sldId id="273" r:id="rId8"/>
-    <p:sldId id="275" r:id="rId9"/>
-    <p:sldId id="262" r:id="rId10"/>
-    <p:sldId id="263" r:id="rId11"/>
-    <p:sldId id="269" r:id="rId12"/>
-    <p:sldId id="277" r:id="rId13"/>
-    <p:sldId id="264" r:id="rId14"/>
-    <p:sldId id="271" r:id="rId15"/>
-    <p:sldId id="265" r:id="rId16"/>
-    <p:sldId id="266" r:id="rId17"/>
+    <p:sldId id="274" r:id="rId5"/>
+    <p:sldId id="272" r:id="rId6"/>
+    <p:sldId id="275" r:id="rId7"/>
+    <p:sldId id="262" r:id="rId8"/>
+    <p:sldId id="263" r:id="rId9"/>
+    <p:sldId id="269" r:id="rId10"/>
+    <p:sldId id="277" r:id="rId11"/>
+    <p:sldId id="265" r:id="rId12"/>
+    <p:sldId id="266" r:id="rId13"/>
   </p:sldIdLst>
   <p:sldSz cx="12192000" cy="6858000"/>
   <p:notesSz cx="6858000" cy="9144000"/>
@@ -238,7 +234,7 @@
           <a:p>
             <a:fld id="{CFE7C3F7-5C92-45C1-81B6-3020317CA2CB}" type="datetimeFigureOut">
               <a:rPr kumimoji="1" lang="ja-JP" altLang="en-US" smtClean="0"/>
-              <a:t>2021/10/5</a:t>
+              <a:t>2021/10/6</a:t>
             </a:fld>
             <a:endParaRPr kumimoji="1" lang="ja-JP" altLang="en-US"/>
           </a:p>
@@ -583,9 +579,21 @@
           <a:p>
             <a:r>
               <a:rPr kumimoji="1" lang="ja-JP" altLang="en-US" dirty="0"/>
-              <a:t>入力ページへ行くとこのような画面があるので、</a:t>
-            </a:r>
-            <a:endParaRPr kumimoji="1" lang="en-US" altLang="ja-JP" dirty="0"/>
+              <a:t>私たちは</a:t>
+            </a:r>
+            <a:r>
+              <a:rPr kumimoji="1" lang="en-US" altLang="ja-JP" dirty="0"/>
+              <a:t>bit composer</a:t>
+            </a:r>
+            <a:r>
+              <a:rPr kumimoji="1" lang="ja-JP" altLang="en-US" dirty="0"/>
+              <a:t>というシステムのご提案をします。</a:t>
+            </a:r>
+            <a:r>
+              <a:rPr kumimoji="1" lang="en-US" altLang="ja-JP" dirty="0"/>
+              <a:t> </a:t>
+            </a:r>
+            <a:endParaRPr kumimoji="1" lang="ja-JP" altLang="en-US" dirty="0"/>
           </a:p>
         </p:txBody>
       </p:sp>
@@ -606,7 +614,300 @@
           <a:p>
             <a:fld id="{FD808316-81CD-4B36-BDD1-D6460C124C29}" type="slidenum">
               <a:rPr kumimoji="1" lang="ja-JP" altLang="en-US" smtClean="0"/>
-              <a:t>6</a:t>
+              <a:t>1</a:t>
+            </a:fld>
+            <a:endParaRPr kumimoji="1" lang="ja-JP" altLang="en-US"/>
+          </a:p>
+        </p:txBody>
+      </p:sp>
+    </p:spTree>
+    <p:extLst>
+      <p:ext uri="{BB962C8B-B14F-4D97-AF65-F5344CB8AC3E}">
+        <p14:creationId xmlns:p14="http://schemas.microsoft.com/office/powerpoint/2010/main" val="3250241302"/>
+      </p:ext>
+    </p:extLst>
+  </p:cSld>
+  <p:clrMapOvr>
+    <a:masterClrMapping/>
+  </p:clrMapOvr>
+</p:notes>
+</file>
+
+<file path=ppt/notesSlides/notesSlide2.xml><?xml version="1.0" encoding="utf-8"?>
+<p:notes xmlns:a="http://schemas.openxmlformats.org/drawingml/2006/main" xmlns:r="http://schemas.openxmlformats.org/officeDocument/2006/relationships" xmlns:p="http://schemas.openxmlformats.org/presentationml/2006/main">
+  <p:cSld>
+    <p:spTree>
+      <p:nvGrpSpPr>
+        <p:cNvPr id="1" name=""/>
+        <p:cNvGrpSpPr/>
+        <p:nvPr/>
+      </p:nvGrpSpPr>
+      <p:grpSpPr>
+        <a:xfrm>
+          <a:off x="0" y="0"/>
+          <a:ext cx="0" cy="0"/>
+          <a:chOff x="0" y="0"/>
+          <a:chExt cx="0" cy="0"/>
+        </a:xfrm>
+      </p:grpSpPr>
+      <p:sp>
+        <p:nvSpPr>
+          <p:cNvPr id="2" name="スライド イメージ プレースホルダー 1"/>
+          <p:cNvSpPr>
+            <a:spLocks noGrp="1" noRot="1" noChangeAspect="1"/>
+          </p:cNvSpPr>
+          <p:nvPr>
+            <p:ph type="sldImg"/>
+          </p:nvPr>
+        </p:nvSpPr>
+        <p:spPr/>
+      </p:sp>
+      <p:sp>
+        <p:nvSpPr>
+          <p:cNvPr id="3" name="ノート プレースホルダー 2"/>
+          <p:cNvSpPr>
+            <a:spLocks noGrp="1"/>
+          </p:cNvSpPr>
+          <p:nvPr>
+            <p:ph type="body" idx="1"/>
+          </p:nvPr>
+        </p:nvSpPr>
+        <p:spPr/>
+        <p:txBody>
+          <a:bodyPr/>
+          <a:lstStyle/>
+          <a:p>
+            <a:r>
+              <a:rPr kumimoji="1" lang="en-US" altLang="ja-JP" dirty="0"/>
+              <a:t>bit composer </a:t>
+            </a:r>
+            <a:r>
+              <a:rPr kumimoji="1" lang="ja-JP" altLang="en-US" dirty="0"/>
+              <a:t>とは</a:t>
+            </a:r>
+            <a:r>
+              <a:rPr kumimoji="1" lang="en-US" altLang="ja-JP" dirty="0"/>
+              <a:t>AI</a:t>
+            </a:r>
+            <a:r>
+              <a:rPr kumimoji="1" lang="ja-JP" altLang="en-US" dirty="0"/>
+              <a:t>を使った自動作曲アプリです。ゲームに使われる音楽に雰囲気の似た曲を作曲します。</a:t>
+            </a:r>
+            <a:endParaRPr kumimoji="1" lang="en-US" altLang="ja-JP" dirty="0"/>
+          </a:p>
+          <a:p>
+            <a:r>
+              <a:rPr kumimoji="1" lang="ja-JP" altLang="en-US" dirty="0"/>
+              <a:t>例としてはスーパーマリオブラザーズやドラゴンクエストの曲などをほうふつとさせるような曲を作曲します。</a:t>
+            </a:r>
+          </a:p>
+        </p:txBody>
+      </p:sp>
+      <p:sp>
+        <p:nvSpPr>
+          <p:cNvPr id="4" name="スライド番号プレースホルダー 3"/>
+          <p:cNvSpPr>
+            <a:spLocks noGrp="1"/>
+          </p:cNvSpPr>
+          <p:nvPr>
+            <p:ph type="sldNum" sz="quarter" idx="5"/>
+          </p:nvPr>
+        </p:nvSpPr>
+        <p:spPr/>
+        <p:txBody>
+          <a:bodyPr/>
+          <a:lstStyle/>
+          <a:p>
+            <a:fld id="{FD808316-81CD-4B36-BDD1-D6460C124C29}" type="slidenum">
+              <a:rPr kumimoji="1" lang="ja-JP" altLang="en-US" smtClean="0"/>
+              <a:t>2</a:t>
+            </a:fld>
+            <a:endParaRPr kumimoji="1" lang="ja-JP" altLang="en-US"/>
+          </a:p>
+        </p:txBody>
+      </p:sp>
+    </p:spTree>
+    <p:extLst>
+      <p:ext uri="{BB962C8B-B14F-4D97-AF65-F5344CB8AC3E}">
+        <p14:creationId xmlns:p14="http://schemas.microsoft.com/office/powerpoint/2010/main" val="3241431223"/>
+      </p:ext>
+    </p:extLst>
+  </p:cSld>
+  <p:clrMapOvr>
+    <a:masterClrMapping/>
+  </p:clrMapOvr>
+</p:notes>
+</file>
+
+<file path=ppt/notesSlides/notesSlide3.xml><?xml version="1.0" encoding="utf-8"?>
+<p:notes xmlns:a="http://schemas.openxmlformats.org/drawingml/2006/main" xmlns:r="http://schemas.openxmlformats.org/officeDocument/2006/relationships" xmlns:p="http://schemas.openxmlformats.org/presentationml/2006/main">
+  <p:cSld>
+    <p:spTree>
+      <p:nvGrpSpPr>
+        <p:cNvPr id="1" name=""/>
+        <p:cNvGrpSpPr/>
+        <p:nvPr/>
+      </p:nvGrpSpPr>
+      <p:grpSpPr>
+        <a:xfrm>
+          <a:off x="0" y="0"/>
+          <a:ext cx="0" cy="0"/>
+          <a:chOff x="0" y="0"/>
+          <a:chExt cx="0" cy="0"/>
+        </a:xfrm>
+      </p:grpSpPr>
+      <p:sp>
+        <p:nvSpPr>
+          <p:cNvPr id="2" name="スライド イメージ プレースホルダー 1"/>
+          <p:cNvSpPr>
+            <a:spLocks noGrp="1" noRot="1" noChangeAspect="1"/>
+          </p:cNvSpPr>
+          <p:nvPr>
+            <p:ph type="sldImg"/>
+          </p:nvPr>
+        </p:nvSpPr>
+        <p:spPr/>
+      </p:sp>
+      <p:sp>
+        <p:nvSpPr>
+          <p:cNvPr id="3" name="ノート プレースホルダー 2"/>
+          <p:cNvSpPr>
+            <a:spLocks noGrp="1"/>
+          </p:cNvSpPr>
+          <p:nvPr>
+            <p:ph type="body" idx="1"/>
+          </p:nvPr>
+        </p:nvSpPr>
+        <p:spPr/>
+        <p:txBody>
+          <a:bodyPr/>
+          <a:lstStyle/>
+          <a:p>
+            <a:r>
+              <a:rPr kumimoji="1" lang="en-US" altLang="ja-JP" dirty="0"/>
+              <a:t>bit composer</a:t>
+            </a:r>
+            <a:r>
+              <a:rPr kumimoji="1" lang="ja-JP" altLang="en-US" dirty="0"/>
+              <a:t>は</a:t>
+            </a:r>
+            <a:r>
+              <a:rPr kumimoji="1" lang="en-US" altLang="ja-JP" dirty="0"/>
+              <a:t>Web</a:t>
+            </a:r>
+            <a:r>
+              <a:rPr kumimoji="1" lang="ja-JP" altLang="en-US" dirty="0"/>
+              <a:t>アプリケーションとして成り立っており、</a:t>
+            </a:r>
+          </a:p>
+        </p:txBody>
+      </p:sp>
+      <p:sp>
+        <p:nvSpPr>
+          <p:cNvPr id="4" name="スライド番号プレースホルダー 3"/>
+          <p:cNvSpPr>
+            <a:spLocks noGrp="1"/>
+          </p:cNvSpPr>
+          <p:nvPr>
+            <p:ph type="sldNum" sz="quarter" idx="5"/>
+          </p:nvPr>
+        </p:nvSpPr>
+        <p:spPr/>
+        <p:txBody>
+          <a:bodyPr/>
+          <a:lstStyle/>
+          <a:p>
+            <a:fld id="{FD808316-81CD-4B36-BDD1-D6460C124C29}" type="slidenum">
+              <a:rPr kumimoji="1" lang="ja-JP" altLang="en-US" smtClean="0"/>
+              <a:t>3</a:t>
+            </a:fld>
+            <a:endParaRPr kumimoji="1" lang="ja-JP" altLang="en-US"/>
+          </a:p>
+        </p:txBody>
+      </p:sp>
+    </p:spTree>
+    <p:extLst>
+      <p:ext uri="{BB962C8B-B14F-4D97-AF65-F5344CB8AC3E}">
+        <p14:creationId xmlns:p14="http://schemas.microsoft.com/office/powerpoint/2010/main" val="810124780"/>
+      </p:ext>
+    </p:extLst>
+  </p:cSld>
+  <p:clrMapOvr>
+    <a:masterClrMapping/>
+  </p:clrMapOvr>
+</p:notes>
+</file>
+
+<file path=ppt/notesSlides/notesSlide4.xml><?xml version="1.0" encoding="utf-8"?>
+<p:notes xmlns:a="http://schemas.openxmlformats.org/drawingml/2006/main" xmlns:r="http://schemas.openxmlformats.org/officeDocument/2006/relationships" xmlns:p="http://schemas.openxmlformats.org/presentationml/2006/main">
+  <p:cSld>
+    <p:spTree>
+      <p:nvGrpSpPr>
+        <p:cNvPr id="1" name=""/>
+        <p:cNvGrpSpPr/>
+        <p:nvPr/>
+      </p:nvGrpSpPr>
+      <p:grpSpPr>
+        <a:xfrm>
+          <a:off x="0" y="0"/>
+          <a:ext cx="0" cy="0"/>
+          <a:chOff x="0" y="0"/>
+          <a:chExt cx="0" cy="0"/>
+        </a:xfrm>
+      </p:grpSpPr>
+      <p:sp>
+        <p:nvSpPr>
+          <p:cNvPr id="2" name="スライド イメージ プレースホルダー 1"/>
+          <p:cNvSpPr>
+            <a:spLocks noGrp="1" noRot="1" noChangeAspect="1"/>
+          </p:cNvSpPr>
+          <p:nvPr>
+            <p:ph type="sldImg"/>
+          </p:nvPr>
+        </p:nvSpPr>
+        <p:spPr/>
+      </p:sp>
+      <p:sp>
+        <p:nvSpPr>
+          <p:cNvPr id="3" name="ノート プレースホルダー 2"/>
+          <p:cNvSpPr>
+            <a:spLocks noGrp="1"/>
+          </p:cNvSpPr>
+          <p:nvPr>
+            <p:ph type="body" idx="1"/>
+          </p:nvPr>
+        </p:nvSpPr>
+        <p:spPr/>
+        <p:txBody>
+          <a:bodyPr/>
+          <a:lstStyle/>
+          <a:p>
+            <a:r>
+              <a:rPr kumimoji="1" lang="ja-JP" altLang="en-US" dirty="0"/>
+              <a:t>入力ページへ行くとこのような画面があるので、</a:t>
+            </a:r>
+            <a:endParaRPr kumimoji="1" lang="en-US" altLang="ja-JP" dirty="0"/>
+          </a:p>
+        </p:txBody>
+      </p:sp>
+      <p:sp>
+        <p:nvSpPr>
+          <p:cNvPr id="4" name="スライド番号プレースホルダー 3"/>
+          <p:cNvSpPr>
+            <a:spLocks noGrp="1"/>
+          </p:cNvSpPr>
+          <p:nvPr>
+            <p:ph type="sldNum" sz="quarter" idx="5"/>
+          </p:nvPr>
+        </p:nvSpPr>
+        <p:spPr/>
+        <p:txBody>
+          <a:bodyPr/>
+          <a:lstStyle/>
+          <a:p>
+            <a:fld id="{FD808316-81CD-4B36-BDD1-D6460C124C29}" type="slidenum">
+              <a:rPr kumimoji="1" lang="ja-JP" altLang="en-US" smtClean="0"/>
+              <a:t>5</a:t>
             </a:fld>
             <a:endParaRPr kumimoji="1" lang="ja-JP" altLang="en-US"/>
           </a:p>
@@ -647,7 +948,7 @@
           <p:cNvPr id="2" name="タイトル 1">
             <a:extLst>
               <a:ext uri="{FF2B5EF4-FFF2-40B4-BE49-F238E27FC236}">
-                <a16:creationId xmlns:a16="http://schemas.microsoft.com/office/drawing/2014/main" id="{27098A06-4B5A-4A89-A287-597F6419D8EE}"/>
+                <a16:creationId xmlns:a16="http://schemas.microsoft.com/office/drawing/2014/main" id="{31C50D3B-3CE7-409B-AA8F-2C5A1592CE83}"/>
               </a:ext>
             </a:extLst>
           </p:cNvPr>
@@ -684,7 +985,7 @@
           <p:cNvPr id="3" name="字幕 2">
             <a:extLst>
               <a:ext uri="{FF2B5EF4-FFF2-40B4-BE49-F238E27FC236}">
-                <a16:creationId xmlns:a16="http://schemas.microsoft.com/office/drawing/2014/main" id="{3E87938E-F262-4016-BBBB-DC66353993B3}"/>
+                <a16:creationId xmlns:a16="http://schemas.microsoft.com/office/drawing/2014/main" id="{070284BD-26A3-4C54-A875-F4D5F379AC41}"/>
               </a:ext>
             </a:extLst>
           </p:cNvPr>
@@ -754,7 +1055,7 @@
           <p:cNvPr id="4" name="日付プレースホルダー 3">
             <a:extLst>
               <a:ext uri="{FF2B5EF4-FFF2-40B4-BE49-F238E27FC236}">
-                <a16:creationId xmlns:a16="http://schemas.microsoft.com/office/drawing/2014/main" id="{FA32F688-DB87-4D6E-8E5B-03873ED4C03F}"/>
+                <a16:creationId xmlns:a16="http://schemas.microsoft.com/office/drawing/2014/main" id="{8B1AA708-5DDF-4C3C-A4F2-7A697011D8B0}"/>
               </a:ext>
             </a:extLst>
           </p:cNvPr>
@@ -772,7 +1073,7 @@
           <a:p>
             <a:fld id="{4A6B28F3-BB62-4EA0-99DF-EF5932BC4FCF}" type="datetimeFigureOut">
               <a:rPr kumimoji="1" lang="ja-JP" altLang="en-US" smtClean="0"/>
-              <a:t>2021/10/5</a:t>
+              <a:t>2021/10/6</a:t>
             </a:fld>
             <a:endParaRPr kumimoji="1" lang="ja-JP" altLang="en-US"/>
           </a:p>
@@ -783,7 +1084,7 @@
           <p:cNvPr id="5" name="フッター プレースホルダー 4">
             <a:extLst>
               <a:ext uri="{FF2B5EF4-FFF2-40B4-BE49-F238E27FC236}">
-                <a16:creationId xmlns:a16="http://schemas.microsoft.com/office/drawing/2014/main" id="{7D4CD334-74CF-4674-9643-920F847E6BD2}"/>
+                <a16:creationId xmlns:a16="http://schemas.microsoft.com/office/drawing/2014/main" id="{D49B66A9-E4E1-4E63-AE72-721196E899A3}"/>
               </a:ext>
             </a:extLst>
           </p:cNvPr>
@@ -808,7 +1109,7 @@
           <p:cNvPr id="6" name="スライド番号プレースホルダー 5">
             <a:extLst>
               <a:ext uri="{FF2B5EF4-FFF2-40B4-BE49-F238E27FC236}">
-                <a16:creationId xmlns:a16="http://schemas.microsoft.com/office/drawing/2014/main" id="{0331E188-1F96-4016-A34D-04CAE8CEC904}"/>
+                <a16:creationId xmlns:a16="http://schemas.microsoft.com/office/drawing/2014/main" id="{05AB7561-DCF0-4567-9045-F6CE3D744C1D}"/>
               </a:ext>
             </a:extLst>
           </p:cNvPr>
@@ -835,13 +1136,25 @@
     </p:spTree>
     <p:extLst>
       <p:ext uri="{BB962C8B-B14F-4D97-AF65-F5344CB8AC3E}">
-        <p14:creationId xmlns:p14="http://schemas.microsoft.com/office/powerpoint/2010/main" val="2662546589"/>
+        <p14:creationId xmlns:p14="http://schemas.microsoft.com/office/powerpoint/2010/main" val="2731108401"/>
       </p:ext>
     </p:extLst>
   </p:cSld>
   <p:clrMapOvr>
     <a:masterClrMapping/>
   </p:clrMapOvr>
+  <mc:AlternateContent xmlns:mc="http://schemas.openxmlformats.org/markup-compatibility/2006">
+    <mc:Choice xmlns:p14="http://schemas.microsoft.com/office/powerpoint/2010/main" Requires="p14">
+      <p:transition spd="slow" p14:dur="800">
+        <p:circle/>
+      </p:transition>
+    </mc:Choice>
+    <mc:Fallback>
+      <p:transition spd="slow">
+        <p:circle/>
+      </p:transition>
+    </mc:Fallback>
+  </mc:AlternateContent>
 </p:sldLayout>
 </file>
 
@@ -867,7 +1180,7 @@
           <p:cNvPr id="2" name="タイトル 1">
             <a:extLst>
               <a:ext uri="{FF2B5EF4-FFF2-40B4-BE49-F238E27FC236}">
-                <a16:creationId xmlns:a16="http://schemas.microsoft.com/office/drawing/2014/main" id="{7A4206F6-0E2B-498C-B080-8BB3F816EA0A}"/>
+                <a16:creationId xmlns:a16="http://schemas.microsoft.com/office/drawing/2014/main" id="{33C4ECF0-49CE-4F49-8F22-2BE9483CA8F0}"/>
               </a:ext>
             </a:extLst>
           </p:cNvPr>
@@ -895,7 +1208,7 @@
           <p:cNvPr id="3" name="縦書きテキスト プレースホルダー 2">
             <a:extLst>
               <a:ext uri="{FF2B5EF4-FFF2-40B4-BE49-F238E27FC236}">
-                <a16:creationId xmlns:a16="http://schemas.microsoft.com/office/drawing/2014/main" id="{C85428BF-A498-4E57-B29A-2E70E1FE40DC}"/>
+                <a16:creationId xmlns:a16="http://schemas.microsoft.com/office/drawing/2014/main" id="{598C2499-11ED-4AD8-9F83-CC98B075B4CA}"/>
               </a:ext>
             </a:extLst>
           </p:cNvPr>
@@ -984,7 +1297,7 @@
           <p:cNvPr id="4" name="日付プレースホルダー 3">
             <a:extLst>
               <a:ext uri="{FF2B5EF4-FFF2-40B4-BE49-F238E27FC236}">
-                <a16:creationId xmlns:a16="http://schemas.microsoft.com/office/drawing/2014/main" id="{04824935-C00D-4164-81DC-F618A43EACFB}"/>
+                <a16:creationId xmlns:a16="http://schemas.microsoft.com/office/drawing/2014/main" id="{53C3339D-41AF-4092-B587-3634E5AF3B89}"/>
               </a:ext>
             </a:extLst>
           </p:cNvPr>
@@ -1002,7 +1315,7 @@
           <a:p>
             <a:fld id="{4A6B28F3-BB62-4EA0-99DF-EF5932BC4FCF}" type="datetimeFigureOut">
               <a:rPr kumimoji="1" lang="ja-JP" altLang="en-US" smtClean="0"/>
-              <a:t>2021/10/5</a:t>
+              <a:t>2021/10/6</a:t>
             </a:fld>
             <a:endParaRPr kumimoji="1" lang="ja-JP" altLang="en-US"/>
           </a:p>
@@ -1013,7 +1326,7 @@
           <p:cNvPr id="5" name="フッター プレースホルダー 4">
             <a:extLst>
               <a:ext uri="{FF2B5EF4-FFF2-40B4-BE49-F238E27FC236}">
-                <a16:creationId xmlns:a16="http://schemas.microsoft.com/office/drawing/2014/main" id="{84232916-E7BB-4794-9A89-5DC768E684C2}"/>
+                <a16:creationId xmlns:a16="http://schemas.microsoft.com/office/drawing/2014/main" id="{6F54B73C-13CE-4904-B121-B6E212A46396}"/>
               </a:ext>
             </a:extLst>
           </p:cNvPr>
@@ -1038,7 +1351,7 @@
           <p:cNvPr id="6" name="スライド番号プレースホルダー 5">
             <a:extLst>
               <a:ext uri="{FF2B5EF4-FFF2-40B4-BE49-F238E27FC236}">
-                <a16:creationId xmlns:a16="http://schemas.microsoft.com/office/drawing/2014/main" id="{6A85125E-305E-41D6-BEC1-246F402AB0E2}"/>
+                <a16:creationId xmlns:a16="http://schemas.microsoft.com/office/drawing/2014/main" id="{F0417CAB-5F42-4B4B-9C9B-E26540F49F7E}"/>
               </a:ext>
             </a:extLst>
           </p:cNvPr>
@@ -1065,13 +1378,25 @@
     </p:spTree>
     <p:extLst>
       <p:ext uri="{BB962C8B-B14F-4D97-AF65-F5344CB8AC3E}">
-        <p14:creationId xmlns:p14="http://schemas.microsoft.com/office/powerpoint/2010/main" val="3441053148"/>
+        <p14:creationId xmlns:p14="http://schemas.microsoft.com/office/powerpoint/2010/main" val="1613027288"/>
       </p:ext>
     </p:extLst>
   </p:cSld>
   <p:clrMapOvr>
     <a:masterClrMapping/>
   </p:clrMapOvr>
+  <mc:AlternateContent xmlns:mc="http://schemas.openxmlformats.org/markup-compatibility/2006">
+    <mc:Choice xmlns:p14="http://schemas.microsoft.com/office/powerpoint/2010/main" Requires="p14">
+      <p:transition spd="slow" p14:dur="800">
+        <p:circle/>
+      </p:transition>
+    </mc:Choice>
+    <mc:Fallback>
+      <p:transition spd="slow">
+        <p:circle/>
+      </p:transition>
+    </mc:Fallback>
+  </mc:AlternateContent>
 </p:sldLayout>
 </file>
 
@@ -1097,7 +1422,7 @@
           <p:cNvPr id="2" name="縦書きタイトル 1">
             <a:extLst>
               <a:ext uri="{FF2B5EF4-FFF2-40B4-BE49-F238E27FC236}">
-                <a16:creationId xmlns:a16="http://schemas.microsoft.com/office/drawing/2014/main" id="{E2955A5B-1411-4CFA-9E63-8DDB75C2833C}"/>
+                <a16:creationId xmlns:a16="http://schemas.microsoft.com/office/drawing/2014/main" id="{5594DBBD-D62F-4633-9945-743B37BE6E50}"/>
               </a:ext>
             </a:extLst>
           </p:cNvPr>
@@ -1130,7 +1455,7 @@
           <p:cNvPr id="3" name="縦書きテキスト プレースホルダー 2">
             <a:extLst>
               <a:ext uri="{FF2B5EF4-FFF2-40B4-BE49-F238E27FC236}">
-                <a16:creationId xmlns:a16="http://schemas.microsoft.com/office/drawing/2014/main" id="{C8590367-307A-4F38-A8D1-FCFBA4620081}"/>
+                <a16:creationId xmlns:a16="http://schemas.microsoft.com/office/drawing/2014/main" id="{AC1021CA-1942-4E1F-8775-EC32883482F4}"/>
               </a:ext>
             </a:extLst>
           </p:cNvPr>
@@ -1224,7 +1549,7 @@
           <p:cNvPr id="4" name="日付プレースホルダー 3">
             <a:extLst>
               <a:ext uri="{FF2B5EF4-FFF2-40B4-BE49-F238E27FC236}">
-                <a16:creationId xmlns:a16="http://schemas.microsoft.com/office/drawing/2014/main" id="{2B99BFFB-879F-4F56-B3D5-B4FE8756A970}"/>
+                <a16:creationId xmlns:a16="http://schemas.microsoft.com/office/drawing/2014/main" id="{BB165640-6B86-4BD0-B85A-F6271360F522}"/>
               </a:ext>
             </a:extLst>
           </p:cNvPr>
@@ -1242,7 +1567,7 @@
           <a:p>
             <a:fld id="{4A6B28F3-BB62-4EA0-99DF-EF5932BC4FCF}" type="datetimeFigureOut">
               <a:rPr kumimoji="1" lang="ja-JP" altLang="en-US" smtClean="0"/>
-              <a:t>2021/10/5</a:t>
+              <a:t>2021/10/6</a:t>
             </a:fld>
             <a:endParaRPr kumimoji="1" lang="ja-JP" altLang="en-US"/>
           </a:p>
@@ -1253,7 +1578,7 @@
           <p:cNvPr id="5" name="フッター プレースホルダー 4">
             <a:extLst>
               <a:ext uri="{FF2B5EF4-FFF2-40B4-BE49-F238E27FC236}">
-                <a16:creationId xmlns:a16="http://schemas.microsoft.com/office/drawing/2014/main" id="{A6801527-E2B2-4083-823B-F233744A839E}"/>
+                <a16:creationId xmlns:a16="http://schemas.microsoft.com/office/drawing/2014/main" id="{F62E95DE-469B-4D38-9210-41E2B92C2EA6}"/>
               </a:ext>
             </a:extLst>
           </p:cNvPr>
@@ -1278,7 +1603,7 @@
           <p:cNvPr id="6" name="スライド番号プレースホルダー 5">
             <a:extLst>
               <a:ext uri="{FF2B5EF4-FFF2-40B4-BE49-F238E27FC236}">
-                <a16:creationId xmlns:a16="http://schemas.microsoft.com/office/drawing/2014/main" id="{6594AA82-E522-410E-A6C9-A478FBD50603}"/>
+                <a16:creationId xmlns:a16="http://schemas.microsoft.com/office/drawing/2014/main" id="{6ADE2F70-3EBC-4139-8ED7-56D9CA464FE7}"/>
               </a:ext>
             </a:extLst>
           </p:cNvPr>
@@ -1305,13 +1630,25 @@
     </p:spTree>
     <p:extLst>
       <p:ext uri="{BB962C8B-B14F-4D97-AF65-F5344CB8AC3E}">
-        <p14:creationId xmlns:p14="http://schemas.microsoft.com/office/powerpoint/2010/main" val="1761733252"/>
+        <p14:creationId xmlns:p14="http://schemas.microsoft.com/office/powerpoint/2010/main" val="334087593"/>
       </p:ext>
     </p:extLst>
   </p:cSld>
   <p:clrMapOvr>
     <a:masterClrMapping/>
   </p:clrMapOvr>
+  <mc:AlternateContent xmlns:mc="http://schemas.openxmlformats.org/markup-compatibility/2006">
+    <mc:Choice xmlns:p14="http://schemas.microsoft.com/office/powerpoint/2010/main" Requires="p14">
+      <p:transition spd="slow" p14:dur="800">
+        <p:circle/>
+      </p:transition>
+    </mc:Choice>
+    <mc:Fallback>
+      <p:transition spd="slow">
+        <p:circle/>
+      </p:transition>
+    </mc:Fallback>
+  </mc:AlternateContent>
 </p:sldLayout>
 </file>
 
@@ -1337,7 +1674,7 @@
           <p:cNvPr id="2" name="タイトル 1">
             <a:extLst>
               <a:ext uri="{FF2B5EF4-FFF2-40B4-BE49-F238E27FC236}">
-                <a16:creationId xmlns:a16="http://schemas.microsoft.com/office/drawing/2014/main" id="{FE59B0FA-767A-40A6-ADF8-97BBEE06F960}"/>
+                <a16:creationId xmlns:a16="http://schemas.microsoft.com/office/drawing/2014/main" id="{C42AE5DF-1154-41F0-A209-9B18E6CF6024}"/>
               </a:ext>
             </a:extLst>
           </p:cNvPr>
@@ -1365,7 +1702,7 @@
           <p:cNvPr id="3" name="コンテンツ プレースホルダー 2">
             <a:extLst>
               <a:ext uri="{FF2B5EF4-FFF2-40B4-BE49-F238E27FC236}">
-                <a16:creationId xmlns:a16="http://schemas.microsoft.com/office/drawing/2014/main" id="{4A4345A5-331C-43B5-84AA-D59C376CE842}"/>
+                <a16:creationId xmlns:a16="http://schemas.microsoft.com/office/drawing/2014/main" id="{EE69D7FE-A350-4ABE-AF60-814E333266CD}"/>
               </a:ext>
             </a:extLst>
           </p:cNvPr>
@@ -1454,7 +1791,7 @@
           <p:cNvPr id="4" name="日付プレースホルダー 3">
             <a:extLst>
               <a:ext uri="{FF2B5EF4-FFF2-40B4-BE49-F238E27FC236}">
-                <a16:creationId xmlns:a16="http://schemas.microsoft.com/office/drawing/2014/main" id="{401A3F08-9812-4E7A-9B3D-B70043FD414A}"/>
+                <a16:creationId xmlns:a16="http://schemas.microsoft.com/office/drawing/2014/main" id="{48066FC9-CA48-4354-A2A8-E888E04F6926}"/>
               </a:ext>
             </a:extLst>
           </p:cNvPr>
@@ -1472,7 +1809,7 @@
           <a:p>
             <a:fld id="{4A6B28F3-BB62-4EA0-99DF-EF5932BC4FCF}" type="datetimeFigureOut">
               <a:rPr kumimoji="1" lang="ja-JP" altLang="en-US" smtClean="0"/>
-              <a:t>2021/10/5</a:t>
+              <a:t>2021/10/6</a:t>
             </a:fld>
             <a:endParaRPr kumimoji="1" lang="ja-JP" altLang="en-US"/>
           </a:p>
@@ -1483,7 +1820,7 @@
           <p:cNvPr id="5" name="フッター プレースホルダー 4">
             <a:extLst>
               <a:ext uri="{FF2B5EF4-FFF2-40B4-BE49-F238E27FC236}">
-                <a16:creationId xmlns:a16="http://schemas.microsoft.com/office/drawing/2014/main" id="{2DC2CFD8-6C13-4641-9A14-9BEFC587C695}"/>
+                <a16:creationId xmlns:a16="http://schemas.microsoft.com/office/drawing/2014/main" id="{5E352B8B-BF25-4E15-B6DC-3E507B7CB9F5}"/>
               </a:ext>
             </a:extLst>
           </p:cNvPr>
@@ -1508,7 +1845,7 @@
           <p:cNvPr id="6" name="スライド番号プレースホルダー 5">
             <a:extLst>
               <a:ext uri="{FF2B5EF4-FFF2-40B4-BE49-F238E27FC236}">
-                <a16:creationId xmlns:a16="http://schemas.microsoft.com/office/drawing/2014/main" id="{CEE11FBD-476B-4776-8369-1E05A39C5BD5}"/>
+                <a16:creationId xmlns:a16="http://schemas.microsoft.com/office/drawing/2014/main" id="{A36014E1-1484-4C27-82CA-89207094CADF}"/>
               </a:ext>
             </a:extLst>
           </p:cNvPr>
@@ -1535,13 +1872,25 @@
     </p:spTree>
     <p:extLst>
       <p:ext uri="{BB962C8B-B14F-4D97-AF65-F5344CB8AC3E}">
-        <p14:creationId xmlns:p14="http://schemas.microsoft.com/office/powerpoint/2010/main" val="3448512645"/>
+        <p14:creationId xmlns:p14="http://schemas.microsoft.com/office/powerpoint/2010/main" val="1039791463"/>
       </p:ext>
     </p:extLst>
   </p:cSld>
   <p:clrMapOvr>
     <a:masterClrMapping/>
   </p:clrMapOvr>
+  <mc:AlternateContent xmlns:mc="http://schemas.openxmlformats.org/markup-compatibility/2006">
+    <mc:Choice xmlns:p14="http://schemas.microsoft.com/office/powerpoint/2010/main" Requires="p14">
+      <p:transition spd="slow" p14:dur="800">
+        <p:circle/>
+      </p:transition>
+    </mc:Choice>
+    <mc:Fallback>
+      <p:transition spd="slow">
+        <p:circle/>
+      </p:transition>
+    </mc:Fallback>
+  </mc:AlternateContent>
 </p:sldLayout>
 </file>
 
@@ -1567,7 +1916,7 @@
           <p:cNvPr id="2" name="タイトル 1">
             <a:extLst>
               <a:ext uri="{FF2B5EF4-FFF2-40B4-BE49-F238E27FC236}">
-                <a16:creationId xmlns:a16="http://schemas.microsoft.com/office/drawing/2014/main" id="{2B9EEC1F-523D-4F2A-8558-9D834247316B}"/>
+                <a16:creationId xmlns:a16="http://schemas.microsoft.com/office/drawing/2014/main" id="{259499E4-232B-4151-B941-112DFECCE5E3}"/>
               </a:ext>
             </a:extLst>
           </p:cNvPr>
@@ -1604,7 +1953,7 @@
           <p:cNvPr id="3" name="テキスト プレースホルダー 2">
             <a:extLst>
               <a:ext uri="{FF2B5EF4-FFF2-40B4-BE49-F238E27FC236}">
-                <a16:creationId xmlns:a16="http://schemas.microsoft.com/office/drawing/2014/main" id="{2F069B47-CB7A-405E-990C-EE75EFD190D1}"/>
+                <a16:creationId xmlns:a16="http://schemas.microsoft.com/office/drawing/2014/main" id="{866E92F8-C641-43EB-87C6-5E18BDEC5ECF}"/>
               </a:ext>
             </a:extLst>
           </p:cNvPr>
@@ -1729,7 +2078,7 @@
           <p:cNvPr id="4" name="日付プレースホルダー 3">
             <a:extLst>
               <a:ext uri="{FF2B5EF4-FFF2-40B4-BE49-F238E27FC236}">
-                <a16:creationId xmlns:a16="http://schemas.microsoft.com/office/drawing/2014/main" id="{EEC9DAC1-46E0-49A4-85F6-585493F406BC}"/>
+                <a16:creationId xmlns:a16="http://schemas.microsoft.com/office/drawing/2014/main" id="{FC32853B-3EF0-4D33-B7AC-4667D621FB66}"/>
               </a:ext>
             </a:extLst>
           </p:cNvPr>
@@ -1747,7 +2096,7 @@
           <a:p>
             <a:fld id="{4A6B28F3-BB62-4EA0-99DF-EF5932BC4FCF}" type="datetimeFigureOut">
               <a:rPr kumimoji="1" lang="ja-JP" altLang="en-US" smtClean="0"/>
-              <a:t>2021/10/5</a:t>
+              <a:t>2021/10/6</a:t>
             </a:fld>
             <a:endParaRPr kumimoji="1" lang="ja-JP" altLang="en-US"/>
           </a:p>
@@ -1758,7 +2107,7 @@
           <p:cNvPr id="5" name="フッター プレースホルダー 4">
             <a:extLst>
               <a:ext uri="{FF2B5EF4-FFF2-40B4-BE49-F238E27FC236}">
-                <a16:creationId xmlns:a16="http://schemas.microsoft.com/office/drawing/2014/main" id="{1E8DA5C7-69E4-4BDD-B373-4C63DFEBEBB4}"/>
+                <a16:creationId xmlns:a16="http://schemas.microsoft.com/office/drawing/2014/main" id="{103FF07C-14AF-4656-8063-3050FBFF49A6}"/>
               </a:ext>
             </a:extLst>
           </p:cNvPr>
@@ -1783,7 +2132,7 @@
           <p:cNvPr id="6" name="スライド番号プレースホルダー 5">
             <a:extLst>
               <a:ext uri="{FF2B5EF4-FFF2-40B4-BE49-F238E27FC236}">
-                <a16:creationId xmlns:a16="http://schemas.microsoft.com/office/drawing/2014/main" id="{BC82FA0B-702E-4240-825C-86F88E03B964}"/>
+                <a16:creationId xmlns:a16="http://schemas.microsoft.com/office/drawing/2014/main" id="{4C1B8801-7250-4C8F-95A0-D929747C99B6}"/>
               </a:ext>
             </a:extLst>
           </p:cNvPr>
@@ -1810,13 +2159,25 @@
     </p:spTree>
     <p:extLst>
       <p:ext uri="{BB962C8B-B14F-4D97-AF65-F5344CB8AC3E}">
-        <p14:creationId xmlns:p14="http://schemas.microsoft.com/office/powerpoint/2010/main" val="989204604"/>
+        <p14:creationId xmlns:p14="http://schemas.microsoft.com/office/powerpoint/2010/main" val="4168528056"/>
       </p:ext>
     </p:extLst>
   </p:cSld>
   <p:clrMapOvr>
     <a:masterClrMapping/>
   </p:clrMapOvr>
+  <mc:AlternateContent xmlns:mc="http://schemas.openxmlformats.org/markup-compatibility/2006">
+    <mc:Choice xmlns:p14="http://schemas.microsoft.com/office/powerpoint/2010/main" Requires="p14">
+      <p:transition spd="slow" p14:dur="800">
+        <p:circle/>
+      </p:transition>
+    </mc:Choice>
+    <mc:Fallback>
+      <p:transition spd="slow">
+        <p:circle/>
+      </p:transition>
+    </mc:Fallback>
+  </mc:AlternateContent>
 </p:sldLayout>
 </file>
 
@@ -1842,7 +2203,7 @@
           <p:cNvPr id="2" name="タイトル 1">
             <a:extLst>
               <a:ext uri="{FF2B5EF4-FFF2-40B4-BE49-F238E27FC236}">
-                <a16:creationId xmlns:a16="http://schemas.microsoft.com/office/drawing/2014/main" id="{112C862E-61E1-4689-8F50-26A2E5A02BB1}"/>
+                <a16:creationId xmlns:a16="http://schemas.microsoft.com/office/drawing/2014/main" id="{B5C6114A-D914-46B0-9604-B594BDD892FF}"/>
               </a:ext>
             </a:extLst>
           </p:cNvPr>
@@ -1870,7 +2231,7 @@
           <p:cNvPr id="3" name="コンテンツ プレースホルダー 2">
             <a:extLst>
               <a:ext uri="{FF2B5EF4-FFF2-40B4-BE49-F238E27FC236}">
-                <a16:creationId xmlns:a16="http://schemas.microsoft.com/office/drawing/2014/main" id="{8CFD55F3-BFCF-47F1-B7C2-2B95172CD744}"/>
+                <a16:creationId xmlns:a16="http://schemas.microsoft.com/office/drawing/2014/main" id="{FAB68CFE-F2AE-436D-A7E7-7D32FE847E1E}"/>
               </a:ext>
             </a:extLst>
           </p:cNvPr>
@@ -1964,7 +2325,7 @@
           <p:cNvPr id="4" name="コンテンツ プレースホルダー 3">
             <a:extLst>
               <a:ext uri="{FF2B5EF4-FFF2-40B4-BE49-F238E27FC236}">
-                <a16:creationId xmlns:a16="http://schemas.microsoft.com/office/drawing/2014/main" id="{54BA1A55-169E-4B16-BF81-4E723AA34257}"/>
+                <a16:creationId xmlns:a16="http://schemas.microsoft.com/office/drawing/2014/main" id="{53369CBB-72CD-4199-96D0-CD235134EDC8}"/>
               </a:ext>
             </a:extLst>
           </p:cNvPr>
@@ -2058,7 +2419,7 @@
           <p:cNvPr id="5" name="日付プレースホルダー 4">
             <a:extLst>
               <a:ext uri="{FF2B5EF4-FFF2-40B4-BE49-F238E27FC236}">
-                <a16:creationId xmlns:a16="http://schemas.microsoft.com/office/drawing/2014/main" id="{834DA56B-0A75-43C5-9384-331B7BE68465}"/>
+                <a16:creationId xmlns:a16="http://schemas.microsoft.com/office/drawing/2014/main" id="{57A3D94F-8854-48B6-B204-6DB9B0AA2AEE}"/>
               </a:ext>
             </a:extLst>
           </p:cNvPr>
@@ -2076,7 +2437,7 @@
           <a:p>
             <a:fld id="{4A6B28F3-BB62-4EA0-99DF-EF5932BC4FCF}" type="datetimeFigureOut">
               <a:rPr kumimoji="1" lang="ja-JP" altLang="en-US" smtClean="0"/>
-              <a:t>2021/10/5</a:t>
+              <a:t>2021/10/6</a:t>
             </a:fld>
             <a:endParaRPr kumimoji="1" lang="ja-JP" altLang="en-US"/>
           </a:p>
@@ -2087,7 +2448,7 @@
           <p:cNvPr id="6" name="フッター プレースホルダー 5">
             <a:extLst>
               <a:ext uri="{FF2B5EF4-FFF2-40B4-BE49-F238E27FC236}">
-                <a16:creationId xmlns:a16="http://schemas.microsoft.com/office/drawing/2014/main" id="{51D98CFC-96D0-48F8-8C8B-7ECC5F6AD359}"/>
+                <a16:creationId xmlns:a16="http://schemas.microsoft.com/office/drawing/2014/main" id="{DE2FFA91-C733-484F-85E1-A86EB31F6244}"/>
               </a:ext>
             </a:extLst>
           </p:cNvPr>
@@ -2112,7 +2473,7 @@
           <p:cNvPr id="7" name="スライド番号プレースホルダー 6">
             <a:extLst>
               <a:ext uri="{FF2B5EF4-FFF2-40B4-BE49-F238E27FC236}">
-                <a16:creationId xmlns:a16="http://schemas.microsoft.com/office/drawing/2014/main" id="{B9EFBFE2-F2F0-46C5-962E-C2BE09CD2013}"/>
+                <a16:creationId xmlns:a16="http://schemas.microsoft.com/office/drawing/2014/main" id="{043505BD-9488-4DD3-A0E9-A546E889C500}"/>
               </a:ext>
             </a:extLst>
           </p:cNvPr>
@@ -2139,13 +2500,25 @@
     </p:spTree>
     <p:extLst>
       <p:ext uri="{BB962C8B-B14F-4D97-AF65-F5344CB8AC3E}">
-        <p14:creationId xmlns:p14="http://schemas.microsoft.com/office/powerpoint/2010/main" val="2708991155"/>
+        <p14:creationId xmlns:p14="http://schemas.microsoft.com/office/powerpoint/2010/main" val="3502750800"/>
       </p:ext>
     </p:extLst>
   </p:cSld>
   <p:clrMapOvr>
     <a:masterClrMapping/>
   </p:clrMapOvr>
+  <mc:AlternateContent xmlns:mc="http://schemas.openxmlformats.org/markup-compatibility/2006">
+    <mc:Choice xmlns:p14="http://schemas.microsoft.com/office/powerpoint/2010/main" Requires="p14">
+      <p:transition spd="slow" p14:dur="800">
+        <p:circle/>
+      </p:transition>
+    </mc:Choice>
+    <mc:Fallback>
+      <p:transition spd="slow">
+        <p:circle/>
+      </p:transition>
+    </mc:Fallback>
+  </mc:AlternateContent>
 </p:sldLayout>
 </file>
 
@@ -2171,7 +2544,7 @@
           <p:cNvPr id="2" name="タイトル 1">
             <a:extLst>
               <a:ext uri="{FF2B5EF4-FFF2-40B4-BE49-F238E27FC236}">
-                <a16:creationId xmlns:a16="http://schemas.microsoft.com/office/drawing/2014/main" id="{D18EFEC7-E706-4F36-A6EE-372F1DFFEAC9}"/>
+                <a16:creationId xmlns:a16="http://schemas.microsoft.com/office/drawing/2014/main" id="{81631888-B9A0-401C-A446-B29E29294337}"/>
               </a:ext>
             </a:extLst>
           </p:cNvPr>
@@ -2204,7 +2577,7 @@
           <p:cNvPr id="3" name="テキスト プレースホルダー 2">
             <a:extLst>
               <a:ext uri="{FF2B5EF4-FFF2-40B4-BE49-F238E27FC236}">
-                <a16:creationId xmlns:a16="http://schemas.microsoft.com/office/drawing/2014/main" id="{6BB888F8-0697-4C7B-AC6A-68C8C3F4F904}"/>
+                <a16:creationId xmlns:a16="http://schemas.microsoft.com/office/drawing/2014/main" id="{6E14A78E-B742-460F-A863-E08104B08EE0}"/>
               </a:ext>
             </a:extLst>
           </p:cNvPr>
@@ -2275,7 +2648,7 @@
           <p:cNvPr id="4" name="コンテンツ プレースホルダー 3">
             <a:extLst>
               <a:ext uri="{FF2B5EF4-FFF2-40B4-BE49-F238E27FC236}">
-                <a16:creationId xmlns:a16="http://schemas.microsoft.com/office/drawing/2014/main" id="{5EB8482C-1992-4DD7-AD24-11020B90B16D}"/>
+                <a16:creationId xmlns:a16="http://schemas.microsoft.com/office/drawing/2014/main" id="{4AEF71A6-CFE2-4EEB-9798-C933DDCD03C7}"/>
               </a:ext>
             </a:extLst>
           </p:cNvPr>
@@ -2369,7 +2742,7 @@
           <p:cNvPr id="5" name="テキスト プレースホルダー 4">
             <a:extLst>
               <a:ext uri="{FF2B5EF4-FFF2-40B4-BE49-F238E27FC236}">
-                <a16:creationId xmlns:a16="http://schemas.microsoft.com/office/drawing/2014/main" id="{5DAC3764-BEC1-4E63-AE60-1D6A5314193C}"/>
+                <a16:creationId xmlns:a16="http://schemas.microsoft.com/office/drawing/2014/main" id="{3A02CD2F-C198-4E6E-ADDF-8D13F3728ACD}"/>
               </a:ext>
             </a:extLst>
           </p:cNvPr>
@@ -2440,7 +2813,7 @@
           <p:cNvPr id="6" name="コンテンツ プレースホルダー 5">
             <a:extLst>
               <a:ext uri="{FF2B5EF4-FFF2-40B4-BE49-F238E27FC236}">
-                <a16:creationId xmlns:a16="http://schemas.microsoft.com/office/drawing/2014/main" id="{508BDA2E-54F5-4019-9163-36FBE99BF37B}"/>
+                <a16:creationId xmlns:a16="http://schemas.microsoft.com/office/drawing/2014/main" id="{81BF5680-809D-4DBD-9100-EEF3F6ED07EB}"/>
               </a:ext>
             </a:extLst>
           </p:cNvPr>
@@ -2534,7 +2907,7 @@
           <p:cNvPr id="7" name="日付プレースホルダー 6">
             <a:extLst>
               <a:ext uri="{FF2B5EF4-FFF2-40B4-BE49-F238E27FC236}">
-                <a16:creationId xmlns:a16="http://schemas.microsoft.com/office/drawing/2014/main" id="{9DD14C96-8CD9-440A-9889-0DEDEAC8C3BC}"/>
+                <a16:creationId xmlns:a16="http://schemas.microsoft.com/office/drawing/2014/main" id="{A05892CA-392E-4981-81EB-79EDF2FAE421}"/>
               </a:ext>
             </a:extLst>
           </p:cNvPr>
@@ -2552,7 +2925,7 @@
           <a:p>
             <a:fld id="{4A6B28F3-BB62-4EA0-99DF-EF5932BC4FCF}" type="datetimeFigureOut">
               <a:rPr kumimoji="1" lang="ja-JP" altLang="en-US" smtClean="0"/>
-              <a:t>2021/10/5</a:t>
+              <a:t>2021/10/6</a:t>
             </a:fld>
             <a:endParaRPr kumimoji="1" lang="ja-JP" altLang="en-US"/>
           </a:p>
@@ -2563,7 +2936,7 @@
           <p:cNvPr id="8" name="フッター プレースホルダー 7">
             <a:extLst>
               <a:ext uri="{FF2B5EF4-FFF2-40B4-BE49-F238E27FC236}">
-                <a16:creationId xmlns:a16="http://schemas.microsoft.com/office/drawing/2014/main" id="{535209FB-76CD-4923-A9F0-E28B0293407D}"/>
+                <a16:creationId xmlns:a16="http://schemas.microsoft.com/office/drawing/2014/main" id="{5BEDDAE1-46FC-406F-B0A0-B150FEAF1EAE}"/>
               </a:ext>
             </a:extLst>
           </p:cNvPr>
@@ -2588,7 +2961,7 @@
           <p:cNvPr id="9" name="スライド番号プレースホルダー 8">
             <a:extLst>
               <a:ext uri="{FF2B5EF4-FFF2-40B4-BE49-F238E27FC236}">
-                <a16:creationId xmlns:a16="http://schemas.microsoft.com/office/drawing/2014/main" id="{7431A8A7-71F2-4CEB-B124-277590A48F31}"/>
+                <a16:creationId xmlns:a16="http://schemas.microsoft.com/office/drawing/2014/main" id="{45357B3C-3388-4768-8A4E-EE95EFACE681}"/>
               </a:ext>
             </a:extLst>
           </p:cNvPr>
@@ -2615,13 +2988,25 @@
     </p:spTree>
     <p:extLst>
       <p:ext uri="{BB962C8B-B14F-4D97-AF65-F5344CB8AC3E}">
-        <p14:creationId xmlns:p14="http://schemas.microsoft.com/office/powerpoint/2010/main" val="2957848485"/>
+        <p14:creationId xmlns:p14="http://schemas.microsoft.com/office/powerpoint/2010/main" val="3106966838"/>
       </p:ext>
     </p:extLst>
   </p:cSld>
   <p:clrMapOvr>
     <a:masterClrMapping/>
   </p:clrMapOvr>
+  <mc:AlternateContent xmlns:mc="http://schemas.openxmlformats.org/markup-compatibility/2006">
+    <mc:Choice xmlns:p14="http://schemas.microsoft.com/office/powerpoint/2010/main" Requires="p14">
+      <p:transition spd="slow" p14:dur="800">
+        <p:circle/>
+      </p:transition>
+    </mc:Choice>
+    <mc:Fallback>
+      <p:transition spd="slow">
+        <p:circle/>
+      </p:transition>
+    </mc:Fallback>
+  </mc:AlternateContent>
 </p:sldLayout>
 </file>
 
@@ -2647,7 +3032,7 @@
           <p:cNvPr id="2" name="タイトル 1">
             <a:extLst>
               <a:ext uri="{FF2B5EF4-FFF2-40B4-BE49-F238E27FC236}">
-                <a16:creationId xmlns:a16="http://schemas.microsoft.com/office/drawing/2014/main" id="{1EF35E60-DE4B-4E34-B3CD-DC0C63542B1D}"/>
+                <a16:creationId xmlns:a16="http://schemas.microsoft.com/office/drawing/2014/main" id="{261446DC-ED15-421C-91C4-472DFEC60025}"/>
               </a:ext>
             </a:extLst>
           </p:cNvPr>
@@ -2675,7 +3060,7 @@
           <p:cNvPr id="3" name="日付プレースホルダー 2">
             <a:extLst>
               <a:ext uri="{FF2B5EF4-FFF2-40B4-BE49-F238E27FC236}">
-                <a16:creationId xmlns:a16="http://schemas.microsoft.com/office/drawing/2014/main" id="{CD8845FB-B1FE-4634-A119-BF82E939F731}"/>
+                <a16:creationId xmlns:a16="http://schemas.microsoft.com/office/drawing/2014/main" id="{EA88A274-CCED-4379-A370-352A4F6F0A85}"/>
               </a:ext>
             </a:extLst>
           </p:cNvPr>
@@ -2693,7 +3078,7 @@
           <a:p>
             <a:fld id="{4A6B28F3-BB62-4EA0-99DF-EF5932BC4FCF}" type="datetimeFigureOut">
               <a:rPr kumimoji="1" lang="ja-JP" altLang="en-US" smtClean="0"/>
-              <a:t>2021/10/5</a:t>
+              <a:t>2021/10/6</a:t>
             </a:fld>
             <a:endParaRPr kumimoji="1" lang="ja-JP" altLang="en-US"/>
           </a:p>
@@ -2704,7 +3089,7 @@
           <p:cNvPr id="4" name="フッター プレースホルダー 3">
             <a:extLst>
               <a:ext uri="{FF2B5EF4-FFF2-40B4-BE49-F238E27FC236}">
-                <a16:creationId xmlns:a16="http://schemas.microsoft.com/office/drawing/2014/main" id="{C3A488F7-C3D9-460E-8417-E27C5EFB2959}"/>
+                <a16:creationId xmlns:a16="http://schemas.microsoft.com/office/drawing/2014/main" id="{66F90BCA-8F23-48BC-A39C-95F7EB0C38F0}"/>
               </a:ext>
             </a:extLst>
           </p:cNvPr>
@@ -2729,7 +3114,7 @@
           <p:cNvPr id="5" name="スライド番号プレースホルダー 4">
             <a:extLst>
               <a:ext uri="{FF2B5EF4-FFF2-40B4-BE49-F238E27FC236}">
-                <a16:creationId xmlns:a16="http://schemas.microsoft.com/office/drawing/2014/main" id="{DEFBAFC2-6C47-457F-940D-E8B21E3ED28E}"/>
+                <a16:creationId xmlns:a16="http://schemas.microsoft.com/office/drawing/2014/main" id="{54F399A0-4D4C-4AC6-9AA7-1351B24C7C57}"/>
               </a:ext>
             </a:extLst>
           </p:cNvPr>
@@ -2756,13 +3141,25 @@
     </p:spTree>
     <p:extLst>
       <p:ext uri="{BB962C8B-B14F-4D97-AF65-F5344CB8AC3E}">
-        <p14:creationId xmlns:p14="http://schemas.microsoft.com/office/powerpoint/2010/main" val="2018411525"/>
+        <p14:creationId xmlns:p14="http://schemas.microsoft.com/office/powerpoint/2010/main" val="4005431021"/>
       </p:ext>
     </p:extLst>
   </p:cSld>
   <p:clrMapOvr>
     <a:masterClrMapping/>
   </p:clrMapOvr>
+  <mc:AlternateContent xmlns:mc="http://schemas.openxmlformats.org/markup-compatibility/2006">
+    <mc:Choice xmlns:p14="http://schemas.microsoft.com/office/powerpoint/2010/main" Requires="p14">
+      <p:transition spd="slow" p14:dur="800">
+        <p:circle/>
+      </p:transition>
+    </mc:Choice>
+    <mc:Fallback>
+      <p:transition spd="slow">
+        <p:circle/>
+      </p:transition>
+    </mc:Fallback>
+  </mc:AlternateContent>
 </p:sldLayout>
 </file>
 
@@ -2788,7 +3185,7 @@
           <p:cNvPr id="2" name="日付プレースホルダー 1">
             <a:extLst>
               <a:ext uri="{FF2B5EF4-FFF2-40B4-BE49-F238E27FC236}">
-                <a16:creationId xmlns:a16="http://schemas.microsoft.com/office/drawing/2014/main" id="{966F4892-6109-4CD1-A037-58A3008E80A7}"/>
+                <a16:creationId xmlns:a16="http://schemas.microsoft.com/office/drawing/2014/main" id="{F037A2A8-1AE2-4559-B7F2-93D0444AA5A3}"/>
               </a:ext>
             </a:extLst>
           </p:cNvPr>
@@ -2806,7 +3203,7 @@
           <a:p>
             <a:fld id="{4A6B28F3-BB62-4EA0-99DF-EF5932BC4FCF}" type="datetimeFigureOut">
               <a:rPr kumimoji="1" lang="ja-JP" altLang="en-US" smtClean="0"/>
-              <a:t>2021/10/5</a:t>
+              <a:t>2021/10/6</a:t>
             </a:fld>
             <a:endParaRPr kumimoji="1" lang="ja-JP" altLang="en-US"/>
           </a:p>
@@ -2817,7 +3214,7 @@
           <p:cNvPr id="3" name="フッター プレースホルダー 2">
             <a:extLst>
               <a:ext uri="{FF2B5EF4-FFF2-40B4-BE49-F238E27FC236}">
-                <a16:creationId xmlns:a16="http://schemas.microsoft.com/office/drawing/2014/main" id="{8DCDC718-2A4C-4174-B3B7-A3EC6FC6AA84}"/>
+                <a16:creationId xmlns:a16="http://schemas.microsoft.com/office/drawing/2014/main" id="{96888DA0-EC05-49FE-8659-BA98A5223403}"/>
               </a:ext>
             </a:extLst>
           </p:cNvPr>
@@ -2842,7 +3239,7 @@
           <p:cNvPr id="4" name="スライド番号プレースホルダー 3">
             <a:extLst>
               <a:ext uri="{FF2B5EF4-FFF2-40B4-BE49-F238E27FC236}">
-                <a16:creationId xmlns:a16="http://schemas.microsoft.com/office/drawing/2014/main" id="{E51EC1B0-A7F8-40BF-B49C-61D3BF6BF33F}"/>
+                <a16:creationId xmlns:a16="http://schemas.microsoft.com/office/drawing/2014/main" id="{743D3206-5FC1-4A67-9D8D-A948370F91E7}"/>
               </a:ext>
             </a:extLst>
           </p:cNvPr>
@@ -2869,13 +3266,25 @@
     </p:spTree>
     <p:extLst>
       <p:ext uri="{BB962C8B-B14F-4D97-AF65-F5344CB8AC3E}">
-        <p14:creationId xmlns:p14="http://schemas.microsoft.com/office/powerpoint/2010/main" val="2632577886"/>
+        <p14:creationId xmlns:p14="http://schemas.microsoft.com/office/powerpoint/2010/main" val="1878847294"/>
       </p:ext>
     </p:extLst>
   </p:cSld>
   <p:clrMapOvr>
     <a:masterClrMapping/>
   </p:clrMapOvr>
+  <mc:AlternateContent xmlns:mc="http://schemas.openxmlformats.org/markup-compatibility/2006">
+    <mc:Choice xmlns:p14="http://schemas.microsoft.com/office/powerpoint/2010/main" Requires="p14">
+      <p:transition spd="slow" p14:dur="800">
+        <p:circle/>
+      </p:transition>
+    </mc:Choice>
+    <mc:Fallback>
+      <p:transition spd="slow">
+        <p:circle/>
+      </p:transition>
+    </mc:Fallback>
+  </mc:AlternateContent>
 </p:sldLayout>
 </file>
 
@@ -2901,7 +3310,7 @@
           <p:cNvPr id="2" name="タイトル 1">
             <a:extLst>
               <a:ext uri="{FF2B5EF4-FFF2-40B4-BE49-F238E27FC236}">
-                <a16:creationId xmlns:a16="http://schemas.microsoft.com/office/drawing/2014/main" id="{9C910387-0934-4499-9BFE-808BD8059B61}"/>
+                <a16:creationId xmlns:a16="http://schemas.microsoft.com/office/drawing/2014/main" id="{C2E8C8E1-1FC8-48B8-9F79-827FF19A45B0}"/>
               </a:ext>
             </a:extLst>
           </p:cNvPr>
@@ -2938,7 +3347,7 @@
           <p:cNvPr id="3" name="コンテンツ プレースホルダー 2">
             <a:extLst>
               <a:ext uri="{FF2B5EF4-FFF2-40B4-BE49-F238E27FC236}">
-                <a16:creationId xmlns:a16="http://schemas.microsoft.com/office/drawing/2014/main" id="{E79D9B9A-5DED-40DB-A2CE-1AF4BBDDC782}"/>
+                <a16:creationId xmlns:a16="http://schemas.microsoft.com/office/drawing/2014/main" id="{6FD8947F-A297-44AE-BBA0-D8CCC73089EF}"/>
               </a:ext>
             </a:extLst>
           </p:cNvPr>
@@ -3060,7 +3469,7 @@
           <p:cNvPr id="4" name="テキスト プレースホルダー 3">
             <a:extLst>
               <a:ext uri="{FF2B5EF4-FFF2-40B4-BE49-F238E27FC236}">
-                <a16:creationId xmlns:a16="http://schemas.microsoft.com/office/drawing/2014/main" id="{1CFDF042-81F2-450A-BDFA-7070A1C4C9CB}"/>
+                <a16:creationId xmlns:a16="http://schemas.microsoft.com/office/drawing/2014/main" id="{EE9CB033-3B56-44B2-B00D-DBFC9DEDC4C9}"/>
               </a:ext>
             </a:extLst>
           </p:cNvPr>
@@ -3131,7 +3540,7 @@
           <p:cNvPr id="5" name="日付プレースホルダー 4">
             <a:extLst>
               <a:ext uri="{FF2B5EF4-FFF2-40B4-BE49-F238E27FC236}">
-                <a16:creationId xmlns:a16="http://schemas.microsoft.com/office/drawing/2014/main" id="{0C6197C1-4EB8-446B-9B2B-0F02A9524FEA}"/>
+                <a16:creationId xmlns:a16="http://schemas.microsoft.com/office/drawing/2014/main" id="{E094DD6E-5F75-41C5-BE79-80CB7F5022F7}"/>
               </a:ext>
             </a:extLst>
           </p:cNvPr>
@@ -3149,7 +3558,7 @@
           <a:p>
             <a:fld id="{4A6B28F3-BB62-4EA0-99DF-EF5932BC4FCF}" type="datetimeFigureOut">
               <a:rPr kumimoji="1" lang="ja-JP" altLang="en-US" smtClean="0"/>
-              <a:t>2021/10/5</a:t>
+              <a:t>2021/10/6</a:t>
             </a:fld>
             <a:endParaRPr kumimoji="1" lang="ja-JP" altLang="en-US"/>
           </a:p>
@@ -3160,7 +3569,7 @@
           <p:cNvPr id="6" name="フッター プレースホルダー 5">
             <a:extLst>
               <a:ext uri="{FF2B5EF4-FFF2-40B4-BE49-F238E27FC236}">
-                <a16:creationId xmlns:a16="http://schemas.microsoft.com/office/drawing/2014/main" id="{D3459028-5B0A-40B9-A30C-6ADA1291491A}"/>
+                <a16:creationId xmlns:a16="http://schemas.microsoft.com/office/drawing/2014/main" id="{C95C2757-72CA-4B9B-9F80-675E00FE0113}"/>
               </a:ext>
             </a:extLst>
           </p:cNvPr>
@@ -3185,7 +3594,7 @@
           <p:cNvPr id="7" name="スライド番号プレースホルダー 6">
             <a:extLst>
               <a:ext uri="{FF2B5EF4-FFF2-40B4-BE49-F238E27FC236}">
-                <a16:creationId xmlns:a16="http://schemas.microsoft.com/office/drawing/2014/main" id="{B97E0AEF-CFB0-463C-A48F-C60EE054B984}"/>
+                <a16:creationId xmlns:a16="http://schemas.microsoft.com/office/drawing/2014/main" id="{EED1F584-7743-499D-BD0C-9E9173CEB6C6}"/>
               </a:ext>
             </a:extLst>
           </p:cNvPr>
@@ -3212,13 +3621,25 @@
     </p:spTree>
     <p:extLst>
       <p:ext uri="{BB962C8B-B14F-4D97-AF65-F5344CB8AC3E}">
-        <p14:creationId xmlns:p14="http://schemas.microsoft.com/office/powerpoint/2010/main" val="4004785170"/>
+        <p14:creationId xmlns:p14="http://schemas.microsoft.com/office/powerpoint/2010/main" val="3120081590"/>
       </p:ext>
     </p:extLst>
   </p:cSld>
   <p:clrMapOvr>
     <a:masterClrMapping/>
   </p:clrMapOvr>
+  <mc:AlternateContent xmlns:mc="http://schemas.openxmlformats.org/markup-compatibility/2006">
+    <mc:Choice xmlns:p14="http://schemas.microsoft.com/office/powerpoint/2010/main" Requires="p14">
+      <p:transition spd="slow" p14:dur="800">
+        <p:circle/>
+      </p:transition>
+    </mc:Choice>
+    <mc:Fallback>
+      <p:transition spd="slow">
+        <p:circle/>
+      </p:transition>
+    </mc:Fallback>
+  </mc:AlternateContent>
 </p:sldLayout>
 </file>
 
@@ -3244,7 +3665,7 @@
           <p:cNvPr id="2" name="タイトル 1">
             <a:extLst>
               <a:ext uri="{FF2B5EF4-FFF2-40B4-BE49-F238E27FC236}">
-                <a16:creationId xmlns:a16="http://schemas.microsoft.com/office/drawing/2014/main" id="{157B9815-31D4-4429-A0DC-2BCBD91B69D2}"/>
+                <a16:creationId xmlns:a16="http://schemas.microsoft.com/office/drawing/2014/main" id="{86FB4BBF-893B-4E5F-BFD1-C018D03C2EEB}"/>
               </a:ext>
             </a:extLst>
           </p:cNvPr>
@@ -3281,7 +3702,7 @@
           <p:cNvPr id="3" name="図プレースホルダー 2">
             <a:extLst>
               <a:ext uri="{FF2B5EF4-FFF2-40B4-BE49-F238E27FC236}">
-                <a16:creationId xmlns:a16="http://schemas.microsoft.com/office/drawing/2014/main" id="{36A816D0-877A-4343-9D65-043F1CFAB1D0}"/>
+                <a16:creationId xmlns:a16="http://schemas.microsoft.com/office/drawing/2014/main" id="{6058DAA5-5AE3-4452-8FA3-5E4D691FA20F}"/>
               </a:ext>
             </a:extLst>
           </p:cNvPr>
@@ -3348,7 +3769,7 @@
           <p:cNvPr id="4" name="テキスト プレースホルダー 3">
             <a:extLst>
               <a:ext uri="{FF2B5EF4-FFF2-40B4-BE49-F238E27FC236}">
-                <a16:creationId xmlns:a16="http://schemas.microsoft.com/office/drawing/2014/main" id="{2673E445-353C-44FE-AE62-FE57A71D34E3}"/>
+                <a16:creationId xmlns:a16="http://schemas.microsoft.com/office/drawing/2014/main" id="{5DB110E4-F842-4C23-9EF0-EDB503079F7D}"/>
               </a:ext>
             </a:extLst>
           </p:cNvPr>
@@ -3419,7 +3840,7 @@
           <p:cNvPr id="5" name="日付プレースホルダー 4">
             <a:extLst>
               <a:ext uri="{FF2B5EF4-FFF2-40B4-BE49-F238E27FC236}">
-                <a16:creationId xmlns:a16="http://schemas.microsoft.com/office/drawing/2014/main" id="{831F161E-81B9-4BA5-9F78-75697C976BD0}"/>
+                <a16:creationId xmlns:a16="http://schemas.microsoft.com/office/drawing/2014/main" id="{F7585FC5-2AF8-486A-B853-CBC6480F7B40}"/>
               </a:ext>
             </a:extLst>
           </p:cNvPr>
@@ -3437,7 +3858,7 @@
           <a:p>
             <a:fld id="{4A6B28F3-BB62-4EA0-99DF-EF5932BC4FCF}" type="datetimeFigureOut">
               <a:rPr kumimoji="1" lang="ja-JP" altLang="en-US" smtClean="0"/>
-              <a:t>2021/10/5</a:t>
+              <a:t>2021/10/6</a:t>
             </a:fld>
             <a:endParaRPr kumimoji="1" lang="ja-JP" altLang="en-US"/>
           </a:p>
@@ -3448,7 +3869,7 @@
           <p:cNvPr id="6" name="フッター プレースホルダー 5">
             <a:extLst>
               <a:ext uri="{FF2B5EF4-FFF2-40B4-BE49-F238E27FC236}">
-                <a16:creationId xmlns:a16="http://schemas.microsoft.com/office/drawing/2014/main" id="{58FB611E-4016-4E95-9D2E-E362EFA98BE7}"/>
+                <a16:creationId xmlns:a16="http://schemas.microsoft.com/office/drawing/2014/main" id="{CAA75C11-6E9B-4E28-BC07-452B7CEE0E92}"/>
               </a:ext>
             </a:extLst>
           </p:cNvPr>
@@ -3473,7 +3894,7 @@
           <p:cNvPr id="7" name="スライド番号プレースホルダー 6">
             <a:extLst>
               <a:ext uri="{FF2B5EF4-FFF2-40B4-BE49-F238E27FC236}">
-                <a16:creationId xmlns:a16="http://schemas.microsoft.com/office/drawing/2014/main" id="{1507F926-6C52-42AA-B912-C09B431B287D}"/>
+                <a16:creationId xmlns:a16="http://schemas.microsoft.com/office/drawing/2014/main" id="{F54173BA-3852-4697-BD92-6793003B5032}"/>
               </a:ext>
             </a:extLst>
           </p:cNvPr>
@@ -3500,13 +3921,25 @@
     </p:spTree>
     <p:extLst>
       <p:ext uri="{BB962C8B-B14F-4D97-AF65-F5344CB8AC3E}">
-        <p14:creationId xmlns:p14="http://schemas.microsoft.com/office/powerpoint/2010/main" val="1798561893"/>
+        <p14:creationId xmlns:p14="http://schemas.microsoft.com/office/powerpoint/2010/main" val="3765143402"/>
       </p:ext>
     </p:extLst>
   </p:cSld>
   <p:clrMapOvr>
     <a:masterClrMapping/>
   </p:clrMapOvr>
+  <mc:AlternateContent xmlns:mc="http://schemas.openxmlformats.org/markup-compatibility/2006">
+    <mc:Choice xmlns:p14="http://schemas.microsoft.com/office/powerpoint/2010/main" Requires="p14">
+      <p:transition spd="slow" p14:dur="800">
+        <p:circle/>
+      </p:transition>
+    </mc:Choice>
+    <mc:Fallback>
+      <p:transition spd="slow">
+        <p:circle/>
+      </p:transition>
+    </mc:Fallback>
+  </mc:AlternateContent>
 </p:sldLayout>
 </file>
 
@@ -3537,7 +3970,7 @@
           <p:cNvPr id="2" name="タイトル プレースホルダー 1">
             <a:extLst>
               <a:ext uri="{FF2B5EF4-FFF2-40B4-BE49-F238E27FC236}">
-                <a16:creationId xmlns:a16="http://schemas.microsoft.com/office/drawing/2014/main" id="{D9FF701A-420D-4236-B616-FF04CBFE0670}"/>
+                <a16:creationId xmlns:a16="http://schemas.microsoft.com/office/drawing/2014/main" id="{54EC263B-1424-4CF7-8B49-A84C5A72089D}"/>
               </a:ext>
             </a:extLst>
           </p:cNvPr>
@@ -3575,7 +4008,7 @@
           <p:cNvPr id="3" name="テキスト プレースホルダー 2">
             <a:extLst>
               <a:ext uri="{FF2B5EF4-FFF2-40B4-BE49-F238E27FC236}">
-                <a16:creationId xmlns:a16="http://schemas.microsoft.com/office/drawing/2014/main" id="{87825EA9-07D2-444F-95F2-FB697979CB06}"/>
+                <a16:creationId xmlns:a16="http://schemas.microsoft.com/office/drawing/2014/main" id="{E5A9A152-1C48-4B40-9961-25350E6F24FD}"/>
               </a:ext>
             </a:extLst>
           </p:cNvPr>
@@ -3674,7 +4107,7 @@
           <p:cNvPr id="4" name="日付プレースホルダー 3">
             <a:extLst>
               <a:ext uri="{FF2B5EF4-FFF2-40B4-BE49-F238E27FC236}">
-                <a16:creationId xmlns:a16="http://schemas.microsoft.com/office/drawing/2014/main" id="{FF4A15CC-8993-443F-B25C-84662069AD03}"/>
+                <a16:creationId xmlns:a16="http://schemas.microsoft.com/office/drawing/2014/main" id="{6E836DC4-2349-4529-B33A-BD9F04051E65}"/>
               </a:ext>
             </a:extLst>
           </p:cNvPr>
@@ -3710,7 +4143,7 @@
           <a:p>
             <a:fld id="{4A6B28F3-BB62-4EA0-99DF-EF5932BC4FCF}" type="datetimeFigureOut">
               <a:rPr kumimoji="1" lang="ja-JP" altLang="en-US" smtClean="0"/>
-              <a:t>2021/10/5</a:t>
+              <a:t>2021/10/6</a:t>
             </a:fld>
             <a:endParaRPr kumimoji="1" lang="ja-JP" altLang="en-US"/>
           </a:p>
@@ -3721,7 +4154,7 @@
           <p:cNvPr id="5" name="フッター プレースホルダー 4">
             <a:extLst>
               <a:ext uri="{FF2B5EF4-FFF2-40B4-BE49-F238E27FC236}">
-                <a16:creationId xmlns:a16="http://schemas.microsoft.com/office/drawing/2014/main" id="{E172E16C-130B-470E-AF90-A4C8ADC8C75C}"/>
+                <a16:creationId xmlns:a16="http://schemas.microsoft.com/office/drawing/2014/main" id="{FB1416BE-88C9-4884-A3C0-2019C2F4BE50}"/>
               </a:ext>
             </a:extLst>
           </p:cNvPr>
@@ -3764,7 +4197,7 @@
           <p:cNvPr id="6" name="スライド番号プレースホルダー 5">
             <a:extLst>
               <a:ext uri="{FF2B5EF4-FFF2-40B4-BE49-F238E27FC236}">
-                <a16:creationId xmlns:a16="http://schemas.microsoft.com/office/drawing/2014/main" id="{FD28FC62-3A19-4A88-AD48-61CF64D38AB1}"/>
+                <a16:creationId xmlns:a16="http://schemas.microsoft.com/office/drawing/2014/main" id="{3A636D91-BC92-4517-8365-522689219206}"/>
               </a:ext>
             </a:extLst>
           </p:cNvPr>
@@ -3809,24 +4242,36 @@
     </p:spTree>
     <p:extLst>
       <p:ext uri="{BB962C8B-B14F-4D97-AF65-F5344CB8AC3E}">
-        <p14:creationId xmlns:p14="http://schemas.microsoft.com/office/powerpoint/2010/main" val="2665841873"/>
+        <p14:creationId xmlns:p14="http://schemas.microsoft.com/office/powerpoint/2010/main" val="4279658709"/>
       </p:ext>
     </p:extLst>
   </p:cSld>
   <p:clrMap bg1="lt1" tx1="dk1" bg2="lt2" tx2="dk2" accent1="accent1" accent2="accent2" accent3="accent3" accent4="accent4" accent5="accent5" accent6="accent6" hlink="hlink" folHlink="folHlink"/>
   <p:sldLayoutIdLst>
-    <p:sldLayoutId id="2147483649" r:id="rId1"/>
-    <p:sldLayoutId id="2147483650" r:id="rId2"/>
-    <p:sldLayoutId id="2147483651" r:id="rId3"/>
-    <p:sldLayoutId id="2147483652" r:id="rId4"/>
-    <p:sldLayoutId id="2147483653" r:id="rId5"/>
-    <p:sldLayoutId id="2147483654" r:id="rId6"/>
-    <p:sldLayoutId id="2147483655" r:id="rId7"/>
-    <p:sldLayoutId id="2147483656" r:id="rId8"/>
-    <p:sldLayoutId id="2147483657" r:id="rId9"/>
-    <p:sldLayoutId id="2147483658" r:id="rId10"/>
-    <p:sldLayoutId id="2147483659" r:id="rId11"/>
+    <p:sldLayoutId id="2147483697" r:id="rId1"/>
+    <p:sldLayoutId id="2147483698" r:id="rId2"/>
+    <p:sldLayoutId id="2147483699" r:id="rId3"/>
+    <p:sldLayoutId id="2147483700" r:id="rId4"/>
+    <p:sldLayoutId id="2147483701" r:id="rId5"/>
+    <p:sldLayoutId id="2147483702" r:id="rId6"/>
+    <p:sldLayoutId id="2147483703" r:id="rId7"/>
+    <p:sldLayoutId id="2147483704" r:id="rId8"/>
+    <p:sldLayoutId id="2147483705" r:id="rId9"/>
+    <p:sldLayoutId id="2147483706" r:id="rId10"/>
+    <p:sldLayoutId id="2147483707" r:id="rId11"/>
   </p:sldLayoutIdLst>
+  <mc:AlternateContent xmlns:mc="http://schemas.openxmlformats.org/markup-compatibility/2006">
+    <mc:Choice xmlns:p14="http://schemas.microsoft.com/office/powerpoint/2010/main" Requires="p14">
+      <p:transition spd="slow" p14:dur="800">
+        <p:circle/>
+      </p:transition>
+    </mc:Choice>
+    <mc:Fallback>
+      <p:transition spd="slow">
+        <p:circle/>
+      </p:transition>
+    </mc:Fallback>
+  </mc:AlternateContent>
   <p:txStyles>
     <p:titleStyle>
       <a:lvl1pPr algn="l" defTabSz="914400" rtl="0" eaLnBrk="1" latinLnBrk="0" hangingPunct="1">
@@ -4144,7 +4589,7 @@
           </p:nvPr>
         </p:nvPicPr>
         <p:blipFill>
-          <a:blip r:embed="rId2">
+          <a:blip r:embed="rId3">
             <a:extLst>
               <a:ext uri="{28A0092B-C50C-407E-A947-70E740481C1C}">
                 <a14:useLocalDpi xmlns:a14="http://schemas.microsoft.com/office/drawing/2010/main" val="0"/>
@@ -4232,6 +4677,18 @@
   <p:clrMapOvr>
     <a:masterClrMapping/>
   </p:clrMapOvr>
+  <mc:AlternateContent xmlns:mc="http://schemas.openxmlformats.org/markup-compatibility/2006">
+    <mc:Choice xmlns:p14="http://schemas.microsoft.com/office/powerpoint/2010/main" Requires="p14">
+      <p:transition spd="slow" p14:dur="800">
+        <p:circle/>
+      </p:transition>
+    </mc:Choice>
+    <mc:Fallback>
+      <p:transition spd="slow">
+        <p:circle/>
+      </p:transition>
+    </mc:Fallback>
+  </mc:AlternateContent>
 </p:sld>
 </file>
 
@@ -4257,68 +4714,135 @@
           <p:cNvPr id="2" name="タイトル 1">
             <a:extLst>
               <a:ext uri="{FF2B5EF4-FFF2-40B4-BE49-F238E27FC236}">
-                <a16:creationId xmlns:a16="http://schemas.microsoft.com/office/drawing/2014/main" id="{F3684142-10EA-4764-B9B7-28F84F0E15A3}"/>
-              </a:ext>
-            </a:extLst>
-          </p:cNvPr>
-          <p:cNvSpPr>
-            <a:spLocks noGrp="1"/>
-          </p:cNvSpPr>
-          <p:nvPr>
-            <p:ph type="ctrTitle"/>
-          </p:nvPr>
-        </p:nvSpPr>
-        <p:spPr>
-          <a:xfrm>
-            <a:off x="383098" y="704675"/>
-            <a:ext cx="9144000" cy="744890"/>
-          </a:xfrm>
-        </p:spPr>
+                <a16:creationId xmlns:a16="http://schemas.microsoft.com/office/drawing/2014/main" id="{F9DAB316-4A00-468F-994D-6D2C4AC24AF5}"/>
+              </a:ext>
+            </a:extLst>
+          </p:cNvPr>
+          <p:cNvSpPr>
+            <a:spLocks noGrp="1"/>
+          </p:cNvSpPr>
+          <p:nvPr>
+            <p:ph type="title"/>
+          </p:nvPr>
+        </p:nvSpPr>
+        <p:spPr/>
+        <p:txBody>
+          <a:bodyPr/>
+          <a:lstStyle/>
+          <a:p>
+            <a:r>
+              <a:rPr kumimoji="1" lang="en-US" altLang="ja-JP" dirty="0"/>
+              <a:t>AI</a:t>
+            </a:r>
+            <a:r>
+              <a:rPr kumimoji="1" lang="ja-JP" altLang="en-US" dirty="0"/>
+              <a:t>のプログラム</a:t>
+            </a:r>
+          </a:p>
+        </p:txBody>
+      </p:sp>
+      <p:sp>
+        <p:nvSpPr>
+          <p:cNvPr id="3" name="コンテンツ プレースホルダー 2">
+            <a:extLst>
+              <a:ext uri="{FF2B5EF4-FFF2-40B4-BE49-F238E27FC236}">
+                <a16:creationId xmlns:a16="http://schemas.microsoft.com/office/drawing/2014/main" id="{4417CF7E-6C0A-4D0C-B5B2-C3BC5E906F32}"/>
+              </a:ext>
+            </a:extLst>
+          </p:cNvPr>
+          <p:cNvSpPr>
+            <a:spLocks noGrp="1"/>
+          </p:cNvSpPr>
+          <p:nvPr>
+            <p:ph idx="1"/>
+          </p:nvPr>
+        </p:nvSpPr>
+        <p:spPr/>
         <p:txBody>
           <a:bodyPr>
-            <a:normAutofit/>
+            <a:normAutofit lnSpcReduction="10000"/>
           </a:bodyPr>
           <a:lstStyle/>
           <a:p>
-            <a:pPr algn="l"/>
-            <a:r>
-              <a:rPr kumimoji="1" lang="en-US" altLang="ja-JP" sz="4400" dirty="0"/>
+            <a:r>
+              <a:rPr lang="en-US" altLang="ja-JP" dirty="0"/>
+              <a:t>Python</a:t>
+            </a:r>
+            <a:r>
+              <a:rPr lang="ja-JP" altLang="en-US" dirty="0"/>
+              <a:t>で実装</a:t>
+            </a:r>
+            <a:endParaRPr lang="en-US" altLang="ja-JP" dirty="0"/>
+          </a:p>
+          <a:p>
+            <a:endParaRPr lang="en-US" altLang="ja-JP" dirty="0"/>
+          </a:p>
+          <a:p>
+            <a:r>
+              <a:rPr lang="en-US" altLang="ja-JP" dirty="0"/>
+              <a:t>TensorFlow</a:t>
+            </a:r>
+          </a:p>
+          <a:p>
+            <a:pPr lvl="1"/>
+            <a:r>
+              <a:rPr kumimoji="1" lang="en-US" altLang="ja-JP" dirty="0"/>
+              <a:t>LSTM</a:t>
+            </a:r>
+            <a:r>
+              <a:rPr kumimoji="1" lang="ja-JP" altLang="en-US" dirty="0"/>
+              <a:t>を用いた</a:t>
+            </a:r>
+            <a:r>
+              <a:rPr kumimoji="1" lang="en-US" altLang="ja-JP" dirty="0"/>
               <a:t>DNN</a:t>
             </a:r>
             <a:r>
-              <a:rPr kumimoji="1" lang="ja-JP" altLang="en-US" sz="4400" dirty="0"/>
-              <a:t>について</a:t>
-            </a:r>
-          </a:p>
-        </p:txBody>
-      </p:sp>
-      <p:sp>
-        <p:nvSpPr>
-          <p:cNvPr id="3" name="字幕 2">
-            <a:extLst>
-              <a:ext uri="{FF2B5EF4-FFF2-40B4-BE49-F238E27FC236}">
-                <a16:creationId xmlns:a16="http://schemas.microsoft.com/office/drawing/2014/main" id="{7BE7E29D-D287-41A0-BA39-82F258B16C0C}"/>
-              </a:ext>
-            </a:extLst>
-          </p:cNvPr>
-          <p:cNvSpPr>
-            <a:spLocks noGrp="1"/>
-          </p:cNvSpPr>
-          <p:nvPr>
-            <p:ph type="subTitle" idx="1"/>
-          </p:nvPr>
-        </p:nvSpPr>
-        <p:spPr>
-          <a:xfrm>
-            <a:off x="1524000" y="2583543"/>
-            <a:ext cx="9144000" cy="3656835"/>
-          </a:xfrm>
-        </p:spPr>
-        <p:txBody>
-          <a:bodyPr>
-            <a:normAutofit/>
-          </a:bodyPr>
-          <a:lstStyle/>
+              <a:rPr kumimoji="1" lang="ja-JP" altLang="en-US" dirty="0"/>
+              <a:t>を作るためのライブラリ</a:t>
+            </a:r>
+            <a:endParaRPr kumimoji="1" lang="en-US" altLang="ja-JP" dirty="0"/>
+          </a:p>
+          <a:p>
+            <a:pPr lvl="1"/>
+            <a:endParaRPr kumimoji="1" lang="en-US" altLang="ja-JP" dirty="0"/>
+          </a:p>
+          <a:p>
+            <a:r>
+              <a:rPr lang="en-US" altLang="ja-JP" dirty="0"/>
+              <a:t>music21</a:t>
+            </a:r>
+          </a:p>
+          <a:p>
+            <a:pPr lvl="1"/>
+            <a:r>
+              <a:rPr lang="en-US" altLang="ja-JP" dirty="0"/>
+              <a:t>midi</a:t>
+            </a:r>
+            <a:r>
+              <a:rPr lang="ja-JP" altLang="en-US" dirty="0"/>
+              <a:t>の音データを取り出すためのライブラリ</a:t>
+            </a:r>
+            <a:endParaRPr lang="en-US" altLang="ja-JP" dirty="0"/>
+          </a:p>
+          <a:p>
+            <a:endParaRPr kumimoji="1" lang="en-US" altLang="ja-JP" dirty="0"/>
+          </a:p>
+          <a:p>
+            <a:pPr marL="457200" lvl="1" indent="0">
+              <a:buNone/>
+            </a:pPr>
+            <a:endParaRPr lang="en-US" altLang="ja-JP" dirty="0"/>
+          </a:p>
+          <a:p>
+            <a:pPr marL="457200" lvl="1" indent="0">
+              <a:buNone/>
+            </a:pPr>
+            <a:r>
+              <a:rPr kumimoji="1" lang="en-US" altLang="ja-JP" dirty="0"/>
+              <a:t> 		</a:t>
+            </a:r>
+          </a:p>
           <a:p>
             <a:endParaRPr kumimoji="1" lang="ja-JP" altLang="en-US" dirty="0"/>
           </a:p>
@@ -4327,13 +4851,25 @@
     </p:spTree>
     <p:extLst>
       <p:ext uri="{BB962C8B-B14F-4D97-AF65-F5344CB8AC3E}">
-        <p14:creationId xmlns:p14="http://schemas.microsoft.com/office/powerpoint/2010/main" val="1515653326"/>
+        <p14:creationId xmlns:p14="http://schemas.microsoft.com/office/powerpoint/2010/main" val="3512944444"/>
       </p:ext>
     </p:extLst>
   </p:cSld>
   <p:clrMapOvr>
     <a:masterClrMapping/>
   </p:clrMapOvr>
+  <mc:AlternateContent xmlns:mc="http://schemas.openxmlformats.org/markup-compatibility/2006">
+    <mc:Choice xmlns:p14="http://schemas.microsoft.com/office/powerpoint/2010/main" Requires="p14">
+      <p:transition spd="slow" p14:dur="800">
+        <p:circle/>
+      </p:transition>
+    </mc:Choice>
+    <mc:Fallback>
+      <p:transition spd="slow">
+        <p:circle/>
+      </p:transition>
+    </mc:Fallback>
+  </mc:AlternateContent>
 </p:sld>
 </file>
 
@@ -4359,97 +4895,154 @@
           <p:cNvPr id="2" name="タイトル 1">
             <a:extLst>
               <a:ext uri="{FF2B5EF4-FFF2-40B4-BE49-F238E27FC236}">
-                <a16:creationId xmlns:a16="http://schemas.microsoft.com/office/drawing/2014/main" id="{E4883A0A-8D8C-4B9C-B52B-0F6D514B04E0}"/>
-              </a:ext>
-            </a:extLst>
-          </p:cNvPr>
-          <p:cNvSpPr>
-            <a:spLocks noGrp="1"/>
-          </p:cNvSpPr>
-          <p:nvPr>
-            <p:ph type="title"/>
-          </p:nvPr>
-        </p:nvSpPr>
-        <p:spPr/>
-        <p:txBody>
-          <a:bodyPr/>
-          <a:lstStyle/>
-          <a:p>
-            <a:r>
-              <a:rPr kumimoji="1" lang="en-US" altLang="ja-JP" dirty="0"/>
-              <a:t>LSTM</a:t>
-            </a:r>
-            <a:r>
-              <a:rPr kumimoji="1" lang="ja-JP" altLang="en-US" dirty="0"/>
-              <a:t>について</a:t>
-            </a:r>
-          </a:p>
-        </p:txBody>
-      </p:sp>
-      <p:sp>
-        <p:nvSpPr>
-          <p:cNvPr id="3" name="コンテンツ プレースホルダー 2">
-            <a:extLst>
-              <a:ext uri="{FF2B5EF4-FFF2-40B4-BE49-F238E27FC236}">
-                <a16:creationId xmlns:a16="http://schemas.microsoft.com/office/drawing/2014/main" id="{9AB6985F-E57D-4069-BD74-D0C7F1F9B720}"/>
-              </a:ext>
-            </a:extLst>
-          </p:cNvPr>
-          <p:cNvSpPr>
-            <a:spLocks noGrp="1"/>
-          </p:cNvSpPr>
-          <p:nvPr>
-            <p:ph idx="1"/>
+                <a16:creationId xmlns:a16="http://schemas.microsoft.com/office/drawing/2014/main" id="{99218024-A4EE-4EEA-8916-177105FDF5DB}"/>
+              </a:ext>
+            </a:extLst>
+          </p:cNvPr>
+          <p:cNvSpPr>
+            <a:spLocks noGrp="1"/>
+          </p:cNvSpPr>
+          <p:nvPr>
+            <p:ph type="ctrTitle"/>
           </p:nvPr>
         </p:nvSpPr>
         <p:spPr>
           <a:xfrm>
-            <a:off x="1393371" y="1901372"/>
-            <a:ext cx="8824686" cy="3817258"/>
+            <a:off x="228600" y="152400"/>
+            <a:ext cx="9144000" cy="1892300"/>
           </a:xfrm>
         </p:spPr>
         <p:txBody>
           <a:bodyPr/>
           <a:lstStyle/>
           <a:p>
-            <a:r>
-              <a:rPr lang="en-US" altLang="ja-JP" dirty="0"/>
-              <a:t>LSTM </a:t>
-            </a:r>
-            <a:r>
-              <a:rPr lang="ja-JP" altLang="en-US" dirty="0"/>
-              <a:t>（</a:t>
-            </a:r>
-            <a:r>
-              <a:rPr lang="en-US" altLang="ja-JP" dirty="0"/>
-              <a:t>Long Short-Term Memory: </a:t>
-            </a:r>
-            <a:r>
-              <a:rPr lang="ja-JP" altLang="en-US" dirty="0"/>
-              <a:t>長・短期記憶）ネットワークは、</a:t>
-            </a:r>
-            <a:r>
-              <a:rPr lang="en-US" altLang="ja-JP" dirty="0"/>
-              <a:t>RNN</a:t>
-            </a:r>
-            <a:r>
-              <a:rPr lang="ja-JP" altLang="en-US" dirty="0"/>
-              <a:t>（再帰型 ニューラルネットワーク） の一種です。</a:t>
-            </a:r>
+            <a:pPr algn="l"/>
+            <a:r>
+              <a:rPr lang="ja-JP" altLang="en-US" b="1" dirty="0"/>
+              <a:t>現在の進捗状況</a:t>
+            </a:r>
+            <a:br>
+              <a:rPr lang="ja-JP" altLang="en-US" b="1" dirty="0"/>
+            </a:br>
             <a:endParaRPr kumimoji="1" lang="ja-JP" altLang="en-US" dirty="0"/>
+          </a:p>
+        </p:txBody>
+      </p:sp>
+      <p:sp>
+        <p:nvSpPr>
+          <p:cNvPr id="3" name="字幕 2">
+            <a:extLst>
+              <a:ext uri="{FF2B5EF4-FFF2-40B4-BE49-F238E27FC236}">
+                <a16:creationId xmlns:a16="http://schemas.microsoft.com/office/drawing/2014/main" id="{A731940E-22B5-4EFD-B618-97DBC4C20D6A}"/>
+              </a:ext>
+            </a:extLst>
+          </p:cNvPr>
+          <p:cNvSpPr>
+            <a:spLocks noGrp="1"/>
+          </p:cNvSpPr>
+          <p:nvPr>
+            <p:ph type="subTitle" idx="1"/>
+          </p:nvPr>
+        </p:nvSpPr>
+        <p:spPr>
+          <a:xfrm>
+            <a:off x="737936" y="1773238"/>
+            <a:ext cx="10857163" cy="4475162"/>
+          </a:xfrm>
+        </p:spPr>
+        <p:txBody>
+          <a:bodyPr>
+            <a:normAutofit/>
+          </a:bodyPr>
+          <a:lstStyle/>
+          <a:p>
+            <a:pPr marL="342900" indent="-342900" algn="l">
+              <a:buFont typeface="Arial" panose="020B0604020202020204" pitchFamily="34" charset="0"/>
+              <a:buChar char="•"/>
+            </a:pPr>
+            <a:r>
+              <a:rPr kumimoji="1" lang="en-US" altLang="ja-JP" sz="2800" dirty="0"/>
+              <a:t>GitHub</a:t>
+            </a:r>
+            <a:r>
+              <a:rPr kumimoji="1" lang="ja-JP" altLang="en-US" sz="2800" dirty="0"/>
+              <a:t>で開発を進めております</a:t>
+            </a:r>
+            <a:endParaRPr kumimoji="1" lang="en-US" altLang="ja-JP" sz="2800" dirty="0"/>
+          </a:p>
+          <a:p>
+            <a:pPr marL="342900" indent="-342900" algn="l">
+              <a:buFont typeface="Arial" panose="020B0604020202020204" pitchFamily="34" charset="0"/>
+              <a:buChar char="•"/>
+            </a:pPr>
+            <a:r>
+              <a:rPr lang="en-US" altLang="ja-JP" sz="2800" dirty="0"/>
+              <a:t>Web</a:t>
+            </a:r>
+            <a:r>
+              <a:rPr lang="ja-JP" altLang="en-US" sz="2800" dirty="0"/>
+              <a:t>サイトは動かせるようになっています</a:t>
+            </a:r>
+            <a:endParaRPr lang="en-US" altLang="ja-JP" sz="2800" dirty="0"/>
+          </a:p>
+          <a:p>
+            <a:pPr algn="l"/>
+            <a:endParaRPr lang="en-US" altLang="ja-JP" sz="2800" dirty="0"/>
+          </a:p>
+          <a:p>
+            <a:pPr algn="l"/>
+            <a:r>
+              <a:rPr kumimoji="1" lang="ja-JP" altLang="en-US" sz="2800" dirty="0"/>
+              <a:t>課題</a:t>
+            </a:r>
+            <a:endParaRPr kumimoji="1" lang="en-US" altLang="ja-JP" sz="2800" dirty="0"/>
+          </a:p>
+          <a:p>
+            <a:pPr marL="457200" indent="-457200" algn="l">
+              <a:buFont typeface="Arial" panose="020B0604020202020204" pitchFamily="34" charset="0"/>
+              <a:buChar char="•"/>
+            </a:pPr>
+            <a:r>
+              <a:rPr kumimoji="1" lang="ja-JP" altLang="en-US" sz="2800" dirty="0"/>
+              <a:t>学習モデル</a:t>
+            </a:r>
+            <a:endParaRPr kumimoji="1" lang="en-US" altLang="ja-JP" sz="2800" dirty="0"/>
+          </a:p>
+          <a:p>
+            <a:pPr marL="457200" indent="-457200" algn="l">
+              <a:buFont typeface="Arial" panose="020B0604020202020204" pitchFamily="34" charset="0"/>
+              <a:buChar char="•"/>
+            </a:pPr>
+            <a:r>
+              <a:rPr lang="ja-JP" altLang="en-US" sz="2800" dirty="0"/>
+              <a:t>音楽ファイルのやり取り</a:t>
+            </a:r>
+            <a:endParaRPr lang="en-US" altLang="ja-JP" sz="2800" dirty="0"/>
           </a:p>
         </p:txBody>
       </p:sp>
     </p:spTree>
     <p:extLst>
       <p:ext uri="{BB962C8B-B14F-4D97-AF65-F5344CB8AC3E}">
-        <p14:creationId xmlns:p14="http://schemas.microsoft.com/office/powerpoint/2010/main" val="2660890987"/>
+        <p14:creationId xmlns:p14="http://schemas.microsoft.com/office/powerpoint/2010/main" val="1360215977"/>
       </p:ext>
     </p:extLst>
   </p:cSld>
   <p:clrMapOvr>
     <a:masterClrMapping/>
   </p:clrMapOvr>
+  <mc:AlternateContent xmlns:mc="http://schemas.openxmlformats.org/markup-compatibility/2006">
+    <mc:Choice xmlns:p14="http://schemas.microsoft.com/office/powerpoint/2010/main" Requires="p14">
+      <p:transition spd="slow" p14:dur="800">
+        <p:circle/>
+      </p:transition>
+    </mc:Choice>
+    <mc:Fallback>
+      <p:transition spd="slow">
+        <p:circle/>
+      </p:transition>
+    </mc:Fallback>
+  </mc:AlternateContent>
 </p:sld>
 </file>
 
@@ -4475,563 +5068,6 @@
           <p:cNvPr id="2" name="タイトル 1">
             <a:extLst>
               <a:ext uri="{FF2B5EF4-FFF2-40B4-BE49-F238E27FC236}">
-                <a16:creationId xmlns:a16="http://schemas.microsoft.com/office/drawing/2014/main" id="{F9DAB316-4A00-468F-994D-6D2C4AC24AF5}"/>
-              </a:ext>
-            </a:extLst>
-          </p:cNvPr>
-          <p:cNvSpPr>
-            <a:spLocks noGrp="1"/>
-          </p:cNvSpPr>
-          <p:nvPr>
-            <p:ph type="title"/>
-          </p:nvPr>
-        </p:nvSpPr>
-        <p:spPr/>
-        <p:txBody>
-          <a:bodyPr/>
-          <a:lstStyle/>
-          <a:p>
-            <a:r>
-              <a:rPr kumimoji="1" lang="en-US" altLang="ja-JP" dirty="0"/>
-              <a:t>AI</a:t>
-            </a:r>
-            <a:r>
-              <a:rPr kumimoji="1" lang="ja-JP" altLang="en-US" dirty="0"/>
-              <a:t>のプログラム</a:t>
-            </a:r>
-          </a:p>
-        </p:txBody>
-      </p:sp>
-      <p:sp>
-        <p:nvSpPr>
-          <p:cNvPr id="3" name="コンテンツ プレースホルダー 2">
-            <a:extLst>
-              <a:ext uri="{FF2B5EF4-FFF2-40B4-BE49-F238E27FC236}">
-                <a16:creationId xmlns:a16="http://schemas.microsoft.com/office/drawing/2014/main" id="{4417CF7E-6C0A-4D0C-B5B2-C3BC5E906F32}"/>
-              </a:ext>
-            </a:extLst>
-          </p:cNvPr>
-          <p:cNvSpPr>
-            <a:spLocks noGrp="1"/>
-          </p:cNvSpPr>
-          <p:nvPr>
-            <p:ph idx="1"/>
-          </p:nvPr>
-        </p:nvSpPr>
-        <p:spPr/>
-        <p:txBody>
-          <a:bodyPr>
-            <a:normAutofit lnSpcReduction="10000"/>
-          </a:bodyPr>
-          <a:lstStyle/>
-          <a:p>
-            <a:r>
-              <a:rPr lang="en-US" altLang="ja-JP" dirty="0"/>
-              <a:t>Python</a:t>
-            </a:r>
-            <a:r>
-              <a:rPr lang="ja-JP" altLang="en-US" dirty="0"/>
-              <a:t>で実装</a:t>
-            </a:r>
-            <a:endParaRPr lang="en-US" altLang="ja-JP" dirty="0"/>
-          </a:p>
-          <a:p>
-            <a:endParaRPr lang="en-US" altLang="ja-JP" dirty="0"/>
-          </a:p>
-          <a:p>
-            <a:r>
-              <a:rPr lang="en-US" altLang="ja-JP" dirty="0"/>
-              <a:t>TensorFlow</a:t>
-            </a:r>
-          </a:p>
-          <a:p>
-            <a:pPr lvl="1"/>
-            <a:r>
-              <a:rPr kumimoji="1" lang="en-US" altLang="ja-JP" dirty="0"/>
-              <a:t>LSTM</a:t>
-            </a:r>
-            <a:r>
-              <a:rPr kumimoji="1" lang="ja-JP" altLang="en-US" dirty="0"/>
-              <a:t>を用いた</a:t>
-            </a:r>
-            <a:r>
-              <a:rPr kumimoji="1" lang="en-US" altLang="ja-JP" dirty="0"/>
-              <a:t>DNN</a:t>
-            </a:r>
-            <a:r>
-              <a:rPr kumimoji="1" lang="ja-JP" altLang="en-US" dirty="0"/>
-              <a:t>を作るためのライブラリ</a:t>
-            </a:r>
-            <a:endParaRPr kumimoji="1" lang="en-US" altLang="ja-JP" dirty="0"/>
-          </a:p>
-          <a:p>
-            <a:pPr lvl="1"/>
-            <a:endParaRPr kumimoji="1" lang="en-US" altLang="ja-JP" dirty="0"/>
-          </a:p>
-          <a:p>
-            <a:r>
-              <a:rPr lang="en-US" altLang="ja-JP" dirty="0"/>
-              <a:t>music21</a:t>
-            </a:r>
-          </a:p>
-          <a:p>
-            <a:pPr lvl="1"/>
-            <a:r>
-              <a:rPr lang="en-US" altLang="ja-JP" dirty="0"/>
-              <a:t>midi</a:t>
-            </a:r>
-            <a:r>
-              <a:rPr lang="ja-JP" altLang="en-US" dirty="0"/>
-              <a:t>の音データを取り出すためのライブラリ</a:t>
-            </a:r>
-            <a:endParaRPr lang="en-US" altLang="ja-JP" dirty="0"/>
-          </a:p>
-          <a:p>
-            <a:endParaRPr kumimoji="1" lang="en-US" altLang="ja-JP" dirty="0"/>
-          </a:p>
-          <a:p>
-            <a:pPr marL="457200" lvl="1" indent="0">
-              <a:buNone/>
-            </a:pPr>
-            <a:endParaRPr lang="en-US" altLang="ja-JP" dirty="0"/>
-          </a:p>
-          <a:p>
-            <a:pPr marL="457200" lvl="1" indent="0">
-              <a:buNone/>
-            </a:pPr>
-            <a:r>
-              <a:rPr kumimoji="1" lang="en-US" altLang="ja-JP" dirty="0"/>
-              <a:t> 		</a:t>
-            </a:r>
-          </a:p>
-          <a:p>
-            <a:endParaRPr kumimoji="1" lang="ja-JP" altLang="en-US" dirty="0"/>
-          </a:p>
-        </p:txBody>
-      </p:sp>
-    </p:spTree>
-    <p:extLst>
-      <p:ext uri="{BB962C8B-B14F-4D97-AF65-F5344CB8AC3E}">
-        <p14:creationId xmlns:p14="http://schemas.microsoft.com/office/powerpoint/2010/main" val="3512944444"/>
-      </p:ext>
-    </p:extLst>
-  </p:cSld>
-  <p:clrMapOvr>
-    <a:masterClrMapping/>
-  </p:clrMapOvr>
-</p:sld>
-</file>
-
-<file path=ppt/slides/slide13.xml><?xml version="1.0" encoding="utf-8"?>
-<p:sld xmlns:a="http://schemas.openxmlformats.org/drawingml/2006/main" xmlns:r="http://schemas.openxmlformats.org/officeDocument/2006/relationships" xmlns:p="http://schemas.openxmlformats.org/presentationml/2006/main">
-  <p:cSld>
-    <p:spTree>
-      <p:nvGrpSpPr>
-        <p:cNvPr id="1" name=""/>
-        <p:cNvGrpSpPr/>
-        <p:nvPr/>
-      </p:nvGrpSpPr>
-      <p:grpSpPr>
-        <a:xfrm>
-          <a:off x="0" y="0"/>
-          <a:ext cx="0" cy="0"/>
-          <a:chOff x="0" y="0"/>
-          <a:chExt cx="0" cy="0"/>
-        </a:xfrm>
-      </p:grpSpPr>
-      <p:sp>
-        <p:nvSpPr>
-          <p:cNvPr id="2" name="タイトル 1">
-            <a:extLst>
-              <a:ext uri="{FF2B5EF4-FFF2-40B4-BE49-F238E27FC236}">
-                <a16:creationId xmlns:a16="http://schemas.microsoft.com/office/drawing/2014/main" id="{A4C37BF0-35EE-4B0C-BACE-89BF8EBFA2E6}"/>
-              </a:ext>
-            </a:extLst>
-          </p:cNvPr>
-          <p:cNvSpPr>
-            <a:spLocks noGrp="1"/>
-          </p:cNvSpPr>
-          <p:nvPr>
-            <p:ph type="ctrTitle"/>
-          </p:nvPr>
-        </p:nvSpPr>
-        <p:spPr/>
-        <p:txBody>
-          <a:bodyPr>
-            <a:normAutofit/>
-          </a:bodyPr>
-          <a:lstStyle/>
-          <a:p>
-            <a:endParaRPr kumimoji="1" lang="ja-JP" altLang="en-US" sz="6600" dirty="0"/>
-          </a:p>
-        </p:txBody>
-      </p:sp>
-      <p:sp>
-        <p:nvSpPr>
-          <p:cNvPr id="3" name="字幕 2">
-            <a:extLst>
-              <a:ext uri="{FF2B5EF4-FFF2-40B4-BE49-F238E27FC236}">
-                <a16:creationId xmlns:a16="http://schemas.microsoft.com/office/drawing/2014/main" id="{98CA206C-CDC0-4BBE-B15D-F8731E2FCBE0}"/>
-              </a:ext>
-            </a:extLst>
-          </p:cNvPr>
-          <p:cNvSpPr>
-            <a:spLocks noGrp="1"/>
-          </p:cNvSpPr>
-          <p:nvPr>
-            <p:ph type="subTitle" idx="1"/>
-          </p:nvPr>
-        </p:nvSpPr>
-        <p:spPr/>
-        <p:txBody>
-          <a:bodyPr>
-            <a:normAutofit/>
-          </a:bodyPr>
-          <a:lstStyle/>
-          <a:p>
-            <a:endParaRPr kumimoji="1" lang="ja-JP" altLang="en-US" dirty="0"/>
-          </a:p>
-        </p:txBody>
-      </p:sp>
-    </p:spTree>
-    <p:extLst>
-      <p:ext uri="{BB962C8B-B14F-4D97-AF65-F5344CB8AC3E}">
-        <p14:creationId xmlns:p14="http://schemas.microsoft.com/office/powerpoint/2010/main" val="1258775609"/>
-      </p:ext>
-    </p:extLst>
-  </p:cSld>
-  <p:clrMapOvr>
-    <a:masterClrMapping/>
-  </p:clrMapOvr>
-</p:sld>
-</file>
-
-<file path=ppt/slides/slide14.xml><?xml version="1.0" encoding="utf-8"?>
-<p:sld xmlns:a="http://schemas.openxmlformats.org/drawingml/2006/main" xmlns:r="http://schemas.openxmlformats.org/officeDocument/2006/relationships" xmlns:p="http://schemas.openxmlformats.org/presentationml/2006/main">
-  <p:cSld>
-    <p:spTree>
-      <p:nvGrpSpPr>
-        <p:cNvPr id="1" name=""/>
-        <p:cNvGrpSpPr/>
-        <p:nvPr/>
-      </p:nvGrpSpPr>
-      <p:grpSpPr>
-        <a:xfrm>
-          <a:off x="0" y="0"/>
-          <a:ext cx="0" cy="0"/>
-          <a:chOff x="0" y="0"/>
-          <a:chExt cx="0" cy="0"/>
-        </a:xfrm>
-      </p:grpSpPr>
-      <p:sp>
-        <p:nvSpPr>
-          <p:cNvPr id="2" name="タイトル 1">
-            <a:extLst>
-              <a:ext uri="{FF2B5EF4-FFF2-40B4-BE49-F238E27FC236}">
-                <a16:creationId xmlns:a16="http://schemas.microsoft.com/office/drawing/2014/main" id="{E2A2CFD8-21B5-4294-9689-B5742664F9BF}"/>
-              </a:ext>
-            </a:extLst>
-          </p:cNvPr>
-          <p:cNvSpPr>
-            <a:spLocks noGrp="1"/>
-          </p:cNvSpPr>
-          <p:nvPr>
-            <p:ph type="title"/>
-          </p:nvPr>
-        </p:nvSpPr>
-        <p:spPr/>
-        <p:txBody>
-          <a:bodyPr/>
-          <a:lstStyle/>
-          <a:p>
-            <a:r>
-              <a:rPr lang="en-US" altLang="ja-JP" dirty="0"/>
-              <a:t>Web</a:t>
-            </a:r>
-            <a:r>
-              <a:rPr lang="ja-JP" altLang="en-US" dirty="0"/>
-              <a:t>ページ</a:t>
-            </a:r>
-            <a:endParaRPr kumimoji="1" lang="ja-JP" altLang="en-US" dirty="0"/>
-          </a:p>
-        </p:txBody>
-      </p:sp>
-      <p:sp>
-        <p:nvSpPr>
-          <p:cNvPr id="3" name="コンテンツ プレースホルダー 2">
-            <a:extLst>
-              <a:ext uri="{FF2B5EF4-FFF2-40B4-BE49-F238E27FC236}">
-                <a16:creationId xmlns:a16="http://schemas.microsoft.com/office/drawing/2014/main" id="{64180FAD-121D-4131-826C-9F51C09F08AB}"/>
-              </a:ext>
-            </a:extLst>
-          </p:cNvPr>
-          <p:cNvSpPr>
-            <a:spLocks noGrp="1"/>
-          </p:cNvSpPr>
-          <p:nvPr>
-            <p:ph idx="1"/>
-          </p:nvPr>
-        </p:nvSpPr>
-        <p:spPr>
-          <a:xfrm>
-            <a:off x="1130300" y="1690688"/>
-            <a:ext cx="10515600" cy="4351338"/>
-          </a:xfrm>
-        </p:spPr>
-        <p:txBody>
-          <a:bodyPr/>
-          <a:lstStyle/>
-          <a:p>
-            <a:r>
-              <a:rPr kumimoji="1" lang="ja-JP" altLang="en-US" dirty="0"/>
-              <a:t>トップページ</a:t>
-            </a:r>
-            <a:endParaRPr kumimoji="1" lang="en-US" altLang="ja-JP" dirty="0"/>
-          </a:p>
-          <a:p>
-            <a:pPr lvl="1"/>
-            <a:r>
-              <a:rPr lang="ja-JP" altLang="en-US" dirty="0"/>
-              <a:t>タイトル</a:t>
-            </a:r>
-            <a:endParaRPr lang="en-US" altLang="ja-JP" dirty="0"/>
-          </a:p>
-          <a:p>
-            <a:pPr lvl="1"/>
-            <a:endParaRPr lang="en-US" altLang="ja-JP" dirty="0"/>
-          </a:p>
-          <a:p>
-            <a:r>
-              <a:rPr kumimoji="1" lang="ja-JP" altLang="en-US" dirty="0"/>
-              <a:t>入力画面</a:t>
-            </a:r>
-            <a:endParaRPr kumimoji="1" lang="en-US" altLang="ja-JP" dirty="0"/>
-          </a:p>
-          <a:p>
-            <a:pPr lvl="1"/>
-            <a:r>
-              <a:rPr kumimoji="1" lang="ja-JP" altLang="en-US" dirty="0"/>
-              <a:t>メロディを入力して送信</a:t>
-            </a:r>
-            <a:endParaRPr kumimoji="1" lang="en-US" altLang="ja-JP" dirty="0"/>
-          </a:p>
-          <a:p>
-            <a:pPr lvl="1"/>
-            <a:endParaRPr kumimoji="1" lang="en-US" altLang="ja-JP" dirty="0"/>
-          </a:p>
-          <a:p>
-            <a:r>
-              <a:rPr lang="ja-JP" altLang="en-US" dirty="0"/>
-              <a:t>結果出力画面</a:t>
-            </a:r>
-            <a:endParaRPr lang="en-US" altLang="ja-JP" dirty="0"/>
-          </a:p>
-          <a:p>
-            <a:pPr lvl="1"/>
-            <a:r>
-              <a:rPr lang="ja-JP" altLang="en-US" dirty="0"/>
-              <a:t>作曲された曲を聴く</a:t>
-            </a:r>
-            <a:endParaRPr lang="en-US" altLang="ja-JP" dirty="0"/>
-          </a:p>
-        </p:txBody>
-      </p:sp>
-    </p:spTree>
-    <p:extLst>
-      <p:ext uri="{BB962C8B-B14F-4D97-AF65-F5344CB8AC3E}">
-        <p14:creationId xmlns:p14="http://schemas.microsoft.com/office/powerpoint/2010/main" val="898338798"/>
-      </p:ext>
-    </p:extLst>
-  </p:cSld>
-  <p:clrMapOvr>
-    <a:masterClrMapping/>
-  </p:clrMapOvr>
-</p:sld>
-</file>
-
-<file path=ppt/slides/slide15.xml><?xml version="1.0" encoding="utf-8"?>
-<p:sld xmlns:a="http://schemas.openxmlformats.org/drawingml/2006/main" xmlns:r="http://schemas.openxmlformats.org/officeDocument/2006/relationships" xmlns:p="http://schemas.openxmlformats.org/presentationml/2006/main">
-  <p:cSld>
-    <p:spTree>
-      <p:nvGrpSpPr>
-        <p:cNvPr id="1" name=""/>
-        <p:cNvGrpSpPr/>
-        <p:nvPr/>
-      </p:nvGrpSpPr>
-      <p:grpSpPr>
-        <a:xfrm>
-          <a:off x="0" y="0"/>
-          <a:ext cx="0" cy="0"/>
-          <a:chOff x="0" y="0"/>
-          <a:chExt cx="0" cy="0"/>
-        </a:xfrm>
-      </p:grpSpPr>
-      <p:sp>
-        <p:nvSpPr>
-          <p:cNvPr id="2" name="タイトル 1">
-            <a:extLst>
-              <a:ext uri="{FF2B5EF4-FFF2-40B4-BE49-F238E27FC236}">
-                <a16:creationId xmlns:a16="http://schemas.microsoft.com/office/drawing/2014/main" id="{99218024-A4EE-4EEA-8916-177105FDF5DB}"/>
-              </a:ext>
-            </a:extLst>
-          </p:cNvPr>
-          <p:cNvSpPr>
-            <a:spLocks noGrp="1"/>
-          </p:cNvSpPr>
-          <p:nvPr>
-            <p:ph type="ctrTitle"/>
-          </p:nvPr>
-        </p:nvSpPr>
-        <p:spPr>
-          <a:xfrm>
-            <a:off x="228600" y="152400"/>
-            <a:ext cx="9144000" cy="1892300"/>
-          </a:xfrm>
-        </p:spPr>
-        <p:txBody>
-          <a:bodyPr/>
-          <a:lstStyle/>
-          <a:p>
-            <a:pPr algn="l"/>
-            <a:r>
-              <a:rPr lang="ja-JP" altLang="en-US" b="1" dirty="0"/>
-              <a:t>現在の進捗状況</a:t>
-            </a:r>
-            <a:br>
-              <a:rPr lang="ja-JP" altLang="en-US" b="1" dirty="0"/>
-            </a:br>
-            <a:endParaRPr kumimoji="1" lang="ja-JP" altLang="en-US" dirty="0"/>
-          </a:p>
-        </p:txBody>
-      </p:sp>
-      <p:sp>
-        <p:nvSpPr>
-          <p:cNvPr id="3" name="字幕 2">
-            <a:extLst>
-              <a:ext uri="{FF2B5EF4-FFF2-40B4-BE49-F238E27FC236}">
-                <a16:creationId xmlns:a16="http://schemas.microsoft.com/office/drawing/2014/main" id="{A731940E-22B5-4EFD-B618-97DBC4C20D6A}"/>
-              </a:ext>
-            </a:extLst>
-          </p:cNvPr>
-          <p:cNvSpPr>
-            <a:spLocks noGrp="1"/>
-          </p:cNvSpPr>
-          <p:nvPr>
-            <p:ph type="subTitle" idx="1"/>
-          </p:nvPr>
-        </p:nvSpPr>
-        <p:spPr>
-          <a:xfrm>
-            <a:off x="737936" y="1773238"/>
-            <a:ext cx="10857163" cy="4475162"/>
-          </a:xfrm>
-        </p:spPr>
-        <p:txBody>
-          <a:bodyPr>
-            <a:normAutofit/>
-          </a:bodyPr>
-          <a:lstStyle/>
-          <a:p>
-            <a:pPr marL="342900" indent="-342900" algn="l">
-              <a:buFont typeface="Arial" panose="020B0604020202020204" pitchFamily="34" charset="0"/>
-              <a:buChar char="•"/>
-            </a:pPr>
-            <a:r>
-              <a:rPr kumimoji="1" lang="en-US" altLang="ja-JP" sz="2800" dirty="0"/>
-              <a:t>GitHub</a:t>
-            </a:r>
-            <a:r>
-              <a:rPr kumimoji="1" lang="ja-JP" altLang="en-US" sz="2800" dirty="0"/>
-              <a:t>で開発を進めております</a:t>
-            </a:r>
-            <a:endParaRPr kumimoji="1" lang="en-US" altLang="ja-JP" sz="2800" dirty="0"/>
-          </a:p>
-          <a:p>
-            <a:pPr marL="342900" indent="-342900" algn="l">
-              <a:buFont typeface="Arial" panose="020B0604020202020204" pitchFamily="34" charset="0"/>
-              <a:buChar char="•"/>
-            </a:pPr>
-            <a:r>
-              <a:rPr lang="en-US" altLang="ja-JP" sz="2800" dirty="0"/>
-              <a:t>Web</a:t>
-            </a:r>
-            <a:r>
-              <a:rPr lang="ja-JP" altLang="en-US" sz="2800" dirty="0"/>
-              <a:t>サイトは動かせるようになっています</a:t>
-            </a:r>
-            <a:endParaRPr lang="en-US" altLang="ja-JP" sz="2800" dirty="0"/>
-          </a:p>
-          <a:p>
-            <a:pPr algn="l"/>
-            <a:endParaRPr lang="en-US" altLang="ja-JP" sz="2800" dirty="0"/>
-          </a:p>
-          <a:p>
-            <a:pPr algn="l"/>
-            <a:r>
-              <a:rPr kumimoji="1" lang="ja-JP" altLang="en-US" sz="2800" dirty="0"/>
-              <a:t>課題</a:t>
-            </a:r>
-            <a:endParaRPr kumimoji="1" lang="en-US" altLang="ja-JP" sz="2800" dirty="0"/>
-          </a:p>
-          <a:p>
-            <a:pPr marL="457200" indent="-457200" algn="l">
-              <a:buFont typeface="Arial" panose="020B0604020202020204" pitchFamily="34" charset="0"/>
-              <a:buChar char="•"/>
-            </a:pPr>
-            <a:r>
-              <a:rPr kumimoji="1" lang="ja-JP" altLang="en-US" sz="2800" dirty="0"/>
-              <a:t>学習モデル</a:t>
-            </a:r>
-            <a:endParaRPr kumimoji="1" lang="en-US" altLang="ja-JP" sz="2800" dirty="0"/>
-          </a:p>
-          <a:p>
-            <a:pPr marL="457200" indent="-457200" algn="l">
-              <a:buFont typeface="Arial" panose="020B0604020202020204" pitchFamily="34" charset="0"/>
-              <a:buChar char="•"/>
-            </a:pPr>
-            <a:r>
-              <a:rPr lang="ja-JP" altLang="en-US" sz="2800" dirty="0"/>
-              <a:t>音楽ファイルのやり取り</a:t>
-            </a:r>
-            <a:endParaRPr lang="en-US" altLang="ja-JP" sz="2800" dirty="0"/>
-          </a:p>
-        </p:txBody>
-      </p:sp>
-    </p:spTree>
-    <p:extLst>
-      <p:ext uri="{BB962C8B-B14F-4D97-AF65-F5344CB8AC3E}">
-        <p14:creationId xmlns:p14="http://schemas.microsoft.com/office/powerpoint/2010/main" val="1360215977"/>
-      </p:ext>
-    </p:extLst>
-  </p:cSld>
-  <p:clrMapOvr>
-    <a:masterClrMapping/>
-  </p:clrMapOvr>
-</p:sld>
-</file>
-
-<file path=ppt/slides/slide16.xml><?xml version="1.0" encoding="utf-8"?>
-<p:sld xmlns:a="http://schemas.openxmlformats.org/drawingml/2006/main" xmlns:r="http://schemas.openxmlformats.org/officeDocument/2006/relationships" xmlns:p="http://schemas.openxmlformats.org/presentationml/2006/main">
-  <p:cSld>
-    <p:spTree>
-      <p:nvGrpSpPr>
-        <p:cNvPr id="1" name=""/>
-        <p:cNvGrpSpPr/>
-        <p:nvPr/>
-      </p:nvGrpSpPr>
-      <p:grpSpPr>
-        <a:xfrm>
-          <a:off x="0" y="0"/>
-          <a:ext cx="0" cy="0"/>
-          <a:chOff x="0" y="0"/>
-          <a:chExt cx="0" cy="0"/>
-        </a:xfrm>
-      </p:grpSpPr>
-      <p:sp>
-        <p:nvSpPr>
-          <p:cNvPr id="2" name="タイトル 1">
-            <a:extLst>
-              <a:ext uri="{FF2B5EF4-FFF2-40B4-BE49-F238E27FC236}">
                 <a16:creationId xmlns:a16="http://schemas.microsoft.com/office/drawing/2014/main" id="{6A02AA03-3DED-4449-8542-51D6A9F1532E}"/>
               </a:ext>
             </a:extLst>
@@ -5074,6 +5110,18 @@
   <p:clrMapOvr>
     <a:masterClrMapping/>
   </p:clrMapOvr>
+  <mc:AlternateContent xmlns:mc="http://schemas.openxmlformats.org/markup-compatibility/2006">
+    <mc:Choice xmlns:p14="http://schemas.microsoft.com/office/powerpoint/2010/main" Requires="p14">
+      <p:transition spd="slow" p14:dur="800">
+        <p:circle/>
+      </p:transition>
+    </mc:Choice>
+    <mc:Fallback>
+      <p:transition spd="slow">
+        <p:circle/>
+      </p:transition>
+    </mc:Fallback>
+  </mc:AlternateContent>
 </p:sld>
 </file>
 
@@ -5183,7 +5231,7 @@
           <a:p>
             <a:r>
               <a:rPr lang="ja-JP" altLang="en-US" sz="2800" dirty="0"/>
-              <a:t>ゲームに使われる音楽にそっくりな曲を作曲します。</a:t>
+              <a:t>ゲームに使われる音楽に雰囲気が似た曲を作曲します。</a:t>
             </a:r>
             <a:endParaRPr lang="en-US" altLang="ja-JP" sz="2800" dirty="0"/>
           </a:p>
@@ -5252,6 +5300,18 @@
   <p:clrMapOvr>
     <a:masterClrMapping/>
   </p:clrMapOvr>
+  <mc:AlternateContent xmlns:mc="http://schemas.openxmlformats.org/markup-compatibility/2006">
+    <mc:Choice xmlns:p14="http://schemas.microsoft.com/office/powerpoint/2010/main" Requires="p14">
+      <p:transition spd="slow" p14:dur="800">
+        <p:circle/>
+      </p:transition>
+    </mc:Choice>
+    <mc:Fallback>
+      <p:transition spd="slow">
+        <p:circle/>
+      </p:transition>
+    </mc:Fallback>
+  </mc:AlternateContent>
 </p:sld>
 </file>
 
@@ -5288,9 +5348,16 @@
             <p:ph type="title"/>
           </p:nvPr>
         </p:nvSpPr>
-        <p:spPr/>
-        <p:txBody>
-          <a:bodyPr/>
+        <p:spPr>
+          <a:xfrm>
+            <a:off x="977900" y="196980"/>
+            <a:ext cx="3823010" cy="1293028"/>
+          </a:xfrm>
+        </p:spPr>
+        <p:txBody>
+          <a:bodyPr>
+            <a:normAutofit fontScale="90000"/>
+          </a:bodyPr>
           <a:lstStyle/>
           <a:p>
             <a:r>
@@ -5314,7 +5381,7 @@
         </p:nvSpPr>
         <p:spPr>
           <a:xfrm>
-            <a:off x="660400" y="1690688"/>
+            <a:off x="977900" y="1471615"/>
             <a:ext cx="10236200" cy="1938992"/>
           </a:xfrm>
           <a:prstGeom prst="rect">
@@ -5418,6 +5485,18 @@
   <p:clrMapOvr>
     <a:masterClrMapping/>
   </p:clrMapOvr>
+  <mc:AlternateContent xmlns:mc="http://schemas.openxmlformats.org/markup-compatibility/2006">
+    <mc:Choice xmlns:p14="http://schemas.microsoft.com/office/powerpoint/2010/main" Requires="p14">
+      <p:transition spd="slow" p14:dur="800">
+        <p:circle/>
+      </p:transition>
+    </mc:Choice>
+    <mc:Fallback>
+      <p:transition spd="slow">
+        <p:circle/>
+      </p:transition>
+    </mc:Fallback>
+  </mc:AlternateContent>
 </p:sld>
 </file>
 
@@ -5440,10 +5519,45 @@
       </p:grpSpPr>
       <p:sp>
         <p:nvSpPr>
-          <p:cNvPr id="6" name="テキスト ボックス 5">
-            <a:extLst>
-              <a:ext uri="{FF2B5EF4-FFF2-40B4-BE49-F238E27FC236}">
-                <a16:creationId xmlns:a16="http://schemas.microsoft.com/office/drawing/2014/main" id="{036590D6-AD66-49C6-B479-94D9A2D235EF}"/>
+          <p:cNvPr id="2" name="タイトル 1">
+            <a:extLst>
+              <a:ext uri="{FF2B5EF4-FFF2-40B4-BE49-F238E27FC236}">
+                <a16:creationId xmlns:a16="http://schemas.microsoft.com/office/drawing/2014/main" id="{B3F1FEA8-AD15-4745-AD3B-3DCD461047A0}"/>
+              </a:ext>
+            </a:extLst>
+          </p:cNvPr>
+          <p:cNvSpPr>
+            <a:spLocks noGrp="1"/>
+          </p:cNvSpPr>
+          <p:nvPr>
+            <p:ph type="title"/>
+          </p:nvPr>
+        </p:nvSpPr>
+        <p:spPr>
+          <a:xfrm>
+            <a:off x="838200" y="365125"/>
+            <a:ext cx="10515600" cy="1323975"/>
+          </a:xfrm>
+        </p:spPr>
+        <p:txBody>
+          <a:bodyPr>
+            <a:normAutofit/>
+          </a:bodyPr>
+          <a:lstStyle/>
+          <a:p>
+            <a:r>
+              <a:rPr kumimoji="1" lang="ja-JP" altLang="en-US" sz="5400" dirty="0"/>
+              <a:t>使い方</a:t>
+            </a:r>
+          </a:p>
+        </p:txBody>
+      </p:sp>
+      <p:sp>
+        <p:nvSpPr>
+          <p:cNvPr id="4" name="テキスト ボックス 3">
+            <a:extLst>
+              <a:ext uri="{FF2B5EF4-FFF2-40B4-BE49-F238E27FC236}">
+                <a16:creationId xmlns:a16="http://schemas.microsoft.com/office/drawing/2014/main" id="{F684ABF9-9422-4A64-A42D-DD1D6109688E}"/>
               </a:ext>
             </a:extLst>
           </p:cNvPr>
@@ -5452,8 +5566,8 @@
         </p:nvSpPr>
         <p:spPr>
           <a:xfrm>
-            <a:off x="468086" y="214509"/>
-            <a:ext cx="11478985" cy="523220"/>
+            <a:off x="838200" y="1834243"/>
+            <a:ext cx="10850217" cy="1754326"/>
           </a:xfrm>
           <a:prstGeom prst="rect">
             <a:avLst/>
@@ -5466,60 +5580,70 @@
           </a:bodyPr>
           <a:lstStyle/>
           <a:p>
-            <a:r>
-              <a:rPr lang="ja-JP" altLang="en-US" sz="2800" dirty="0"/>
-              <a:t>システムの流れ</a:t>
-            </a:r>
-            <a:endParaRPr kumimoji="1" lang="ja-JP" altLang="en-US" sz="2800" dirty="0"/>
-          </a:p>
-        </p:txBody>
-      </p:sp>
-      <p:pic>
-        <p:nvPicPr>
-          <p:cNvPr id="7" name="図 6">
-            <a:extLst>
-              <a:ext uri="{FF2B5EF4-FFF2-40B4-BE49-F238E27FC236}">
-                <a16:creationId xmlns:a16="http://schemas.microsoft.com/office/drawing/2014/main" id="{E330C363-7654-4AFD-9851-C415D075876E}"/>
-              </a:ext>
-            </a:extLst>
-          </p:cNvPr>
-          <p:cNvPicPr>
-            <a:picLocks noChangeAspect="1"/>
-          </p:cNvPicPr>
-          <p:nvPr/>
-        </p:nvPicPr>
-        <p:blipFill>
-          <a:blip r:embed="rId2">
-            <a:extLst>
-              <a:ext uri="{28A0092B-C50C-407E-A947-70E740481C1C}">
-                <a14:useLocalDpi xmlns:a14="http://schemas.microsoft.com/office/drawing/2010/main" val="0"/>
-              </a:ext>
-            </a:extLst>
-          </a:blip>
-          <a:stretch>
-            <a:fillRect/>
-          </a:stretch>
-        </p:blipFill>
-        <p:spPr>
-          <a:xfrm>
-            <a:off x="766775" y="1084982"/>
-            <a:ext cx="10658449" cy="4688035"/>
-          </a:xfrm>
-          <a:prstGeom prst="rect">
-            <a:avLst/>
-          </a:prstGeom>
-        </p:spPr>
-      </p:pic>
+            <a:pPr marL="342900" indent="-342900">
+              <a:buFont typeface="+mj-lt"/>
+              <a:buAutoNum type="arabicPeriod"/>
+            </a:pPr>
+            <a:r>
+              <a:rPr kumimoji="1" lang="en-US" altLang="ja-JP" sz="3600" dirty="0"/>
+              <a:t>Web</a:t>
+            </a:r>
+            <a:r>
+              <a:rPr kumimoji="1" lang="ja-JP" altLang="en-US" sz="3600" dirty="0"/>
+              <a:t>ページ上の鍵盤</a:t>
+            </a:r>
+            <a:r>
+              <a:rPr lang="ja-JP" altLang="en-US" sz="3600" dirty="0"/>
+              <a:t>で短いメロディを作曲する</a:t>
+            </a:r>
+            <a:endParaRPr lang="en-US" altLang="ja-JP" sz="3600" dirty="0"/>
+          </a:p>
+          <a:p>
+            <a:pPr marL="342900" indent="-342900">
+              <a:buFont typeface="+mj-lt"/>
+              <a:buAutoNum type="arabicPeriod"/>
+            </a:pPr>
+            <a:r>
+              <a:rPr lang="ja-JP" altLang="en-US" sz="3600" dirty="0"/>
+              <a:t>サーバに送信</a:t>
+            </a:r>
+            <a:endParaRPr kumimoji="1" lang="en-US" altLang="ja-JP" sz="3600" dirty="0"/>
+          </a:p>
+          <a:p>
+            <a:pPr marL="342900" indent="-342900">
+              <a:buFont typeface="+mj-lt"/>
+              <a:buAutoNum type="arabicPeriod"/>
+            </a:pPr>
+            <a:r>
+              <a:rPr lang="ja-JP" altLang="en-US" sz="3600" dirty="0"/>
+              <a:t>音楽を再生</a:t>
+            </a:r>
+            <a:endParaRPr lang="en-US" altLang="ja-JP" sz="3600" dirty="0"/>
+          </a:p>
+        </p:txBody>
+      </p:sp>
     </p:spTree>
     <p:extLst>
       <p:ext uri="{BB962C8B-B14F-4D97-AF65-F5344CB8AC3E}">
-        <p14:creationId xmlns:p14="http://schemas.microsoft.com/office/powerpoint/2010/main" val="684741158"/>
+        <p14:creationId xmlns:p14="http://schemas.microsoft.com/office/powerpoint/2010/main" val="4054490951"/>
       </p:ext>
     </p:extLst>
   </p:cSld>
   <p:clrMapOvr>
     <a:masterClrMapping/>
   </p:clrMapOvr>
+  <mc:AlternateContent xmlns:mc="http://schemas.openxmlformats.org/markup-compatibility/2006">
+    <mc:Choice xmlns:p14="http://schemas.microsoft.com/office/powerpoint/2010/main" Requires="p14">
+      <p:transition spd="slow" p14:dur="800">
+        <p:circle/>
+      </p:transition>
+    </mc:Choice>
+    <mc:Fallback>
+      <p:transition spd="slow">
+        <p:circle/>
+      </p:transition>
+    </mc:Fallback>
+  </mc:AlternateContent>
 </p:sld>
 </file>
 
@@ -5545,7 +5669,7 @@
           <p:cNvPr id="2" name="タイトル 1">
             <a:extLst>
               <a:ext uri="{FF2B5EF4-FFF2-40B4-BE49-F238E27FC236}">
-                <a16:creationId xmlns:a16="http://schemas.microsoft.com/office/drawing/2014/main" id="{B3F1FEA8-AD15-4745-AD3B-3DCD461047A0}"/>
+                <a16:creationId xmlns:a16="http://schemas.microsoft.com/office/drawing/2014/main" id="{B4771838-C4DB-4C93-A12F-5B773B46C311}"/>
               </a:ext>
             </a:extLst>
           </p:cNvPr>
@@ -5558,138 +5682,14 @@
         </p:nvSpPr>
         <p:spPr>
           <a:xfrm>
-            <a:off x="838200" y="365125"/>
-            <a:ext cx="10515600" cy="1323975"/>
+            <a:off x="824698" y="312565"/>
+            <a:ext cx="9373866" cy="1293028"/>
           </a:xfrm>
         </p:spPr>
         <p:txBody>
           <a:bodyPr>
-            <a:normAutofit/>
+            <a:normAutofit fontScale="90000"/>
           </a:bodyPr>
-          <a:lstStyle/>
-          <a:p>
-            <a:r>
-              <a:rPr kumimoji="1" lang="ja-JP" altLang="en-US" sz="5400" dirty="0"/>
-              <a:t>使い方</a:t>
-            </a:r>
-          </a:p>
-        </p:txBody>
-      </p:sp>
-      <p:sp>
-        <p:nvSpPr>
-          <p:cNvPr id="4" name="テキスト ボックス 3">
-            <a:extLst>
-              <a:ext uri="{FF2B5EF4-FFF2-40B4-BE49-F238E27FC236}">
-                <a16:creationId xmlns:a16="http://schemas.microsoft.com/office/drawing/2014/main" id="{F684ABF9-9422-4A64-A42D-DD1D6109688E}"/>
-              </a:ext>
-            </a:extLst>
-          </p:cNvPr>
-          <p:cNvSpPr txBox="1"/>
-          <p:nvPr/>
-        </p:nvSpPr>
-        <p:spPr>
-          <a:xfrm>
-            <a:off x="838200" y="1834243"/>
-            <a:ext cx="8316685" cy="1754326"/>
-          </a:xfrm>
-          <a:prstGeom prst="rect">
-            <a:avLst/>
-          </a:prstGeom>
-          <a:noFill/>
-        </p:spPr>
-        <p:txBody>
-          <a:bodyPr wrap="square" rtlCol="0">
-            <a:spAutoFit/>
-          </a:bodyPr>
-          <a:lstStyle/>
-          <a:p>
-            <a:pPr marL="342900" indent="-342900">
-              <a:buFont typeface="+mj-lt"/>
-              <a:buAutoNum type="arabicPeriod"/>
-            </a:pPr>
-            <a:r>
-              <a:rPr kumimoji="1" lang="en-US" altLang="ja-JP" sz="3600" dirty="0"/>
-              <a:t>Web</a:t>
-            </a:r>
-            <a:r>
-              <a:rPr kumimoji="1" lang="ja-JP" altLang="en-US" sz="3600" dirty="0"/>
-              <a:t>ページ上の鍵盤で作曲</a:t>
-            </a:r>
-            <a:endParaRPr kumimoji="1" lang="en-US" altLang="ja-JP" sz="3600" dirty="0"/>
-          </a:p>
-          <a:p>
-            <a:pPr marL="342900" indent="-342900">
-              <a:buFont typeface="+mj-lt"/>
-              <a:buAutoNum type="arabicPeriod"/>
-            </a:pPr>
-            <a:r>
-              <a:rPr kumimoji="1" lang="ja-JP" altLang="en-US" sz="3600" dirty="0"/>
-              <a:t>完成したら送信</a:t>
-            </a:r>
-            <a:endParaRPr kumimoji="1" lang="en-US" altLang="ja-JP" sz="3600" dirty="0"/>
-          </a:p>
-          <a:p>
-            <a:pPr marL="342900" indent="-342900">
-              <a:buFont typeface="+mj-lt"/>
-              <a:buAutoNum type="arabicPeriod"/>
-            </a:pPr>
-            <a:r>
-              <a:rPr lang="ja-JP" altLang="en-US" sz="3600" dirty="0"/>
-              <a:t>音楽を再生</a:t>
-            </a:r>
-            <a:endParaRPr lang="en-US" altLang="ja-JP" sz="3600" dirty="0"/>
-          </a:p>
-        </p:txBody>
-      </p:sp>
-    </p:spTree>
-    <p:extLst>
-      <p:ext uri="{BB962C8B-B14F-4D97-AF65-F5344CB8AC3E}">
-        <p14:creationId xmlns:p14="http://schemas.microsoft.com/office/powerpoint/2010/main" val="4054490951"/>
-      </p:ext>
-    </p:extLst>
-  </p:cSld>
-  <p:clrMapOvr>
-    <a:masterClrMapping/>
-  </p:clrMapOvr>
-</p:sld>
-</file>
-
-<file path=ppt/slides/slide6.xml><?xml version="1.0" encoding="utf-8"?>
-<p:sld xmlns:a="http://schemas.openxmlformats.org/drawingml/2006/main" xmlns:r="http://schemas.openxmlformats.org/officeDocument/2006/relationships" xmlns:p="http://schemas.openxmlformats.org/presentationml/2006/main">
-  <p:cSld>
-    <p:spTree>
-      <p:nvGrpSpPr>
-        <p:cNvPr id="1" name=""/>
-        <p:cNvGrpSpPr/>
-        <p:nvPr/>
-      </p:nvGrpSpPr>
-      <p:grpSpPr>
-        <a:xfrm>
-          <a:off x="0" y="0"/>
-          <a:ext cx="0" cy="0"/>
-          <a:chOff x="0" y="0"/>
-          <a:chExt cx="0" cy="0"/>
-        </a:xfrm>
-      </p:grpSpPr>
-      <p:sp>
-        <p:nvSpPr>
-          <p:cNvPr id="2" name="タイトル 1">
-            <a:extLst>
-              <a:ext uri="{FF2B5EF4-FFF2-40B4-BE49-F238E27FC236}">
-                <a16:creationId xmlns:a16="http://schemas.microsoft.com/office/drawing/2014/main" id="{B4771838-C4DB-4C93-A12F-5B773B46C311}"/>
-              </a:ext>
-            </a:extLst>
-          </p:cNvPr>
-          <p:cNvSpPr>
-            <a:spLocks noGrp="1"/>
-          </p:cNvSpPr>
-          <p:nvPr>
-            <p:ph type="title"/>
-          </p:nvPr>
-        </p:nvSpPr>
-        <p:spPr/>
-        <p:txBody>
-          <a:bodyPr/>
           <a:lstStyle/>
           <a:p>
             <a:pPr marL="742950" indent="-742950">
@@ -5707,6 +5707,41 @@
           </a:p>
         </p:txBody>
       </p:sp>
+      <p:pic>
+        <p:nvPicPr>
+          <p:cNvPr id="22" name="コンテンツ プレースホルダー 21">
+            <a:extLst>
+              <a:ext uri="{FF2B5EF4-FFF2-40B4-BE49-F238E27FC236}">
+                <a16:creationId xmlns:a16="http://schemas.microsoft.com/office/drawing/2014/main" id="{5AEEA717-E89F-4444-84E7-3D55D771147F}"/>
+              </a:ext>
+            </a:extLst>
+          </p:cNvPr>
+          <p:cNvPicPr>
+            <a:picLocks noGrp="1" noChangeAspect="1"/>
+          </p:cNvPicPr>
+          <p:nvPr>
+            <p:ph idx="1"/>
+          </p:nvPr>
+        </p:nvPicPr>
+        <p:blipFill>
+          <a:blip r:embed="rId3">
+            <a:extLst>
+              <a:ext uri="{28A0092B-C50C-407E-A947-70E740481C1C}">
+                <a14:useLocalDpi xmlns:a14="http://schemas.microsoft.com/office/drawing/2010/main" val="0"/>
+              </a:ext>
+            </a:extLst>
+          </a:blip>
+          <a:stretch>
+            <a:fillRect/>
+          </a:stretch>
+        </p:blipFill>
+        <p:spPr>
+          <a:xfrm>
+            <a:off x="1123949" y="3519100"/>
+            <a:ext cx="9944100" cy="2133600"/>
+          </a:xfrm>
+        </p:spPr>
+      </p:pic>
       <p:sp>
         <p:nvSpPr>
           <p:cNvPr id="3" name="正方形/長方形 2">
@@ -5776,7 +5811,7 @@
           <p:nvPr/>
         </p:nvPicPr>
         <p:blipFill>
-          <a:blip r:embed="rId3">
+          <a:blip r:embed="rId4">
             <a:extLst>
               <a:ext uri="{28A0092B-C50C-407E-A947-70E740481C1C}">
                 <a14:useLocalDpi xmlns:a14="http://schemas.microsoft.com/office/drawing/2010/main" val="0"/>
@@ -5789,7 +5824,7 @@
         </p:blipFill>
         <p:spPr>
           <a:xfrm>
-            <a:off x="2132334" y="1748396"/>
+            <a:off x="2132334" y="1737245"/>
             <a:ext cx="7927331" cy="1923298"/>
           </a:xfrm>
           <a:prstGeom prst="rect">
@@ -5836,41 +5871,6 @@
           </a:p>
         </p:txBody>
       </p:sp>
-      <p:pic>
-        <p:nvPicPr>
-          <p:cNvPr id="22" name="コンテンツ プレースホルダー 21">
-            <a:extLst>
-              <a:ext uri="{FF2B5EF4-FFF2-40B4-BE49-F238E27FC236}">
-                <a16:creationId xmlns:a16="http://schemas.microsoft.com/office/drawing/2014/main" id="{5AEEA717-E89F-4444-84E7-3D55D771147F}"/>
-              </a:ext>
-            </a:extLst>
-          </p:cNvPr>
-          <p:cNvPicPr>
-            <a:picLocks noGrp="1" noChangeAspect="1"/>
-          </p:cNvPicPr>
-          <p:nvPr>
-            <p:ph idx="1"/>
-          </p:nvPr>
-        </p:nvPicPr>
-        <p:blipFill>
-          <a:blip r:embed="rId4">
-            <a:extLst>
-              <a:ext uri="{28A0092B-C50C-407E-A947-70E740481C1C}">
-                <a14:useLocalDpi xmlns:a14="http://schemas.microsoft.com/office/drawing/2010/main" val="0"/>
-              </a:ext>
-            </a:extLst>
-          </a:blip>
-          <a:stretch>
-            <a:fillRect/>
-          </a:stretch>
-        </p:blipFill>
-        <p:spPr>
-          <a:xfrm>
-            <a:off x="1123950" y="3657600"/>
-            <a:ext cx="9944100" cy="2133600"/>
-          </a:xfrm>
-        </p:spPr>
-      </p:pic>
       <p:sp>
         <p:nvSpPr>
           <p:cNvPr id="24" name="テキスト ボックス 23">
@@ -5958,6 +5958,193 @@
   <p:clrMapOvr>
     <a:masterClrMapping/>
   </p:clrMapOvr>
+  <mc:AlternateContent xmlns:mc="http://schemas.openxmlformats.org/markup-compatibility/2006">
+    <mc:Choice xmlns:p14="http://schemas.microsoft.com/office/powerpoint/2010/main" Requires="p14">
+      <p:transition spd="slow" p14:dur="800">
+        <p:circle/>
+      </p:transition>
+    </mc:Choice>
+    <mc:Fallback>
+      <p:transition spd="slow">
+        <p:circle/>
+      </p:transition>
+    </mc:Fallback>
+  </mc:AlternateContent>
+</p:sld>
+</file>
+
+<file path=ppt/slides/slide6.xml><?xml version="1.0" encoding="utf-8"?>
+<p:sld xmlns:a="http://schemas.openxmlformats.org/drawingml/2006/main" xmlns:r="http://schemas.openxmlformats.org/officeDocument/2006/relationships" xmlns:p="http://schemas.openxmlformats.org/presentationml/2006/main">
+  <p:cSld>
+    <p:spTree>
+      <p:nvGrpSpPr>
+        <p:cNvPr id="1" name=""/>
+        <p:cNvGrpSpPr/>
+        <p:nvPr/>
+      </p:nvGrpSpPr>
+      <p:grpSpPr>
+        <a:xfrm>
+          <a:off x="0" y="0"/>
+          <a:ext cx="0" cy="0"/>
+          <a:chOff x="0" y="0"/>
+          <a:chExt cx="0" cy="0"/>
+        </a:xfrm>
+      </p:grpSpPr>
+      <p:sp>
+        <p:nvSpPr>
+          <p:cNvPr id="2" name="タイトル 1">
+            <a:extLst>
+              <a:ext uri="{FF2B5EF4-FFF2-40B4-BE49-F238E27FC236}">
+                <a16:creationId xmlns:a16="http://schemas.microsoft.com/office/drawing/2014/main" id="{7E010509-19ED-4780-87CA-EA30FCFE19B2}"/>
+              </a:ext>
+            </a:extLst>
+          </p:cNvPr>
+          <p:cNvSpPr>
+            <a:spLocks noGrp="1"/>
+          </p:cNvSpPr>
+          <p:nvPr>
+            <p:ph type="title"/>
+          </p:nvPr>
+        </p:nvSpPr>
+        <p:spPr>
+          <a:xfrm>
+            <a:off x="838200" y="452790"/>
+            <a:ext cx="10515600" cy="818233"/>
+          </a:xfrm>
+        </p:spPr>
+        <p:txBody>
+          <a:bodyPr/>
+          <a:lstStyle/>
+          <a:p>
+            <a:r>
+              <a:rPr lang="en-US" altLang="ja-JP" dirty="0"/>
+              <a:t>3. </a:t>
+            </a:r>
+            <a:r>
+              <a:rPr lang="ja-JP" altLang="en-US" dirty="0"/>
+              <a:t>音楽</a:t>
+            </a:r>
+            <a:r>
+              <a:rPr kumimoji="1" lang="ja-JP" altLang="en-US" dirty="0"/>
+              <a:t>を再生する</a:t>
+            </a:r>
+          </a:p>
+        </p:txBody>
+      </p:sp>
+      <p:pic>
+        <p:nvPicPr>
+          <p:cNvPr id="1026" name="Picture 2" descr="https://3.bp.blogspot.com/-XKyHG9ipUuk/WxvKRN9CeYI/AAAAAAABMn8/usJ7TuHvS4s8Qff7wFV6iY6vtRwM3bQwgCLcBGAs/s800/music_headphone_man.png">
+            <a:extLst>
+              <a:ext uri="{FF2B5EF4-FFF2-40B4-BE49-F238E27FC236}">
+                <a16:creationId xmlns:a16="http://schemas.microsoft.com/office/drawing/2014/main" id="{90179A9D-4B3E-42C8-AA08-6A33D117B268}"/>
+              </a:ext>
+            </a:extLst>
+          </p:cNvPr>
+          <p:cNvPicPr>
+            <a:picLocks noGrp="1" noChangeAspect="1" noChangeArrowheads="1"/>
+          </p:cNvPicPr>
+          <p:nvPr>
+            <p:ph idx="1"/>
+          </p:nvPr>
+        </p:nvPicPr>
+        <p:blipFill>
+          <a:blip r:embed="rId2">
+            <a:extLst>
+              <a:ext uri="{28A0092B-C50C-407E-A947-70E740481C1C}">
+                <a14:useLocalDpi xmlns:a14="http://schemas.microsoft.com/office/drawing/2010/main" val="0"/>
+              </a:ext>
+            </a:extLst>
+          </a:blip>
+          <a:stretch>
+            <a:fillRect/>
+          </a:stretch>
+        </p:blipFill>
+        <p:spPr bwMode="auto">
+          <a:xfrm>
+            <a:off x="4005540" y="1825625"/>
+            <a:ext cx="4180920" cy="4351338"/>
+          </a:xfrm>
+          <a:prstGeom prst="rect">
+            <a:avLst/>
+          </a:prstGeom>
+          <a:noFill/>
+          <a:extLst>
+            <a:ext uri="{909E8E84-426E-40DD-AFC4-6F175D3DCCD1}">
+              <a14:hiddenFill xmlns:a14="http://schemas.microsoft.com/office/drawing/2010/main">
+                <a:solidFill>
+                  <a:srgbClr val="FFFFFF"/>
+                </a:solidFill>
+              </a14:hiddenFill>
+            </a:ext>
+          </a:extLst>
+        </p:spPr>
+      </p:pic>
+      <p:sp>
+        <p:nvSpPr>
+          <p:cNvPr id="3" name="テキスト ボックス 2">
+            <a:extLst>
+              <a:ext uri="{FF2B5EF4-FFF2-40B4-BE49-F238E27FC236}">
+                <a16:creationId xmlns:a16="http://schemas.microsoft.com/office/drawing/2014/main" id="{303A859F-F73B-4AFA-9984-840E0DF037E6}"/>
+              </a:ext>
+            </a:extLst>
+          </p:cNvPr>
+          <p:cNvSpPr txBox="1"/>
+          <p:nvPr/>
+        </p:nvSpPr>
+        <p:spPr>
+          <a:xfrm>
+            <a:off x="838200" y="2133600"/>
+            <a:ext cx="6839454" cy="369332"/>
+          </a:xfrm>
+          <a:prstGeom prst="rect">
+            <a:avLst/>
+          </a:prstGeom>
+          <a:noFill/>
+        </p:spPr>
+        <p:txBody>
+          <a:bodyPr wrap="square" rtlCol="0">
+            <a:spAutoFit/>
+          </a:bodyPr>
+          <a:lstStyle/>
+          <a:p>
+            <a:r>
+              <a:rPr kumimoji="1" lang="ja-JP" altLang="en-US" dirty="0"/>
+              <a:t>結果出力ページに</a:t>
+            </a:r>
+            <a:r>
+              <a:rPr kumimoji="1" lang="en-US" altLang="ja-JP" dirty="0"/>
+              <a:t>AI</a:t>
+            </a:r>
+            <a:r>
+              <a:rPr kumimoji="1" lang="ja-JP" altLang="en-US" dirty="0"/>
+              <a:t>が作った曲が送信されているのでそこで聴く</a:t>
+            </a:r>
+            <a:endParaRPr kumimoji="1" lang="en-US" altLang="ja-JP" dirty="0"/>
+          </a:p>
+        </p:txBody>
+      </p:sp>
+    </p:spTree>
+    <p:extLst>
+      <p:ext uri="{BB962C8B-B14F-4D97-AF65-F5344CB8AC3E}">
+        <p14:creationId xmlns:p14="http://schemas.microsoft.com/office/powerpoint/2010/main" val="1365571805"/>
+      </p:ext>
+    </p:extLst>
+  </p:cSld>
+  <p:clrMapOvr>
+    <a:masterClrMapping/>
+  </p:clrMapOvr>
+  <mc:AlternateContent xmlns:mc="http://schemas.openxmlformats.org/markup-compatibility/2006">
+    <mc:Choice xmlns:p14="http://schemas.microsoft.com/office/powerpoint/2010/main" Requires="p14">
+      <p:transition spd="slow" p14:dur="800">
+        <p:circle/>
+      </p:transition>
+    </mc:Choice>
+    <mc:Fallback>
+      <p:transition spd="slow">
+        <p:circle/>
+      </p:transition>
+    </mc:Fallback>
+  </mc:AlternateContent>
 </p:sld>
 </file>
 
@@ -5983,7 +6170,7 @@
           <p:cNvPr id="2" name="タイトル 1">
             <a:extLst>
               <a:ext uri="{FF2B5EF4-FFF2-40B4-BE49-F238E27FC236}">
-                <a16:creationId xmlns:a16="http://schemas.microsoft.com/office/drawing/2014/main" id="{B98D4EF6-5120-48AF-A809-A52ED0E626CD}"/>
+                <a16:creationId xmlns:a16="http://schemas.microsoft.com/office/drawing/2014/main" id="{C3174454-D844-4A22-BF34-332BED72D544}"/>
               </a:ext>
             </a:extLst>
           </p:cNvPr>
@@ -5996,8 +6183,8 @@
         </p:nvSpPr>
         <p:spPr>
           <a:xfrm>
-            <a:off x="746620" y="544740"/>
-            <a:ext cx="9753600" cy="725714"/>
+            <a:off x="875727" y="310202"/>
+            <a:ext cx="9144000" cy="1314450"/>
           </a:xfrm>
         </p:spPr>
         <p:txBody>
@@ -6008,129 +6195,142 @@
           <a:p>
             <a:pPr algn="l"/>
             <a:r>
-              <a:rPr lang="en-US" altLang="ja-JP" sz="4400" dirty="0"/>
-              <a:t>2. </a:t>
-            </a:r>
-            <a:r>
-              <a:rPr lang="ja-JP" altLang="en-US" sz="4400" dirty="0"/>
-              <a:t>音楽を作成したら送信</a:t>
-            </a:r>
-            <a:endParaRPr kumimoji="1" lang="ja-JP" altLang="en-US" sz="4400" dirty="0"/>
-          </a:p>
-        </p:txBody>
-      </p:sp>
-      <p:pic>
-        <p:nvPicPr>
-          <p:cNvPr id="4" name="図 3">
-            <a:extLst>
-              <a:ext uri="{FF2B5EF4-FFF2-40B4-BE49-F238E27FC236}">
-                <a16:creationId xmlns:a16="http://schemas.microsoft.com/office/drawing/2014/main" id="{76D22365-2E7A-4AA3-B447-0D4DDDF3316F}"/>
-              </a:ext>
-            </a:extLst>
-          </p:cNvPr>
-          <p:cNvPicPr>
-            <a:picLocks noChangeAspect="1"/>
-          </p:cNvPicPr>
+              <a:rPr kumimoji="1" lang="en-US" altLang="ja-JP" dirty="0"/>
+              <a:t>AI</a:t>
+            </a:r>
+            <a:r>
+              <a:rPr kumimoji="1" lang="ja-JP" altLang="en-US" dirty="0"/>
+              <a:t>の学習</a:t>
+            </a:r>
+          </a:p>
+        </p:txBody>
+      </p:sp>
+      <p:sp>
+        <p:nvSpPr>
+          <p:cNvPr id="4" name="テキスト ボックス 3">
+            <a:extLst>
+              <a:ext uri="{FF2B5EF4-FFF2-40B4-BE49-F238E27FC236}">
+                <a16:creationId xmlns:a16="http://schemas.microsoft.com/office/drawing/2014/main" id="{049B4402-B3E7-4BF5-A2EC-DDBCFFE4FB80}"/>
+              </a:ext>
+            </a:extLst>
+          </p:cNvPr>
+          <p:cNvSpPr txBox="1"/>
           <p:nvPr/>
-        </p:nvPicPr>
-        <p:blipFill>
-          <a:blip r:embed="rId2"/>
-          <a:stretch>
-            <a:fillRect/>
-          </a:stretch>
-        </p:blipFill>
+        </p:nvSpPr>
         <p:spPr>
           <a:xfrm>
-            <a:off x="9191752" y="4102217"/>
-            <a:ext cx="2491316" cy="2211043"/>
+            <a:off x="875727" y="2104824"/>
+            <a:ext cx="10527632" cy="2677656"/>
           </a:xfrm>
           <a:prstGeom prst="rect">
             <a:avLst/>
           </a:prstGeom>
+          <a:noFill/>
         </p:spPr>
-      </p:pic>
-      <p:sp>
-        <p:nvSpPr>
-          <p:cNvPr id="3" name="字幕 2">
-            <a:extLst>
-              <a:ext uri="{FF2B5EF4-FFF2-40B4-BE49-F238E27FC236}">
-                <a16:creationId xmlns:a16="http://schemas.microsoft.com/office/drawing/2014/main" id="{669F5AD6-3C89-41C5-84E5-32AF89199F8C}"/>
-              </a:ext>
-            </a:extLst>
-          </p:cNvPr>
-          <p:cNvSpPr>
-            <a:spLocks noGrp="1"/>
-          </p:cNvSpPr>
-          <p:nvPr>
-            <p:ph type="subTitle" idx="1"/>
-          </p:nvPr>
-        </p:nvSpPr>
-        <p:spPr>
-          <a:xfrm>
-            <a:off x="3014663" y="3020294"/>
-            <a:ext cx="4572000" cy="725713"/>
-          </a:xfrm>
-        </p:spPr>
-        <p:txBody>
-          <a:bodyPr>
-            <a:normAutofit/>
+        <p:txBody>
+          <a:bodyPr wrap="square" rtlCol="0">
+            <a:spAutoFit/>
           </a:bodyPr>
           <a:lstStyle/>
           <a:p>
-            <a:pPr algn="l"/>
-            <a:r>
-              <a:rPr kumimoji="1" lang="ja-JP" altLang="en-US" b="1" dirty="0"/>
-              <a:t>を押す</a:t>
-            </a:r>
-          </a:p>
-        </p:txBody>
-      </p:sp>
-      <p:pic>
-        <p:nvPicPr>
-          <p:cNvPr id="6" name="図 5">
-            <a:extLst>
-              <a:ext uri="{FF2B5EF4-FFF2-40B4-BE49-F238E27FC236}">
-                <a16:creationId xmlns:a16="http://schemas.microsoft.com/office/drawing/2014/main" id="{834CDCC0-B381-4919-8609-03FC93929CF5}"/>
-              </a:ext>
-            </a:extLst>
-          </p:cNvPr>
-          <p:cNvPicPr>
-            <a:picLocks noChangeAspect="1"/>
-          </p:cNvPicPr>
-          <p:nvPr/>
-        </p:nvPicPr>
-        <p:blipFill>
-          <a:blip r:embed="rId3">
-            <a:extLst>
-              <a:ext uri="{28A0092B-C50C-407E-A947-70E740481C1C}">
-                <a14:useLocalDpi xmlns:a14="http://schemas.microsoft.com/office/drawing/2010/main" val="0"/>
-              </a:ext>
-            </a:extLst>
-          </a:blip>
-          <a:stretch>
-            <a:fillRect/>
-          </a:stretch>
-        </p:blipFill>
-        <p:spPr>
-          <a:xfrm>
-            <a:off x="1524000" y="2531343"/>
-            <a:ext cx="1490663" cy="851807"/>
-          </a:xfrm>
-          <a:prstGeom prst="rect">
-            <a:avLst/>
-          </a:prstGeom>
-        </p:spPr>
-      </p:pic>
+            <a:pPr marL="342900" indent="-342900">
+              <a:buFont typeface="Arial" panose="020B0604020202020204" pitchFamily="34" charset="0"/>
+              <a:buChar char="•"/>
+            </a:pPr>
+            <a:r>
+              <a:rPr lang="ja-JP" altLang="en-US" sz="2400" dirty="0"/>
+              <a:t>ゲーム音楽の</a:t>
+            </a:r>
+            <a:r>
+              <a:rPr lang="en-US" altLang="ja-JP" sz="2400" dirty="0"/>
+              <a:t>midi</a:t>
+            </a:r>
+            <a:r>
+              <a:rPr lang="ja-JP" altLang="en-US" sz="2400" dirty="0"/>
+              <a:t>のなかに出現するドやレなどの音を学習</a:t>
+            </a:r>
+            <a:endParaRPr lang="en-US" altLang="ja-JP" sz="2400" dirty="0"/>
+          </a:p>
+          <a:p>
+            <a:pPr marL="342900" indent="-342900">
+              <a:buFont typeface="Arial" panose="020B0604020202020204" pitchFamily="34" charset="0"/>
+              <a:buChar char="•"/>
+            </a:pPr>
+            <a:endParaRPr lang="en-US" altLang="ja-JP" sz="2400" dirty="0"/>
+          </a:p>
+          <a:p>
+            <a:pPr marL="342900" indent="-342900">
+              <a:buFont typeface="Arial" panose="020B0604020202020204" pitchFamily="34" charset="0"/>
+              <a:buChar char="•"/>
+            </a:pPr>
+            <a:r>
+              <a:rPr lang="ja-JP" altLang="en-US" sz="2400" dirty="0"/>
+              <a:t>音のパターンを学習してそれに合わせるよう作曲できるようになる</a:t>
+            </a:r>
+            <a:endParaRPr lang="en-US" altLang="ja-JP" sz="2400" dirty="0"/>
+          </a:p>
+          <a:p>
+            <a:pPr marL="342900" indent="-342900">
+              <a:buFont typeface="Arial" panose="020B0604020202020204" pitchFamily="34" charset="0"/>
+              <a:buChar char="•"/>
+            </a:pPr>
+            <a:endParaRPr lang="en-US" altLang="ja-JP" sz="2400" dirty="0"/>
+          </a:p>
+          <a:p>
+            <a:pPr marL="342900" indent="-342900">
+              <a:buFont typeface="Arial" panose="020B0604020202020204" pitchFamily="34" charset="0"/>
+              <a:buChar char="•"/>
+            </a:pPr>
+            <a:r>
+              <a:rPr lang="en-US" altLang="ja-JP" sz="2400" dirty="0"/>
+              <a:t>LSTM</a:t>
+            </a:r>
+            <a:r>
+              <a:rPr lang="ja-JP" altLang="en-US" sz="2400" dirty="0"/>
+              <a:t>を用いた</a:t>
+            </a:r>
+            <a:r>
+              <a:rPr lang="en-US" altLang="ja-JP" sz="2400" dirty="0"/>
+              <a:t>DNN</a:t>
+            </a:r>
+            <a:r>
+              <a:rPr lang="ja-JP" altLang="en-US" sz="2400" dirty="0"/>
+              <a:t>で実装する</a:t>
+            </a:r>
+            <a:endParaRPr lang="en-US" altLang="ja-JP" sz="2400" dirty="0"/>
+          </a:p>
+          <a:p>
+            <a:pPr lvl="1"/>
+            <a:endParaRPr lang="en-US" altLang="ja-JP" sz="2400" dirty="0"/>
+          </a:p>
+          <a:p>
+            <a:pPr lvl="1"/>
+            <a:endParaRPr lang="en-US" altLang="ja-JP" sz="2400" dirty="0"/>
+          </a:p>
+        </p:txBody>
+      </p:sp>
     </p:spTree>
     <p:extLst>
       <p:ext uri="{BB962C8B-B14F-4D97-AF65-F5344CB8AC3E}">
-        <p14:creationId xmlns:p14="http://schemas.microsoft.com/office/powerpoint/2010/main" val="1212562186"/>
+        <p14:creationId xmlns:p14="http://schemas.microsoft.com/office/powerpoint/2010/main" val="545056453"/>
       </p:ext>
     </p:extLst>
   </p:cSld>
   <p:clrMapOvr>
     <a:masterClrMapping/>
   </p:clrMapOvr>
+  <mc:AlternateContent xmlns:mc="http://schemas.openxmlformats.org/markup-compatibility/2006">
+    <mc:Choice xmlns:p14="http://schemas.microsoft.com/office/powerpoint/2010/main" Requires="p14">
+      <p:transition spd="slow" p14:dur="800">
+        <p:circle/>
+      </p:transition>
+    </mc:Choice>
+    <mc:Fallback>
+      <p:transition spd="slow">
+        <p:circle/>
+      </p:transition>
+    </mc:Fallback>
+  </mc:AlternateContent>
 </p:sld>
 </file>
 
@@ -6156,145 +6356,95 @@
           <p:cNvPr id="2" name="タイトル 1">
             <a:extLst>
               <a:ext uri="{FF2B5EF4-FFF2-40B4-BE49-F238E27FC236}">
-                <a16:creationId xmlns:a16="http://schemas.microsoft.com/office/drawing/2014/main" id="{7E010509-19ED-4780-87CA-EA30FCFE19B2}"/>
-              </a:ext>
-            </a:extLst>
-          </p:cNvPr>
-          <p:cNvSpPr>
-            <a:spLocks noGrp="1"/>
-          </p:cNvSpPr>
-          <p:nvPr>
-            <p:ph type="title"/>
+                <a16:creationId xmlns:a16="http://schemas.microsoft.com/office/drawing/2014/main" id="{F3684142-10EA-4764-B9B7-28F84F0E15A3}"/>
+              </a:ext>
+            </a:extLst>
+          </p:cNvPr>
+          <p:cNvSpPr>
+            <a:spLocks noGrp="1"/>
+          </p:cNvSpPr>
+          <p:nvPr>
+            <p:ph type="ctrTitle"/>
           </p:nvPr>
         </p:nvSpPr>
         <p:spPr>
           <a:xfrm>
-            <a:off x="838200" y="452790"/>
-            <a:ext cx="10515600" cy="818233"/>
+            <a:off x="383098" y="704675"/>
+            <a:ext cx="9144000" cy="744890"/>
           </a:xfrm>
         </p:spPr>
         <p:txBody>
-          <a:bodyPr/>
-          <a:lstStyle/>
-          <a:p>
-            <a:r>
-              <a:rPr lang="en-US" altLang="ja-JP" dirty="0"/>
-              <a:t>3. </a:t>
-            </a:r>
-            <a:r>
-              <a:rPr lang="ja-JP" altLang="en-US" dirty="0"/>
-              <a:t>音楽</a:t>
-            </a:r>
-            <a:r>
-              <a:rPr kumimoji="1" lang="ja-JP" altLang="en-US" dirty="0"/>
-              <a:t>を再生する</a:t>
-            </a:r>
-          </a:p>
-        </p:txBody>
-      </p:sp>
-      <p:pic>
-        <p:nvPicPr>
-          <p:cNvPr id="1026" name="Picture 2" descr="https://3.bp.blogspot.com/-XKyHG9ipUuk/WxvKRN9CeYI/AAAAAAABMn8/usJ7TuHvS4s8Qff7wFV6iY6vtRwM3bQwgCLcBGAs/s800/music_headphone_man.png">
-            <a:extLst>
-              <a:ext uri="{FF2B5EF4-FFF2-40B4-BE49-F238E27FC236}">
-                <a16:creationId xmlns:a16="http://schemas.microsoft.com/office/drawing/2014/main" id="{90179A9D-4B3E-42C8-AA08-6A33D117B268}"/>
-              </a:ext>
-            </a:extLst>
-          </p:cNvPr>
-          <p:cNvPicPr>
-            <a:picLocks noGrp="1" noChangeAspect="1" noChangeArrowheads="1"/>
-          </p:cNvPicPr>
-          <p:nvPr>
-            <p:ph idx="1"/>
-          </p:nvPr>
-        </p:nvPicPr>
-        <p:blipFill>
-          <a:blip r:embed="rId2">
-            <a:extLst>
-              <a:ext uri="{28A0092B-C50C-407E-A947-70E740481C1C}">
-                <a14:useLocalDpi xmlns:a14="http://schemas.microsoft.com/office/drawing/2010/main" val="0"/>
-              </a:ext>
-            </a:extLst>
-          </a:blip>
-          <a:srcRect/>
-          <a:stretch>
-            <a:fillRect/>
-          </a:stretch>
-        </p:blipFill>
-        <p:spPr bwMode="auto">
-          <a:xfrm>
-            <a:off x="7677654" y="2506662"/>
-            <a:ext cx="4514346" cy="4351338"/>
-          </a:xfrm>
-          <a:prstGeom prst="rect">
-            <a:avLst/>
-          </a:prstGeom>
-          <a:noFill/>
-          <a:extLst>
-            <a:ext uri="{909E8E84-426E-40DD-AFC4-6F175D3DCCD1}">
-              <a14:hiddenFill xmlns:a14="http://schemas.microsoft.com/office/drawing/2010/main">
-                <a:solidFill>
-                  <a:srgbClr val="FFFFFF"/>
-                </a:solidFill>
-              </a14:hiddenFill>
-            </a:ext>
-          </a:extLst>
-        </p:spPr>
-      </p:pic>
-      <p:sp>
-        <p:nvSpPr>
-          <p:cNvPr id="3" name="テキスト ボックス 2">
-            <a:extLst>
-              <a:ext uri="{FF2B5EF4-FFF2-40B4-BE49-F238E27FC236}">
-                <a16:creationId xmlns:a16="http://schemas.microsoft.com/office/drawing/2014/main" id="{303A859F-F73B-4AFA-9984-840E0DF037E6}"/>
-              </a:ext>
-            </a:extLst>
-          </p:cNvPr>
-          <p:cNvSpPr txBox="1"/>
-          <p:nvPr/>
+          <a:bodyPr>
+            <a:normAutofit/>
+          </a:bodyPr>
+          <a:lstStyle/>
+          <a:p>
+            <a:pPr algn="l"/>
+            <a:r>
+              <a:rPr kumimoji="1" lang="en-US" altLang="ja-JP" sz="4400" dirty="0"/>
+              <a:t>DNN</a:t>
+            </a:r>
+            <a:r>
+              <a:rPr kumimoji="1" lang="ja-JP" altLang="en-US" sz="4400" dirty="0"/>
+              <a:t>について</a:t>
+            </a:r>
+          </a:p>
+        </p:txBody>
+      </p:sp>
+      <p:sp>
+        <p:nvSpPr>
+          <p:cNvPr id="3" name="字幕 2">
+            <a:extLst>
+              <a:ext uri="{FF2B5EF4-FFF2-40B4-BE49-F238E27FC236}">
+                <a16:creationId xmlns:a16="http://schemas.microsoft.com/office/drawing/2014/main" id="{7BE7E29D-D287-41A0-BA39-82F258B16C0C}"/>
+              </a:ext>
+            </a:extLst>
+          </p:cNvPr>
+          <p:cNvSpPr>
+            <a:spLocks noGrp="1"/>
+          </p:cNvSpPr>
+          <p:nvPr>
+            <p:ph type="subTitle" idx="1"/>
+          </p:nvPr>
         </p:nvSpPr>
         <p:spPr>
           <a:xfrm>
-            <a:off x="838200" y="2133600"/>
-            <a:ext cx="6839454" cy="369332"/>
+            <a:off x="1524000" y="2583543"/>
+            <a:ext cx="9144000" cy="3656835"/>
           </a:xfrm>
-          <a:prstGeom prst="rect">
-            <a:avLst/>
-          </a:prstGeom>
-          <a:noFill/>
         </p:spPr>
         <p:txBody>
-          <a:bodyPr wrap="square" rtlCol="0">
-            <a:spAutoFit/>
+          <a:bodyPr>
+            <a:normAutofit/>
           </a:bodyPr>
           <a:lstStyle/>
           <a:p>
-            <a:r>
-              <a:rPr kumimoji="1" lang="ja-JP" altLang="en-US" dirty="0"/>
-              <a:t>結果出力ページに</a:t>
-            </a:r>
-            <a:r>
-              <a:rPr kumimoji="1" lang="en-US" altLang="ja-JP" dirty="0"/>
-              <a:t>AI</a:t>
-            </a:r>
-            <a:r>
-              <a:rPr kumimoji="1" lang="ja-JP" altLang="en-US" dirty="0"/>
-              <a:t>が作った曲が送信されているのでそこで聴く</a:t>
-            </a:r>
-            <a:endParaRPr kumimoji="1" lang="en-US" altLang="ja-JP" dirty="0"/>
+            <a:endParaRPr kumimoji="1" lang="ja-JP" altLang="en-US" dirty="0"/>
           </a:p>
         </p:txBody>
       </p:sp>
     </p:spTree>
     <p:extLst>
       <p:ext uri="{BB962C8B-B14F-4D97-AF65-F5344CB8AC3E}">
-        <p14:creationId xmlns:p14="http://schemas.microsoft.com/office/powerpoint/2010/main" val="1365571805"/>
+        <p14:creationId xmlns:p14="http://schemas.microsoft.com/office/powerpoint/2010/main" val="1515653326"/>
       </p:ext>
     </p:extLst>
   </p:cSld>
   <p:clrMapOvr>
     <a:masterClrMapping/>
   </p:clrMapOvr>
+  <mc:AlternateContent xmlns:mc="http://schemas.openxmlformats.org/markup-compatibility/2006">
+    <mc:Choice xmlns:p14="http://schemas.microsoft.com/office/powerpoint/2010/main" Requires="p14">
+      <p:transition spd="slow" p14:dur="800">
+        <p:circle/>
+      </p:transition>
+    </mc:Choice>
+    <mc:Fallback>
+      <p:transition spd="slow">
+        <p:circle/>
+      </p:transition>
+    </mc:Fallback>
+  </mc:AlternateContent>
 </p:sld>
 </file>
 
@@ -6320,155 +6470,109 @@
           <p:cNvPr id="2" name="タイトル 1">
             <a:extLst>
               <a:ext uri="{FF2B5EF4-FFF2-40B4-BE49-F238E27FC236}">
-                <a16:creationId xmlns:a16="http://schemas.microsoft.com/office/drawing/2014/main" id="{C3174454-D844-4A22-BF34-332BED72D544}"/>
-              </a:ext>
-            </a:extLst>
-          </p:cNvPr>
-          <p:cNvSpPr>
-            <a:spLocks noGrp="1"/>
-          </p:cNvSpPr>
-          <p:nvPr>
-            <p:ph type="ctrTitle"/>
+                <a16:creationId xmlns:a16="http://schemas.microsoft.com/office/drawing/2014/main" id="{E4883A0A-8D8C-4B9C-B52B-0F6D514B04E0}"/>
+              </a:ext>
+            </a:extLst>
+          </p:cNvPr>
+          <p:cNvSpPr>
+            <a:spLocks noGrp="1"/>
+          </p:cNvSpPr>
+          <p:nvPr>
+            <p:ph type="title"/>
+          </p:nvPr>
+        </p:nvSpPr>
+        <p:spPr/>
+        <p:txBody>
+          <a:bodyPr/>
+          <a:lstStyle/>
+          <a:p>
+            <a:r>
+              <a:rPr kumimoji="1" lang="en-US" altLang="ja-JP" dirty="0"/>
+              <a:t>LSTM</a:t>
+            </a:r>
+            <a:r>
+              <a:rPr kumimoji="1" lang="ja-JP" altLang="en-US" dirty="0"/>
+              <a:t>について</a:t>
+            </a:r>
+          </a:p>
+        </p:txBody>
+      </p:sp>
+      <p:sp>
+        <p:nvSpPr>
+          <p:cNvPr id="3" name="コンテンツ プレースホルダー 2">
+            <a:extLst>
+              <a:ext uri="{FF2B5EF4-FFF2-40B4-BE49-F238E27FC236}">
+                <a16:creationId xmlns:a16="http://schemas.microsoft.com/office/drawing/2014/main" id="{9AB6985F-E57D-4069-BD74-D0C7F1F9B720}"/>
+              </a:ext>
+            </a:extLst>
+          </p:cNvPr>
+          <p:cNvSpPr>
+            <a:spLocks noGrp="1"/>
+          </p:cNvSpPr>
+          <p:nvPr>
+            <p:ph idx="1"/>
           </p:nvPr>
         </p:nvSpPr>
         <p:spPr>
           <a:xfrm>
-            <a:off x="875727" y="310202"/>
-            <a:ext cx="9144000" cy="1314450"/>
+            <a:off x="1393371" y="1901372"/>
+            <a:ext cx="8824686" cy="3817258"/>
           </a:xfrm>
         </p:spPr>
         <p:txBody>
-          <a:bodyPr>
-            <a:normAutofit/>
-          </a:bodyPr>
-          <a:lstStyle/>
-          <a:p>
-            <a:pPr algn="l"/>
-            <a:r>
-              <a:rPr kumimoji="1" lang="en-US" altLang="ja-JP" dirty="0"/>
-              <a:t>AI</a:t>
-            </a:r>
-            <a:r>
-              <a:rPr kumimoji="1" lang="ja-JP" altLang="en-US" dirty="0"/>
-              <a:t>の学習</a:t>
-            </a:r>
-          </a:p>
-        </p:txBody>
-      </p:sp>
-      <p:sp>
-        <p:nvSpPr>
-          <p:cNvPr id="4" name="テキスト ボックス 3">
-            <a:extLst>
-              <a:ext uri="{FF2B5EF4-FFF2-40B4-BE49-F238E27FC236}">
-                <a16:creationId xmlns:a16="http://schemas.microsoft.com/office/drawing/2014/main" id="{049B4402-B3E7-4BF5-A2EC-DDBCFFE4FB80}"/>
-              </a:ext>
-            </a:extLst>
-          </p:cNvPr>
-          <p:cNvSpPr txBox="1"/>
-          <p:nvPr/>
-        </p:nvSpPr>
-        <p:spPr>
-          <a:xfrm>
-            <a:off x="875727" y="2104824"/>
-            <a:ext cx="10527632" cy="2677656"/>
-          </a:xfrm>
-          <a:prstGeom prst="rect">
-            <a:avLst/>
-          </a:prstGeom>
-          <a:noFill/>
-        </p:spPr>
-        <p:txBody>
-          <a:bodyPr wrap="square" rtlCol="0">
-            <a:spAutoFit/>
-          </a:bodyPr>
-          <a:lstStyle/>
-          <a:p>
-            <a:pPr marL="342900" indent="-342900">
-              <a:buFont typeface="Arial" panose="020B0604020202020204" pitchFamily="34" charset="0"/>
-              <a:buChar char="•"/>
-            </a:pPr>
-            <a:r>
-              <a:rPr lang="ja-JP" altLang="en-US" sz="2400" dirty="0"/>
-              <a:t>ゲーム音楽の</a:t>
-            </a:r>
-            <a:r>
-              <a:rPr lang="en-US" altLang="ja-JP" sz="2400" dirty="0"/>
-              <a:t>midi</a:t>
-            </a:r>
-            <a:r>
-              <a:rPr lang="ja-JP" altLang="en-US" sz="2400" dirty="0"/>
-              <a:t>のなかに出現するドやレなどの音を学習</a:t>
-            </a:r>
-            <a:endParaRPr lang="en-US" altLang="ja-JP" sz="2400" dirty="0"/>
-          </a:p>
-          <a:p>
-            <a:pPr marL="342900" indent="-342900">
-              <a:buFont typeface="Arial" panose="020B0604020202020204" pitchFamily="34" charset="0"/>
-              <a:buChar char="•"/>
-            </a:pPr>
-            <a:endParaRPr lang="en-US" altLang="ja-JP" sz="2400" dirty="0"/>
-          </a:p>
-          <a:p>
-            <a:pPr marL="342900" indent="-342900">
-              <a:buFont typeface="Arial" panose="020B0604020202020204" pitchFamily="34" charset="0"/>
-              <a:buChar char="•"/>
-            </a:pPr>
-            <a:r>
-              <a:rPr lang="ja-JP" altLang="en-US" sz="2400" dirty="0"/>
-              <a:t>音のパターンを学習してそれに合わせるよう作曲できるようになる</a:t>
-            </a:r>
-            <a:endParaRPr lang="en-US" altLang="ja-JP" sz="2400" dirty="0"/>
-          </a:p>
-          <a:p>
-            <a:pPr marL="342900" indent="-342900">
-              <a:buFont typeface="Arial" panose="020B0604020202020204" pitchFamily="34" charset="0"/>
-              <a:buChar char="•"/>
-            </a:pPr>
-            <a:endParaRPr lang="en-US" altLang="ja-JP" sz="2400" dirty="0"/>
-          </a:p>
-          <a:p>
-            <a:pPr marL="342900" indent="-342900">
-              <a:buFont typeface="Arial" panose="020B0604020202020204" pitchFamily="34" charset="0"/>
-              <a:buChar char="•"/>
-            </a:pPr>
-            <a:r>
-              <a:rPr lang="en-US" altLang="ja-JP" sz="2400" dirty="0"/>
-              <a:t>LSTM</a:t>
-            </a:r>
-            <a:r>
-              <a:rPr lang="ja-JP" altLang="en-US" sz="2400" dirty="0"/>
-              <a:t>を用いた</a:t>
-            </a:r>
-            <a:r>
-              <a:rPr lang="en-US" altLang="ja-JP" sz="2400" dirty="0"/>
-              <a:t>DNN</a:t>
-            </a:r>
-            <a:r>
-              <a:rPr lang="ja-JP" altLang="en-US" sz="2400" dirty="0"/>
-              <a:t>で実装する</a:t>
-            </a:r>
-            <a:endParaRPr lang="en-US" altLang="ja-JP" sz="2400" dirty="0"/>
-          </a:p>
-          <a:p>
-            <a:pPr lvl="1"/>
-            <a:endParaRPr lang="en-US" altLang="ja-JP" sz="2400" dirty="0"/>
-          </a:p>
-          <a:p>
-            <a:pPr lvl="1"/>
-            <a:endParaRPr lang="en-US" altLang="ja-JP" sz="2400" dirty="0"/>
+          <a:bodyPr/>
+          <a:lstStyle/>
+          <a:p>
+            <a:r>
+              <a:rPr lang="en-US" altLang="ja-JP" dirty="0"/>
+              <a:t>LSTM </a:t>
+            </a:r>
+            <a:r>
+              <a:rPr lang="ja-JP" altLang="en-US" dirty="0"/>
+              <a:t>（</a:t>
+            </a:r>
+            <a:r>
+              <a:rPr lang="en-US" altLang="ja-JP" dirty="0"/>
+              <a:t>Long Short-Term Memory: </a:t>
+            </a:r>
+            <a:r>
+              <a:rPr lang="ja-JP" altLang="en-US" dirty="0"/>
+              <a:t>長・短期記憶）ネットワークは、</a:t>
+            </a:r>
+            <a:r>
+              <a:rPr lang="en-US" altLang="ja-JP" dirty="0"/>
+              <a:t>RNN</a:t>
+            </a:r>
+            <a:r>
+              <a:rPr lang="ja-JP" altLang="en-US" dirty="0"/>
+              <a:t>（再帰型 ニューラルネットワーク） の一種です。</a:t>
+            </a:r>
+            <a:endParaRPr kumimoji="1" lang="ja-JP" altLang="en-US" dirty="0"/>
           </a:p>
         </p:txBody>
       </p:sp>
     </p:spTree>
     <p:extLst>
       <p:ext uri="{BB962C8B-B14F-4D97-AF65-F5344CB8AC3E}">
-        <p14:creationId xmlns:p14="http://schemas.microsoft.com/office/powerpoint/2010/main" val="545056453"/>
+        <p14:creationId xmlns:p14="http://schemas.microsoft.com/office/powerpoint/2010/main" val="2660890987"/>
       </p:ext>
     </p:extLst>
   </p:cSld>
   <p:clrMapOvr>
     <a:masterClrMapping/>
   </p:clrMapOvr>
+  <mc:AlternateContent xmlns:mc="http://schemas.openxmlformats.org/markup-compatibility/2006">
+    <mc:Choice xmlns:p14="http://schemas.microsoft.com/office/powerpoint/2010/main" Requires="p14">
+      <p:transition spd="slow" p14:dur="800">
+        <p:circle/>
+      </p:transition>
+    </mc:Choice>
+    <mc:Fallback>
+      <p:transition spd="slow">
+        <p:circle/>
+      </p:transition>
+    </mc:Fallback>
+  </mc:AlternateContent>
 </p:sld>
 </file>
 

--- a/presentation/bit Composer.pptx
+++ b/presentation/bit Composer.pptx
@@ -5,7 +5,7 @@
     <p:sldMasterId id="2147483696" r:id="rId1"/>
   </p:sldMasterIdLst>
   <p:notesMasterIdLst>
-    <p:notesMasterId r:id="rId14"/>
+    <p:notesMasterId r:id="rId15"/>
   </p:notesMasterIdLst>
   <p:sldIdLst>
     <p:sldId id="259" r:id="rId2"/>
@@ -17,9 +17,10 @@
     <p:sldId id="262" r:id="rId8"/>
     <p:sldId id="263" r:id="rId9"/>
     <p:sldId id="269" r:id="rId10"/>
-    <p:sldId id="277" r:id="rId11"/>
-    <p:sldId id="265" r:id="rId12"/>
-    <p:sldId id="266" r:id="rId13"/>
+    <p:sldId id="278" r:id="rId11"/>
+    <p:sldId id="279" r:id="rId12"/>
+    <p:sldId id="265" r:id="rId13"/>
+    <p:sldId id="266" r:id="rId14"/>
   </p:sldIdLst>
   <p:sldSz cx="12192000" cy="6858000"/>
   <p:notesSz cx="6858000" cy="9144000"/>
@@ -128,7 +129,7 @@
 
 <file path=ppt/commentAuthors.xml><?xml version="1.0" encoding="utf-8"?>
 <p:cmAuthorLst xmlns:a="http://schemas.openxmlformats.org/drawingml/2006/main" xmlns:r="http://schemas.openxmlformats.org/officeDocument/2006/relationships" xmlns:p="http://schemas.openxmlformats.org/presentationml/2006/main">
-  <p:cmAuthor id="1" name="吉川 孟志" initials="吉川" lastIdx="1" clrIdx="0">
+  <p:cmAuthor id="1" name="吉川 孟志" initials="吉川" lastIdx="4" clrIdx="0">
     <p:extLst>
       <p:ext uri="{19B8F6BF-5375-455C-9EA6-DF929625EA0E}">
         <p15:presenceInfo xmlns:p15="http://schemas.microsoft.com/office/powerpoint/2012/main" userId="S-1-5-21-4206470692-4146437883-2304300903-2492" providerId="AD"/>
@@ -140,10 +141,52 @@
 
 <file path=ppt/comments/comment1.xml><?xml version="1.0" encoding="utf-8"?>
 <p:cmLst xmlns:a="http://schemas.openxmlformats.org/drawingml/2006/main" xmlns:r="http://schemas.openxmlformats.org/officeDocument/2006/relationships" xmlns:p="http://schemas.openxmlformats.org/presentationml/2006/main">
-  <p:cm authorId="1" dt="2021-10-05T13:50:07.738" idx="1">
-    <p:pos x="597" y="2802"/>
-    <p:text>ここにmidiの説明を入れる</p:text>
-    <p:extLst mod="1">
+  <p:cm authorId="1" dt="2021-10-06T10:23:15.467" idx="2">
+    <p:pos x="7435" y="26"/>
+    <p:text>図つける</p:text>
+    <p:extLst>
+      <p:ext uri="{C676402C-5697-4E1C-873F-D02D1690AC5C}">
+        <p15:threadingInfo xmlns:p15="http://schemas.microsoft.com/office/powerpoint/2012/main" timeZoneBias="-540"/>
+      </p:ext>
+    </p:extLst>
+  </p:cm>
+</p:cmLst>
+</file>
+
+<file path=ppt/comments/comment2.xml><?xml version="1.0" encoding="utf-8"?>
+<p:cmLst xmlns:a="http://schemas.openxmlformats.org/drawingml/2006/main" xmlns:r="http://schemas.openxmlformats.org/officeDocument/2006/relationships" xmlns:p="http://schemas.openxmlformats.org/presentationml/2006/main">
+  <p:cm authorId="1" dt="2021-10-06T10:23:47.699" idx="3">
+    <p:pos x="7427" y="34"/>
+    <p:text>図つける</p:text>
+    <p:extLst>
+      <p:ext uri="{C676402C-5697-4E1C-873F-D02D1690AC5C}">
+        <p15:threadingInfo xmlns:p15="http://schemas.microsoft.com/office/powerpoint/2012/main" timeZoneBias="-540"/>
+      </p:ext>
+    </p:extLst>
+  </p:cm>
+</p:cmLst>
+</file>
+
+<file path=ppt/comments/comment3.xml><?xml version="1.0" encoding="utf-8"?>
+<p:cmLst xmlns:a="http://schemas.openxmlformats.org/drawingml/2006/main" xmlns:r="http://schemas.openxmlformats.org/officeDocument/2006/relationships" xmlns:p="http://schemas.openxmlformats.org/presentationml/2006/main">
+  <p:cm authorId="1" dt="2021-10-06T10:23:47.699" idx="3">
+    <p:pos x="7427" y="34"/>
+    <p:text>図つける</p:text>
+    <p:extLst>
+      <p:ext uri="{C676402C-5697-4E1C-873F-D02D1690AC5C}">
+        <p15:threadingInfo xmlns:p15="http://schemas.microsoft.com/office/powerpoint/2012/main" timeZoneBias="-540"/>
+      </p:ext>
+    </p:extLst>
+  </p:cm>
+</p:cmLst>
+</file>
+
+<file path=ppt/comments/comment4.xml><?xml version="1.0" encoding="utf-8"?>
+<p:cmLst xmlns:a="http://schemas.openxmlformats.org/drawingml/2006/main" xmlns:r="http://schemas.openxmlformats.org/officeDocument/2006/relationships" xmlns:p="http://schemas.openxmlformats.org/presentationml/2006/main">
+  <p:cm authorId="1" dt="2021-10-06T14:31:02.285" idx="4">
+    <p:pos x="1029" y="2030"/>
+    <p:text>これからやることに変更</p:text>
+    <p:extLst>
       <p:ext uri="{C676402C-5697-4E1C-873F-D02D1690AC5C}">
         <p15:threadingInfo xmlns:p15="http://schemas.microsoft.com/office/powerpoint/2012/main" timeZoneBias="-540"/>
       </p:ext>
@@ -691,14 +734,7 @@
             </a:r>
             <a:r>
               <a:rPr kumimoji="1" lang="ja-JP" altLang="en-US" dirty="0"/>
-              <a:t>を使った自動作曲アプリです。ゲームに使われる音楽に雰囲気の似た曲を作曲します。</a:t>
-            </a:r>
-            <a:endParaRPr kumimoji="1" lang="en-US" altLang="ja-JP" dirty="0"/>
-          </a:p>
-          <a:p>
-            <a:r>
-              <a:rPr kumimoji="1" lang="ja-JP" altLang="en-US" dirty="0"/>
-              <a:t>例としてはスーパーマリオブラザーズやドラゴンクエストの曲などをほうふつとさせるような曲を作曲します。</a:t>
+              <a:t>を使った自動作曲アプリです。例としてはスーパーマリオブラザーズやドラゴンクエストの曲などをほうふつとさせるような曲を作曲します。</a:t>
             </a:r>
           </a:p>
         </p:txBody>
@@ -783,22 +819,7 @@
           <a:bodyPr/>
           <a:lstStyle/>
           <a:p>
-            <a:r>
-              <a:rPr kumimoji="1" lang="en-US" altLang="ja-JP" dirty="0"/>
-              <a:t>bit composer</a:t>
-            </a:r>
-            <a:r>
-              <a:rPr kumimoji="1" lang="ja-JP" altLang="en-US" dirty="0"/>
-              <a:t>は</a:t>
-            </a:r>
-            <a:r>
-              <a:rPr kumimoji="1" lang="en-US" altLang="ja-JP" dirty="0"/>
-              <a:t>Web</a:t>
-            </a:r>
-            <a:r>
-              <a:rPr kumimoji="1" lang="ja-JP" altLang="en-US" dirty="0"/>
-              <a:t>アプリケーションとして成り立っており、</a:t>
-            </a:r>
+            <a:endParaRPr kumimoji="1" lang="ja-JP" altLang="en-US" dirty="0"/>
           </a:p>
         </p:txBody>
       </p:sp>
@@ -1143,13 +1164,13 @@
   <p:clrMapOvr>
     <a:masterClrMapping/>
   </p:clrMapOvr>
-  <mc:AlternateContent xmlns:mc="http://schemas.openxmlformats.org/markup-compatibility/2006">
-    <mc:Choice xmlns:p14="http://schemas.microsoft.com/office/powerpoint/2010/main" Requires="p14">
+  <mc:AlternateContent xmlns:mc="http://schemas.openxmlformats.org/markup-compatibility/2006" xmlns:p14="http://schemas.microsoft.com/office/powerpoint/2010/main">
+    <mc:Choice Requires="p14">
       <p:transition spd="slow" p14:dur="800">
         <p:circle/>
       </p:transition>
     </mc:Choice>
-    <mc:Fallback>
+    <mc:Fallback xmlns="">
       <p:transition spd="slow">
         <p:circle/>
       </p:transition>
@@ -1385,13 +1406,13 @@
   <p:clrMapOvr>
     <a:masterClrMapping/>
   </p:clrMapOvr>
-  <mc:AlternateContent xmlns:mc="http://schemas.openxmlformats.org/markup-compatibility/2006">
-    <mc:Choice xmlns:p14="http://schemas.microsoft.com/office/powerpoint/2010/main" Requires="p14">
+  <mc:AlternateContent xmlns:mc="http://schemas.openxmlformats.org/markup-compatibility/2006" xmlns:p14="http://schemas.microsoft.com/office/powerpoint/2010/main">
+    <mc:Choice Requires="p14">
       <p:transition spd="slow" p14:dur="800">
         <p:circle/>
       </p:transition>
     </mc:Choice>
-    <mc:Fallback>
+    <mc:Fallback xmlns="">
       <p:transition spd="slow">
         <p:circle/>
       </p:transition>
@@ -1637,13 +1658,13 @@
   <p:clrMapOvr>
     <a:masterClrMapping/>
   </p:clrMapOvr>
-  <mc:AlternateContent xmlns:mc="http://schemas.openxmlformats.org/markup-compatibility/2006">
-    <mc:Choice xmlns:p14="http://schemas.microsoft.com/office/powerpoint/2010/main" Requires="p14">
+  <mc:AlternateContent xmlns:mc="http://schemas.openxmlformats.org/markup-compatibility/2006" xmlns:p14="http://schemas.microsoft.com/office/powerpoint/2010/main">
+    <mc:Choice Requires="p14">
       <p:transition spd="slow" p14:dur="800">
         <p:circle/>
       </p:transition>
     </mc:Choice>
-    <mc:Fallback>
+    <mc:Fallback xmlns="">
       <p:transition spd="slow">
         <p:circle/>
       </p:transition>
@@ -1879,13 +1900,13 @@
   <p:clrMapOvr>
     <a:masterClrMapping/>
   </p:clrMapOvr>
-  <mc:AlternateContent xmlns:mc="http://schemas.openxmlformats.org/markup-compatibility/2006">
-    <mc:Choice xmlns:p14="http://schemas.microsoft.com/office/powerpoint/2010/main" Requires="p14">
+  <mc:AlternateContent xmlns:mc="http://schemas.openxmlformats.org/markup-compatibility/2006" xmlns:p14="http://schemas.microsoft.com/office/powerpoint/2010/main">
+    <mc:Choice Requires="p14">
       <p:transition spd="slow" p14:dur="800">
         <p:circle/>
       </p:transition>
     </mc:Choice>
-    <mc:Fallback>
+    <mc:Fallback xmlns="">
       <p:transition spd="slow">
         <p:circle/>
       </p:transition>
@@ -2166,13 +2187,13 @@
   <p:clrMapOvr>
     <a:masterClrMapping/>
   </p:clrMapOvr>
-  <mc:AlternateContent xmlns:mc="http://schemas.openxmlformats.org/markup-compatibility/2006">
-    <mc:Choice xmlns:p14="http://schemas.microsoft.com/office/powerpoint/2010/main" Requires="p14">
+  <mc:AlternateContent xmlns:mc="http://schemas.openxmlformats.org/markup-compatibility/2006" xmlns:p14="http://schemas.microsoft.com/office/powerpoint/2010/main">
+    <mc:Choice Requires="p14">
       <p:transition spd="slow" p14:dur="800">
         <p:circle/>
       </p:transition>
     </mc:Choice>
-    <mc:Fallback>
+    <mc:Fallback xmlns="">
       <p:transition spd="slow">
         <p:circle/>
       </p:transition>
@@ -2507,13 +2528,13 @@
   <p:clrMapOvr>
     <a:masterClrMapping/>
   </p:clrMapOvr>
-  <mc:AlternateContent xmlns:mc="http://schemas.openxmlformats.org/markup-compatibility/2006">
-    <mc:Choice xmlns:p14="http://schemas.microsoft.com/office/powerpoint/2010/main" Requires="p14">
+  <mc:AlternateContent xmlns:mc="http://schemas.openxmlformats.org/markup-compatibility/2006" xmlns:p14="http://schemas.microsoft.com/office/powerpoint/2010/main">
+    <mc:Choice Requires="p14">
       <p:transition spd="slow" p14:dur="800">
         <p:circle/>
       </p:transition>
     </mc:Choice>
-    <mc:Fallback>
+    <mc:Fallback xmlns="">
       <p:transition spd="slow">
         <p:circle/>
       </p:transition>
@@ -2995,13 +3016,13 @@
   <p:clrMapOvr>
     <a:masterClrMapping/>
   </p:clrMapOvr>
-  <mc:AlternateContent xmlns:mc="http://schemas.openxmlformats.org/markup-compatibility/2006">
-    <mc:Choice xmlns:p14="http://schemas.microsoft.com/office/powerpoint/2010/main" Requires="p14">
+  <mc:AlternateContent xmlns:mc="http://schemas.openxmlformats.org/markup-compatibility/2006" xmlns:p14="http://schemas.microsoft.com/office/powerpoint/2010/main">
+    <mc:Choice Requires="p14">
       <p:transition spd="slow" p14:dur="800">
         <p:circle/>
       </p:transition>
     </mc:Choice>
-    <mc:Fallback>
+    <mc:Fallback xmlns="">
       <p:transition spd="slow">
         <p:circle/>
       </p:transition>
@@ -3148,13 +3169,13 @@
   <p:clrMapOvr>
     <a:masterClrMapping/>
   </p:clrMapOvr>
-  <mc:AlternateContent xmlns:mc="http://schemas.openxmlformats.org/markup-compatibility/2006">
-    <mc:Choice xmlns:p14="http://schemas.microsoft.com/office/powerpoint/2010/main" Requires="p14">
+  <mc:AlternateContent xmlns:mc="http://schemas.openxmlformats.org/markup-compatibility/2006" xmlns:p14="http://schemas.microsoft.com/office/powerpoint/2010/main">
+    <mc:Choice Requires="p14">
       <p:transition spd="slow" p14:dur="800">
         <p:circle/>
       </p:transition>
     </mc:Choice>
-    <mc:Fallback>
+    <mc:Fallback xmlns="">
       <p:transition spd="slow">
         <p:circle/>
       </p:transition>
@@ -3273,13 +3294,13 @@
   <p:clrMapOvr>
     <a:masterClrMapping/>
   </p:clrMapOvr>
-  <mc:AlternateContent xmlns:mc="http://schemas.openxmlformats.org/markup-compatibility/2006">
-    <mc:Choice xmlns:p14="http://schemas.microsoft.com/office/powerpoint/2010/main" Requires="p14">
+  <mc:AlternateContent xmlns:mc="http://schemas.openxmlformats.org/markup-compatibility/2006" xmlns:p14="http://schemas.microsoft.com/office/powerpoint/2010/main">
+    <mc:Choice Requires="p14">
       <p:transition spd="slow" p14:dur="800">
         <p:circle/>
       </p:transition>
     </mc:Choice>
-    <mc:Fallback>
+    <mc:Fallback xmlns="">
       <p:transition spd="slow">
         <p:circle/>
       </p:transition>
@@ -3628,13 +3649,13 @@
   <p:clrMapOvr>
     <a:masterClrMapping/>
   </p:clrMapOvr>
-  <mc:AlternateContent xmlns:mc="http://schemas.openxmlformats.org/markup-compatibility/2006">
-    <mc:Choice xmlns:p14="http://schemas.microsoft.com/office/powerpoint/2010/main" Requires="p14">
+  <mc:AlternateContent xmlns:mc="http://schemas.openxmlformats.org/markup-compatibility/2006" xmlns:p14="http://schemas.microsoft.com/office/powerpoint/2010/main">
+    <mc:Choice Requires="p14">
       <p:transition spd="slow" p14:dur="800">
         <p:circle/>
       </p:transition>
     </mc:Choice>
-    <mc:Fallback>
+    <mc:Fallback xmlns="">
       <p:transition spd="slow">
         <p:circle/>
       </p:transition>
@@ -3928,13 +3949,13 @@
   <p:clrMapOvr>
     <a:masterClrMapping/>
   </p:clrMapOvr>
-  <mc:AlternateContent xmlns:mc="http://schemas.openxmlformats.org/markup-compatibility/2006">
-    <mc:Choice xmlns:p14="http://schemas.microsoft.com/office/powerpoint/2010/main" Requires="p14">
+  <mc:AlternateContent xmlns:mc="http://schemas.openxmlformats.org/markup-compatibility/2006" xmlns:p14="http://schemas.microsoft.com/office/powerpoint/2010/main">
+    <mc:Choice Requires="p14">
       <p:transition spd="slow" p14:dur="800">
         <p:circle/>
       </p:transition>
     </mc:Choice>
-    <mc:Fallback>
+    <mc:Fallback xmlns="">
       <p:transition spd="slow">
         <p:circle/>
       </p:transition>
@@ -4260,13 +4281,13 @@
     <p:sldLayoutId id="2147483706" r:id="rId10"/>
     <p:sldLayoutId id="2147483707" r:id="rId11"/>
   </p:sldLayoutIdLst>
-  <mc:AlternateContent xmlns:mc="http://schemas.openxmlformats.org/markup-compatibility/2006">
-    <mc:Choice xmlns:p14="http://schemas.microsoft.com/office/powerpoint/2010/main" Requires="p14">
+  <mc:AlternateContent xmlns:mc="http://schemas.openxmlformats.org/markup-compatibility/2006" xmlns:p14="http://schemas.microsoft.com/office/powerpoint/2010/main">
+    <mc:Choice Requires="p14">
       <p:transition spd="slow" p14:dur="800">
         <p:circle/>
       </p:transition>
     </mc:Choice>
-    <mc:Fallback>
+    <mc:Fallback xmlns="">
       <p:transition spd="slow">
         <p:circle/>
       </p:transition>
@@ -4621,7 +4642,7 @@
         </p:nvSpPr>
         <p:spPr>
           <a:xfrm>
-            <a:off x="3413351" y="4538733"/>
+            <a:off x="3431114" y="4410396"/>
             <a:ext cx="4206649" cy="2062103"/>
           </a:xfrm>
           <a:prstGeom prst="rect">
@@ -4651,11 +4672,7 @@
           <a:p>
             <a:r>
               <a:rPr lang="ja-JP" altLang="en-US" sz="3200" dirty="0"/>
-              <a:t>吉川</a:t>
-            </a:r>
-            <a:r>
-              <a:rPr lang="ja-JP" altLang="en-US" sz="3200"/>
-              <a:t>　孟志</a:t>
+              <a:t>吉川　孟志</a:t>
             </a:r>
             <a:endParaRPr lang="en-US" altLang="ja-JP" sz="3200" dirty="0"/>
           </a:p>
@@ -4677,13 +4694,13 @@
   <p:clrMapOvr>
     <a:masterClrMapping/>
   </p:clrMapOvr>
-  <mc:AlternateContent xmlns:mc="http://schemas.openxmlformats.org/markup-compatibility/2006">
-    <mc:Choice xmlns:p14="http://schemas.microsoft.com/office/powerpoint/2010/main" Requires="p14">
+  <mc:AlternateContent xmlns:mc="http://schemas.openxmlformats.org/markup-compatibility/2006" xmlns:p14="http://schemas.microsoft.com/office/powerpoint/2010/main">
+    <mc:Choice Requires="p14">
       <p:transition spd="slow" p14:dur="800">
         <p:circle/>
       </p:transition>
     </mc:Choice>
-    <mc:Fallback>
+    <mc:Fallback xmlns="">
       <p:transition spd="slow">
         <p:circle/>
       </p:transition>
@@ -4714,7 +4731,7 @@
           <p:cNvPr id="2" name="タイトル 1">
             <a:extLst>
               <a:ext uri="{FF2B5EF4-FFF2-40B4-BE49-F238E27FC236}">
-                <a16:creationId xmlns:a16="http://schemas.microsoft.com/office/drawing/2014/main" id="{F9DAB316-4A00-468F-994D-6D2C4AC24AF5}"/>
+                <a16:creationId xmlns:a16="http://schemas.microsoft.com/office/drawing/2014/main" id="{904D9B58-A2D0-4AE0-ACB1-B99F0E966F13}"/>
               </a:ext>
             </a:extLst>
           </p:cNvPr>
@@ -4732,11 +4749,11 @@
           <a:p>
             <a:r>
               <a:rPr kumimoji="1" lang="en-US" altLang="ja-JP" dirty="0"/>
-              <a:t>AI</a:t>
+              <a:t>RNN</a:t>
             </a:r>
             <a:r>
               <a:rPr kumimoji="1" lang="ja-JP" altLang="en-US" dirty="0"/>
-              <a:t>のプログラム</a:t>
+              <a:t>について</a:t>
             </a:r>
           </a:p>
         </p:txBody>
@@ -4746,7 +4763,7 @@
           <p:cNvPr id="3" name="コンテンツ プレースホルダー 2">
             <a:extLst>
               <a:ext uri="{FF2B5EF4-FFF2-40B4-BE49-F238E27FC236}">
-                <a16:creationId xmlns:a16="http://schemas.microsoft.com/office/drawing/2014/main" id="{4417CF7E-6C0A-4D0C-B5B2-C3BC5E906F32}"/>
+                <a16:creationId xmlns:a16="http://schemas.microsoft.com/office/drawing/2014/main" id="{C9EE656D-F3C4-4F7B-8C18-5A59AB846A58}"/>
               </a:ext>
             </a:extLst>
           </p:cNvPr>
@@ -4757,114 +4774,48 @@
             <p:ph idx="1"/>
           </p:nvPr>
         </p:nvSpPr>
-        <p:spPr/>
-        <p:txBody>
-          <a:bodyPr>
-            <a:normAutofit lnSpcReduction="10000"/>
-          </a:bodyPr>
-          <a:lstStyle/>
-          <a:p>
-            <a:r>
-              <a:rPr lang="en-US" altLang="ja-JP" dirty="0"/>
-              <a:t>Python</a:t>
+        <p:spPr>
+          <a:xfrm>
+            <a:off x="291663" y="1415721"/>
+            <a:ext cx="10515600" cy="4351338"/>
+          </a:xfrm>
+        </p:spPr>
+        <p:txBody>
+          <a:bodyPr/>
+          <a:lstStyle/>
+          <a:p>
+            <a:r>
+              <a:rPr kumimoji="1" lang="ja-JP" altLang="en-US" dirty="0"/>
+              <a:t>ある時点の出力を次の</a:t>
             </a:r>
             <a:r>
               <a:rPr lang="ja-JP" altLang="en-US" dirty="0"/>
-              <a:t>で実装</a:t>
-            </a:r>
-            <a:endParaRPr lang="en-US" altLang="ja-JP" dirty="0"/>
-          </a:p>
-          <a:p>
-            <a:endParaRPr lang="en-US" altLang="ja-JP" dirty="0"/>
-          </a:p>
-          <a:p>
-            <a:r>
-              <a:rPr lang="en-US" altLang="ja-JP" dirty="0"/>
-              <a:t>TensorFlow</a:t>
-            </a:r>
-          </a:p>
-          <a:p>
-            <a:pPr lvl="1"/>
-            <a:r>
-              <a:rPr kumimoji="1" lang="en-US" altLang="ja-JP" dirty="0"/>
-              <a:t>LSTM</a:t>
+              <a:t>時点の</a:t>
             </a:r>
             <a:r>
               <a:rPr kumimoji="1" lang="ja-JP" altLang="en-US" dirty="0"/>
-              <a:t>を用いた</a:t>
-            </a:r>
-            <a:r>
-              <a:rPr kumimoji="1" lang="en-US" altLang="ja-JP" dirty="0"/>
-              <a:t>DNN</a:t>
-            </a:r>
-            <a:r>
-              <a:rPr kumimoji="1" lang="ja-JP" altLang="en-US" dirty="0"/>
-              <a:t>を作るためのライブラリ</a:t>
-            </a:r>
-            <a:endParaRPr kumimoji="1" lang="en-US" altLang="ja-JP" dirty="0"/>
-          </a:p>
-          <a:p>
-            <a:pPr lvl="1"/>
-            <a:endParaRPr kumimoji="1" lang="en-US" altLang="ja-JP" dirty="0"/>
-          </a:p>
-          <a:p>
-            <a:r>
-              <a:rPr lang="en-US" altLang="ja-JP" dirty="0"/>
-              <a:t>music21</a:t>
-            </a:r>
-          </a:p>
-          <a:p>
-            <a:pPr lvl="1"/>
-            <a:r>
-              <a:rPr lang="en-US" altLang="ja-JP" dirty="0"/>
-              <a:t>midi</a:t>
-            </a:r>
-            <a:r>
-              <a:rPr lang="ja-JP" altLang="en-US" dirty="0"/>
-              <a:t>の音データを取り出すためのライブラリ</a:t>
-            </a:r>
-            <a:endParaRPr lang="en-US" altLang="ja-JP" dirty="0"/>
-          </a:p>
-          <a:p>
-            <a:endParaRPr kumimoji="1" lang="en-US" altLang="ja-JP" dirty="0"/>
-          </a:p>
-          <a:p>
-            <a:pPr marL="457200" lvl="1" indent="0">
-              <a:buNone/>
-            </a:pPr>
-            <a:endParaRPr lang="en-US" altLang="ja-JP" dirty="0"/>
-          </a:p>
-          <a:p>
-            <a:pPr marL="457200" lvl="1" indent="0">
-              <a:buNone/>
-            </a:pPr>
-            <a:r>
-              <a:rPr kumimoji="1" lang="en-US" altLang="ja-JP" dirty="0"/>
-              <a:t> 		</a:t>
-            </a:r>
-          </a:p>
-          <a:p>
-            <a:endParaRPr kumimoji="1" lang="ja-JP" altLang="en-US" dirty="0"/>
+              <a:t>入力と合わせることで、時系列ごとに適した出力ができるようになる</a:t>
+            </a:r>
           </a:p>
         </p:txBody>
       </p:sp>
     </p:spTree>
     <p:extLst>
       <p:ext uri="{BB962C8B-B14F-4D97-AF65-F5344CB8AC3E}">
-        <p14:creationId xmlns:p14="http://schemas.microsoft.com/office/powerpoint/2010/main" val="3512944444"/>
+        <p14:creationId xmlns:p14="http://schemas.microsoft.com/office/powerpoint/2010/main" val="1523673220"/>
       </p:ext>
     </p:extLst>
   </p:cSld>
   <p:clrMapOvr>
     <a:masterClrMapping/>
   </p:clrMapOvr>
-  <mc:AlternateContent xmlns:mc="http://schemas.openxmlformats.org/markup-compatibility/2006">
-    <mc:Choice xmlns:p14="http://schemas.microsoft.com/office/powerpoint/2010/main" Requires="p14">
+  <mc:AlternateContent xmlns:mc="http://schemas.openxmlformats.org/markup-compatibility/2006" xmlns:p14="http://schemas.microsoft.com/office/powerpoint/2010/main">
+    <mc:Choice Requires="p14">
       <p:transition spd="slow" p14:dur="800">
         <p:circle/>
       </p:transition>
     </mc:Choice>
-    <mc:Fallback>
+    <mc:Fallback xmlns="">
       <p:transition spd="slow">
         <p:circle/>
       </p:transition>
@@ -4895,149 +4846,100 @@
           <p:cNvPr id="2" name="タイトル 1">
             <a:extLst>
               <a:ext uri="{FF2B5EF4-FFF2-40B4-BE49-F238E27FC236}">
-                <a16:creationId xmlns:a16="http://schemas.microsoft.com/office/drawing/2014/main" id="{99218024-A4EE-4EEA-8916-177105FDF5DB}"/>
-              </a:ext>
-            </a:extLst>
-          </p:cNvPr>
-          <p:cNvSpPr>
-            <a:spLocks noGrp="1"/>
-          </p:cNvSpPr>
-          <p:nvPr>
-            <p:ph type="ctrTitle"/>
+                <a16:creationId xmlns:a16="http://schemas.microsoft.com/office/drawing/2014/main" id="{E4883A0A-8D8C-4B9C-B52B-0F6D514B04E0}"/>
+              </a:ext>
+            </a:extLst>
+          </p:cNvPr>
+          <p:cNvSpPr>
+            <a:spLocks noGrp="1"/>
+          </p:cNvSpPr>
+          <p:nvPr>
+            <p:ph type="title"/>
+          </p:nvPr>
+        </p:nvSpPr>
+        <p:spPr/>
+        <p:txBody>
+          <a:bodyPr/>
+          <a:lstStyle/>
+          <a:p>
+            <a:r>
+              <a:rPr kumimoji="1" lang="en-US" altLang="ja-JP" dirty="0"/>
+              <a:t>LSTM (</a:t>
+            </a:r>
+            <a:r>
+              <a:rPr lang="ja-JP" altLang="en-US" dirty="0"/>
+              <a:t>長・短期記憶</a:t>
+            </a:r>
+            <a:r>
+              <a:rPr kumimoji="1" lang="en-US" altLang="ja-JP" dirty="0"/>
+              <a:t>)</a:t>
+            </a:r>
+            <a:r>
+              <a:rPr kumimoji="1" lang="ja-JP" altLang="en-US" dirty="0"/>
+              <a:t>について</a:t>
+            </a:r>
+          </a:p>
+        </p:txBody>
+      </p:sp>
+      <p:sp>
+        <p:nvSpPr>
+          <p:cNvPr id="3" name="コンテンツ プレースホルダー 2">
+            <a:extLst>
+              <a:ext uri="{FF2B5EF4-FFF2-40B4-BE49-F238E27FC236}">
+                <a16:creationId xmlns:a16="http://schemas.microsoft.com/office/drawing/2014/main" id="{9AB6985F-E57D-4069-BD74-D0C7F1F9B720}"/>
+              </a:ext>
+            </a:extLst>
+          </p:cNvPr>
+          <p:cNvSpPr>
+            <a:spLocks noGrp="1"/>
+          </p:cNvSpPr>
+          <p:nvPr>
+            <p:ph idx="1"/>
           </p:nvPr>
         </p:nvSpPr>
         <p:spPr>
           <a:xfrm>
-            <a:off x="228600" y="152400"/>
-            <a:ext cx="9144000" cy="1892300"/>
+            <a:off x="838200" y="1901372"/>
+            <a:ext cx="10515601" cy="3817258"/>
           </a:xfrm>
         </p:spPr>
         <p:txBody>
           <a:bodyPr/>
           <a:lstStyle/>
           <a:p>
-            <a:pPr algn="l"/>
-            <a:r>
-              <a:rPr lang="ja-JP" altLang="en-US" b="1" dirty="0"/>
-              <a:t>現在の進捗状況</a:t>
-            </a:r>
-            <a:br>
-              <a:rPr lang="ja-JP" altLang="en-US" b="1" dirty="0"/>
-            </a:br>
-            <a:endParaRPr kumimoji="1" lang="ja-JP" altLang="en-US" dirty="0"/>
-          </a:p>
-        </p:txBody>
-      </p:sp>
-      <p:sp>
-        <p:nvSpPr>
-          <p:cNvPr id="3" name="字幕 2">
-            <a:extLst>
-              <a:ext uri="{FF2B5EF4-FFF2-40B4-BE49-F238E27FC236}">
-                <a16:creationId xmlns:a16="http://schemas.microsoft.com/office/drawing/2014/main" id="{A731940E-22B5-4EFD-B618-97DBC4C20D6A}"/>
-              </a:ext>
-            </a:extLst>
-          </p:cNvPr>
-          <p:cNvSpPr>
-            <a:spLocks noGrp="1"/>
-          </p:cNvSpPr>
-          <p:nvPr>
-            <p:ph type="subTitle" idx="1"/>
-          </p:nvPr>
-        </p:nvSpPr>
-        <p:spPr>
-          <a:xfrm>
-            <a:off x="737936" y="1773238"/>
-            <a:ext cx="10857163" cy="4475162"/>
-          </a:xfrm>
-        </p:spPr>
-        <p:txBody>
-          <a:bodyPr>
-            <a:normAutofit/>
-          </a:bodyPr>
-          <a:lstStyle/>
-          <a:p>
-            <a:pPr marL="342900" indent="-342900" algn="l">
-              <a:buFont typeface="Arial" panose="020B0604020202020204" pitchFamily="34" charset="0"/>
-              <a:buChar char="•"/>
-            </a:pPr>
-            <a:r>
-              <a:rPr kumimoji="1" lang="en-US" altLang="ja-JP" sz="2800" dirty="0"/>
-              <a:t>GitHub</a:t>
-            </a:r>
-            <a:r>
-              <a:rPr kumimoji="1" lang="ja-JP" altLang="en-US" sz="2800" dirty="0"/>
-              <a:t>で開発を進めております</a:t>
-            </a:r>
-            <a:endParaRPr kumimoji="1" lang="en-US" altLang="ja-JP" sz="2800" dirty="0"/>
-          </a:p>
-          <a:p>
-            <a:pPr marL="342900" indent="-342900" algn="l">
-              <a:buFont typeface="Arial" panose="020B0604020202020204" pitchFamily="34" charset="0"/>
-              <a:buChar char="•"/>
-            </a:pPr>
-            <a:r>
-              <a:rPr lang="en-US" altLang="ja-JP" sz="2800" dirty="0"/>
-              <a:t>Web</a:t>
-            </a:r>
-            <a:r>
-              <a:rPr lang="ja-JP" altLang="en-US" sz="2800" dirty="0"/>
-              <a:t>サイトは動かせるようになっています</a:t>
-            </a:r>
-            <a:endParaRPr lang="en-US" altLang="ja-JP" sz="2800" dirty="0"/>
-          </a:p>
-          <a:p>
-            <a:pPr algn="l"/>
-            <a:endParaRPr lang="en-US" altLang="ja-JP" sz="2800" dirty="0"/>
-          </a:p>
-          <a:p>
-            <a:pPr algn="l"/>
-            <a:r>
-              <a:rPr kumimoji="1" lang="ja-JP" altLang="en-US" sz="2800" dirty="0"/>
-              <a:t>課題</a:t>
-            </a:r>
-            <a:endParaRPr kumimoji="1" lang="en-US" altLang="ja-JP" sz="2800" dirty="0"/>
-          </a:p>
-          <a:p>
-            <a:pPr marL="457200" indent="-457200" algn="l">
-              <a:buFont typeface="Arial" panose="020B0604020202020204" pitchFamily="34" charset="0"/>
-              <a:buChar char="•"/>
-            </a:pPr>
-            <a:r>
-              <a:rPr kumimoji="1" lang="ja-JP" altLang="en-US" sz="2800" dirty="0"/>
-              <a:t>学習モデル</a:t>
-            </a:r>
-            <a:endParaRPr kumimoji="1" lang="en-US" altLang="ja-JP" sz="2800" dirty="0"/>
-          </a:p>
-          <a:p>
-            <a:pPr marL="457200" indent="-457200" algn="l">
-              <a:buFont typeface="Arial" panose="020B0604020202020204" pitchFamily="34" charset="0"/>
-              <a:buChar char="•"/>
-            </a:pPr>
-            <a:r>
-              <a:rPr lang="ja-JP" altLang="en-US" sz="2800" dirty="0"/>
-              <a:t>音楽ファイルのやり取り</a:t>
-            </a:r>
-            <a:endParaRPr lang="en-US" altLang="ja-JP" sz="2800" dirty="0"/>
+            <a:r>
+              <a:rPr lang="en-US" altLang="ja-JP" dirty="0"/>
+              <a:t>RNN</a:t>
+            </a:r>
+            <a:r>
+              <a:rPr lang="ja-JP" altLang="en-US" dirty="0" err="1"/>
+              <a:t>だけ</a:t>
+            </a:r>
+            <a:r>
+              <a:rPr lang="ja-JP" altLang="en-US" dirty="0"/>
+              <a:t>ではデータが長くなりすぎて、予測に適した出力ができなくなってしまうので、忘却ゲートというデータを切り捨てて短くする計算を入力の前に挟むことで、適した出力ができるようにする。</a:t>
+            </a:r>
+            <a:endParaRPr lang="en-US" altLang="ja-JP" dirty="0"/>
           </a:p>
         </p:txBody>
       </p:sp>
     </p:spTree>
     <p:extLst>
       <p:ext uri="{BB962C8B-B14F-4D97-AF65-F5344CB8AC3E}">
-        <p14:creationId xmlns:p14="http://schemas.microsoft.com/office/powerpoint/2010/main" val="1360215977"/>
+        <p14:creationId xmlns:p14="http://schemas.microsoft.com/office/powerpoint/2010/main" val="1913493897"/>
       </p:ext>
     </p:extLst>
   </p:cSld>
   <p:clrMapOvr>
     <a:masterClrMapping/>
   </p:clrMapOvr>
-  <mc:AlternateContent xmlns:mc="http://schemas.openxmlformats.org/markup-compatibility/2006">
-    <mc:Choice xmlns:p14="http://schemas.microsoft.com/office/powerpoint/2010/main" Requires="p14">
+  <mc:AlternateContent xmlns:mc="http://schemas.openxmlformats.org/markup-compatibility/2006" xmlns:p14="http://schemas.microsoft.com/office/powerpoint/2010/main">
+    <mc:Choice Requires="p14">
       <p:transition spd="slow" p14:dur="800">
         <p:circle/>
       </p:transition>
     </mc:Choice>
-    <mc:Fallback>
+    <mc:Fallback xmlns="">
       <p:transition spd="slow">
         <p:circle/>
       </p:transition>
@@ -5068,6 +4970,198 @@
           <p:cNvPr id="2" name="タイトル 1">
             <a:extLst>
               <a:ext uri="{FF2B5EF4-FFF2-40B4-BE49-F238E27FC236}">
+                <a16:creationId xmlns:a16="http://schemas.microsoft.com/office/drawing/2014/main" id="{99218024-A4EE-4EEA-8916-177105FDF5DB}"/>
+              </a:ext>
+            </a:extLst>
+          </p:cNvPr>
+          <p:cNvSpPr>
+            <a:spLocks noGrp="1"/>
+          </p:cNvSpPr>
+          <p:nvPr>
+            <p:ph type="ctrTitle"/>
+          </p:nvPr>
+        </p:nvSpPr>
+        <p:spPr>
+          <a:xfrm>
+            <a:off x="228600" y="152400"/>
+            <a:ext cx="9144000" cy="1892300"/>
+          </a:xfrm>
+        </p:spPr>
+        <p:txBody>
+          <a:bodyPr/>
+          <a:lstStyle/>
+          <a:p>
+            <a:pPr algn="l"/>
+            <a:r>
+              <a:rPr lang="ja-JP" altLang="en-US" b="1" dirty="0"/>
+              <a:t>現在の進捗状況</a:t>
+            </a:r>
+            <a:br>
+              <a:rPr lang="ja-JP" altLang="en-US" b="1" dirty="0"/>
+            </a:br>
+            <a:endParaRPr kumimoji="1" lang="ja-JP" altLang="en-US" dirty="0"/>
+          </a:p>
+        </p:txBody>
+      </p:sp>
+      <p:sp>
+        <p:nvSpPr>
+          <p:cNvPr id="3" name="字幕 2">
+            <a:extLst>
+              <a:ext uri="{FF2B5EF4-FFF2-40B4-BE49-F238E27FC236}">
+                <a16:creationId xmlns:a16="http://schemas.microsoft.com/office/drawing/2014/main" id="{A731940E-22B5-4EFD-B618-97DBC4C20D6A}"/>
+              </a:ext>
+            </a:extLst>
+          </p:cNvPr>
+          <p:cNvSpPr>
+            <a:spLocks noGrp="1"/>
+          </p:cNvSpPr>
+          <p:nvPr>
+            <p:ph type="subTitle" idx="1"/>
+          </p:nvPr>
+        </p:nvSpPr>
+        <p:spPr>
+          <a:xfrm>
+            <a:off x="737936" y="1773238"/>
+            <a:ext cx="10857163" cy="4475162"/>
+          </a:xfrm>
+        </p:spPr>
+        <p:txBody>
+          <a:bodyPr>
+            <a:normAutofit/>
+          </a:bodyPr>
+          <a:lstStyle/>
+          <a:p>
+            <a:pPr marL="342900" indent="-342900" algn="l">
+              <a:buFont typeface="Arial" panose="020B0604020202020204" pitchFamily="34" charset="0"/>
+              <a:buChar char="•"/>
+            </a:pPr>
+            <a:r>
+              <a:rPr kumimoji="1" lang="en-US" altLang="ja-JP" sz="2800" dirty="0"/>
+              <a:t>GitHub</a:t>
+            </a:r>
+            <a:r>
+              <a:rPr lang="ja-JP" altLang="en-US" sz="2800" dirty="0"/>
+              <a:t>を使って</a:t>
+            </a:r>
+            <a:r>
+              <a:rPr kumimoji="1" lang="ja-JP" altLang="en-US" sz="2800" dirty="0"/>
+              <a:t>開発を進めております</a:t>
+            </a:r>
+            <a:endParaRPr kumimoji="1" lang="en-US" altLang="ja-JP" sz="2800" dirty="0"/>
+          </a:p>
+          <a:p>
+            <a:pPr marL="342900" indent="-342900" algn="l">
+              <a:buFont typeface="Arial" panose="020B0604020202020204" pitchFamily="34" charset="0"/>
+              <a:buChar char="•"/>
+            </a:pPr>
+            <a:r>
+              <a:rPr lang="en-US" altLang="ja-JP" sz="2800" dirty="0"/>
+              <a:t>Web</a:t>
+            </a:r>
+            <a:r>
+              <a:rPr lang="ja-JP" altLang="en-US" sz="2800" dirty="0"/>
+              <a:t>サイトは動かせるようになっています</a:t>
+            </a:r>
+            <a:endParaRPr lang="en-US" altLang="ja-JP" sz="2800" dirty="0"/>
+          </a:p>
+          <a:p>
+            <a:pPr algn="l"/>
+            <a:endParaRPr lang="en-US" altLang="ja-JP" sz="2800" dirty="0"/>
+          </a:p>
+          <a:p>
+            <a:pPr algn="l"/>
+            <a:r>
+              <a:rPr kumimoji="1" lang="ja-JP" altLang="en-US" sz="2800" dirty="0"/>
+              <a:t>課題</a:t>
+            </a:r>
+            <a:endParaRPr kumimoji="1" lang="en-US" altLang="ja-JP" sz="2800" dirty="0"/>
+          </a:p>
+          <a:p>
+            <a:pPr marL="457200" indent="-457200" algn="l">
+              <a:buFont typeface="Arial" panose="020B0604020202020204" pitchFamily="34" charset="0"/>
+              <a:buChar char="•"/>
+            </a:pPr>
+            <a:r>
+              <a:rPr kumimoji="1" lang="ja-JP" altLang="en-US" sz="2800" dirty="0"/>
+              <a:t>学習モデル</a:t>
+            </a:r>
+            <a:endParaRPr kumimoji="1" lang="en-US" altLang="ja-JP" sz="2800" dirty="0"/>
+          </a:p>
+          <a:p>
+            <a:pPr marL="457200" indent="-457200" algn="l">
+              <a:buFont typeface="Arial" panose="020B0604020202020204" pitchFamily="34" charset="0"/>
+              <a:buChar char="•"/>
+            </a:pPr>
+            <a:r>
+              <a:rPr lang="ja-JP" altLang="en-US" sz="2800" dirty="0"/>
+              <a:t>音楽ファイルのやり取り</a:t>
+            </a:r>
+            <a:endParaRPr lang="en-US" altLang="ja-JP" sz="2800" dirty="0"/>
+          </a:p>
+          <a:p>
+            <a:pPr marL="457200" indent="-457200" algn="l">
+              <a:buFont typeface="Arial" panose="020B0604020202020204" pitchFamily="34" charset="0"/>
+              <a:buChar char="•"/>
+            </a:pPr>
+            <a:r>
+              <a:rPr lang="en-US" altLang="ja-JP" sz="2800" dirty="0"/>
+              <a:t>Web</a:t>
+            </a:r>
+            <a:r>
+              <a:rPr lang="ja-JP" altLang="en-US" sz="2800" dirty="0"/>
+              <a:t>ページの改良</a:t>
+            </a:r>
+            <a:endParaRPr lang="en-US" altLang="ja-JP" sz="2800" dirty="0"/>
+          </a:p>
+        </p:txBody>
+      </p:sp>
+    </p:spTree>
+    <p:extLst>
+      <p:ext uri="{BB962C8B-B14F-4D97-AF65-F5344CB8AC3E}">
+        <p14:creationId xmlns:p14="http://schemas.microsoft.com/office/powerpoint/2010/main" val="1360215977"/>
+      </p:ext>
+    </p:extLst>
+  </p:cSld>
+  <p:clrMapOvr>
+    <a:masterClrMapping/>
+  </p:clrMapOvr>
+  <mc:AlternateContent xmlns:mc="http://schemas.openxmlformats.org/markup-compatibility/2006" xmlns:p14="http://schemas.microsoft.com/office/powerpoint/2010/main">
+    <mc:Choice Requires="p14">
+      <p:transition spd="slow" p14:dur="800">
+        <p:circle/>
+      </p:transition>
+    </mc:Choice>
+    <mc:Fallback xmlns="">
+      <p:transition spd="slow">
+        <p:circle/>
+      </p:transition>
+    </mc:Fallback>
+  </mc:AlternateContent>
+</p:sld>
+</file>
+
+<file path=ppt/slides/slide13.xml><?xml version="1.0" encoding="utf-8"?>
+<p:sld xmlns:a="http://schemas.openxmlformats.org/drawingml/2006/main" xmlns:r="http://schemas.openxmlformats.org/officeDocument/2006/relationships" xmlns:p="http://schemas.openxmlformats.org/presentationml/2006/main">
+  <p:cSld>
+    <p:spTree>
+      <p:nvGrpSpPr>
+        <p:cNvPr id="1" name=""/>
+        <p:cNvGrpSpPr/>
+        <p:nvPr/>
+      </p:nvGrpSpPr>
+      <p:grpSpPr>
+        <a:xfrm>
+          <a:off x="0" y="0"/>
+          <a:ext cx="0" cy="0"/>
+          <a:chOff x="0" y="0"/>
+          <a:chExt cx="0" cy="0"/>
+        </a:xfrm>
+      </p:grpSpPr>
+      <p:sp>
+        <p:nvSpPr>
+          <p:cNvPr id="2" name="タイトル 1">
+            <a:extLst>
+              <a:ext uri="{FF2B5EF4-FFF2-40B4-BE49-F238E27FC236}">
                 <a16:creationId xmlns:a16="http://schemas.microsoft.com/office/drawing/2014/main" id="{6A02AA03-3DED-4449-8542-51D6A9F1532E}"/>
               </a:ext>
             </a:extLst>
@@ -5110,13 +5204,13 @@
   <p:clrMapOvr>
     <a:masterClrMapping/>
   </p:clrMapOvr>
-  <mc:AlternateContent xmlns:mc="http://schemas.openxmlformats.org/markup-compatibility/2006">
-    <mc:Choice xmlns:p14="http://schemas.microsoft.com/office/powerpoint/2010/main" Requires="p14">
+  <mc:AlternateContent xmlns:mc="http://schemas.openxmlformats.org/markup-compatibility/2006" xmlns:p14="http://schemas.microsoft.com/office/powerpoint/2010/main">
+    <mc:Choice Requires="p14">
       <p:transition spd="slow" p14:dur="800">
         <p:circle/>
       </p:transition>
     </mc:Choice>
-    <mc:Fallback>
+    <mc:Fallback xmlns="">
       <p:transition spd="slow">
         <p:circle/>
       </p:transition>
@@ -5300,13 +5394,13 @@
   <p:clrMapOvr>
     <a:masterClrMapping/>
   </p:clrMapOvr>
-  <mc:AlternateContent xmlns:mc="http://schemas.openxmlformats.org/markup-compatibility/2006">
-    <mc:Choice xmlns:p14="http://schemas.microsoft.com/office/powerpoint/2010/main" Requires="p14">
+  <mc:AlternateContent xmlns:mc="http://schemas.openxmlformats.org/markup-compatibility/2006" xmlns:p14="http://schemas.microsoft.com/office/powerpoint/2010/main">
+    <mc:Choice Requires="p14">
       <p:transition spd="slow" p14:dur="800">
         <p:circle/>
       </p:transition>
     </mc:Choice>
-    <mc:Fallback>
+    <mc:Fallback xmlns="">
       <p:transition spd="slow">
         <p:circle/>
       </p:transition>
@@ -5367,12 +5461,97 @@
           </a:p>
         </p:txBody>
       </p:sp>
-      <p:sp>
-        <p:nvSpPr>
-          <p:cNvPr id="5" name="テキスト ボックス 4">
-            <a:extLst>
-              <a:ext uri="{FF2B5EF4-FFF2-40B4-BE49-F238E27FC236}">
-                <a16:creationId xmlns:a16="http://schemas.microsoft.com/office/drawing/2014/main" id="{843B0245-9A3B-4E97-B4FC-2A4D8CA8C5A5}"/>
+      <p:pic>
+        <p:nvPicPr>
+          <p:cNvPr id="8" name="図 7">
+            <a:extLst>
+              <a:ext uri="{FF2B5EF4-FFF2-40B4-BE49-F238E27FC236}">
+                <a16:creationId xmlns:a16="http://schemas.microsoft.com/office/drawing/2014/main" id="{7ECD8D03-A540-4384-92DB-DC4154AD12EB}"/>
+              </a:ext>
+            </a:extLst>
+          </p:cNvPr>
+          <p:cNvPicPr>
+            <a:picLocks noChangeAspect="1"/>
+          </p:cNvPicPr>
+          <p:nvPr/>
+        </p:nvPicPr>
+        <p:blipFill>
+          <a:blip r:embed="rId3">
+            <a:extLst>
+              <a:ext uri="{28A0092B-C50C-407E-A947-70E740481C1C}">
+                <a14:useLocalDpi xmlns:a14="http://schemas.microsoft.com/office/drawing/2010/main" val="0"/>
+              </a:ext>
+            </a:extLst>
+          </a:blip>
+          <a:stretch>
+            <a:fillRect/>
+          </a:stretch>
+        </p:blipFill>
+        <p:spPr>
+          <a:xfrm>
+            <a:off x="873933" y="1954361"/>
+            <a:ext cx="1718456" cy="1293028"/>
+          </a:xfrm>
+          <a:prstGeom prst="rect">
+            <a:avLst/>
+          </a:prstGeom>
+        </p:spPr>
+      </p:pic>
+      <p:sp>
+        <p:nvSpPr>
+          <p:cNvPr id="9" name="矢印: 右 8">
+            <a:extLst>
+              <a:ext uri="{FF2B5EF4-FFF2-40B4-BE49-F238E27FC236}">
+                <a16:creationId xmlns:a16="http://schemas.microsoft.com/office/drawing/2014/main" id="{22232900-CF15-42ED-B61D-004E36DA459A}"/>
+              </a:ext>
+            </a:extLst>
+          </p:cNvPr>
+          <p:cNvSpPr/>
+          <p:nvPr/>
+        </p:nvSpPr>
+        <p:spPr>
+          <a:xfrm>
+            <a:off x="3144254" y="2318133"/>
+            <a:ext cx="930442" cy="565484"/>
+          </a:xfrm>
+          <a:prstGeom prst="rightArrow">
+            <a:avLst/>
+          </a:prstGeom>
+          <a:solidFill>
+            <a:srgbClr val="00B050"/>
+          </a:solidFill>
+        </p:spPr>
+        <p:style>
+          <a:lnRef idx="2">
+            <a:schemeClr val="accent1">
+              <a:shade val="50000"/>
+            </a:schemeClr>
+          </a:lnRef>
+          <a:fillRef idx="1">
+            <a:schemeClr val="accent1"/>
+          </a:fillRef>
+          <a:effectRef idx="0">
+            <a:schemeClr val="accent1"/>
+          </a:effectRef>
+          <a:fontRef idx="minor">
+            <a:schemeClr val="lt1"/>
+          </a:fontRef>
+        </p:style>
+        <p:txBody>
+          <a:bodyPr rtlCol="0" anchor="ctr"/>
+          <a:lstStyle/>
+          <a:p>
+            <a:pPr algn="ctr"/>
+            <a:endParaRPr kumimoji="1" lang="ja-JP" altLang="en-US"/>
+          </a:p>
+        </p:txBody>
+      </p:sp>
+      <p:sp>
+        <p:nvSpPr>
+          <p:cNvPr id="13" name="テキスト ボックス 12">
+            <a:extLst>
+              <a:ext uri="{FF2B5EF4-FFF2-40B4-BE49-F238E27FC236}">
+                <a16:creationId xmlns:a16="http://schemas.microsoft.com/office/drawing/2014/main" id="{D2EC5B4D-3CEA-45D4-8A0C-A52B40544298}"/>
               </a:ext>
             </a:extLst>
           </p:cNvPr>
@@ -5381,8 +5560,8 @@
         </p:nvSpPr>
         <p:spPr>
           <a:xfrm>
-            <a:off x="977900" y="1471615"/>
-            <a:ext cx="10236200" cy="1938992"/>
+            <a:off x="8843391" y="3429000"/>
+            <a:ext cx="2294021" cy="621341"/>
           </a:xfrm>
           <a:prstGeom prst="rect">
             <a:avLst/>
@@ -5395,83 +5574,620 @@
           </a:bodyPr>
           <a:lstStyle/>
           <a:p>
-            <a:pPr marL="285750" indent="-285750">
-              <a:buFont typeface="Arial" panose="020B0604020202020204" pitchFamily="34" charset="0"/>
-              <a:buChar char="•"/>
-            </a:pPr>
-            <a:r>
-              <a:rPr lang="en-US" altLang="ja-JP" sz="2400" dirty="0"/>
-              <a:t>Web</a:t>
-            </a:r>
-            <a:r>
-              <a:rPr lang="ja-JP" altLang="en-US" sz="2400" dirty="0"/>
-              <a:t>アプリケーションなのでサーバに自動作曲システムがある</a:t>
-            </a:r>
-            <a:endParaRPr lang="en-US" altLang="ja-JP" sz="2400" dirty="0"/>
-          </a:p>
-          <a:p>
-            <a:pPr marL="285750" indent="-285750">
-              <a:buFont typeface="Arial" panose="020B0604020202020204" pitchFamily="34" charset="0"/>
-              <a:buChar char="•"/>
-            </a:pPr>
-            <a:endParaRPr lang="en-US" altLang="ja-JP" sz="2400" dirty="0"/>
-          </a:p>
-          <a:p>
-            <a:pPr marL="285750" indent="-285750">
-              <a:buFont typeface="Arial" panose="020B0604020202020204" pitchFamily="34" charset="0"/>
-              <a:buChar char="•"/>
-            </a:pPr>
-            <a:r>
-              <a:rPr lang="ja-JP" altLang="en-US" sz="2400" dirty="0"/>
-              <a:t>自動作曲システムは</a:t>
-            </a:r>
-            <a:r>
-              <a:rPr lang="en-US" altLang="ja-JP" sz="2400" dirty="0"/>
-              <a:t>Python</a:t>
-            </a:r>
-            <a:r>
-              <a:rPr lang="ja-JP" altLang="en-US" sz="2400" dirty="0"/>
-              <a:t>で実装</a:t>
-            </a:r>
-            <a:endParaRPr lang="en-US" altLang="ja-JP" sz="2400" dirty="0"/>
-          </a:p>
-          <a:p>
-            <a:pPr marL="285750" indent="-285750">
-              <a:buFont typeface="Arial" panose="020B0604020202020204" pitchFamily="34" charset="0"/>
-              <a:buChar char="•"/>
-            </a:pPr>
-            <a:endParaRPr lang="en-US" altLang="ja-JP" sz="2400" dirty="0"/>
-          </a:p>
-          <a:p>
-            <a:pPr marL="285750" indent="-285750">
-              <a:buFont typeface="Arial" panose="020B0604020202020204" pitchFamily="34" charset="0"/>
-              <a:buChar char="•"/>
-            </a:pPr>
-            <a:r>
-              <a:rPr lang="ja-JP" altLang="en-US" sz="2400" dirty="0"/>
-              <a:t>サーバのプログラムは</a:t>
-            </a:r>
-            <a:r>
-              <a:rPr kumimoji="1" lang="en-US" altLang="ja-JP" sz="2400" dirty="0"/>
+            <a:endParaRPr kumimoji="1" lang="ja-JP" altLang="en-US" dirty="0"/>
+          </a:p>
+        </p:txBody>
+      </p:sp>
+      <p:pic>
+        <p:nvPicPr>
+          <p:cNvPr id="17" name="図 16">
+            <a:extLst>
+              <a:ext uri="{FF2B5EF4-FFF2-40B4-BE49-F238E27FC236}">
+                <a16:creationId xmlns:a16="http://schemas.microsoft.com/office/drawing/2014/main" id="{F635ED6F-6CE3-4C81-B91F-622759D54AF4}"/>
+              </a:ext>
+            </a:extLst>
+          </p:cNvPr>
+          <p:cNvPicPr>
+            <a:picLocks noChangeAspect="1"/>
+          </p:cNvPicPr>
+          <p:nvPr/>
+        </p:nvPicPr>
+        <p:blipFill>
+          <a:blip r:embed="rId4">
+            <a:extLst>
+              <a:ext uri="{28A0092B-C50C-407E-A947-70E740481C1C}">
+                <a14:useLocalDpi xmlns:a14="http://schemas.microsoft.com/office/drawing/2010/main" val="0"/>
+              </a:ext>
+            </a:extLst>
+          </a:blip>
+          <a:stretch>
+            <a:fillRect/>
+          </a:stretch>
+        </p:blipFill>
+        <p:spPr>
+          <a:xfrm>
+            <a:off x="4216978" y="1954361"/>
+            <a:ext cx="1167864" cy="1167864"/>
+          </a:xfrm>
+          <a:prstGeom prst="rect">
+            <a:avLst/>
+          </a:prstGeom>
+        </p:spPr>
+      </p:pic>
+      <p:cxnSp>
+        <p:nvCxnSpPr>
+          <p:cNvPr id="19" name="直線コネクタ 18">
+            <a:extLst>
+              <a:ext uri="{FF2B5EF4-FFF2-40B4-BE49-F238E27FC236}">
+                <a16:creationId xmlns:a16="http://schemas.microsoft.com/office/drawing/2014/main" id="{A0D37746-D309-40AE-A0C0-3A39F14887DA}"/>
+              </a:ext>
+            </a:extLst>
+          </p:cNvPr>
+          <p:cNvCxnSpPr>
+            <a:cxnSpLocks/>
+            <a:stCxn id="17" idx="3"/>
+          </p:cNvCxnSpPr>
+          <p:nvPr/>
+        </p:nvCxnSpPr>
+        <p:spPr>
+          <a:xfrm>
+            <a:off x="5384842" y="2538293"/>
+            <a:ext cx="546907" cy="0"/>
+          </a:xfrm>
+          <a:prstGeom prst="line">
+            <a:avLst/>
+          </a:prstGeom>
+        </p:spPr>
+        <p:style>
+          <a:lnRef idx="1">
+            <a:schemeClr val="accent6"/>
+          </a:lnRef>
+          <a:fillRef idx="0">
+            <a:schemeClr val="accent6"/>
+          </a:fillRef>
+          <a:effectRef idx="0">
+            <a:schemeClr val="accent6"/>
+          </a:effectRef>
+          <a:fontRef idx="minor">
+            <a:schemeClr val="tx1"/>
+          </a:fontRef>
+        </p:style>
+      </p:cxnSp>
+      <p:sp>
+        <p:nvSpPr>
+          <p:cNvPr id="20" name="テキスト ボックス 19">
+            <a:extLst>
+              <a:ext uri="{FF2B5EF4-FFF2-40B4-BE49-F238E27FC236}">
+                <a16:creationId xmlns:a16="http://schemas.microsoft.com/office/drawing/2014/main" id="{EE46EACE-71CE-49D5-8C38-4DEC4EDA1C9E}"/>
+              </a:ext>
+            </a:extLst>
+          </p:cNvPr>
+          <p:cNvSpPr txBox="1"/>
+          <p:nvPr/>
+        </p:nvSpPr>
+        <p:spPr>
+          <a:xfrm>
+            <a:off x="873933" y="3555004"/>
+            <a:ext cx="1718456" cy="369332"/>
+          </a:xfrm>
+          <a:prstGeom prst="rect">
+            <a:avLst/>
+          </a:prstGeom>
+          <a:noFill/>
+        </p:spPr>
+        <p:txBody>
+          <a:bodyPr wrap="square" rtlCol="0">
+            <a:spAutoFit/>
+          </a:bodyPr>
+          <a:lstStyle/>
+          <a:p>
+            <a:pPr algn="ctr"/>
+            <a:r>
+              <a:rPr kumimoji="1" lang="ja-JP" altLang="en-US" dirty="0"/>
+              <a:t>ユーザ</a:t>
+            </a:r>
+          </a:p>
+        </p:txBody>
+      </p:sp>
+      <p:grpSp>
+        <p:nvGrpSpPr>
+          <p:cNvPr id="23" name="グループ化 22">
+            <a:extLst>
+              <a:ext uri="{FF2B5EF4-FFF2-40B4-BE49-F238E27FC236}">
+                <a16:creationId xmlns:a16="http://schemas.microsoft.com/office/drawing/2014/main" id="{413CACD0-2EF9-40DA-A533-DF471D753942}"/>
+              </a:ext>
+            </a:extLst>
+          </p:cNvPr>
+          <p:cNvGrpSpPr/>
+          <p:nvPr/>
+        </p:nvGrpSpPr>
+        <p:grpSpPr>
+          <a:xfrm>
+            <a:off x="5931748" y="1914304"/>
+            <a:ext cx="5823283" cy="4620397"/>
+            <a:chOff x="5968773" y="1443511"/>
+            <a:chExt cx="5823283" cy="4620397"/>
+          </a:xfrm>
+        </p:grpSpPr>
+        <p:sp>
+          <p:nvSpPr>
+            <p:cNvPr id="10" name="四角形: 角を丸くする 9">
+              <a:extLst>
+                <a:ext uri="{FF2B5EF4-FFF2-40B4-BE49-F238E27FC236}">
+                  <a16:creationId xmlns:a16="http://schemas.microsoft.com/office/drawing/2014/main" id="{0409614C-F3D0-40A0-86DF-1580DDD8E79B}"/>
+                </a:ext>
+              </a:extLst>
+            </p:cNvPr>
+            <p:cNvSpPr/>
+            <p:nvPr/>
+          </p:nvSpPr>
+          <p:spPr>
+            <a:xfrm>
+              <a:off x="5968773" y="1443511"/>
+              <a:ext cx="5823283" cy="4620397"/>
+            </a:xfrm>
+            <a:prstGeom prst="roundRect">
+              <a:avLst/>
+            </a:prstGeom>
+          </p:spPr>
+          <p:style>
+            <a:lnRef idx="2">
+              <a:schemeClr val="accent6"/>
+            </a:lnRef>
+            <a:fillRef idx="1">
+              <a:schemeClr val="lt1"/>
+            </a:fillRef>
+            <a:effectRef idx="0">
+              <a:schemeClr val="accent6"/>
+            </a:effectRef>
+            <a:fontRef idx="minor">
+              <a:schemeClr val="dk1"/>
+            </a:fontRef>
+          </p:style>
+          <p:txBody>
+            <a:bodyPr rtlCol="0" anchor="ctr"/>
+            <a:lstStyle/>
+            <a:p>
+              <a:pPr algn="ctr"/>
+              <a:endParaRPr kumimoji="1" lang="ja-JP" altLang="en-US"/>
+            </a:p>
+          </p:txBody>
+        </p:sp>
+        <p:grpSp>
+          <p:nvGrpSpPr>
+            <p:cNvPr id="15" name="グループ化 14">
+              <a:extLst>
+                <a:ext uri="{FF2B5EF4-FFF2-40B4-BE49-F238E27FC236}">
+                  <a16:creationId xmlns:a16="http://schemas.microsoft.com/office/drawing/2014/main" id="{B130732D-09B9-4E65-ADEE-5983671C3596}"/>
+                </a:ext>
+              </a:extLst>
+            </p:cNvPr>
+            <p:cNvGrpSpPr/>
+            <p:nvPr/>
+          </p:nvGrpSpPr>
+          <p:grpSpPr>
+            <a:xfrm>
+              <a:off x="8889566" y="1852717"/>
+              <a:ext cx="2655330" cy="1860539"/>
+              <a:chOff x="8662737" y="2189802"/>
+              <a:chExt cx="2655330" cy="1860539"/>
+            </a:xfrm>
+          </p:grpSpPr>
+          <p:sp>
+            <p:nvSpPr>
+              <p:cNvPr id="11" name="四角形: 角を丸くする 10">
+                <a:extLst>
+                  <a:ext uri="{FF2B5EF4-FFF2-40B4-BE49-F238E27FC236}">
+                    <a16:creationId xmlns:a16="http://schemas.microsoft.com/office/drawing/2014/main" id="{93A19059-D052-447A-924F-5E9291ABD726}"/>
+                  </a:ext>
+                </a:extLst>
+              </p:cNvPr>
+              <p:cNvSpPr/>
+              <p:nvPr/>
+            </p:nvSpPr>
+            <p:spPr>
+              <a:xfrm>
+                <a:off x="8662737" y="2189802"/>
+                <a:ext cx="2655330" cy="1860539"/>
+              </a:xfrm>
+              <a:prstGeom prst="roundRect">
+                <a:avLst/>
+              </a:prstGeom>
+              <a:solidFill>
+                <a:schemeClr val="accent2"/>
+              </a:solidFill>
+            </p:spPr>
+            <p:style>
+              <a:lnRef idx="2">
+                <a:schemeClr val="accent1">
+                  <a:shade val="50000"/>
+                </a:schemeClr>
+              </a:lnRef>
+              <a:fillRef idx="1">
+                <a:schemeClr val="accent1"/>
+              </a:fillRef>
+              <a:effectRef idx="0">
+                <a:schemeClr val="accent1"/>
+              </a:effectRef>
+              <a:fontRef idx="minor">
+                <a:schemeClr val="lt1"/>
+              </a:fontRef>
+            </p:style>
+            <p:txBody>
+              <a:bodyPr rtlCol="0" anchor="ctr"/>
+              <a:lstStyle/>
+              <a:p>
+                <a:pPr algn="ctr"/>
+                <a:endParaRPr kumimoji="1" lang="en-US" altLang="ja-JP" dirty="0"/>
+              </a:p>
+            </p:txBody>
+          </p:sp>
+          <p:sp>
+            <p:nvSpPr>
+              <p:cNvPr id="12" name="テキスト ボックス 11">
+                <a:extLst>
+                  <a:ext uri="{FF2B5EF4-FFF2-40B4-BE49-F238E27FC236}">
+                    <a16:creationId xmlns:a16="http://schemas.microsoft.com/office/drawing/2014/main" id="{D0E94323-8F75-4A70-A78E-EEA688500E66}"/>
+                  </a:ext>
+                </a:extLst>
+              </p:cNvPr>
+              <p:cNvSpPr txBox="1"/>
+              <p:nvPr/>
+            </p:nvSpPr>
+            <p:spPr>
+              <a:xfrm>
+                <a:off x="8843391" y="2562052"/>
+                <a:ext cx="2294021" cy="369332"/>
+              </a:xfrm>
+              <a:prstGeom prst="rect">
+                <a:avLst/>
+              </a:prstGeom>
+              <a:noFill/>
+            </p:spPr>
+            <p:txBody>
+              <a:bodyPr wrap="square" rtlCol="0">
+                <a:spAutoFit/>
+              </a:bodyPr>
+              <a:lstStyle/>
+              <a:p>
+                <a:r>
+                  <a:rPr kumimoji="1" lang="ja-JP" altLang="en-US" b="1" dirty="0">
+                    <a:solidFill>
+                      <a:schemeClr val="bg1"/>
+                    </a:solidFill>
+                  </a:rPr>
+                  <a:t>自動作曲</a:t>
+                </a:r>
+                <a:r>
+                  <a:rPr lang="ja-JP" altLang="en-US" b="1" dirty="0">
+                    <a:solidFill>
+                      <a:schemeClr val="bg1"/>
+                    </a:solidFill>
+                  </a:rPr>
+                  <a:t>システム</a:t>
+                </a:r>
+                <a:endParaRPr kumimoji="1" lang="ja-JP" altLang="en-US" b="1" dirty="0">
+                  <a:solidFill>
+                    <a:schemeClr val="bg1"/>
+                  </a:solidFill>
+                </a:endParaRPr>
+              </a:p>
+            </p:txBody>
+          </p:sp>
+          <p:sp>
+            <p:nvSpPr>
+              <p:cNvPr id="14" name="テキスト ボックス 13">
+                <a:extLst>
+                  <a:ext uri="{FF2B5EF4-FFF2-40B4-BE49-F238E27FC236}">
+                    <a16:creationId xmlns:a16="http://schemas.microsoft.com/office/drawing/2014/main" id="{50709B28-BB3F-4A94-BF79-DC5A4E45E897}"/>
+                  </a:ext>
+                </a:extLst>
+              </p:cNvPr>
+              <p:cNvSpPr txBox="1"/>
+              <p:nvPr/>
+            </p:nvSpPr>
+            <p:spPr>
+              <a:xfrm>
+                <a:off x="8853752" y="2966019"/>
+                <a:ext cx="2294021" cy="738664"/>
+              </a:xfrm>
+              <a:prstGeom prst="rect">
+                <a:avLst/>
+              </a:prstGeom>
+              <a:noFill/>
+            </p:spPr>
+            <p:txBody>
+              <a:bodyPr wrap="square" rtlCol="0">
+                <a:spAutoFit/>
+              </a:bodyPr>
+              <a:lstStyle/>
+              <a:p>
+                <a:r>
+                  <a:rPr kumimoji="1" lang="ja-JP" altLang="en-US" sz="2400" dirty="0">
+                    <a:solidFill>
+                      <a:schemeClr val="bg1"/>
+                    </a:solidFill>
+                  </a:rPr>
+                  <a:t>・</a:t>
+                </a:r>
+                <a:r>
+                  <a:rPr lang="en-US" altLang="ja-JP" sz="2000" dirty="0">
+                    <a:solidFill>
+                      <a:schemeClr val="bg1"/>
+                    </a:solidFill>
+                  </a:rPr>
+                  <a:t>DNN</a:t>
+                </a:r>
+              </a:p>
+              <a:p>
+                <a:pPr marL="742950" lvl="1" indent="-285750">
+                  <a:buFont typeface="Arial" panose="020B0604020202020204" pitchFamily="34" charset="0"/>
+                  <a:buChar char="•"/>
+                </a:pPr>
+                <a:r>
+                  <a:rPr lang="en-US" altLang="ja-JP" dirty="0">
+                    <a:solidFill>
+                      <a:schemeClr val="bg1"/>
+                    </a:solidFill>
+                  </a:rPr>
+                  <a:t>LSTM</a:t>
+                </a:r>
+              </a:p>
+            </p:txBody>
+          </p:sp>
+        </p:grpSp>
+        <p:sp>
+          <p:nvSpPr>
+            <p:cNvPr id="21" name="四角形: 角を丸くする 20">
+              <a:extLst>
+                <a:ext uri="{FF2B5EF4-FFF2-40B4-BE49-F238E27FC236}">
+                  <a16:creationId xmlns:a16="http://schemas.microsoft.com/office/drawing/2014/main" id="{C29707AB-F090-4A48-B64A-2FF4BBC21EE0}"/>
+                </a:ext>
+              </a:extLst>
+            </p:cNvPr>
+            <p:cNvSpPr/>
+            <p:nvPr/>
+          </p:nvSpPr>
+          <p:spPr>
+            <a:xfrm>
+              <a:off x="6114693" y="1852716"/>
+              <a:ext cx="2599949" cy="2400892"/>
+            </a:xfrm>
+            <a:prstGeom prst="roundRect">
+              <a:avLst/>
+            </a:prstGeom>
+          </p:spPr>
+          <p:style>
+            <a:lnRef idx="2">
+              <a:schemeClr val="accent5">
+                <a:shade val="50000"/>
+              </a:schemeClr>
+            </a:lnRef>
+            <a:fillRef idx="1">
+              <a:schemeClr val="accent5"/>
+            </a:fillRef>
+            <a:effectRef idx="0">
+              <a:schemeClr val="accent5"/>
+            </a:effectRef>
+            <a:fontRef idx="minor">
+              <a:schemeClr val="lt1"/>
+            </a:fontRef>
+          </p:style>
+          <p:txBody>
+            <a:bodyPr rtlCol="0" anchor="ctr"/>
+            <a:lstStyle/>
+            <a:p>
+              <a:pPr algn="ctr"/>
+              <a:endParaRPr kumimoji="1" lang="en-US" altLang="ja-JP" b="1" dirty="0"/>
+            </a:p>
+            <a:p>
+              <a:pPr algn="ctr"/>
+              <a:r>
+                <a:rPr kumimoji="1" lang="en-US" altLang="ja-JP" b="1" dirty="0"/>
+                <a:t>Web</a:t>
+              </a:r>
+              <a:r>
+                <a:rPr kumimoji="1" lang="ja-JP" altLang="en-US" b="1" dirty="0"/>
+                <a:t>ページ</a:t>
+              </a:r>
+              <a:endParaRPr lang="en-US" altLang="ja-JP" b="1" dirty="0"/>
+            </a:p>
+            <a:p>
+              <a:pPr algn="ctr"/>
+              <a:endParaRPr lang="en-US" altLang="ja-JP" dirty="0"/>
+            </a:p>
+            <a:p>
+              <a:pPr marL="285750" indent="-285750">
+                <a:buFont typeface="Arial" panose="020B0604020202020204" pitchFamily="34" charset="0"/>
+                <a:buChar char="•"/>
+              </a:pPr>
+              <a:r>
+                <a:rPr kumimoji="1" lang="ja-JP" altLang="en-US" dirty="0"/>
+                <a:t>タイトル</a:t>
+              </a:r>
+              <a:endParaRPr kumimoji="1" lang="en-US" altLang="ja-JP" dirty="0"/>
+            </a:p>
+            <a:p>
+              <a:pPr marL="285750" indent="-285750">
+                <a:buFont typeface="Arial" panose="020B0604020202020204" pitchFamily="34" charset="0"/>
+                <a:buChar char="•"/>
+              </a:pPr>
+              <a:endParaRPr kumimoji="1" lang="en-US" altLang="ja-JP" dirty="0"/>
+            </a:p>
+            <a:p>
+              <a:pPr marL="285750" indent="-285750">
+                <a:buFont typeface="Arial" panose="020B0604020202020204" pitchFamily="34" charset="0"/>
+                <a:buChar char="•"/>
+              </a:pPr>
+              <a:r>
+                <a:rPr lang="ja-JP" altLang="en-US" dirty="0"/>
+                <a:t>入力画面</a:t>
+              </a:r>
+              <a:endParaRPr lang="en-US" altLang="ja-JP" dirty="0"/>
+            </a:p>
+            <a:p>
+              <a:pPr marL="285750" indent="-285750">
+                <a:buFont typeface="Arial" panose="020B0604020202020204" pitchFamily="34" charset="0"/>
+                <a:buChar char="•"/>
+              </a:pPr>
+              <a:endParaRPr lang="en-US" altLang="ja-JP" dirty="0"/>
+            </a:p>
+            <a:p>
+              <a:pPr marL="285750" indent="-285750">
+                <a:buFont typeface="Arial" panose="020B0604020202020204" pitchFamily="34" charset="0"/>
+                <a:buChar char="•"/>
+              </a:pPr>
+              <a:r>
+                <a:rPr kumimoji="1" lang="ja-JP" altLang="en-US" dirty="0"/>
+                <a:t>結果出力画面</a:t>
+              </a:r>
+              <a:endParaRPr kumimoji="1" lang="en-US" altLang="ja-JP" dirty="0"/>
+            </a:p>
+            <a:p>
+              <a:pPr marL="285750" indent="-285750" algn="ctr">
+                <a:buFont typeface="Arial" panose="020B0604020202020204" pitchFamily="34" charset="0"/>
+                <a:buChar char="•"/>
+              </a:pPr>
+              <a:endParaRPr kumimoji="1" lang="ja-JP" altLang="en-US" dirty="0"/>
+            </a:p>
+          </p:txBody>
+        </p:sp>
+        <p:sp>
+          <p:nvSpPr>
+            <p:cNvPr id="22" name="四角形: 角を丸くする 21">
+              <a:extLst>
+                <a:ext uri="{FF2B5EF4-FFF2-40B4-BE49-F238E27FC236}">
+                  <a16:creationId xmlns:a16="http://schemas.microsoft.com/office/drawing/2014/main" id="{1788D82B-806B-416D-9A81-8E0269B32405}"/>
+                </a:ext>
+              </a:extLst>
+            </p:cNvPr>
+            <p:cNvSpPr/>
+            <p:nvPr/>
+          </p:nvSpPr>
+          <p:spPr>
+            <a:xfrm>
+              <a:off x="8880415" y="4460688"/>
+              <a:ext cx="2599949" cy="1159544"/>
+            </a:xfrm>
+            <a:prstGeom prst="roundRect">
+              <a:avLst/>
+            </a:prstGeom>
+          </p:spPr>
+          <p:style>
+            <a:lnRef idx="2">
+              <a:schemeClr val="accent3">
+                <a:shade val="50000"/>
+              </a:schemeClr>
+            </a:lnRef>
+            <a:fillRef idx="1">
+              <a:schemeClr val="accent3"/>
+            </a:fillRef>
+            <a:effectRef idx="0">
+              <a:schemeClr val="accent3"/>
+            </a:effectRef>
+            <a:fontRef idx="minor">
+              <a:schemeClr val="lt1"/>
+            </a:fontRef>
+          </p:style>
+          <p:txBody>
+            <a:bodyPr rtlCol="0" anchor="ctr"/>
+            <a:lstStyle/>
+            <a:p>
+              <a:pPr algn="ctr"/>
+              <a:r>
+                <a:rPr lang="ja-JP" altLang="en-US" dirty="0"/>
+                <a:t>データ保存場所</a:t>
+              </a:r>
+              <a:endParaRPr lang="en-US" altLang="ja-JP" dirty="0"/>
+            </a:p>
+          </p:txBody>
+        </p:sp>
+      </p:grpSp>
+      <p:sp>
+        <p:nvSpPr>
+          <p:cNvPr id="25" name="正方形/長方形 24">
+            <a:extLst>
+              <a:ext uri="{FF2B5EF4-FFF2-40B4-BE49-F238E27FC236}">
+                <a16:creationId xmlns:a16="http://schemas.microsoft.com/office/drawing/2014/main" id="{D52DBE5E-357C-44BA-8EB1-4B61BEF4DE22}"/>
+              </a:ext>
+            </a:extLst>
+          </p:cNvPr>
+          <p:cNvSpPr/>
+          <p:nvPr/>
+        </p:nvSpPr>
+        <p:spPr>
+          <a:xfrm>
+            <a:off x="6577263" y="1700463"/>
+            <a:ext cx="1138990" cy="433137"/>
+          </a:xfrm>
+          <a:prstGeom prst="rect">
+            <a:avLst/>
+          </a:prstGeom>
+        </p:spPr>
+        <p:style>
+          <a:lnRef idx="2">
+            <a:schemeClr val="accent6"/>
+          </a:lnRef>
+          <a:fillRef idx="1">
+            <a:schemeClr val="lt1"/>
+          </a:fillRef>
+          <a:effectRef idx="0">
+            <a:schemeClr val="accent6"/>
+          </a:effectRef>
+          <a:fontRef idx="minor">
+            <a:schemeClr val="dk1"/>
+          </a:fontRef>
+        </p:style>
+        <p:txBody>
+          <a:bodyPr rtlCol="0" anchor="ctr"/>
+          <a:lstStyle/>
+          <a:p>
+            <a:pPr algn="ctr"/>
+            <a:r>
+              <a:rPr kumimoji="1" lang="en-US" altLang="ja-JP" sz="2400" dirty="0">
+                <a:latin typeface="Arial Black" panose="020B0A04020102020204" pitchFamily="34" charset="0"/>
+              </a:rPr>
               <a:t>Flask</a:t>
             </a:r>
-            <a:r>
-              <a:rPr kumimoji="1" lang="ja-JP" altLang="en-US" sz="2400" dirty="0"/>
-              <a:t>という</a:t>
-            </a:r>
-            <a:r>
-              <a:rPr kumimoji="1" lang="en-US" altLang="ja-JP" sz="2400" dirty="0"/>
-              <a:t>Python</a:t>
-            </a:r>
-            <a:r>
-              <a:rPr kumimoji="1" lang="ja-JP" altLang="en-US" sz="2400" dirty="0"/>
-              <a:t>のライブラリを使い</a:t>
-            </a:r>
-            <a:r>
-              <a:rPr lang="ja-JP" altLang="en-US" sz="2400" dirty="0"/>
-              <a:t>実装</a:t>
-            </a:r>
-            <a:endParaRPr kumimoji="1" lang="ja-JP" altLang="en-US" sz="2400" dirty="0"/>
+            <a:endParaRPr kumimoji="1" lang="ja-JP" altLang="en-US" sz="2400" dirty="0">
+              <a:latin typeface="Arial Black" panose="020B0A04020102020204" pitchFamily="34" charset="0"/>
+            </a:endParaRPr>
+          </a:p>
+        </p:txBody>
+      </p:sp>
+      <p:sp>
+        <p:nvSpPr>
+          <p:cNvPr id="27" name="テキスト ボックス 26">
+            <a:extLst>
+              <a:ext uri="{FF2B5EF4-FFF2-40B4-BE49-F238E27FC236}">
+                <a16:creationId xmlns:a16="http://schemas.microsoft.com/office/drawing/2014/main" id="{4BA03AC9-8821-48AC-BA65-0549CDC13148}"/>
+              </a:ext>
+            </a:extLst>
+          </p:cNvPr>
+          <p:cNvSpPr txBox="1"/>
+          <p:nvPr/>
+        </p:nvSpPr>
+        <p:spPr>
+          <a:xfrm>
+            <a:off x="3939840" y="3578097"/>
+            <a:ext cx="1718456" cy="369332"/>
+          </a:xfrm>
+          <a:prstGeom prst="rect">
+            <a:avLst/>
+          </a:prstGeom>
+          <a:noFill/>
+        </p:spPr>
+        <p:txBody>
+          <a:bodyPr wrap="square" rtlCol="0">
+            <a:spAutoFit/>
+          </a:bodyPr>
+          <a:lstStyle/>
+          <a:p>
+            <a:pPr algn="ctr"/>
+            <a:r>
+              <a:rPr kumimoji="1" lang="ja-JP" altLang="en-US" dirty="0"/>
+              <a:t>サーバ</a:t>
+            </a:r>
           </a:p>
         </p:txBody>
       </p:sp>
@@ -5485,13 +6201,13 @@
   <p:clrMapOvr>
     <a:masterClrMapping/>
   </p:clrMapOvr>
-  <mc:AlternateContent xmlns:mc="http://schemas.openxmlformats.org/markup-compatibility/2006">
-    <mc:Choice xmlns:p14="http://schemas.microsoft.com/office/powerpoint/2010/main" Requires="p14">
+  <mc:AlternateContent xmlns:mc="http://schemas.openxmlformats.org/markup-compatibility/2006" xmlns:p14="http://schemas.microsoft.com/office/powerpoint/2010/main">
+    <mc:Choice Requires="p14">
       <p:transition spd="slow" p14:dur="800">
         <p:circle/>
       </p:transition>
     </mc:Choice>
-    <mc:Fallback>
+    <mc:Fallback xmlns="">
       <p:transition spd="slow">
         <p:circle/>
       </p:transition>
@@ -5567,7 +6283,7 @@
         <p:spPr>
           <a:xfrm>
             <a:off x="838200" y="1834243"/>
-            <a:ext cx="10850217" cy="1754326"/>
+            <a:ext cx="10850217" cy="2862322"/>
           </a:xfrm>
           <a:prstGeom prst="rect">
             <a:avLst/>
@@ -5603,10 +6319,24 @@
               <a:buFont typeface="+mj-lt"/>
               <a:buAutoNum type="arabicPeriod"/>
             </a:pPr>
+            <a:endParaRPr lang="en-US" altLang="ja-JP" sz="3600" dirty="0"/>
+          </a:p>
+          <a:p>
+            <a:pPr marL="342900" indent="-342900">
+              <a:buFont typeface="+mj-lt"/>
+              <a:buAutoNum type="arabicPeriod"/>
+            </a:pPr>
             <a:r>
               <a:rPr lang="ja-JP" altLang="en-US" sz="3600" dirty="0"/>
               <a:t>サーバに送信</a:t>
             </a:r>
+            <a:endParaRPr lang="en-US" altLang="ja-JP" sz="3600" dirty="0"/>
+          </a:p>
+          <a:p>
+            <a:pPr marL="342900" indent="-342900">
+              <a:buFont typeface="+mj-lt"/>
+              <a:buAutoNum type="arabicPeriod"/>
+            </a:pPr>
             <a:endParaRPr kumimoji="1" lang="en-US" altLang="ja-JP" sz="3600" dirty="0"/>
           </a:p>
           <a:p>
@@ -5632,13 +6362,13 @@
   <p:clrMapOvr>
     <a:masterClrMapping/>
   </p:clrMapOvr>
-  <mc:AlternateContent xmlns:mc="http://schemas.openxmlformats.org/markup-compatibility/2006">
-    <mc:Choice xmlns:p14="http://schemas.microsoft.com/office/powerpoint/2010/main" Requires="p14">
+  <mc:AlternateContent xmlns:mc="http://schemas.openxmlformats.org/markup-compatibility/2006" xmlns:p14="http://schemas.microsoft.com/office/powerpoint/2010/main">
+    <mc:Choice Requires="p14">
       <p:transition spd="slow" p14:dur="800">
         <p:circle/>
       </p:transition>
     </mc:Choice>
-    <mc:Fallback>
+    <mc:Fallback xmlns="">
       <p:transition spd="slow">
         <p:circle/>
       </p:transition>
@@ -5683,12 +6413,12 @@
         <p:spPr>
           <a:xfrm>
             <a:off x="824698" y="312565"/>
-            <a:ext cx="9373866" cy="1293028"/>
+            <a:ext cx="10529102" cy="1293028"/>
           </a:xfrm>
         </p:spPr>
         <p:txBody>
           <a:bodyPr>
-            <a:normAutofit fontScale="90000"/>
+            <a:normAutofit/>
           </a:bodyPr>
           <a:lstStyle/>
           <a:p>
@@ -5697,12 +6427,12 @@
               <a:buAutoNum type="arabicPeriod"/>
             </a:pPr>
             <a:r>
-              <a:rPr kumimoji="1" lang="en-US" altLang="ja-JP" dirty="0"/>
+              <a:rPr kumimoji="1" lang="en-US" altLang="ja-JP" sz="3600" dirty="0"/>
               <a:t>Web</a:t>
             </a:r>
             <a:r>
-              <a:rPr kumimoji="1" lang="ja-JP" altLang="en-US" dirty="0"/>
-              <a:t>ページ上の鍵盤で作曲して送信</a:t>
+              <a:rPr kumimoji="1" lang="ja-JP" altLang="en-US" sz="3600" dirty="0"/>
+              <a:t>ページ上の鍵盤で短いメロディを入力</a:t>
             </a:r>
           </a:p>
         </p:txBody>
@@ -5737,7 +6467,7 @@
         </p:blipFill>
         <p:spPr>
           <a:xfrm>
-            <a:off x="1123949" y="3519100"/>
+            <a:off x="904570" y="3397275"/>
             <a:ext cx="9944100" cy="2133600"/>
           </a:xfrm>
         </p:spPr>
@@ -5824,7 +6554,7 @@
         </p:blipFill>
         <p:spPr>
           <a:xfrm>
-            <a:off x="2132334" y="1737245"/>
+            <a:off x="1912955" y="1490651"/>
             <a:ext cx="7927331" cy="1923298"/>
           </a:xfrm>
           <a:prstGeom prst="rect">
@@ -5871,47 +6601,6 @@
           </a:p>
         </p:txBody>
       </p:sp>
-      <p:sp>
-        <p:nvSpPr>
-          <p:cNvPr id="24" name="テキスト ボックス 23">
-            <a:extLst>
-              <a:ext uri="{FF2B5EF4-FFF2-40B4-BE49-F238E27FC236}">
-                <a16:creationId xmlns:a16="http://schemas.microsoft.com/office/drawing/2014/main" id="{CC2F4E9E-E77D-4EBB-A9E8-858EFC0F5752}"/>
-              </a:ext>
-            </a:extLst>
-          </p:cNvPr>
-          <p:cNvSpPr txBox="1"/>
-          <p:nvPr/>
-        </p:nvSpPr>
-        <p:spPr>
-          <a:xfrm>
-            <a:off x="9840286" y="5652700"/>
-            <a:ext cx="2588130" cy="276999"/>
-          </a:xfrm>
-          <a:prstGeom prst="rect">
-            <a:avLst/>
-          </a:prstGeom>
-          <a:noFill/>
-        </p:spPr>
-        <p:txBody>
-          <a:bodyPr wrap="square" rtlCol="0">
-            <a:spAutoFit/>
-          </a:bodyPr>
-          <a:lstStyle/>
-          <a:p>
-            <a:r>
-              <a:rPr kumimoji="1" lang="ja-JP" altLang="en-US" sz="1200" dirty="0">
-                <a:hlinkClick r:id="rId5"/>
-              </a:rPr>
-              <a:t>来夢来人</a:t>
-            </a:r>
-            <a:r>
-              <a:rPr kumimoji="1" lang="ja-JP" altLang="en-US" sz="1200" dirty="0"/>
-              <a:t>より引用</a:t>
-            </a:r>
-          </a:p>
-        </p:txBody>
-      </p:sp>
       <p:pic>
         <p:nvPicPr>
           <p:cNvPr id="5" name="図 4">
@@ -5927,7 +6616,7 @@
           <p:nvPr/>
         </p:nvPicPr>
         <p:blipFill>
-          <a:blip r:embed="rId6">
+          <a:blip r:embed="rId5">
             <a:extLst>
               <a:ext uri="{28A0092B-C50C-407E-A947-70E740481C1C}">
                 <a14:useLocalDpi xmlns:a14="http://schemas.microsoft.com/office/drawing/2010/main" val="0"/>
@@ -5940,7 +6629,7 @@
         </p:blipFill>
         <p:spPr>
           <a:xfrm>
-            <a:off x="11134351" y="5042895"/>
+            <a:off x="11143229" y="5006186"/>
             <a:ext cx="700502" cy="400287"/>
           </a:xfrm>
           <a:prstGeom prst="rect">
@@ -5948,6 +6637,45 @@
           </a:prstGeom>
         </p:spPr>
       </p:pic>
+      <p:sp>
+        <p:nvSpPr>
+          <p:cNvPr id="6" name="テキスト ボックス 5">
+            <a:extLst>
+              <a:ext uri="{FF2B5EF4-FFF2-40B4-BE49-F238E27FC236}">
+                <a16:creationId xmlns:a16="http://schemas.microsoft.com/office/drawing/2014/main" id="{54D5D598-9E09-43BB-B516-8A847E34B839}"/>
+              </a:ext>
+            </a:extLst>
+          </p:cNvPr>
+          <p:cNvSpPr txBox="1"/>
+          <p:nvPr/>
+        </p:nvSpPr>
+        <p:spPr>
+          <a:xfrm>
+            <a:off x="577516" y="5652700"/>
+            <a:ext cx="8807784" cy="646331"/>
+          </a:xfrm>
+          <a:prstGeom prst="rect">
+            <a:avLst/>
+          </a:prstGeom>
+          <a:noFill/>
+        </p:spPr>
+        <p:txBody>
+          <a:bodyPr wrap="square" rtlCol="0">
+            <a:spAutoFit/>
+          </a:bodyPr>
+          <a:lstStyle/>
+          <a:p>
+            <a:r>
+              <a:rPr kumimoji="1" lang="en-US" altLang="ja-JP" sz="3600" dirty="0"/>
+              <a:t>2. </a:t>
+            </a:r>
+            <a:r>
+              <a:rPr kumimoji="1" lang="ja-JP" altLang="en-US" sz="3600" dirty="0"/>
+              <a:t>サーバに送信</a:t>
+            </a:r>
+          </a:p>
+        </p:txBody>
+      </p:sp>
     </p:spTree>
     <p:extLst>
       <p:ext uri="{BB962C8B-B14F-4D97-AF65-F5344CB8AC3E}">
@@ -5958,13 +6686,13 @@
   <p:clrMapOvr>
     <a:masterClrMapping/>
   </p:clrMapOvr>
-  <mc:AlternateContent xmlns:mc="http://schemas.openxmlformats.org/markup-compatibility/2006">
-    <mc:Choice xmlns:p14="http://schemas.microsoft.com/office/powerpoint/2010/main" Requires="p14">
+  <mc:AlternateContent xmlns:mc="http://schemas.openxmlformats.org/markup-compatibility/2006" xmlns:p14="http://schemas.microsoft.com/office/powerpoint/2010/main">
+    <mc:Choice Requires="p14">
       <p:transition spd="slow" p14:dur="800">
         <p:circle/>
       </p:transition>
     </mc:Choice>
-    <mc:Fallback>
+    <mc:Fallback xmlns="">
       <p:transition spd="slow">
         <p:circle/>
       </p:transition>
@@ -6061,8 +6789,8 @@
         </p:blipFill>
         <p:spPr bwMode="auto">
           <a:xfrm>
-            <a:off x="4005540" y="1825625"/>
-            <a:ext cx="4180920" cy="4351338"/>
+            <a:off x="8593582" y="2940598"/>
+            <a:ext cx="3328922" cy="3464612"/>
           </a:xfrm>
           <a:prstGeom prst="rect">
             <a:avLst/>
@@ -6093,8 +6821,8 @@
         </p:nvSpPr>
         <p:spPr>
           <a:xfrm>
-            <a:off x="838200" y="2133600"/>
-            <a:ext cx="6839454" cy="369332"/>
+            <a:off x="838200" y="2828835"/>
+            <a:ext cx="7166811" cy="1200329"/>
           </a:xfrm>
           <a:prstGeom prst="rect">
             <a:avLst/>
@@ -6108,18 +6836,18 @@
           <a:lstStyle/>
           <a:p>
             <a:r>
-              <a:rPr kumimoji="1" lang="ja-JP" altLang="en-US" dirty="0"/>
+              <a:rPr kumimoji="1" lang="ja-JP" altLang="en-US" sz="3600" dirty="0"/>
               <a:t>結果出力ページに</a:t>
             </a:r>
             <a:r>
-              <a:rPr kumimoji="1" lang="en-US" altLang="ja-JP" dirty="0"/>
+              <a:rPr kumimoji="1" lang="en-US" altLang="ja-JP" sz="3600" dirty="0"/>
               <a:t>AI</a:t>
             </a:r>
             <a:r>
-              <a:rPr kumimoji="1" lang="ja-JP" altLang="en-US" dirty="0"/>
+              <a:rPr kumimoji="1" lang="ja-JP" altLang="en-US" sz="3600" dirty="0"/>
               <a:t>が作った曲が送信されているのでそこで聴く</a:t>
             </a:r>
-            <a:endParaRPr kumimoji="1" lang="en-US" altLang="ja-JP" dirty="0"/>
+            <a:endParaRPr kumimoji="1" lang="en-US" altLang="ja-JP" sz="3600" dirty="0"/>
           </a:p>
         </p:txBody>
       </p:sp>
@@ -6133,13 +6861,13 @@
   <p:clrMapOvr>
     <a:masterClrMapping/>
   </p:clrMapOvr>
-  <mc:AlternateContent xmlns:mc="http://schemas.openxmlformats.org/markup-compatibility/2006">
-    <mc:Choice xmlns:p14="http://schemas.microsoft.com/office/powerpoint/2010/main" Requires="p14">
+  <mc:AlternateContent xmlns:mc="http://schemas.openxmlformats.org/markup-compatibility/2006" xmlns:p14="http://schemas.microsoft.com/office/powerpoint/2010/main">
+    <mc:Choice Requires="p14">
       <p:transition spd="slow" p14:dur="800">
         <p:circle/>
       </p:transition>
     </mc:Choice>
-    <mc:Fallback>
+    <mc:Fallback xmlns="">
       <p:transition spd="slow">
         <p:circle/>
       </p:transition>
@@ -6199,9 +6927,10 @@
               <a:t>AI</a:t>
             </a:r>
             <a:r>
-              <a:rPr kumimoji="1" lang="ja-JP" altLang="en-US" dirty="0"/>
-              <a:t>の学習</a:t>
-            </a:r>
+              <a:rPr lang="ja-JP" altLang="en-US" dirty="0"/>
+              <a:t>について</a:t>
+            </a:r>
+            <a:endParaRPr kumimoji="1" lang="ja-JP" altLang="en-US" dirty="0"/>
           </a:p>
         </p:txBody>
       </p:sp>
@@ -6219,8 +6948,8 @@
         </p:nvSpPr>
         <p:spPr>
           <a:xfrm>
-            <a:off x="875727" y="2104824"/>
-            <a:ext cx="10527632" cy="2677656"/>
+            <a:off x="374072" y="2104824"/>
+            <a:ext cx="11471563" cy="3539430"/>
           </a:xfrm>
           <a:prstGeom prst="rect">
             <a:avLst/>
@@ -6247,7 +6976,7 @@
             </a:r>
             <a:r>
               <a:rPr lang="ja-JP" altLang="en-US" sz="2400" dirty="0"/>
-              <a:t>のなかに出現するドやレなどの音を学習</a:t>
+              <a:t>のなかに出現する音のパターンを学習</a:t>
             </a:r>
             <a:endParaRPr lang="en-US" altLang="ja-JP" sz="2400" dirty="0"/>
           </a:p>
@@ -6265,7 +6994,15 @@
             </a:pPr>
             <a:r>
               <a:rPr lang="ja-JP" altLang="en-US" sz="2400" dirty="0"/>
-              <a:t>音のパターンを学習してそれに合わせるよう作曲できるようになる</a:t>
+              <a:t>入力されたメロディにつなげて</a:t>
+            </a:r>
+            <a:r>
+              <a:rPr lang="en-US" altLang="ja-JP" sz="2400" dirty="0"/>
+              <a:t>AI</a:t>
+            </a:r>
+            <a:r>
+              <a:rPr lang="ja-JP" altLang="en-US" sz="2400" dirty="0"/>
+              <a:t>が音を自動的に作る</a:t>
             </a:r>
             <a:endParaRPr lang="en-US" altLang="ja-JP" sz="2400" dirty="0"/>
           </a:p>
@@ -6306,6 +7043,29 @@
           <a:p>
             <a:pPr lvl="1"/>
             <a:endParaRPr lang="en-US" altLang="ja-JP" sz="2400" dirty="0"/>
+          </a:p>
+          <a:p>
+            <a:pPr lvl="1"/>
+            <a:r>
+              <a:rPr lang="en-US" altLang="ja-JP" sz="2800" dirty="0"/>
+              <a:t>midi </a:t>
+            </a:r>
+            <a:r>
+              <a:rPr lang="ja-JP" altLang="en-US" sz="2000" dirty="0"/>
+              <a:t>・・・</a:t>
+            </a:r>
+            <a:r>
+              <a:rPr lang="ja-JP" altLang="en-US" sz="2800" dirty="0"/>
+              <a:t>楽器や音などがデータとして入っている。コンピュータ上</a:t>
+            </a:r>
+            <a:r>
+              <a:rPr lang="en-US" altLang="ja-JP" sz="2800" dirty="0"/>
+              <a:t>		  </a:t>
+            </a:r>
+            <a:r>
+              <a:rPr lang="ja-JP" altLang="en-US" sz="2800" dirty="0"/>
+              <a:t>で編集・再生ができる</a:t>
+            </a:r>
           </a:p>
         </p:txBody>
       </p:sp>
@@ -6319,13 +7079,13 @@
   <p:clrMapOvr>
     <a:masterClrMapping/>
   </p:clrMapOvr>
-  <mc:AlternateContent xmlns:mc="http://schemas.openxmlformats.org/markup-compatibility/2006">
-    <mc:Choice xmlns:p14="http://schemas.microsoft.com/office/powerpoint/2010/main" Requires="p14">
+  <mc:AlternateContent xmlns:mc="http://schemas.openxmlformats.org/markup-compatibility/2006" xmlns:p14="http://schemas.microsoft.com/office/powerpoint/2010/main">
+    <mc:Choice Requires="p14">
       <p:transition spd="slow" p14:dur="800">
         <p:circle/>
       </p:transition>
     </mc:Choice>
-    <mc:Fallback>
+    <mc:Fallback xmlns="">
       <p:transition spd="slow">
         <p:circle/>
       </p:transition>
@@ -6369,8 +7129,8 @@
         </p:nvSpPr>
         <p:spPr>
           <a:xfrm>
-            <a:off x="383098" y="704675"/>
-            <a:ext cx="9144000" cy="744890"/>
+            <a:off x="425138" y="555042"/>
+            <a:ext cx="11173303" cy="744890"/>
           </a:xfrm>
         </p:spPr>
         <p:txBody>
@@ -6382,7 +7142,7 @@
             <a:pPr algn="l"/>
             <a:r>
               <a:rPr kumimoji="1" lang="en-US" altLang="ja-JP" sz="4400" dirty="0"/>
-              <a:t>DNN</a:t>
+              <a:t>DNN (Deep Neural Network)</a:t>
             </a:r>
             <a:r>
               <a:rPr kumimoji="1" lang="ja-JP" altLang="en-US" sz="4400" dirty="0"/>
@@ -6409,8 +7169,8 @@
         </p:nvSpPr>
         <p:spPr>
           <a:xfrm>
-            <a:off x="1524000" y="2583543"/>
-            <a:ext cx="9144000" cy="3656835"/>
+            <a:off x="425138" y="1600582"/>
+            <a:ext cx="11341722" cy="4880429"/>
           </a:xfrm>
         </p:spPr>
         <p:txBody>
@@ -6419,6 +7179,80 @@
           </a:bodyPr>
           <a:lstStyle/>
           <a:p>
+            <a:pPr marL="342900" indent="-342900" algn="l">
+              <a:buFont typeface="Arial" panose="020B0604020202020204" pitchFamily="34" charset="0"/>
+              <a:buChar char="•"/>
+            </a:pPr>
+            <a:r>
+              <a:rPr kumimoji="1" lang="ja-JP" altLang="en-US" sz="3200" dirty="0"/>
+              <a:t>ニューラルネットワーク</a:t>
+            </a:r>
+            <a:endParaRPr lang="en-US" altLang="ja-JP" sz="3200" dirty="0"/>
+          </a:p>
+          <a:p>
+            <a:pPr marL="800100" lvl="1" indent="-342900" algn="l">
+              <a:buFont typeface="Arial" panose="020B0604020202020204" pitchFamily="34" charset="0"/>
+              <a:buChar char="•"/>
+            </a:pPr>
+            <a:r>
+              <a:rPr lang="ja-JP" altLang="en-US" sz="2800" dirty="0"/>
+              <a:t>階層構造になっており、入力層と中間層、出力層に分かれている</a:t>
+            </a:r>
+            <a:endParaRPr lang="en-US" altLang="ja-JP" sz="2800" dirty="0"/>
+          </a:p>
+          <a:p>
+            <a:pPr marL="800100" lvl="1" indent="-342900" algn="l">
+              <a:buFont typeface="Arial" panose="020B0604020202020204" pitchFamily="34" charset="0"/>
+              <a:buChar char="•"/>
+            </a:pPr>
+            <a:r>
+              <a:rPr lang="ja-JP" altLang="en-US" sz="2800" dirty="0"/>
+              <a:t>層の中には複数の粒があり、それぞれの粒のなかで処理をする</a:t>
+            </a:r>
+            <a:endParaRPr lang="en-US" altLang="ja-JP" sz="2800" dirty="0"/>
+          </a:p>
+          <a:p>
+            <a:pPr marL="800100" lvl="1" indent="-342900" algn="l">
+              <a:buFont typeface="Arial" panose="020B0604020202020204" pitchFamily="34" charset="0"/>
+              <a:buChar char="•"/>
+            </a:pPr>
+            <a:r>
+              <a:rPr lang="ja-JP" altLang="en-US" sz="2800" dirty="0"/>
+              <a:t>一つの粒は複数の粒からの出力を合わせて処理をする</a:t>
+            </a:r>
+            <a:endParaRPr lang="en-US" altLang="ja-JP" sz="2800" dirty="0"/>
+          </a:p>
+          <a:p>
+            <a:pPr marL="800100" lvl="1" indent="-342900" algn="l">
+              <a:buFont typeface="Arial" panose="020B0604020202020204" pitchFamily="34" charset="0"/>
+              <a:buChar char="•"/>
+            </a:pPr>
+            <a:r>
+              <a:rPr lang="ja-JP" altLang="en-US" sz="2800" dirty="0"/>
+              <a:t>中間層では入力に計算を施して出力層に渡して判断してもらう</a:t>
+            </a:r>
+            <a:endParaRPr lang="en-US" altLang="ja-JP" sz="2800" dirty="0"/>
+          </a:p>
+          <a:p>
+            <a:pPr marL="800100" lvl="1" indent="-342900" algn="l">
+              <a:buFont typeface="Arial" panose="020B0604020202020204" pitchFamily="34" charset="0"/>
+              <a:buChar char="•"/>
+            </a:pPr>
+            <a:endParaRPr lang="ja-JP" altLang="en-US" sz="2800" dirty="0"/>
+          </a:p>
+          <a:p>
+            <a:pPr marL="342900" indent="-342900" algn="l">
+              <a:buFont typeface="Arial" panose="020B0604020202020204" pitchFamily="34" charset="0"/>
+              <a:buChar char="•"/>
+            </a:pPr>
+            <a:r>
+              <a:rPr lang="en-US" altLang="ja-JP" dirty="0"/>
+              <a:t>DNN</a:t>
+            </a:r>
+            <a:r>
+              <a:rPr lang="ja-JP" altLang="en-US" dirty="0"/>
+              <a:t>は中間層が複数あるネットワークを指す</a:t>
+            </a:r>
             <a:endParaRPr kumimoji="1" lang="ja-JP" altLang="en-US" dirty="0"/>
           </a:p>
         </p:txBody>
@@ -6433,13 +7267,13 @@
   <p:clrMapOvr>
     <a:masterClrMapping/>
   </p:clrMapOvr>
-  <mc:AlternateContent xmlns:mc="http://schemas.openxmlformats.org/markup-compatibility/2006">
-    <mc:Choice xmlns:p14="http://schemas.microsoft.com/office/powerpoint/2010/main" Requires="p14">
+  <mc:AlternateContent xmlns:mc="http://schemas.openxmlformats.org/markup-compatibility/2006" xmlns:p14="http://schemas.microsoft.com/office/powerpoint/2010/main">
+    <mc:Choice Requires="p14">
       <p:transition spd="slow" p14:dur="800">
         <p:circle/>
       </p:transition>
     </mc:Choice>
-    <mc:Fallback>
+    <mc:Fallback xmlns="">
       <p:transition spd="slow">
         <p:circle/>
       </p:transition>
@@ -6488,7 +7322,7 @@
           <a:p>
             <a:r>
               <a:rPr kumimoji="1" lang="en-US" altLang="ja-JP" dirty="0"/>
-              <a:t>LSTM</a:t>
+              <a:t>LSTM </a:t>
             </a:r>
             <a:r>
               <a:rPr kumimoji="1" lang="ja-JP" altLang="en-US" dirty="0"/>
@@ -6515,8 +7349,8 @@
         </p:nvSpPr>
         <p:spPr>
           <a:xfrm>
-            <a:off x="1393371" y="1901372"/>
-            <a:ext cx="8824686" cy="3817258"/>
+            <a:off x="838200" y="1901372"/>
+            <a:ext cx="10515601" cy="3817258"/>
           </a:xfrm>
         </p:spPr>
         <p:txBody>
@@ -6524,21 +7358,20 @@
           <a:lstStyle/>
           <a:p>
             <a:r>
+              <a:rPr lang="ja-JP" altLang="en-US" dirty="0"/>
+              <a:t>長・短期記憶という</a:t>
+            </a:r>
+            <a:r>
               <a:rPr lang="en-US" altLang="ja-JP" dirty="0"/>
-              <a:t>LSTM </a:t>
+              <a:t>DNN</a:t>
             </a:r>
             <a:r>
               <a:rPr lang="ja-JP" altLang="en-US" dirty="0"/>
-              <a:t>（</a:t>
-            </a:r>
-            <a:r>
-              <a:rPr lang="en-US" altLang="ja-JP" dirty="0"/>
-              <a:t>Long Short-Term Memory: </a:t>
-            </a:r>
-            <a:r>
-              <a:rPr lang="ja-JP" altLang="en-US" dirty="0"/>
-              <a:t>長・短期記憶）ネットワークは、</a:t>
-            </a:r>
+              <a:t>の層の一種</a:t>
+            </a:r>
+            <a:endParaRPr lang="en-US" altLang="ja-JP" dirty="0"/>
+          </a:p>
+          <a:p>
             <a:r>
               <a:rPr lang="en-US" altLang="ja-JP" dirty="0"/>
               <a:t>RNN</a:t>
@@ -6547,7 +7380,7 @@
               <a:rPr lang="ja-JP" altLang="en-US" dirty="0"/>
               <a:t>（再帰型 ニューラルネットワーク） の一種です。</a:t>
             </a:r>
-            <a:endParaRPr kumimoji="1" lang="ja-JP" altLang="en-US" dirty="0"/>
+            <a:endParaRPr lang="en-US" altLang="ja-JP" dirty="0"/>
           </a:p>
         </p:txBody>
       </p:sp>
@@ -6561,13 +7394,13 @@
   <p:clrMapOvr>
     <a:masterClrMapping/>
   </p:clrMapOvr>
-  <mc:AlternateContent xmlns:mc="http://schemas.openxmlformats.org/markup-compatibility/2006">
-    <mc:Choice xmlns:p14="http://schemas.microsoft.com/office/powerpoint/2010/main" Requires="p14">
+  <mc:AlternateContent xmlns:mc="http://schemas.openxmlformats.org/markup-compatibility/2006" xmlns:p14="http://schemas.microsoft.com/office/powerpoint/2010/main">
+    <mc:Choice Requires="p14">
       <p:transition spd="slow" p14:dur="800">
         <p:circle/>
       </p:transition>
     </mc:Choice>
-    <mc:Fallback>
+    <mc:Fallback xmlns="">
       <p:transition spd="slow">
         <p:circle/>
       </p:transition>

--- a/presentation/bit Composer.pptx
+++ b/presentation/bit Composer.pptx
@@ -5,7 +5,7 @@
     <p:sldMasterId id="2147483696" r:id="rId1"/>
   </p:sldMasterIdLst>
   <p:notesMasterIdLst>
-    <p:notesMasterId r:id="rId15"/>
+    <p:notesMasterId r:id="rId16"/>
   </p:notesMasterIdLst>
   <p:sldIdLst>
     <p:sldId id="259" r:id="rId2"/>
@@ -19,8 +19,9 @@
     <p:sldId id="269" r:id="rId10"/>
     <p:sldId id="278" r:id="rId11"/>
     <p:sldId id="279" r:id="rId12"/>
-    <p:sldId id="265" r:id="rId13"/>
-    <p:sldId id="266" r:id="rId14"/>
+    <p:sldId id="280" r:id="rId13"/>
+    <p:sldId id="265" r:id="rId14"/>
+    <p:sldId id="266" r:id="rId15"/>
   </p:sldIdLst>
   <p:sldSz cx="12192000" cy="6858000"/>
   <p:notesSz cx="6858000" cy="9144000"/>
@@ -181,20 +182,6 @@
 </p:cmLst>
 </file>
 
-<file path=ppt/comments/comment4.xml><?xml version="1.0" encoding="utf-8"?>
-<p:cmLst xmlns:a="http://schemas.openxmlformats.org/drawingml/2006/main" xmlns:r="http://schemas.openxmlformats.org/officeDocument/2006/relationships" xmlns:p="http://schemas.openxmlformats.org/presentationml/2006/main">
-  <p:cm authorId="1" dt="2021-10-06T14:31:02.285" idx="4">
-    <p:pos x="1029" y="2030"/>
-    <p:text>これからやることに変更</p:text>
-    <p:extLst>
-      <p:ext uri="{C676402C-5697-4E1C-873F-D02D1690AC5C}">
-        <p15:threadingInfo xmlns:p15="http://schemas.microsoft.com/office/powerpoint/2012/main" timeZoneBias="-540"/>
-      </p:ext>
-    </p:extLst>
-  </p:cm>
-</p:cmLst>
-</file>
-
 <file path=ppt/notesMasters/notesMaster1.xml><?xml version="1.0" encoding="utf-8"?>
 <p:notesMaster xmlns:a="http://schemas.openxmlformats.org/drawingml/2006/main" xmlns:r="http://schemas.openxmlformats.org/officeDocument/2006/relationships" xmlns:p="http://schemas.openxmlformats.org/presentationml/2006/main">
   <p:cSld>
@@ -819,7 +806,50 @@
           <a:bodyPr/>
           <a:lstStyle/>
           <a:p>
-            <a:endParaRPr kumimoji="1" lang="ja-JP" altLang="en-US" dirty="0"/>
+            <a:r>
+              <a:rPr kumimoji="1" lang="en-US" altLang="ja-JP" dirty="0"/>
+              <a:t>Web</a:t>
+            </a:r>
+            <a:r>
+              <a:rPr kumimoji="1" lang="ja-JP" altLang="en-US" dirty="0"/>
+              <a:t>アプリケーションとして配布しているのでユーザはサーバにアクセスしてアプリケーションを使います。</a:t>
+            </a:r>
+            <a:endParaRPr kumimoji="1" lang="en-US" altLang="ja-JP" dirty="0"/>
+          </a:p>
+          <a:p>
+            <a:r>
+              <a:rPr kumimoji="1" lang="en-US" altLang="ja-JP" dirty="0"/>
+              <a:t>Web</a:t>
+            </a:r>
+            <a:r>
+              <a:rPr kumimoji="1" lang="ja-JP" altLang="en-US" dirty="0"/>
+              <a:t>ページの表示やユーザとのやり取りをするサーバプログラムは</a:t>
+            </a:r>
+            <a:r>
+              <a:rPr kumimoji="1" lang="en-US" altLang="ja-JP" dirty="0"/>
+              <a:t>Flask</a:t>
+            </a:r>
+            <a:r>
+              <a:rPr kumimoji="1" lang="ja-JP" altLang="en-US" dirty="0"/>
+              <a:t>という</a:t>
+            </a:r>
+            <a:r>
+              <a:rPr kumimoji="1" lang="en-US" altLang="ja-JP" dirty="0"/>
+              <a:t>Web</a:t>
+            </a:r>
+            <a:r>
+              <a:rPr kumimoji="1" lang="ja-JP" altLang="en-US" dirty="0"/>
+              <a:t>フレームワークを使った</a:t>
+            </a:r>
+            <a:r>
+              <a:rPr kumimoji="1" lang="en-US" altLang="ja-JP" dirty="0"/>
+              <a:t>python</a:t>
+            </a:r>
+            <a:r>
+              <a:rPr kumimoji="1" lang="ja-JP" altLang="en-US" dirty="0"/>
+              <a:t>のプログラムで作っており、アプリとして成り立っています。</a:t>
+            </a:r>
+            <a:endParaRPr kumimoji="1" lang="en-US" altLang="ja-JP" dirty="0"/>
           </a:p>
         </p:txBody>
       </p:sp>
@@ -4970,6 +5000,213 @@
           <p:cNvPr id="2" name="タイトル 1">
             <a:extLst>
               <a:ext uri="{FF2B5EF4-FFF2-40B4-BE49-F238E27FC236}">
+                <a16:creationId xmlns:a16="http://schemas.microsoft.com/office/drawing/2014/main" id="{C3174454-D844-4A22-BF34-332BED72D544}"/>
+              </a:ext>
+            </a:extLst>
+          </p:cNvPr>
+          <p:cNvSpPr>
+            <a:spLocks noGrp="1"/>
+          </p:cNvSpPr>
+          <p:nvPr>
+            <p:ph type="ctrTitle"/>
+          </p:nvPr>
+        </p:nvSpPr>
+        <p:spPr>
+          <a:xfrm>
+            <a:off x="875727" y="310202"/>
+            <a:ext cx="9144000" cy="1314450"/>
+          </a:xfrm>
+        </p:spPr>
+        <p:txBody>
+          <a:bodyPr>
+            <a:normAutofit/>
+          </a:bodyPr>
+          <a:lstStyle/>
+          <a:p>
+            <a:pPr algn="l"/>
+            <a:r>
+              <a:rPr kumimoji="1" lang="en-US" altLang="ja-JP" dirty="0"/>
+              <a:t>AI</a:t>
+            </a:r>
+            <a:r>
+              <a:rPr lang="ja-JP" altLang="en-US" dirty="0"/>
+              <a:t>について</a:t>
+            </a:r>
+            <a:endParaRPr kumimoji="1" lang="ja-JP" altLang="en-US" dirty="0"/>
+          </a:p>
+        </p:txBody>
+      </p:sp>
+      <p:sp>
+        <p:nvSpPr>
+          <p:cNvPr id="4" name="テキスト ボックス 3">
+            <a:extLst>
+              <a:ext uri="{FF2B5EF4-FFF2-40B4-BE49-F238E27FC236}">
+                <a16:creationId xmlns:a16="http://schemas.microsoft.com/office/drawing/2014/main" id="{049B4402-B3E7-4BF5-A2EC-DDBCFFE4FB80}"/>
+              </a:ext>
+            </a:extLst>
+          </p:cNvPr>
+          <p:cNvSpPr txBox="1"/>
+          <p:nvPr/>
+        </p:nvSpPr>
+        <p:spPr>
+          <a:xfrm>
+            <a:off x="374072" y="2104824"/>
+            <a:ext cx="11471563" cy="3108543"/>
+          </a:xfrm>
+          <a:prstGeom prst="rect">
+            <a:avLst/>
+          </a:prstGeom>
+          <a:noFill/>
+        </p:spPr>
+        <p:txBody>
+          <a:bodyPr wrap="square" rtlCol="0">
+            <a:spAutoFit/>
+          </a:bodyPr>
+          <a:lstStyle/>
+          <a:p>
+            <a:pPr marL="342900" indent="-342900">
+              <a:buFont typeface="Arial" panose="020B0604020202020204" pitchFamily="34" charset="0"/>
+              <a:buChar char="•"/>
+            </a:pPr>
+            <a:r>
+              <a:rPr lang="ja-JP" altLang="en-US" sz="2400" dirty="0"/>
+              <a:t>ゲーム音楽の</a:t>
+            </a:r>
+            <a:r>
+              <a:rPr lang="en-US" altLang="ja-JP" sz="2400" dirty="0"/>
+              <a:t>midi</a:t>
+            </a:r>
+            <a:r>
+              <a:rPr lang="ja-JP" altLang="en-US" sz="2400" dirty="0"/>
+              <a:t>のなかに出現する音のパターンを学習</a:t>
+            </a:r>
+            <a:endParaRPr lang="en-US" altLang="ja-JP" sz="2400" dirty="0"/>
+          </a:p>
+          <a:p>
+            <a:pPr marL="342900" indent="-342900">
+              <a:buFont typeface="Arial" panose="020B0604020202020204" pitchFamily="34" charset="0"/>
+              <a:buChar char="•"/>
+            </a:pPr>
+            <a:endParaRPr lang="en-US" altLang="ja-JP" sz="2400" dirty="0"/>
+          </a:p>
+          <a:p>
+            <a:pPr marL="342900" indent="-342900">
+              <a:buFont typeface="Arial" panose="020B0604020202020204" pitchFamily="34" charset="0"/>
+              <a:buChar char="•"/>
+            </a:pPr>
+            <a:r>
+              <a:rPr lang="ja-JP" altLang="en-US" sz="2400" dirty="0"/>
+              <a:t>入力されたメロディにつなげて</a:t>
+            </a:r>
+            <a:r>
+              <a:rPr lang="en-US" altLang="ja-JP" sz="2400" dirty="0"/>
+              <a:t>AI</a:t>
+            </a:r>
+            <a:r>
+              <a:rPr lang="ja-JP" altLang="en-US" sz="2400" dirty="0"/>
+              <a:t>が音を自動的に作る</a:t>
+            </a:r>
+            <a:endParaRPr lang="en-US" altLang="ja-JP" sz="2400" dirty="0"/>
+          </a:p>
+          <a:p>
+            <a:pPr marL="342900" indent="-342900">
+              <a:buFont typeface="Arial" panose="020B0604020202020204" pitchFamily="34" charset="0"/>
+              <a:buChar char="•"/>
+            </a:pPr>
+            <a:endParaRPr lang="en-US" altLang="ja-JP" sz="2400" dirty="0"/>
+          </a:p>
+          <a:p>
+            <a:pPr marL="342900" indent="-342900">
+              <a:buFont typeface="Arial" panose="020B0604020202020204" pitchFamily="34" charset="0"/>
+              <a:buChar char="•"/>
+            </a:pPr>
+            <a:r>
+              <a:rPr lang="en-US" altLang="ja-JP" sz="2400" dirty="0"/>
+              <a:t>LSTM</a:t>
+            </a:r>
+            <a:r>
+              <a:rPr lang="ja-JP" altLang="en-US" sz="2400" dirty="0"/>
+              <a:t>を用いた</a:t>
+            </a:r>
+            <a:r>
+              <a:rPr lang="en-US" altLang="ja-JP" sz="2400" dirty="0"/>
+              <a:t>DNN</a:t>
+            </a:r>
+            <a:r>
+              <a:rPr lang="ja-JP" altLang="en-US" sz="2400" dirty="0"/>
+              <a:t>で実装する</a:t>
+            </a:r>
+            <a:endParaRPr lang="en-US" altLang="ja-JP" sz="2400" dirty="0"/>
+          </a:p>
+          <a:p>
+            <a:pPr lvl="1"/>
+            <a:endParaRPr lang="en-US" altLang="ja-JP" sz="2400" dirty="0"/>
+          </a:p>
+          <a:p>
+            <a:pPr lvl="1"/>
+            <a:endParaRPr lang="en-US" altLang="ja-JP" sz="2400" dirty="0"/>
+          </a:p>
+          <a:p>
+            <a:pPr lvl="1"/>
+            <a:r>
+              <a:rPr lang="en-US" altLang="ja-JP" sz="2800" dirty="0"/>
+              <a:t>midi </a:t>
+            </a:r>
+            <a:r>
+              <a:rPr lang="ja-JP" altLang="en-US" sz="2000" dirty="0"/>
+              <a:t>・・・楽器や音などの演奏情報をデジタル化した世界共通規格。</a:t>
+            </a:r>
+            <a:endParaRPr lang="ja-JP" altLang="en-US" sz="2800" dirty="0"/>
+          </a:p>
+        </p:txBody>
+      </p:sp>
+    </p:spTree>
+    <p:extLst>
+      <p:ext uri="{BB962C8B-B14F-4D97-AF65-F5344CB8AC3E}">
+        <p14:creationId xmlns:p14="http://schemas.microsoft.com/office/powerpoint/2010/main" val="1618108480"/>
+      </p:ext>
+    </p:extLst>
+  </p:cSld>
+  <p:clrMapOvr>
+    <a:masterClrMapping/>
+  </p:clrMapOvr>
+  <mc:AlternateContent xmlns:mc="http://schemas.openxmlformats.org/markup-compatibility/2006" xmlns:p14="http://schemas.microsoft.com/office/powerpoint/2010/main">
+    <mc:Choice Requires="p14">
+      <p:transition spd="slow" p14:dur="800">
+        <p:circle/>
+      </p:transition>
+    </mc:Choice>
+    <mc:Fallback xmlns="">
+      <p:transition spd="slow">
+        <p:circle/>
+      </p:transition>
+    </mc:Fallback>
+  </mc:AlternateContent>
+</p:sld>
+</file>
+
+<file path=ppt/slides/slide13.xml><?xml version="1.0" encoding="utf-8"?>
+<p:sld xmlns:a="http://schemas.openxmlformats.org/drawingml/2006/main" xmlns:r="http://schemas.openxmlformats.org/officeDocument/2006/relationships" xmlns:p="http://schemas.openxmlformats.org/presentationml/2006/main">
+  <p:cSld>
+    <p:spTree>
+      <p:nvGrpSpPr>
+        <p:cNvPr id="1" name=""/>
+        <p:cNvGrpSpPr/>
+        <p:nvPr/>
+      </p:nvGrpSpPr>
+      <p:grpSpPr>
+        <a:xfrm>
+          <a:off x="0" y="0"/>
+          <a:ext cx="0" cy="0"/>
+          <a:chOff x="0" y="0"/>
+          <a:chExt cx="0" cy="0"/>
+        </a:xfrm>
+      </p:grpSpPr>
+      <p:sp>
+        <p:nvSpPr>
+          <p:cNvPr id="2" name="タイトル 1">
+            <a:extLst>
+              <a:ext uri="{FF2B5EF4-FFF2-40B4-BE49-F238E27FC236}">
                 <a16:creationId xmlns:a16="http://schemas.microsoft.com/office/drawing/2014/main" id="{99218024-A4EE-4EEA-8916-177105FDF5DB}"/>
               </a:ext>
             </a:extLst>
@@ -5071,10 +5308,10 @@
           <a:p>
             <a:pPr algn="l"/>
             <a:r>
-              <a:rPr kumimoji="1" lang="ja-JP" altLang="en-US" sz="2800" dirty="0"/>
-              <a:t>課題</a:t>
-            </a:r>
-            <a:endParaRPr kumimoji="1" lang="en-US" altLang="ja-JP" sz="2800" dirty="0"/>
+              <a:rPr lang="ja-JP" altLang="en-US" sz="2800" dirty="0"/>
+              <a:t>これからやること</a:t>
+            </a:r>
+            <a:endParaRPr lang="en-US" altLang="ja-JP" sz="2800" dirty="0"/>
           </a:p>
           <a:p>
             <a:pPr marL="457200" indent="-457200" algn="l">
@@ -5082,8 +5319,12 @@
               <a:buChar char="•"/>
             </a:pPr>
             <a:r>
+              <a:rPr lang="en-US" altLang="ja-JP" sz="2800" dirty="0"/>
+              <a:t>AI</a:t>
+            </a:r>
+            <a:r>
               <a:rPr kumimoji="1" lang="ja-JP" altLang="en-US" sz="2800" dirty="0"/>
-              <a:t>学習モデル</a:t>
+              <a:t>学習モデルの作成</a:t>
             </a:r>
             <a:endParaRPr kumimoji="1" lang="en-US" altLang="ja-JP" sz="2800" dirty="0"/>
           </a:p>
@@ -5094,7 +5335,7 @@
             </a:pPr>
             <a:r>
               <a:rPr lang="ja-JP" altLang="en-US" sz="2800" dirty="0"/>
-              <a:t>音楽ファイルのやり取り</a:t>
+              <a:t>音楽ファイルのやり取りするプログラム</a:t>
             </a:r>
             <a:endParaRPr lang="en-US" altLang="ja-JP" sz="2800" dirty="0"/>
           </a:p>
@@ -5140,7 +5381,7 @@
 </p:sld>
 </file>
 
-<file path=ppt/slides/slide13.xml><?xml version="1.0" encoding="utf-8"?>
+<file path=ppt/slides/slide14.xml><?xml version="1.0" encoding="utf-8"?>
 <p:sld xmlns:a="http://schemas.openxmlformats.org/drawingml/2006/main" xmlns:r="http://schemas.openxmlformats.org/officeDocument/2006/relationships" xmlns:p="http://schemas.openxmlformats.org/presentationml/2006/main">
   <p:cSld>
     <p:spTree>
@@ -5889,7 +6130,7 @@
             <p:spPr>
               <a:xfrm>
                 <a:off x="8853752" y="2966019"/>
-                <a:ext cx="2294021" cy="738664"/>
+                <a:ext cx="2294021" cy="461665"/>
               </a:xfrm>
               <a:prstGeom prst="rect">
                 <a:avLst/>
@@ -5911,27 +6152,18 @@
                   <a:t>・</a:t>
                 </a:r>
                 <a:r>
-                  <a:rPr lang="en-US" altLang="ja-JP" sz="2000" dirty="0">
+                  <a:rPr lang="en-US" altLang="ja-JP" sz="2400" dirty="0">
                     <a:solidFill>
                       <a:schemeClr val="bg1"/>
                     </a:solidFill>
                   </a:rPr>
-                  <a:t>DNN</a:t>
+                  <a:t>python</a:t>
                 </a:r>
-              </a:p>
-              <a:p>
-                <a:pPr marL="742950" lvl="1" indent="-285750">
-                  <a:buFont typeface="Arial" panose="020B0604020202020204" pitchFamily="34" charset="0"/>
-                  <a:buChar char="•"/>
-                </a:pPr>
-                <a:r>
-                  <a:rPr lang="en-US" altLang="ja-JP" dirty="0">
-                    <a:solidFill>
-                      <a:schemeClr val="bg1"/>
-                    </a:solidFill>
-                  </a:rPr>
-                  <a:t>LSTM</a:t>
-                </a:r>
+                <a:endParaRPr lang="en-US" altLang="ja-JP" dirty="0">
+                  <a:solidFill>
+                    <a:schemeClr val="bg1"/>
+                  </a:solidFill>
+                </a:endParaRPr>
               </a:p>
             </p:txBody>
           </p:sp>
@@ -6096,7 +6328,7 @@
               <a:pPr algn="ctr"/>
               <a:r>
                 <a:rPr lang="ja-JP" altLang="en-US" dirty="0"/>
-                <a:t>データ保存場所</a:t>
+                <a:t>データ保存フォルダ</a:t>
               </a:r>
               <a:endParaRPr lang="en-US" altLang="ja-JP" dirty="0"/>
             </a:p>
@@ -6301,12 +6533,8 @@
               <a:buAutoNum type="arabicPeriod"/>
             </a:pPr>
             <a:r>
-              <a:rPr kumimoji="1" lang="en-US" altLang="ja-JP" sz="3600" dirty="0"/>
-              <a:t>Web</a:t>
-            </a:r>
-            <a:r>
               <a:rPr kumimoji="1" lang="ja-JP" altLang="en-US" sz="3600" dirty="0"/>
-              <a:t>ページ上の鍵盤</a:t>
+              <a:t>入力ページ上</a:t>
             </a:r>
             <a:r>
               <a:rPr lang="ja-JP" altLang="en-US" sz="3600" dirty="0"/>
@@ -6427,12 +6655,8 @@
               <a:buAutoNum type="arabicPeriod"/>
             </a:pPr>
             <a:r>
-              <a:rPr kumimoji="1" lang="en-US" altLang="ja-JP" sz="3600" dirty="0"/>
-              <a:t>Web</a:t>
-            </a:r>
-            <a:r>
               <a:rPr kumimoji="1" lang="ja-JP" altLang="en-US" sz="3600" dirty="0"/>
-              <a:t>ページ上の鍵盤で短いメロディを入力</a:t>
+              <a:t>入力ページ上で短いメロディを入力</a:t>
             </a:r>
           </a:p>
         </p:txBody>
@@ -6949,7 +7173,7 @@
         <p:spPr>
           <a:xfrm>
             <a:off x="374072" y="2104824"/>
-            <a:ext cx="11471563" cy="3539430"/>
+            <a:ext cx="11471563" cy="3847207"/>
           </a:xfrm>
           <a:prstGeom prst="rect">
             <a:avLst/>
@@ -6976,7 +7200,7 @@
             </a:r>
             <a:r>
               <a:rPr lang="ja-JP" altLang="en-US" sz="2400" dirty="0"/>
-              <a:t>のなかに出現する音のパターンを学習</a:t>
+              <a:t>ファイルのなかに出現する音のパターンを学習</a:t>
             </a:r>
             <a:endParaRPr lang="en-US" altLang="ja-JP" sz="2400" dirty="0"/>
           </a:p>
@@ -6988,21 +7212,21 @@
             <a:endParaRPr lang="en-US" altLang="ja-JP" sz="2400" dirty="0"/>
           </a:p>
           <a:p>
-            <a:pPr marL="342900" indent="-342900">
+            <a:pPr marL="800100" lvl="1" indent="-342900">
               <a:buFont typeface="Arial" panose="020B0604020202020204" pitchFamily="34" charset="0"/>
               <a:buChar char="•"/>
             </a:pPr>
             <a:r>
+              <a:rPr lang="en-US" altLang="ja-JP" sz="2400" dirty="0"/>
+              <a:t>midi </a:t>
+            </a:r>
+            <a:r>
+              <a:rPr lang="ja-JP" altLang="en-US" dirty="0"/>
+              <a:t>・・・</a:t>
+            </a:r>
+            <a:r>
               <a:rPr lang="ja-JP" altLang="en-US" sz="2400" dirty="0"/>
-              <a:t>入力されたメロディにつなげて</a:t>
-            </a:r>
-            <a:r>
-              <a:rPr lang="en-US" altLang="ja-JP" sz="2400" dirty="0"/>
-              <a:t>AI</a:t>
-            </a:r>
-            <a:r>
-              <a:rPr lang="ja-JP" altLang="en-US" sz="2400" dirty="0"/>
-              <a:t>が音を自動的に作る</a:t>
+              <a:t>楽器や音などの演奏情報をデジタル化した世界共通規格</a:t>
             </a:r>
             <a:endParaRPr lang="en-US" altLang="ja-JP" sz="2400" dirty="0"/>
           </a:p>
@@ -7019,6 +7243,32 @@
               <a:buChar char="•"/>
             </a:pPr>
             <a:r>
+              <a:rPr lang="ja-JP" altLang="en-US" sz="2400" dirty="0"/>
+              <a:t>入力されたメロディにつなげて</a:t>
+            </a:r>
+            <a:r>
+              <a:rPr lang="en-US" altLang="ja-JP" sz="2400" dirty="0"/>
+              <a:t>AI</a:t>
+            </a:r>
+            <a:r>
+              <a:rPr lang="ja-JP" altLang="en-US" sz="2400" dirty="0"/>
+              <a:t>が音を自動的に作る</a:t>
+            </a:r>
+            <a:endParaRPr lang="en-US" altLang="ja-JP" sz="2400" dirty="0"/>
+          </a:p>
+          <a:p>
+            <a:pPr marL="342900" indent="-342900">
+              <a:buFont typeface="Arial" panose="020B0604020202020204" pitchFamily="34" charset="0"/>
+              <a:buChar char="•"/>
+            </a:pPr>
+            <a:endParaRPr lang="en-US" altLang="ja-JP" sz="2400" dirty="0"/>
+          </a:p>
+          <a:p>
+            <a:pPr marL="342900" indent="-342900">
+              <a:buFont typeface="Arial" panose="020B0604020202020204" pitchFamily="34" charset="0"/>
+              <a:buChar char="•"/>
+            </a:pPr>
+            <a:r>
               <a:rPr lang="en-US" altLang="ja-JP" sz="2400" dirty="0"/>
               <a:t>LSTM</a:t>
             </a:r>
@@ -7032,6 +7282,14 @@
             </a:r>
             <a:r>
               <a:rPr lang="ja-JP" altLang="en-US" sz="2400" dirty="0"/>
+              <a:t>を使った機械学習を</a:t>
+            </a:r>
+            <a:r>
+              <a:rPr lang="en-US" altLang="ja-JP" sz="2400" dirty="0"/>
+              <a:t>python</a:t>
+            </a:r>
+            <a:r>
+              <a:rPr lang="ja-JP" altLang="en-US" sz="2400" dirty="0"/>
               <a:t>で実装する</a:t>
             </a:r>
             <a:endParaRPr lang="en-US" altLang="ja-JP" sz="2400" dirty="0"/>
@@ -7046,26 +7304,7 @@
           </a:p>
           <a:p>
             <a:pPr lvl="1"/>
-            <a:r>
-              <a:rPr lang="en-US" altLang="ja-JP" sz="2800" dirty="0"/>
-              <a:t>midi </a:t>
-            </a:r>
-            <a:r>
-              <a:rPr lang="ja-JP" altLang="en-US" sz="2000" dirty="0"/>
-              <a:t>・・・</a:t>
-            </a:r>
-            <a:r>
-              <a:rPr lang="ja-JP" altLang="en-US" sz="2800" dirty="0"/>
-              <a:t>楽器や音などがデータとして入っている。コンピュータ上</a:t>
-            </a:r>
-            <a:r>
-              <a:rPr lang="en-US" altLang="ja-JP" sz="2800" dirty="0"/>
-              <a:t>		  </a:t>
-            </a:r>
-            <a:r>
-              <a:rPr lang="ja-JP" altLang="en-US" sz="2800" dirty="0"/>
-              <a:t>で編集・再生ができる</a:t>
-            </a:r>
+            <a:endParaRPr lang="ja-JP" altLang="en-US" sz="2800" dirty="0"/>
           </a:p>
         </p:txBody>
       </p:sp>
@@ -7189,71 +7428,235 @@
             </a:r>
             <a:endParaRPr lang="en-US" altLang="ja-JP" sz="3200" dirty="0"/>
           </a:p>
-          <a:p>
-            <a:pPr marL="800100" lvl="1" indent="-342900" algn="l">
-              <a:buFont typeface="Arial" panose="020B0604020202020204" pitchFamily="34" charset="0"/>
-              <a:buChar char="•"/>
-            </a:pPr>
-            <a:r>
-              <a:rPr lang="ja-JP" altLang="en-US" sz="2800" dirty="0"/>
-              <a:t>階層構造になっており、入力層と中間層、出力層に分かれている</a:t>
-            </a:r>
-            <a:endParaRPr lang="en-US" altLang="ja-JP" sz="2800" dirty="0"/>
-          </a:p>
-          <a:p>
-            <a:pPr marL="800100" lvl="1" indent="-342900" algn="l">
-              <a:buFont typeface="Arial" panose="020B0604020202020204" pitchFamily="34" charset="0"/>
-              <a:buChar char="•"/>
-            </a:pPr>
-            <a:r>
-              <a:rPr lang="ja-JP" altLang="en-US" sz="2800" dirty="0"/>
-              <a:t>層の中には複数の粒があり、それぞれの粒のなかで処理をする</a:t>
-            </a:r>
-            <a:endParaRPr lang="en-US" altLang="ja-JP" sz="2800" dirty="0"/>
-          </a:p>
-          <a:p>
-            <a:pPr marL="800100" lvl="1" indent="-342900" algn="l">
-              <a:buFont typeface="Arial" panose="020B0604020202020204" pitchFamily="34" charset="0"/>
-              <a:buChar char="•"/>
-            </a:pPr>
-            <a:r>
-              <a:rPr lang="ja-JP" altLang="en-US" sz="2800" dirty="0"/>
-              <a:t>一つの粒は複数の粒からの出力を合わせて処理をする</a:t>
-            </a:r>
-            <a:endParaRPr lang="en-US" altLang="ja-JP" sz="2800" dirty="0"/>
-          </a:p>
-          <a:p>
-            <a:pPr marL="800100" lvl="1" indent="-342900" algn="l">
-              <a:buFont typeface="Arial" panose="020B0604020202020204" pitchFamily="34" charset="0"/>
-              <a:buChar char="•"/>
-            </a:pPr>
-            <a:r>
-              <a:rPr lang="ja-JP" altLang="en-US" sz="2800" dirty="0"/>
-              <a:t>中間層では入力に計算を施して出力層に渡して判断してもらう</a:t>
-            </a:r>
-            <a:endParaRPr lang="en-US" altLang="ja-JP" sz="2800" dirty="0"/>
-          </a:p>
-          <a:p>
-            <a:pPr marL="800100" lvl="1" indent="-342900" algn="l">
-              <a:buFont typeface="Arial" panose="020B0604020202020204" pitchFamily="34" charset="0"/>
-              <a:buChar char="•"/>
-            </a:pPr>
-            <a:endParaRPr lang="ja-JP" altLang="en-US" sz="2800" dirty="0"/>
-          </a:p>
-          <a:p>
-            <a:pPr marL="342900" indent="-342900" algn="l">
-              <a:buFont typeface="Arial" panose="020B0604020202020204" pitchFamily="34" charset="0"/>
-              <a:buChar char="•"/>
-            </a:pPr>
-            <a:r>
-              <a:rPr lang="en-US" altLang="ja-JP" dirty="0"/>
-              <a:t>DNN</a:t>
-            </a:r>
-            <a:r>
-              <a:rPr lang="ja-JP" altLang="en-US" dirty="0"/>
-              <a:t>は中間層が複数あるネットワークを指す</a:t>
-            </a:r>
-            <a:endParaRPr kumimoji="1" lang="ja-JP" altLang="en-US" dirty="0"/>
+        </p:txBody>
+      </p:sp>
+      <p:sp>
+        <p:nvSpPr>
+          <p:cNvPr id="6" name="フローチャート: 結合子 5">
+            <a:extLst>
+              <a:ext uri="{FF2B5EF4-FFF2-40B4-BE49-F238E27FC236}">
+                <a16:creationId xmlns:a16="http://schemas.microsoft.com/office/drawing/2014/main" id="{14F8A6A2-875F-4F59-8ED2-0AD23EBE9B21}"/>
+              </a:ext>
+            </a:extLst>
+          </p:cNvPr>
+          <p:cNvSpPr/>
+          <p:nvPr/>
+        </p:nvSpPr>
+        <p:spPr>
+          <a:xfrm>
+            <a:off x="954689" y="2663332"/>
+            <a:ext cx="799371" cy="799371"/>
+          </a:xfrm>
+          <a:prstGeom prst="flowChartConnector">
+            <a:avLst/>
+          </a:prstGeom>
+        </p:spPr>
+        <p:style>
+          <a:lnRef idx="2">
+            <a:schemeClr val="accent1">
+              <a:shade val="50000"/>
+            </a:schemeClr>
+          </a:lnRef>
+          <a:fillRef idx="1">
+            <a:schemeClr val="accent1"/>
+          </a:fillRef>
+          <a:effectRef idx="0">
+            <a:schemeClr val="accent1"/>
+          </a:effectRef>
+          <a:fontRef idx="minor">
+            <a:schemeClr val="lt1"/>
+          </a:fontRef>
+        </p:style>
+        <p:txBody>
+          <a:bodyPr rtlCol="0" anchor="ctr"/>
+          <a:lstStyle/>
+          <a:p>
+            <a:pPr algn="ctr"/>
+            <a:endParaRPr kumimoji="1" lang="ja-JP" altLang="en-US"/>
+          </a:p>
+        </p:txBody>
+      </p:sp>
+      <p:sp>
+        <p:nvSpPr>
+          <p:cNvPr id="7" name="フローチャート: 結合子 6">
+            <a:extLst>
+              <a:ext uri="{FF2B5EF4-FFF2-40B4-BE49-F238E27FC236}">
+                <a16:creationId xmlns:a16="http://schemas.microsoft.com/office/drawing/2014/main" id="{E6DC03F3-2F98-472D-93F0-F76FC7DA0A5A}"/>
+              </a:ext>
+            </a:extLst>
+          </p:cNvPr>
+          <p:cNvSpPr/>
+          <p:nvPr/>
+        </p:nvSpPr>
+        <p:spPr>
+          <a:xfrm>
+            <a:off x="919689" y="5127037"/>
+            <a:ext cx="834372" cy="834372"/>
+          </a:xfrm>
+          <a:prstGeom prst="flowChartConnector">
+            <a:avLst/>
+          </a:prstGeom>
+        </p:spPr>
+        <p:style>
+          <a:lnRef idx="2">
+            <a:schemeClr val="accent1">
+              <a:shade val="50000"/>
+            </a:schemeClr>
+          </a:lnRef>
+          <a:fillRef idx="1">
+            <a:schemeClr val="accent1"/>
+          </a:fillRef>
+          <a:effectRef idx="0">
+            <a:schemeClr val="accent1"/>
+          </a:effectRef>
+          <a:fontRef idx="minor">
+            <a:schemeClr val="lt1"/>
+          </a:fontRef>
+        </p:style>
+        <p:txBody>
+          <a:bodyPr rtlCol="0" anchor="ctr"/>
+          <a:lstStyle/>
+          <a:p>
+            <a:pPr algn="ctr"/>
+            <a:endParaRPr kumimoji="1" lang="ja-JP" altLang="en-US"/>
+          </a:p>
+        </p:txBody>
+      </p:sp>
+      <p:sp>
+        <p:nvSpPr>
+          <p:cNvPr id="8" name="フローチャート: 結合子 7">
+            <a:extLst>
+              <a:ext uri="{FF2B5EF4-FFF2-40B4-BE49-F238E27FC236}">
+                <a16:creationId xmlns:a16="http://schemas.microsoft.com/office/drawing/2014/main" id="{0427AAAC-2C7A-4DFC-A4FF-9EBDDE836DA1}"/>
+              </a:ext>
+            </a:extLst>
+          </p:cNvPr>
+          <p:cNvSpPr/>
+          <p:nvPr/>
+        </p:nvSpPr>
+        <p:spPr>
+          <a:xfrm>
+            <a:off x="954690" y="3878333"/>
+            <a:ext cx="799371" cy="799371"/>
+          </a:xfrm>
+          <a:prstGeom prst="flowChartConnector">
+            <a:avLst/>
+          </a:prstGeom>
+        </p:spPr>
+        <p:style>
+          <a:lnRef idx="2">
+            <a:schemeClr val="accent1">
+              <a:shade val="50000"/>
+            </a:schemeClr>
+          </a:lnRef>
+          <a:fillRef idx="1">
+            <a:schemeClr val="accent1"/>
+          </a:fillRef>
+          <a:effectRef idx="0">
+            <a:schemeClr val="accent1"/>
+          </a:effectRef>
+          <a:fontRef idx="minor">
+            <a:schemeClr val="lt1"/>
+          </a:fontRef>
+        </p:style>
+        <p:txBody>
+          <a:bodyPr rtlCol="0" anchor="ctr"/>
+          <a:lstStyle/>
+          <a:p>
+            <a:pPr algn="ctr"/>
+            <a:endParaRPr kumimoji="1" lang="ja-JP" altLang="en-US"/>
+          </a:p>
+        </p:txBody>
+      </p:sp>
+      <p:sp>
+        <p:nvSpPr>
+          <p:cNvPr id="14" name="フローチャート: 結合子 13">
+            <a:extLst>
+              <a:ext uri="{FF2B5EF4-FFF2-40B4-BE49-F238E27FC236}">
+                <a16:creationId xmlns:a16="http://schemas.microsoft.com/office/drawing/2014/main" id="{F7F0BDB5-B36B-42B8-98DA-EA29057EF7C3}"/>
+              </a:ext>
+            </a:extLst>
+          </p:cNvPr>
+          <p:cNvSpPr/>
+          <p:nvPr/>
+        </p:nvSpPr>
+        <p:spPr>
+          <a:xfrm>
+            <a:off x="5600790" y="4642430"/>
+            <a:ext cx="364256" cy="364256"/>
+          </a:xfrm>
+          <a:prstGeom prst="flowChartConnector">
+            <a:avLst/>
+          </a:prstGeom>
+        </p:spPr>
+        <p:style>
+          <a:lnRef idx="2">
+            <a:schemeClr val="accent1">
+              <a:shade val="50000"/>
+            </a:schemeClr>
+          </a:lnRef>
+          <a:fillRef idx="1">
+            <a:schemeClr val="accent1"/>
+          </a:fillRef>
+          <a:effectRef idx="0">
+            <a:schemeClr val="accent1"/>
+          </a:effectRef>
+          <a:fontRef idx="minor">
+            <a:schemeClr val="lt1"/>
+          </a:fontRef>
+        </p:style>
+        <p:txBody>
+          <a:bodyPr rtlCol="0" anchor="ctr"/>
+          <a:lstStyle/>
+          <a:p>
+            <a:pPr algn="ctr"/>
+            <a:endParaRPr kumimoji="1" lang="ja-JP" altLang="en-US"/>
+          </a:p>
+        </p:txBody>
+      </p:sp>
+      <p:sp>
+        <p:nvSpPr>
+          <p:cNvPr id="15" name="フローチャート: 結合子 14">
+            <a:extLst>
+              <a:ext uri="{FF2B5EF4-FFF2-40B4-BE49-F238E27FC236}">
+                <a16:creationId xmlns:a16="http://schemas.microsoft.com/office/drawing/2014/main" id="{785A2D58-9B1F-45B2-97FE-45F5F270A2B3}"/>
+              </a:ext>
+            </a:extLst>
+          </p:cNvPr>
+          <p:cNvSpPr/>
+          <p:nvPr/>
+        </p:nvSpPr>
+        <p:spPr>
+          <a:xfrm>
+            <a:off x="5600790" y="3611128"/>
+            <a:ext cx="364256" cy="364256"/>
+          </a:xfrm>
+          <a:prstGeom prst="flowChartConnector">
+            <a:avLst/>
+          </a:prstGeom>
+        </p:spPr>
+        <p:style>
+          <a:lnRef idx="2">
+            <a:schemeClr val="accent1">
+              <a:shade val="50000"/>
+            </a:schemeClr>
+          </a:lnRef>
+          <a:fillRef idx="1">
+            <a:schemeClr val="accent1"/>
+          </a:fillRef>
+          <a:effectRef idx="0">
+            <a:schemeClr val="accent1"/>
+          </a:effectRef>
+          <a:fontRef idx="minor">
+            <a:schemeClr val="lt1"/>
+          </a:fontRef>
+        </p:style>
+        <p:txBody>
+          <a:bodyPr rtlCol="0" anchor="ctr"/>
+          <a:lstStyle/>
+          <a:p>
+            <a:pPr algn="ctr"/>
+            <a:endParaRPr kumimoji="1" lang="ja-JP" altLang="en-US"/>
           </a:p>
         </p:txBody>
       </p:sp>
@@ -7359,16 +7762,11 @@
           <a:p>
             <a:r>
               <a:rPr lang="ja-JP" altLang="en-US" dirty="0"/>
-              <a:t>長・短期記憶という</a:t>
-            </a:r>
-            <a:r>
-              <a:rPr lang="en-US" altLang="ja-JP" dirty="0"/>
-              <a:t>DNN</a:t>
-            </a:r>
-            <a:r>
-              <a:rPr lang="ja-JP" altLang="en-US" dirty="0"/>
-              <a:t>の層の一種</a:t>
-            </a:r>
+              <a:t>長・短期記憶というニューラルネットワークの層の一種</a:t>
+            </a:r>
+            <a:endParaRPr lang="en-US" altLang="ja-JP" dirty="0"/>
+          </a:p>
+          <a:p>
             <a:endParaRPr lang="en-US" altLang="ja-JP" dirty="0"/>
           </a:p>
           <a:p>
@@ -7378,7 +7776,7 @@
             </a:r>
             <a:r>
               <a:rPr lang="ja-JP" altLang="en-US" dirty="0"/>
-              <a:t>（再帰型 ニューラルネットワーク） の一種です。</a:t>
+              <a:t>（再帰型 ニューラルネットワーク） を改良したもの</a:t>
             </a:r>
             <a:endParaRPr lang="en-US" altLang="ja-JP" dirty="0"/>
           </a:p>

--- a/presentation/bit Composer.pptx
+++ b/presentation/bit Composer.pptx
@@ -5,7 +5,7 @@
     <p:sldMasterId id="2147483696" r:id="rId1"/>
   </p:sldMasterIdLst>
   <p:notesMasterIdLst>
-    <p:notesMasterId r:id="rId16"/>
+    <p:notesMasterId r:id="rId17"/>
   </p:notesMasterIdLst>
   <p:sldIdLst>
     <p:sldId id="259" r:id="rId2"/>
@@ -18,10 +18,11 @@
     <p:sldId id="263" r:id="rId9"/>
     <p:sldId id="269" r:id="rId10"/>
     <p:sldId id="278" r:id="rId11"/>
-    <p:sldId id="279" r:id="rId12"/>
-    <p:sldId id="280" r:id="rId13"/>
-    <p:sldId id="265" r:id="rId14"/>
-    <p:sldId id="266" r:id="rId15"/>
+    <p:sldId id="281" r:id="rId12"/>
+    <p:sldId id="279" r:id="rId13"/>
+    <p:sldId id="280" r:id="rId14"/>
+    <p:sldId id="265" r:id="rId15"/>
+    <p:sldId id="266" r:id="rId16"/>
   </p:sldIdLst>
   <p:sldSz cx="12192000" cy="6858000"/>
   <p:notesSz cx="6858000" cy="9144000"/>
@@ -264,7 +265,7 @@
           <a:p>
             <a:fld id="{CFE7C3F7-5C92-45C1-81B6-3020317CA2CB}" type="datetimeFigureOut">
               <a:rPr kumimoji="1" lang="ja-JP" altLang="en-US" smtClean="0"/>
-              <a:t>2021/10/6</a:t>
+              <a:t>2021/10/7</a:t>
             </a:fld>
             <a:endParaRPr kumimoji="1" lang="ja-JP" altLang="en-US"/>
           </a:p>
@@ -977,6 +978,90 @@
 </p:notes>
 </file>
 
+<file path=ppt/notesSlides/notesSlide5.xml><?xml version="1.0" encoding="utf-8"?>
+<p:notes xmlns:a="http://schemas.openxmlformats.org/drawingml/2006/main" xmlns:r="http://schemas.openxmlformats.org/officeDocument/2006/relationships" xmlns:p="http://schemas.openxmlformats.org/presentationml/2006/main">
+  <p:cSld>
+    <p:spTree>
+      <p:nvGrpSpPr>
+        <p:cNvPr id="1" name=""/>
+        <p:cNvGrpSpPr/>
+        <p:nvPr/>
+      </p:nvGrpSpPr>
+      <p:grpSpPr>
+        <a:xfrm>
+          <a:off x="0" y="0"/>
+          <a:ext cx="0" cy="0"/>
+          <a:chOff x="0" y="0"/>
+          <a:chExt cx="0" cy="0"/>
+        </a:xfrm>
+      </p:grpSpPr>
+      <p:sp>
+        <p:nvSpPr>
+          <p:cNvPr id="2" name="スライド イメージ プレースホルダー 1"/>
+          <p:cNvSpPr>
+            <a:spLocks noGrp="1" noRot="1" noChangeAspect="1"/>
+          </p:cNvSpPr>
+          <p:nvPr>
+            <p:ph type="sldImg"/>
+          </p:nvPr>
+        </p:nvSpPr>
+        <p:spPr/>
+      </p:sp>
+      <p:sp>
+        <p:nvSpPr>
+          <p:cNvPr id="3" name="ノート プレースホルダー 2"/>
+          <p:cNvSpPr>
+            <a:spLocks noGrp="1"/>
+          </p:cNvSpPr>
+          <p:nvPr>
+            <p:ph type="body" idx="1"/>
+          </p:nvPr>
+        </p:nvSpPr>
+        <p:spPr/>
+        <p:txBody>
+          <a:bodyPr/>
+          <a:lstStyle/>
+          <a:p>
+            <a:endParaRPr kumimoji="1" lang="ja-JP" altLang="en-US" dirty="0"/>
+          </a:p>
+        </p:txBody>
+      </p:sp>
+      <p:sp>
+        <p:nvSpPr>
+          <p:cNvPr id="4" name="スライド番号プレースホルダー 3"/>
+          <p:cNvSpPr>
+            <a:spLocks noGrp="1"/>
+          </p:cNvSpPr>
+          <p:nvPr>
+            <p:ph type="sldNum" sz="quarter" idx="5"/>
+          </p:nvPr>
+        </p:nvSpPr>
+        <p:spPr/>
+        <p:txBody>
+          <a:bodyPr/>
+          <a:lstStyle/>
+          <a:p>
+            <a:fld id="{FD808316-81CD-4B36-BDD1-D6460C124C29}" type="slidenum">
+              <a:rPr kumimoji="1" lang="ja-JP" altLang="en-US" smtClean="0"/>
+              <a:t>13</a:t>
+            </a:fld>
+            <a:endParaRPr kumimoji="1" lang="ja-JP" altLang="en-US"/>
+          </a:p>
+        </p:txBody>
+      </p:sp>
+    </p:spTree>
+    <p:extLst>
+      <p:ext uri="{BB962C8B-B14F-4D97-AF65-F5344CB8AC3E}">
+        <p14:creationId xmlns:p14="http://schemas.microsoft.com/office/powerpoint/2010/main" val="3718830513"/>
+      </p:ext>
+    </p:extLst>
+  </p:cSld>
+  <p:clrMapOvr>
+    <a:masterClrMapping/>
+  </p:clrMapOvr>
+</p:notes>
+</file>
+
 <file path=ppt/slideLayouts/slideLayout1.xml><?xml version="1.0" encoding="utf-8"?>
 <p:sldLayout xmlns:a="http://schemas.openxmlformats.org/drawingml/2006/main" xmlns:r="http://schemas.openxmlformats.org/officeDocument/2006/relationships" xmlns:p="http://schemas.openxmlformats.org/presentationml/2006/main" type="title" preserve="1">
   <p:cSld name="タイトル スライド">
@@ -1124,7 +1209,7 @@
           <a:p>
             <a:fld id="{4A6B28F3-BB62-4EA0-99DF-EF5932BC4FCF}" type="datetimeFigureOut">
               <a:rPr kumimoji="1" lang="ja-JP" altLang="en-US" smtClean="0"/>
-              <a:t>2021/10/6</a:t>
+              <a:t>2021/10/7</a:t>
             </a:fld>
             <a:endParaRPr kumimoji="1" lang="ja-JP" altLang="en-US"/>
           </a:p>
@@ -1366,7 +1451,7 @@
           <a:p>
             <a:fld id="{4A6B28F3-BB62-4EA0-99DF-EF5932BC4FCF}" type="datetimeFigureOut">
               <a:rPr kumimoji="1" lang="ja-JP" altLang="en-US" smtClean="0"/>
-              <a:t>2021/10/6</a:t>
+              <a:t>2021/10/7</a:t>
             </a:fld>
             <a:endParaRPr kumimoji="1" lang="ja-JP" altLang="en-US"/>
           </a:p>
@@ -1618,7 +1703,7 @@
           <a:p>
             <a:fld id="{4A6B28F3-BB62-4EA0-99DF-EF5932BC4FCF}" type="datetimeFigureOut">
               <a:rPr kumimoji="1" lang="ja-JP" altLang="en-US" smtClean="0"/>
-              <a:t>2021/10/6</a:t>
+              <a:t>2021/10/7</a:t>
             </a:fld>
             <a:endParaRPr kumimoji="1" lang="ja-JP" altLang="en-US"/>
           </a:p>
@@ -1860,7 +1945,7 @@
           <a:p>
             <a:fld id="{4A6B28F3-BB62-4EA0-99DF-EF5932BC4FCF}" type="datetimeFigureOut">
               <a:rPr kumimoji="1" lang="ja-JP" altLang="en-US" smtClean="0"/>
-              <a:t>2021/10/6</a:t>
+              <a:t>2021/10/7</a:t>
             </a:fld>
             <a:endParaRPr kumimoji="1" lang="ja-JP" altLang="en-US"/>
           </a:p>
@@ -2147,7 +2232,7 @@
           <a:p>
             <a:fld id="{4A6B28F3-BB62-4EA0-99DF-EF5932BC4FCF}" type="datetimeFigureOut">
               <a:rPr kumimoji="1" lang="ja-JP" altLang="en-US" smtClean="0"/>
-              <a:t>2021/10/6</a:t>
+              <a:t>2021/10/7</a:t>
             </a:fld>
             <a:endParaRPr kumimoji="1" lang="ja-JP" altLang="en-US"/>
           </a:p>
@@ -2488,7 +2573,7 @@
           <a:p>
             <a:fld id="{4A6B28F3-BB62-4EA0-99DF-EF5932BC4FCF}" type="datetimeFigureOut">
               <a:rPr kumimoji="1" lang="ja-JP" altLang="en-US" smtClean="0"/>
-              <a:t>2021/10/6</a:t>
+              <a:t>2021/10/7</a:t>
             </a:fld>
             <a:endParaRPr kumimoji="1" lang="ja-JP" altLang="en-US"/>
           </a:p>
@@ -2976,7 +3061,7 @@
           <a:p>
             <a:fld id="{4A6B28F3-BB62-4EA0-99DF-EF5932BC4FCF}" type="datetimeFigureOut">
               <a:rPr kumimoji="1" lang="ja-JP" altLang="en-US" smtClean="0"/>
-              <a:t>2021/10/6</a:t>
+              <a:t>2021/10/7</a:t>
             </a:fld>
             <a:endParaRPr kumimoji="1" lang="ja-JP" altLang="en-US"/>
           </a:p>
@@ -3129,7 +3214,7 @@
           <a:p>
             <a:fld id="{4A6B28F3-BB62-4EA0-99DF-EF5932BC4FCF}" type="datetimeFigureOut">
               <a:rPr kumimoji="1" lang="ja-JP" altLang="en-US" smtClean="0"/>
-              <a:t>2021/10/6</a:t>
+              <a:t>2021/10/7</a:t>
             </a:fld>
             <a:endParaRPr kumimoji="1" lang="ja-JP" altLang="en-US"/>
           </a:p>
@@ -3254,7 +3339,7 @@
           <a:p>
             <a:fld id="{4A6B28F3-BB62-4EA0-99DF-EF5932BC4FCF}" type="datetimeFigureOut">
               <a:rPr kumimoji="1" lang="ja-JP" altLang="en-US" smtClean="0"/>
-              <a:t>2021/10/6</a:t>
+              <a:t>2021/10/7</a:t>
             </a:fld>
             <a:endParaRPr kumimoji="1" lang="ja-JP" altLang="en-US"/>
           </a:p>
@@ -3609,7 +3694,7 @@
           <a:p>
             <a:fld id="{4A6B28F3-BB62-4EA0-99DF-EF5932BC4FCF}" type="datetimeFigureOut">
               <a:rPr kumimoji="1" lang="ja-JP" altLang="en-US" smtClean="0"/>
-              <a:t>2021/10/6</a:t>
+              <a:t>2021/10/7</a:t>
             </a:fld>
             <a:endParaRPr kumimoji="1" lang="ja-JP" altLang="en-US"/>
           </a:p>
@@ -3909,7 +3994,7 @@
           <a:p>
             <a:fld id="{4A6B28F3-BB62-4EA0-99DF-EF5932BC4FCF}" type="datetimeFigureOut">
               <a:rPr kumimoji="1" lang="ja-JP" altLang="en-US" smtClean="0"/>
-              <a:t>2021/10/6</a:t>
+              <a:t>2021/10/7</a:t>
             </a:fld>
             <a:endParaRPr kumimoji="1" lang="ja-JP" altLang="en-US"/>
           </a:p>
@@ -4194,7 +4279,7 @@
           <a:p>
             <a:fld id="{4A6B28F3-BB62-4EA0-99DF-EF5932BC4FCF}" type="datetimeFigureOut">
               <a:rPr kumimoji="1" lang="ja-JP" altLang="en-US" smtClean="0"/>
-              <a:t>2021/10/6</a:t>
+              <a:t>2021/10/7</a:t>
             </a:fld>
             <a:endParaRPr kumimoji="1" lang="ja-JP" altLang="en-US"/>
           </a:p>
@@ -4806,8 +4891,8 @@
         </p:nvSpPr>
         <p:spPr>
           <a:xfrm>
-            <a:off x="291663" y="1415721"/>
-            <a:ext cx="10515600" cy="4351338"/>
+            <a:off x="437437" y="1690688"/>
+            <a:ext cx="10515600" cy="1433496"/>
           </a:xfrm>
         </p:spPr>
         <p:txBody>
@@ -4824,7 +4909,7 @@
             </a:r>
             <a:r>
               <a:rPr kumimoji="1" lang="ja-JP" altLang="en-US" dirty="0"/>
-              <a:t>入力と合わせることで、時系列ごとに適した出力ができるようになる</a:t>
+              <a:t>入力につなげることで、出力に時系列を与えることができる</a:t>
             </a:r>
           </a:p>
         </p:txBody>
@@ -4876,6 +4961,3906 @@
           <p:cNvPr id="2" name="タイトル 1">
             <a:extLst>
               <a:ext uri="{FF2B5EF4-FFF2-40B4-BE49-F238E27FC236}">
+                <a16:creationId xmlns:a16="http://schemas.microsoft.com/office/drawing/2014/main" id="{904D9B58-A2D0-4AE0-ACB1-B99F0E966F13}"/>
+              </a:ext>
+            </a:extLst>
+          </p:cNvPr>
+          <p:cNvSpPr>
+            <a:spLocks noGrp="1"/>
+          </p:cNvSpPr>
+          <p:nvPr>
+            <p:ph type="title"/>
+          </p:nvPr>
+        </p:nvSpPr>
+        <p:spPr>
+          <a:xfrm>
+            <a:off x="838200" y="365125"/>
+            <a:ext cx="10515600" cy="1325563"/>
+          </a:xfrm>
+        </p:spPr>
+        <p:txBody>
+          <a:bodyPr/>
+          <a:lstStyle/>
+          <a:p>
+            <a:r>
+              <a:rPr kumimoji="1" lang="en-US" altLang="ja-JP" dirty="0"/>
+              <a:t>RNN</a:t>
+            </a:r>
+            <a:r>
+              <a:rPr kumimoji="1" lang="ja-JP" altLang="en-US" dirty="0"/>
+              <a:t>について</a:t>
+            </a:r>
+          </a:p>
+        </p:txBody>
+      </p:sp>
+      <mc:AlternateContent xmlns:mc="http://schemas.openxmlformats.org/markup-compatibility/2006">
+        <mc:Choice xmlns:a14="http://schemas.microsoft.com/office/drawing/2010/main" Requires="a14">
+          <p:sp>
+            <p:nvSpPr>
+              <p:cNvPr id="5" name="フローチャート: 結合子 4">
+                <a:extLst>
+                  <a:ext uri="{FF2B5EF4-FFF2-40B4-BE49-F238E27FC236}">
+                    <a16:creationId xmlns:a16="http://schemas.microsoft.com/office/drawing/2014/main" id="{EB54B75C-9342-427C-BF81-B46811F119C3}"/>
+                  </a:ext>
+                </a:extLst>
+              </p:cNvPr>
+              <p:cNvSpPr/>
+              <p:nvPr/>
+            </p:nvSpPr>
+            <p:spPr>
+              <a:xfrm>
+                <a:off x="6319371" y="2060132"/>
+                <a:ext cx="742122" cy="742122"/>
+              </a:xfrm>
+              <a:prstGeom prst="flowChartConnector">
+                <a:avLst/>
+              </a:prstGeom>
+            </p:spPr>
+            <p:style>
+              <a:lnRef idx="2">
+                <a:schemeClr val="accent6">
+                  <a:shade val="50000"/>
+                </a:schemeClr>
+              </a:lnRef>
+              <a:fillRef idx="1">
+                <a:schemeClr val="accent6"/>
+              </a:fillRef>
+              <a:effectRef idx="0">
+                <a:schemeClr val="accent6"/>
+              </a:effectRef>
+              <a:fontRef idx="minor">
+                <a:schemeClr val="lt1"/>
+              </a:fontRef>
+            </p:style>
+            <p:txBody>
+              <a:bodyPr rtlCol="0" anchor="ctr"/>
+              <a:lstStyle/>
+              <a:p>
+                <a:pPr algn="ctr"/>
+                <a14:m>
+                  <m:oMathPara xmlns:m="http://schemas.openxmlformats.org/officeDocument/2006/math">
+                    <m:oMathParaPr>
+                      <m:jc m:val="centerGroup"/>
+                    </m:oMathParaPr>
+                    <m:oMath xmlns:m="http://schemas.openxmlformats.org/officeDocument/2006/math">
+                      <m:sSub>
+                        <m:sSubPr>
+                          <m:ctrlPr>
+                            <a:rPr lang="en-US" altLang="ja-JP" i="1" smtClean="0">
+                              <a:latin typeface="Cambria Math" panose="02040503050406030204" pitchFamily="18" charset="0"/>
+                            </a:rPr>
+                          </m:ctrlPr>
+                        </m:sSubPr>
+                        <m:e>
+                          <m:r>
+                            <a:rPr lang="en-US" altLang="ja-JP" i="1">
+                              <a:latin typeface="Cambria Math" panose="02040503050406030204" pitchFamily="18" charset="0"/>
+                            </a:rPr>
+                            <m:t>  </m:t>
+                          </m:r>
+                          <m:r>
+                            <a:rPr lang="en-US" altLang="ja-JP" i="1">
+                              <a:latin typeface="Cambria Math" panose="02040503050406030204" pitchFamily="18" charset="0"/>
+                            </a:rPr>
+                            <m:t>𝑦</m:t>
+                          </m:r>
+                        </m:e>
+                        <m:sub>
+                          <m:r>
+                            <a:rPr lang="en-US" altLang="ja-JP" b="0" i="1" smtClean="0">
+                              <a:latin typeface="Cambria Math" panose="02040503050406030204" pitchFamily="18" charset="0"/>
+                            </a:rPr>
+                            <m:t>1</m:t>
+                          </m:r>
+                        </m:sub>
+                      </m:sSub>
+                    </m:oMath>
+                  </m:oMathPara>
+                </a14:m>
+                <a:endParaRPr lang="ja-JP" altLang="en-US" dirty="0"/>
+              </a:p>
+            </p:txBody>
+          </p:sp>
+        </mc:Choice>
+        <mc:Fallback>
+          <p:sp>
+            <p:nvSpPr>
+              <p:cNvPr id="5" name="フローチャート: 結合子 4">
+                <a:extLst>
+                  <a:ext uri="{FF2B5EF4-FFF2-40B4-BE49-F238E27FC236}">
+                    <a16:creationId xmlns:a16="http://schemas.microsoft.com/office/drawing/2014/main" id="{EB54B75C-9342-427C-BF81-B46811F119C3}"/>
+                  </a:ext>
+                </a:extLst>
+              </p:cNvPr>
+              <p:cNvSpPr>
+                <a:spLocks noRot="1" noChangeAspect="1" noMove="1" noResize="1" noEditPoints="1" noAdjustHandles="1" noChangeArrowheads="1" noChangeShapeType="1" noTextEdit="1"/>
+              </p:cNvSpPr>
+              <p:nvPr/>
+            </p:nvSpPr>
+            <p:spPr>
+              <a:xfrm>
+                <a:off x="6319371" y="2060132"/>
+                <a:ext cx="742122" cy="742122"/>
+              </a:xfrm>
+              <a:prstGeom prst="flowChartConnector">
+                <a:avLst/>
+              </a:prstGeom>
+              <a:blipFill>
+                <a:blip r:embed="rId2"/>
+                <a:stretch>
+                  <a:fillRect/>
+                </a:stretch>
+              </a:blipFill>
+            </p:spPr>
+            <p:txBody>
+              <a:bodyPr/>
+              <a:lstStyle/>
+              <a:p>
+                <a:r>
+                  <a:rPr lang="ja-JP" altLang="en-US">
+                    <a:noFill/>
+                  </a:rPr>
+                  <a:t> </a:t>
+                </a:r>
+              </a:p>
+            </p:txBody>
+          </p:sp>
+        </mc:Fallback>
+      </mc:AlternateContent>
+      <mc:AlternateContent xmlns:mc="http://schemas.openxmlformats.org/markup-compatibility/2006">
+        <mc:Choice xmlns:a14="http://schemas.microsoft.com/office/drawing/2010/main" Requires="a14">
+          <p:sp>
+            <p:nvSpPr>
+              <p:cNvPr id="6" name="フローチャート: 結合子 5">
+                <a:extLst>
+                  <a:ext uri="{FF2B5EF4-FFF2-40B4-BE49-F238E27FC236}">
+                    <a16:creationId xmlns:a16="http://schemas.microsoft.com/office/drawing/2014/main" id="{DB1F5C41-43C3-4E6D-A951-D25724438614}"/>
+                  </a:ext>
+                </a:extLst>
+              </p:cNvPr>
+              <p:cNvSpPr/>
+              <p:nvPr/>
+            </p:nvSpPr>
+            <p:spPr>
+              <a:xfrm>
+                <a:off x="6319371" y="3648633"/>
+                <a:ext cx="742122" cy="742122"/>
+              </a:xfrm>
+              <a:prstGeom prst="flowChartConnector">
+                <a:avLst/>
+              </a:prstGeom>
+            </p:spPr>
+            <p:style>
+              <a:lnRef idx="2">
+                <a:schemeClr val="accent1">
+                  <a:shade val="50000"/>
+                </a:schemeClr>
+              </a:lnRef>
+              <a:fillRef idx="1">
+                <a:schemeClr val="accent1"/>
+              </a:fillRef>
+              <a:effectRef idx="0">
+                <a:schemeClr val="accent1"/>
+              </a:effectRef>
+              <a:fontRef idx="minor">
+                <a:schemeClr val="lt1"/>
+              </a:fontRef>
+            </p:style>
+            <p:txBody>
+              <a:bodyPr rtlCol="0" anchor="ctr"/>
+              <a:lstStyle/>
+              <a:p>
+                <a:pPr algn="ctr"/>
+                <a14:m>
+                  <m:oMathPara xmlns:m="http://schemas.openxmlformats.org/officeDocument/2006/math">
+                    <m:oMathParaPr>
+                      <m:jc m:val="centerGroup"/>
+                    </m:oMathParaPr>
+                    <m:oMath xmlns:m="http://schemas.openxmlformats.org/officeDocument/2006/math">
+                      <m:r>
+                        <a:rPr kumimoji="1" lang="en-US" altLang="ja-JP" b="0" i="1" smtClean="0">
+                          <a:latin typeface="Cambria Math" panose="02040503050406030204" pitchFamily="18" charset="0"/>
+                        </a:rPr>
+                        <m:t>  </m:t>
+                      </m:r>
+                      <m:sSub>
+                        <m:sSubPr>
+                          <m:ctrlPr>
+                            <a:rPr kumimoji="1" lang="en-US" altLang="ja-JP" i="1" smtClean="0">
+                              <a:latin typeface="Cambria Math" panose="02040503050406030204" pitchFamily="18" charset="0"/>
+                            </a:rPr>
+                          </m:ctrlPr>
+                        </m:sSubPr>
+                        <m:e>
+                          <m:r>
+                            <a:rPr kumimoji="1" lang="en-US" altLang="ja-JP" b="0" i="1" smtClean="0">
+                              <a:latin typeface="Cambria Math" panose="02040503050406030204" pitchFamily="18" charset="0"/>
+                            </a:rPr>
+                            <m:t>h</m:t>
+                          </m:r>
+                        </m:e>
+                        <m:sub>
+                          <m:r>
+                            <a:rPr kumimoji="1" lang="en-US" altLang="ja-JP" b="0" i="1" smtClean="0">
+                              <a:latin typeface="Cambria Math" panose="02040503050406030204" pitchFamily="18" charset="0"/>
+                            </a:rPr>
+                            <m:t>1</m:t>
+                          </m:r>
+                        </m:sub>
+                      </m:sSub>
+                    </m:oMath>
+                  </m:oMathPara>
+                </a14:m>
+                <a:endParaRPr kumimoji="1" lang="ja-JP" altLang="en-US" dirty="0"/>
+              </a:p>
+            </p:txBody>
+          </p:sp>
+        </mc:Choice>
+        <mc:Fallback>
+          <p:sp>
+            <p:nvSpPr>
+              <p:cNvPr id="6" name="フローチャート: 結合子 5">
+                <a:extLst>
+                  <a:ext uri="{FF2B5EF4-FFF2-40B4-BE49-F238E27FC236}">
+                    <a16:creationId xmlns:a16="http://schemas.microsoft.com/office/drawing/2014/main" id="{DB1F5C41-43C3-4E6D-A951-D25724438614}"/>
+                  </a:ext>
+                </a:extLst>
+              </p:cNvPr>
+              <p:cNvSpPr>
+                <a:spLocks noRot="1" noChangeAspect="1" noMove="1" noResize="1" noEditPoints="1" noAdjustHandles="1" noChangeArrowheads="1" noChangeShapeType="1" noTextEdit="1"/>
+              </p:cNvSpPr>
+              <p:nvPr/>
+            </p:nvSpPr>
+            <p:spPr>
+              <a:xfrm>
+                <a:off x="6319371" y="3648633"/>
+                <a:ext cx="742122" cy="742122"/>
+              </a:xfrm>
+              <a:prstGeom prst="flowChartConnector">
+                <a:avLst/>
+              </a:prstGeom>
+              <a:blipFill>
+                <a:blip r:embed="rId3"/>
+                <a:stretch>
+                  <a:fillRect/>
+                </a:stretch>
+              </a:blipFill>
+            </p:spPr>
+            <p:txBody>
+              <a:bodyPr/>
+              <a:lstStyle/>
+              <a:p>
+                <a:r>
+                  <a:rPr lang="ja-JP" altLang="en-US">
+                    <a:noFill/>
+                  </a:rPr>
+                  <a:t> </a:t>
+                </a:r>
+              </a:p>
+            </p:txBody>
+          </p:sp>
+        </mc:Fallback>
+      </mc:AlternateContent>
+      <mc:AlternateContent xmlns:mc="http://schemas.openxmlformats.org/markup-compatibility/2006">
+        <mc:Choice xmlns:a14="http://schemas.microsoft.com/office/drawing/2010/main" Requires="a14">
+          <p:sp>
+            <p:nvSpPr>
+              <p:cNvPr id="7" name="フローチャート: 結合子 6">
+                <a:extLst>
+                  <a:ext uri="{FF2B5EF4-FFF2-40B4-BE49-F238E27FC236}">
+                    <a16:creationId xmlns:a16="http://schemas.microsoft.com/office/drawing/2014/main" id="{95AA1EEA-2213-45BE-94AA-CE56F4556FF0}"/>
+                  </a:ext>
+                </a:extLst>
+              </p:cNvPr>
+              <p:cNvSpPr/>
+              <p:nvPr/>
+            </p:nvSpPr>
+            <p:spPr>
+              <a:xfrm>
+                <a:off x="4753742" y="3648633"/>
+                <a:ext cx="742122" cy="742122"/>
+              </a:xfrm>
+              <a:prstGeom prst="flowChartConnector">
+                <a:avLst/>
+              </a:prstGeom>
+            </p:spPr>
+            <p:style>
+              <a:lnRef idx="2">
+                <a:schemeClr val="accent1">
+                  <a:shade val="50000"/>
+                </a:schemeClr>
+              </a:lnRef>
+              <a:fillRef idx="1">
+                <a:schemeClr val="accent1"/>
+              </a:fillRef>
+              <a:effectRef idx="0">
+                <a:schemeClr val="accent1"/>
+              </a:effectRef>
+              <a:fontRef idx="minor">
+                <a:schemeClr val="lt1"/>
+              </a:fontRef>
+            </p:style>
+            <p:txBody>
+              <a:bodyPr rtlCol="0" anchor="ctr"/>
+              <a:lstStyle/>
+              <a:p>
+                <a:pPr algn="ctr"/>
+                <a14:m>
+                  <m:oMathPara xmlns:m="http://schemas.openxmlformats.org/officeDocument/2006/math">
+                    <m:oMathParaPr>
+                      <m:jc m:val="centerGroup"/>
+                    </m:oMathParaPr>
+                    <m:oMath xmlns:m="http://schemas.openxmlformats.org/officeDocument/2006/math">
+                      <m:r>
+                        <a:rPr lang="en-US" altLang="ja-JP" i="1" smtClean="0">
+                          <a:latin typeface="Cambria Math" panose="02040503050406030204" pitchFamily="18" charset="0"/>
+                        </a:rPr>
+                        <m:t> </m:t>
+                      </m:r>
+                      <m:sSub>
+                        <m:sSubPr>
+                          <m:ctrlPr>
+                            <a:rPr lang="en-US" altLang="ja-JP" i="1">
+                              <a:latin typeface="Cambria Math" panose="02040503050406030204" pitchFamily="18" charset="0"/>
+                            </a:rPr>
+                          </m:ctrlPr>
+                        </m:sSubPr>
+                        <m:e>
+                          <m:r>
+                            <a:rPr lang="en-US" altLang="ja-JP" i="1">
+                              <a:latin typeface="Cambria Math" panose="02040503050406030204" pitchFamily="18" charset="0"/>
+                            </a:rPr>
+                            <m:t>h</m:t>
+                          </m:r>
+                        </m:e>
+                        <m:sub>
+                          <m:r>
+                            <a:rPr lang="en-US" altLang="ja-JP" b="0" i="1" smtClean="0">
+                              <a:latin typeface="Cambria Math" panose="02040503050406030204" pitchFamily="18" charset="0"/>
+                            </a:rPr>
+                            <m:t>0</m:t>
+                          </m:r>
+                        </m:sub>
+                      </m:sSub>
+                    </m:oMath>
+                  </m:oMathPara>
+                </a14:m>
+                <a:endParaRPr kumimoji="1" lang="ja-JP" altLang="en-US" dirty="0"/>
+              </a:p>
+            </p:txBody>
+          </p:sp>
+        </mc:Choice>
+        <mc:Fallback>
+          <p:sp>
+            <p:nvSpPr>
+              <p:cNvPr id="7" name="フローチャート: 結合子 6">
+                <a:extLst>
+                  <a:ext uri="{FF2B5EF4-FFF2-40B4-BE49-F238E27FC236}">
+                    <a16:creationId xmlns:a16="http://schemas.microsoft.com/office/drawing/2014/main" id="{95AA1EEA-2213-45BE-94AA-CE56F4556FF0}"/>
+                  </a:ext>
+                </a:extLst>
+              </p:cNvPr>
+              <p:cNvSpPr>
+                <a:spLocks noRot="1" noChangeAspect="1" noMove="1" noResize="1" noEditPoints="1" noAdjustHandles="1" noChangeArrowheads="1" noChangeShapeType="1" noTextEdit="1"/>
+              </p:cNvSpPr>
+              <p:nvPr/>
+            </p:nvSpPr>
+            <p:spPr>
+              <a:xfrm>
+                <a:off x="4753742" y="3648633"/>
+                <a:ext cx="742122" cy="742122"/>
+              </a:xfrm>
+              <a:prstGeom prst="flowChartConnector">
+                <a:avLst/>
+              </a:prstGeom>
+              <a:blipFill>
+                <a:blip r:embed="rId4"/>
+                <a:stretch>
+                  <a:fillRect/>
+                </a:stretch>
+              </a:blipFill>
+            </p:spPr>
+            <p:txBody>
+              <a:bodyPr/>
+              <a:lstStyle/>
+              <a:p>
+                <a:r>
+                  <a:rPr lang="ja-JP" altLang="en-US">
+                    <a:noFill/>
+                  </a:rPr>
+                  <a:t> </a:t>
+                </a:r>
+              </a:p>
+            </p:txBody>
+          </p:sp>
+        </mc:Fallback>
+      </mc:AlternateContent>
+      <mc:AlternateContent xmlns:mc="http://schemas.openxmlformats.org/markup-compatibility/2006">
+        <mc:Choice xmlns:a14="http://schemas.microsoft.com/office/drawing/2010/main" Requires="a14">
+          <p:sp>
+            <p:nvSpPr>
+              <p:cNvPr id="8" name="フローチャート: 結合子 7">
+                <a:extLst>
+                  <a:ext uri="{FF2B5EF4-FFF2-40B4-BE49-F238E27FC236}">
+                    <a16:creationId xmlns:a16="http://schemas.microsoft.com/office/drawing/2014/main" id="{81E3E60E-B734-4AA1-8A2E-5329F9F60222}"/>
+                  </a:ext>
+                </a:extLst>
+              </p:cNvPr>
+              <p:cNvSpPr/>
+              <p:nvPr/>
+            </p:nvSpPr>
+            <p:spPr>
+              <a:xfrm>
+                <a:off x="6319371" y="5237134"/>
+                <a:ext cx="742122" cy="742122"/>
+              </a:xfrm>
+              <a:prstGeom prst="flowChartConnector">
+                <a:avLst/>
+              </a:prstGeom>
+            </p:spPr>
+            <p:style>
+              <a:lnRef idx="2">
+                <a:schemeClr val="accent2">
+                  <a:shade val="50000"/>
+                </a:schemeClr>
+              </a:lnRef>
+              <a:fillRef idx="1">
+                <a:schemeClr val="accent2"/>
+              </a:fillRef>
+              <a:effectRef idx="0">
+                <a:schemeClr val="accent2"/>
+              </a:effectRef>
+              <a:fontRef idx="minor">
+                <a:schemeClr val="lt1"/>
+              </a:fontRef>
+            </p:style>
+            <p:txBody>
+              <a:bodyPr rtlCol="0" anchor="ctr"/>
+              <a:lstStyle/>
+              <a:p>
+                <a:pPr algn="ctr"/>
+                <a14:m>
+                  <m:oMathPara xmlns:m="http://schemas.openxmlformats.org/officeDocument/2006/math">
+                    <m:oMathParaPr>
+                      <m:jc m:val="centerGroup"/>
+                    </m:oMathParaPr>
+                    <m:oMath xmlns:m="http://schemas.openxmlformats.org/officeDocument/2006/math">
+                      <m:sSub>
+                        <m:sSubPr>
+                          <m:ctrlPr>
+                            <a:rPr lang="en-US" altLang="ja-JP" i="1" smtClean="0">
+                              <a:latin typeface="Cambria Math" panose="02040503050406030204" pitchFamily="18" charset="0"/>
+                            </a:rPr>
+                          </m:ctrlPr>
+                        </m:sSubPr>
+                        <m:e>
+                          <m:r>
+                            <a:rPr lang="en-US" altLang="ja-JP" i="1">
+                              <a:latin typeface="Cambria Math" panose="02040503050406030204" pitchFamily="18" charset="0"/>
+                            </a:rPr>
+                            <m:t>  </m:t>
+                          </m:r>
+                          <m:r>
+                            <a:rPr lang="en-US" altLang="ja-JP" i="1">
+                              <a:latin typeface="Cambria Math" panose="02040503050406030204" pitchFamily="18" charset="0"/>
+                            </a:rPr>
+                            <m:t>𝑥</m:t>
+                          </m:r>
+                        </m:e>
+                        <m:sub>
+                          <m:r>
+                            <a:rPr lang="en-US" altLang="ja-JP" b="0" i="1" smtClean="0">
+                              <a:latin typeface="Cambria Math" panose="02040503050406030204" pitchFamily="18" charset="0"/>
+                            </a:rPr>
+                            <m:t>1</m:t>
+                          </m:r>
+                        </m:sub>
+                      </m:sSub>
+                    </m:oMath>
+                  </m:oMathPara>
+                </a14:m>
+                <a:endParaRPr kumimoji="1" lang="ja-JP" altLang="en-US" dirty="0"/>
+              </a:p>
+            </p:txBody>
+          </p:sp>
+        </mc:Choice>
+        <mc:Fallback>
+          <p:sp>
+            <p:nvSpPr>
+              <p:cNvPr id="8" name="フローチャート: 結合子 7">
+                <a:extLst>
+                  <a:ext uri="{FF2B5EF4-FFF2-40B4-BE49-F238E27FC236}">
+                    <a16:creationId xmlns:a16="http://schemas.microsoft.com/office/drawing/2014/main" id="{81E3E60E-B734-4AA1-8A2E-5329F9F60222}"/>
+                  </a:ext>
+                </a:extLst>
+              </p:cNvPr>
+              <p:cNvSpPr>
+                <a:spLocks noRot="1" noChangeAspect="1" noMove="1" noResize="1" noEditPoints="1" noAdjustHandles="1" noChangeArrowheads="1" noChangeShapeType="1" noTextEdit="1"/>
+              </p:cNvSpPr>
+              <p:nvPr/>
+            </p:nvSpPr>
+            <p:spPr>
+              <a:xfrm>
+                <a:off x="6319371" y="5237134"/>
+                <a:ext cx="742122" cy="742122"/>
+              </a:xfrm>
+              <a:prstGeom prst="flowChartConnector">
+                <a:avLst/>
+              </a:prstGeom>
+              <a:blipFill>
+                <a:blip r:embed="rId5"/>
+                <a:stretch>
+                  <a:fillRect/>
+                </a:stretch>
+              </a:blipFill>
+            </p:spPr>
+            <p:txBody>
+              <a:bodyPr/>
+              <a:lstStyle/>
+              <a:p>
+                <a:r>
+                  <a:rPr lang="ja-JP" altLang="en-US">
+                    <a:noFill/>
+                  </a:rPr>
+                  <a:t> </a:t>
+                </a:r>
+              </a:p>
+            </p:txBody>
+          </p:sp>
+        </mc:Fallback>
+      </mc:AlternateContent>
+      <mc:AlternateContent xmlns:mc="http://schemas.openxmlformats.org/markup-compatibility/2006">
+        <mc:Choice xmlns:a14="http://schemas.microsoft.com/office/drawing/2010/main" Requires="a14">
+          <p:sp>
+            <p:nvSpPr>
+              <p:cNvPr id="9" name="フローチャート: 結合子 8">
+                <a:extLst>
+                  <a:ext uri="{FF2B5EF4-FFF2-40B4-BE49-F238E27FC236}">
+                    <a16:creationId xmlns:a16="http://schemas.microsoft.com/office/drawing/2014/main" id="{944CB1A7-66BF-4668-8B46-4817BDE48D90}"/>
+                  </a:ext>
+                </a:extLst>
+              </p:cNvPr>
+              <p:cNvSpPr/>
+              <p:nvPr/>
+            </p:nvSpPr>
+            <p:spPr>
+              <a:xfrm>
+                <a:off x="7966385" y="2068099"/>
+                <a:ext cx="742122" cy="742122"/>
+              </a:xfrm>
+              <a:prstGeom prst="flowChartConnector">
+                <a:avLst/>
+              </a:prstGeom>
+            </p:spPr>
+            <p:style>
+              <a:lnRef idx="2">
+                <a:schemeClr val="accent6">
+                  <a:shade val="50000"/>
+                </a:schemeClr>
+              </a:lnRef>
+              <a:fillRef idx="1">
+                <a:schemeClr val="accent6"/>
+              </a:fillRef>
+              <a:effectRef idx="0">
+                <a:schemeClr val="accent6"/>
+              </a:effectRef>
+              <a:fontRef idx="minor">
+                <a:schemeClr val="lt1"/>
+              </a:fontRef>
+            </p:style>
+            <p:txBody>
+              <a:bodyPr rtlCol="0" anchor="ctr"/>
+              <a:lstStyle/>
+              <a:p>
+                <a:pPr algn="ctr"/>
+                <a14:m>
+                  <m:oMathPara xmlns:m="http://schemas.openxmlformats.org/officeDocument/2006/math">
+                    <m:oMathParaPr>
+                      <m:jc m:val="centerGroup"/>
+                    </m:oMathParaPr>
+                    <m:oMath xmlns:m="http://schemas.openxmlformats.org/officeDocument/2006/math">
+                      <m:sSub>
+                        <m:sSubPr>
+                          <m:ctrlPr>
+                            <a:rPr lang="en-US" altLang="ja-JP" i="1" smtClean="0">
+                              <a:latin typeface="Cambria Math" panose="02040503050406030204" pitchFamily="18" charset="0"/>
+                            </a:rPr>
+                          </m:ctrlPr>
+                        </m:sSubPr>
+                        <m:e>
+                          <m:r>
+                            <a:rPr lang="en-US" altLang="ja-JP" i="1">
+                              <a:latin typeface="Cambria Math" panose="02040503050406030204" pitchFamily="18" charset="0"/>
+                            </a:rPr>
+                            <m:t>  </m:t>
+                          </m:r>
+                          <m:r>
+                            <a:rPr lang="en-US" altLang="ja-JP" i="1">
+                              <a:latin typeface="Cambria Math" panose="02040503050406030204" pitchFamily="18" charset="0"/>
+                            </a:rPr>
+                            <m:t>𝑦</m:t>
+                          </m:r>
+                        </m:e>
+                        <m:sub>
+                          <m:r>
+                            <a:rPr lang="en-US" altLang="ja-JP" b="0" i="1" smtClean="0">
+                              <a:latin typeface="Cambria Math" panose="02040503050406030204" pitchFamily="18" charset="0"/>
+                            </a:rPr>
+                            <m:t>2</m:t>
+                          </m:r>
+                        </m:sub>
+                      </m:sSub>
+                    </m:oMath>
+                  </m:oMathPara>
+                </a14:m>
+                <a:endParaRPr kumimoji="1" lang="ja-JP" altLang="en-US" dirty="0"/>
+              </a:p>
+            </p:txBody>
+          </p:sp>
+        </mc:Choice>
+        <mc:Fallback>
+          <p:sp>
+            <p:nvSpPr>
+              <p:cNvPr id="9" name="フローチャート: 結合子 8">
+                <a:extLst>
+                  <a:ext uri="{FF2B5EF4-FFF2-40B4-BE49-F238E27FC236}">
+                    <a16:creationId xmlns:a16="http://schemas.microsoft.com/office/drawing/2014/main" id="{944CB1A7-66BF-4668-8B46-4817BDE48D90}"/>
+                  </a:ext>
+                </a:extLst>
+              </p:cNvPr>
+              <p:cNvSpPr>
+                <a:spLocks noRot="1" noChangeAspect="1" noMove="1" noResize="1" noEditPoints="1" noAdjustHandles="1" noChangeArrowheads="1" noChangeShapeType="1" noTextEdit="1"/>
+              </p:cNvSpPr>
+              <p:nvPr/>
+            </p:nvSpPr>
+            <p:spPr>
+              <a:xfrm>
+                <a:off x="7966385" y="2068099"/>
+                <a:ext cx="742122" cy="742122"/>
+              </a:xfrm>
+              <a:prstGeom prst="flowChartConnector">
+                <a:avLst/>
+              </a:prstGeom>
+              <a:blipFill>
+                <a:blip r:embed="rId6"/>
+                <a:stretch>
+                  <a:fillRect/>
+                </a:stretch>
+              </a:blipFill>
+            </p:spPr>
+            <p:txBody>
+              <a:bodyPr/>
+              <a:lstStyle/>
+              <a:p>
+                <a:r>
+                  <a:rPr lang="ja-JP" altLang="en-US">
+                    <a:noFill/>
+                  </a:rPr>
+                  <a:t> </a:t>
+                </a:r>
+              </a:p>
+            </p:txBody>
+          </p:sp>
+        </mc:Fallback>
+      </mc:AlternateContent>
+      <mc:AlternateContent xmlns:mc="http://schemas.openxmlformats.org/markup-compatibility/2006">
+        <mc:Choice xmlns:a14="http://schemas.microsoft.com/office/drawing/2010/main" Requires="a14">
+          <p:sp>
+            <p:nvSpPr>
+              <p:cNvPr id="10" name="フローチャート: 結合子 9">
+                <a:extLst>
+                  <a:ext uri="{FF2B5EF4-FFF2-40B4-BE49-F238E27FC236}">
+                    <a16:creationId xmlns:a16="http://schemas.microsoft.com/office/drawing/2014/main" id="{E54B5B05-81ED-43C2-907F-F0BE5A856BEE}"/>
+                  </a:ext>
+                </a:extLst>
+              </p:cNvPr>
+              <p:cNvSpPr/>
+              <p:nvPr/>
+            </p:nvSpPr>
+            <p:spPr>
+              <a:xfrm>
+                <a:off x="7966385" y="3648633"/>
+                <a:ext cx="742122" cy="742122"/>
+              </a:xfrm>
+              <a:prstGeom prst="flowChartConnector">
+                <a:avLst/>
+              </a:prstGeom>
+            </p:spPr>
+            <p:style>
+              <a:lnRef idx="2">
+                <a:schemeClr val="accent1">
+                  <a:shade val="50000"/>
+                </a:schemeClr>
+              </a:lnRef>
+              <a:fillRef idx="1">
+                <a:schemeClr val="accent1"/>
+              </a:fillRef>
+              <a:effectRef idx="0">
+                <a:schemeClr val="accent1"/>
+              </a:effectRef>
+              <a:fontRef idx="minor">
+                <a:schemeClr val="lt1"/>
+              </a:fontRef>
+            </p:style>
+            <p:txBody>
+              <a:bodyPr rtlCol="0" anchor="ctr"/>
+              <a:lstStyle/>
+              <a:p>
+                <a:pPr algn="ctr"/>
+                <a14:m>
+                  <m:oMathPara xmlns:m="http://schemas.openxmlformats.org/officeDocument/2006/math">
+                    <m:oMathParaPr>
+                      <m:jc m:val="centerGroup"/>
+                    </m:oMathParaPr>
+                    <m:oMath xmlns:m="http://schemas.openxmlformats.org/officeDocument/2006/math">
+                      <m:r>
+                        <a:rPr lang="en-US" altLang="ja-JP" i="1" smtClean="0">
+                          <a:latin typeface="Cambria Math" panose="02040503050406030204" pitchFamily="18" charset="0"/>
+                        </a:rPr>
+                        <m:t> </m:t>
+                      </m:r>
+                      <m:sSub>
+                        <m:sSubPr>
+                          <m:ctrlPr>
+                            <a:rPr lang="en-US" altLang="ja-JP" i="1">
+                              <a:latin typeface="Cambria Math" panose="02040503050406030204" pitchFamily="18" charset="0"/>
+                            </a:rPr>
+                          </m:ctrlPr>
+                        </m:sSubPr>
+                        <m:e>
+                          <m:r>
+                            <a:rPr lang="en-US" altLang="ja-JP" i="1">
+                              <a:latin typeface="Cambria Math" panose="02040503050406030204" pitchFamily="18" charset="0"/>
+                            </a:rPr>
+                            <m:t>h</m:t>
+                          </m:r>
+                        </m:e>
+                        <m:sub>
+                          <m:r>
+                            <a:rPr lang="en-US" altLang="ja-JP" b="0" i="1" smtClean="0">
+                              <a:latin typeface="Cambria Math" panose="02040503050406030204" pitchFamily="18" charset="0"/>
+                            </a:rPr>
+                            <m:t>2</m:t>
+                          </m:r>
+                        </m:sub>
+                      </m:sSub>
+                    </m:oMath>
+                  </m:oMathPara>
+                </a14:m>
+                <a:endParaRPr kumimoji="1" lang="ja-JP" altLang="en-US" dirty="0"/>
+              </a:p>
+            </p:txBody>
+          </p:sp>
+        </mc:Choice>
+        <mc:Fallback>
+          <p:sp>
+            <p:nvSpPr>
+              <p:cNvPr id="10" name="フローチャート: 結合子 9">
+                <a:extLst>
+                  <a:ext uri="{FF2B5EF4-FFF2-40B4-BE49-F238E27FC236}">
+                    <a16:creationId xmlns:a16="http://schemas.microsoft.com/office/drawing/2014/main" id="{E54B5B05-81ED-43C2-907F-F0BE5A856BEE}"/>
+                  </a:ext>
+                </a:extLst>
+              </p:cNvPr>
+              <p:cNvSpPr>
+                <a:spLocks noRot="1" noChangeAspect="1" noMove="1" noResize="1" noEditPoints="1" noAdjustHandles="1" noChangeArrowheads="1" noChangeShapeType="1" noTextEdit="1"/>
+              </p:cNvSpPr>
+              <p:nvPr/>
+            </p:nvSpPr>
+            <p:spPr>
+              <a:xfrm>
+                <a:off x="7966385" y="3648633"/>
+                <a:ext cx="742122" cy="742122"/>
+              </a:xfrm>
+              <a:prstGeom prst="flowChartConnector">
+                <a:avLst/>
+              </a:prstGeom>
+              <a:blipFill>
+                <a:blip r:embed="rId7"/>
+                <a:stretch>
+                  <a:fillRect/>
+                </a:stretch>
+              </a:blipFill>
+            </p:spPr>
+            <p:txBody>
+              <a:bodyPr/>
+              <a:lstStyle/>
+              <a:p>
+                <a:r>
+                  <a:rPr lang="ja-JP" altLang="en-US">
+                    <a:noFill/>
+                  </a:rPr>
+                  <a:t> </a:t>
+                </a:r>
+              </a:p>
+            </p:txBody>
+          </p:sp>
+        </mc:Fallback>
+      </mc:AlternateContent>
+      <mc:AlternateContent xmlns:mc="http://schemas.openxmlformats.org/markup-compatibility/2006">
+        <mc:Choice xmlns:a14="http://schemas.microsoft.com/office/drawing/2010/main" Requires="a14">
+          <p:sp>
+            <p:nvSpPr>
+              <p:cNvPr id="11" name="フローチャート: 結合子 10">
+                <a:extLst>
+                  <a:ext uri="{FF2B5EF4-FFF2-40B4-BE49-F238E27FC236}">
+                    <a16:creationId xmlns:a16="http://schemas.microsoft.com/office/drawing/2014/main" id="{0302082D-DDC9-41BD-83E0-D49E4D0A574D}"/>
+                  </a:ext>
+                </a:extLst>
+              </p:cNvPr>
+              <p:cNvSpPr/>
+              <p:nvPr/>
+            </p:nvSpPr>
+            <p:spPr>
+              <a:xfrm>
+                <a:off x="7966385" y="5237134"/>
+                <a:ext cx="742122" cy="742122"/>
+              </a:xfrm>
+              <a:prstGeom prst="flowChartConnector">
+                <a:avLst/>
+              </a:prstGeom>
+            </p:spPr>
+            <p:style>
+              <a:lnRef idx="2">
+                <a:schemeClr val="accent2">
+                  <a:shade val="50000"/>
+                </a:schemeClr>
+              </a:lnRef>
+              <a:fillRef idx="1">
+                <a:schemeClr val="accent2"/>
+              </a:fillRef>
+              <a:effectRef idx="0">
+                <a:schemeClr val="accent2"/>
+              </a:effectRef>
+              <a:fontRef idx="minor">
+                <a:schemeClr val="lt1"/>
+              </a:fontRef>
+            </p:style>
+            <p:txBody>
+              <a:bodyPr rtlCol="0" anchor="ctr"/>
+              <a:lstStyle/>
+              <a:p>
+                <a:pPr algn="ctr"/>
+                <a14:m>
+                  <m:oMathPara xmlns:m="http://schemas.openxmlformats.org/officeDocument/2006/math">
+                    <m:oMathParaPr>
+                      <m:jc m:val="centerGroup"/>
+                    </m:oMathParaPr>
+                    <m:oMath xmlns:m="http://schemas.openxmlformats.org/officeDocument/2006/math">
+                      <m:sSub>
+                        <m:sSubPr>
+                          <m:ctrlPr>
+                            <a:rPr lang="en-US" altLang="ja-JP" i="1" smtClean="0">
+                              <a:latin typeface="Cambria Math" panose="02040503050406030204" pitchFamily="18" charset="0"/>
+                            </a:rPr>
+                          </m:ctrlPr>
+                        </m:sSubPr>
+                        <m:e>
+                          <m:r>
+                            <a:rPr lang="en-US" altLang="ja-JP" i="1">
+                              <a:latin typeface="Cambria Math" panose="02040503050406030204" pitchFamily="18" charset="0"/>
+                            </a:rPr>
+                            <m:t>  </m:t>
+                          </m:r>
+                          <m:r>
+                            <a:rPr lang="en-US" altLang="ja-JP" i="1">
+                              <a:latin typeface="Cambria Math" panose="02040503050406030204" pitchFamily="18" charset="0"/>
+                            </a:rPr>
+                            <m:t>𝑥</m:t>
+                          </m:r>
+                        </m:e>
+                        <m:sub>
+                          <m:r>
+                            <a:rPr lang="en-US" altLang="ja-JP" b="0" i="1" smtClean="0">
+                              <a:latin typeface="Cambria Math" panose="02040503050406030204" pitchFamily="18" charset="0"/>
+                            </a:rPr>
+                            <m:t>2</m:t>
+                          </m:r>
+                        </m:sub>
+                      </m:sSub>
+                    </m:oMath>
+                  </m:oMathPara>
+                </a14:m>
+                <a:endParaRPr kumimoji="1" lang="ja-JP" altLang="en-US" dirty="0"/>
+              </a:p>
+            </p:txBody>
+          </p:sp>
+        </mc:Choice>
+        <mc:Fallback>
+          <p:sp>
+            <p:nvSpPr>
+              <p:cNvPr id="11" name="フローチャート: 結合子 10">
+                <a:extLst>
+                  <a:ext uri="{FF2B5EF4-FFF2-40B4-BE49-F238E27FC236}">
+                    <a16:creationId xmlns:a16="http://schemas.microsoft.com/office/drawing/2014/main" id="{0302082D-DDC9-41BD-83E0-D49E4D0A574D}"/>
+                  </a:ext>
+                </a:extLst>
+              </p:cNvPr>
+              <p:cNvSpPr>
+                <a:spLocks noRot="1" noChangeAspect="1" noMove="1" noResize="1" noEditPoints="1" noAdjustHandles="1" noChangeArrowheads="1" noChangeShapeType="1" noTextEdit="1"/>
+              </p:cNvSpPr>
+              <p:nvPr/>
+            </p:nvSpPr>
+            <p:spPr>
+              <a:xfrm>
+                <a:off x="7966385" y="5237134"/>
+                <a:ext cx="742122" cy="742122"/>
+              </a:xfrm>
+              <a:prstGeom prst="flowChartConnector">
+                <a:avLst/>
+              </a:prstGeom>
+              <a:blipFill>
+                <a:blip r:embed="rId8"/>
+                <a:stretch>
+                  <a:fillRect/>
+                </a:stretch>
+              </a:blipFill>
+            </p:spPr>
+            <p:txBody>
+              <a:bodyPr/>
+              <a:lstStyle/>
+              <a:p>
+                <a:r>
+                  <a:rPr lang="ja-JP" altLang="en-US">
+                    <a:noFill/>
+                  </a:rPr>
+                  <a:t> </a:t>
+                </a:r>
+              </a:p>
+            </p:txBody>
+          </p:sp>
+        </mc:Fallback>
+      </mc:AlternateContent>
+      <mc:AlternateContent xmlns:mc="http://schemas.openxmlformats.org/markup-compatibility/2006">
+        <mc:Choice xmlns:a14="http://schemas.microsoft.com/office/drawing/2010/main" Requires="a14">
+          <p:sp>
+            <p:nvSpPr>
+              <p:cNvPr id="12" name="フローチャート: 結合子 11">
+                <a:extLst>
+                  <a:ext uri="{FF2B5EF4-FFF2-40B4-BE49-F238E27FC236}">
+                    <a16:creationId xmlns:a16="http://schemas.microsoft.com/office/drawing/2014/main" id="{C9D027D0-CDE8-4658-AD6F-F55D54C9563D}"/>
+                  </a:ext>
+                </a:extLst>
+              </p:cNvPr>
+              <p:cNvSpPr/>
+              <p:nvPr/>
+            </p:nvSpPr>
+            <p:spPr>
+              <a:xfrm>
+                <a:off x="9694859" y="2059221"/>
+                <a:ext cx="742122" cy="742122"/>
+              </a:xfrm>
+              <a:prstGeom prst="flowChartConnector">
+                <a:avLst/>
+              </a:prstGeom>
+            </p:spPr>
+            <p:style>
+              <a:lnRef idx="2">
+                <a:schemeClr val="accent6">
+                  <a:shade val="50000"/>
+                </a:schemeClr>
+              </a:lnRef>
+              <a:fillRef idx="1">
+                <a:schemeClr val="accent6"/>
+              </a:fillRef>
+              <a:effectRef idx="0">
+                <a:schemeClr val="accent6"/>
+              </a:effectRef>
+              <a:fontRef idx="minor">
+                <a:schemeClr val="lt1"/>
+              </a:fontRef>
+            </p:style>
+            <p:txBody>
+              <a:bodyPr rtlCol="0" anchor="ctr"/>
+              <a:lstStyle/>
+              <a:p>
+                <a:pPr algn="ctr"/>
+                <a14:m>
+                  <m:oMathPara xmlns:m="http://schemas.openxmlformats.org/officeDocument/2006/math">
+                    <m:oMathParaPr>
+                      <m:jc m:val="centerGroup"/>
+                    </m:oMathParaPr>
+                    <m:oMath xmlns:m="http://schemas.openxmlformats.org/officeDocument/2006/math">
+                      <m:sSub>
+                        <m:sSubPr>
+                          <m:ctrlPr>
+                            <a:rPr lang="en-US" altLang="ja-JP" i="1" smtClean="0">
+                              <a:latin typeface="Cambria Math" panose="02040503050406030204" pitchFamily="18" charset="0"/>
+                            </a:rPr>
+                          </m:ctrlPr>
+                        </m:sSubPr>
+                        <m:e>
+                          <m:r>
+                            <a:rPr lang="en-US" altLang="ja-JP" i="1">
+                              <a:latin typeface="Cambria Math" panose="02040503050406030204" pitchFamily="18" charset="0"/>
+                            </a:rPr>
+                            <m:t>  </m:t>
+                          </m:r>
+                          <m:r>
+                            <a:rPr lang="en-US" altLang="ja-JP" i="1">
+                              <a:latin typeface="Cambria Math" panose="02040503050406030204" pitchFamily="18" charset="0"/>
+                            </a:rPr>
+                            <m:t>𝑦</m:t>
+                          </m:r>
+                        </m:e>
+                        <m:sub>
+                          <m:r>
+                            <a:rPr lang="en-US" altLang="ja-JP" b="0" i="1" smtClean="0">
+                              <a:latin typeface="Cambria Math" panose="02040503050406030204" pitchFamily="18" charset="0"/>
+                            </a:rPr>
+                            <m:t>3</m:t>
+                          </m:r>
+                        </m:sub>
+                      </m:sSub>
+                    </m:oMath>
+                  </m:oMathPara>
+                </a14:m>
+                <a:endParaRPr kumimoji="1" lang="ja-JP" altLang="en-US" dirty="0"/>
+              </a:p>
+            </p:txBody>
+          </p:sp>
+        </mc:Choice>
+        <mc:Fallback>
+          <p:sp>
+            <p:nvSpPr>
+              <p:cNvPr id="12" name="フローチャート: 結合子 11">
+                <a:extLst>
+                  <a:ext uri="{FF2B5EF4-FFF2-40B4-BE49-F238E27FC236}">
+                    <a16:creationId xmlns:a16="http://schemas.microsoft.com/office/drawing/2014/main" id="{C9D027D0-CDE8-4658-AD6F-F55D54C9563D}"/>
+                  </a:ext>
+                </a:extLst>
+              </p:cNvPr>
+              <p:cNvSpPr>
+                <a:spLocks noRot="1" noChangeAspect="1" noMove="1" noResize="1" noEditPoints="1" noAdjustHandles="1" noChangeArrowheads="1" noChangeShapeType="1" noTextEdit="1"/>
+              </p:cNvSpPr>
+              <p:nvPr/>
+            </p:nvSpPr>
+            <p:spPr>
+              <a:xfrm>
+                <a:off x="9694859" y="2059221"/>
+                <a:ext cx="742122" cy="742122"/>
+              </a:xfrm>
+              <a:prstGeom prst="flowChartConnector">
+                <a:avLst/>
+              </a:prstGeom>
+              <a:blipFill>
+                <a:blip r:embed="rId9"/>
+                <a:stretch>
+                  <a:fillRect/>
+                </a:stretch>
+              </a:blipFill>
+            </p:spPr>
+            <p:txBody>
+              <a:bodyPr/>
+              <a:lstStyle/>
+              <a:p>
+                <a:r>
+                  <a:rPr lang="ja-JP" altLang="en-US">
+                    <a:noFill/>
+                  </a:rPr>
+                  <a:t> </a:t>
+                </a:r>
+              </a:p>
+            </p:txBody>
+          </p:sp>
+        </mc:Fallback>
+      </mc:AlternateContent>
+      <mc:AlternateContent xmlns:mc="http://schemas.openxmlformats.org/markup-compatibility/2006">
+        <mc:Choice xmlns:a14="http://schemas.microsoft.com/office/drawing/2010/main" Requires="a14">
+          <p:sp>
+            <p:nvSpPr>
+              <p:cNvPr id="13" name="フローチャート: 結合子 12">
+                <a:extLst>
+                  <a:ext uri="{FF2B5EF4-FFF2-40B4-BE49-F238E27FC236}">
+                    <a16:creationId xmlns:a16="http://schemas.microsoft.com/office/drawing/2014/main" id="{F4DD1C4B-D4EB-49EC-8FC7-1964D575A5EE}"/>
+                  </a:ext>
+                </a:extLst>
+              </p:cNvPr>
+              <p:cNvSpPr/>
+              <p:nvPr/>
+            </p:nvSpPr>
+            <p:spPr>
+              <a:xfrm>
+                <a:off x="9694859" y="3648633"/>
+                <a:ext cx="742122" cy="742122"/>
+              </a:xfrm>
+              <a:prstGeom prst="flowChartConnector">
+                <a:avLst/>
+              </a:prstGeom>
+            </p:spPr>
+            <p:style>
+              <a:lnRef idx="2">
+                <a:schemeClr val="accent1">
+                  <a:shade val="50000"/>
+                </a:schemeClr>
+              </a:lnRef>
+              <a:fillRef idx="1">
+                <a:schemeClr val="accent1"/>
+              </a:fillRef>
+              <a:effectRef idx="0">
+                <a:schemeClr val="accent1"/>
+              </a:effectRef>
+              <a:fontRef idx="minor">
+                <a:schemeClr val="lt1"/>
+              </a:fontRef>
+            </p:style>
+            <p:txBody>
+              <a:bodyPr rtlCol="0" anchor="ctr"/>
+              <a:lstStyle/>
+              <a:p>
+                <a:pPr algn="ctr"/>
+                <a14:m>
+                  <m:oMathPara xmlns:m="http://schemas.openxmlformats.org/officeDocument/2006/math">
+                    <m:oMathParaPr>
+                      <m:jc m:val="centerGroup"/>
+                    </m:oMathParaPr>
+                    <m:oMath xmlns:m="http://schemas.openxmlformats.org/officeDocument/2006/math">
+                      <m:r>
+                        <a:rPr lang="en-US" altLang="ja-JP" i="1" smtClean="0">
+                          <a:latin typeface="Cambria Math" panose="02040503050406030204" pitchFamily="18" charset="0"/>
+                        </a:rPr>
+                        <m:t> </m:t>
+                      </m:r>
+                      <m:sSub>
+                        <m:sSubPr>
+                          <m:ctrlPr>
+                            <a:rPr lang="en-US" altLang="ja-JP" i="1">
+                              <a:latin typeface="Cambria Math" panose="02040503050406030204" pitchFamily="18" charset="0"/>
+                            </a:rPr>
+                          </m:ctrlPr>
+                        </m:sSubPr>
+                        <m:e>
+                          <m:r>
+                            <a:rPr lang="en-US" altLang="ja-JP" i="1">
+                              <a:latin typeface="Cambria Math" panose="02040503050406030204" pitchFamily="18" charset="0"/>
+                            </a:rPr>
+                            <m:t>h</m:t>
+                          </m:r>
+                        </m:e>
+                        <m:sub>
+                          <m:r>
+                            <a:rPr lang="en-US" altLang="ja-JP" b="0" i="1" smtClean="0">
+                              <a:latin typeface="Cambria Math" panose="02040503050406030204" pitchFamily="18" charset="0"/>
+                            </a:rPr>
+                            <m:t>3</m:t>
+                          </m:r>
+                        </m:sub>
+                      </m:sSub>
+                    </m:oMath>
+                  </m:oMathPara>
+                </a14:m>
+                <a:endParaRPr kumimoji="1" lang="ja-JP" altLang="en-US" dirty="0"/>
+              </a:p>
+            </p:txBody>
+          </p:sp>
+        </mc:Choice>
+        <mc:Fallback>
+          <p:sp>
+            <p:nvSpPr>
+              <p:cNvPr id="13" name="フローチャート: 結合子 12">
+                <a:extLst>
+                  <a:ext uri="{FF2B5EF4-FFF2-40B4-BE49-F238E27FC236}">
+                    <a16:creationId xmlns:a16="http://schemas.microsoft.com/office/drawing/2014/main" id="{F4DD1C4B-D4EB-49EC-8FC7-1964D575A5EE}"/>
+                  </a:ext>
+                </a:extLst>
+              </p:cNvPr>
+              <p:cNvSpPr>
+                <a:spLocks noRot="1" noChangeAspect="1" noMove="1" noResize="1" noEditPoints="1" noAdjustHandles="1" noChangeArrowheads="1" noChangeShapeType="1" noTextEdit="1"/>
+              </p:cNvSpPr>
+              <p:nvPr/>
+            </p:nvSpPr>
+            <p:spPr>
+              <a:xfrm>
+                <a:off x="9694859" y="3648633"/>
+                <a:ext cx="742122" cy="742122"/>
+              </a:xfrm>
+              <a:prstGeom prst="flowChartConnector">
+                <a:avLst/>
+              </a:prstGeom>
+              <a:blipFill>
+                <a:blip r:embed="rId10"/>
+                <a:stretch>
+                  <a:fillRect/>
+                </a:stretch>
+              </a:blipFill>
+            </p:spPr>
+            <p:txBody>
+              <a:bodyPr/>
+              <a:lstStyle/>
+              <a:p>
+                <a:r>
+                  <a:rPr lang="ja-JP" altLang="en-US">
+                    <a:noFill/>
+                  </a:rPr>
+                  <a:t> </a:t>
+                </a:r>
+              </a:p>
+            </p:txBody>
+          </p:sp>
+        </mc:Fallback>
+      </mc:AlternateContent>
+      <mc:AlternateContent xmlns:mc="http://schemas.openxmlformats.org/markup-compatibility/2006">
+        <mc:Choice xmlns:a14="http://schemas.microsoft.com/office/drawing/2010/main" Requires="a14">
+          <p:sp>
+            <p:nvSpPr>
+              <p:cNvPr id="14" name="フローチャート: 結合子 13">
+                <a:extLst>
+                  <a:ext uri="{FF2B5EF4-FFF2-40B4-BE49-F238E27FC236}">
+                    <a16:creationId xmlns:a16="http://schemas.microsoft.com/office/drawing/2014/main" id="{8A56058C-B971-4579-AE2B-61FBEA48CAB9}"/>
+                  </a:ext>
+                </a:extLst>
+              </p:cNvPr>
+              <p:cNvSpPr/>
+              <p:nvPr/>
+            </p:nvSpPr>
+            <p:spPr>
+              <a:xfrm>
+                <a:off x="9694859" y="5237134"/>
+                <a:ext cx="742122" cy="742122"/>
+              </a:xfrm>
+              <a:prstGeom prst="flowChartConnector">
+                <a:avLst/>
+              </a:prstGeom>
+            </p:spPr>
+            <p:style>
+              <a:lnRef idx="2">
+                <a:schemeClr val="accent2">
+                  <a:shade val="50000"/>
+                </a:schemeClr>
+              </a:lnRef>
+              <a:fillRef idx="1">
+                <a:schemeClr val="accent2"/>
+              </a:fillRef>
+              <a:effectRef idx="0">
+                <a:schemeClr val="accent2"/>
+              </a:effectRef>
+              <a:fontRef idx="minor">
+                <a:schemeClr val="lt1"/>
+              </a:fontRef>
+            </p:style>
+            <p:txBody>
+              <a:bodyPr rtlCol="0" anchor="ctr"/>
+              <a:lstStyle/>
+              <a:p>
+                <a:pPr algn="ctr"/>
+                <a14:m>
+                  <m:oMathPara xmlns:m="http://schemas.openxmlformats.org/officeDocument/2006/math">
+                    <m:oMathParaPr>
+                      <m:jc m:val="centerGroup"/>
+                    </m:oMathParaPr>
+                    <m:oMath xmlns:m="http://schemas.openxmlformats.org/officeDocument/2006/math">
+                      <m:sSub>
+                        <m:sSubPr>
+                          <m:ctrlPr>
+                            <a:rPr lang="en-US" altLang="ja-JP" i="1" smtClean="0">
+                              <a:latin typeface="Cambria Math" panose="02040503050406030204" pitchFamily="18" charset="0"/>
+                            </a:rPr>
+                          </m:ctrlPr>
+                        </m:sSubPr>
+                        <m:e>
+                          <m:r>
+                            <a:rPr lang="en-US" altLang="ja-JP" i="1">
+                              <a:latin typeface="Cambria Math" panose="02040503050406030204" pitchFamily="18" charset="0"/>
+                            </a:rPr>
+                            <m:t>  </m:t>
+                          </m:r>
+                          <m:r>
+                            <a:rPr lang="en-US" altLang="ja-JP" i="1">
+                              <a:latin typeface="Cambria Math" panose="02040503050406030204" pitchFamily="18" charset="0"/>
+                            </a:rPr>
+                            <m:t>𝑥</m:t>
+                          </m:r>
+                        </m:e>
+                        <m:sub>
+                          <m:r>
+                            <a:rPr lang="en-US" altLang="ja-JP" b="0" i="1" smtClean="0">
+                              <a:latin typeface="Cambria Math" panose="02040503050406030204" pitchFamily="18" charset="0"/>
+                            </a:rPr>
+                            <m:t>3</m:t>
+                          </m:r>
+                        </m:sub>
+                      </m:sSub>
+                    </m:oMath>
+                  </m:oMathPara>
+                </a14:m>
+                <a:endParaRPr kumimoji="1" lang="ja-JP" altLang="en-US" dirty="0"/>
+              </a:p>
+            </p:txBody>
+          </p:sp>
+        </mc:Choice>
+        <mc:Fallback>
+          <p:sp>
+            <p:nvSpPr>
+              <p:cNvPr id="14" name="フローチャート: 結合子 13">
+                <a:extLst>
+                  <a:ext uri="{FF2B5EF4-FFF2-40B4-BE49-F238E27FC236}">
+                    <a16:creationId xmlns:a16="http://schemas.microsoft.com/office/drawing/2014/main" id="{8A56058C-B971-4579-AE2B-61FBEA48CAB9}"/>
+                  </a:ext>
+                </a:extLst>
+              </p:cNvPr>
+              <p:cNvSpPr>
+                <a:spLocks noRot="1" noChangeAspect="1" noMove="1" noResize="1" noEditPoints="1" noAdjustHandles="1" noChangeArrowheads="1" noChangeShapeType="1" noTextEdit="1"/>
+              </p:cNvSpPr>
+              <p:nvPr/>
+            </p:nvSpPr>
+            <p:spPr>
+              <a:xfrm>
+                <a:off x="9694859" y="5237134"/>
+                <a:ext cx="742122" cy="742122"/>
+              </a:xfrm>
+              <a:prstGeom prst="flowChartConnector">
+                <a:avLst/>
+              </a:prstGeom>
+              <a:blipFill>
+                <a:blip r:embed="rId11"/>
+                <a:stretch>
+                  <a:fillRect/>
+                </a:stretch>
+              </a:blipFill>
+            </p:spPr>
+            <p:txBody>
+              <a:bodyPr/>
+              <a:lstStyle/>
+              <a:p>
+                <a:r>
+                  <a:rPr lang="ja-JP" altLang="en-US">
+                    <a:noFill/>
+                  </a:rPr>
+                  <a:t> </a:t>
+                </a:r>
+              </a:p>
+            </p:txBody>
+          </p:sp>
+        </mc:Fallback>
+      </mc:AlternateContent>
+      <p:cxnSp>
+        <p:nvCxnSpPr>
+          <p:cNvPr id="36" name="直線矢印コネクタ 35">
+            <a:extLst>
+              <a:ext uri="{FF2B5EF4-FFF2-40B4-BE49-F238E27FC236}">
+                <a16:creationId xmlns:a16="http://schemas.microsoft.com/office/drawing/2014/main" id="{ED814CC9-1C0D-4C31-B118-8B62FE0EF964}"/>
+              </a:ext>
+            </a:extLst>
+          </p:cNvPr>
+          <p:cNvCxnSpPr/>
+          <p:nvPr/>
+        </p:nvCxnSpPr>
+        <p:spPr>
+          <a:xfrm>
+            <a:off x="3062796" y="4019694"/>
+            <a:ext cx="1305018" cy="0"/>
+          </a:xfrm>
+          <a:prstGeom prst="straightConnector1">
+            <a:avLst/>
+          </a:prstGeom>
+          <a:ln>
+            <a:tailEnd type="triangle"/>
+          </a:ln>
+        </p:spPr>
+        <p:style>
+          <a:lnRef idx="1">
+            <a:schemeClr val="accent1"/>
+          </a:lnRef>
+          <a:fillRef idx="0">
+            <a:schemeClr val="accent1"/>
+          </a:fillRef>
+          <a:effectRef idx="0">
+            <a:schemeClr val="accent1"/>
+          </a:effectRef>
+          <a:fontRef idx="minor">
+            <a:schemeClr val="tx1"/>
+          </a:fontRef>
+        </p:style>
+      </p:cxnSp>
+      <p:sp>
+        <p:nvSpPr>
+          <p:cNvPr id="37" name="テキスト ボックス 36">
+            <a:extLst>
+              <a:ext uri="{FF2B5EF4-FFF2-40B4-BE49-F238E27FC236}">
+                <a16:creationId xmlns:a16="http://schemas.microsoft.com/office/drawing/2014/main" id="{63C7FC97-C71F-4BA4-8BBB-973C13773911}"/>
+              </a:ext>
+            </a:extLst>
+          </p:cNvPr>
+          <p:cNvSpPr txBox="1"/>
+          <p:nvPr/>
+        </p:nvSpPr>
+        <p:spPr>
+          <a:xfrm>
+            <a:off x="3266983" y="3561336"/>
+            <a:ext cx="857134" cy="369332"/>
+          </a:xfrm>
+          <a:prstGeom prst="rect">
+            <a:avLst/>
+          </a:prstGeom>
+          <a:noFill/>
+        </p:spPr>
+        <p:txBody>
+          <a:bodyPr wrap="square" rtlCol="0">
+            <a:spAutoFit/>
+          </a:bodyPr>
+          <a:lstStyle/>
+          <a:p>
+            <a:pPr algn="ctr"/>
+            <a:r>
+              <a:rPr kumimoji="1" lang="ja-JP" altLang="en-US" dirty="0"/>
+              <a:t>展開</a:t>
+            </a:r>
+          </a:p>
+        </p:txBody>
+      </p:sp>
+      <p:sp>
+        <p:nvSpPr>
+          <p:cNvPr id="38" name="矢印: 右 37">
+            <a:extLst>
+              <a:ext uri="{FF2B5EF4-FFF2-40B4-BE49-F238E27FC236}">
+                <a16:creationId xmlns:a16="http://schemas.microsoft.com/office/drawing/2014/main" id="{98FB8A70-61F2-48CB-8FF9-91A4480D51D9}"/>
+              </a:ext>
+            </a:extLst>
+          </p:cNvPr>
+          <p:cNvSpPr/>
+          <p:nvPr/>
+        </p:nvSpPr>
+        <p:spPr>
+          <a:xfrm>
+            <a:off x="5676849" y="3782487"/>
+            <a:ext cx="461536" cy="522489"/>
+          </a:xfrm>
+          <a:prstGeom prst="rightArrow">
+            <a:avLst/>
+          </a:prstGeom>
+        </p:spPr>
+        <p:style>
+          <a:lnRef idx="2">
+            <a:schemeClr val="accent1">
+              <a:shade val="50000"/>
+            </a:schemeClr>
+          </a:lnRef>
+          <a:fillRef idx="1">
+            <a:schemeClr val="accent1"/>
+          </a:fillRef>
+          <a:effectRef idx="0">
+            <a:schemeClr val="accent1"/>
+          </a:effectRef>
+          <a:fontRef idx="minor">
+            <a:schemeClr val="lt1"/>
+          </a:fontRef>
+        </p:style>
+        <p:txBody>
+          <a:bodyPr rtlCol="0" anchor="ctr"/>
+          <a:lstStyle/>
+          <a:p>
+            <a:pPr algn="ctr"/>
+            <a:endParaRPr kumimoji="1" lang="ja-JP" altLang="en-US"/>
+          </a:p>
+        </p:txBody>
+      </p:sp>
+      <p:sp>
+        <p:nvSpPr>
+          <p:cNvPr id="39" name="矢印: 右 38">
+            <a:extLst>
+              <a:ext uri="{FF2B5EF4-FFF2-40B4-BE49-F238E27FC236}">
+                <a16:creationId xmlns:a16="http://schemas.microsoft.com/office/drawing/2014/main" id="{B821341D-EC9E-4995-8B5D-222A774EB02F}"/>
+              </a:ext>
+            </a:extLst>
+          </p:cNvPr>
+          <p:cNvSpPr/>
+          <p:nvPr/>
+        </p:nvSpPr>
+        <p:spPr>
+          <a:xfrm>
+            <a:off x="7283171" y="3798859"/>
+            <a:ext cx="461536" cy="522489"/>
+          </a:xfrm>
+          <a:prstGeom prst="rightArrow">
+            <a:avLst/>
+          </a:prstGeom>
+        </p:spPr>
+        <p:style>
+          <a:lnRef idx="2">
+            <a:schemeClr val="accent1">
+              <a:shade val="50000"/>
+            </a:schemeClr>
+          </a:lnRef>
+          <a:fillRef idx="1">
+            <a:schemeClr val="accent1"/>
+          </a:fillRef>
+          <a:effectRef idx="0">
+            <a:schemeClr val="accent1"/>
+          </a:effectRef>
+          <a:fontRef idx="minor">
+            <a:schemeClr val="lt1"/>
+          </a:fontRef>
+        </p:style>
+        <p:txBody>
+          <a:bodyPr rtlCol="0" anchor="ctr"/>
+          <a:lstStyle/>
+          <a:p>
+            <a:pPr algn="ctr"/>
+            <a:endParaRPr kumimoji="1" lang="ja-JP" altLang="en-US"/>
+          </a:p>
+        </p:txBody>
+      </p:sp>
+      <p:sp>
+        <p:nvSpPr>
+          <p:cNvPr id="40" name="矢印: 右 39">
+            <a:extLst>
+              <a:ext uri="{FF2B5EF4-FFF2-40B4-BE49-F238E27FC236}">
+                <a16:creationId xmlns:a16="http://schemas.microsoft.com/office/drawing/2014/main" id="{A71C1A79-A240-478F-AE5B-9E2F681A0586}"/>
+              </a:ext>
+            </a:extLst>
+          </p:cNvPr>
+          <p:cNvSpPr/>
+          <p:nvPr/>
+        </p:nvSpPr>
+        <p:spPr>
+          <a:xfrm>
+            <a:off x="8970915" y="3757994"/>
+            <a:ext cx="461536" cy="522489"/>
+          </a:xfrm>
+          <a:prstGeom prst="rightArrow">
+            <a:avLst/>
+          </a:prstGeom>
+        </p:spPr>
+        <p:style>
+          <a:lnRef idx="2">
+            <a:schemeClr val="accent1">
+              <a:shade val="50000"/>
+            </a:schemeClr>
+          </a:lnRef>
+          <a:fillRef idx="1">
+            <a:schemeClr val="accent1"/>
+          </a:fillRef>
+          <a:effectRef idx="0">
+            <a:schemeClr val="accent1"/>
+          </a:effectRef>
+          <a:fontRef idx="minor">
+            <a:schemeClr val="lt1"/>
+          </a:fontRef>
+        </p:style>
+        <p:txBody>
+          <a:bodyPr rtlCol="0" anchor="ctr"/>
+          <a:lstStyle/>
+          <a:p>
+            <a:pPr algn="ctr"/>
+            <a:endParaRPr kumimoji="1" lang="ja-JP" altLang="en-US"/>
+          </a:p>
+        </p:txBody>
+      </p:sp>
+      <p:sp>
+        <p:nvSpPr>
+          <p:cNvPr id="41" name="矢印: 右 40">
+            <a:extLst>
+              <a:ext uri="{FF2B5EF4-FFF2-40B4-BE49-F238E27FC236}">
+                <a16:creationId xmlns:a16="http://schemas.microsoft.com/office/drawing/2014/main" id="{9E5DFD10-EAD2-4E8E-9D16-698F561318DA}"/>
+              </a:ext>
+            </a:extLst>
+          </p:cNvPr>
+          <p:cNvSpPr/>
+          <p:nvPr/>
+        </p:nvSpPr>
+        <p:spPr>
+          <a:xfrm rot="16200000">
+            <a:off x="6456333" y="4552699"/>
+            <a:ext cx="461536" cy="522489"/>
+          </a:xfrm>
+          <a:prstGeom prst="rightArrow">
+            <a:avLst/>
+          </a:prstGeom>
+          <a:solidFill>
+            <a:schemeClr val="accent2"/>
+          </a:solidFill>
+        </p:spPr>
+        <p:style>
+          <a:lnRef idx="2">
+            <a:schemeClr val="accent1">
+              <a:shade val="50000"/>
+            </a:schemeClr>
+          </a:lnRef>
+          <a:fillRef idx="1">
+            <a:schemeClr val="accent1"/>
+          </a:fillRef>
+          <a:effectRef idx="0">
+            <a:schemeClr val="accent1"/>
+          </a:effectRef>
+          <a:fontRef idx="minor">
+            <a:schemeClr val="lt1"/>
+          </a:fontRef>
+        </p:style>
+        <p:txBody>
+          <a:bodyPr rtlCol="0" anchor="ctr"/>
+          <a:lstStyle/>
+          <a:p>
+            <a:pPr algn="ctr"/>
+            <a:endParaRPr kumimoji="1" lang="ja-JP" altLang="en-US"/>
+          </a:p>
+        </p:txBody>
+      </p:sp>
+      <p:sp>
+        <p:nvSpPr>
+          <p:cNvPr id="42" name="矢印: 右 41">
+            <a:extLst>
+              <a:ext uri="{FF2B5EF4-FFF2-40B4-BE49-F238E27FC236}">
+                <a16:creationId xmlns:a16="http://schemas.microsoft.com/office/drawing/2014/main" id="{8D400E6D-E741-4018-98DD-3CA5A33FFB5D}"/>
+              </a:ext>
+            </a:extLst>
+          </p:cNvPr>
+          <p:cNvSpPr/>
+          <p:nvPr/>
+        </p:nvSpPr>
+        <p:spPr>
+          <a:xfrm rot="16200000">
+            <a:off x="6459664" y="2971898"/>
+            <a:ext cx="461536" cy="522489"/>
+          </a:xfrm>
+          <a:prstGeom prst="rightArrow">
+            <a:avLst/>
+          </a:prstGeom>
+          <a:solidFill>
+            <a:schemeClr val="accent6"/>
+          </a:solidFill>
+        </p:spPr>
+        <p:style>
+          <a:lnRef idx="2">
+            <a:schemeClr val="accent1">
+              <a:shade val="50000"/>
+            </a:schemeClr>
+          </a:lnRef>
+          <a:fillRef idx="1">
+            <a:schemeClr val="accent1"/>
+          </a:fillRef>
+          <a:effectRef idx="0">
+            <a:schemeClr val="accent1"/>
+          </a:effectRef>
+          <a:fontRef idx="minor">
+            <a:schemeClr val="lt1"/>
+          </a:fontRef>
+        </p:style>
+        <p:txBody>
+          <a:bodyPr rtlCol="0" anchor="ctr"/>
+          <a:lstStyle/>
+          <a:p>
+            <a:pPr algn="ctr"/>
+            <a:endParaRPr kumimoji="1" lang="ja-JP" altLang="en-US"/>
+          </a:p>
+        </p:txBody>
+      </p:sp>
+      <p:sp>
+        <p:nvSpPr>
+          <p:cNvPr id="43" name="矢印: 右 42">
+            <a:extLst>
+              <a:ext uri="{FF2B5EF4-FFF2-40B4-BE49-F238E27FC236}">
+                <a16:creationId xmlns:a16="http://schemas.microsoft.com/office/drawing/2014/main" id="{83B0B0B7-DBDB-4D93-B495-A1E4BE790D47}"/>
+              </a:ext>
+            </a:extLst>
+          </p:cNvPr>
+          <p:cNvSpPr/>
+          <p:nvPr/>
+        </p:nvSpPr>
+        <p:spPr>
+          <a:xfrm rot="16200000">
+            <a:off x="9832470" y="2971898"/>
+            <a:ext cx="461536" cy="522489"/>
+          </a:xfrm>
+          <a:prstGeom prst="rightArrow">
+            <a:avLst/>
+          </a:prstGeom>
+          <a:solidFill>
+            <a:schemeClr val="accent6"/>
+          </a:solidFill>
+        </p:spPr>
+        <p:style>
+          <a:lnRef idx="2">
+            <a:schemeClr val="accent1">
+              <a:shade val="50000"/>
+            </a:schemeClr>
+          </a:lnRef>
+          <a:fillRef idx="1">
+            <a:schemeClr val="accent1"/>
+          </a:fillRef>
+          <a:effectRef idx="0">
+            <a:schemeClr val="accent1"/>
+          </a:effectRef>
+          <a:fontRef idx="minor">
+            <a:schemeClr val="lt1"/>
+          </a:fontRef>
+        </p:style>
+        <p:txBody>
+          <a:bodyPr rtlCol="0" anchor="ctr"/>
+          <a:lstStyle/>
+          <a:p>
+            <a:pPr algn="ctr"/>
+            <a:endParaRPr kumimoji="1" lang="ja-JP" altLang="en-US"/>
+          </a:p>
+        </p:txBody>
+      </p:sp>
+      <p:sp>
+        <p:nvSpPr>
+          <p:cNvPr id="44" name="矢印: 右 43">
+            <a:extLst>
+              <a:ext uri="{FF2B5EF4-FFF2-40B4-BE49-F238E27FC236}">
+                <a16:creationId xmlns:a16="http://schemas.microsoft.com/office/drawing/2014/main" id="{5B8F2C50-C881-45A8-994B-4EDF2380582E}"/>
+              </a:ext>
+            </a:extLst>
+          </p:cNvPr>
+          <p:cNvSpPr/>
+          <p:nvPr/>
+        </p:nvSpPr>
+        <p:spPr>
+          <a:xfrm rot="16200000">
+            <a:off x="8106678" y="2990997"/>
+            <a:ext cx="461536" cy="522489"/>
+          </a:xfrm>
+          <a:prstGeom prst="rightArrow">
+            <a:avLst/>
+          </a:prstGeom>
+          <a:solidFill>
+            <a:schemeClr val="accent6"/>
+          </a:solidFill>
+        </p:spPr>
+        <p:style>
+          <a:lnRef idx="2">
+            <a:schemeClr val="accent1">
+              <a:shade val="50000"/>
+            </a:schemeClr>
+          </a:lnRef>
+          <a:fillRef idx="1">
+            <a:schemeClr val="accent1"/>
+          </a:fillRef>
+          <a:effectRef idx="0">
+            <a:schemeClr val="accent1"/>
+          </a:effectRef>
+          <a:fontRef idx="minor">
+            <a:schemeClr val="lt1"/>
+          </a:fontRef>
+        </p:style>
+        <p:txBody>
+          <a:bodyPr rtlCol="0" anchor="ctr"/>
+          <a:lstStyle/>
+          <a:p>
+            <a:pPr algn="ctr"/>
+            <a:endParaRPr kumimoji="1" lang="ja-JP" altLang="en-US"/>
+          </a:p>
+        </p:txBody>
+      </p:sp>
+      <p:sp>
+        <p:nvSpPr>
+          <p:cNvPr id="45" name="矢印: 右 44">
+            <a:extLst>
+              <a:ext uri="{FF2B5EF4-FFF2-40B4-BE49-F238E27FC236}">
+                <a16:creationId xmlns:a16="http://schemas.microsoft.com/office/drawing/2014/main" id="{77C524EC-FF84-4CF3-9DA5-27864E292DFA}"/>
+              </a:ext>
+            </a:extLst>
+          </p:cNvPr>
+          <p:cNvSpPr/>
+          <p:nvPr/>
+        </p:nvSpPr>
+        <p:spPr>
+          <a:xfrm rot="16200000">
+            <a:off x="9832469" y="4552700"/>
+            <a:ext cx="461536" cy="522489"/>
+          </a:xfrm>
+          <a:prstGeom prst="rightArrow">
+            <a:avLst/>
+          </a:prstGeom>
+          <a:solidFill>
+            <a:schemeClr val="accent2"/>
+          </a:solidFill>
+        </p:spPr>
+        <p:style>
+          <a:lnRef idx="2">
+            <a:schemeClr val="accent1">
+              <a:shade val="50000"/>
+            </a:schemeClr>
+          </a:lnRef>
+          <a:fillRef idx="1">
+            <a:schemeClr val="accent1"/>
+          </a:fillRef>
+          <a:effectRef idx="0">
+            <a:schemeClr val="accent1"/>
+          </a:effectRef>
+          <a:fontRef idx="minor">
+            <a:schemeClr val="lt1"/>
+          </a:fontRef>
+        </p:style>
+        <p:txBody>
+          <a:bodyPr rtlCol="0" anchor="ctr"/>
+          <a:lstStyle/>
+          <a:p>
+            <a:pPr algn="ctr"/>
+            <a:endParaRPr kumimoji="1" lang="ja-JP" altLang="en-US"/>
+          </a:p>
+        </p:txBody>
+      </p:sp>
+      <p:sp>
+        <p:nvSpPr>
+          <p:cNvPr id="46" name="矢印: 右 45">
+            <a:extLst>
+              <a:ext uri="{FF2B5EF4-FFF2-40B4-BE49-F238E27FC236}">
+                <a16:creationId xmlns:a16="http://schemas.microsoft.com/office/drawing/2014/main" id="{9198282B-9262-4AC5-8234-E83D3EAFA5C3}"/>
+              </a:ext>
+            </a:extLst>
+          </p:cNvPr>
+          <p:cNvSpPr/>
+          <p:nvPr/>
+        </p:nvSpPr>
+        <p:spPr>
+          <a:xfrm rot="16200000">
+            <a:off x="8102222" y="4552699"/>
+            <a:ext cx="461536" cy="522489"/>
+          </a:xfrm>
+          <a:prstGeom prst="rightArrow">
+            <a:avLst/>
+          </a:prstGeom>
+          <a:solidFill>
+            <a:schemeClr val="accent2"/>
+          </a:solidFill>
+        </p:spPr>
+        <p:style>
+          <a:lnRef idx="2">
+            <a:schemeClr val="accent1">
+              <a:shade val="50000"/>
+            </a:schemeClr>
+          </a:lnRef>
+          <a:fillRef idx="1">
+            <a:schemeClr val="accent1"/>
+          </a:fillRef>
+          <a:effectRef idx="0">
+            <a:schemeClr val="accent1"/>
+          </a:effectRef>
+          <a:fontRef idx="minor">
+            <a:schemeClr val="lt1"/>
+          </a:fontRef>
+        </p:style>
+        <p:txBody>
+          <a:bodyPr rtlCol="0" anchor="ctr"/>
+          <a:lstStyle/>
+          <a:p>
+            <a:pPr algn="ctr"/>
+            <a:endParaRPr kumimoji="1" lang="ja-JP" altLang="en-US"/>
+          </a:p>
+        </p:txBody>
+      </p:sp>
+      <p:sp>
+        <p:nvSpPr>
+          <p:cNvPr id="48" name="テキスト ボックス 47">
+            <a:extLst>
+              <a:ext uri="{FF2B5EF4-FFF2-40B4-BE49-F238E27FC236}">
+                <a16:creationId xmlns:a16="http://schemas.microsoft.com/office/drawing/2014/main" id="{03CDECA3-A664-4599-86E7-6CCE79A732C8}"/>
+              </a:ext>
+            </a:extLst>
+          </p:cNvPr>
+          <p:cNvSpPr txBox="1"/>
+          <p:nvPr/>
+        </p:nvSpPr>
+        <p:spPr>
+          <a:xfrm>
+            <a:off x="4913843" y="4513768"/>
+            <a:ext cx="816361" cy="276999"/>
+          </a:xfrm>
+          <a:prstGeom prst="rect">
+            <a:avLst/>
+          </a:prstGeom>
+          <a:noFill/>
+        </p:spPr>
+        <p:txBody>
+          <a:bodyPr wrap="square" rtlCol="0">
+            <a:spAutoFit/>
+          </a:bodyPr>
+          <a:lstStyle/>
+          <a:p>
+            <a:r>
+              <a:rPr kumimoji="1" lang="en-US" altLang="ja-JP" sz="1200" dirty="0"/>
+              <a:t>[</a:t>
+            </a:r>
+            <a:r>
+              <a:rPr kumimoji="1" lang="ja-JP" altLang="en-US" sz="1200" dirty="0"/>
+              <a:t>ド</a:t>
+            </a:r>
+            <a:r>
+              <a:rPr kumimoji="1" lang="en-US" altLang="ja-JP" sz="1200" dirty="0"/>
+              <a:t>]</a:t>
+            </a:r>
+            <a:endParaRPr kumimoji="1" lang="ja-JP" altLang="en-US" sz="1200" dirty="0"/>
+          </a:p>
+        </p:txBody>
+      </p:sp>
+      <p:sp>
+        <p:nvSpPr>
+          <p:cNvPr id="49" name="テキスト ボックス 48">
+            <a:extLst>
+              <a:ext uri="{FF2B5EF4-FFF2-40B4-BE49-F238E27FC236}">
+                <a16:creationId xmlns:a16="http://schemas.microsoft.com/office/drawing/2014/main" id="{473FDD37-2D98-4915-A4AD-3852730DF299}"/>
+              </a:ext>
+            </a:extLst>
+          </p:cNvPr>
+          <p:cNvSpPr txBox="1"/>
+          <p:nvPr/>
+        </p:nvSpPr>
+        <p:spPr>
+          <a:xfrm>
+            <a:off x="7157027" y="4513768"/>
+            <a:ext cx="1218142" cy="276999"/>
+          </a:xfrm>
+          <a:prstGeom prst="rect">
+            <a:avLst/>
+          </a:prstGeom>
+          <a:noFill/>
+        </p:spPr>
+        <p:txBody>
+          <a:bodyPr wrap="square" rtlCol="0">
+            <a:spAutoFit/>
+          </a:bodyPr>
+          <a:lstStyle/>
+          <a:p>
+            <a:r>
+              <a:rPr kumimoji="1" lang="en-US" altLang="ja-JP" sz="1200" dirty="0"/>
+              <a:t>[</a:t>
+            </a:r>
+            <a:r>
+              <a:rPr kumimoji="1" lang="ja-JP" altLang="en-US" sz="1200" dirty="0"/>
+              <a:t>ド</a:t>
+            </a:r>
+            <a:r>
+              <a:rPr lang="en-US" altLang="ja-JP" sz="1200" dirty="0"/>
+              <a:t>, </a:t>
+            </a:r>
+            <a:r>
+              <a:rPr kumimoji="1" lang="ja-JP" altLang="en-US" sz="1200" dirty="0"/>
+              <a:t>レ</a:t>
+            </a:r>
+            <a:r>
+              <a:rPr kumimoji="1" lang="en-US" altLang="ja-JP" sz="1200" dirty="0"/>
+              <a:t>]</a:t>
+            </a:r>
+            <a:endParaRPr kumimoji="1" lang="ja-JP" altLang="en-US" sz="1200" dirty="0"/>
+          </a:p>
+        </p:txBody>
+      </p:sp>
+      <p:sp>
+        <p:nvSpPr>
+          <p:cNvPr id="50" name="テキスト ボックス 49">
+            <a:extLst>
+              <a:ext uri="{FF2B5EF4-FFF2-40B4-BE49-F238E27FC236}">
+                <a16:creationId xmlns:a16="http://schemas.microsoft.com/office/drawing/2014/main" id="{50237F06-C627-4E32-8576-59490010E29F}"/>
+              </a:ext>
+            </a:extLst>
+          </p:cNvPr>
+          <p:cNvSpPr txBox="1"/>
+          <p:nvPr/>
+        </p:nvSpPr>
+        <p:spPr>
+          <a:xfrm>
+            <a:off x="6466810" y="1698379"/>
+            <a:ext cx="816361" cy="276999"/>
+          </a:xfrm>
+          <a:prstGeom prst="rect">
+            <a:avLst/>
+          </a:prstGeom>
+          <a:noFill/>
+        </p:spPr>
+        <p:txBody>
+          <a:bodyPr wrap="square" rtlCol="0">
+            <a:spAutoFit/>
+          </a:bodyPr>
+          <a:lstStyle/>
+          <a:p>
+            <a:r>
+              <a:rPr kumimoji="1" lang="en-US" altLang="ja-JP" sz="1200" dirty="0"/>
+              <a:t>[</a:t>
+            </a:r>
+            <a:r>
+              <a:rPr kumimoji="1" lang="ja-JP" altLang="en-US" sz="1200" dirty="0"/>
+              <a:t>レ</a:t>
+            </a:r>
+            <a:r>
+              <a:rPr kumimoji="1" lang="en-US" altLang="ja-JP" sz="1200" dirty="0"/>
+              <a:t>]</a:t>
+            </a:r>
+            <a:endParaRPr kumimoji="1" lang="ja-JP" altLang="en-US" sz="1200" dirty="0"/>
+          </a:p>
+        </p:txBody>
+      </p:sp>
+      <p:sp>
+        <p:nvSpPr>
+          <p:cNvPr id="51" name="テキスト ボックス 50">
+            <a:extLst>
+              <a:ext uri="{FF2B5EF4-FFF2-40B4-BE49-F238E27FC236}">
+                <a16:creationId xmlns:a16="http://schemas.microsoft.com/office/drawing/2014/main" id="{86A8C2F3-6425-4777-9348-6676BA778DF0}"/>
+              </a:ext>
+            </a:extLst>
+          </p:cNvPr>
+          <p:cNvSpPr txBox="1"/>
+          <p:nvPr/>
+        </p:nvSpPr>
+        <p:spPr>
+          <a:xfrm>
+            <a:off x="8705092" y="4492888"/>
+            <a:ext cx="1218142" cy="276999"/>
+          </a:xfrm>
+          <a:prstGeom prst="rect">
+            <a:avLst/>
+          </a:prstGeom>
+          <a:noFill/>
+        </p:spPr>
+        <p:txBody>
+          <a:bodyPr wrap="square" rtlCol="0">
+            <a:spAutoFit/>
+          </a:bodyPr>
+          <a:lstStyle/>
+          <a:p>
+            <a:r>
+              <a:rPr kumimoji="1" lang="en-US" altLang="ja-JP" sz="1200" dirty="0"/>
+              <a:t>[</a:t>
+            </a:r>
+            <a:r>
+              <a:rPr kumimoji="1" lang="ja-JP" altLang="en-US" sz="1200" dirty="0"/>
+              <a:t>ド</a:t>
+            </a:r>
+            <a:r>
+              <a:rPr lang="en-US" altLang="ja-JP" sz="1200" dirty="0"/>
+              <a:t>, </a:t>
+            </a:r>
+            <a:r>
+              <a:rPr kumimoji="1" lang="ja-JP" altLang="en-US" sz="1200" dirty="0"/>
+              <a:t>レ</a:t>
+            </a:r>
+            <a:r>
+              <a:rPr kumimoji="1" lang="en-US" altLang="ja-JP" sz="1200" dirty="0"/>
+              <a:t>, </a:t>
+            </a:r>
+            <a:r>
+              <a:rPr kumimoji="1" lang="ja-JP" altLang="en-US" sz="1200" dirty="0"/>
+              <a:t>ミ</a:t>
+            </a:r>
+            <a:r>
+              <a:rPr kumimoji="1" lang="en-US" altLang="ja-JP" sz="1200" dirty="0"/>
+              <a:t>]</a:t>
+            </a:r>
+            <a:endParaRPr kumimoji="1" lang="ja-JP" altLang="en-US" sz="1200" dirty="0"/>
+          </a:p>
+        </p:txBody>
+      </p:sp>
+      <p:sp>
+        <p:nvSpPr>
+          <p:cNvPr id="52" name="テキスト ボックス 51">
+            <a:extLst>
+              <a:ext uri="{FF2B5EF4-FFF2-40B4-BE49-F238E27FC236}">
+                <a16:creationId xmlns:a16="http://schemas.microsoft.com/office/drawing/2014/main" id="{9FC03C0C-5AA3-451F-9610-412173AAA08A}"/>
+              </a:ext>
+            </a:extLst>
+          </p:cNvPr>
+          <p:cNvSpPr txBox="1"/>
+          <p:nvPr/>
+        </p:nvSpPr>
+        <p:spPr>
+          <a:xfrm>
+            <a:off x="8071745" y="1700449"/>
+            <a:ext cx="816361" cy="276999"/>
+          </a:xfrm>
+          <a:prstGeom prst="rect">
+            <a:avLst/>
+          </a:prstGeom>
+          <a:noFill/>
+        </p:spPr>
+        <p:txBody>
+          <a:bodyPr wrap="square" rtlCol="0">
+            <a:spAutoFit/>
+          </a:bodyPr>
+          <a:lstStyle/>
+          <a:p>
+            <a:r>
+              <a:rPr kumimoji="1" lang="en-US" altLang="ja-JP" sz="1200" dirty="0"/>
+              <a:t>[</a:t>
+            </a:r>
+            <a:r>
+              <a:rPr kumimoji="1" lang="ja-JP" altLang="en-US" sz="1200" dirty="0"/>
+              <a:t>ミ</a:t>
+            </a:r>
+            <a:r>
+              <a:rPr kumimoji="1" lang="en-US" altLang="ja-JP" sz="1200" dirty="0"/>
+              <a:t>]</a:t>
+            </a:r>
+            <a:endParaRPr kumimoji="1" lang="ja-JP" altLang="en-US" sz="1200" dirty="0"/>
+          </a:p>
+        </p:txBody>
+      </p:sp>
+      <p:sp>
+        <p:nvSpPr>
+          <p:cNvPr id="53" name="テキスト ボックス 52">
+            <a:extLst>
+              <a:ext uri="{FF2B5EF4-FFF2-40B4-BE49-F238E27FC236}">
+                <a16:creationId xmlns:a16="http://schemas.microsoft.com/office/drawing/2014/main" id="{88CA2DA6-BCC0-4D2F-9071-B3DF4394A09F}"/>
+              </a:ext>
+            </a:extLst>
+          </p:cNvPr>
+          <p:cNvSpPr txBox="1"/>
+          <p:nvPr/>
+        </p:nvSpPr>
+        <p:spPr>
+          <a:xfrm>
+            <a:off x="9801992" y="1686011"/>
+            <a:ext cx="816361" cy="276999"/>
+          </a:xfrm>
+          <a:prstGeom prst="rect">
+            <a:avLst/>
+          </a:prstGeom>
+          <a:noFill/>
+        </p:spPr>
+        <p:txBody>
+          <a:bodyPr wrap="square" rtlCol="0">
+            <a:spAutoFit/>
+          </a:bodyPr>
+          <a:lstStyle/>
+          <a:p>
+            <a:r>
+              <a:rPr kumimoji="1" lang="en-US" altLang="ja-JP" sz="1200" dirty="0"/>
+              <a:t>[</a:t>
+            </a:r>
+            <a:r>
+              <a:rPr kumimoji="1" lang="ja-JP" altLang="en-US" sz="1200" dirty="0"/>
+              <a:t>ファ</a:t>
+            </a:r>
+            <a:r>
+              <a:rPr kumimoji="1" lang="en-US" altLang="ja-JP" sz="1200" dirty="0"/>
+              <a:t>]</a:t>
+            </a:r>
+            <a:endParaRPr kumimoji="1" lang="ja-JP" altLang="en-US" sz="1200" dirty="0"/>
+          </a:p>
+        </p:txBody>
+      </p:sp>
+      <p:grpSp>
+        <p:nvGrpSpPr>
+          <p:cNvPr id="57" name="グループ化 56">
+            <a:extLst>
+              <a:ext uri="{FF2B5EF4-FFF2-40B4-BE49-F238E27FC236}">
+                <a16:creationId xmlns:a16="http://schemas.microsoft.com/office/drawing/2014/main" id="{51D3906B-1A04-482F-80E3-F2CCB85E9A6A}"/>
+              </a:ext>
+            </a:extLst>
+          </p:cNvPr>
+          <p:cNvGrpSpPr/>
+          <p:nvPr/>
+        </p:nvGrpSpPr>
+        <p:grpSpPr>
+          <a:xfrm>
+            <a:off x="966797" y="1678306"/>
+            <a:ext cx="1598831" cy="4199840"/>
+            <a:chOff x="966797" y="1678306"/>
+            <a:chExt cx="1598831" cy="4199840"/>
+          </a:xfrm>
+        </p:grpSpPr>
+        <mc:AlternateContent xmlns:mc="http://schemas.openxmlformats.org/markup-compatibility/2006">
+          <mc:Choice xmlns:a14="http://schemas.microsoft.com/office/drawing/2010/main" Requires="a14">
+            <p:sp>
+              <p:nvSpPr>
+                <p:cNvPr id="15" name="フローチャート: 結合子 14">
+                  <a:extLst>
+                    <a:ext uri="{FF2B5EF4-FFF2-40B4-BE49-F238E27FC236}">
+                      <a16:creationId xmlns:a16="http://schemas.microsoft.com/office/drawing/2014/main" id="{70E2DDBD-0F09-400F-A99E-4B1013EF7FE1}"/>
+                    </a:ext>
+                  </a:extLst>
+                </p:cNvPr>
+                <p:cNvSpPr/>
+                <p:nvPr/>
+              </p:nvSpPr>
+              <p:spPr>
+                <a:xfrm>
+                  <a:off x="1755019" y="2068099"/>
+                  <a:ext cx="742122" cy="742122"/>
+                </a:xfrm>
+                <a:prstGeom prst="flowChartConnector">
+                  <a:avLst/>
+                </a:prstGeom>
+              </p:spPr>
+              <p:style>
+                <a:lnRef idx="2">
+                  <a:schemeClr val="accent6">
+                    <a:shade val="50000"/>
+                  </a:schemeClr>
+                </a:lnRef>
+                <a:fillRef idx="1">
+                  <a:schemeClr val="accent6"/>
+                </a:fillRef>
+                <a:effectRef idx="0">
+                  <a:schemeClr val="accent6"/>
+                </a:effectRef>
+                <a:fontRef idx="minor">
+                  <a:schemeClr val="lt1"/>
+                </a:fontRef>
+              </p:style>
+              <p:txBody>
+                <a:bodyPr rtlCol="0" anchor="ctr"/>
+                <a:lstStyle/>
+                <a:p>
+                  <a:pPr algn="ctr"/>
+                  <a14:m>
+                    <m:oMathPara xmlns:m="http://schemas.openxmlformats.org/officeDocument/2006/math">
+                      <m:oMathParaPr>
+                        <m:jc m:val="centerGroup"/>
+                      </m:oMathParaPr>
+                      <m:oMath xmlns:m="http://schemas.openxmlformats.org/officeDocument/2006/math">
+                        <m:sSub>
+                          <m:sSubPr>
+                            <m:ctrlPr>
+                              <a:rPr kumimoji="1" lang="en-US" altLang="ja-JP" i="1" smtClean="0">
+                                <a:latin typeface="Cambria Math" panose="02040503050406030204" pitchFamily="18" charset="0"/>
+                              </a:rPr>
+                            </m:ctrlPr>
+                          </m:sSubPr>
+                          <m:e>
+                            <m:r>
+                              <a:rPr kumimoji="1" lang="en-US" altLang="ja-JP" b="0" i="1" smtClean="0">
+                                <a:latin typeface="Cambria Math" panose="02040503050406030204" pitchFamily="18" charset="0"/>
+                              </a:rPr>
+                              <m:t>    </m:t>
+                            </m:r>
+                            <m:r>
+                              <a:rPr kumimoji="1" lang="en-US" altLang="ja-JP" b="0" i="1" smtClean="0">
+                                <a:latin typeface="Cambria Math" panose="02040503050406030204" pitchFamily="18" charset="0"/>
+                              </a:rPr>
+                              <m:t>𝑦</m:t>
+                            </m:r>
+                          </m:e>
+                          <m:sub/>
+                        </m:sSub>
+                      </m:oMath>
+                    </m:oMathPara>
+                  </a14:m>
+                  <a:endParaRPr kumimoji="1" lang="ja-JP" altLang="en-US" dirty="0"/>
+                </a:p>
+              </p:txBody>
+            </p:sp>
+          </mc:Choice>
+          <mc:Fallback>
+            <p:sp>
+              <p:nvSpPr>
+                <p:cNvPr id="15" name="フローチャート: 結合子 14">
+                  <a:extLst>
+                    <a:ext uri="{FF2B5EF4-FFF2-40B4-BE49-F238E27FC236}">
+                      <a16:creationId xmlns:a16="http://schemas.microsoft.com/office/drawing/2014/main" id="{70E2DDBD-0F09-400F-A99E-4B1013EF7FE1}"/>
+                    </a:ext>
+                  </a:extLst>
+                </p:cNvPr>
+                <p:cNvSpPr>
+                  <a:spLocks noRot="1" noChangeAspect="1" noMove="1" noResize="1" noEditPoints="1" noAdjustHandles="1" noChangeArrowheads="1" noChangeShapeType="1" noTextEdit="1"/>
+                </p:cNvSpPr>
+                <p:nvPr/>
+              </p:nvSpPr>
+              <p:spPr>
+                <a:xfrm>
+                  <a:off x="1755019" y="2068099"/>
+                  <a:ext cx="742122" cy="742122"/>
+                </a:xfrm>
+                <a:prstGeom prst="flowChartConnector">
+                  <a:avLst/>
+                </a:prstGeom>
+                <a:blipFill>
+                  <a:blip r:embed="rId12"/>
+                  <a:stretch>
+                    <a:fillRect/>
+                  </a:stretch>
+                </a:blipFill>
+              </p:spPr>
+              <p:txBody>
+                <a:bodyPr/>
+                <a:lstStyle/>
+                <a:p>
+                  <a:r>
+                    <a:rPr lang="ja-JP" altLang="en-US">
+                      <a:noFill/>
+                    </a:rPr>
+                    <a:t> </a:t>
+                  </a:r>
+                </a:p>
+              </p:txBody>
+            </p:sp>
+          </mc:Fallback>
+        </mc:AlternateContent>
+        <mc:AlternateContent xmlns:mc="http://schemas.openxmlformats.org/markup-compatibility/2006">
+          <mc:Choice xmlns:a14="http://schemas.microsoft.com/office/drawing/2010/main" Requires="a14">
+            <p:sp>
+              <p:nvSpPr>
+                <p:cNvPr id="16" name="フローチャート: 結合子 15">
+                  <a:extLst>
+                    <a:ext uri="{FF2B5EF4-FFF2-40B4-BE49-F238E27FC236}">
+                      <a16:creationId xmlns:a16="http://schemas.microsoft.com/office/drawing/2014/main" id="{22AA0254-C9DD-42BD-BB4A-246E83E213C0}"/>
+                    </a:ext>
+                  </a:extLst>
+                </p:cNvPr>
+                <p:cNvSpPr/>
+                <p:nvPr/>
+              </p:nvSpPr>
+              <p:spPr>
+                <a:xfrm>
+                  <a:off x="1755019" y="3561336"/>
+                  <a:ext cx="742122" cy="742122"/>
+                </a:xfrm>
+                <a:prstGeom prst="flowChartConnector">
+                  <a:avLst/>
+                </a:prstGeom>
+              </p:spPr>
+              <p:style>
+                <a:lnRef idx="2">
+                  <a:schemeClr val="accent1">
+                    <a:shade val="50000"/>
+                  </a:schemeClr>
+                </a:lnRef>
+                <a:fillRef idx="1">
+                  <a:schemeClr val="accent1"/>
+                </a:fillRef>
+                <a:effectRef idx="0">
+                  <a:schemeClr val="accent1"/>
+                </a:effectRef>
+                <a:fontRef idx="minor">
+                  <a:schemeClr val="lt1"/>
+                </a:fontRef>
+              </p:style>
+              <p:txBody>
+                <a:bodyPr rtlCol="0" anchor="ctr"/>
+                <a:lstStyle/>
+                <a:p>
+                  <a:pPr algn="ctr"/>
+                  <a14:m>
+                    <m:oMathPara xmlns:m="http://schemas.openxmlformats.org/officeDocument/2006/math">
+                      <m:oMathParaPr>
+                        <m:jc m:val="centerGroup"/>
+                      </m:oMathParaPr>
+                      <m:oMath xmlns:m="http://schemas.openxmlformats.org/officeDocument/2006/math">
+                        <m:r>
+                          <a:rPr lang="en-US" altLang="ja-JP" i="1" smtClean="0">
+                            <a:latin typeface="Cambria Math" panose="02040503050406030204" pitchFamily="18" charset="0"/>
+                          </a:rPr>
+                          <m:t> </m:t>
+                        </m:r>
+                        <m:r>
+                          <a:rPr lang="en-US" altLang="ja-JP" b="0" i="1" smtClean="0">
+                            <a:latin typeface="Cambria Math" panose="02040503050406030204" pitchFamily="18" charset="0"/>
+                          </a:rPr>
+                          <m:t>h</m:t>
+                        </m:r>
+                      </m:oMath>
+                    </m:oMathPara>
+                  </a14:m>
+                  <a:endParaRPr kumimoji="1" lang="ja-JP" altLang="en-US" dirty="0"/>
+                </a:p>
+              </p:txBody>
+            </p:sp>
+          </mc:Choice>
+          <mc:Fallback>
+            <p:sp>
+              <p:nvSpPr>
+                <p:cNvPr id="16" name="フローチャート: 結合子 15">
+                  <a:extLst>
+                    <a:ext uri="{FF2B5EF4-FFF2-40B4-BE49-F238E27FC236}">
+                      <a16:creationId xmlns:a16="http://schemas.microsoft.com/office/drawing/2014/main" id="{22AA0254-C9DD-42BD-BB4A-246E83E213C0}"/>
+                    </a:ext>
+                  </a:extLst>
+                </p:cNvPr>
+                <p:cNvSpPr>
+                  <a:spLocks noRot="1" noChangeAspect="1" noMove="1" noResize="1" noEditPoints="1" noAdjustHandles="1" noChangeArrowheads="1" noChangeShapeType="1" noTextEdit="1"/>
+                </p:cNvSpPr>
+                <p:nvPr/>
+              </p:nvSpPr>
+              <p:spPr>
+                <a:xfrm>
+                  <a:off x="1755019" y="3561336"/>
+                  <a:ext cx="742122" cy="742122"/>
+                </a:xfrm>
+                <a:prstGeom prst="flowChartConnector">
+                  <a:avLst/>
+                </a:prstGeom>
+                <a:blipFill>
+                  <a:blip r:embed="rId13"/>
+                  <a:stretch>
+                    <a:fillRect/>
+                  </a:stretch>
+                </a:blipFill>
+              </p:spPr>
+              <p:txBody>
+                <a:bodyPr/>
+                <a:lstStyle/>
+                <a:p>
+                  <a:r>
+                    <a:rPr lang="ja-JP" altLang="en-US">
+                      <a:noFill/>
+                    </a:rPr>
+                    <a:t> </a:t>
+                  </a:r>
+                </a:p>
+              </p:txBody>
+            </p:sp>
+          </mc:Fallback>
+        </mc:AlternateContent>
+        <mc:AlternateContent xmlns:mc="http://schemas.openxmlformats.org/markup-compatibility/2006">
+          <mc:Choice xmlns:a14="http://schemas.microsoft.com/office/drawing/2010/main" Requires="a14">
+            <p:sp>
+              <p:nvSpPr>
+                <p:cNvPr id="17" name="フローチャート: 結合子 16">
+                  <a:extLst>
+                    <a:ext uri="{FF2B5EF4-FFF2-40B4-BE49-F238E27FC236}">
+                      <a16:creationId xmlns:a16="http://schemas.microsoft.com/office/drawing/2014/main" id="{06D0E3A2-24AF-4A14-9AFA-FB593681D768}"/>
+                    </a:ext>
+                  </a:extLst>
+                </p:cNvPr>
+                <p:cNvSpPr/>
+                <p:nvPr/>
+              </p:nvSpPr>
+              <p:spPr>
+                <a:xfrm>
+                  <a:off x="1755019" y="5136024"/>
+                  <a:ext cx="742122" cy="742122"/>
+                </a:xfrm>
+                <a:prstGeom prst="flowChartConnector">
+                  <a:avLst/>
+                </a:prstGeom>
+              </p:spPr>
+              <p:style>
+                <a:lnRef idx="2">
+                  <a:schemeClr val="accent2">
+                    <a:shade val="50000"/>
+                  </a:schemeClr>
+                </a:lnRef>
+                <a:fillRef idx="1">
+                  <a:schemeClr val="accent2"/>
+                </a:fillRef>
+                <a:effectRef idx="0">
+                  <a:schemeClr val="accent2"/>
+                </a:effectRef>
+                <a:fontRef idx="minor">
+                  <a:schemeClr val="lt1"/>
+                </a:fontRef>
+              </p:style>
+              <p:txBody>
+                <a:bodyPr rtlCol="0" anchor="ctr"/>
+                <a:lstStyle/>
+                <a:p>
+                  <a:pPr algn="ctr"/>
+                  <a14:m>
+                    <m:oMathPara xmlns:m="http://schemas.openxmlformats.org/officeDocument/2006/math">
+                      <m:oMathParaPr>
+                        <m:jc m:val="centerGroup"/>
+                      </m:oMathParaPr>
+                      <m:oMath xmlns:m="http://schemas.openxmlformats.org/officeDocument/2006/math">
+                        <m:sSub>
+                          <m:sSubPr>
+                            <m:ctrlPr>
+                              <a:rPr kumimoji="1" lang="en-US" altLang="ja-JP" i="1" smtClean="0">
+                                <a:latin typeface="Cambria Math" panose="02040503050406030204" pitchFamily="18" charset="0"/>
+                              </a:rPr>
+                            </m:ctrlPr>
+                          </m:sSubPr>
+                          <m:e>
+                            <m:r>
+                              <a:rPr kumimoji="1" lang="en-US" altLang="ja-JP" b="0" i="1" smtClean="0">
+                                <a:latin typeface="Cambria Math" panose="02040503050406030204" pitchFamily="18" charset="0"/>
+                              </a:rPr>
+                              <m:t>   </m:t>
+                            </m:r>
+                            <m:r>
+                              <a:rPr kumimoji="1" lang="en-US" altLang="ja-JP" b="0" i="1" smtClean="0">
+                                <a:latin typeface="Cambria Math" panose="02040503050406030204" pitchFamily="18" charset="0"/>
+                              </a:rPr>
+                              <m:t>𝑥</m:t>
+                            </m:r>
+                          </m:e>
+                          <m:sub/>
+                        </m:sSub>
+                      </m:oMath>
+                    </m:oMathPara>
+                  </a14:m>
+                  <a:endParaRPr kumimoji="1" lang="ja-JP" altLang="en-US" dirty="0"/>
+                </a:p>
+              </p:txBody>
+            </p:sp>
+          </mc:Choice>
+          <mc:Fallback>
+            <p:sp>
+              <p:nvSpPr>
+                <p:cNvPr id="17" name="フローチャート: 結合子 16">
+                  <a:extLst>
+                    <a:ext uri="{FF2B5EF4-FFF2-40B4-BE49-F238E27FC236}">
+                      <a16:creationId xmlns:a16="http://schemas.microsoft.com/office/drawing/2014/main" id="{06D0E3A2-24AF-4A14-9AFA-FB593681D768}"/>
+                    </a:ext>
+                  </a:extLst>
+                </p:cNvPr>
+                <p:cNvSpPr>
+                  <a:spLocks noRot="1" noChangeAspect="1" noMove="1" noResize="1" noEditPoints="1" noAdjustHandles="1" noChangeArrowheads="1" noChangeShapeType="1" noTextEdit="1"/>
+                </p:cNvSpPr>
+                <p:nvPr/>
+              </p:nvSpPr>
+              <p:spPr>
+                <a:xfrm>
+                  <a:off x="1755019" y="5136024"/>
+                  <a:ext cx="742122" cy="742122"/>
+                </a:xfrm>
+                <a:prstGeom prst="flowChartConnector">
+                  <a:avLst/>
+                </a:prstGeom>
+                <a:blipFill>
+                  <a:blip r:embed="rId14"/>
+                  <a:stretch>
+                    <a:fillRect/>
+                  </a:stretch>
+                </a:blipFill>
+              </p:spPr>
+              <p:txBody>
+                <a:bodyPr/>
+                <a:lstStyle/>
+                <a:p>
+                  <a:r>
+                    <a:rPr lang="ja-JP" altLang="en-US">
+                      <a:noFill/>
+                    </a:rPr>
+                    <a:t> </a:t>
+                  </a:r>
+                </a:p>
+              </p:txBody>
+            </p:sp>
+          </mc:Fallback>
+        </mc:AlternateContent>
+        <p:sp>
+          <p:nvSpPr>
+            <p:cNvPr id="32" name="矢印: 右カーブ 31">
+              <a:extLst>
+                <a:ext uri="{FF2B5EF4-FFF2-40B4-BE49-F238E27FC236}">
+                  <a16:creationId xmlns:a16="http://schemas.microsoft.com/office/drawing/2014/main" id="{3605700D-E22F-4FC9-ADE5-29EE566B69A9}"/>
+                </a:ext>
+              </a:extLst>
+            </p:cNvPr>
+            <p:cNvSpPr/>
+            <p:nvPr/>
+          </p:nvSpPr>
+          <p:spPr>
+            <a:xfrm>
+              <a:off x="966797" y="3308773"/>
+              <a:ext cx="719735" cy="874458"/>
+            </a:xfrm>
+            <a:prstGeom prst="curvedRightArrow">
+              <a:avLst/>
+            </a:prstGeom>
+            <a:solidFill>
+              <a:schemeClr val="accent6"/>
+            </a:solidFill>
+          </p:spPr>
+          <p:style>
+            <a:lnRef idx="2">
+              <a:schemeClr val="accent1">
+                <a:shade val="50000"/>
+              </a:schemeClr>
+            </a:lnRef>
+            <a:fillRef idx="1">
+              <a:schemeClr val="accent1"/>
+            </a:fillRef>
+            <a:effectRef idx="0">
+              <a:schemeClr val="accent1"/>
+            </a:effectRef>
+            <a:fontRef idx="minor">
+              <a:schemeClr val="lt1"/>
+            </a:fontRef>
+          </p:style>
+          <p:txBody>
+            <a:bodyPr rtlCol="0" anchor="ctr"/>
+            <a:lstStyle/>
+            <a:p>
+              <a:pPr algn="ctr"/>
+              <a:endParaRPr kumimoji="1" lang="ja-JP" altLang="en-US">
+                <a:solidFill>
+                  <a:schemeClr val="tx1"/>
+                </a:solidFill>
+              </a:endParaRPr>
+            </a:p>
+          </p:txBody>
+        </p:sp>
+        <p:sp>
+          <p:nvSpPr>
+            <p:cNvPr id="33" name="矢印: 右 32">
+              <a:extLst>
+                <a:ext uri="{FF2B5EF4-FFF2-40B4-BE49-F238E27FC236}">
+                  <a16:creationId xmlns:a16="http://schemas.microsoft.com/office/drawing/2014/main" id="{073ED9D8-871E-4147-8C3B-F2B66E8D687A}"/>
+                </a:ext>
+              </a:extLst>
+            </p:cNvPr>
+            <p:cNvSpPr/>
+            <p:nvPr/>
+          </p:nvSpPr>
+          <p:spPr>
+            <a:xfrm rot="16200000">
+              <a:off x="1845176" y="2911876"/>
+              <a:ext cx="561809" cy="517124"/>
+            </a:xfrm>
+            <a:prstGeom prst="rightArrow">
+              <a:avLst/>
+            </a:prstGeom>
+            <a:solidFill>
+              <a:schemeClr val="accent6"/>
+            </a:solidFill>
+          </p:spPr>
+          <p:style>
+            <a:lnRef idx="2">
+              <a:schemeClr val="accent1">
+                <a:shade val="50000"/>
+              </a:schemeClr>
+            </a:lnRef>
+            <a:fillRef idx="1">
+              <a:schemeClr val="accent1"/>
+            </a:fillRef>
+            <a:effectRef idx="0">
+              <a:schemeClr val="accent1"/>
+            </a:effectRef>
+            <a:fontRef idx="minor">
+              <a:schemeClr val="lt1"/>
+            </a:fontRef>
+          </p:style>
+          <p:txBody>
+            <a:bodyPr rtlCol="0" anchor="ctr"/>
+            <a:lstStyle/>
+            <a:p>
+              <a:pPr algn="ctr"/>
+              <a:endParaRPr kumimoji="1" lang="ja-JP" altLang="en-US"/>
+            </a:p>
+          </p:txBody>
+        </p:sp>
+        <p:sp>
+          <p:nvSpPr>
+            <p:cNvPr id="34" name="矢印: 右 33">
+              <a:extLst>
+                <a:ext uri="{FF2B5EF4-FFF2-40B4-BE49-F238E27FC236}">
+                  <a16:creationId xmlns:a16="http://schemas.microsoft.com/office/drawing/2014/main" id="{12F8B5F9-840B-4BCD-A4F8-993F111371B1}"/>
+                </a:ext>
+              </a:extLst>
+            </p:cNvPr>
+            <p:cNvSpPr/>
+            <p:nvPr/>
+          </p:nvSpPr>
+          <p:spPr>
+            <a:xfrm rot="16200000">
+              <a:off x="1845177" y="4407817"/>
+              <a:ext cx="561809" cy="517124"/>
+            </a:xfrm>
+            <a:prstGeom prst="rightArrow">
+              <a:avLst/>
+            </a:prstGeom>
+            <a:solidFill>
+              <a:schemeClr val="accent2"/>
+            </a:solidFill>
+          </p:spPr>
+          <p:style>
+            <a:lnRef idx="2">
+              <a:schemeClr val="accent1">
+                <a:shade val="50000"/>
+              </a:schemeClr>
+            </a:lnRef>
+            <a:fillRef idx="1">
+              <a:schemeClr val="accent1"/>
+            </a:fillRef>
+            <a:effectRef idx="0">
+              <a:schemeClr val="accent1"/>
+            </a:effectRef>
+            <a:fontRef idx="minor">
+              <a:schemeClr val="lt1"/>
+            </a:fontRef>
+          </p:style>
+          <p:txBody>
+            <a:bodyPr rtlCol="0" anchor="ctr"/>
+            <a:lstStyle/>
+            <a:p>
+              <a:pPr algn="ctr"/>
+              <a:endParaRPr kumimoji="1" lang="ja-JP" altLang="en-US"/>
+            </a:p>
+          </p:txBody>
+        </p:sp>
+        <p:sp>
+          <p:nvSpPr>
+            <p:cNvPr id="55" name="テキスト ボックス 54">
+              <a:extLst>
+                <a:ext uri="{FF2B5EF4-FFF2-40B4-BE49-F238E27FC236}">
+                  <a16:creationId xmlns:a16="http://schemas.microsoft.com/office/drawing/2014/main" id="{5BE1862F-6F9E-4D3A-8CB3-45BDD8A18102}"/>
+                </a:ext>
+              </a:extLst>
+            </p:cNvPr>
+            <p:cNvSpPr txBox="1"/>
+            <p:nvPr/>
+          </p:nvSpPr>
+          <p:spPr>
+            <a:xfrm>
+              <a:off x="1755019" y="1678306"/>
+              <a:ext cx="810609" cy="307777"/>
+            </a:xfrm>
+            <a:prstGeom prst="rect">
+              <a:avLst/>
+            </a:prstGeom>
+            <a:noFill/>
+          </p:spPr>
+          <p:txBody>
+            <a:bodyPr wrap="square" rtlCol="0">
+              <a:spAutoFit/>
+            </a:bodyPr>
+            <a:lstStyle/>
+            <a:p>
+              <a:r>
+                <a:rPr kumimoji="1" lang="ja-JP" altLang="en-US" sz="1400" dirty="0"/>
+                <a:t>中間層</a:t>
+              </a:r>
+            </a:p>
+          </p:txBody>
+        </p:sp>
+      </p:grpSp>
+    </p:spTree>
+    <p:extLst>
+      <p:ext uri="{BB962C8B-B14F-4D97-AF65-F5344CB8AC3E}">
+        <p14:creationId xmlns:p14="http://schemas.microsoft.com/office/powerpoint/2010/main" val="3711382792"/>
+      </p:ext>
+    </p:extLst>
+  </p:cSld>
+  <p:clrMapOvr>
+    <a:masterClrMapping/>
+  </p:clrMapOvr>
+  <mc:AlternateContent xmlns:mc="http://schemas.openxmlformats.org/markup-compatibility/2006" xmlns:p14="http://schemas.microsoft.com/office/powerpoint/2010/main">
+    <mc:Choice Requires="p14">
+      <p:transition spd="slow" p14:dur="800">
+        <p:circle/>
+      </p:transition>
+    </mc:Choice>
+    <mc:Fallback xmlns="">
+      <p:transition spd="slow">
+        <p:circle/>
+      </p:transition>
+    </mc:Fallback>
+  </mc:AlternateContent>
+  <p:timing>
+    <p:tnLst>
+      <p:par>
+        <p:cTn id="1" dur="indefinite" restart="never" nodeType="tmRoot">
+          <p:childTnLst>
+            <p:seq concurrent="1" nextAc="seek">
+              <p:cTn id="2" dur="indefinite" nodeType="mainSeq">
+                <p:childTnLst>
+                  <p:par>
+                    <p:cTn id="3" fill="hold">
+                      <p:stCondLst>
+                        <p:cond delay="indefinite"/>
+                      </p:stCondLst>
+                      <p:childTnLst>
+                        <p:par>
+                          <p:cTn id="4" fill="hold">
+                            <p:stCondLst>
+                              <p:cond delay="0"/>
+                            </p:stCondLst>
+                            <p:childTnLst>
+                              <p:par>
+                                <p:cTn id="5" presetID="22" presetClass="entr" presetSubtype="8" fill="hold" nodeType="clickEffect">
+                                  <p:stCondLst>
+                                    <p:cond delay="0"/>
+                                  </p:stCondLst>
+                                  <p:childTnLst>
+                                    <p:set>
+                                      <p:cBhvr>
+                                        <p:cTn id="6" dur="1" fill="hold">
+                                          <p:stCondLst>
+                                            <p:cond delay="0"/>
+                                          </p:stCondLst>
+                                        </p:cTn>
+                                        <p:tgtEl>
+                                          <p:spTgt spid="57"/>
+                                        </p:tgtEl>
+                                        <p:attrNameLst>
+                                          <p:attrName>style.visibility</p:attrName>
+                                        </p:attrNameLst>
+                                      </p:cBhvr>
+                                      <p:to>
+                                        <p:strVal val="visible"/>
+                                      </p:to>
+                                    </p:set>
+                                    <p:animEffect transition="in" filter="wipe(left)">
+                                      <p:cBhvr>
+                                        <p:cTn id="7" dur="500"/>
+                                        <p:tgtEl>
+                                          <p:spTgt spid="57"/>
+                                        </p:tgtEl>
+                                      </p:cBhvr>
+                                    </p:animEffect>
+                                  </p:childTnLst>
+                                </p:cTn>
+                              </p:par>
+                            </p:childTnLst>
+                          </p:cTn>
+                        </p:par>
+                      </p:childTnLst>
+                    </p:cTn>
+                  </p:par>
+                  <p:par>
+                    <p:cTn id="8" fill="hold">
+                      <p:stCondLst>
+                        <p:cond delay="indefinite"/>
+                      </p:stCondLst>
+                      <p:childTnLst>
+                        <p:par>
+                          <p:cTn id="9" fill="hold">
+                            <p:stCondLst>
+                              <p:cond delay="0"/>
+                            </p:stCondLst>
+                            <p:childTnLst>
+                              <p:par>
+                                <p:cTn id="10" presetID="10" presetClass="entr" presetSubtype="0" fill="hold" grpId="0" nodeType="clickEffect">
+                                  <p:stCondLst>
+                                    <p:cond delay="0"/>
+                                  </p:stCondLst>
+                                  <p:childTnLst>
+                                    <p:set>
+                                      <p:cBhvr>
+                                        <p:cTn id="11" dur="1" fill="hold">
+                                          <p:stCondLst>
+                                            <p:cond delay="0"/>
+                                          </p:stCondLst>
+                                        </p:cTn>
+                                        <p:tgtEl>
+                                          <p:spTgt spid="37"/>
+                                        </p:tgtEl>
+                                        <p:attrNameLst>
+                                          <p:attrName>style.visibility</p:attrName>
+                                        </p:attrNameLst>
+                                      </p:cBhvr>
+                                      <p:to>
+                                        <p:strVal val="visible"/>
+                                      </p:to>
+                                    </p:set>
+                                    <p:animEffect transition="in" filter="fade">
+                                      <p:cBhvr>
+                                        <p:cTn id="12" dur="500"/>
+                                        <p:tgtEl>
+                                          <p:spTgt spid="37"/>
+                                        </p:tgtEl>
+                                      </p:cBhvr>
+                                    </p:animEffect>
+                                  </p:childTnLst>
+                                </p:cTn>
+                              </p:par>
+                              <p:par>
+                                <p:cTn id="13" presetID="10" presetClass="entr" presetSubtype="0" fill="hold" nodeType="withEffect">
+                                  <p:stCondLst>
+                                    <p:cond delay="0"/>
+                                  </p:stCondLst>
+                                  <p:childTnLst>
+                                    <p:set>
+                                      <p:cBhvr>
+                                        <p:cTn id="14" dur="1" fill="hold">
+                                          <p:stCondLst>
+                                            <p:cond delay="0"/>
+                                          </p:stCondLst>
+                                        </p:cTn>
+                                        <p:tgtEl>
+                                          <p:spTgt spid="36"/>
+                                        </p:tgtEl>
+                                        <p:attrNameLst>
+                                          <p:attrName>style.visibility</p:attrName>
+                                        </p:attrNameLst>
+                                      </p:cBhvr>
+                                      <p:to>
+                                        <p:strVal val="visible"/>
+                                      </p:to>
+                                    </p:set>
+                                    <p:animEffect transition="in" filter="fade">
+                                      <p:cBhvr>
+                                        <p:cTn id="15" dur="500"/>
+                                        <p:tgtEl>
+                                          <p:spTgt spid="36"/>
+                                        </p:tgtEl>
+                                      </p:cBhvr>
+                                    </p:animEffect>
+                                  </p:childTnLst>
+                                </p:cTn>
+                              </p:par>
+                            </p:childTnLst>
+                          </p:cTn>
+                        </p:par>
+                      </p:childTnLst>
+                    </p:cTn>
+                  </p:par>
+                  <p:par>
+                    <p:cTn id="16" fill="hold">
+                      <p:stCondLst>
+                        <p:cond delay="indefinite"/>
+                      </p:stCondLst>
+                      <p:childTnLst>
+                        <p:par>
+                          <p:cTn id="17" fill="hold">
+                            <p:stCondLst>
+                              <p:cond delay="0"/>
+                            </p:stCondLst>
+                            <p:childTnLst>
+                              <p:par>
+                                <p:cTn id="18" presetID="22" presetClass="entr" presetSubtype="8" fill="hold" grpId="0" nodeType="clickEffect">
+                                  <p:stCondLst>
+                                    <p:cond delay="0"/>
+                                  </p:stCondLst>
+                                  <p:childTnLst>
+                                    <p:set>
+                                      <p:cBhvr>
+                                        <p:cTn id="19" dur="1" fill="hold">
+                                          <p:stCondLst>
+                                            <p:cond delay="0"/>
+                                          </p:stCondLst>
+                                        </p:cTn>
+                                        <p:tgtEl>
+                                          <p:spTgt spid="46"/>
+                                        </p:tgtEl>
+                                        <p:attrNameLst>
+                                          <p:attrName>style.visibility</p:attrName>
+                                        </p:attrNameLst>
+                                      </p:cBhvr>
+                                      <p:to>
+                                        <p:strVal val="visible"/>
+                                      </p:to>
+                                    </p:set>
+                                    <p:animEffect transition="in" filter="wipe(left)">
+                                      <p:cBhvr>
+                                        <p:cTn id="20" dur="500"/>
+                                        <p:tgtEl>
+                                          <p:spTgt spid="46"/>
+                                        </p:tgtEl>
+                                      </p:cBhvr>
+                                    </p:animEffect>
+                                  </p:childTnLst>
+                                </p:cTn>
+                              </p:par>
+                              <p:par>
+                                <p:cTn id="21" presetID="22" presetClass="entr" presetSubtype="8" fill="hold" grpId="0" nodeType="withEffect">
+                                  <p:stCondLst>
+                                    <p:cond delay="0"/>
+                                  </p:stCondLst>
+                                  <p:childTnLst>
+                                    <p:set>
+                                      <p:cBhvr>
+                                        <p:cTn id="22" dur="1" fill="hold">
+                                          <p:stCondLst>
+                                            <p:cond delay="0"/>
+                                          </p:stCondLst>
+                                        </p:cTn>
+                                        <p:tgtEl>
+                                          <p:spTgt spid="11"/>
+                                        </p:tgtEl>
+                                        <p:attrNameLst>
+                                          <p:attrName>style.visibility</p:attrName>
+                                        </p:attrNameLst>
+                                      </p:cBhvr>
+                                      <p:to>
+                                        <p:strVal val="visible"/>
+                                      </p:to>
+                                    </p:set>
+                                    <p:animEffect transition="in" filter="wipe(left)">
+                                      <p:cBhvr>
+                                        <p:cTn id="23" dur="500"/>
+                                        <p:tgtEl>
+                                          <p:spTgt spid="11"/>
+                                        </p:tgtEl>
+                                      </p:cBhvr>
+                                    </p:animEffect>
+                                  </p:childTnLst>
+                                </p:cTn>
+                              </p:par>
+                              <p:par>
+                                <p:cTn id="24" presetID="22" presetClass="entr" presetSubtype="8" fill="hold" grpId="0" nodeType="withEffect">
+                                  <p:stCondLst>
+                                    <p:cond delay="0"/>
+                                  </p:stCondLst>
+                                  <p:childTnLst>
+                                    <p:set>
+                                      <p:cBhvr>
+                                        <p:cTn id="25" dur="1" fill="hold">
+                                          <p:stCondLst>
+                                            <p:cond delay="0"/>
+                                          </p:stCondLst>
+                                        </p:cTn>
+                                        <p:tgtEl>
+                                          <p:spTgt spid="10"/>
+                                        </p:tgtEl>
+                                        <p:attrNameLst>
+                                          <p:attrName>style.visibility</p:attrName>
+                                        </p:attrNameLst>
+                                      </p:cBhvr>
+                                      <p:to>
+                                        <p:strVal val="visible"/>
+                                      </p:to>
+                                    </p:set>
+                                    <p:animEffect transition="in" filter="wipe(left)">
+                                      <p:cBhvr>
+                                        <p:cTn id="26" dur="500"/>
+                                        <p:tgtEl>
+                                          <p:spTgt spid="10"/>
+                                        </p:tgtEl>
+                                      </p:cBhvr>
+                                    </p:animEffect>
+                                  </p:childTnLst>
+                                </p:cTn>
+                              </p:par>
+                              <p:par>
+                                <p:cTn id="27" presetID="22" presetClass="entr" presetSubtype="8" fill="hold" grpId="0" nodeType="withEffect">
+                                  <p:stCondLst>
+                                    <p:cond delay="0"/>
+                                  </p:stCondLst>
+                                  <p:childTnLst>
+                                    <p:set>
+                                      <p:cBhvr>
+                                        <p:cTn id="28" dur="1" fill="hold">
+                                          <p:stCondLst>
+                                            <p:cond delay="0"/>
+                                          </p:stCondLst>
+                                        </p:cTn>
+                                        <p:tgtEl>
+                                          <p:spTgt spid="44"/>
+                                        </p:tgtEl>
+                                        <p:attrNameLst>
+                                          <p:attrName>style.visibility</p:attrName>
+                                        </p:attrNameLst>
+                                      </p:cBhvr>
+                                      <p:to>
+                                        <p:strVal val="visible"/>
+                                      </p:to>
+                                    </p:set>
+                                    <p:animEffect transition="in" filter="wipe(left)">
+                                      <p:cBhvr>
+                                        <p:cTn id="29" dur="500"/>
+                                        <p:tgtEl>
+                                          <p:spTgt spid="44"/>
+                                        </p:tgtEl>
+                                      </p:cBhvr>
+                                    </p:animEffect>
+                                  </p:childTnLst>
+                                </p:cTn>
+                              </p:par>
+                              <p:par>
+                                <p:cTn id="30" presetID="22" presetClass="entr" presetSubtype="8" fill="hold" grpId="0" nodeType="withEffect">
+                                  <p:stCondLst>
+                                    <p:cond delay="0"/>
+                                  </p:stCondLst>
+                                  <p:childTnLst>
+                                    <p:set>
+                                      <p:cBhvr>
+                                        <p:cTn id="31" dur="1" fill="hold">
+                                          <p:stCondLst>
+                                            <p:cond delay="0"/>
+                                          </p:stCondLst>
+                                        </p:cTn>
+                                        <p:tgtEl>
+                                          <p:spTgt spid="9"/>
+                                        </p:tgtEl>
+                                        <p:attrNameLst>
+                                          <p:attrName>style.visibility</p:attrName>
+                                        </p:attrNameLst>
+                                      </p:cBhvr>
+                                      <p:to>
+                                        <p:strVal val="visible"/>
+                                      </p:to>
+                                    </p:set>
+                                    <p:animEffect transition="in" filter="wipe(left)">
+                                      <p:cBhvr>
+                                        <p:cTn id="32" dur="500"/>
+                                        <p:tgtEl>
+                                          <p:spTgt spid="9"/>
+                                        </p:tgtEl>
+                                      </p:cBhvr>
+                                    </p:animEffect>
+                                  </p:childTnLst>
+                                </p:cTn>
+                              </p:par>
+                              <p:par>
+                                <p:cTn id="33" presetID="22" presetClass="entr" presetSubtype="8" fill="hold" grpId="0" nodeType="withEffect">
+                                  <p:stCondLst>
+                                    <p:cond delay="0"/>
+                                  </p:stCondLst>
+                                  <p:childTnLst>
+                                    <p:set>
+                                      <p:cBhvr>
+                                        <p:cTn id="34" dur="1" fill="hold">
+                                          <p:stCondLst>
+                                            <p:cond delay="0"/>
+                                          </p:stCondLst>
+                                        </p:cTn>
+                                        <p:tgtEl>
+                                          <p:spTgt spid="12"/>
+                                        </p:tgtEl>
+                                        <p:attrNameLst>
+                                          <p:attrName>style.visibility</p:attrName>
+                                        </p:attrNameLst>
+                                      </p:cBhvr>
+                                      <p:to>
+                                        <p:strVal val="visible"/>
+                                      </p:to>
+                                    </p:set>
+                                    <p:animEffect transition="in" filter="wipe(left)">
+                                      <p:cBhvr>
+                                        <p:cTn id="35" dur="500"/>
+                                        <p:tgtEl>
+                                          <p:spTgt spid="12"/>
+                                        </p:tgtEl>
+                                      </p:cBhvr>
+                                    </p:animEffect>
+                                  </p:childTnLst>
+                                </p:cTn>
+                              </p:par>
+                              <p:par>
+                                <p:cTn id="36" presetID="22" presetClass="entr" presetSubtype="8" fill="hold" grpId="0" nodeType="withEffect">
+                                  <p:stCondLst>
+                                    <p:cond delay="0"/>
+                                  </p:stCondLst>
+                                  <p:childTnLst>
+                                    <p:set>
+                                      <p:cBhvr>
+                                        <p:cTn id="37" dur="1" fill="hold">
+                                          <p:stCondLst>
+                                            <p:cond delay="0"/>
+                                          </p:stCondLst>
+                                        </p:cTn>
+                                        <p:tgtEl>
+                                          <p:spTgt spid="43"/>
+                                        </p:tgtEl>
+                                        <p:attrNameLst>
+                                          <p:attrName>style.visibility</p:attrName>
+                                        </p:attrNameLst>
+                                      </p:cBhvr>
+                                      <p:to>
+                                        <p:strVal val="visible"/>
+                                      </p:to>
+                                    </p:set>
+                                    <p:animEffect transition="in" filter="wipe(left)">
+                                      <p:cBhvr>
+                                        <p:cTn id="38" dur="500"/>
+                                        <p:tgtEl>
+                                          <p:spTgt spid="43"/>
+                                        </p:tgtEl>
+                                      </p:cBhvr>
+                                    </p:animEffect>
+                                  </p:childTnLst>
+                                </p:cTn>
+                              </p:par>
+                              <p:par>
+                                <p:cTn id="39" presetID="22" presetClass="entr" presetSubtype="8" fill="hold" grpId="0" nodeType="withEffect">
+                                  <p:stCondLst>
+                                    <p:cond delay="0"/>
+                                  </p:stCondLst>
+                                  <p:childTnLst>
+                                    <p:set>
+                                      <p:cBhvr>
+                                        <p:cTn id="40" dur="1" fill="hold">
+                                          <p:stCondLst>
+                                            <p:cond delay="0"/>
+                                          </p:stCondLst>
+                                        </p:cTn>
+                                        <p:tgtEl>
+                                          <p:spTgt spid="40"/>
+                                        </p:tgtEl>
+                                        <p:attrNameLst>
+                                          <p:attrName>style.visibility</p:attrName>
+                                        </p:attrNameLst>
+                                      </p:cBhvr>
+                                      <p:to>
+                                        <p:strVal val="visible"/>
+                                      </p:to>
+                                    </p:set>
+                                    <p:animEffect transition="in" filter="wipe(left)">
+                                      <p:cBhvr>
+                                        <p:cTn id="41" dur="500"/>
+                                        <p:tgtEl>
+                                          <p:spTgt spid="40"/>
+                                        </p:tgtEl>
+                                      </p:cBhvr>
+                                    </p:animEffect>
+                                  </p:childTnLst>
+                                </p:cTn>
+                              </p:par>
+                              <p:par>
+                                <p:cTn id="42" presetID="22" presetClass="entr" presetSubtype="8" fill="hold" grpId="0" nodeType="withEffect">
+                                  <p:stCondLst>
+                                    <p:cond delay="0"/>
+                                  </p:stCondLst>
+                                  <p:childTnLst>
+                                    <p:set>
+                                      <p:cBhvr>
+                                        <p:cTn id="43" dur="1" fill="hold">
+                                          <p:stCondLst>
+                                            <p:cond delay="0"/>
+                                          </p:stCondLst>
+                                        </p:cTn>
+                                        <p:tgtEl>
+                                          <p:spTgt spid="13"/>
+                                        </p:tgtEl>
+                                        <p:attrNameLst>
+                                          <p:attrName>style.visibility</p:attrName>
+                                        </p:attrNameLst>
+                                      </p:cBhvr>
+                                      <p:to>
+                                        <p:strVal val="visible"/>
+                                      </p:to>
+                                    </p:set>
+                                    <p:animEffect transition="in" filter="wipe(left)">
+                                      <p:cBhvr>
+                                        <p:cTn id="44" dur="500"/>
+                                        <p:tgtEl>
+                                          <p:spTgt spid="13"/>
+                                        </p:tgtEl>
+                                      </p:cBhvr>
+                                    </p:animEffect>
+                                  </p:childTnLst>
+                                </p:cTn>
+                              </p:par>
+                              <p:par>
+                                <p:cTn id="45" presetID="22" presetClass="entr" presetSubtype="8" fill="hold" grpId="0" nodeType="withEffect">
+                                  <p:stCondLst>
+                                    <p:cond delay="0"/>
+                                  </p:stCondLst>
+                                  <p:childTnLst>
+                                    <p:set>
+                                      <p:cBhvr>
+                                        <p:cTn id="46" dur="1" fill="hold">
+                                          <p:stCondLst>
+                                            <p:cond delay="0"/>
+                                          </p:stCondLst>
+                                        </p:cTn>
+                                        <p:tgtEl>
+                                          <p:spTgt spid="45"/>
+                                        </p:tgtEl>
+                                        <p:attrNameLst>
+                                          <p:attrName>style.visibility</p:attrName>
+                                        </p:attrNameLst>
+                                      </p:cBhvr>
+                                      <p:to>
+                                        <p:strVal val="visible"/>
+                                      </p:to>
+                                    </p:set>
+                                    <p:animEffect transition="in" filter="wipe(left)">
+                                      <p:cBhvr>
+                                        <p:cTn id="47" dur="500"/>
+                                        <p:tgtEl>
+                                          <p:spTgt spid="45"/>
+                                        </p:tgtEl>
+                                      </p:cBhvr>
+                                    </p:animEffect>
+                                  </p:childTnLst>
+                                </p:cTn>
+                              </p:par>
+                              <p:par>
+                                <p:cTn id="48" presetID="22" presetClass="entr" presetSubtype="8" fill="hold" grpId="0" nodeType="withEffect">
+                                  <p:stCondLst>
+                                    <p:cond delay="0"/>
+                                  </p:stCondLst>
+                                  <p:childTnLst>
+                                    <p:set>
+                                      <p:cBhvr>
+                                        <p:cTn id="49" dur="1" fill="hold">
+                                          <p:stCondLst>
+                                            <p:cond delay="0"/>
+                                          </p:stCondLst>
+                                        </p:cTn>
+                                        <p:tgtEl>
+                                          <p:spTgt spid="14"/>
+                                        </p:tgtEl>
+                                        <p:attrNameLst>
+                                          <p:attrName>style.visibility</p:attrName>
+                                        </p:attrNameLst>
+                                      </p:cBhvr>
+                                      <p:to>
+                                        <p:strVal val="visible"/>
+                                      </p:to>
+                                    </p:set>
+                                    <p:animEffect transition="in" filter="wipe(left)">
+                                      <p:cBhvr>
+                                        <p:cTn id="50" dur="500"/>
+                                        <p:tgtEl>
+                                          <p:spTgt spid="14"/>
+                                        </p:tgtEl>
+                                      </p:cBhvr>
+                                    </p:animEffect>
+                                  </p:childTnLst>
+                                </p:cTn>
+                              </p:par>
+                              <p:par>
+                                <p:cTn id="51" presetID="22" presetClass="entr" presetSubtype="8" fill="hold" grpId="0" nodeType="withEffect">
+                                  <p:stCondLst>
+                                    <p:cond delay="0"/>
+                                  </p:stCondLst>
+                                  <p:childTnLst>
+                                    <p:set>
+                                      <p:cBhvr>
+                                        <p:cTn id="52" dur="1" fill="hold">
+                                          <p:stCondLst>
+                                            <p:cond delay="0"/>
+                                          </p:stCondLst>
+                                        </p:cTn>
+                                        <p:tgtEl>
+                                          <p:spTgt spid="39"/>
+                                        </p:tgtEl>
+                                        <p:attrNameLst>
+                                          <p:attrName>style.visibility</p:attrName>
+                                        </p:attrNameLst>
+                                      </p:cBhvr>
+                                      <p:to>
+                                        <p:strVal val="visible"/>
+                                      </p:to>
+                                    </p:set>
+                                    <p:animEffect transition="in" filter="wipe(left)">
+                                      <p:cBhvr>
+                                        <p:cTn id="53" dur="500"/>
+                                        <p:tgtEl>
+                                          <p:spTgt spid="39"/>
+                                        </p:tgtEl>
+                                      </p:cBhvr>
+                                    </p:animEffect>
+                                  </p:childTnLst>
+                                </p:cTn>
+                              </p:par>
+                              <p:par>
+                                <p:cTn id="54" presetID="22" presetClass="entr" presetSubtype="8" fill="hold" grpId="0" nodeType="withEffect">
+                                  <p:stCondLst>
+                                    <p:cond delay="0"/>
+                                  </p:stCondLst>
+                                  <p:childTnLst>
+                                    <p:set>
+                                      <p:cBhvr>
+                                        <p:cTn id="55" dur="1" fill="hold">
+                                          <p:stCondLst>
+                                            <p:cond delay="0"/>
+                                          </p:stCondLst>
+                                        </p:cTn>
+                                        <p:tgtEl>
+                                          <p:spTgt spid="6"/>
+                                        </p:tgtEl>
+                                        <p:attrNameLst>
+                                          <p:attrName>style.visibility</p:attrName>
+                                        </p:attrNameLst>
+                                      </p:cBhvr>
+                                      <p:to>
+                                        <p:strVal val="visible"/>
+                                      </p:to>
+                                    </p:set>
+                                    <p:animEffect transition="in" filter="wipe(left)">
+                                      <p:cBhvr>
+                                        <p:cTn id="56" dur="500"/>
+                                        <p:tgtEl>
+                                          <p:spTgt spid="6"/>
+                                        </p:tgtEl>
+                                      </p:cBhvr>
+                                    </p:animEffect>
+                                  </p:childTnLst>
+                                </p:cTn>
+                              </p:par>
+                              <p:par>
+                                <p:cTn id="57" presetID="22" presetClass="entr" presetSubtype="8" fill="hold" grpId="0" nodeType="withEffect">
+                                  <p:stCondLst>
+                                    <p:cond delay="0"/>
+                                  </p:stCondLst>
+                                  <p:childTnLst>
+                                    <p:set>
+                                      <p:cBhvr>
+                                        <p:cTn id="58" dur="1" fill="hold">
+                                          <p:stCondLst>
+                                            <p:cond delay="0"/>
+                                          </p:stCondLst>
+                                        </p:cTn>
+                                        <p:tgtEl>
+                                          <p:spTgt spid="42"/>
+                                        </p:tgtEl>
+                                        <p:attrNameLst>
+                                          <p:attrName>style.visibility</p:attrName>
+                                        </p:attrNameLst>
+                                      </p:cBhvr>
+                                      <p:to>
+                                        <p:strVal val="visible"/>
+                                      </p:to>
+                                    </p:set>
+                                    <p:animEffect transition="in" filter="wipe(left)">
+                                      <p:cBhvr>
+                                        <p:cTn id="59" dur="500"/>
+                                        <p:tgtEl>
+                                          <p:spTgt spid="42"/>
+                                        </p:tgtEl>
+                                      </p:cBhvr>
+                                    </p:animEffect>
+                                  </p:childTnLst>
+                                </p:cTn>
+                              </p:par>
+                              <p:par>
+                                <p:cTn id="60" presetID="22" presetClass="entr" presetSubtype="8" fill="hold" grpId="0" nodeType="withEffect">
+                                  <p:stCondLst>
+                                    <p:cond delay="0"/>
+                                  </p:stCondLst>
+                                  <p:childTnLst>
+                                    <p:set>
+                                      <p:cBhvr>
+                                        <p:cTn id="61" dur="1" fill="hold">
+                                          <p:stCondLst>
+                                            <p:cond delay="0"/>
+                                          </p:stCondLst>
+                                        </p:cTn>
+                                        <p:tgtEl>
+                                          <p:spTgt spid="5"/>
+                                        </p:tgtEl>
+                                        <p:attrNameLst>
+                                          <p:attrName>style.visibility</p:attrName>
+                                        </p:attrNameLst>
+                                      </p:cBhvr>
+                                      <p:to>
+                                        <p:strVal val="visible"/>
+                                      </p:to>
+                                    </p:set>
+                                    <p:animEffect transition="in" filter="wipe(left)">
+                                      <p:cBhvr>
+                                        <p:cTn id="62" dur="500"/>
+                                        <p:tgtEl>
+                                          <p:spTgt spid="5"/>
+                                        </p:tgtEl>
+                                      </p:cBhvr>
+                                    </p:animEffect>
+                                  </p:childTnLst>
+                                </p:cTn>
+                              </p:par>
+                              <p:par>
+                                <p:cTn id="63" presetID="22" presetClass="entr" presetSubtype="8" fill="hold" grpId="0" nodeType="withEffect">
+                                  <p:stCondLst>
+                                    <p:cond delay="0"/>
+                                  </p:stCondLst>
+                                  <p:childTnLst>
+                                    <p:set>
+                                      <p:cBhvr>
+                                        <p:cTn id="64" dur="1" fill="hold">
+                                          <p:stCondLst>
+                                            <p:cond delay="0"/>
+                                          </p:stCondLst>
+                                        </p:cTn>
+                                        <p:tgtEl>
+                                          <p:spTgt spid="41"/>
+                                        </p:tgtEl>
+                                        <p:attrNameLst>
+                                          <p:attrName>style.visibility</p:attrName>
+                                        </p:attrNameLst>
+                                      </p:cBhvr>
+                                      <p:to>
+                                        <p:strVal val="visible"/>
+                                      </p:to>
+                                    </p:set>
+                                    <p:animEffect transition="in" filter="wipe(left)">
+                                      <p:cBhvr>
+                                        <p:cTn id="65" dur="500"/>
+                                        <p:tgtEl>
+                                          <p:spTgt spid="41"/>
+                                        </p:tgtEl>
+                                      </p:cBhvr>
+                                    </p:animEffect>
+                                  </p:childTnLst>
+                                </p:cTn>
+                              </p:par>
+                              <p:par>
+                                <p:cTn id="66" presetID="22" presetClass="entr" presetSubtype="8" fill="hold" grpId="0" nodeType="withEffect">
+                                  <p:stCondLst>
+                                    <p:cond delay="0"/>
+                                  </p:stCondLst>
+                                  <p:childTnLst>
+                                    <p:set>
+                                      <p:cBhvr>
+                                        <p:cTn id="67" dur="1" fill="hold">
+                                          <p:stCondLst>
+                                            <p:cond delay="0"/>
+                                          </p:stCondLst>
+                                        </p:cTn>
+                                        <p:tgtEl>
+                                          <p:spTgt spid="8"/>
+                                        </p:tgtEl>
+                                        <p:attrNameLst>
+                                          <p:attrName>style.visibility</p:attrName>
+                                        </p:attrNameLst>
+                                      </p:cBhvr>
+                                      <p:to>
+                                        <p:strVal val="visible"/>
+                                      </p:to>
+                                    </p:set>
+                                    <p:animEffect transition="in" filter="wipe(left)">
+                                      <p:cBhvr>
+                                        <p:cTn id="68" dur="500"/>
+                                        <p:tgtEl>
+                                          <p:spTgt spid="8"/>
+                                        </p:tgtEl>
+                                      </p:cBhvr>
+                                    </p:animEffect>
+                                  </p:childTnLst>
+                                </p:cTn>
+                              </p:par>
+                              <p:par>
+                                <p:cTn id="69" presetID="22" presetClass="entr" presetSubtype="8" fill="hold" grpId="0" nodeType="withEffect">
+                                  <p:stCondLst>
+                                    <p:cond delay="0"/>
+                                  </p:stCondLst>
+                                  <p:childTnLst>
+                                    <p:set>
+                                      <p:cBhvr>
+                                        <p:cTn id="70" dur="1" fill="hold">
+                                          <p:stCondLst>
+                                            <p:cond delay="0"/>
+                                          </p:stCondLst>
+                                        </p:cTn>
+                                        <p:tgtEl>
+                                          <p:spTgt spid="38"/>
+                                        </p:tgtEl>
+                                        <p:attrNameLst>
+                                          <p:attrName>style.visibility</p:attrName>
+                                        </p:attrNameLst>
+                                      </p:cBhvr>
+                                      <p:to>
+                                        <p:strVal val="visible"/>
+                                      </p:to>
+                                    </p:set>
+                                    <p:animEffect transition="in" filter="wipe(left)">
+                                      <p:cBhvr>
+                                        <p:cTn id="71" dur="500"/>
+                                        <p:tgtEl>
+                                          <p:spTgt spid="38"/>
+                                        </p:tgtEl>
+                                      </p:cBhvr>
+                                    </p:animEffect>
+                                  </p:childTnLst>
+                                </p:cTn>
+                              </p:par>
+                              <p:par>
+                                <p:cTn id="72" presetID="22" presetClass="entr" presetSubtype="8" fill="hold" grpId="0" nodeType="withEffect">
+                                  <p:stCondLst>
+                                    <p:cond delay="0"/>
+                                  </p:stCondLst>
+                                  <p:childTnLst>
+                                    <p:set>
+                                      <p:cBhvr>
+                                        <p:cTn id="73" dur="1" fill="hold">
+                                          <p:stCondLst>
+                                            <p:cond delay="0"/>
+                                          </p:stCondLst>
+                                        </p:cTn>
+                                        <p:tgtEl>
+                                          <p:spTgt spid="7"/>
+                                        </p:tgtEl>
+                                        <p:attrNameLst>
+                                          <p:attrName>style.visibility</p:attrName>
+                                        </p:attrNameLst>
+                                      </p:cBhvr>
+                                      <p:to>
+                                        <p:strVal val="visible"/>
+                                      </p:to>
+                                    </p:set>
+                                    <p:animEffect transition="in" filter="wipe(left)">
+                                      <p:cBhvr>
+                                        <p:cTn id="74" dur="500"/>
+                                        <p:tgtEl>
+                                          <p:spTgt spid="7"/>
+                                        </p:tgtEl>
+                                      </p:cBhvr>
+                                    </p:animEffect>
+                                  </p:childTnLst>
+                                </p:cTn>
+                              </p:par>
+                            </p:childTnLst>
+                          </p:cTn>
+                        </p:par>
+                      </p:childTnLst>
+                    </p:cTn>
+                  </p:par>
+                  <p:par>
+                    <p:cTn id="75" fill="hold">
+                      <p:stCondLst>
+                        <p:cond delay="indefinite"/>
+                      </p:stCondLst>
+                      <p:childTnLst>
+                        <p:par>
+                          <p:cTn id="76" fill="hold">
+                            <p:stCondLst>
+                              <p:cond delay="0"/>
+                            </p:stCondLst>
+                            <p:childTnLst>
+                              <p:par>
+                                <p:cTn id="77" presetID="16" presetClass="entr" presetSubtype="37" fill="hold" grpId="0" nodeType="clickEffect">
+                                  <p:stCondLst>
+                                    <p:cond delay="0"/>
+                                  </p:stCondLst>
+                                  <p:childTnLst>
+                                    <p:set>
+                                      <p:cBhvr>
+                                        <p:cTn id="78" dur="1" fill="hold">
+                                          <p:stCondLst>
+                                            <p:cond delay="0"/>
+                                          </p:stCondLst>
+                                        </p:cTn>
+                                        <p:tgtEl>
+                                          <p:spTgt spid="48"/>
+                                        </p:tgtEl>
+                                        <p:attrNameLst>
+                                          <p:attrName>style.visibility</p:attrName>
+                                        </p:attrNameLst>
+                                      </p:cBhvr>
+                                      <p:to>
+                                        <p:strVal val="visible"/>
+                                      </p:to>
+                                    </p:set>
+                                    <p:animEffect transition="in" filter="barn(outVertical)">
+                                      <p:cBhvr>
+                                        <p:cTn id="79" dur="500"/>
+                                        <p:tgtEl>
+                                          <p:spTgt spid="48"/>
+                                        </p:tgtEl>
+                                      </p:cBhvr>
+                                    </p:animEffect>
+                                  </p:childTnLst>
+                                </p:cTn>
+                              </p:par>
+                              <p:par>
+                                <p:cTn id="80" presetID="16" presetClass="entr" presetSubtype="37" fill="hold" grpId="0" nodeType="withEffect">
+                                  <p:stCondLst>
+                                    <p:cond delay="0"/>
+                                  </p:stCondLst>
+                                  <p:childTnLst>
+                                    <p:set>
+                                      <p:cBhvr>
+                                        <p:cTn id="81" dur="1" fill="hold">
+                                          <p:stCondLst>
+                                            <p:cond delay="0"/>
+                                          </p:stCondLst>
+                                        </p:cTn>
+                                        <p:tgtEl>
+                                          <p:spTgt spid="49"/>
+                                        </p:tgtEl>
+                                        <p:attrNameLst>
+                                          <p:attrName>style.visibility</p:attrName>
+                                        </p:attrNameLst>
+                                      </p:cBhvr>
+                                      <p:to>
+                                        <p:strVal val="visible"/>
+                                      </p:to>
+                                    </p:set>
+                                    <p:animEffect transition="in" filter="barn(outVertical)">
+                                      <p:cBhvr>
+                                        <p:cTn id="82" dur="500"/>
+                                        <p:tgtEl>
+                                          <p:spTgt spid="49"/>
+                                        </p:tgtEl>
+                                      </p:cBhvr>
+                                    </p:animEffect>
+                                  </p:childTnLst>
+                                </p:cTn>
+                              </p:par>
+                              <p:par>
+                                <p:cTn id="83" presetID="16" presetClass="entr" presetSubtype="37" fill="hold" grpId="0" nodeType="withEffect">
+                                  <p:stCondLst>
+                                    <p:cond delay="0"/>
+                                  </p:stCondLst>
+                                  <p:childTnLst>
+                                    <p:set>
+                                      <p:cBhvr>
+                                        <p:cTn id="84" dur="1" fill="hold">
+                                          <p:stCondLst>
+                                            <p:cond delay="0"/>
+                                          </p:stCondLst>
+                                        </p:cTn>
+                                        <p:tgtEl>
+                                          <p:spTgt spid="50"/>
+                                        </p:tgtEl>
+                                        <p:attrNameLst>
+                                          <p:attrName>style.visibility</p:attrName>
+                                        </p:attrNameLst>
+                                      </p:cBhvr>
+                                      <p:to>
+                                        <p:strVal val="visible"/>
+                                      </p:to>
+                                    </p:set>
+                                    <p:animEffect transition="in" filter="barn(outVertical)">
+                                      <p:cBhvr>
+                                        <p:cTn id="85" dur="500"/>
+                                        <p:tgtEl>
+                                          <p:spTgt spid="50"/>
+                                        </p:tgtEl>
+                                      </p:cBhvr>
+                                    </p:animEffect>
+                                  </p:childTnLst>
+                                </p:cTn>
+                              </p:par>
+                              <p:par>
+                                <p:cTn id="86" presetID="16" presetClass="entr" presetSubtype="37" fill="hold" grpId="0" nodeType="withEffect">
+                                  <p:stCondLst>
+                                    <p:cond delay="0"/>
+                                  </p:stCondLst>
+                                  <p:childTnLst>
+                                    <p:set>
+                                      <p:cBhvr>
+                                        <p:cTn id="87" dur="1" fill="hold">
+                                          <p:stCondLst>
+                                            <p:cond delay="0"/>
+                                          </p:stCondLst>
+                                        </p:cTn>
+                                        <p:tgtEl>
+                                          <p:spTgt spid="52"/>
+                                        </p:tgtEl>
+                                        <p:attrNameLst>
+                                          <p:attrName>style.visibility</p:attrName>
+                                        </p:attrNameLst>
+                                      </p:cBhvr>
+                                      <p:to>
+                                        <p:strVal val="visible"/>
+                                      </p:to>
+                                    </p:set>
+                                    <p:animEffect transition="in" filter="barn(outVertical)">
+                                      <p:cBhvr>
+                                        <p:cTn id="88" dur="500"/>
+                                        <p:tgtEl>
+                                          <p:spTgt spid="52"/>
+                                        </p:tgtEl>
+                                      </p:cBhvr>
+                                    </p:animEffect>
+                                  </p:childTnLst>
+                                </p:cTn>
+                              </p:par>
+                              <p:par>
+                                <p:cTn id="89" presetID="16" presetClass="entr" presetSubtype="37" fill="hold" grpId="0" nodeType="withEffect">
+                                  <p:stCondLst>
+                                    <p:cond delay="0"/>
+                                  </p:stCondLst>
+                                  <p:childTnLst>
+                                    <p:set>
+                                      <p:cBhvr>
+                                        <p:cTn id="90" dur="1" fill="hold">
+                                          <p:stCondLst>
+                                            <p:cond delay="0"/>
+                                          </p:stCondLst>
+                                        </p:cTn>
+                                        <p:tgtEl>
+                                          <p:spTgt spid="53"/>
+                                        </p:tgtEl>
+                                        <p:attrNameLst>
+                                          <p:attrName>style.visibility</p:attrName>
+                                        </p:attrNameLst>
+                                      </p:cBhvr>
+                                      <p:to>
+                                        <p:strVal val="visible"/>
+                                      </p:to>
+                                    </p:set>
+                                    <p:animEffect transition="in" filter="barn(outVertical)">
+                                      <p:cBhvr>
+                                        <p:cTn id="91" dur="500"/>
+                                        <p:tgtEl>
+                                          <p:spTgt spid="53"/>
+                                        </p:tgtEl>
+                                      </p:cBhvr>
+                                    </p:animEffect>
+                                  </p:childTnLst>
+                                </p:cTn>
+                              </p:par>
+                              <p:par>
+                                <p:cTn id="92" presetID="16" presetClass="entr" presetSubtype="37" fill="hold" grpId="0" nodeType="withEffect">
+                                  <p:stCondLst>
+                                    <p:cond delay="0"/>
+                                  </p:stCondLst>
+                                  <p:childTnLst>
+                                    <p:set>
+                                      <p:cBhvr>
+                                        <p:cTn id="93" dur="1" fill="hold">
+                                          <p:stCondLst>
+                                            <p:cond delay="0"/>
+                                          </p:stCondLst>
+                                        </p:cTn>
+                                        <p:tgtEl>
+                                          <p:spTgt spid="51"/>
+                                        </p:tgtEl>
+                                        <p:attrNameLst>
+                                          <p:attrName>style.visibility</p:attrName>
+                                        </p:attrNameLst>
+                                      </p:cBhvr>
+                                      <p:to>
+                                        <p:strVal val="visible"/>
+                                      </p:to>
+                                    </p:set>
+                                    <p:animEffect transition="in" filter="barn(outVertical)">
+                                      <p:cBhvr>
+                                        <p:cTn id="94" dur="500"/>
+                                        <p:tgtEl>
+                                          <p:spTgt spid="51"/>
+                                        </p:tgtEl>
+                                      </p:cBhvr>
+                                    </p:animEffect>
+                                  </p:childTnLst>
+                                </p:cTn>
+                              </p:par>
+                            </p:childTnLst>
+                          </p:cTn>
+                        </p:par>
+                      </p:childTnLst>
+                    </p:cTn>
+                  </p:par>
+                </p:childTnLst>
+              </p:cTn>
+              <p:prevCondLst>
+                <p:cond evt="onPrev" delay="0">
+                  <p:tgtEl>
+                    <p:sldTgt/>
+                  </p:tgtEl>
+                </p:cond>
+              </p:prevCondLst>
+              <p:nextCondLst>
+                <p:cond evt="onNext" delay="0">
+                  <p:tgtEl>
+                    <p:sldTgt/>
+                  </p:tgtEl>
+                </p:cond>
+              </p:nextCondLst>
+            </p:seq>
+          </p:childTnLst>
+        </p:cTn>
+      </p:par>
+    </p:tnLst>
+    <p:bldLst>
+      <p:bldP spid="5" grpId="0" animBg="1"/>
+      <p:bldP spid="6" grpId="0" animBg="1"/>
+      <p:bldP spid="7" grpId="0" animBg="1"/>
+      <p:bldP spid="8" grpId="0" animBg="1"/>
+      <p:bldP spid="9" grpId="0" animBg="1"/>
+      <p:bldP spid="10" grpId="0" animBg="1"/>
+      <p:bldP spid="11" grpId="0" animBg="1"/>
+      <p:bldP spid="12" grpId="0" animBg="1"/>
+      <p:bldP spid="13" grpId="0" animBg="1"/>
+      <p:bldP spid="14" grpId="0" animBg="1"/>
+      <p:bldP spid="37" grpId="0"/>
+      <p:bldP spid="38" grpId="0" animBg="1"/>
+      <p:bldP spid="39" grpId="0" animBg="1"/>
+      <p:bldP spid="40" grpId="0" animBg="1"/>
+      <p:bldP spid="41" grpId="0" animBg="1"/>
+      <p:bldP spid="42" grpId="0" animBg="1"/>
+      <p:bldP spid="43" grpId="0" animBg="1"/>
+      <p:bldP spid="44" grpId="0" animBg="1"/>
+      <p:bldP spid="45" grpId="0" animBg="1"/>
+      <p:bldP spid="46" grpId="0" animBg="1"/>
+      <p:bldP spid="48" grpId="0"/>
+      <p:bldP spid="49" grpId="0"/>
+      <p:bldP spid="50" grpId="0"/>
+      <p:bldP spid="51" grpId="0"/>
+      <p:bldP spid="52" grpId="0"/>
+      <p:bldP spid="53" grpId="0"/>
+    </p:bldLst>
+  </p:timing>
+</p:sld>
+</file>
+
+<file path=ppt/slides/slide12.xml><?xml version="1.0" encoding="utf-8"?>
+<p:sld xmlns:a="http://schemas.openxmlformats.org/drawingml/2006/main" xmlns:r="http://schemas.openxmlformats.org/officeDocument/2006/relationships" xmlns:p="http://schemas.openxmlformats.org/presentationml/2006/main">
+  <p:cSld>
+    <p:spTree>
+      <p:nvGrpSpPr>
+        <p:cNvPr id="1" name=""/>
+        <p:cNvGrpSpPr/>
+        <p:nvPr/>
+      </p:nvGrpSpPr>
+      <p:grpSpPr>
+        <a:xfrm>
+          <a:off x="0" y="0"/>
+          <a:ext cx="0" cy="0"/>
+          <a:chOff x="0" y="0"/>
+          <a:chExt cx="0" cy="0"/>
+        </a:xfrm>
+      </p:grpSpPr>
+      <p:sp>
+        <p:nvSpPr>
+          <p:cNvPr id="2" name="タイトル 1">
+            <a:extLst>
+              <a:ext uri="{FF2B5EF4-FFF2-40B4-BE49-F238E27FC236}">
                 <a16:creationId xmlns:a16="http://schemas.microsoft.com/office/drawing/2014/main" id="{E4883A0A-8D8C-4B9C-B52B-0F6D514B04E0}"/>
               </a:ext>
             </a:extLst>
@@ -4913,46 +8898,878 @@
       </p:sp>
       <p:sp>
         <p:nvSpPr>
-          <p:cNvPr id="3" name="コンテンツ プレースホルダー 2">
+          <p:cNvPr id="12" name="フローチャート: 処理 11">
             <a:extLst>
               <a:ext uri="{FF2B5EF4-FFF2-40B4-BE49-F238E27FC236}">
-                <a16:creationId xmlns:a16="http://schemas.microsoft.com/office/drawing/2014/main" id="{9AB6985F-E57D-4069-BD74-D0C7F1F9B720}"/>
+                <a16:creationId xmlns:a16="http://schemas.microsoft.com/office/drawing/2014/main" id="{55A1C6B4-A8C7-4C92-A571-734392CCDCC6}"/>
               </a:ext>
             </a:extLst>
           </p:cNvPr>
-          <p:cNvSpPr>
-            <a:spLocks noGrp="1"/>
-          </p:cNvSpPr>
-          <p:nvPr>
-            <p:ph idx="1"/>
-          </p:nvPr>
+          <p:cNvSpPr/>
+          <p:nvPr/>
         </p:nvSpPr>
         <p:spPr>
           <a:xfrm>
-            <a:off x="838200" y="1901372"/>
-            <a:ext cx="10515601" cy="3817258"/>
+            <a:off x="1574274" y="3509895"/>
+            <a:ext cx="862757" cy="874458"/>
           </a:xfrm>
+          <a:prstGeom prst="flowChartProcess">
+            <a:avLst/>
+          </a:prstGeom>
+          <a:ln>
+            <a:prstDash val="lgDash"/>
+          </a:ln>
         </p:spPr>
+        <p:style>
+          <a:lnRef idx="2">
+            <a:schemeClr val="accent5"/>
+          </a:lnRef>
+          <a:fillRef idx="1">
+            <a:schemeClr val="lt1"/>
+          </a:fillRef>
+          <a:effectRef idx="0">
+            <a:schemeClr val="accent5"/>
+          </a:effectRef>
+          <a:fontRef idx="minor">
+            <a:schemeClr val="dk1"/>
+          </a:fontRef>
+        </p:style>
         <p:txBody>
-          <a:bodyPr/>
+          <a:bodyPr rtlCol="0" anchor="ctr"/>
           <a:lstStyle/>
           <a:p>
-            <a:r>
-              <a:rPr lang="en-US" altLang="ja-JP" dirty="0"/>
-              <a:t>RNN</a:t>
-            </a:r>
-            <a:r>
-              <a:rPr lang="ja-JP" altLang="en-US" dirty="0" err="1"/>
-              <a:t>だけ</a:t>
-            </a:r>
-            <a:r>
-              <a:rPr lang="ja-JP" altLang="en-US" dirty="0"/>
-              <a:t>ではデータが長くなりすぎて、予測に適した出力ができなくなってしまうので、忘却ゲートというデータを切り捨てて短くする計算を入力の前に挟むことで、適した出力ができるようにする。</a:t>
-            </a:r>
-            <a:endParaRPr lang="en-US" altLang="ja-JP" dirty="0"/>
+            <a:pPr algn="ctr"/>
+            <a:endParaRPr kumimoji="1" lang="ja-JP" altLang="en-US"/>
           </a:p>
         </p:txBody>
       </p:sp>
+      <p:grpSp>
+        <p:nvGrpSpPr>
+          <p:cNvPr id="4" name="グループ化 3">
+            <a:extLst>
+              <a:ext uri="{FF2B5EF4-FFF2-40B4-BE49-F238E27FC236}">
+                <a16:creationId xmlns:a16="http://schemas.microsoft.com/office/drawing/2014/main" id="{859B3F69-B3F7-420A-A51B-370BE641AA6C}"/>
+              </a:ext>
+            </a:extLst>
+          </p:cNvPr>
+          <p:cNvGrpSpPr/>
+          <p:nvPr/>
+        </p:nvGrpSpPr>
+        <p:grpSpPr>
+          <a:xfrm>
+            <a:off x="838200" y="1690688"/>
+            <a:ext cx="1598831" cy="4199840"/>
+            <a:chOff x="966797" y="1678306"/>
+            <a:chExt cx="1598831" cy="4199840"/>
+          </a:xfrm>
+        </p:grpSpPr>
+        <mc:AlternateContent xmlns:mc="http://schemas.openxmlformats.org/markup-compatibility/2006">
+          <mc:Choice xmlns:a14="http://schemas.microsoft.com/office/drawing/2010/main" Requires="a14">
+            <p:sp>
+              <p:nvSpPr>
+                <p:cNvPr id="5" name="フローチャート: 結合子 4">
+                  <a:extLst>
+                    <a:ext uri="{FF2B5EF4-FFF2-40B4-BE49-F238E27FC236}">
+                      <a16:creationId xmlns:a16="http://schemas.microsoft.com/office/drawing/2014/main" id="{5FBACB65-A341-4627-B79E-A412F1D96F2E}"/>
+                    </a:ext>
+                  </a:extLst>
+                </p:cNvPr>
+                <p:cNvSpPr/>
+                <p:nvPr/>
+              </p:nvSpPr>
+              <p:spPr>
+                <a:xfrm>
+                  <a:off x="1755019" y="2068099"/>
+                  <a:ext cx="742122" cy="742122"/>
+                </a:xfrm>
+                <a:prstGeom prst="flowChartConnector">
+                  <a:avLst/>
+                </a:prstGeom>
+              </p:spPr>
+              <p:style>
+                <a:lnRef idx="2">
+                  <a:schemeClr val="accent6">
+                    <a:shade val="50000"/>
+                  </a:schemeClr>
+                </a:lnRef>
+                <a:fillRef idx="1">
+                  <a:schemeClr val="accent6"/>
+                </a:fillRef>
+                <a:effectRef idx="0">
+                  <a:schemeClr val="accent6"/>
+                </a:effectRef>
+                <a:fontRef idx="minor">
+                  <a:schemeClr val="lt1"/>
+                </a:fontRef>
+              </p:style>
+              <p:txBody>
+                <a:bodyPr rtlCol="0" anchor="ctr"/>
+                <a:lstStyle/>
+                <a:p>
+                  <a:pPr algn="ctr"/>
+                  <a14:m>
+                    <m:oMathPara xmlns:m="http://schemas.openxmlformats.org/officeDocument/2006/math">
+                      <m:oMathParaPr>
+                        <m:jc m:val="centerGroup"/>
+                      </m:oMathParaPr>
+                      <m:oMath xmlns:m="http://schemas.openxmlformats.org/officeDocument/2006/math">
+                        <m:sSub>
+                          <m:sSubPr>
+                            <m:ctrlPr>
+                              <a:rPr kumimoji="1" lang="en-US" altLang="ja-JP" i="1" smtClean="0">
+                                <a:latin typeface="Cambria Math" panose="02040503050406030204" pitchFamily="18" charset="0"/>
+                              </a:rPr>
+                            </m:ctrlPr>
+                          </m:sSubPr>
+                          <m:e>
+                            <m:r>
+                              <a:rPr kumimoji="1" lang="en-US" altLang="ja-JP" b="0" i="1" smtClean="0">
+                                <a:latin typeface="Cambria Math" panose="02040503050406030204" pitchFamily="18" charset="0"/>
+                              </a:rPr>
+                              <m:t>    </m:t>
+                            </m:r>
+                            <m:r>
+                              <a:rPr kumimoji="1" lang="en-US" altLang="ja-JP" b="0" i="1" smtClean="0">
+                                <a:latin typeface="Cambria Math" panose="02040503050406030204" pitchFamily="18" charset="0"/>
+                              </a:rPr>
+                              <m:t>𝑦</m:t>
+                            </m:r>
+                          </m:e>
+                          <m:sub/>
+                        </m:sSub>
+                      </m:oMath>
+                    </m:oMathPara>
+                  </a14:m>
+                  <a:endParaRPr kumimoji="1" lang="ja-JP" altLang="en-US" dirty="0"/>
+                </a:p>
+              </p:txBody>
+            </p:sp>
+          </mc:Choice>
+          <mc:Fallback>
+            <p:sp>
+              <p:nvSpPr>
+                <p:cNvPr id="5" name="フローチャート: 結合子 4">
+                  <a:extLst>
+                    <a:ext uri="{FF2B5EF4-FFF2-40B4-BE49-F238E27FC236}">
+                      <a16:creationId xmlns:a16="http://schemas.microsoft.com/office/drawing/2014/main" id="{5FBACB65-A341-4627-B79E-A412F1D96F2E}"/>
+                    </a:ext>
+                  </a:extLst>
+                </p:cNvPr>
+                <p:cNvSpPr>
+                  <a:spLocks noRot="1" noChangeAspect="1" noMove="1" noResize="1" noEditPoints="1" noAdjustHandles="1" noChangeArrowheads="1" noChangeShapeType="1" noTextEdit="1"/>
+                </p:cNvSpPr>
+                <p:nvPr/>
+              </p:nvSpPr>
+              <p:spPr>
+                <a:xfrm>
+                  <a:off x="1755019" y="2068099"/>
+                  <a:ext cx="742122" cy="742122"/>
+                </a:xfrm>
+                <a:prstGeom prst="flowChartConnector">
+                  <a:avLst/>
+                </a:prstGeom>
+                <a:blipFill>
+                  <a:blip r:embed="rId2"/>
+                  <a:stretch>
+                    <a:fillRect/>
+                  </a:stretch>
+                </a:blipFill>
+              </p:spPr>
+              <p:txBody>
+                <a:bodyPr/>
+                <a:lstStyle/>
+                <a:p>
+                  <a:r>
+                    <a:rPr lang="ja-JP" altLang="en-US">
+                      <a:noFill/>
+                    </a:rPr>
+                    <a:t> </a:t>
+                  </a:r>
+                </a:p>
+              </p:txBody>
+            </p:sp>
+          </mc:Fallback>
+        </mc:AlternateContent>
+        <mc:AlternateContent xmlns:mc="http://schemas.openxmlformats.org/markup-compatibility/2006">
+          <mc:Choice xmlns:a14="http://schemas.microsoft.com/office/drawing/2010/main" Requires="a14">
+            <p:sp>
+              <p:nvSpPr>
+                <p:cNvPr id="6" name="フローチャート: 結合子 5">
+                  <a:extLst>
+                    <a:ext uri="{FF2B5EF4-FFF2-40B4-BE49-F238E27FC236}">
+                      <a16:creationId xmlns:a16="http://schemas.microsoft.com/office/drawing/2014/main" id="{1BF8567D-3187-4CBE-8E5D-61B5A4645309}"/>
+                    </a:ext>
+                  </a:extLst>
+                </p:cNvPr>
+                <p:cNvSpPr/>
+                <p:nvPr/>
+              </p:nvSpPr>
+              <p:spPr>
+                <a:xfrm>
+                  <a:off x="1755019" y="3561336"/>
+                  <a:ext cx="742122" cy="742122"/>
+                </a:xfrm>
+                <a:prstGeom prst="flowChartConnector">
+                  <a:avLst/>
+                </a:prstGeom>
+              </p:spPr>
+              <p:style>
+                <a:lnRef idx="2">
+                  <a:schemeClr val="accent1">
+                    <a:shade val="50000"/>
+                  </a:schemeClr>
+                </a:lnRef>
+                <a:fillRef idx="1">
+                  <a:schemeClr val="accent1"/>
+                </a:fillRef>
+                <a:effectRef idx="0">
+                  <a:schemeClr val="accent1"/>
+                </a:effectRef>
+                <a:fontRef idx="minor">
+                  <a:schemeClr val="lt1"/>
+                </a:fontRef>
+              </p:style>
+              <p:txBody>
+                <a:bodyPr rtlCol="0" anchor="ctr"/>
+                <a:lstStyle/>
+                <a:p>
+                  <a:pPr algn="ctr"/>
+                  <a14:m>
+                    <m:oMathPara xmlns:m="http://schemas.openxmlformats.org/officeDocument/2006/math">
+                      <m:oMathParaPr>
+                        <m:jc m:val="centerGroup"/>
+                      </m:oMathParaPr>
+                      <m:oMath xmlns:m="http://schemas.openxmlformats.org/officeDocument/2006/math">
+                        <m:r>
+                          <a:rPr lang="en-US" altLang="ja-JP" i="1" smtClean="0">
+                            <a:latin typeface="Cambria Math" panose="02040503050406030204" pitchFamily="18" charset="0"/>
+                          </a:rPr>
+                          <m:t> </m:t>
+                        </m:r>
+                        <m:r>
+                          <a:rPr lang="en-US" altLang="ja-JP" b="0" i="1" smtClean="0">
+                            <a:latin typeface="Cambria Math" panose="02040503050406030204" pitchFamily="18" charset="0"/>
+                          </a:rPr>
+                          <m:t>h</m:t>
+                        </m:r>
+                      </m:oMath>
+                    </m:oMathPara>
+                  </a14:m>
+                  <a:endParaRPr kumimoji="1" lang="ja-JP" altLang="en-US" dirty="0"/>
+                </a:p>
+              </p:txBody>
+            </p:sp>
+          </mc:Choice>
+          <mc:Fallback>
+            <p:sp>
+              <p:nvSpPr>
+                <p:cNvPr id="6" name="フローチャート: 結合子 5">
+                  <a:extLst>
+                    <a:ext uri="{FF2B5EF4-FFF2-40B4-BE49-F238E27FC236}">
+                      <a16:creationId xmlns:a16="http://schemas.microsoft.com/office/drawing/2014/main" id="{1BF8567D-3187-4CBE-8E5D-61B5A4645309}"/>
+                    </a:ext>
+                  </a:extLst>
+                </p:cNvPr>
+                <p:cNvSpPr>
+                  <a:spLocks noRot="1" noChangeAspect="1" noMove="1" noResize="1" noEditPoints="1" noAdjustHandles="1" noChangeArrowheads="1" noChangeShapeType="1" noTextEdit="1"/>
+                </p:cNvSpPr>
+                <p:nvPr/>
+              </p:nvSpPr>
+              <p:spPr>
+                <a:xfrm>
+                  <a:off x="1755019" y="3561336"/>
+                  <a:ext cx="742122" cy="742122"/>
+                </a:xfrm>
+                <a:prstGeom prst="flowChartConnector">
+                  <a:avLst/>
+                </a:prstGeom>
+                <a:blipFill>
+                  <a:blip r:embed="rId3"/>
+                  <a:stretch>
+                    <a:fillRect/>
+                  </a:stretch>
+                </a:blipFill>
+              </p:spPr>
+              <p:txBody>
+                <a:bodyPr/>
+                <a:lstStyle/>
+                <a:p>
+                  <a:r>
+                    <a:rPr lang="ja-JP" altLang="en-US">
+                      <a:noFill/>
+                    </a:rPr>
+                    <a:t> </a:t>
+                  </a:r>
+                </a:p>
+              </p:txBody>
+            </p:sp>
+          </mc:Fallback>
+        </mc:AlternateContent>
+        <mc:AlternateContent xmlns:mc="http://schemas.openxmlformats.org/markup-compatibility/2006">
+          <mc:Choice xmlns:a14="http://schemas.microsoft.com/office/drawing/2010/main" Requires="a14">
+            <p:sp>
+              <p:nvSpPr>
+                <p:cNvPr id="7" name="フローチャート: 結合子 6">
+                  <a:extLst>
+                    <a:ext uri="{FF2B5EF4-FFF2-40B4-BE49-F238E27FC236}">
+                      <a16:creationId xmlns:a16="http://schemas.microsoft.com/office/drawing/2014/main" id="{1A00C81F-14AC-41E7-82FC-D64CB3544A08}"/>
+                    </a:ext>
+                  </a:extLst>
+                </p:cNvPr>
+                <p:cNvSpPr/>
+                <p:nvPr/>
+              </p:nvSpPr>
+              <p:spPr>
+                <a:xfrm>
+                  <a:off x="1755019" y="5136024"/>
+                  <a:ext cx="742122" cy="742122"/>
+                </a:xfrm>
+                <a:prstGeom prst="flowChartConnector">
+                  <a:avLst/>
+                </a:prstGeom>
+              </p:spPr>
+              <p:style>
+                <a:lnRef idx="2">
+                  <a:schemeClr val="accent2">
+                    <a:shade val="50000"/>
+                  </a:schemeClr>
+                </a:lnRef>
+                <a:fillRef idx="1">
+                  <a:schemeClr val="accent2"/>
+                </a:fillRef>
+                <a:effectRef idx="0">
+                  <a:schemeClr val="accent2"/>
+                </a:effectRef>
+                <a:fontRef idx="minor">
+                  <a:schemeClr val="lt1"/>
+                </a:fontRef>
+              </p:style>
+              <p:txBody>
+                <a:bodyPr rtlCol="0" anchor="ctr"/>
+                <a:lstStyle/>
+                <a:p>
+                  <a:pPr algn="ctr"/>
+                  <a14:m>
+                    <m:oMathPara xmlns:m="http://schemas.openxmlformats.org/officeDocument/2006/math">
+                      <m:oMathParaPr>
+                        <m:jc m:val="centerGroup"/>
+                      </m:oMathParaPr>
+                      <m:oMath xmlns:m="http://schemas.openxmlformats.org/officeDocument/2006/math">
+                        <m:sSub>
+                          <m:sSubPr>
+                            <m:ctrlPr>
+                              <a:rPr kumimoji="1" lang="en-US" altLang="ja-JP" i="1" smtClean="0">
+                                <a:latin typeface="Cambria Math" panose="02040503050406030204" pitchFamily="18" charset="0"/>
+                              </a:rPr>
+                            </m:ctrlPr>
+                          </m:sSubPr>
+                          <m:e>
+                            <m:r>
+                              <a:rPr kumimoji="1" lang="en-US" altLang="ja-JP" b="0" i="1" smtClean="0">
+                                <a:latin typeface="Cambria Math" panose="02040503050406030204" pitchFamily="18" charset="0"/>
+                              </a:rPr>
+                              <m:t>   </m:t>
+                            </m:r>
+                            <m:r>
+                              <a:rPr kumimoji="1" lang="en-US" altLang="ja-JP" b="0" i="1" smtClean="0">
+                                <a:latin typeface="Cambria Math" panose="02040503050406030204" pitchFamily="18" charset="0"/>
+                              </a:rPr>
+                              <m:t>𝑥</m:t>
+                            </m:r>
+                          </m:e>
+                          <m:sub/>
+                        </m:sSub>
+                      </m:oMath>
+                    </m:oMathPara>
+                  </a14:m>
+                  <a:endParaRPr kumimoji="1" lang="ja-JP" altLang="en-US" dirty="0"/>
+                </a:p>
+              </p:txBody>
+            </p:sp>
+          </mc:Choice>
+          <mc:Fallback>
+            <p:sp>
+              <p:nvSpPr>
+                <p:cNvPr id="7" name="フローチャート: 結合子 6">
+                  <a:extLst>
+                    <a:ext uri="{FF2B5EF4-FFF2-40B4-BE49-F238E27FC236}">
+                      <a16:creationId xmlns:a16="http://schemas.microsoft.com/office/drawing/2014/main" id="{1A00C81F-14AC-41E7-82FC-D64CB3544A08}"/>
+                    </a:ext>
+                  </a:extLst>
+                </p:cNvPr>
+                <p:cNvSpPr>
+                  <a:spLocks noRot="1" noChangeAspect="1" noMove="1" noResize="1" noEditPoints="1" noAdjustHandles="1" noChangeArrowheads="1" noChangeShapeType="1" noTextEdit="1"/>
+                </p:cNvSpPr>
+                <p:nvPr/>
+              </p:nvSpPr>
+              <p:spPr>
+                <a:xfrm>
+                  <a:off x="1755019" y="5136024"/>
+                  <a:ext cx="742122" cy="742122"/>
+                </a:xfrm>
+                <a:prstGeom prst="flowChartConnector">
+                  <a:avLst/>
+                </a:prstGeom>
+                <a:blipFill>
+                  <a:blip r:embed="rId4"/>
+                  <a:stretch>
+                    <a:fillRect/>
+                  </a:stretch>
+                </a:blipFill>
+              </p:spPr>
+              <p:txBody>
+                <a:bodyPr/>
+                <a:lstStyle/>
+                <a:p>
+                  <a:r>
+                    <a:rPr lang="ja-JP" altLang="en-US">
+                      <a:noFill/>
+                    </a:rPr>
+                    <a:t> </a:t>
+                  </a:r>
+                </a:p>
+              </p:txBody>
+            </p:sp>
+          </mc:Fallback>
+        </mc:AlternateContent>
+        <p:sp>
+          <p:nvSpPr>
+            <p:cNvPr id="8" name="矢印: 右カーブ 7">
+              <a:extLst>
+                <a:ext uri="{FF2B5EF4-FFF2-40B4-BE49-F238E27FC236}">
+                  <a16:creationId xmlns:a16="http://schemas.microsoft.com/office/drawing/2014/main" id="{F5E90A0F-EA25-4850-820B-6CB34288EAD3}"/>
+                </a:ext>
+              </a:extLst>
+            </p:cNvPr>
+            <p:cNvSpPr/>
+            <p:nvPr/>
+          </p:nvSpPr>
+          <p:spPr>
+            <a:xfrm>
+              <a:off x="966797" y="3308773"/>
+              <a:ext cx="719735" cy="874458"/>
+            </a:xfrm>
+            <a:prstGeom prst="curvedRightArrow">
+              <a:avLst/>
+            </a:prstGeom>
+            <a:solidFill>
+              <a:schemeClr val="accent6"/>
+            </a:solidFill>
+          </p:spPr>
+          <p:style>
+            <a:lnRef idx="2">
+              <a:schemeClr val="accent1">
+                <a:shade val="50000"/>
+              </a:schemeClr>
+            </a:lnRef>
+            <a:fillRef idx="1">
+              <a:schemeClr val="accent1"/>
+            </a:fillRef>
+            <a:effectRef idx="0">
+              <a:schemeClr val="accent1"/>
+            </a:effectRef>
+            <a:fontRef idx="minor">
+              <a:schemeClr val="lt1"/>
+            </a:fontRef>
+          </p:style>
+          <p:txBody>
+            <a:bodyPr rtlCol="0" anchor="ctr"/>
+            <a:lstStyle/>
+            <a:p>
+              <a:pPr algn="ctr"/>
+              <a:endParaRPr kumimoji="1" lang="ja-JP" altLang="en-US">
+                <a:solidFill>
+                  <a:schemeClr val="tx1"/>
+                </a:solidFill>
+              </a:endParaRPr>
+            </a:p>
+          </p:txBody>
+        </p:sp>
+        <p:sp>
+          <p:nvSpPr>
+            <p:cNvPr id="9" name="矢印: 右 8">
+              <a:extLst>
+                <a:ext uri="{FF2B5EF4-FFF2-40B4-BE49-F238E27FC236}">
+                  <a16:creationId xmlns:a16="http://schemas.microsoft.com/office/drawing/2014/main" id="{D3CDD69F-FAE9-476B-B8AE-EB41ACF029D7}"/>
+                </a:ext>
+              </a:extLst>
+            </p:cNvPr>
+            <p:cNvSpPr/>
+            <p:nvPr/>
+          </p:nvSpPr>
+          <p:spPr>
+            <a:xfrm rot="16200000">
+              <a:off x="1845176" y="2911876"/>
+              <a:ext cx="561809" cy="517124"/>
+            </a:xfrm>
+            <a:prstGeom prst="rightArrow">
+              <a:avLst/>
+            </a:prstGeom>
+            <a:solidFill>
+              <a:schemeClr val="accent6"/>
+            </a:solidFill>
+          </p:spPr>
+          <p:style>
+            <a:lnRef idx="2">
+              <a:schemeClr val="accent1">
+                <a:shade val="50000"/>
+              </a:schemeClr>
+            </a:lnRef>
+            <a:fillRef idx="1">
+              <a:schemeClr val="accent1"/>
+            </a:fillRef>
+            <a:effectRef idx="0">
+              <a:schemeClr val="accent1"/>
+            </a:effectRef>
+            <a:fontRef idx="minor">
+              <a:schemeClr val="lt1"/>
+            </a:fontRef>
+          </p:style>
+          <p:txBody>
+            <a:bodyPr rtlCol="0" anchor="ctr"/>
+            <a:lstStyle/>
+            <a:p>
+              <a:pPr algn="ctr"/>
+              <a:endParaRPr kumimoji="1" lang="ja-JP" altLang="en-US"/>
+            </a:p>
+          </p:txBody>
+        </p:sp>
+        <p:sp>
+          <p:nvSpPr>
+            <p:cNvPr id="10" name="矢印: 右 9">
+              <a:extLst>
+                <a:ext uri="{FF2B5EF4-FFF2-40B4-BE49-F238E27FC236}">
+                  <a16:creationId xmlns:a16="http://schemas.microsoft.com/office/drawing/2014/main" id="{396F8C2E-6A4F-4049-8929-0DF2E18E1A32}"/>
+                </a:ext>
+              </a:extLst>
+            </p:cNvPr>
+            <p:cNvSpPr/>
+            <p:nvPr/>
+          </p:nvSpPr>
+          <p:spPr>
+            <a:xfrm rot="16200000">
+              <a:off x="1845177" y="4407817"/>
+              <a:ext cx="561809" cy="517124"/>
+            </a:xfrm>
+            <a:prstGeom prst="rightArrow">
+              <a:avLst/>
+            </a:prstGeom>
+            <a:solidFill>
+              <a:schemeClr val="accent2"/>
+            </a:solidFill>
+          </p:spPr>
+          <p:style>
+            <a:lnRef idx="2">
+              <a:schemeClr val="accent1">
+                <a:shade val="50000"/>
+              </a:schemeClr>
+            </a:lnRef>
+            <a:fillRef idx="1">
+              <a:schemeClr val="accent1"/>
+            </a:fillRef>
+            <a:effectRef idx="0">
+              <a:schemeClr val="accent1"/>
+            </a:effectRef>
+            <a:fontRef idx="minor">
+              <a:schemeClr val="lt1"/>
+            </a:fontRef>
+          </p:style>
+          <p:txBody>
+            <a:bodyPr rtlCol="0" anchor="ctr"/>
+            <a:lstStyle/>
+            <a:p>
+              <a:pPr algn="ctr"/>
+              <a:endParaRPr kumimoji="1" lang="ja-JP" altLang="en-US"/>
+            </a:p>
+          </p:txBody>
+        </p:sp>
+        <p:sp>
+          <p:nvSpPr>
+            <p:cNvPr id="11" name="テキスト ボックス 10">
+              <a:extLst>
+                <a:ext uri="{FF2B5EF4-FFF2-40B4-BE49-F238E27FC236}">
+                  <a16:creationId xmlns:a16="http://schemas.microsoft.com/office/drawing/2014/main" id="{8BF57589-5FCD-49F2-B738-960B1F46FB7F}"/>
+                </a:ext>
+              </a:extLst>
+            </p:cNvPr>
+            <p:cNvSpPr txBox="1"/>
+            <p:nvPr/>
+          </p:nvSpPr>
+          <p:spPr>
+            <a:xfrm>
+              <a:off x="1755019" y="1678306"/>
+              <a:ext cx="810609" cy="307777"/>
+            </a:xfrm>
+            <a:prstGeom prst="rect">
+              <a:avLst/>
+            </a:prstGeom>
+            <a:noFill/>
+          </p:spPr>
+          <p:txBody>
+            <a:bodyPr wrap="square" rtlCol="0">
+              <a:spAutoFit/>
+            </a:bodyPr>
+            <a:lstStyle/>
+            <a:p>
+              <a:r>
+                <a:rPr kumimoji="1" lang="ja-JP" altLang="en-US" sz="1400" dirty="0"/>
+                <a:t>中間層</a:t>
+              </a:r>
+            </a:p>
+          </p:txBody>
+        </p:sp>
+      </p:grpSp>
+      <p:sp>
+        <p:nvSpPr>
+          <p:cNvPr id="13" name="矢印: 右 12">
+            <a:extLst>
+              <a:ext uri="{FF2B5EF4-FFF2-40B4-BE49-F238E27FC236}">
+                <a16:creationId xmlns:a16="http://schemas.microsoft.com/office/drawing/2014/main" id="{C0667246-B4A4-43F6-9406-9339C52F44F0}"/>
+              </a:ext>
+            </a:extLst>
+          </p:cNvPr>
+          <p:cNvSpPr/>
+          <p:nvPr/>
+        </p:nvSpPr>
+        <p:spPr>
+          <a:xfrm>
+            <a:off x="2574524" y="3758384"/>
+            <a:ext cx="1083076" cy="342704"/>
+          </a:xfrm>
+          <a:prstGeom prst="rightArrow">
+            <a:avLst/>
+          </a:prstGeom>
+        </p:spPr>
+        <p:style>
+          <a:lnRef idx="2">
+            <a:schemeClr val="accent1">
+              <a:shade val="50000"/>
+            </a:schemeClr>
+          </a:lnRef>
+          <a:fillRef idx="1">
+            <a:schemeClr val="accent1"/>
+          </a:fillRef>
+          <a:effectRef idx="0">
+            <a:schemeClr val="accent1"/>
+          </a:effectRef>
+          <a:fontRef idx="minor">
+            <a:schemeClr val="lt1"/>
+          </a:fontRef>
+        </p:style>
+        <p:txBody>
+          <a:bodyPr rtlCol="0" anchor="ctr"/>
+          <a:lstStyle/>
+          <a:p>
+            <a:pPr algn="ctr"/>
+            <a:endParaRPr kumimoji="1" lang="ja-JP" altLang="en-US"/>
+          </a:p>
+        </p:txBody>
+      </p:sp>
+      <p:grpSp>
+        <p:nvGrpSpPr>
+          <p:cNvPr id="20" name="グループ化 19">
+            <a:extLst>
+              <a:ext uri="{FF2B5EF4-FFF2-40B4-BE49-F238E27FC236}">
+                <a16:creationId xmlns:a16="http://schemas.microsoft.com/office/drawing/2014/main" id="{25BBF2D7-9DF5-4E40-ADF6-2AF66D473B07}"/>
+              </a:ext>
+            </a:extLst>
+          </p:cNvPr>
+          <p:cNvGrpSpPr/>
+          <p:nvPr/>
+        </p:nvGrpSpPr>
+        <p:grpSpPr>
+          <a:xfrm>
+            <a:off x="8655728" y="3575447"/>
+            <a:ext cx="2965142" cy="1414877"/>
+            <a:chOff x="8655728" y="3575447"/>
+            <a:chExt cx="2965142" cy="1414877"/>
+          </a:xfrm>
+        </p:grpSpPr>
+        <p:sp>
+          <p:nvSpPr>
+            <p:cNvPr id="16" name="テキスト ボックス 15">
+              <a:extLst>
+                <a:ext uri="{FF2B5EF4-FFF2-40B4-BE49-F238E27FC236}">
+                  <a16:creationId xmlns:a16="http://schemas.microsoft.com/office/drawing/2014/main" id="{E781B5AB-7BAE-4446-9FD4-851FC454F5EF}"/>
+                </a:ext>
+              </a:extLst>
+            </p:cNvPr>
+            <p:cNvSpPr txBox="1"/>
+            <p:nvPr/>
+          </p:nvSpPr>
+          <p:spPr>
+            <a:xfrm>
+              <a:off x="8655728" y="3575447"/>
+              <a:ext cx="2965142" cy="369332"/>
+            </a:xfrm>
+            <a:prstGeom prst="rect">
+              <a:avLst/>
+            </a:prstGeom>
+            <a:noFill/>
+          </p:spPr>
+          <p:txBody>
+            <a:bodyPr wrap="square" rtlCol="0">
+              <a:spAutoFit/>
+            </a:bodyPr>
+            <a:lstStyle/>
+            <a:p>
+              <a:pPr marL="285750" indent="-285750">
+                <a:buFont typeface="Arial" panose="020B0604020202020204" pitchFamily="34" charset="0"/>
+                <a:buChar char="•"/>
+              </a:pPr>
+              <a:r>
+                <a:rPr lang="en-US" altLang="ja-JP" dirty="0"/>
+                <a:t>f</a:t>
+              </a:r>
+              <a:r>
+                <a:rPr kumimoji="1" lang="en-US" altLang="ja-JP" dirty="0"/>
+                <a:t>orget gate</a:t>
+              </a:r>
+            </a:p>
+          </p:txBody>
+        </p:sp>
+        <p:sp>
+          <p:nvSpPr>
+            <p:cNvPr id="17" name="テキスト ボックス 16">
+              <a:extLst>
+                <a:ext uri="{FF2B5EF4-FFF2-40B4-BE49-F238E27FC236}">
+                  <a16:creationId xmlns:a16="http://schemas.microsoft.com/office/drawing/2014/main" id="{1D25F38D-0746-447E-ADF8-7AF06A201D90}"/>
+                </a:ext>
+              </a:extLst>
+            </p:cNvPr>
+            <p:cNvSpPr txBox="1"/>
+            <p:nvPr/>
+          </p:nvSpPr>
+          <p:spPr>
+            <a:xfrm>
+              <a:off x="8842159" y="4066994"/>
+              <a:ext cx="2778711" cy="923330"/>
+            </a:xfrm>
+            <a:prstGeom prst="rect">
+              <a:avLst/>
+            </a:prstGeom>
+            <a:noFill/>
+          </p:spPr>
+          <p:txBody>
+            <a:bodyPr wrap="square" rtlCol="0">
+              <a:spAutoFit/>
+            </a:bodyPr>
+            <a:lstStyle/>
+            <a:p>
+              <a:r>
+                <a:rPr lang="ja-JP" altLang="en-US" dirty="0"/>
+                <a:t>出力する情報と出力させない情報を決める</a:t>
+              </a:r>
+              <a:endParaRPr lang="en-US" altLang="ja-JP" dirty="0"/>
+            </a:p>
+            <a:p>
+              <a:endParaRPr kumimoji="1" lang="ja-JP" altLang="en-US" dirty="0"/>
+            </a:p>
+          </p:txBody>
+        </p:sp>
+      </p:grpSp>
+      <p:grpSp>
+        <p:nvGrpSpPr>
+          <p:cNvPr id="19" name="グループ化 18">
+            <a:extLst>
+              <a:ext uri="{FF2B5EF4-FFF2-40B4-BE49-F238E27FC236}">
+                <a16:creationId xmlns:a16="http://schemas.microsoft.com/office/drawing/2014/main" id="{13986F4B-81F0-4DDE-AE0B-5636914456C7}"/>
+              </a:ext>
+            </a:extLst>
+          </p:cNvPr>
+          <p:cNvGrpSpPr/>
+          <p:nvPr/>
+        </p:nvGrpSpPr>
+        <p:grpSpPr>
+          <a:xfrm>
+            <a:off x="4033837" y="2224761"/>
+            <a:ext cx="8472200" cy="3409950"/>
+            <a:chOff x="4033837" y="2224761"/>
+            <a:chExt cx="8472200" cy="3409950"/>
+          </a:xfrm>
+        </p:grpSpPr>
+        <p:pic>
+          <p:nvPicPr>
+            <p:cNvPr id="15" name="図 14">
+              <a:extLst>
+                <a:ext uri="{FF2B5EF4-FFF2-40B4-BE49-F238E27FC236}">
+                  <a16:creationId xmlns:a16="http://schemas.microsoft.com/office/drawing/2014/main" id="{FDCC939C-CB42-421B-9E17-AAD2C3A29C1D}"/>
+                </a:ext>
+              </a:extLst>
+            </p:cNvPr>
+            <p:cNvPicPr>
+              <a:picLocks noChangeAspect="1"/>
+            </p:cNvPicPr>
+            <p:nvPr/>
+          </p:nvPicPr>
+          <p:blipFill>
+            <a:blip r:embed="rId5">
+              <a:extLst>
+                <a:ext uri="{28A0092B-C50C-407E-A947-70E740481C1C}">
+                  <a14:useLocalDpi xmlns:a14="http://schemas.microsoft.com/office/drawing/2010/main" val="0"/>
+                </a:ext>
+              </a:extLst>
+            </a:blip>
+            <a:stretch>
+              <a:fillRect/>
+            </a:stretch>
+          </p:blipFill>
+          <p:spPr>
+            <a:xfrm>
+              <a:off x="4033837" y="2224761"/>
+              <a:ext cx="4124325" cy="3409950"/>
+            </a:xfrm>
+            <a:prstGeom prst="rect">
+              <a:avLst/>
+            </a:prstGeom>
+          </p:spPr>
+        </p:pic>
+        <p:sp>
+          <p:nvSpPr>
+            <p:cNvPr id="18" name="テキスト ボックス 17">
+              <a:extLst>
+                <a:ext uri="{FF2B5EF4-FFF2-40B4-BE49-F238E27FC236}">
+                  <a16:creationId xmlns:a16="http://schemas.microsoft.com/office/drawing/2014/main" id="{0E30AC48-39F1-4BBD-BAC0-7DF8BCE41535}"/>
+                </a:ext>
+              </a:extLst>
+            </p:cNvPr>
+            <p:cNvSpPr txBox="1"/>
+            <p:nvPr/>
+          </p:nvSpPr>
+          <p:spPr>
+            <a:xfrm>
+              <a:off x="7365867" y="4990324"/>
+              <a:ext cx="5140170" cy="276999"/>
+            </a:xfrm>
+            <a:prstGeom prst="rect">
+              <a:avLst/>
+            </a:prstGeom>
+            <a:noFill/>
+          </p:spPr>
+          <p:txBody>
+            <a:bodyPr wrap="square" rtlCol="0">
+              <a:spAutoFit/>
+            </a:bodyPr>
+            <a:lstStyle/>
+            <a:p>
+              <a:r>
+                <a:rPr kumimoji="1" lang="en-US" altLang="ja-JP" sz="1200" dirty="0" err="1">
+                  <a:hlinkClick r:id="rId6"/>
+                </a:rPr>
+                <a:t>Qiita</a:t>
+              </a:r>
+              <a:r>
+                <a:rPr kumimoji="1" lang="en-US" altLang="ja-JP" sz="1200" dirty="0"/>
+                <a:t> </a:t>
+              </a:r>
+              <a:r>
+                <a:rPr kumimoji="1" lang="ja-JP" altLang="en-US" sz="1200" dirty="0"/>
+                <a:t>より引用</a:t>
+              </a:r>
+            </a:p>
+          </p:txBody>
+        </p:sp>
+      </p:grpSp>
     </p:spTree>
     <p:extLst>
       <p:ext uri="{BB962C8B-B14F-4D97-AF65-F5344CB8AC3E}">
@@ -4975,10 +9792,309 @@
       </p:transition>
     </mc:Fallback>
   </mc:AlternateContent>
+  <p:timing>
+    <p:tnLst>
+      <p:par>
+        <p:cTn id="1" dur="indefinite" restart="never" nodeType="tmRoot">
+          <p:childTnLst>
+            <p:seq concurrent="1" nextAc="seek">
+              <p:cTn id="2" dur="indefinite" nodeType="mainSeq">
+                <p:childTnLst>
+                  <p:par>
+                    <p:cTn id="3" fill="hold">
+                      <p:stCondLst>
+                        <p:cond delay="indefinite"/>
+                      </p:stCondLst>
+                      <p:childTnLst>
+                        <p:par>
+                          <p:cTn id="4" fill="hold">
+                            <p:stCondLst>
+                              <p:cond delay="0"/>
+                            </p:stCondLst>
+                            <p:childTnLst>
+                              <p:par>
+                                <p:cTn id="5" presetID="22" presetClass="entr" presetSubtype="8" fill="hold" nodeType="clickEffect">
+                                  <p:stCondLst>
+                                    <p:cond delay="0"/>
+                                  </p:stCondLst>
+                                  <p:childTnLst>
+                                    <p:set>
+                                      <p:cBhvr>
+                                        <p:cTn id="6" dur="1" fill="hold">
+                                          <p:stCondLst>
+                                            <p:cond delay="0"/>
+                                          </p:stCondLst>
+                                        </p:cTn>
+                                        <p:tgtEl>
+                                          <p:spTgt spid="4"/>
+                                        </p:tgtEl>
+                                        <p:attrNameLst>
+                                          <p:attrName>style.visibility</p:attrName>
+                                        </p:attrNameLst>
+                                      </p:cBhvr>
+                                      <p:to>
+                                        <p:strVal val="visible"/>
+                                      </p:to>
+                                    </p:set>
+                                    <p:animEffect transition="in" filter="wipe(left)">
+                                      <p:cBhvr>
+                                        <p:cTn id="7" dur="500"/>
+                                        <p:tgtEl>
+                                          <p:spTgt spid="4"/>
+                                        </p:tgtEl>
+                                      </p:cBhvr>
+                                    </p:animEffect>
+                                  </p:childTnLst>
+                                </p:cTn>
+                              </p:par>
+                            </p:childTnLst>
+                          </p:cTn>
+                        </p:par>
+                      </p:childTnLst>
+                    </p:cTn>
+                  </p:par>
+                  <p:par>
+                    <p:cTn id="8" fill="hold">
+                      <p:stCondLst>
+                        <p:cond delay="indefinite"/>
+                      </p:stCondLst>
+                      <p:childTnLst>
+                        <p:par>
+                          <p:cTn id="9" fill="hold">
+                            <p:stCondLst>
+                              <p:cond delay="0"/>
+                            </p:stCondLst>
+                            <p:childTnLst>
+                              <p:par>
+                                <p:cTn id="10" presetID="21" presetClass="entr" presetSubtype="1" fill="hold" grpId="0" nodeType="clickEffect">
+                                  <p:stCondLst>
+                                    <p:cond delay="0"/>
+                                  </p:stCondLst>
+                                  <p:childTnLst>
+                                    <p:set>
+                                      <p:cBhvr>
+                                        <p:cTn id="11" dur="1" fill="hold">
+                                          <p:stCondLst>
+                                            <p:cond delay="0"/>
+                                          </p:stCondLst>
+                                        </p:cTn>
+                                        <p:tgtEl>
+                                          <p:spTgt spid="12"/>
+                                        </p:tgtEl>
+                                        <p:attrNameLst>
+                                          <p:attrName>style.visibility</p:attrName>
+                                        </p:attrNameLst>
+                                      </p:cBhvr>
+                                      <p:to>
+                                        <p:strVal val="visible"/>
+                                      </p:to>
+                                    </p:set>
+                                    <p:animEffect transition="in" filter="wheel(1)">
+                                      <p:cBhvr>
+                                        <p:cTn id="12" dur="1000"/>
+                                        <p:tgtEl>
+                                          <p:spTgt spid="12"/>
+                                        </p:tgtEl>
+                                      </p:cBhvr>
+                                    </p:animEffect>
+                                  </p:childTnLst>
+                                </p:cTn>
+                              </p:par>
+                            </p:childTnLst>
+                          </p:cTn>
+                        </p:par>
+                      </p:childTnLst>
+                    </p:cTn>
+                  </p:par>
+                  <p:par>
+                    <p:cTn id="13" fill="hold">
+                      <p:stCondLst>
+                        <p:cond delay="indefinite"/>
+                      </p:stCondLst>
+                      <p:childTnLst>
+                        <p:par>
+                          <p:cTn id="14" fill="hold">
+                            <p:stCondLst>
+                              <p:cond delay="0"/>
+                            </p:stCondLst>
+                            <p:childTnLst>
+                              <p:par>
+                                <p:cTn id="15" presetID="22" presetClass="entr" presetSubtype="8" fill="hold" grpId="0" nodeType="clickEffect">
+                                  <p:stCondLst>
+                                    <p:cond delay="0"/>
+                                  </p:stCondLst>
+                                  <p:childTnLst>
+                                    <p:set>
+                                      <p:cBhvr>
+                                        <p:cTn id="16" dur="1" fill="hold">
+                                          <p:stCondLst>
+                                            <p:cond delay="0"/>
+                                          </p:stCondLst>
+                                        </p:cTn>
+                                        <p:tgtEl>
+                                          <p:spTgt spid="13"/>
+                                        </p:tgtEl>
+                                        <p:attrNameLst>
+                                          <p:attrName>style.visibility</p:attrName>
+                                        </p:attrNameLst>
+                                      </p:cBhvr>
+                                      <p:to>
+                                        <p:strVal val="visible"/>
+                                      </p:to>
+                                    </p:set>
+                                    <p:animEffect transition="in" filter="wipe(left)">
+                                      <p:cBhvr>
+                                        <p:cTn id="17" dur="500"/>
+                                        <p:tgtEl>
+                                          <p:spTgt spid="13"/>
+                                        </p:tgtEl>
+                                      </p:cBhvr>
+                                    </p:animEffect>
+                                  </p:childTnLst>
+                                </p:cTn>
+                              </p:par>
+                            </p:childTnLst>
+                          </p:cTn>
+                        </p:par>
+                      </p:childTnLst>
+                    </p:cTn>
+                  </p:par>
+                  <p:par>
+                    <p:cTn id="18" fill="hold">
+                      <p:stCondLst>
+                        <p:cond delay="indefinite"/>
+                      </p:stCondLst>
+                      <p:childTnLst>
+                        <p:par>
+                          <p:cTn id="19" fill="hold">
+                            <p:stCondLst>
+                              <p:cond delay="0"/>
+                            </p:stCondLst>
+                            <p:childTnLst>
+                              <p:par>
+                                <p:cTn id="20" presetID="22" presetClass="entr" presetSubtype="8" fill="hold" nodeType="clickEffect">
+                                  <p:stCondLst>
+                                    <p:cond delay="0"/>
+                                  </p:stCondLst>
+                                  <p:childTnLst>
+                                    <p:set>
+                                      <p:cBhvr>
+                                        <p:cTn id="21" dur="1" fill="hold">
+                                          <p:stCondLst>
+                                            <p:cond delay="0"/>
+                                          </p:stCondLst>
+                                        </p:cTn>
+                                        <p:tgtEl>
+                                          <p:spTgt spid="19"/>
+                                        </p:tgtEl>
+                                        <p:attrNameLst>
+                                          <p:attrName>style.visibility</p:attrName>
+                                        </p:attrNameLst>
+                                      </p:cBhvr>
+                                      <p:to>
+                                        <p:strVal val="visible"/>
+                                      </p:to>
+                                    </p:set>
+                                    <p:animEffect transition="in" filter="wipe(left)">
+                                      <p:cBhvr>
+                                        <p:cTn id="22" dur="1000"/>
+                                        <p:tgtEl>
+                                          <p:spTgt spid="19"/>
+                                        </p:tgtEl>
+                                      </p:cBhvr>
+                                    </p:animEffect>
+                                  </p:childTnLst>
+                                </p:cTn>
+                              </p:par>
+                            </p:childTnLst>
+                          </p:cTn>
+                        </p:par>
+                      </p:childTnLst>
+                    </p:cTn>
+                  </p:par>
+                  <p:par>
+                    <p:cTn id="23" fill="hold">
+                      <p:stCondLst>
+                        <p:cond delay="indefinite"/>
+                      </p:stCondLst>
+                      <p:childTnLst>
+                        <p:par>
+                          <p:cTn id="24" fill="hold">
+                            <p:stCondLst>
+                              <p:cond delay="0"/>
+                            </p:stCondLst>
+                            <p:childTnLst>
+                              <p:par>
+                                <p:cTn id="25" presetID="22" presetClass="entr" presetSubtype="1" fill="hold" nodeType="clickEffect">
+                                  <p:stCondLst>
+                                    <p:cond delay="0"/>
+                                  </p:stCondLst>
+                                  <p:childTnLst>
+                                    <p:set>
+                                      <p:cBhvr>
+                                        <p:cTn id="26" dur="1" fill="hold">
+                                          <p:stCondLst>
+                                            <p:cond delay="0"/>
+                                          </p:stCondLst>
+                                        </p:cTn>
+                                        <p:tgtEl>
+                                          <p:spTgt spid="20"/>
+                                        </p:tgtEl>
+                                        <p:attrNameLst>
+                                          <p:attrName>style.visibility</p:attrName>
+                                        </p:attrNameLst>
+                                      </p:cBhvr>
+                                      <p:to>
+                                        <p:strVal val="visible"/>
+                                      </p:to>
+                                    </p:set>
+                                    <p:animEffect transition="in" filter="wipe(up)">
+                                      <p:cBhvr>
+                                        <p:cTn id="27" dur="500"/>
+                                        <p:tgtEl>
+                                          <p:spTgt spid="20"/>
+                                        </p:tgtEl>
+                                      </p:cBhvr>
+                                    </p:animEffect>
+                                  </p:childTnLst>
+                                </p:cTn>
+                              </p:par>
+                            </p:childTnLst>
+                          </p:cTn>
+                        </p:par>
+                      </p:childTnLst>
+                    </p:cTn>
+                  </p:par>
+                </p:childTnLst>
+              </p:cTn>
+              <p:prevCondLst>
+                <p:cond evt="onPrev" delay="0">
+                  <p:tgtEl>
+                    <p:sldTgt/>
+                  </p:tgtEl>
+                </p:cond>
+              </p:prevCondLst>
+              <p:nextCondLst>
+                <p:cond evt="onNext" delay="0">
+                  <p:tgtEl>
+                    <p:sldTgt/>
+                  </p:tgtEl>
+                </p:cond>
+              </p:nextCondLst>
+            </p:seq>
+          </p:childTnLst>
+        </p:cTn>
+      </p:par>
+    </p:tnLst>
+    <p:bldLst>
+      <p:bldP spid="12" grpId="0" animBg="1"/>
+      <p:bldP spid="13" grpId="0" animBg="1"/>
+    </p:bldLst>
+  </p:timing>
 </p:sld>
 </file>
 
-<file path=ppt/slides/slide12.xml><?xml version="1.0" encoding="utf-8"?>
+<file path=ppt/slides/slide13.xml><?xml version="1.0" encoding="utf-8"?>
 <p:sld xmlns:a="http://schemas.openxmlformats.org/drawingml/2006/main" xmlns:r="http://schemas.openxmlformats.org/officeDocument/2006/relationships" xmlns:p="http://schemas.openxmlformats.org/presentationml/2006/main">
   <p:cSld>
     <p:spTree>
@@ -5051,7 +10167,7 @@
         <p:spPr>
           <a:xfrm>
             <a:off x="374072" y="2104824"/>
-            <a:ext cx="11471563" cy="3108543"/>
+            <a:ext cx="11471563" cy="2308324"/>
           </a:xfrm>
           <a:prstGeom prst="rect">
             <a:avLst/>
@@ -5078,7 +10194,7 @@
             </a:r>
             <a:r>
               <a:rPr lang="ja-JP" altLang="en-US" sz="2400" dirty="0"/>
-              <a:t>のなかに出現する音のパターンを学習</a:t>
+              <a:t>ファイルのなかに出現する音のパターンを学習</a:t>
             </a:r>
             <a:endParaRPr lang="en-US" altLang="ja-JP" sz="2400" dirty="0"/>
           </a:p>
@@ -5134,6 +10250,14 @@
             </a:r>
             <a:r>
               <a:rPr lang="ja-JP" altLang="en-US" sz="2400" dirty="0"/>
+              <a:t>を使った機械学習を</a:t>
+            </a:r>
+            <a:r>
+              <a:rPr lang="en-US" altLang="ja-JP" sz="2400" dirty="0"/>
+              <a:t>python</a:t>
+            </a:r>
+            <a:r>
+              <a:rPr lang="ja-JP" altLang="en-US" sz="2400" dirty="0"/>
               <a:t>で実装する</a:t>
             </a:r>
             <a:endParaRPr lang="en-US" altLang="ja-JP" sz="2400" dirty="0"/>
@@ -5141,22 +10265,6 @@
           <a:p>
             <a:pPr lvl="1"/>
             <a:endParaRPr lang="en-US" altLang="ja-JP" sz="2400" dirty="0"/>
-          </a:p>
-          <a:p>
-            <a:pPr lvl="1"/>
-            <a:endParaRPr lang="en-US" altLang="ja-JP" sz="2400" dirty="0"/>
-          </a:p>
-          <a:p>
-            <a:pPr lvl="1"/>
-            <a:r>
-              <a:rPr lang="en-US" altLang="ja-JP" sz="2800" dirty="0"/>
-              <a:t>midi </a:t>
-            </a:r>
-            <a:r>
-              <a:rPr lang="ja-JP" altLang="en-US" sz="2000" dirty="0"/>
-              <a:t>・・・楽器や音などの演奏情報をデジタル化した世界共通規格。</a:t>
-            </a:r>
-            <a:endParaRPr lang="ja-JP" altLang="en-US" sz="2800" dirty="0"/>
           </a:p>
         </p:txBody>
       </p:sp>
@@ -5185,7 +10293,7 @@
 </p:sld>
 </file>
 
-<file path=ppt/slides/slide13.xml><?xml version="1.0" encoding="utf-8"?>
+<file path=ppt/slides/slide14.xml><?xml version="1.0" encoding="utf-8"?>
 <p:sld xmlns:a="http://schemas.openxmlformats.org/drawingml/2006/main" xmlns:r="http://schemas.openxmlformats.org/officeDocument/2006/relationships" xmlns:p="http://schemas.openxmlformats.org/presentationml/2006/main">
   <p:cSld>
     <p:spTree>
@@ -5292,12 +10400,16 @@
               <a:buChar char="•"/>
             </a:pPr>
             <a:r>
+              <a:rPr lang="ja-JP" altLang="en-US" sz="2800" dirty="0"/>
+              <a:t>サーバを起動して</a:t>
+            </a:r>
+            <a:r>
               <a:rPr lang="en-US" altLang="ja-JP" sz="2800" dirty="0"/>
               <a:t>Web</a:t>
             </a:r>
             <a:r>
               <a:rPr lang="ja-JP" altLang="en-US" sz="2800" dirty="0"/>
-              <a:t>サイトは動かせるようになっています</a:t>
+              <a:t>サイトを立ち上げることができます。</a:t>
             </a:r>
             <a:endParaRPr lang="en-US" altLang="ja-JP" sz="2800" dirty="0"/>
           </a:p>
@@ -5381,7 +10493,7 @@
 </p:sld>
 </file>
 
-<file path=ppt/slides/slide14.xml><?xml version="1.0" encoding="utf-8"?>
+<file path=ppt/slides/slide15.xml><?xml version="1.0" encoding="utf-8"?>
 <p:sld xmlns:a="http://schemas.openxmlformats.org/drawingml/2006/main" xmlns:r="http://schemas.openxmlformats.org/officeDocument/2006/relationships" xmlns:p="http://schemas.openxmlformats.org/presentationml/2006/main">
   <p:cSld>
     <p:spTree>
@@ -7330,6 +12442,280 @@
       </p:transition>
     </mc:Fallback>
   </mc:AlternateContent>
+  <p:timing>
+    <p:tnLst>
+      <p:par>
+        <p:cTn id="1" dur="indefinite" restart="never" nodeType="tmRoot">
+          <p:childTnLst>
+            <p:seq concurrent="1" nextAc="seek">
+              <p:cTn id="2" dur="indefinite" nodeType="mainSeq">
+                <p:childTnLst>
+                  <p:par>
+                    <p:cTn id="3" fill="hold">
+                      <p:stCondLst>
+                        <p:cond delay="indefinite"/>
+                      </p:stCondLst>
+                      <p:childTnLst>
+                        <p:par>
+                          <p:cTn id="4" fill="hold">
+                            <p:stCondLst>
+                              <p:cond delay="0"/>
+                            </p:stCondLst>
+                            <p:childTnLst>
+                              <p:par>
+                                <p:cTn id="5" presetID="22" presetClass="entr" presetSubtype="8" fill="hold" nodeType="clickEffect">
+                                  <p:stCondLst>
+                                    <p:cond delay="0"/>
+                                  </p:stCondLst>
+                                  <p:childTnLst>
+                                    <p:set>
+                                      <p:cBhvr>
+                                        <p:cTn id="6" dur="1" fill="hold">
+                                          <p:stCondLst>
+                                            <p:cond delay="0"/>
+                                          </p:stCondLst>
+                                        </p:cTn>
+                                        <p:tgtEl>
+                                          <p:spTgt spid="4">
+                                            <p:txEl>
+                                              <p:pRg st="0" end="0"/>
+                                            </p:txEl>
+                                          </p:spTgt>
+                                        </p:tgtEl>
+                                        <p:attrNameLst>
+                                          <p:attrName>style.visibility</p:attrName>
+                                        </p:attrNameLst>
+                                      </p:cBhvr>
+                                      <p:to>
+                                        <p:strVal val="visible"/>
+                                      </p:to>
+                                    </p:set>
+                                    <p:animEffect transition="in" filter="wipe(left)">
+                                      <p:cBhvr>
+                                        <p:cTn id="7" dur="500"/>
+                                        <p:tgtEl>
+                                          <p:spTgt spid="4">
+                                            <p:txEl>
+                                              <p:pRg st="0" end="0"/>
+                                            </p:txEl>
+                                          </p:spTgt>
+                                        </p:tgtEl>
+                                      </p:cBhvr>
+                                    </p:animEffect>
+                                  </p:childTnLst>
+                                </p:cTn>
+                              </p:par>
+                            </p:childTnLst>
+                          </p:cTn>
+                        </p:par>
+                      </p:childTnLst>
+                    </p:cTn>
+                  </p:par>
+                  <p:par>
+                    <p:cTn id="8" fill="hold">
+                      <p:stCondLst>
+                        <p:cond delay="indefinite"/>
+                      </p:stCondLst>
+                      <p:childTnLst>
+                        <p:par>
+                          <p:cTn id="9" fill="hold">
+                            <p:stCondLst>
+                              <p:cond delay="0"/>
+                            </p:stCondLst>
+                            <p:childTnLst>
+                              <p:par>
+                                <p:cTn id="10" presetID="22" presetClass="entr" presetSubtype="8" fill="hold" nodeType="clickEffect">
+                                  <p:stCondLst>
+                                    <p:cond delay="0"/>
+                                  </p:stCondLst>
+                                  <p:childTnLst>
+                                    <p:set>
+                                      <p:cBhvr>
+                                        <p:cTn id="11" dur="1" fill="hold">
+                                          <p:stCondLst>
+                                            <p:cond delay="0"/>
+                                          </p:stCondLst>
+                                        </p:cTn>
+                                        <p:tgtEl>
+                                          <p:spTgt spid="4">
+                                            <p:txEl>
+                                              <p:pRg st="2" end="2"/>
+                                            </p:txEl>
+                                          </p:spTgt>
+                                        </p:tgtEl>
+                                        <p:attrNameLst>
+                                          <p:attrName>style.visibility</p:attrName>
+                                        </p:attrNameLst>
+                                      </p:cBhvr>
+                                      <p:to>
+                                        <p:strVal val="visible"/>
+                                      </p:to>
+                                    </p:set>
+                                    <p:animEffect transition="in" filter="wipe(left)">
+                                      <p:cBhvr>
+                                        <p:cTn id="12" dur="500"/>
+                                        <p:tgtEl>
+                                          <p:spTgt spid="4">
+                                            <p:txEl>
+                                              <p:pRg st="2" end="2"/>
+                                            </p:txEl>
+                                          </p:spTgt>
+                                        </p:tgtEl>
+                                      </p:cBhvr>
+                                    </p:animEffect>
+                                  </p:childTnLst>
+                                </p:cTn>
+                              </p:par>
+                            </p:childTnLst>
+                          </p:cTn>
+                        </p:par>
+                      </p:childTnLst>
+                    </p:cTn>
+                  </p:par>
+                  <p:par>
+                    <p:cTn id="13" fill="hold">
+                      <p:stCondLst>
+                        <p:cond delay="indefinite"/>
+                      </p:stCondLst>
+                      <p:childTnLst>
+                        <p:par>
+                          <p:cTn id="14" fill="hold">
+                            <p:stCondLst>
+                              <p:cond delay="0"/>
+                            </p:stCondLst>
+                            <p:childTnLst>
+                              <p:par>
+                                <p:cTn id="15" presetID="22" presetClass="entr" presetSubtype="8" fill="hold" nodeType="clickEffect">
+                                  <p:stCondLst>
+                                    <p:cond delay="0"/>
+                                  </p:stCondLst>
+                                  <p:childTnLst>
+                                    <p:set>
+                                      <p:cBhvr>
+                                        <p:cTn id="16" dur="1" fill="hold">
+                                          <p:stCondLst>
+                                            <p:cond delay="0"/>
+                                          </p:stCondLst>
+                                        </p:cTn>
+                                        <p:tgtEl>
+                                          <p:spTgt spid="4">
+                                            <p:txEl>
+                                              <p:pRg st="4" end="4"/>
+                                            </p:txEl>
+                                          </p:spTgt>
+                                        </p:tgtEl>
+                                        <p:attrNameLst>
+                                          <p:attrName>style.visibility</p:attrName>
+                                        </p:attrNameLst>
+                                      </p:cBhvr>
+                                      <p:to>
+                                        <p:strVal val="visible"/>
+                                      </p:to>
+                                    </p:set>
+                                    <p:animEffect transition="in" filter="wipe(left)">
+                                      <p:cBhvr>
+                                        <p:cTn id="17" dur="500"/>
+                                        <p:tgtEl>
+                                          <p:spTgt spid="4">
+                                            <p:txEl>
+                                              <p:pRg st="4" end="4"/>
+                                            </p:txEl>
+                                          </p:spTgt>
+                                        </p:tgtEl>
+                                      </p:cBhvr>
+                                    </p:animEffect>
+                                  </p:childTnLst>
+                                </p:cTn>
+                              </p:par>
+                            </p:childTnLst>
+                          </p:cTn>
+                        </p:par>
+                      </p:childTnLst>
+                    </p:cTn>
+                  </p:par>
+                  <p:par>
+                    <p:cTn id="18" fill="hold">
+                      <p:stCondLst>
+                        <p:cond delay="indefinite"/>
+                      </p:stCondLst>
+                      <p:childTnLst>
+                        <p:par>
+                          <p:cTn id="19" fill="hold">
+                            <p:stCondLst>
+                              <p:cond delay="0"/>
+                            </p:stCondLst>
+                            <p:childTnLst>
+                              <p:par>
+                                <p:cTn id="20" presetID="22" presetClass="entr" presetSubtype="8" fill="hold" nodeType="clickEffect">
+                                  <p:stCondLst>
+                                    <p:cond delay="0"/>
+                                  </p:stCondLst>
+                                  <p:childTnLst>
+                                    <p:set>
+                                      <p:cBhvr>
+                                        <p:cTn id="21" dur="1" fill="hold">
+                                          <p:stCondLst>
+                                            <p:cond delay="0"/>
+                                          </p:stCondLst>
+                                        </p:cTn>
+                                        <p:tgtEl>
+                                          <p:spTgt spid="4">
+                                            <p:txEl>
+                                              <p:pRg st="6" end="6"/>
+                                            </p:txEl>
+                                          </p:spTgt>
+                                        </p:tgtEl>
+                                        <p:attrNameLst>
+                                          <p:attrName>style.visibility</p:attrName>
+                                        </p:attrNameLst>
+                                      </p:cBhvr>
+                                      <p:to>
+                                        <p:strVal val="visible"/>
+                                      </p:to>
+                                    </p:set>
+                                    <p:animEffect transition="in" filter="wipe(left)">
+                                      <p:cBhvr>
+                                        <p:cTn id="22" dur="500"/>
+                                        <p:tgtEl>
+                                          <p:spTgt spid="4">
+                                            <p:txEl>
+                                              <p:pRg st="6" end="6"/>
+                                            </p:txEl>
+                                          </p:spTgt>
+                                        </p:tgtEl>
+                                      </p:cBhvr>
+                                    </p:animEffect>
+                                  </p:childTnLst>
+                                </p:cTn>
+                              </p:par>
+                            </p:childTnLst>
+                          </p:cTn>
+                        </p:par>
+                      </p:childTnLst>
+                    </p:cTn>
+                  </p:par>
+                </p:childTnLst>
+              </p:cTn>
+              <p:prevCondLst>
+                <p:cond evt="onPrev" delay="0">
+                  <p:tgtEl>
+                    <p:sldTgt/>
+                  </p:tgtEl>
+                </p:cond>
+              </p:prevCondLst>
+              <p:nextCondLst>
+                <p:cond evt="onNext" delay="0">
+                  <p:tgtEl>
+                    <p:sldTgt/>
+                  </p:tgtEl>
+                </p:cond>
+              </p:nextCondLst>
+            </p:seq>
+          </p:childTnLst>
+        </p:cTn>
+      </p:par>
+    </p:tnLst>
+  </p:timing>
 </p:sld>
 </file>
 
@@ -7363,15 +12749,10 @@
             <a:spLocks noGrp="1"/>
           </p:cNvSpPr>
           <p:nvPr>
-            <p:ph type="ctrTitle"/>
+            <p:ph type="title"/>
           </p:nvPr>
         </p:nvSpPr>
-        <p:spPr>
-          <a:xfrm>
-            <a:off x="425138" y="555042"/>
-            <a:ext cx="11173303" cy="744890"/>
-          </a:xfrm>
-        </p:spPr>
+        <p:spPr/>
         <p:txBody>
           <a:bodyPr>
             <a:normAutofit/>
@@ -7381,61 +12762,1847 @@
             <a:pPr algn="l"/>
             <a:r>
               <a:rPr kumimoji="1" lang="en-US" altLang="ja-JP" sz="4400" dirty="0"/>
-              <a:t>DNN (Deep Neural Network)</a:t>
+              <a:t>NN (</a:t>
+            </a:r>
+            <a:r>
+              <a:rPr kumimoji="1" lang="ja-JP" altLang="en-US" sz="4400" dirty="0"/>
+              <a:t>ニューラルネットワーク</a:t>
+            </a:r>
+            <a:r>
+              <a:rPr kumimoji="1" lang="en-US" altLang="ja-JP" sz="4400" dirty="0"/>
+              <a:t>)</a:t>
             </a:r>
             <a:r>
               <a:rPr kumimoji="1" lang="ja-JP" altLang="en-US" sz="4400" dirty="0"/>
               <a:t>について</a:t>
+            </a:r>
+          </a:p>
+        </p:txBody>
+      </p:sp>
+      <mc:AlternateContent xmlns:mc="http://schemas.openxmlformats.org/markup-compatibility/2006" xmlns:a14="http://schemas.microsoft.com/office/drawing/2010/main">
+        <mc:Choice Requires="a14">
+          <p:sp>
+            <p:nvSpPr>
+              <p:cNvPr id="7" name="フローチャート: 結合子 6">
+                <a:extLst>
+                  <a:ext uri="{FF2B5EF4-FFF2-40B4-BE49-F238E27FC236}">
+                    <a16:creationId xmlns:a16="http://schemas.microsoft.com/office/drawing/2014/main" id="{E6DC03F3-2F98-472D-93F0-F76FC7DA0A5A}"/>
+                  </a:ext>
+                </a:extLst>
+              </p:cNvPr>
+              <p:cNvSpPr/>
+              <p:nvPr/>
+            </p:nvSpPr>
+            <p:spPr>
+              <a:xfrm>
+                <a:off x="919689" y="5127037"/>
+                <a:ext cx="834372" cy="834372"/>
+              </a:xfrm>
+              <a:prstGeom prst="flowChartConnector">
+                <a:avLst/>
+              </a:prstGeom>
+            </p:spPr>
+            <p:style>
+              <a:lnRef idx="2">
+                <a:schemeClr val="accent2">
+                  <a:shade val="50000"/>
+                </a:schemeClr>
+              </a:lnRef>
+              <a:fillRef idx="1">
+                <a:schemeClr val="accent2"/>
+              </a:fillRef>
+              <a:effectRef idx="0">
+                <a:schemeClr val="accent2"/>
+              </a:effectRef>
+              <a:fontRef idx="minor">
+                <a:schemeClr val="lt1"/>
+              </a:fontRef>
+            </p:style>
+            <p:txBody>
+              <a:bodyPr rtlCol="0" anchor="ctr"/>
+              <a:lstStyle/>
+              <a:p>
+                <a:pPr algn="ctr"/>
+                <a14:m>
+                  <m:oMathPara xmlns:m="http://schemas.openxmlformats.org/officeDocument/2006/math">
+                    <m:oMathParaPr>
+                      <m:jc m:val="centerGroup"/>
+                    </m:oMathParaPr>
+                    <m:oMath xmlns:m="http://schemas.openxmlformats.org/officeDocument/2006/math">
+                      <m:sSub>
+                        <m:sSubPr>
+                          <m:ctrlPr>
+                            <a:rPr lang="en-US" altLang="ja-JP" sz="3200" i="1" smtClean="0">
+                              <a:latin typeface="Cambria Math" panose="02040503050406030204" pitchFamily="18" charset="0"/>
+                            </a:rPr>
+                          </m:ctrlPr>
+                        </m:sSubPr>
+                        <m:e>
+                          <m:r>
+                            <a:rPr lang="en-US" altLang="ja-JP" sz="3200" i="1">
+                              <a:latin typeface="Cambria Math" panose="02040503050406030204" pitchFamily="18" charset="0"/>
+                            </a:rPr>
+                            <m:t>  </m:t>
+                          </m:r>
+                          <m:r>
+                            <a:rPr lang="en-US" altLang="ja-JP" sz="3200" i="1">
+                              <a:latin typeface="Cambria Math" panose="02040503050406030204" pitchFamily="18" charset="0"/>
+                            </a:rPr>
+                            <m:t>𝑥</m:t>
+                          </m:r>
+                        </m:e>
+                        <m:sub>
+                          <m:r>
+                            <a:rPr lang="en-US" altLang="ja-JP" sz="3200" b="0" i="1" smtClean="0">
+                              <a:latin typeface="Cambria Math" panose="02040503050406030204" pitchFamily="18" charset="0"/>
+                            </a:rPr>
+                            <m:t>3</m:t>
+                          </m:r>
+                        </m:sub>
+                      </m:sSub>
+                    </m:oMath>
+                  </m:oMathPara>
+                </a14:m>
+                <a:endParaRPr kumimoji="1" lang="ja-JP" altLang="en-US" sz="3200" dirty="0"/>
+              </a:p>
+            </p:txBody>
+          </p:sp>
+        </mc:Choice>
+        <mc:Fallback xmlns="">
+          <p:sp>
+            <p:nvSpPr>
+              <p:cNvPr id="7" name="フローチャート: 結合子 6">
+                <a:extLst>
+                  <a:ext uri="{FF2B5EF4-FFF2-40B4-BE49-F238E27FC236}">
+                    <a16:creationId xmlns:a16="http://schemas.microsoft.com/office/drawing/2014/main" id="{E6DC03F3-2F98-472D-93F0-F76FC7DA0A5A}"/>
+                  </a:ext>
+                </a:extLst>
+              </p:cNvPr>
+              <p:cNvSpPr>
+                <a:spLocks noRot="1" noChangeAspect="1" noMove="1" noResize="1" noEditPoints="1" noAdjustHandles="1" noChangeArrowheads="1" noChangeShapeType="1" noTextEdit="1"/>
+              </p:cNvSpPr>
+              <p:nvPr/>
+            </p:nvSpPr>
+            <p:spPr>
+              <a:xfrm>
+                <a:off x="919689" y="5127037"/>
+                <a:ext cx="834372" cy="834372"/>
+              </a:xfrm>
+              <a:prstGeom prst="flowChartConnector">
+                <a:avLst/>
+              </a:prstGeom>
+              <a:blipFill>
+                <a:blip r:embed="rId2"/>
+                <a:stretch>
+                  <a:fillRect/>
+                </a:stretch>
+              </a:blipFill>
+            </p:spPr>
+            <p:txBody>
+              <a:bodyPr/>
+              <a:lstStyle/>
+              <a:p>
+                <a:r>
+                  <a:rPr lang="ja-JP" altLang="en-US">
+                    <a:noFill/>
+                  </a:rPr>
+                  <a:t> </a:t>
+                </a:r>
+              </a:p>
+            </p:txBody>
+          </p:sp>
+        </mc:Fallback>
+      </mc:AlternateContent>
+      <mc:AlternateContent xmlns:mc="http://schemas.openxmlformats.org/markup-compatibility/2006" xmlns:a14="http://schemas.microsoft.com/office/drawing/2010/main">
+        <mc:Choice Requires="a14">
+          <p:sp>
+            <p:nvSpPr>
+              <p:cNvPr id="6" name="フローチャート: 結合子 5">
+                <a:extLst>
+                  <a:ext uri="{FF2B5EF4-FFF2-40B4-BE49-F238E27FC236}">
+                    <a16:creationId xmlns:a16="http://schemas.microsoft.com/office/drawing/2014/main" id="{14F8A6A2-875F-4F59-8ED2-0AD23EBE9B21}"/>
+                  </a:ext>
+                </a:extLst>
+              </p:cNvPr>
+              <p:cNvSpPr/>
+              <p:nvPr/>
+            </p:nvSpPr>
+            <p:spPr>
+              <a:xfrm>
+                <a:off x="954689" y="2663332"/>
+                <a:ext cx="799371" cy="799371"/>
+              </a:xfrm>
+              <a:prstGeom prst="flowChartConnector">
+                <a:avLst/>
+              </a:prstGeom>
+            </p:spPr>
+            <p:style>
+              <a:lnRef idx="2">
+                <a:schemeClr val="accent2">
+                  <a:shade val="50000"/>
+                </a:schemeClr>
+              </a:lnRef>
+              <a:fillRef idx="1">
+                <a:schemeClr val="accent2"/>
+              </a:fillRef>
+              <a:effectRef idx="0">
+                <a:schemeClr val="accent2"/>
+              </a:effectRef>
+              <a:fontRef idx="minor">
+                <a:schemeClr val="lt1"/>
+              </a:fontRef>
+            </p:style>
+            <p:txBody>
+              <a:bodyPr rtlCol="0" anchor="ctr"/>
+              <a:lstStyle/>
+              <a:p>
+                <a:pPr algn="ctr"/>
+                <a14:m>
+                  <m:oMathPara xmlns:m="http://schemas.openxmlformats.org/officeDocument/2006/math">
+                    <m:oMathParaPr>
+                      <m:jc m:val="center"/>
+                    </m:oMathParaPr>
+                    <m:oMath xmlns:m="http://schemas.openxmlformats.org/officeDocument/2006/math">
+                      <m:sSub>
+                        <m:sSubPr>
+                          <m:ctrlPr>
+                            <a:rPr kumimoji="1" lang="en-US" altLang="ja-JP" sz="3200" i="1" smtClean="0">
+                              <a:latin typeface="Cambria Math" panose="02040503050406030204" pitchFamily="18" charset="0"/>
+                            </a:rPr>
+                          </m:ctrlPr>
+                        </m:sSubPr>
+                        <m:e>
+                          <m:r>
+                            <a:rPr kumimoji="1" lang="en-US" altLang="ja-JP" sz="3200" b="0" i="1" smtClean="0">
+                              <a:latin typeface="Cambria Math" panose="02040503050406030204" pitchFamily="18" charset="0"/>
+                            </a:rPr>
+                            <m:t>  </m:t>
+                          </m:r>
+                          <m:r>
+                            <a:rPr kumimoji="1" lang="en-US" altLang="ja-JP" sz="3200" i="1" smtClean="0">
+                              <a:latin typeface="Cambria Math" panose="02040503050406030204" pitchFamily="18" charset="0"/>
+                            </a:rPr>
+                            <m:t>𝑥</m:t>
+                          </m:r>
+                        </m:e>
+                        <m:sub>
+                          <m:r>
+                            <a:rPr kumimoji="1" lang="en-US" altLang="ja-JP" sz="3200" b="0" i="1" smtClean="0">
+                              <a:latin typeface="Cambria Math" panose="02040503050406030204" pitchFamily="18" charset="0"/>
+                            </a:rPr>
+                            <m:t>1</m:t>
+                          </m:r>
+                        </m:sub>
+                      </m:sSub>
+                    </m:oMath>
+                  </m:oMathPara>
+                </a14:m>
+                <a:endParaRPr kumimoji="1" lang="ja-JP" altLang="en-US" sz="3200" dirty="0"/>
+              </a:p>
+            </p:txBody>
+          </p:sp>
+        </mc:Choice>
+        <mc:Fallback xmlns="">
+          <p:sp>
+            <p:nvSpPr>
+              <p:cNvPr id="6" name="フローチャート: 結合子 5">
+                <a:extLst>
+                  <a:ext uri="{FF2B5EF4-FFF2-40B4-BE49-F238E27FC236}">
+                    <a16:creationId xmlns:a16="http://schemas.microsoft.com/office/drawing/2014/main" id="{14F8A6A2-875F-4F59-8ED2-0AD23EBE9B21}"/>
+                  </a:ext>
+                </a:extLst>
+              </p:cNvPr>
+              <p:cNvSpPr>
+                <a:spLocks noRot="1" noChangeAspect="1" noMove="1" noResize="1" noEditPoints="1" noAdjustHandles="1" noChangeArrowheads="1" noChangeShapeType="1" noTextEdit="1"/>
+              </p:cNvSpPr>
+              <p:nvPr/>
+            </p:nvSpPr>
+            <p:spPr>
+              <a:xfrm>
+                <a:off x="954689" y="2663332"/>
+                <a:ext cx="799371" cy="799371"/>
+              </a:xfrm>
+              <a:prstGeom prst="flowChartConnector">
+                <a:avLst/>
+              </a:prstGeom>
+              <a:blipFill>
+                <a:blip r:embed="rId3"/>
+                <a:stretch>
+                  <a:fillRect/>
+                </a:stretch>
+              </a:blipFill>
+            </p:spPr>
+            <p:txBody>
+              <a:bodyPr/>
+              <a:lstStyle/>
+              <a:p>
+                <a:r>
+                  <a:rPr lang="ja-JP" altLang="en-US">
+                    <a:noFill/>
+                  </a:rPr>
+                  <a:t> </a:t>
+                </a:r>
+              </a:p>
+            </p:txBody>
+          </p:sp>
+        </mc:Fallback>
+      </mc:AlternateContent>
+      <mc:AlternateContent xmlns:mc="http://schemas.openxmlformats.org/markup-compatibility/2006" xmlns:a14="http://schemas.microsoft.com/office/drawing/2010/main">
+        <mc:Choice Requires="a14">
+          <p:sp>
+            <p:nvSpPr>
+              <p:cNvPr id="8" name="フローチャート: 結合子 7">
+                <a:extLst>
+                  <a:ext uri="{FF2B5EF4-FFF2-40B4-BE49-F238E27FC236}">
+                    <a16:creationId xmlns:a16="http://schemas.microsoft.com/office/drawing/2014/main" id="{0427AAAC-2C7A-4DFC-A4FF-9EBDDE836DA1}"/>
+                  </a:ext>
+                </a:extLst>
+              </p:cNvPr>
+              <p:cNvSpPr/>
+              <p:nvPr/>
+            </p:nvSpPr>
+            <p:spPr>
+              <a:xfrm>
+                <a:off x="954690" y="3878333"/>
+                <a:ext cx="799371" cy="799371"/>
+              </a:xfrm>
+              <a:prstGeom prst="flowChartConnector">
+                <a:avLst/>
+              </a:prstGeom>
+            </p:spPr>
+            <p:style>
+              <a:lnRef idx="2">
+                <a:schemeClr val="accent2">
+                  <a:shade val="50000"/>
+                </a:schemeClr>
+              </a:lnRef>
+              <a:fillRef idx="1">
+                <a:schemeClr val="accent2"/>
+              </a:fillRef>
+              <a:effectRef idx="0">
+                <a:schemeClr val="accent2"/>
+              </a:effectRef>
+              <a:fontRef idx="minor">
+                <a:schemeClr val="lt1"/>
+              </a:fontRef>
+            </p:style>
+            <p:txBody>
+              <a:bodyPr rtlCol="0" anchor="ctr"/>
+              <a:lstStyle/>
+              <a:p>
+                <a:pPr algn="ctr"/>
+                <a14:m>
+                  <m:oMathPara xmlns:m="http://schemas.openxmlformats.org/officeDocument/2006/math">
+                    <m:oMathParaPr>
+                      <m:jc m:val="centerGroup"/>
+                    </m:oMathParaPr>
+                    <m:oMath xmlns:m="http://schemas.openxmlformats.org/officeDocument/2006/math">
+                      <m:sSub>
+                        <m:sSubPr>
+                          <m:ctrlPr>
+                            <a:rPr lang="en-US" altLang="ja-JP" sz="3200" i="1" smtClean="0">
+                              <a:latin typeface="Cambria Math" panose="02040503050406030204" pitchFamily="18" charset="0"/>
+                            </a:rPr>
+                          </m:ctrlPr>
+                        </m:sSubPr>
+                        <m:e>
+                          <m:r>
+                            <a:rPr lang="en-US" altLang="ja-JP" sz="3200" i="1">
+                              <a:latin typeface="Cambria Math" panose="02040503050406030204" pitchFamily="18" charset="0"/>
+                            </a:rPr>
+                            <m:t>  </m:t>
+                          </m:r>
+                          <m:r>
+                            <a:rPr lang="en-US" altLang="ja-JP" sz="3200" i="1">
+                              <a:latin typeface="Cambria Math" panose="02040503050406030204" pitchFamily="18" charset="0"/>
+                            </a:rPr>
+                            <m:t>𝑥</m:t>
+                          </m:r>
+                        </m:e>
+                        <m:sub>
+                          <m:r>
+                            <a:rPr lang="en-US" altLang="ja-JP" sz="3200" b="0" i="1" smtClean="0">
+                              <a:latin typeface="Cambria Math" panose="02040503050406030204" pitchFamily="18" charset="0"/>
+                            </a:rPr>
+                            <m:t>2</m:t>
+                          </m:r>
+                        </m:sub>
+                      </m:sSub>
+                    </m:oMath>
+                  </m:oMathPara>
+                </a14:m>
+                <a:endParaRPr lang="en-US" altLang="ja-JP" sz="3200" dirty="0"/>
+              </a:p>
+            </p:txBody>
+          </p:sp>
+        </mc:Choice>
+        <mc:Fallback xmlns="">
+          <p:sp>
+            <p:nvSpPr>
+              <p:cNvPr id="8" name="フローチャート: 結合子 7">
+                <a:extLst>
+                  <a:ext uri="{FF2B5EF4-FFF2-40B4-BE49-F238E27FC236}">
+                    <a16:creationId xmlns:a16="http://schemas.microsoft.com/office/drawing/2014/main" id="{0427AAAC-2C7A-4DFC-A4FF-9EBDDE836DA1}"/>
+                  </a:ext>
+                </a:extLst>
+              </p:cNvPr>
+              <p:cNvSpPr>
+                <a:spLocks noRot="1" noChangeAspect="1" noMove="1" noResize="1" noEditPoints="1" noAdjustHandles="1" noChangeArrowheads="1" noChangeShapeType="1" noTextEdit="1"/>
+              </p:cNvSpPr>
+              <p:nvPr/>
+            </p:nvSpPr>
+            <p:spPr>
+              <a:xfrm>
+                <a:off x="954690" y="3878333"/>
+                <a:ext cx="799371" cy="799371"/>
+              </a:xfrm>
+              <a:prstGeom prst="flowChartConnector">
+                <a:avLst/>
+              </a:prstGeom>
+              <a:blipFill>
+                <a:blip r:embed="rId4"/>
+                <a:stretch>
+                  <a:fillRect/>
+                </a:stretch>
+              </a:blipFill>
+            </p:spPr>
+            <p:txBody>
+              <a:bodyPr/>
+              <a:lstStyle/>
+              <a:p>
+                <a:r>
+                  <a:rPr lang="ja-JP" altLang="en-US">
+                    <a:noFill/>
+                  </a:rPr>
+                  <a:t> </a:t>
+                </a:r>
+              </a:p>
+            </p:txBody>
+          </p:sp>
+        </mc:Fallback>
+      </mc:AlternateContent>
+      <mc:AlternateContent xmlns:mc="http://schemas.openxmlformats.org/markup-compatibility/2006" xmlns:a14="http://schemas.microsoft.com/office/drawing/2010/main">
+        <mc:Choice Requires="a14">
+          <p:sp>
+            <p:nvSpPr>
+              <p:cNvPr id="9" name="フローチャート: 結合子 8">
+                <a:extLst>
+                  <a:ext uri="{FF2B5EF4-FFF2-40B4-BE49-F238E27FC236}">
+                    <a16:creationId xmlns:a16="http://schemas.microsoft.com/office/drawing/2014/main" id="{363FBB00-4238-495F-AD3A-B2C41B0E7164}"/>
+                  </a:ext>
+                </a:extLst>
+              </p:cNvPr>
+              <p:cNvSpPr/>
+              <p:nvPr/>
+            </p:nvSpPr>
+            <p:spPr>
+              <a:xfrm>
+                <a:off x="3737643" y="5144537"/>
+                <a:ext cx="799371" cy="799371"/>
+              </a:xfrm>
+              <a:prstGeom prst="flowChartConnector">
+                <a:avLst/>
+              </a:prstGeom>
+            </p:spPr>
+            <p:style>
+              <a:lnRef idx="2">
+                <a:schemeClr val="accent1">
+                  <a:shade val="50000"/>
+                </a:schemeClr>
+              </a:lnRef>
+              <a:fillRef idx="1">
+                <a:schemeClr val="accent1"/>
+              </a:fillRef>
+              <a:effectRef idx="0">
+                <a:schemeClr val="accent1"/>
+              </a:effectRef>
+              <a:fontRef idx="minor">
+                <a:schemeClr val="lt1"/>
+              </a:fontRef>
+            </p:style>
+            <p:txBody>
+              <a:bodyPr rtlCol="0" anchor="ctr"/>
+              <a:lstStyle/>
+              <a:p>
+                <a:pPr algn="ctr"/>
+                <a14:m>
+                  <m:oMathPara xmlns:m="http://schemas.openxmlformats.org/officeDocument/2006/math">
+                    <m:oMathParaPr>
+                      <m:jc m:val="centerGroup"/>
+                    </m:oMathParaPr>
+                    <m:oMath xmlns:m="http://schemas.openxmlformats.org/officeDocument/2006/math">
+                      <m:sSub>
+                        <m:sSubPr>
+                          <m:ctrlPr>
+                            <a:rPr lang="en-US" altLang="ja-JP" sz="3200" i="1" smtClean="0">
+                              <a:latin typeface="Cambria Math" panose="02040503050406030204" pitchFamily="18" charset="0"/>
+                            </a:rPr>
+                          </m:ctrlPr>
+                        </m:sSubPr>
+                        <m:e>
+                          <m:r>
+                            <a:rPr lang="en-US" altLang="ja-JP" sz="3200" i="1">
+                              <a:latin typeface="Cambria Math" panose="02040503050406030204" pitchFamily="18" charset="0"/>
+                            </a:rPr>
+                            <m:t>  </m:t>
+                          </m:r>
+                          <m:r>
+                            <a:rPr lang="en-US" altLang="ja-JP" sz="3200" i="1">
+                              <a:latin typeface="Cambria Math" panose="02040503050406030204" pitchFamily="18" charset="0"/>
+                            </a:rPr>
+                            <m:t>h</m:t>
+                          </m:r>
+                        </m:e>
+                        <m:sub>
+                          <m:r>
+                            <a:rPr lang="en-US" altLang="ja-JP" sz="3200" b="0" i="1" smtClean="0">
+                              <a:latin typeface="Cambria Math" panose="02040503050406030204" pitchFamily="18" charset="0"/>
+                            </a:rPr>
+                            <m:t>3</m:t>
+                          </m:r>
+                        </m:sub>
+                      </m:sSub>
+                    </m:oMath>
+                  </m:oMathPara>
+                </a14:m>
+                <a:endParaRPr kumimoji="1" lang="ja-JP" altLang="en-US" sz="3200" dirty="0"/>
+              </a:p>
+            </p:txBody>
+          </p:sp>
+        </mc:Choice>
+        <mc:Fallback xmlns="">
+          <p:sp>
+            <p:nvSpPr>
+              <p:cNvPr id="9" name="フローチャート: 結合子 8">
+                <a:extLst>
+                  <a:ext uri="{FF2B5EF4-FFF2-40B4-BE49-F238E27FC236}">
+                    <a16:creationId xmlns:a16="http://schemas.microsoft.com/office/drawing/2014/main" id="{363FBB00-4238-495F-AD3A-B2C41B0E7164}"/>
+                  </a:ext>
+                </a:extLst>
+              </p:cNvPr>
+              <p:cNvSpPr>
+                <a:spLocks noRot="1" noChangeAspect="1" noMove="1" noResize="1" noEditPoints="1" noAdjustHandles="1" noChangeArrowheads="1" noChangeShapeType="1" noTextEdit="1"/>
+              </p:cNvSpPr>
+              <p:nvPr/>
+            </p:nvSpPr>
+            <p:spPr>
+              <a:xfrm>
+                <a:off x="3737643" y="5144537"/>
+                <a:ext cx="799371" cy="799371"/>
+              </a:xfrm>
+              <a:prstGeom prst="flowChartConnector">
+                <a:avLst/>
+              </a:prstGeom>
+              <a:blipFill>
+                <a:blip r:embed="rId5"/>
+                <a:stretch>
+                  <a:fillRect/>
+                </a:stretch>
+              </a:blipFill>
+            </p:spPr>
+            <p:txBody>
+              <a:bodyPr/>
+              <a:lstStyle/>
+              <a:p>
+                <a:r>
+                  <a:rPr lang="ja-JP" altLang="en-US">
+                    <a:noFill/>
+                  </a:rPr>
+                  <a:t> </a:t>
+                </a:r>
+              </a:p>
+            </p:txBody>
+          </p:sp>
+        </mc:Fallback>
+      </mc:AlternateContent>
+      <mc:AlternateContent xmlns:mc="http://schemas.openxmlformats.org/markup-compatibility/2006" xmlns:a14="http://schemas.microsoft.com/office/drawing/2010/main">
+        <mc:Choice Requires="a14">
+          <p:sp>
+            <p:nvSpPr>
+              <p:cNvPr id="10" name="フローチャート: 結合子 9">
+                <a:extLst>
+                  <a:ext uri="{FF2B5EF4-FFF2-40B4-BE49-F238E27FC236}">
+                    <a16:creationId xmlns:a16="http://schemas.microsoft.com/office/drawing/2014/main" id="{8D7C06F8-5069-4FFE-932B-11AE729C444F}"/>
+                  </a:ext>
+                </a:extLst>
+              </p:cNvPr>
+              <p:cNvSpPr/>
+              <p:nvPr/>
+            </p:nvSpPr>
+            <p:spPr>
+              <a:xfrm>
+                <a:off x="3737642" y="3878333"/>
+                <a:ext cx="799371" cy="799371"/>
+              </a:xfrm>
+              <a:prstGeom prst="flowChartConnector">
+                <a:avLst/>
+              </a:prstGeom>
+            </p:spPr>
+            <p:style>
+              <a:lnRef idx="2">
+                <a:schemeClr val="accent1">
+                  <a:shade val="50000"/>
+                </a:schemeClr>
+              </a:lnRef>
+              <a:fillRef idx="1">
+                <a:schemeClr val="accent1"/>
+              </a:fillRef>
+              <a:effectRef idx="0">
+                <a:schemeClr val="accent1"/>
+              </a:effectRef>
+              <a:fontRef idx="minor">
+                <a:schemeClr val="lt1"/>
+              </a:fontRef>
+            </p:style>
+            <p:txBody>
+              <a:bodyPr rtlCol="0" anchor="ctr"/>
+              <a:lstStyle/>
+              <a:p>
+                <a:pPr algn="ctr"/>
+                <a14:m>
+                  <m:oMathPara xmlns:m="http://schemas.openxmlformats.org/officeDocument/2006/math">
+                    <m:oMathParaPr>
+                      <m:jc m:val="centerGroup"/>
+                    </m:oMathParaPr>
+                    <m:oMath xmlns:m="http://schemas.openxmlformats.org/officeDocument/2006/math">
+                      <m:sSub>
+                        <m:sSubPr>
+                          <m:ctrlPr>
+                            <a:rPr lang="en-US" altLang="ja-JP" sz="3200" i="1" smtClean="0">
+                              <a:latin typeface="Cambria Math" panose="02040503050406030204" pitchFamily="18" charset="0"/>
+                            </a:rPr>
+                          </m:ctrlPr>
+                        </m:sSubPr>
+                        <m:e>
+                          <m:r>
+                            <a:rPr lang="en-US" altLang="ja-JP" sz="3200" i="1" smtClean="0">
+                              <a:latin typeface="Cambria Math" panose="02040503050406030204" pitchFamily="18" charset="0"/>
+                            </a:rPr>
+                            <m:t>  </m:t>
+                          </m:r>
+                          <m:r>
+                            <a:rPr lang="en-US" altLang="ja-JP" sz="3200" b="0" i="1" smtClean="0">
+                              <a:latin typeface="Cambria Math" panose="02040503050406030204" pitchFamily="18" charset="0"/>
+                            </a:rPr>
+                            <m:t>h</m:t>
+                          </m:r>
+                        </m:e>
+                        <m:sub>
+                          <m:r>
+                            <a:rPr lang="en-US" altLang="ja-JP" sz="3200" b="0" i="1" smtClean="0">
+                              <a:latin typeface="Cambria Math" panose="02040503050406030204" pitchFamily="18" charset="0"/>
+                            </a:rPr>
+                            <m:t>2</m:t>
+                          </m:r>
+                        </m:sub>
+                      </m:sSub>
+                    </m:oMath>
+                  </m:oMathPara>
+                </a14:m>
+                <a:endParaRPr kumimoji="1" lang="ja-JP" altLang="en-US" sz="3200" dirty="0"/>
+              </a:p>
+            </p:txBody>
+          </p:sp>
+        </mc:Choice>
+        <mc:Fallback xmlns="">
+          <p:sp>
+            <p:nvSpPr>
+              <p:cNvPr id="10" name="フローチャート: 結合子 9">
+                <a:extLst>
+                  <a:ext uri="{FF2B5EF4-FFF2-40B4-BE49-F238E27FC236}">
+                    <a16:creationId xmlns:a16="http://schemas.microsoft.com/office/drawing/2014/main" id="{8D7C06F8-5069-4FFE-932B-11AE729C444F}"/>
+                  </a:ext>
+                </a:extLst>
+              </p:cNvPr>
+              <p:cNvSpPr>
+                <a:spLocks noRot="1" noChangeAspect="1" noMove="1" noResize="1" noEditPoints="1" noAdjustHandles="1" noChangeArrowheads="1" noChangeShapeType="1" noTextEdit="1"/>
+              </p:cNvSpPr>
+              <p:nvPr/>
+            </p:nvSpPr>
+            <p:spPr>
+              <a:xfrm>
+                <a:off x="3737642" y="3878333"/>
+                <a:ext cx="799371" cy="799371"/>
+              </a:xfrm>
+              <a:prstGeom prst="flowChartConnector">
+                <a:avLst/>
+              </a:prstGeom>
+              <a:blipFill>
+                <a:blip r:embed="rId6"/>
+                <a:stretch>
+                  <a:fillRect/>
+                </a:stretch>
+              </a:blipFill>
+            </p:spPr>
+            <p:txBody>
+              <a:bodyPr/>
+              <a:lstStyle/>
+              <a:p>
+                <a:r>
+                  <a:rPr lang="ja-JP" altLang="en-US">
+                    <a:noFill/>
+                  </a:rPr>
+                  <a:t> </a:t>
+                </a:r>
+              </a:p>
+            </p:txBody>
+          </p:sp>
+        </mc:Fallback>
+      </mc:AlternateContent>
+      <mc:AlternateContent xmlns:mc="http://schemas.openxmlformats.org/markup-compatibility/2006" xmlns:a14="http://schemas.microsoft.com/office/drawing/2010/main">
+        <mc:Choice Requires="a14">
+          <p:sp>
+            <p:nvSpPr>
+              <p:cNvPr id="11" name="フローチャート: 結合子 10">
+                <a:extLst>
+                  <a:ext uri="{FF2B5EF4-FFF2-40B4-BE49-F238E27FC236}">
+                    <a16:creationId xmlns:a16="http://schemas.microsoft.com/office/drawing/2014/main" id="{E9F39EC9-9E86-410C-9ED3-F83E2AF8B14F}"/>
+                  </a:ext>
+                </a:extLst>
+              </p:cNvPr>
+              <p:cNvSpPr/>
+              <p:nvPr/>
+            </p:nvSpPr>
+            <p:spPr>
+              <a:xfrm>
+                <a:off x="3737642" y="2629629"/>
+                <a:ext cx="799371" cy="799371"/>
+              </a:xfrm>
+              <a:prstGeom prst="flowChartConnector">
+                <a:avLst/>
+              </a:prstGeom>
+            </p:spPr>
+            <p:style>
+              <a:lnRef idx="2">
+                <a:schemeClr val="accent1">
+                  <a:shade val="50000"/>
+                </a:schemeClr>
+              </a:lnRef>
+              <a:fillRef idx="1">
+                <a:schemeClr val="accent1"/>
+              </a:fillRef>
+              <a:effectRef idx="0">
+                <a:schemeClr val="accent1"/>
+              </a:effectRef>
+              <a:fontRef idx="minor">
+                <a:schemeClr val="lt1"/>
+              </a:fontRef>
+            </p:style>
+            <p:txBody>
+              <a:bodyPr rtlCol="0" anchor="ctr"/>
+              <a:lstStyle/>
+              <a:p>
+                <a:pPr algn="ctr"/>
+                <a14:m>
+                  <m:oMathPara xmlns:m="http://schemas.openxmlformats.org/officeDocument/2006/math">
+                    <m:oMathParaPr>
+                      <m:jc m:val="centerGroup"/>
+                    </m:oMathParaPr>
+                    <m:oMath xmlns:m="http://schemas.openxmlformats.org/officeDocument/2006/math">
+                      <m:sSub>
+                        <m:sSubPr>
+                          <m:ctrlPr>
+                            <a:rPr kumimoji="1" lang="en-US" altLang="ja-JP" sz="3200" i="1" smtClean="0">
+                              <a:latin typeface="Cambria Math" panose="02040503050406030204" pitchFamily="18" charset="0"/>
+                            </a:rPr>
+                          </m:ctrlPr>
+                        </m:sSubPr>
+                        <m:e>
+                          <m:r>
+                            <a:rPr kumimoji="1" lang="en-US" altLang="ja-JP" sz="3200" b="0" i="1" smtClean="0">
+                              <a:latin typeface="Cambria Math" panose="02040503050406030204" pitchFamily="18" charset="0"/>
+                            </a:rPr>
+                            <m:t>  </m:t>
+                          </m:r>
+                          <m:r>
+                            <a:rPr kumimoji="1" lang="en-US" altLang="ja-JP" sz="3200" b="0" i="1" smtClean="0">
+                              <a:latin typeface="Cambria Math" panose="02040503050406030204" pitchFamily="18" charset="0"/>
+                            </a:rPr>
+                            <m:t>h</m:t>
+                          </m:r>
+                        </m:e>
+                        <m:sub>
+                          <m:r>
+                            <a:rPr kumimoji="1" lang="en-US" altLang="ja-JP" sz="3200" b="0" i="1" smtClean="0">
+                              <a:latin typeface="Cambria Math" panose="02040503050406030204" pitchFamily="18" charset="0"/>
+                            </a:rPr>
+                            <m:t>1</m:t>
+                          </m:r>
+                        </m:sub>
+                      </m:sSub>
+                    </m:oMath>
+                  </m:oMathPara>
+                </a14:m>
+                <a:endParaRPr kumimoji="1" lang="ja-JP" altLang="en-US" sz="3200" dirty="0"/>
+              </a:p>
+            </p:txBody>
+          </p:sp>
+        </mc:Choice>
+        <mc:Fallback xmlns="">
+          <p:sp>
+            <p:nvSpPr>
+              <p:cNvPr id="11" name="フローチャート: 結合子 10">
+                <a:extLst>
+                  <a:ext uri="{FF2B5EF4-FFF2-40B4-BE49-F238E27FC236}">
+                    <a16:creationId xmlns:a16="http://schemas.microsoft.com/office/drawing/2014/main" id="{E9F39EC9-9E86-410C-9ED3-F83E2AF8B14F}"/>
+                  </a:ext>
+                </a:extLst>
+              </p:cNvPr>
+              <p:cNvSpPr>
+                <a:spLocks noRot="1" noChangeAspect="1" noMove="1" noResize="1" noEditPoints="1" noAdjustHandles="1" noChangeArrowheads="1" noChangeShapeType="1" noTextEdit="1"/>
+              </p:cNvSpPr>
+              <p:nvPr/>
+            </p:nvSpPr>
+            <p:spPr>
+              <a:xfrm>
+                <a:off x="3737642" y="2629629"/>
+                <a:ext cx="799371" cy="799371"/>
+              </a:xfrm>
+              <a:prstGeom prst="flowChartConnector">
+                <a:avLst/>
+              </a:prstGeom>
+              <a:blipFill>
+                <a:blip r:embed="rId7"/>
+                <a:stretch>
+                  <a:fillRect/>
+                </a:stretch>
+              </a:blipFill>
+            </p:spPr>
+            <p:txBody>
+              <a:bodyPr/>
+              <a:lstStyle/>
+              <a:p>
+                <a:r>
+                  <a:rPr lang="ja-JP" altLang="en-US">
+                    <a:noFill/>
+                  </a:rPr>
+                  <a:t> </a:t>
+                </a:r>
+              </a:p>
+            </p:txBody>
+          </p:sp>
+        </mc:Fallback>
+      </mc:AlternateContent>
+      <mc:AlternateContent xmlns:mc="http://schemas.openxmlformats.org/markup-compatibility/2006" xmlns:a14="http://schemas.microsoft.com/office/drawing/2010/main">
+        <mc:Choice Requires="a14">
+          <p:sp>
+            <p:nvSpPr>
+              <p:cNvPr id="12" name="フローチャート: 結合子 11">
+                <a:extLst>
+                  <a:ext uri="{FF2B5EF4-FFF2-40B4-BE49-F238E27FC236}">
+                    <a16:creationId xmlns:a16="http://schemas.microsoft.com/office/drawing/2014/main" id="{17C2985C-181A-4E14-A890-FF0773895A05}"/>
+                  </a:ext>
+                </a:extLst>
+              </p:cNvPr>
+              <p:cNvSpPr/>
+              <p:nvPr/>
+            </p:nvSpPr>
+            <p:spPr>
+              <a:xfrm>
+                <a:off x="6425708" y="4553647"/>
+                <a:ext cx="799371" cy="799371"/>
+              </a:xfrm>
+              <a:prstGeom prst="flowChartConnector">
+                <a:avLst/>
+              </a:prstGeom>
+            </p:spPr>
+            <p:style>
+              <a:lnRef idx="2">
+                <a:schemeClr val="accent6">
+                  <a:shade val="50000"/>
+                </a:schemeClr>
+              </a:lnRef>
+              <a:fillRef idx="1">
+                <a:schemeClr val="accent6"/>
+              </a:fillRef>
+              <a:effectRef idx="0">
+                <a:schemeClr val="accent6"/>
+              </a:effectRef>
+              <a:fontRef idx="minor">
+                <a:schemeClr val="lt1"/>
+              </a:fontRef>
+            </p:style>
+            <p:txBody>
+              <a:bodyPr rtlCol="0" anchor="ctr"/>
+              <a:lstStyle/>
+              <a:p>
+                <a:pPr algn="ctr"/>
+                <a14:m>
+                  <m:oMathPara xmlns:m="http://schemas.openxmlformats.org/officeDocument/2006/math">
+                    <m:oMathParaPr>
+                      <m:jc m:val="centerGroup"/>
+                    </m:oMathParaPr>
+                    <m:oMath xmlns:m="http://schemas.openxmlformats.org/officeDocument/2006/math">
+                      <m:sSub>
+                        <m:sSubPr>
+                          <m:ctrlPr>
+                            <a:rPr lang="en-US" altLang="ja-JP" sz="3200" i="1" smtClean="0">
+                              <a:latin typeface="Cambria Math" panose="02040503050406030204" pitchFamily="18" charset="0"/>
+                            </a:rPr>
+                          </m:ctrlPr>
+                        </m:sSubPr>
+                        <m:e>
+                          <m:r>
+                            <a:rPr lang="en-US" altLang="ja-JP" sz="3200" b="0" i="1" smtClean="0">
+                              <a:latin typeface="Cambria Math" panose="02040503050406030204" pitchFamily="18" charset="0"/>
+                            </a:rPr>
+                            <m:t>  </m:t>
+                          </m:r>
+                          <m:r>
+                            <a:rPr lang="en-US" altLang="ja-JP" sz="3200" i="1">
+                              <a:latin typeface="Cambria Math" panose="02040503050406030204" pitchFamily="18" charset="0"/>
+                            </a:rPr>
+                            <m:t>𝑦</m:t>
+                          </m:r>
+                        </m:e>
+                        <m:sub>
+                          <m:r>
+                            <a:rPr lang="en-US" altLang="ja-JP" sz="3200" b="0" i="1" smtClean="0">
+                              <a:latin typeface="Cambria Math" panose="02040503050406030204" pitchFamily="18" charset="0"/>
+                            </a:rPr>
+                            <m:t>2</m:t>
+                          </m:r>
+                        </m:sub>
+                      </m:sSub>
+                    </m:oMath>
+                  </m:oMathPara>
+                </a14:m>
+                <a:endParaRPr kumimoji="1" lang="ja-JP" altLang="en-US" sz="3200" dirty="0"/>
+              </a:p>
+            </p:txBody>
+          </p:sp>
+        </mc:Choice>
+        <mc:Fallback xmlns="">
+          <p:sp>
+            <p:nvSpPr>
+              <p:cNvPr id="12" name="フローチャート: 結合子 11">
+                <a:extLst>
+                  <a:ext uri="{FF2B5EF4-FFF2-40B4-BE49-F238E27FC236}">
+                    <a16:creationId xmlns:a16="http://schemas.microsoft.com/office/drawing/2014/main" id="{17C2985C-181A-4E14-A890-FF0773895A05}"/>
+                  </a:ext>
+                </a:extLst>
+              </p:cNvPr>
+              <p:cNvSpPr>
+                <a:spLocks noRot="1" noChangeAspect="1" noMove="1" noResize="1" noEditPoints="1" noAdjustHandles="1" noChangeArrowheads="1" noChangeShapeType="1" noTextEdit="1"/>
+              </p:cNvSpPr>
+              <p:nvPr/>
+            </p:nvSpPr>
+            <p:spPr>
+              <a:xfrm>
+                <a:off x="6425708" y="4553647"/>
+                <a:ext cx="799371" cy="799371"/>
+              </a:xfrm>
+              <a:prstGeom prst="flowChartConnector">
+                <a:avLst/>
+              </a:prstGeom>
+              <a:blipFill>
+                <a:blip r:embed="rId8"/>
+                <a:stretch>
+                  <a:fillRect/>
+                </a:stretch>
+              </a:blipFill>
+            </p:spPr>
+            <p:txBody>
+              <a:bodyPr/>
+              <a:lstStyle/>
+              <a:p>
+                <a:r>
+                  <a:rPr lang="ja-JP" altLang="en-US">
+                    <a:noFill/>
+                  </a:rPr>
+                  <a:t> </a:t>
+                </a:r>
+              </a:p>
+            </p:txBody>
+          </p:sp>
+        </mc:Fallback>
+      </mc:AlternateContent>
+      <mc:AlternateContent xmlns:mc="http://schemas.openxmlformats.org/markup-compatibility/2006" xmlns:a14="http://schemas.microsoft.com/office/drawing/2010/main">
+        <mc:Choice Requires="a14">
+          <p:sp>
+            <p:nvSpPr>
+              <p:cNvPr id="13" name="フローチャート: 結合子 12">
+                <a:extLst>
+                  <a:ext uri="{FF2B5EF4-FFF2-40B4-BE49-F238E27FC236}">
+                    <a16:creationId xmlns:a16="http://schemas.microsoft.com/office/drawing/2014/main" id="{1CC8D857-EBE5-4C61-849E-670E97A3A1D6}"/>
+                  </a:ext>
+                </a:extLst>
+              </p:cNvPr>
+              <p:cNvSpPr/>
+              <p:nvPr/>
+            </p:nvSpPr>
+            <p:spPr>
+              <a:xfrm>
+                <a:off x="6425708" y="3078962"/>
+                <a:ext cx="799371" cy="799371"/>
+              </a:xfrm>
+              <a:prstGeom prst="flowChartConnector">
+                <a:avLst/>
+              </a:prstGeom>
+            </p:spPr>
+            <p:style>
+              <a:lnRef idx="2">
+                <a:schemeClr val="accent6">
+                  <a:shade val="50000"/>
+                </a:schemeClr>
+              </a:lnRef>
+              <a:fillRef idx="1">
+                <a:schemeClr val="accent6"/>
+              </a:fillRef>
+              <a:effectRef idx="0">
+                <a:schemeClr val="accent6"/>
+              </a:effectRef>
+              <a:fontRef idx="minor">
+                <a:schemeClr val="lt1"/>
+              </a:fontRef>
+            </p:style>
+            <p:txBody>
+              <a:bodyPr rtlCol="0" anchor="ctr"/>
+              <a:lstStyle/>
+              <a:p>
+                <a:pPr algn="ctr"/>
+                <a14:m>
+                  <m:oMathPara xmlns:m="http://schemas.openxmlformats.org/officeDocument/2006/math">
+                    <m:oMathParaPr>
+                      <m:jc m:val="centerGroup"/>
+                    </m:oMathParaPr>
+                    <m:oMath xmlns:m="http://schemas.openxmlformats.org/officeDocument/2006/math">
+                      <m:r>
+                        <a:rPr kumimoji="1" lang="en-US" altLang="ja-JP" sz="3200" b="0" i="1" smtClean="0">
+                          <a:latin typeface="Cambria Math" panose="02040503050406030204" pitchFamily="18" charset="0"/>
+                        </a:rPr>
+                        <m:t>  </m:t>
+                      </m:r>
+                      <m:sSub>
+                        <m:sSubPr>
+                          <m:ctrlPr>
+                            <a:rPr kumimoji="1" lang="en-US" altLang="ja-JP" sz="3200" i="1" smtClean="0">
+                              <a:latin typeface="Cambria Math" panose="02040503050406030204" pitchFamily="18" charset="0"/>
+                            </a:rPr>
+                          </m:ctrlPr>
+                        </m:sSubPr>
+                        <m:e>
+                          <m:r>
+                            <a:rPr kumimoji="1" lang="en-US" altLang="ja-JP" sz="3200" b="0" i="1" smtClean="0">
+                              <a:latin typeface="Cambria Math" panose="02040503050406030204" pitchFamily="18" charset="0"/>
+                            </a:rPr>
+                            <m:t>𝑦</m:t>
+                          </m:r>
+                        </m:e>
+                        <m:sub>
+                          <m:r>
+                            <a:rPr kumimoji="1" lang="en-US" altLang="ja-JP" sz="3200" b="0" i="1" smtClean="0">
+                              <a:latin typeface="Cambria Math" panose="02040503050406030204" pitchFamily="18" charset="0"/>
+                            </a:rPr>
+                            <m:t>1</m:t>
+                          </m:r>
+                        </m:sub>
+                      </m:sSub>
+                    </m:oMath>
+                  </m:oMathPara>
+                </a14:m>
+                <a:endParaRPr kumimoji="1" lang="ja-JP" altLang="en-US" sz="3200" dirty="0"/>
+              </a:p>
+            </p:txBody>
+          </p:sp>
+        </mc:Choice>
+        <mc:Fallback xmlns="">
+          <p:sp>
+            <p:nvSpPr>
+              <p:cNvPr id="13" name="フローチャート: 結合子 12">
+                <a:extLst>
+                  <a:ext uri="{FF2B5EF4-FFF2-40B4-BE49-F238E27FC236}">
+                    <a16:creationId xmlns:a16="http://schemas.microsoft.com/office/drawing/2014/main" id="{1CC8D857-EBE5-4C61-849E-670E97A3A1D6}"/>
+                  </a:ext>
+                </a:extLst>
+              </p:cNvPr>
+              <p:cNvSpPr>
+                <a:spLocks noRot="1" noChangeAspect="1" noMove="1" noResize="1" noEditPoints="1" noAdjustHandles="1" noChangeArrowheads="1" noChangeShapeType="1" noTextEdit="1"/>
+              </p:cNvSpPr>
+              <p:nvPr/>
+            </p:nvSpPr>
+            <p:spPr>
+              <a:xfrm>
+                <a:off x="6425708" y="3078962"/>
+                <a:ext cx="799371" cy="799371"/>
+              </a:xfrm>
+              <a:prstGeom prst="flowChartConnector">
+                <a:avLst/>
+              </a:prstGeom>
+              <a:blipFill>
+                <a:blip r:embed="rId9"/>
+                <a:stretch>
+                  <a:fillRect/>
+                </a:stretch>
+              </a:blipFill>
+            </p:spPr>
+            <p:txBody>
+              <a:bodyPr/>
+              <a:lstStyle/>
+              <a:p>
+                <a:r>
+                  <a:rPr lang="ja-JP" altLang="en-US">
+                    <a:noFill/>
+                  </a:rPr>
+                  <a:t> </a:t>
+                </a:r>
+              </a:p>
+            </p:txBody>
+          </p:sp>
+        </mc:Fallback>
+      </mc:AlternateContent>
+      <p:cxnSp>
+        <p:nvCxnSpPr>
+          <p:cNvPr id="5" name="直線矢印コネクタ 4">
+            <a:extLst>
+              <a:ext uri="{FF2B5EF4-FFF2-40B4-BE49-F238E27FC236}">
+                <a16:creationId xmlns:a16="http://schemas.microsoft.com/office/drawing/2014/main" id="{D78E09C4-3E8A-4065-9DBC-9C3EB2F4601E}"/>
+              </a:ext>
+            </a:extLst>
+          </p:cNvPr>
+          <p:cNvCxnSpPr>
+            <a:cxnSpLocks/>
+            <a:stCxn id="6" idx="6"/>
+          </p:cNvCxnSpPr>
+          <p:nvPr/>
+        </p:nvCxnSpPr>
+        <p:spPr>
+          <a:xfrm flipV="1">
+            <a:off x="1754060" y="3032583"/>
+            <a:ext cx="1791245" cy="30435"/>
+          </a:xfrm>
+          <a:prstGeom prst="straightConnector1">
+            <a:avLst/>
+          </a:prstGeom>
+          <a:ln>
+            <a:tailEnd type="triangle"/>
+          </a:ln>
+        </p:spPr>
+        <p:style>
+          <a:lnRef idx="1">
+            <a:schemeClr val="accent1"/>
+          </a:lnRef>
+          <a:fillRef idx="0">
+            <a:schemeClr val="accent1"/>
+          </a:fillRef>
+          <a:effectRef idx="0">
+            <a:schemeClr val="accent1"/>
+          </a:effectRef>
+          <a:fontRef idx="minor">
+            <a:schemeClr val="tx1"/>
+          </a:fontRef>
+        </p:style>
+      </p:cxnSp>
+      <p:cxnSp>
+        <p:nvCxnSpPr>
+          <p:cNvPr id="18" name="直線矢印コネクタ 17">
+            <a:extLst>
+              <a:ext uri="{FF2B5EF4-FFF2-40B4-BE49-F238E27FC236}">
+                <a16:creationId xmlns:a16="http://schemas.microsoft.com/office/drawing/2014/main" id="{EA61DD1B-DD92-4996-8110-6B50AF97415C}"/>
+              </a:ext>
+            </a:extLst>
+          </p:cNvPr>
+          <p:cNvCxnSpPr>
+            <a:cxnSpLocks/>
+            <a:stCxn id="8" idx="6"/>
+          </p:cNvCxnSpPr>
+          <p:nvPr/>
+        </p:nvCxnSpPr>
+        <p:spPr>
+          <a:xfrm flipV="1">
+            <a:off x="1754061" y="3150395"/>
+            <a:ext cx="1791244" cy="1127624"/>
+          </a:xfrm>
+          <a:prstGeom prst="straightConnector1">
+            <a:avLst/>
+          </a:prstGeom>
+          <a:ln>
+            <a:tailEnd type="triangle"/>
+          </a:ln>
+        </p:spPr>
+        <p:style>
+          <a:lnRef idx="1">
+            <a:schemeClr val="accent1"/>
+          </a:lnRef>
+          <a:fillRef idx="0">
+            <a:schemeClr val="accent1"/>
+          </a:fillRef>
+          <a:effectRef idx="0">
+            <a:schemeClr val="accent1"/>
+          </a:effectRef>
+          <a:fontRef idx="minor">
+            <a:schemeClr val="tx1"/>
+          </a:fontRef>
+        </p:style>
+      </p:cxnSp>
+      <p:cxnSp>
+        <p:nvCxnSpPr>
+          <p:cNvPr id="20" name="直線矢印コネクタ 19">
+            <a:extLst>
+              <a:ext uri="{FF2B5EF4-FFF2-40B4-BE49-F238E27FC236}">
+                <a16:creationId xmlns:a16="http://schemas.microsoft.com/office/drawing/2014/main" id="{8C718C7E-A9B7-419D-B49C-58DE367E6978}"/>
+              </a:ext>
+            </a:extLst>
+          </p:cNvPr>
+          <p:cNvCxnSpPr>
+            <a:cxnSpLocks/>
+          </p:cNvCxnSpPr>
+          <p:nvPr/>
+        </p:nvCxnSpPr>
+        <p:spPr>
+          <a:xfrm>
+            <a:off x="1754060" y="3078962"/>
+            <a:ext cx="1838387" cy="1111287"/>
+          </a:xfrm>
+          <a:prstGeom prst="straightConnector1">
+            <a:avLst/>
+          </a:prstGeom>
+          <a:ln>
+            <a:tailEnd type="triangle"/>
+          </a:ln>
+        </p:spPr>
+        <p:style>
+          <a:lnRef idx="1">
+            <a:schemeClr val="accent1"/>
+          </a:lnRef>
+          <a:fillRef idx="0">
+            <a:schemeClr val="accent1"/>
+          </a:fillRef>
+          <a:effectRef idx="0">
+            <a:schemeClr val="accent1"/>
+          </a:effectRef>
+          <a:fontRef idx="minor">
+            <a:schemeClr val="tx1"/>
+          </a:fontRef>
+        </p:style>
+      </p:cxnSp>
+      <p:cxnSp>
+        <p:nvCxnSpPr>
+          <p:cNvPr id="24" name="直線矢印コネクタ 23">
+            <a:extLst>
+              <a:ext uri="{FF2B5EF4-FFF2-40B4-BE49-F238E27FC236}">
+                <a16:creationId xmlns:a16="http://schemas.microsoft.com/office/drawing/2014/main" id="{BAAEA62D-C3E3-46B1-86D4-94183D14FF7F}"/>
+              </a:ext>
+            </a:extLst>
+          </p:cNvPr>
+          <p:cNvCxnSpPr>
+            <a:cxnSpLocks/>
+          </p:cNvCxnSpPr>
+          <p:nvPr/>
+        </p:nvCxnSpPr>
+        <p:spPr>
+          <a:xfrm>
+            <a:off x="1754060" y="3078962"/>
+            <a:ext cx="1829737" cy="2274056"/>
+          </a:xfrm>
+          <a:prstGeom prst="straightConnector1">
+            <a:avLst/>
+          </a:prstGeom>
+          <a:ln>
+            <a:tailEnd type="triangle"/>
+          </a:ln>
+        </p:spPr>
+        <p:style>
+          <a:lnRef idx="1">
+            <a:schemeClr val="accent1"/>
+          </a:lnRef>
+          <a:fillRef idx="0">
+            <a:schemeClr val="accent1"/>
+          </a:fillRef>
+          <a:effectRef idx="0">
+            <a:schemeClr val="accent1"/>
+          </a:effectRef>
+          <a:fontRef idx="minor">
+            <a:schemeClr val="tx1"/>
+          </a:fontRef>
+        </p:style>
+      </p:cxnSp>
+      <p:cxnSp>
+        <p:nvCxnSpPr>
+          <p:cNvPr id="26" name="直線矢印コネクタ 25">
+            <a:extLst>
+              <a:ext uri="{FF2B5EF4-FFF2-40B4-BE49-F238E27FC236}">
+                <a16:creationId xmlns:a16="http://schemas.microsoft.com/office/drawing/2014/main" id="{BBBA3DA9-9592-47EA-A3A4-41C2A53C46AD}"/>
+              </a:ext>
+            </a:extLst>
+          </p:cNvPr>
+          <p:cNvCxnSpPr>
+            <a:cxnSpLocks/>
+            <a:stCxn id="8" idx="6"/>
+          </p:cNvCxnSpPr>
+          <p:nvPr/>
+        </p:nvCxnSpPr>
+        <p:spPr>
+          <a:xfrm>
+            <a:off x="1754061" y="4278019"/>
+            <a:ext cx="1791163" cy="0"/>
+          </a:xfrm>
+          <a:prstGeom prst="straightConnector1">
+            <a:avLst/>
+          </a:prstGeom>
+          <a:ln>
+            <a:tailEnd type="triangle"/>
+          </a:ln>
+        </p:spPr>
+        <p:style>
+          <a:lnRef idx="1">
+            <a:schemeClr val="accent1"/>
+          </a:lnRef>
+          <a:fillRef idx="0">
+            <a:schemeClr val="accent1"/>
+          </a:fillRef>
+          <a:effectRef idx="0">
+            <a:schemeClr val="accent1"/>
+          </a:effectRef>
+          <a:fontRef idx="minor">
+            <a:schemeClr val="tx1"/>
+          </a:fontRef>
+        </p:style>
+      </p:cxnSp>
+      <p:cxnSp>
+        <p:nvCxnSpPr>
+          <p:cNvPr id="28" name="直線矢印コネクタ 27">
+            <a:extLst>
+              <a:ext uri="{FF2B5EF4-FFF2-40B4-BE49-F238E27FC236}">
+                <a16:creationId xmlns:a16="http://schemas.microsoft.com/office/drawing/2014/main" id="{008EA6C4-6026-44AB-A373-5D1ED680C0B9}"/>
+              </a:ext>
+            </a:extLst>
+          </p:cNvPr>
+          <p:cNvCxnSpPr>
+            <a:cxnSpLocks/>
+            <a:stCxn id="8" idx="6"/>
+          </p:cNvCxnSpPr>
+          <p:nvPr/>
+        </p:nvCxnSpPr>
+        <p:spPr>
+          <a:xfrm>
+            <a:off x="1754061" y="4278019"/>
+            <a:ext cx="1865311" cy="1190707"/>
+          </a:xfrm>
+          <a:prstGeom prst="straightConnector1">
+            <a:avLst/>
+          </a:prstGeom>
+          <a:ln>
+            <a:tailEnd type="triangle"/>
+          </a:ln>
+        </p:spPr>
+        <p:style>
+          <a:lnRef idx="1">
+            <a:schemeClr val="accent1"/>
+          </a:lnRef>
+          <a:fillRef idx="0">
+            <a:schemeClr val="accent1"/>
+          </a:fillRef>
+          <a:effectRef idx="0">
+            <a:schemeClr val="accent1"/>
+          </a:effectRef>
+          <a:fontRef idx="minor">
+            <a:schemeClr val="tx1"/>
+          </a:fontRef>
+        </p:style>
+      </p:cxnSp>
+      <p:cxnSp>
+        <p:nvCxnSpPr>
+          <p:cNvPr id="30" name="直線矢印コネクタ 29">
+            <a:extLst>
+              <a:ext uri="{FF2B5EF4-FFF2-40B4-BE49-F238E27FC236}">
+                <a16:creationId xmlns:a16="http://schemas.microsoft.com/office/drawing/2014/main" id="{271B008F-DD67-4C0C-AA56-F75120A028D7}"/>
+              </a:ext>
+            </a:extLst>
+          </p:cNvPr>
+          <p:cNvCxnSpPr>
+            <a:cxnSpLocks/>
+            <a:stCxn id="7" idx="6"/>
+          </p:cNvCxnSpPr>
+          <p:nvPr/>
+        </p:nvCxnSpPr>
+        <p:spPr>
+          <a:xfrm flipV="1">
+            <a:off x="1754061" y="3273275"/>
+            <a:ext cx="1791163" cy="2270948"/>
+          </a:xfrm>
+          <a:prstGeom prst="straightConnector1">
+            <a:avLst/>
+          </a:prstGeom>
+          <a:ln>
+            <a:tailEnd type="triangle"/>
+          </a:ln>
+        </p:spPr>
+        <p:style>
+          <a:lnRef idx="1">
+            <a:schemeClr val="accent1"/>
+          </a:lnRef>
+          <a:fillRef idx="0">
+            <a:schemeClr val="accent1"/>
+          </a:fillRef>
+          <a:effectRef idx="0">
+            <a:schemeClr val="accent1"/>
+          </a:effectRef>
+          <a:fontRef idx="minor">
+            <a:schemeClr val="tx1"/>
+          </a:fontRef>
+        </p:style>
+      </p:cxnSp>
+      <p:cxnSp>
+        <p:nvCxnSpPr>
+          <p:cNvPr id="32" name="直線矢印コネクタ 31">
+            <a:extLst>
+              <a:ext uri="{FF2B5EF4-FFF2-40B4-BE49-F238E27FC236}">
+                <a16:creationId xmlns:a16="http://schemas.microsoft.com/office/drawing/2014/main" id="{67FF3037-5EED-41E3-913C-9250F939E5B9}"/>
+              </a:ext>
+            </a:extLst>
+          </p:cNvPr>
+          <p:cNvCxnSpPr>
+            <a:cxnSpLocks/>
+            <a:stCxn id="7" idx="6"/>
+          </p:cNvCxnSpPr>
+          <p:nvPr/>
+        </p:nvCxnSpPr>
+        <p:spPr>
+          <a:xfrm flipV="1">
+            <a:off x="1754061" y="4370703"/>
+            <a:ext cx="1838386" cy="1173520"/>
+          </a:xfrm>
+          <a:prstGeom prst="straightConnector1">
+            <a:avLst/>
+          </a:prstGeom>
+          <a:ln>
+            <a:tailEnd type="triangle"/>
+          </a:ln>
+        </p:spPr>
+        <p:style>
+          <a:lnRef idx="1">
+            <a:schemeClr val="accent1"/>
+          </a:lnRef>
+          <a:fillRef idx="0">
+            <a:schemeClr val="accent1"/>
+          </a:fillRef>
+          <a:effectRef idx="0">
+            <a:schemeClr val="accent1"/>
+          </a:effectRef>
+          <a:fontRef idx="minor">
+            <a:schemeClr val="tx1"/>
+          </a:fontRef>
+        </p:style>
+      </p:cxnSp>
+      <p:cxnSp>
+        <p:nvCxnSpPr>
+          <p:cNvPr id="42" name="直線矢印コネクタ 41">
+            <a:extLst>
+              <a:ext uri="{FF2B5EF4-FFF2-40B4-BE49-F238E27FC236}">
+                <a16:creationId xmlns:a16="http://schemas.microsoft.com/office/drawing/2014/main" id="{EE0B4038-50FB-4F69-A9DD-5180617EB0BA}"/>
+              </a:ext>
+            </a:extLst>
+          </p:cNvPr>
+          <p:cNvCxnSpPr>
+            <a:stCxn id="7" idx="6"/>
+          </p:cNvCxnSpPr>
+          <p:nvPr/>
+        </p:nvCxnSpPr>
+        <p:spPr>
+          <a:xfrm flipV="1">
+            <a:off x="1754061" y="5544222"/>
+            <a:ext cx="1865311" cy="1"/>
+          </a:xfrm>
+          <a:prstGeom prst="straightConnector1">
+            <a:avLst/>
+          </a:prstGeom>
+          <a:ln>
+            <a:tailEnd type="triangle"/>
+          </a:ln>
+        </p:spPr>
+        <p:style>
+          <a:lnRef idx="1">
+            <a:schemeClr val="accent1"/>
+          </a:lnRef>
+          <a:fillRef idx="0">
+            <a:schemeClr val="accent1"/>
+          </a:fillRef>
+          <a:effectRef idx="0">
+            <a:schemeClr val="accent1"/>
+          </a:effectRef>
+          <a:fontRef idx="minor">
+            <a:schemeClr val="tx1"/>
+          </a:fontRef>
+        </p:style>
+      </p:cxnSp>
+      <p:cxnSp>
+        <p:nvCxnSpPr>
+          <p:cNvPr id="45" name="直線矢印コネクタ 44">
+            <a:extLst>
+              <a:ext uri="{FF2B5EF4-FFF2-40B4-BE49-F238E27FC236}">
+                <a16:creationId xmlns:a16="http://schemas.microsoft.com/office/drawing/2014/main" id="{7F17B3CF-21A6-433D-9B5E-AF6C1BFB1C28}"/>
+              </a:ext>
+            </a:extLst>
+          </p:cNvPr>
+          <p:cNvCxnSpPr>
+            <a:cxnSpLocks/>
+          </p:cNvCxnSpPr>
+          <p:nvPr/>
+        </p:nvCxnSpPr>
+        <p:spPr>
+          <a:xfrm>
+            <a:off x="4537013" y="3029314"/>
+            <a:ext cx="1750871" cy="416545"/>
+          </a:xfrm>
+          <a:prstGeom prst="straightConnector1">
+            <a:avLst/>
+          </a:prstGeom>
+          <a:ln>
+            <a:tailEnd type="triangle"/>
+          </a:ln>
+        </p:spPr>
+        <p:style>
+          <a:lnRef idx="1">
+            <a:schemeClr val="accent1"/>
+          </a:lnRef>
+          <a:fillRef idx="0">
+            <a:schemeClr val="accent1"/>
+          </a:fillRef>
+          <a:effectRef idx="0">
+            <a:schemeClr val="accent1"/>
+          </a:effectRef>
+          <a:fontRef idx="minor">
+            <a:schemeClr val="tx1"/>
+          </a:fontRef>
+        </p:style>
+      </p:cxnSp>
+      <p:cxnSp>
+        <p:nvCxnSpPr>
+          <p:cNvPr id="49" name="直線矢印コネクタ 48">
+            <a:extLst>
+              <a:ext uri="{FF2B5EF4-FFF2-40B4-BE49-F238E27FC236}">
+                <a16:creationId xmlns:a16="http://schemas.microsoft.com/office/drawing/2014/main" id="{DC060AAA-9868-404B-95AD-E4A912772715}"/>
+              </a:ext>
+            </a:extLst>
+          </p:cNvPr>
+          <p:cNvCxnSpPr>
+            <a:stCxn id="11" idx="6"/>
+          </p:cNvCxnSpPr>
+          <p:nvPr/>
+        </p:nvCxnSpPr>
+        <p:spPr>
+          <a:xfrm>
+            <a:off x="4537013" y="3029315"/>
+            <a:ext cx="1750871" cy="1844057"/>
+          </a:xfrm>
+          <a:prstGeom prst="straightConnector1">
+            <a:avLst/>
+          </a:prstGeom>
+          <a:ln>
+            <a:tailEnd type="triangle"/>
+          </a:ln>
+        </p:spPr>
+        <p:style>
+          <a:lnRef idx="1">
+            <a:schemeClr val="accent1"/>
+          </a:lnRef>
+          <a:fillRef idx="0">
+            <a:schemeClr val="accent1"/>
+          </a:fillRef>
+          <a:effectRef idx="0">
+            <a:schemeClr val="accent1"/>
+          </a:effectRef>
+          <a:fontRef idx="minor">
+            <a:schemeClr val="tx1"/>
+          </a:fontRef>
+        </p:style>
+      </p:cxnSp>
+      <p:cxnSp>
+        <p:nvCxnSpPr>
+          <p:cNvPr id="51" name="直線矢印コネクタ 50">
+            <a:extLst>
+              <a:ext uri="{FF2B5EF4-FFF2-40B4-BE49-F238E27FC236}">
+                <a16:creationId xmlns:a16="http://schemas.microsoft.com/office/drawing/2014/main" id="{2C81F260-5E9F-465A-A2B3-D54D33DAADB5}"/>
+              </a:ext>
+            </a:extLst>
+          </p:cNvPr>
+          <p:cNvCxnSpPr/>
+          <p:nvPr/>
+        </p:nvCxnSpPr>
+        <p:spPr>
+          <a:xfrm flipV="1">
+            <a:off x="4537013" y="3634605"/>
+            <a:ext cx="1750871" cy="643413"/>
+          </a:xfrm>
+          <a:prstGeom prst="straightConnector1">
+            <a:avLst/>
+          </a:prstGeom>
+          <a:ln>
+            <a:tailEnd type="triangle"/>
+          </a:ln>
+        </p:spPr>
+        <p:style>
+          <a:lnRef idx="1">
+            <a:schemeClr val="accent1"/>
+          </a:lnRef>
+          <a:fillRef idx="0">
+            <a:schemeClr val="accent1"/>
+          </a:fillRef>
+          <a:effectRef idx="0">
+            <a:schemeClr val="accent1"/>
+          </a:effectRef>
+          <a:fontRef idx="minor">
+            <a:schemeClr val="tx1"/>
+          </a:fontRef>
+        </p:style>
+      </p:cxnSp>
+      <p:cxnSp>
+        <p:nvCxnSpPr>
+          <p:cNvPr id="53" name="直線矢印コネクタ 52">
+            <a:extLst>
+              <a:ext uri="{FF2B5EF4-FFF2-40B4-BE49-F238E27FC236}">
+                <a16:creationId xmlns:a16="http://schemas.microsoft.com/office/drawing/2014/main" id="{A6BBC3DC-1610-45F0-99DA-41ACEC887564}"/>
+              </a:ext>
+            </a:extLst>
+          </p:cNvPr>
+          <p:cNvCxnSpPr>
+            <a:cxnSpLocks/>
+            <a:stCxn id="10" idx="6"/>
+          </p:cNvCxnSpPr>
+          <p:nvPr/>
+        </p:nvCxnSpPr>
+        <p:spPr>
+          <a:xfrm>
+            <a:off x="4537013" y="4278019"/>
+            <a:ext cx="1750871" cy="679444"/>
+          </a:xfrm>
+          <a:prstGeom prst="straightConnector1">
+            <a:avLst/>
+          </a:prstGeom>
+          <a:ln>
+            <a:tailEnd type="triangle"/>
+          </a:ln>
+        </p:spPr>
+        <p:style>
+          <a:lnRef idx="1">
+            <a:schemeClr val="accent1"/>
+          </a:lnRef>
+          <a:fillRef idx="0">
+            <a:schemeClr val="accent1"/>
+          </a:fillRef>
+          <a:effectRef idx="0">
+            <a:schemeClr val="accent1"/>
+          </a:effectRef>
+          <a:fontRef idx="minor">
+            <a:schemeClr val="tx1"/>
+          </a:fontRef>
+        </p:style>
+      </p:cxnSp>
+      <p:cxnSp>
+        <p:nvCxnSpPr>
+          <p:cNvPr id="56" name="直線矢印コネクタ 55">
+            <a:extLst>
+              <a:ext uri="{FF2B5EF4-FFF2-40B4-BE49-F238E27FC236}">
+                <a16:creationId xmlns:a16="http://schemas.microsoft.com/office/drawing/2014/main" id="{A53CF5BC-7407-4D6E-A807-D1D96E9A653E}"/>
+              </a:ext>
+            </a:extLst>
+          </p:cNvPr>
+          <p:cNvCxnSpPr>
+            <a:cxnSpLocks/>
+            <a:stCxn id="9" idx="6"/>
+          </p:cNvCxnSpPr>
+          <p:nvPr/>
+        </p:nvCxnSpPr>
+        <p:spPr>
+          <a:xfrm flipV="1">
+            <a:off x="4537014" y="3746509"/>
+            <a:ext cx="1821846" cy="1797714"/>
+          </a:xfrm>
+          <a:prstGeom prst="straightConnector1">
+            <a:avLst/>
+          </a:prstGeom>
+          <a:ln>
+            <a:tailEnd type="triangle"/>
+          </a:ln>
+        </p:spPr>
+        <p:style>
+          <a:lnRef idx="1">
+            <a:schemeClr val="accent1"/>
+          </a:lnRef>
+          <a:fillRef idx="0">
+            <a:schemeClr val="accent1"/>
+          </a:fillRef>
+          <a:effectRef idx="0">
+            <a:schemeClr val="accent1"/>
+          </a:effectRef>
+          <a:fontRef idx="minor">
+            <a:schemeClr val="tx1"/>
+          </a:fontRef>
+        </p:style>
+      </p:cxnSp>
+      <p:cxnSp>
+        <p:nvCxnSpPr>
+          <p:cNvPr id="59" name="直線矢印コネクタ 58">
+            <a:extLst>
+              <a:ext uri="{FF2B5EF4-FFF2-40B4-BE49-F238E27FC236}">
+                <a16:creationId xmlns:a16="http://schemas.microsoft.com/office/drawing/2014/main" id="{45084E31-1E33-4A68-BD4F-4654AEE8FC42}"/>
+              </a:ext>
+            </a:extLst>
+          </p:cNvPr>
+          <p:cNvCxnSpPr>
+            <a:cxnSpLocks/>
+          </p:cNvCxnSpPr>
+          <p:nvPr/>
+        </p:nvCxnSpPr>
+        <p:spPr>
+          <a:xfrm flipV="1">
+            <a:off x="4565797" y="5069367"/>
+            <a:ext cx="1750870" cy="417186"/>
+          </a:xfrm>
+          <a:prstGeom prst="straightConnector1">
+            <a:avLst/>
+          </a:prstGeom>
+          <a:ln>
+            <a:tailEnd type="triangle"/>
+          </a:ln>
+        </p:spPr>
+        <p:style>
+          <a:lnRef idx="1">
+            <a:schemeClr val="accent1"/>
+          </a:lnRef>
+          <a:fillRef idx="0">
+            <a:schemeClr val="accent1"/>
+          </a:fillRef>
+          <a:effectRef idx="0">
+            <a:schemeClr val="accent1"/>
+          </a:effectRef>
+          <a:fontRef idx="minor">
+            <a:schemeClr val="tx1"/>
+          </a:fontRef>
+        </p:style>
+      </p:cxnSp>
+      <p:sp>
+        <p:nvSpPr>
+          <p:cNvPr id="65" name="テキスト ボックス 64">
+            <a:extLst>
+              <a:ext uri="{FF2B5EF4-FFF2-40B4-BE49-F238E27FC236}">
+                <a16:creationId xmlns:a16="http://schemas.microsoft.com/office/drawing/2014/main" id="{7A868B05-6BF3-43F8-930E-9EC260C6AC11}"/>
+              </a:ext>
+            </a:extLst>
+          </p:cNvPr>
+          <p:cNvSpPr txBox="1"/>
+          <p:nvPr/>
+        </p:nvSpPr>
+        <p:spPr>
+          <a:xfrm>
+            <a:off x="838200" y="2086185"/>
+            <a:ext cx="1102895" cy="369332"/>
+          </a:xfrm>
+          <a:prstGeom prst="rect">
+            <a:avLst/>
+          </a:prstGeom>
+          <a:noFill/>
+        </p:spPr>
+        <p:txBody>
+          <a:bodyPr wrap="square" rtlCol="0">
+            <a:spAutoFit/>
+          </a:bodyPr>
+          <a:lstStyle/>
+          <a:p>
+            <a:pPr algn="ctr"/>
+            <a:r>
+              <a:rPr kumimoji="1" lang="ja-JP" altLang="en-US" dirty="0">
+                <a:solidFill>
+                  <a:schemeClr val="accent2"/>
+                </a:solidFill>
+              </a:rPr>
+              <a:t>入力層</a:t>
             </a:r>
           </a:p>
         </p:txBody>
       </p:sp>
       <p:sp>
         <p:nvSpPr>
-          <p:cNvPr id="3" name="字幕 2">
+          <p:cNvPr id="66" name="テキスト ボックス 65">
             <a:extLst>
               <a:ext uri="{FF2B5EF4-FFF2-40B4-BE49-F238E27FC236}">
-                <a16:creationId xmlns:a16="http://schemas.microsoft.com/office/drawing/2014/main" id="{7BE7E29D-D287-41A0-BA39-82F258B16C0C}"/>
+                <a16:creationId xmlns:a16="http://schemas.microsoft.com/office/drawing/2014/main" id="{4AC0C02A-7EF2-4174-B606-7A00AECD85FA}"/>
               </a:ext>
             </a:extLst>
           </p:cNvPr>
-          <p:cNvSpPr>
-            <a:spLocks noGrp="1"/>
-          </p:cNvSpPr>
-          <p:nvPr>
-            <p:ph type="subTitle" idx="1"/>
-          </p:nvPr>
+          <p:cNvSpPr txBox="1"/>
+          <p:nvPr/>
         </p:nvSpPr>
         <p:spPr>
           <a:xfrm>
-            <a:off x="425138" y="1600582"/>
-            <a:ext cx="11341722" cy="4880429"/>
+            <a:off x="3592447" y="2088576"/>
+            <a:ext cx="1102895" cy="369332"/>
           </a:xfrm>
+          <a:prstGeom prst="rect">
+            <a:avLst/>
+          </a:prstGeom>
+          <a:noFill/>
         </p:spPr>
         <p:txBody>
-          <a:bodyPr>
-            <a:normAutofit/>
+          <a:bodyPr wrap="square" rtlCol="0">
+            <a:spAutoFit/>
           </a:bodyPr>
           <a:lstStyle/>
           <a:p>
-            <a:pPr marL="342900" indent="-342900" algn="l">
-              <a:buFont typeface="Arial" panose="020B0604020202020204" pitchFamily="34" charset="0"/>
-              <a:buChar char="•"/>
-            </a:pPr>
-            <a:r>
-              <a:rPr kumimoji="1" lang="ja-JP" altLang="en-US" sz="3200" dirty="0"/>
-              <a:t>ニューラルネットワーク</a:t>
-            </a:r>
-            <a:endParaRPr lang="en-US" altLang="ja-JP" sz="3200" dirty="0"/>
+            <a:pPr algn="ctr"/>
+            <a:r>
+              <a:rPr lang="ja-JP" altLang="en-US" dirty="0">
+                <a:solidFill>
+                  <a:schemeClr val="accent1"/>
+                </a:solidFill>
+              </a:rPr>
+              <a:t>中間層</a:t>
+            </a:r>
+            <a:endParaRPr kumimoji="1" lang="ja-JP" altLang="en-US" dirty="0">
+              <a:solidFill>
+                <a:schemeClr val="accent1"/>
+              </a:solidFill>
+            </a:endParaRPr>
           </a:p>
         </p:txBody>
       </p:sp>
       <p:sp>
         <p:nvSpPr>
-          <p:cNvPr id="6" name="フローチャート: 結合子 5">
+          <p:cNvPr id="67" name="テキスト ボックス 66">
             <a:extLst>
               <a:ext uri="{FF2B5EF4-FFF2-40B4-BE49-F238E27FC236}">
-                <a16:creationId xmlns:a16="http://schemas.microsoft.com/office/drawing/2014/main" id="{14F8A6A2-875F-4F59-8ED2-0AD23EBE9B21}"/>
+                <a16:creationId xmlns:a16="http://schemas.microsoft.com/office/drawing/2014/main" id="{C63E0878-5F64-4060-A09C-1DF2ED9BFD02}"/>
+              </a:ext>
+            </a:extLst>
+          </p:cNvPr>
+          <p:cNvSpPr txBox="1"/>
+          <p:nvPr/>
+        </p:nvSpPr>
+        <p:spPr>
+          <a:xfrm>
+            <a:off x="6287884" y="2099384"/>
+            <a:ext cx="1102895" cy="369332"/>
+          </a:xfrm>
+          <a:prstGeom prst="rect">
+            <a:avLst/>
+          </a:prstGeom>
+          <a:noFill/>
+        </p:spPr>
+        <p:txBody>
+          <a:bodyPr wrap="square" rtlCol="0">
+            <a:spAutoFit/>
+          </a:bodyPr>
+          <a:lstStyle/>
+          <a:p>
+            <a:pPr algn="ctr"/>
+            <a:r>
+              <a:rPr kumimoji="1" lang="ja-JP" altLang="en-US" dirty="0">
+                <a:solidFill>
+                  <a:schemeClr val="accent6"/>
+                </a:solidFill>
+              </a:rPr>
+              <a:t>出力層</a:t>
+            </a:r>
+          </a:p>
+        </p:txBody>
+      </p:sp>
+      <p:sp>
+        <p:nvSpPr>
+          <p:cNvPr id="68" name="吹き出し: 四角形 67">
+            <a:extLst>
+              <a:ext uri="{FF2B5EF4-FFF2-40B4-BE49-F238E27FC236}">
+                <a16:creationId xmlns:a16="http://schemas.microsoft.com/office/drawing/2014/main" id="{7124FD15-3D3E-4FD2-9055-273FD82D3AF5}"/>
               </a:ext>
             </a:extLst>
           </p:cNvPr>
@@ -7444,27 +14611,28 @@
         </p:nvSpPr>
         <p:spPr>
           <a:xfrm>
-            <a:off x="954689" y="2663332"/>
-            <a:ext cx="799371" cy="799371"/>
+            <a:off x="4729350" y="1991338"/>
+            <a:ext cx="1366650" cy="630073"/>
           </a:xfrm>
-          <a:prstGeom prst="flowChartConnector">
-            <a:avLst/>
+          <a:prstGeom prst="wedgeRectCallout">
+            <a:avLst>
+              <a:gd name="adj1" fmla="val -55504"/>
+              <a:gd name="adj2" fmla="val 108607"/>
+            </a:avLst>
           </a:prstGeom>
         </p:spPr>
         <p:style>
           <a:lnRef idx="2">
-            <a:schemeClr val="accent1">
-              <a:shade val="50000"/>
-            </a:schemeClr>
+            <a:schemeClr val="accent1"/>
           </a:lnRef>
           <a:fillRef idx="1">
-            <a:schemeClr val="accent1"/>
+            <a:schemeClr val="lt1"/>
           </a:fillRef>
           <a:effectRef idx="0">
             <a:schemeClr val="accent1"/>
           </a:effectRef>
           <a:fontRef idx="minor">
-            <a:schemeClr val="lt1"/>
+            <a:schemeClr val="dk1"/>
           </a:fontRef>
         </p:style>
         <p:txBody>
@@ -7472,16 +14640,672 @@
           <a:lstStyle/>
           <a:p>
             <a:pPr algn="ctr"/>
-            <a:endParaRPr kumimoji="1" lang="ja-JP" altLang="en-US"/>
+            <a:r>
+              <a:rPr kumimoji="1" lang="ja-JP" altLang="en-US" sz="1200" dirty="0"/>
+              <a:t>活性化関数</a:t>
+            </a:r>
+            <a:endParaRPr kumimoji="1" lang="en-US" altLang="ja-JP" sz="1200" dirty="0"/>
+          </a:p>
+          <a:p>
+            <a:pPr marL="285750" indent="-285750" algn="ctr">
+              <a:buFont typeface="Arial" panose="020B0604020202020204" pitchFamily="34" charset="0"/>
+              <a:buChar char="•"/>
+            </a:pPr>
+            <a:r>
+              <a:rPr lang="en-US" altLang="ja-JP" sz="1200" dirty="0"/>
+              <a:t>Sigmoid, </a:t>
+            </a:r>
+            <a:r>
+              <a:rPr lang="en-US" altLang="ja-JP" sz="1200" dirty="0" err="1"/>
+              <a:t>ReLu</a:t>
+            </a:r>
+            <a:r>
+              <a:rPr lang="en-US" altLang="ja-JP" sz="1200" dirty="0"/>
+              <a:t> </a:t>
+            </a:r>
+            <a:r>
+              <a:rPr lang="ja-JP" altLang="en-US" sz="1200" dirty="0"/>
+              <a:t>など</a:t>
+            </a:r>
+            <a:endParaRPr kumimoji="1" lang="ja-JP" altLang="en-US" sz="1200" dirty="0"/>
           </a:p>
         </p:txBody>
       </p:sp>
+      <mc:AlternateContent xmlns:mc="http://schemas.openxmlformats.org/markup-compatibility/2006" xmlns:a14="http://schemas.microsoft.com/office/drawing/2010/main">
+        <mc:Choice Requires="a14">
+          <p:sp>
+            <p:nvSpPr>
+              <p:cNvPr id="70" name="テキスト ボックス 69">
+                <a:extLst>
+                  <a:ext uri="{FF2B5EF4-FFF2-40B4-BE49-F238E27FC236}">
+                    <a16:creationId xmlns:a16="http://schemas.microsoft.com/office/drawing/2014/main" id="{14FE4C18-AA01-45D0-8392-38A4F4801200}"/>
+                  </a:ext>
+                </a:extLst>
+              </p:cNvPr>
+              <p:cNvSpPr txBox="1"/>
+              <p:nvPr/>
+            </p:nvSpPr>
+            <p:spPr>
+              <a:xfrm>
+                <a:off x="1756752" y="2736345"/>
+                <a:ext cx="368685" cy="338554"/>
+              </a:xfrm>
+              <a:prstGeom prst="rect">
+                <a:avLst/>
+              </a:prstGeom>
+              <a:noFill/>
+            </p:spPr>
+            <p:txBody>
+              <a:bodyPr wrap="square" rtlCol="0">
+                <a:spAutoFit/>
+              </a:bodyPr>
+              <a:lstStyle/>
+              <a:p>
+                <a:pPr/>
+                <a14:m>
+                  <m:oMathPara xmlns:m="http://schemas.openxmlformats.org/officeDocument/2006/math">
+                    <m:oMathParaPr>
+                      <m:jc m:val="centerGroup"/>
+                    </m:oMathParaPr>
+                    <m:oMath xmlns:m="http://schemas.openxmlformats.org/officeDocument/2006/math">
+                      <m:sSub>
+                        <m:sSubPr>
+                          <m:ctrlPr>
+                            <a:rPr kumimoji="1" lang="en-US" altLang="ja-JP" sz="1600" b="1" i="1" smtClean="0">
+                              <a:solidFill>
+                                <a:srgbClr val="FF0000"/>
+                              </a:solidFill>
+                              <a:latin typeface="Cambria Math" panose="02040503050406030204" pitchFamily="18" charset="0"/>
+                            </a:rPr>
+                          </m:ctrlPr>
+                        </m:sSubPr>
+                        <m:e>
+                          <m:r>
+                            <a:rPr kumimoji="1" lang="en-US" altLang="ja-JP" sz="1600" b="1" i="1" smtClean="0">
+                              <a:solidFill>
+                                <a:srgbClr val="FF0000"/>
+                              </a:solidFill>
+                              <a:latin typeface="Cambria Math" panose="02040503050406030204" pitchFamily="18" charset="0"/>
+                            </a:rPr>
+                            <m:t>𝒘</m:t>
+                          </m:r>
+                        </m:e>
+                        <m:sub>
+                          <m:r>
+                            <a:rPr kumimoji="1" lang="en-US" altLang="ja-JP" sz="1600" b="1" i="1" smtClean="0">
+                              <a:solidFill>
+                                <a:srgbClr val="FF0000"/>
+                              </a:solidFill>
+                              <a:latin typeface="Cambria Math" panose="02040503050406030204" pitchFamily="18" charset="0"/>
+                            </a:rPr>
+                            <m:t>𝟏𝟏</m:t>
+                          </m:r>
+                        </m:sub>
+                      </m:sSub>
+                    </m:oMath>
+                  </m:oMathPara>
+                </a14:m>
+                <a:endParaRPr kumimoji="1" lang="ja-JP" altLang="en-US" sz="1600" b="1" dirty="0">
+                  <a:solidFill>
+                    <a:srgbClr val="FF0000"/>
+                  </a:solidFill>
+                </a:endParaRPr>
+              </a:p>
+            </p:txBody>
+          </p:sp>
+        </mc:Choice>
+        <mc:Fallback xmlns="">
+          <p:sp>
+            <p:nvSpPr>
+              <p:cNvPr id="70" name="テキスト ボックス 69">
+                <a:extLst>
+                  <a:ext uri="{FF2B5EF4-FFF2-40B4-BE49-F238E27FC236}">
+                    <a16:creationId xmlns:a16="http://schemas.microsoft.com/office/drawing/2014/main" id="{14FE4C18-AA01-45D0-8392-38A4F4801200}"/>
+                  </a:ext>
+                </a:extLst>
+              </p:cNvPr>
+              <p:cNvSpPr txBox="1">
+                <a:spLocks noRot="1" noChangeAspect="1" noMove="1" noResize="1" noEditPoints="1" noAdjustHandles="1" noChangeArrowheads="1" noChangeShapeType="1" noTextEdit="1"/>
+              </p:cNvSpPr>
+              <p:nvPr/>
+            </p:nvSpPr>
+            <p:spPr>
+              <a:xfrm>
+                <a:off x="1756752" y="2736345"/>
+                <a:ext cx="368685" cy="338554"/>
+              </a:xfrm>
+              <a:prstGeom prst="rect">
+                <a:avLst/>
+              </a:prstGeom>
+              <a:blipFill>
+                <a:blip r:embed="rId10"/>
+                <a:stretch>
+                  <a:fillRect r="-27869"/>
+                </a:stretch>
+              </a:blipFill>
+            </p:spPr>
+            <p:txBody>
+              <a:bodyPr/>
+              <a:lstStyle/>
+              <a:p>
+                <a:r>
+                  <a:rPr lang="ja-JP" altLang="en-US">
+                    <a:noFill/>
+                  </a:rPr>
+                  <a:t> </a:t>
+                </a:r>
+              </a:p>
+            </p:txBody>
+          </p:sp>
+        </mc:Fallback>
+      </mc:AlternateContent>
+      <mc:AlternateContent xmlns:mc="http://schemas.openxmlformats.org/markup-compatibility/2006" xmlns:a14="http://schemas.microsoft.com/office/drawing/2010/main">
+        <mc:Choice Requires="a14">
+          <p:sp>
+            <p:nvSpPr>
+              <p:cNvPr id="71" name="吹き出し: 四角形 70">
+                <a:extLst>
+                  <a:ext uri="{FF2B5EF4-FFF2-40B4-BE49-F238E27FC236}">
+                    <a16:creationId xmlns:a16="http://schemas.microsoft.com/office/drawing/2014/main" id="{3953357B-A04D-4366-91FB-D49A1A3C9619}"/>
+                  </a:ext>
+                </a:extLst>
+              </p:cNvPr>
+              <p:cNvSpPr/>
+              <p:nvPr/>
+            </p:nvSpPr>
+            <p:spPr>
+              <a:xfrm>
+                <a:off x="1855355" y="1973454"/>
+                <a:ext cx="1838387" cy="630072"/>
+              </a:xfrm>
+              <a:prstGeom prst="wedgeRectCallout">
+                <a:avLst>
+                  <a:gd name="adj1" fmla="val 49017"/>
+                  <a:gd name="adj2" fmla="val 93305"/>
+                </a:avLst>
+              </a:prstGeom>
+            </p:spPr>
+            <p:style>
+              <a:lnRef idx="2">
+                <a:schemeClr val="accent2"/>
+              </a:lnRef>
+              <a:fillRef idx="1">
+                <a:schemeClr val="lt1"/>
+              </a:fillRef>
+              <a:effectRef idx="0">
+                <a:schemeClr val="accent2"/>
+              </a:effectRef>
+              <a:fontRef idx="minor">
+                <a:schemeClr val="dk1"/>
+              </a:fontRef>
+            </p:style>
+            <p:txBody>
+              <a:bodyPr rtlCol="0" anchor="ctr"/>
+              <a:lstStyle/>
+              <a:p>
+                <a:pPr algn="ctr"/>
+                <a:r>
+                  <a:rPr kumimoji="1" lang="ja-JP" altLang="en-US" sz="1200" dirty="0"/>
+                  <a:t>目的関数</a:t>
+                </a:r>
+                <a:endParaRPr kumimoji="1" lang="en-US" altLang="ja-JP" sz="1200" dirty="0"/>
+              </a:p>
+              <a:p>
+                <a:pPr algn="ctr"/>
+                <a:r>
+                  <a:rPr kumimoji="1" lang="en-US" altLang="ja-JP" sz="1200" dirty="0"/>
+                  <a:t>h = </a:t>
+                </a:r>
+                <a14:m>
+                  <m:oMath xmlns:m="http://schemas.openxmlformats.org/officeDocument/2006/math">
+                    <m:sSub>
+                      <m:sSubPr>
+                        <m:ctrlPr>
+                          <a:rPr kumimoji="1" lang="en-US" altLang="ja-JP" sz="1200" i="1" smtClean="0">
+                            <a:latin typeface="Cambria Math" panose="02040503050406030204" pitchFamily="18" charset="0"/>
+                          </a:rPr>
+                        </m:ctrlPr>
+                      </m:sSubPr>
+                      <m:e>
+                        <m:r>
+                          <a:rPr kumimoji="1" lang="en-US" altLang="ja-JP" sz="1200" b="0" i="1" smtClean="0">
+                            <a:latin typeface="Cambria Math" panose="02040503050406030204" pitchFamily="18" charset="0"/>
+                          </a:rPr>
+                          <m:t>𝑥</m:t>
+                        </m:r>
+                      </m:e>
+                      <m:sub>
+                        <m:r>
+                          <a:rPr kumimoji="1" lang="en-US" altLang="ja-JP" sz="1200" b="0" i="1" smtClean="0">
+                            <a:latin typeface="Cambria Math" panose="02040503050406030204" pitchFamily="18" charset="0"/>
+                          </a:rPr>
+                          <m:t>1</m:t>
+                        </m:r>
+                      </m:sub>
+                    </m:sSub>
+                    <m:sSub>
+                      <m:sSubPr>
+                        <m:ctrlPr>
+                          <a:rPr kumimoji="1" lang="en-US" altLang="ja-JP" sz="1200" i="1" smtClean="0">
+                            <a:latin typeface="Cambria Math" panose="02040503050406030204" pitchFamily="18" charset="0"/>
+                          </a:rPr>
+                        </m:ctrlPr>
+                      </m:sSubPr>
+                      <m:e>
+                        <m:r>
+                          <a:rPr kumimoji="1" lang="en-US" altLang="ja-JP" sz="1200" b="0" i="1" smtClean="0">
+                            <a:latin typeface="Cambria Math" panose="02040503050406030204" pitchFamily="18" charset="0"/>
+                          </a:rPr>
+                          <m:t>𝑤</m:t>
+                        </m:r>
+                      </m:e>
+                      <m:sub>
+                        <m:eqArr>
+                          <m:eqArrPr>
+                            <m:ctrlPr>
+                              <a:rPr kumimoji="1" lang="en-US" altLang="ja-JP" sz="1200" b="0" i="1" smtClean="0">
+                                <a:latin typeface="Cambria Math" panose="02040503050406030204" pitchFamily="18" charset="0"/>
+                              </a:rPr>
+                            </m:ctrlPr>
+                          </m:eqArrPr>
+                          <m:e>
+                            <m:r>
+                              <a:rPr kumimoji="1" lang="en-US" altLang="ja-JP" sz="1200" b="0" i="1" smtClean="0">
+                                <a:latin typeface="Cambria Math" panose="02040503050406030204" pitchFamily="18" charset="0"/>
+                              </a:rPr>
+                              <m:t>11</m:t>
+                            </m:r>
+                          </m:e>
+                          <m:e>
+                            <m:r>
+                              <a:rPr kumimoji="1" lang="en-US" altLang="ja-JP" sz="1200" b="0" i="1" smtClean="0">
+                                <a:latin typeface="Cambria Math" panose="02040503050406030204" pitchFamily="18" charset="0"/>
+                              </a:rPr>
+                              <m:t>…</m:t>
+                            </m:r>
+                          </m:e>
+                        </m:eqArr>
+                      </m:sub>
+                    </m:sSub>
+                    <m:r>
+                      <a:rPr kumimoji="1" lang="en-US" altLang="ja-JP" sz="1200" b="0" i="0" smtClean="0">
+                        <a:latin typeface="Cambria Math" panose="02040503050406030204" pitchFamily="18" charset="0"/>
+                      </a:rPr>
+                      <m:t>+</m:t>
+                    </m:r>
+                  </m:oMath>
+                </a14:m>
+                <a:r>
+                  <a:rPr kumimoji="1" lang="en-US" altLang="ja-JP" sz="1200" dirty="0"/>
+                  <a:t>… </a:t>
+                </a:r>
+                <a14:m>
+                  <m:oMath xmlns:m="http://schemas.openxmlformats.org/officeDocument/2006/math">
+                    <m:sSub>
+                      <m:sSubPr>
+                        <m:ctrlPr>
+                          <a:rPr kumimoji="1" lang="en-US" altLang="ja-JP" sz="1200" i="1" smtClean="0">
+                            <a:latin typeface="Cambria Math" panose="02040503050406030204" pitchFamily="18" charset="0"/>
+                          </a:rPr>
+                        </m:ctrlPr>
+                      </m:sSubPr>
+                      <m:e>
+                        <m:r>
+                          <a:rPr kumimoji="1" lang="en-US" altLang="ja-JP" sz="1200" b="0" i="1" smtClean="0">
+                            <a:latin typeface="Cambria Math" panose="02040503050406030204" pitchFamily="18" charset="0"/>
+                          </a:rPr>
+                          <m:t>+</m:t>
+                        </m:r>
+                        <m:r>
+                          <a:rPr kumimoji="1" lang="en-US" altLang="ja-JP" sz="1200" b="0" i="1" smtClean="0">
+                            <a:latin typeface="Cambria Math" panose="02040503050406030204" pitchFamily="18" charset="0"/>
+                          </a:rPr>
+                          <m:t>𝑥</m:t>
+                        </m:r>
+                      </m:e>
+                      <m:sub>
+                        <m:r>
+                          <a:rPr kumimoji="1" lang="en-US" altLang="ja-JP" sz="1200" b="0" i="1" smtClean="0">
+                            <a:latin typeface="Cambria Math" panose="02040503050406030204" pitchFamily="18" charset="0"/>
+                          </a:rPr>
+                          <m:t>3</m:t>
+                        </m:r>
+                      </m:sub>
+                    </m:sSub>
+                    <m:sSub>
+                      <m:sSubPr>
+                        <m:ctrlPr>
+                          <a:rPr kumimoji="1" lang="en-US" altLang="ja-JP" sz="1200" i="1" smtClean="0">
+                            <a:latin typeface="Cambria Math" panose="02040503050406030204" pitchFamily="18" charset="0"/>
+                          </a:rPr>
+                        </m:ctrlPr>
+                      </m:sSubPr>
+                      <m:e>
+                        <m:r>
+                          <a:rPr kumimoji="1" lang="en-US" altLang="ja-JP" sz="1200" b="0" i="1" smtClean="0">
+                            <a:latin typeface="Cambria Math" panose="02040503050406030204" pitchFamily="18" charset="0"/>
+                          </a:rPr>
+                          <m:t>𝑤</m:t>
+                        </m:r>
+                      </m:e>
+                      <m:sub>
+                        <m:r>
+                          <a:rPr kumimoji="1" lang="en-US" altLang="ja-JP" sz="1200" b="0" i="1" smtClean="0">
+                            <a:latin typeface="Cambria Math" panose="02040503050406030204" pitchFamily="18" charset="0"/>
+                          </a:rPr>
+                          <m:t>31</m:t>
+                        </m:r>
+                      </m:sub>
+                    </m:sSub>
+                  </m:oMath>
+                </a14:m>
+                <a:endParaRPr kumimoji="1" lang="ja-JP" altLang="en-US" sz="1200" dirty="0"/>
+              </a:p>
+            </p:txBody>
+          </p:sp>
+        </mc:Choice>
+        <mc:Fallback xmlns="">
+          <p:sp>
+            <p:nvSpPr>
+              <p:cNvPr id="71" name="吹き出し: 四角形 70">
+                <a:extLst>
+                  <a:ext uri="{FF2B5EF4-FFF2-40B4-BE49-F238E27FC236}">
+                    <a16:creationId xmlns:a16="http://schemas.microsoft.com/office/drawing/2014/main" id="{3953357B-A04D-4366-91FB-D49A1A3C9619}"/>
+                  </a:ext>
+                </a:extLst>
+              </p:cNvPr>
+              <p:cNvSpPr>
+                <a:spLocks noRot="1" noChangeAspect="1" noMove="1" noResize="1" noEditPoints="1" noAdjustHandles="1" noChangeArrowheads="1" noChangeShapeType="1" noTextEdit="1"/>
+              </p:cNvSpPr>
+              <p:nvPr/>
+            </p:nvSpPr>
+            <p:spPr>
+              <a:xfrm>
+                <a:off x="1855355" y="1973454"/>
+                <a:ext cx="1838387" cy="630072"/>
+              </a:xfrm>
+              <a:prstGeom prst="wedgeRectCallout">
+                <a:avLst>
+                  <a:gd name="adj1" fmla="val 49017"/>
+                  <a:gd name="adj2" fmla="val 93305"/>
+                </a:avLst>
+              </a:prstGeom>
+              <a:blipFill>
+                <a:blip r:embed="rId11"/>
+                <a:stretch>
+                  <a:fillRect/>
+                </a:stretch>
+              </a:blipFill>
+            </p:spPr>
+            <p:txBody>
+              <a:bodyPr/>
+              <a:lstStyle/>
+              <a:p>
+                <a:r>
+                  <a:rPr lang="ja-JP" altLang="en-US">
+                    <a:noFill/>
+                  </a:rPr>
+                  <a:t> </a:t>
+                </a:r>
+              </a:p>
+            </p:txBody>
+          </p:sp>
+        </mc:Fallback>
+      </mc:AlternateContent>
+      <mc:AlternateContent xmlns:mc="http://schemas.openxmlformats.org/markup-compatibility/2006" xmlns:a14="http://schemas.microsoft.com/office/drawing/2010/main">
+        <mc:Choice Requires="a14">
+          <p:sp>
+            <p:nvSpPr>
+              <p:cNvPr id="72" name="テキスト ボックス 71">
+                <a:extLst>
+                  <a:ext uri="{FF2B5EF4-FFF2-40B4-BE49-F238E27FC236}">
+                    <a16:creationId xmlns:a16="http://schemas.microsoft.com/office/drawing/2014/main" id="{7DACC7D2-C633-4D1E-8F94-40B8F8DFC771}"/>
+                  </a:ext>
+                </a:extLst>
+              </p:cNvPr>
+              <p:cNvSpPr txBox="1"/>
+              <p:nvPr/>
+            </p:nvSpPr>
+            <p:spPr>
+              <a:xfrm rot="19545273">
+                <a:off x="1692519" y="3768135"/>
+                <a:ext cx="497150" cy="369332"/>
+              </a:xfrm>
+              <a:prstGeom prst="rect">
+                <a:avLst/>
+              </a:prstGeom>
+              <a:noFill/>
+            </p:spPr>
+            <p:txBody>
+              <a:bodyPr wrap="square" rtlCol="0">
+                <a:spAutoFit/>
+              </a:bodyPr>
+              <a:lstStyle/>
+              <a:p>
+                <a:pPr/>
+                <a14:m>
+                  <m:oMathPara xmlns:m="http://schemas.openxmlformats.org/officeDocument/2006/math">
+                    <m:oMathParaPr>
+                      <m:jc m:val="centerGroup"/>
+                    </m:oMathParaPr>
+                    <m:oMath xmlns:m="http://schemas.openxmlformats.org/officeDocument/2006/math">
+                      <m:sSub>
+                        <m:sSubPr>
+                          <m:ctrlPr>
+                            <a:rPr kumimoji="1" lang="en-US" altLang="ja-JP" b="1" i="1" smtClean="0">
+                              <a:solidFill>
+                                <a:srgbClr val="FF0000"/>
+                              </a:solidFill>
+                              <a:latin typeface="Cambria Math" panose="02040503050406030204" pitchFamily="18" charset="0"/>
+                            </a:rPr>
+                          </m:ctrlPr>
+                        </m:sSubPr>
+                        <m:e>
+                          <m:r>
+                            <a:rPr kumimoji="1" lang="en-US" altLang="ja-JP" b="1" i="1" smtClean="0">
+                              <a:solidFill>
+                                <a:srgbClr val="FF0000"/>
+                              </a:solidFill>
+                              <a:latin typeface="Cambria Math" panose="02040503050406030204" pitchFamily="18" charset="0"/>
+                            </a:rPr>
+                            <m:t>𝒘</m:t>
+                          </m:r>
+                        </m:e>
+                        <m:sub>
+                          <m:r>
+                            <a:rPr kumimoji="1" lang="en-US" altLang="ja-JP" b="1" i="1" smtClean="0">
+                              <a:solidFill>
+                                <a:srgbClr val="FF0000"/>
+                              </a:solidFill>
+                              <a:latin typeface="Cambria Math" panose="02040503050406030204" pitchFamily="18" charset="0"/>
+                            </a:rPr>
+                            <m:t>𝟐𝟏</m:t>
+                          </m:r>
+                        </m:sub>
+                      </m:sSub>
+                    </m:oMath>
+                  </m:oMathPara>
+                </a14:m>
+                <a:endParaRPr kumimoji="1" lang="ja-JP" altLang="en-US" b="1" dirty="0"/>
+              </a:p>
+            </p:txBody>
+          </p:sp>
+        </mc:Choice>
+        <mc:Fallback xmlns="">
+          <p:sp>
+            <p:nvSpPr>
+              <p:cNvPr id="72" name="テキスト ボックス 71">
+                <a:extLst>
+                  <a:ext uri="{FF2B5EF4-FFF2-40B4-BE49-F238E27FC236}">
+                    <a16:creationId xmlns:a16="http://schemas.microsoft.com/office/drawing/2014/main" id="{7DACC7D2-C633-4D1E-8F94-40B8F8DFC771}"/>
+                  </a:ext>
+                </a:extLst>
+              </p:cNvPr>
+              <p:cNvSpPr txBox="1">
+                <a:spLocks noRot="1" noChangeAspect="1" noMove="1" noResize="1" noEditPoints="1" noAdjustHandles="1" noChangeArrowheads="1" noChangeShapeType="1" noTextEdit="1"/>
+              </p:cNvSpPr>
+              <p:nvPr/>
+            </p:nvSpPr>
+            <p:spPr>
+              <a:xfrm rot="19545273">
+                <a:off x="1692519" y="3768135"/>
+                <a:ext cx="497150" cy="369332"/>
+              </a:xfrm>
+              <a:prstGeom prst="rect">
+                <a:avLst/>
+              </a:prstGeom>
+              <a:blipFill>
+                <a:blip r:embed="rId12"/>
+                <a:stretch>
+                  <a:fillRect r="-3883"/>
+                </a:stretch>
+              </a:blipFill>
+            </p:spPr>
+            <p:txBody>
+              <a:bodyPr/>
+              <a:lstStyle/>
+              <a:p>
+                <a:r>
+                  <a:rPr lang="ja-JP" altLang="en-US">
+                    <a:noFill/>
+                  </a:rPr>
+                  <a:t> </a:t>
+                </a:r>
+              </a:p>
+            </p:txBody>
+          </p:sp>
+        </mc:Fallback>
+      </mc:AlternateContent>
+      <mc:AlternateContent xmlns:mc="http://schemas.openxmlformats.org/markup-compatibility/2006" xmlns:a14="http://schemas.microsoft.com/office/drawing/2010/main">
+        <mc:Choice Requires="a14">
+          <p:sp>
+            <p:nvSpPr>
+              <p:cNvPr id="73" name="テキスト ボックス 72">
+                <a:extLst>
+                  <a:ext uri="{FF2B5EF4-FFF2-40B4-BE49-F238E27FC236}">
+                    <a16:creationId xmlns:a16="http://schemas.microsoft.com/office/drawing/2014/main" id="{DAD1FF51-0913-4298-B27F-EAFD4A3C7DFA}"/>
+                  </a:ext>
+                </a:extLst>
+              </p:cNvPr>
+              <p:cNvSpPr txBox="1"/>
+              <p:nvPr/>
+            </p:nvSpPr>
+            <p:spPr>
+              <a:xfrm rot="18473499">
+                <a:off x="1641621" y="4851992"/>
+                <a:ext cx="497150" cy="369332"/>
+              </a:xfrm>
+              <a:prstGeom prst="rect">
+                <a:avLst/>
+              </a:prstGeom>
+              <a:noFill/>
+            </p:spPr>
+            <p:txBody>
+              <a:bodyPr wrap="square" rtlCol="0">
+                <a:spAutoFit/>
+              </a:bodyPr>
+              <a:lstStyle/>
+              <a:p>
+                <a:pPr/>
+                <a14:m>
+                  <m:oMathPara xmlns:m="http://schemas.openxmlformats.org/officeDocument/2006/math">
+                    <m:oMathParaPr>
+                      <m:jc m:val="centerGroup"/>
+                    </m:oMathParaPr>
+                    <m:oMath xmlns:m="http://schemas.openxmlformats.org/officeDocument/2006/math">
+                      <m:sSub>
+                        <m:sSubPr>
+                          <m:ctrlPr>
+                            <a:rPr kumimoji="1" lang="en-US" altLang="ja-JP" b="1" i="1" smtClean="0">
+                              <a:solidFill>
+                                <a:srgbClr val="FF0000"/>
+                              </a:solidFill>
+                              <a:latin typeface="Cambria Math" panose="02040503050406030204" pitchFamily="18" charset="0"/>
+                            </a:rPr>
+                          </m:ctrlPr>
+                        </m:sSubPr>
+                        <m:e>
+                          <m:r>
+                            <a:rPr kumimoji="1" lang="en-US" altLang="ja-JP" b="1" i="1" smtClean="0">
+                              <a:solidFill>
+                                <a:srgbClr val="FF0000"/>
+                              </a:solidFill>
+                              <a:latin typeface="Cambria Math" panose="02040503050406030204" pitchFamily="18" charset="0"/>
+                            </a:rPr>
+                            <m:t>𝒘</m:t>
+                          </m:r>
+                        </m:e>
+                        <m:sub>
+                          <m:r>
+                            <a:rPr kumimoji="1" lang="en-US" altLang="ja-JP" b="1" i="1" smtClean="0">
+                              <a:solidFill>
+                                <a:srgbClr val="FF0000"/>
+                              </a:solidFill>
+                              <a:latin typeface="Cambria Math" panose="02040503050406030204" pitchFamily="18" charset="0"/>
+                            </a:rPr>
+                            <m:t>𝟑𝟏</m:t>
+                          </m:r>
+                        </m:sub>
+                      </m:sSub>
+                    </m:oMath>
+                  </m:oMathPara>
+                </a14:m>
+                <a:endParaRPr kumimoji="1" lang="ja-JP" altLang="en-US" b="1" dirty="0"/>
+              </a:p>
+            </p:txBody>
+          </p:sp>
+        </mc:Choice>
+        <mc:Fallback xmlns="">
+          <p:sp>
+            <p:nvSpPr>
+              <p:cNvPr id="73" name="テキスト ボックス 72">
+                <a:extLst>
+                  <a:ext uri="{FF2B5EF4-FFF2-40B4-BE49-F238E27FC236}">
+                    <a16:creationId xmlns:a16="http://schemas.microsoft.com/office/drawing/2014/main" id="{DAD1FF51-0913-4298-B27F-EAFD4A3C7DFA}"/>
+                  </a:ext>
+                </a:extLst>
+              </p:cNvPr>
+              <p:cNvSpPr txBox="1">
+                <a:spLocks noRot="1" noChangeAspect="1" noMove="1" noResize="1" noEditPoints="1" noAdjustHandles="1" noChangeArrowheads="1" noChangeShapeType="1" noTextEdit="1"/>
+              </p:cNvSpPr>
+              <p:nvPr/>
+            </p:nvSpPr>
+            <p:spPr>
+              <a:xfrm rot="18473499">
+                <a:off x="1641621" y="4851992"/>
+                <a:ext cx="497150" cy="369332"/>
+              </a:xfrm>
+              <a:prstGeom prst="rect">
+                <a:avLst/>
+              </a:prstGeom>
+              <a:blipFill>
+                <a:blip r:embed="rId13"/>
+                <a:stretch>
+                  <a:fillRect r="-3030"/>
+                </a:stretch>
+              </a:blipFill>
+            </p:spPr>
+            <p:txBody>
+              <a:bodyPr/>
+              <a:lstStyle/>
+              <a:p>
+                <a:r>
+                  <a:rPr lang="ja-JP" altLang="en-US">
+                    <a:noFill/>
+                  </a:rPr>
+                  <a:t> </a:t>
+                </a:r>
+              </a:p>
+            </p:txBody>
+          </p:sp>
+        </mc:Fallback>
+      </mc:AlternateContent>
       <p:sp>
         <p:nvSpPr>
-          <p:cNvPr id="7" name="フローチャート: 結合子 6">
+          <p:cNvPr id="74" name="吹き出し: 四角形 73">
             <a:extLst>
               <a:ext uri="{FF2B5EF4-FFF2-40B4-BE49-F238E27FC236}">
-                <a16:creationId xmlns:a16="http://schemas.microsoft.com/office/drawing/2014/main" id="{E6DC03F3-2F98-472D-93F0-F76FC7DA0A5A}"/>
+                <a16:creationId xmlns:a16="http://schemas.microsoft.com/office/drawing/2014/main" id="{2B97E422-184E-41F0-BD66-D113CB3DA15A}"/>
               </a:ext>
             </a:extLst>
           </p:cNvPr>
@@ -7490,27 +15314,28 @@
         </p:nvSpPr>
         <p:spPr>
           <a:xfrm>
-            <a:off x="919689" y="5127037"/>
-            <a:ext cx="834372" cy="834372"/>
+            <a:off x="7478423" y="2358360"/>
+            <a:ext cx="1750871" cy="609943"/>
           </a:xfrm>
-          <a:prstGeom prst="flowChartConnector">
-            <a:avLst/>
+          <a:prstGeom prst="wedgeRectCallout">
+            <a:avLst>
+              <a:gd name="adj1" fmla="val -60382"/>
+              <a:gd name="adj2" fmla="val 90154"/>
+            </a:avLst>
           </a:prstGeom>
         </p:spPr>
         <p:style>
           <a:lnRef idx="2">
-            <a:schemeClr val="accent1">
-              <a:shade val="50000"/>
-            </a:schemeClr>
+            <a:schemeClr val="accent6"/>
           </a:lnRef>
           <a:fillRef idx="1">
-            <a:schemeClr val="accent1"/>
+            <a:schemeClr val="lt1"/>
           </a:fillRef>
           <a:effectRef idx="0">
-            <a:schemeClr val="accent1"/>
+            <a:schemeClr val="accent6"/>
           </a:effectRef>
           <a:fontRef idx="minor">
-            <a:schemeClr val="lt1"/>
+            <a:schemeClr val="dk1"/>
           </a:fontRef>
         </p:style>
         <p:txBody>
@@ -7518,145 +15343,26 @@
           <a:lstStyle/>
           <a:p>
             <a:pPr algn="ctr"/>
-            <a:endParaRPr kumimoji="1" lang="ja-JP" altLang="en-US"/>
-          </a:p>
-        </p:txBody>
-      </p:sp>
-      <p:sp>
-        <p:nvSpPr>
-          <p:cNvPr id="8" name="フローチャート: 結合子 7">
-            <a:extLst>
-              <a:ext uri="{FF2B5EF4-FFF2-40B4-BE49-F238E27FC236}">
-                <a16:creationId xmlns:a16="http://schemas.microsoft.com/office/drawing/2014/main" id="{0427AAAC-2C7A-4DFC-A4FF-9EBDDE836DA1}"/>
-              </a:ext>
-            </a:extLst>
-          </p:cNvPr>
-          <p:cNvSpPr/>
-          <p:nvPr/>
-        </p:nvSpPr>
-        <p:spPr>
-          <a:xfrm>
-            <a:off x="954690" y="3878333"/>
-            <a:ext cx="799371" cy="799371"/>
-          </a:xfrm>
-          <a:prstGeom prst="flowChartConnector">
-            <a:avLst/>
-          </a:prstGeom>
-        </p:spPr>
-        <p:style>
-          <a:lnRef idx="2">
-            <a:schemeClr val="accent1">
-              <a:shade val="50000"/>
-            </a:schemeClr>
-          </a:lnRef>
-          <a:fillRef idx="1">
-            <a:schemeClr val="accent1"/>
-          </a:fillRef>
-          <a:effectRef idx="0">
-            <a:schemeClr val="accent1"/>
-          </a:effectRef>
-          <a:fontRef idx="minor">
-            <a:schemeClr val="lt1"/>
-          </a:fontRef>
-        </p:style>
-        <p:txBody>
-          <a:bodyPr rtlCol="0" anchor="ctr"/>
-          <a:lstStyle/>
-          <a:p>
-            <a:pPr algn="ctr"/>
-            <a:endParaRPr kumimoji="1" lang="ja-JP" altLang="en-US"/>
-          </a:p>
-        </p:txBody>
-      </p:sp>
-      <p:sp>
-        <p:nvSpPr>
-          <p:cNvPr id="14" name="フローチャート: 結合子 13">
-            <a:extLst>
-              <a:ext uri="{FF2B5EF4-FFF2-40B4-BE49-F238E27FC236}">
-                <a16:creationId xmlns:a16="http://schemas.microsoft.com/office/drawing/2014/main" id="{F7F0BDB5-B36B-42B8-98DA-EA29057EF7C3}"/>
-              </a:ext>
-            </a:extLst>
-          </p:cNvPr>
-          <p:cNvSpPr/>
-          <p:nvPr/>
-        </p:nvSpPr>
-        <p:spPr>
-          <a:xfrm>
-            <a:off x="5600790" y="4642430"/>
-            <a:ext cx="364256" cy="364256"/>
-          </a:xfrm>
-          <a:prstGeom prst="flowChartConnector">
-            <a:avLst/>
-          </a:prstGeom>
-        </p:spPr>
-        <p:style>
-          <a:lnRef idx="2">
-            <a:schemeClr val="accent1">
-              <a:shade val="50000"/>
-            </a:schemeClr>
-          </a:lnRef>
-          <a:fillRef idx="1">
-            <a:schemeClr val="accent1"/>
-          </a:fillRef>
-          <a:effectRef idx="0">
-            <a:schemeClr val="accent1"/>
-          </a:effectRef>
-          <a:fontRef idx="minor">
-            <a:schemeClr val="lt1"/>
-          </a:fontRef>
-        </p:style>
-        <p:txBody>
-          <a:bodyPr rtlCol="0" anchor="ctr"/>
-          <a:lstStyle/>
-          <a:p>
-            <a:pPr algn="ctr"/>
-            <a:endParaRPr kumimoji="1" lang="ja-JP" altLang="en-US"/>
-          </a:p>
-        </p:txBody>
-      </p:sp>
-      <p:sp>
-        <p:nvSpPr>
-          <p:cNvPr id="15" name="フローチャート: 結合子 14">
-            <a:extLst>
-              <a:ext uri="{FF2B5EF4-FFF2-40B4-BE49-F238E27FC236}">
-                <a16:creationId xmlns:a16="http://schemas.microsoft.com/office/drawing/2014/main" id="{785A2D58-9B1F-45B2-97FE-45F5F270A2B3}"/>
-              </a:ext>
-            </a:extLst>
-          </p:cNvPr>
-          <p:cNvSpPr/>
-          <p:nvPr/>
-        </p:nvSpPr>
-        <p:spPr>
-          <a:xfrm>
-            <a:off x="5600790" y="3611128"/>
-            <a:ext cx="364256" cy="364256"/>
-          </a:xfrm>
-          <a:prstGeom prst="flowChartConnector">
-            <a:avLst/>
-          </a:prstGeom>
-        </p:spPr>
-        <p:style>
-          <a:lnRef idx="2">
-            <a:schemeClr val="accent1">
-              <a:shade val="50000"/>
-            </a:schemeClr>
-          </a:lnRef>
-          <a:fillRef idx="1">
-            <a:schemeClr val="accent1"/>
-          </a:fillRef>
-          <a:effectRef idx="0">
-            <a:schemeClr val="accent1"/>
-          </a:effectRef>
-          <a:fontRef idx="minor">
-            <a:schemeClr val="lt1"/>
-          </a:fontRef>
-        </p:style>
-        <p:txBody>
-          <a:bodyPr rtlCol="0" anchor="ctr"/>
-          <a:lstStyle/>
-          <a:p>
-            <a:pPr algn="ctr"/>
-            <a:endParaRPr kumimoji="1" lang="ja-JP" altLang="en-US"/>
+            <a:r>
+              <a:rPr kumimoji="1" lang="ja-JP" altLang="en-US" sz="1200" dirty="0"/>
+              <a:t>恒等関数</a:t>
+            </a:r>
+            <a:endParaRPr kumimoji="1" lang="en-US" altLang="ja-JP" sz="1200" dirty="0"/>
+          </a:p>
+          <a:p>
+            <a:pPr marL="171450" indent="-171450" algn="ctr">
+              <a:buFont typeface="Arial" panose="020B0604020202020204" pitchFamily="34" charset="0"/>
+              <a:buChar char="•"/>
+            </a:pPr>
+            <a:r>
+              <a:rPr lang="en-US" altLang="ja-JP" sz="1200" dirty="0" err="1"/>
+              <a:t>Softmax</a:t>
+            </a:r>
+            <a:r>
+              <a:rPr lang="ja-JP" altLang="en-US" sz="1200" dirty="0"/>
+              <a:t>など</a:t>
+            </a:r>
+            <a:endParaRPr kumimoji="1" lang="ja-JP" altLang="en-US" sz="1200" dirty="0"/>
           </a:p>
         </p:txBody>
       </p:sp>
@@ -7682,6 +15388,1247 @@
       </p:transition>
     </mc:Fallback>
   </mc:AlternateContent>
+  <p:timing>
+    <p:tnLst>
+      <p:par>
+        <p:cTn id="1" dur="indefinite" restart="never" nodeType="tmRoot">
+          <p:childTnLst>
+            <p:seq concurrent="1" nextAc="seek">
+              <p:cTn id="2" dur="indefinite" nodeType="mainSeq">
+                <p:childTnLst>
+                  <p:par>
+                    <p:cTn id="3" fill="hold">
+                      <p:stCondLst>
+                        <p:cond delay="indefinite"/>
+                      </p:stCondLst>
+                      <p:childTnLst>
+                        <p:par>
+                          <p:cTn id="4" fill="hold">
+                            <p:stCondLst>
+                              <p:cond delay="0"/>
+                            </p:stCondLst>
+                            <p:childTnLst>
+                              <p:par>
+                                <p:cTn id="5" presetID="22" presetClass="entr" presetSubtype="8" fill="hold" grpId="0" nodeType="clickEffect">
+                                  <p:stCondLst>
+                                    <p:cond delay="0"/>
+                                  </p:stCondLst>
+                                  <p:childTnLst>
+                                    <p:set>
+                                      <p:cBhvr>
+                                        <p:cTn id="6" dur="1" fill="hold">
+                                          <p:stCondLst>
+                                            <p:cond delay="0"/>
+                                          </p:stCondLst>
+                                        </p:cTn>
+                                        <p:tgtEl>
+                                          <p:spTgt spid="6"/>
+                                        </p:tgtEl>
+                                        <p:attrNameLst>
+                                          <p:attrName>style.visibility</p:attrName>
+                                        </p:attrNameLst>
+                                      </p:cBhvr>
+                                      <p:to>
+                                        <p:strVal val="visible"/>
+                                      </p:to>
+                                    </p:set>
+                                    <p:animEffect transition="in" filter="wipe(left)">
+                                      <p:cBhvr>
+                                        <p:cTn id="7" dur="500"/>
+                                        <p:tgtEl>
+                                          <p:spTgt spid="6"/>
+                                        </p:tgtEl>
+                                      </p:cBhvr>
+                                    </p:animEffect>
+                                  </p:childTnLst>
+                                </p:cTn>
+                              </p:par>
+                              <p:par>
+                                <p:cTn id="8" presetID="22" presetClass="entr" presetSubtype="8" fill="hold" grpId="0" nodeType="withEffect">
+                                  <p:stCondLst>
+                                    <p:cond delay="0"/>
+                                  </p:stCondLst>
+                                  <p:childTnLst>
+                                    <p:set>
+                                      <p:cBhvr>
+                                        <p:cTn id="9" dur="1" fill="hold">
+                                          <p:stCondLst>
+                                            <p:cond delay="0"/>
+                                          </p:stCondLst>
+                                        </p:cTn>
+                                        <p:tgtEl>
+                                          <p:spTgt spid="65"/>
+                                        </p:tgtEl>
+                                        <p:attrNameLst>
+                                          <p:attrName>style.visibility</p:attrName>
+                                        </p:attrNameLst>
+                                      </p:cBhvr>
+                                      <p:to>
+                                        <p:strVal val="visible"/>
+                                      </p:to>
+                                    </p:set>
+                                    <p:animEffect transition="in" filter="wipe(left)">
+                                      <p:cBhvr>
+                                        <p:cTn id="10" dur="500"/>
+                                        <p:tgtEl>
+                                          <p:spTgt spid="65"/>
+                                        </p:tgtEl>
+                                      </p:cBhvr>
+                                    </p:animEffect>
+                                  </p:childTnLst>
+                                </p:cTn>
+                              </p:par>
+                              <p:par>
+                                <p:cTn id="11" presetID="22" presetClass="entr" presetSubtype="8" fill="hold" grpId="0" nodeType="withEffect">
+                                  <p:stCondLst>
+                                    <p:cond delay="0"/>
+                                  </p:stCondLst>
+                                  <p:childTnLst>
+                                    <p:set>
+                                      <p:cBhvr>
+                                        <p:cTn id="12" dur="1" fill="hold">
+                                          <p:stCondLst>
+                                            <p:cond delay="0"/>
+                                          </p:stCondLst>
+                                        </p:cTn>
+                                        <p:tgtEl>
+                                          <p:spTgt spid="8"/>
+                                        </p:tgtEl>
+                                        <p:attrNameLst>
+                                          <p:attrName>style.visibility</p:attrName>
+                                        </p:attrNameLst>
+                                      </p:cBhvr>
+                                      <p:to>
+                                        <p:strVal val="visible"/>
+                                      </p:to>
+                                    </p:set>
+                                    <p:animEffect transition="in" filter="wipe(left)">
+                                      <p:cBhvr>
+                                        <p:cTn id="13" dur="500"/>
+                                        <p:tgtEl>
+                                          <p:spTgt spid="8"/>
+                                        </p:tgtEl>
+                                      </p:cBhvr>
+                                    </p:animEffect>
+                                  </p:childTnLst>
+                                </p:cTn>
+                              </p:par>
+                              <p:par>
+                                <p:cTn id="14" presetID="22" presetClass="entr" presetSubtype="8" fill="hold" grpId="0" nodeType="withEffect">
+                                  <p:stCondLst>
+                                    <p:cond delay="0"/>
+                                  </p:stCondLst>
+                                  <p:childTnLst>
+                                    <p:set>
+                                      <p:cBhvr>
+                                        <p:cTn id="15" dur="1" fill="hold">
+                                          <p:stCondLst>
+                                            <p:cond delay="0"/>
+                                          </p:stCondLst>
+                                        </p:cTn>
+                                        <p:tgtEl>
+                                          <p:spTgt spid="7"/>
+                                        </p:tgtEl>
+                                        <p:attrNameLst>
+                                          <p:attrName>style.visibility</p:attrName>
+                                        </p:attrNameLst>
+                                      </p:cBhvr>
+                                      <p:to>
+                                        <p:strVal val="visible"/>
+                                      </p:to>
+                                    </p:set>
+                                    <p:animEffect transition="in" filter="wipe(left)">
+                                      <p:cBhvr>
+                                        <p:cTn id="16" dur="500"/>
+                                        <p:tgtEl>
+                                          <p:spTgt spid="7"/>
+                                        </p:tgtEl>
+                                      </p:cBhvr>
+                                    </p:animEffect>
+                                  </p:childTnLst>
+                                </p:cTn>
+                              </p:par>
+                              <p:par>
+                                <p:cTn id="17" presetID="22" presetClass="entr" presetSubtype="8" fill="hold" grpId="0" nodeType="withEffect">
+                                  <p:stCondLst>
+                                    <p:cond delay="0"/>
+                                  </p:stCondLst>
+                                  <p:childTnLst>
+                                    <p:set>
+                                      <p:cBhvr>
+                                        <p:cTn id="18" dur="1" fill="hold">
+                                          <p:stCondLst>
+                                            <p:cond delay="0"/>
+                                          </p:stCondLst>
+                                        </p:cTn>
+                                        <p:tgtEl>
+                                          <p:spTgt spid="73"/>
+                                        </p:tgtEl>
+                                        <p:attrNameLst>
+                                          <p:attrName>style.visibility</p:attrName>
+                                        </p:attrNameLst>
+                                      </p:cBhvr>
+                                      <p:to>
+                                        <p:strVal val="visible"/>
+                                      </p:to>
+                                    </p:set>
+                                    <p:animEffect transition="in" filter="wipe(left)">
+                                      <p:cBhvr>
+                                        <p:cTn id="19" dur="500"/>
+                                        <p:tgtEl>
+                                          <p:spTgt spid="73"/>
+                                        </p:tgtEl>
+                                      </p:cBhvr>
+                                    </p:animEffect>
+                                  </p:childTnLst>
+                                </p:cTn>
+                              </p:par>
+                              <p:par>
+                                <p:cTn id="20" presetID="22" presetClass="entr" presetSubtype="8" fill="hold" grpId="0" nodeType="withEffect">
+                                  <p:stCondLst>
+                                    <p:cond delay="0"/>
+                                  </p:stCondLst>
+                                  <p:childTnLst>
+                                    <p:set>
+                                      <p:cBhvr>
+                                        <p:cTn id="21" dur="1" fill="hold">
+                                          <p:stCondLst>
+                                            <p:cond delay="0"/>
+                                          </p:stCondLst>
+                                        </p:cTn>
+                                        <p:tgtEl>
+                                          <p:spTgt spid="72"/>
+                                        </p:tgtEl>
+                                        <p:attrNameLst>
+                                          <p:attrName>style.visibility</p:attrName>
+                                        </p:attrNameLst>
+                                      </p:cBhvr>
+                                      <p:to>
+                                        <p:strVal val="visible"/>
+                                      </p:to>
+                                    </p:set>
+                                    <p:animEffect transition="in" filter="wipe(left)">
+                                      <p:cBhvr>
+                                        <p:cTn id="22" dur="500"/>
+                                        <p:tgtEl>
+                                          <p:spTgt spid="72"/>
+                                        </p:tgtEl>
+                                      </p:cBhvr>
+                                    </p:animEffect>
+                                  </p:childTnLst>
+                                </p:cTn>
+                              </p:par>
+                              <p:par>
+                                <p:cTn id="23" presetID="22" presetClass="entr" presetSubtype="8" fill="hold" grpId="0" nodeType="withEffect">
+                                  <p:stCondLst>
+                                    <p:cond delay="0"/>
+                                  </p:stCondLst>
+                                  <p:childTnLst>
+                                    <p:set>
+                                      <p:cBhvr>
+                                        <p:cTn id="24" dur="1" fill="hold">
+                                          <p:stCondLst>
+                                            <p:cond delay="0"/>
+                                          </p:stCondLst>
+                                        </p:cTn>
+                                        <p:tgtEl>
+                                          <p:spTgt spid="70"/>
+                                        </p:tgtEl>
+                                        <p:attrNameLst>
+                                          <p:attrName>style.visibility</p:attrName>
+                                        </p:attrNameLst>
+                                      </p:cBhvr>
+                                      <p:to>
+                                        <p:strVal val="visible"/>
+                                      </p:to>
+                                    </p:set>
+                                    <p:animEffect transition="in" filter="wipe(left)">
+                                      <p:cBhvr>
+                                        <p:cTn id="25" dur="500"/>
+                                        <p:tgtEl>
+                                          <p:spTgt spid="70"/>
+                                        </p:tgtEl>
+                                      </p:cBhvr>
+                                    </p:animEffect>
+                                  </p:childTnLst>
+                                </p:cTn>
+                              </p:par>
+                              <p:par>
+                                <p:cTn id="26" presetID="22" presetClass="entr" presetSubtype="8" fill="hold" nodeType="withEffect">
+                                  <p:stCondLst>
+                                    <p:cond delay="0"/>
+                                  </p:stCondLst>
+                                  <p:childTnLst>
+                                    <p:set>
+                                      <p:cBhvr>
+                                        <p:cTn id="27" dur="1" fill="hold">
+                                          <p:stCondLst>
+                                            <p:cond delay="0"/>
+                                          </p:stCondLst>
+                                        </p:cTn>
+                                        <p:tgtEl>
+                                          <p:spTgt spid="5"/>
+                                        </p:tgtEl>
+                                        <p:attrNameLst>
+                                          <p:attrName>style.visibility</p:attrName>
+                                        </p:attrNameLst>
+                                      </p:cBhvr>
+                                      <p:to>
+                                        <p:strVal val="visible"/>
+                                      </p:to>
+                                    </p:set>
+                                    <p:animEffect transition="in" filter="wipe(left)">
+                                      <p:cBhvr>
+                                        <p:cTn id="28" dur="500"/>
+                                        <p:tgtEl>
+                                          <p:spTgt spid="5"/>
+                                        </p:tgtEl>
+                                      </p:cBhvr>
+                                    </p:animEffect>
+                                  </p:childTnLst>
+                                </p:cTn>
+                              </p:par>
+                              <p:par>
+                                <p:cTn id="29" presetID="22" presetClass="entr" presetSubtype="8" fill="hold" nodeType="withEffect">
+                                  <p:stCondLst>
+                                    <p:cond delay="0"/>
+                                  </p:stCondLst>
+                                  <p:childTnLst>
+                                    <p:set>
+                                      <p:cBhvr>
+                                        <p:cTn id="30" dur="1" fill="hold">
+                                          <p:stCondLst>
+                                            <p:cond delay="0"/>
+                                          </p:stCondLst>
+                                        </p:cTn>
+                                        <p:tgtEl>
+                                          <p:spTgt spid="20"/>
+                                        </p:tgtEl>
+                                        <p:attrNameLst>
+                                          <p:attrName>style.visibility</p:attrName>
+                                        </p:attrNameLst>
+                                      </p:cBhvr>
+                                      <p:to>
+                                        <p:strVal val="visible"/>
+                                      </p:to>
+                                    </p:set>
+                                    <p:animEffect transition="in" filter="wipe(left)">
+                                      <p:cBhvr>
+                                        <p:cTn id="31" dur="500"/>
+                                        <p:tgtEl>
+                                          <p:spTgt spid="20"/>
+                                        </p:tgtEl>
+                                      </p:cBhvr>
+                                    </p:animEffect>
+                                  </p:childTnLst>
+                                </p:cTn>
+                              </p:par>
+                              <p:par>
+                                <p:cTn id="32" presetID="22" presetClass="entr" presetSubtype="8" fill="hold" nodeType="withEffect">
+                                  <p:stCondLst>
+                                    <p:cond delay="0"/>
+                                  </p:stCondLst>
+                                  <p:childTnLst>
+                                    <p:set>
+                                      <p:cBhvr>
+                                        <p:cTn id="33" dur="1" fill="hold">
+                                          <p:stCondLst>
+                                            <p:cond delay="0"/>
+                                          </p:stCondLst>
+                                        </p:cTn>
+                                        <p:tgtEl>
+                                          <p:spTgt spid="24"/>
+                                        </p:tgtEl>
+                                        <p:attrNameLst>
+                                          <p:attrName>style.visibility</p:attrName>
+                                        </p:attrNameLst>
+                                      </p:cBhvr>
+                                      <p:to>
+                                        <p:strVal val="visible"/>
+                                      </p:to>
+                                    </p:set>
+                                    <p:animEffect transition="in" filter="wipe(left)">
+                                      <p:cBhvr>
+                                        <p:cTn id="34" dur="500"/>
+                                        <p:tgtEl>
+                                          <p:spTgt spid="24"/>
+                                        </p:tgtEl>
+                                      </p:cBhvr>
+                                    </p:animEffect>
+                                  </p:childTnLst>
+                                </p:cTn>
+                              </p:par>
+                              <p:par>
+                                <p:cTn id="35" presetID="22" presetClass="entr" presetSubtype="8" fill="hold" nodeType="withEffect">
+                                  <p:stCondLst>
+                                    <p:cond delay="0"/>
+                                  </p:stCondLst>
+                                  <p:childTnLst>
+                                    <p:set>
+                                      <p:cBhvr>
+                                        <p:cTn id="36" dur="1" fill="hold">
+                                          <p:stCondLst>
+                                            <p:cond delay="0"/>
+                                          </p:stCondLst>
+                                        </p:cTn>
+                                        <p:tgtEl>
+                                          <p:spTgt spid="18"/>
+                                        </p:tgtEl>
+                                        <p:attrNameLst>
+                                          <p:attrName>style.visibility</p:attrName>
+                                        </p:attrNameLst>
+                                      </p:cBhvr>
+                                      <p:to>
+                                        <p:strVal val="visible"/>
+                                      </p:to>
+                                    </p:set>
+                                    <p:animEffect transition="in" filter="wipe(left)">
+                                      <p:cBhvr>
+                                        <p:cTn id="37" dur="500"/>
+                                        <p:tgtEl>
+                                          <p:spTgt spid="18"/>
+                                        </p:tgtEl>
+                                      </p:cBhvr>
+                                    </p:animEffect>
+                                  </p:childTnLst>
+                                </p:cTn>
+                              </p:par>
+                              <p:par>
+                                <p:cTn id="38" presetID="22" presetClass="entr" presetSubtype="8" fill="hold" nodeType="withEffect">
+                                  <p:stCondLst>
+                                    <p:cond delay="0"/>
+                                  </p:stCondLst>
+                                  <p:childTnLst>
+                                    <p:set>
+                                      <p:cBhvr>
+                                        <p:cTn id="39" dur="1" fill="hold">
+                                          <p:stCondLst>
+                                            <p:cond delay="0"/>
+                                          </p:stCondLst>
+                                        </p:cTn>
+                                        <p:tgtEl>
+                                          <p:spTgt spid="30"/>
+                                        </p:tgtEl>
+                                        <p:attrNameLst>
+                                          <p:attrName>style.visibility</p:attrName>
+                                        </p:attrNameLst>
+                                      </p:cBhvr>
+                                      <p:to>
+                                        <p:strVal val="visible"/>
+                                      </p:to>
+                                    </p:set>
+                                    <p:animEffect transition="in" filter="wipe(left)">
+                                      <p:cBhvr>
+                                        <p:cTn id="40" dur="500"/>
+                                        <p:tgtEl>
+                                          <p:spTgt spid="30"/>
+                                        </p:tgtEl>
+                                      </p:cBhvr>
+                                    </p:animEffect>
+                                  </p:childTnLst>
+                                </p:cTn>
+                              </p:par>
+                              <p:par>
+                                <p:cTn id="41" presetID="22" presetClass="entr" presetSubtype="8" fill="hold" nodeType="withEffect">
+                                  <p:stCondLst>
+                                    <p:cond delay="0"/>
+                                  </p:stCondLst>
+                                  <p:childTnLst>
+                                    <p:set>
+                                      <p:cBhvr>
+                                        <p:cTn id="42" dur="1" fill="hold">
+                                          <p:stCondLst>
+                                            <p:cond delay="0"/>
+                                          </p:stCondLst>
+                                        </p:cTn>
+                                        <p:tgtEl>
+                                          <p:spTgt spid="26"/>
+                                        </p:tgtEl>
+                                        <p:attrNameLst>
+                                          <p:attrName>style.visibility</p:attrName>
+                                        </p:attrNameLst>
+                                      </p:cBhvr>
+                                      <p:to>
+                                        <p:strVal val="visible"/>
+                                      </p:to>
+                                    </p:set>
+                                    <p:animEffect transition="in" filter="wipe(left)">
+                                      <p:cBhvr>
+                                        <p:cTn id="43" dur="500"/>
+                                        <p:tgtEl>
+                                          <p:spTgt spid="26"/>
+                                        </p:tgtEl>
+                                      </p:cBhvr>
+                                    </p:animEffect>
+                                  </p:childTnLst>
+                                </p:cTn>
+                              </p:par>
+                              <p:par>
+                                <p:cTn id="44" presetID="22" presetClass="entr" presetSubtype="8" fill="hold" nodeType="withEffect">
+                                  <p:stCondLst>
+                                    <p:cond delay="0"/>
+                                  </p:stCondLst>
+                                  <p:childTnLst>
+                                    <p:set>
+                                      <p:cBhvr>
+                                        <p:cTn id="45" dur="1" fill="hold">
+                                          <p:stCondLst>
+                                            <p:cond delay="0"/>
+                                          </p:stCondLst>
+                                        </p:cTn>
+                                        <p:tgtEl>
+                                          <p:spTgt spid="32"/>
+                                        </p:tgtEl>
+                                        <p:attrNameLst>
+                                          <p:attrName>style.visibility</p:attrName>
+                                        </p:attrNameLst>
+                                      </p:cBhvr>
+                                      <p:to>
+                                        <p:strVal val="visible"/>
+                                      </p:to>
+                                    </p:set>
+                                    <p:animEffect transition="in" filter="wipe(left)">
+                                      <p:cBhvr>
+                                        <p:cTn id="46" dur="500"/>
+                                        <p:tgtEl>
+                                          <p:spTgt spid="32"/>
+                                        </p:tgtEl>
+                                      </p:cBhvr>
+                                    </p:animEffect>
+                                  </p:childTnLst>
+                                </p:cTn>
+                              </p:par>
+                              <p:par>
+                                <p:cTn id="47" presetID="22" presetClass="entr" presetSubtype="8" fill="hold" nodeType="withEffect">
+                                  <p:stCondLst>
+                                    <p:cond delay="0"/>
+                                  </p:stCondLst>
+                                  <p:childTnLst>
+                                    <p:set>
+                                      <p:cBhvr>
+                                        <p:cTn id="48" dur="1" fill="hold">
+                                          <p:stCondLst>
+                                            <p:cond delay="0"/>
+                                          </p:stCondLst>
+                                        </p:cTn>
+                                        <p:tgtEl>
+                                          <p:spTgt spid="28"/>
+                                        </p:tgtEl>
+                                        <p:attrNameLst>
+                                          <p:attrName>style.visibility</p:attrName>
+                                        </p:attrNameLst>
+                                      </p:cBhvr>
+                                      <p:to>
+                                        <p:strVal val="visible"/>
+                                      </p:to>
+                                    </p:set>
+                                    <p:animEffect transition="in" filter="wipe(left)">
+                                      <p:cBhvr>
+                                        <p:cTn id="49" dur="500"/>
+                                        <p:tgtEl>
+                                          <p:spTgt spid="28"/>
+                                        </p:tgtEl>
+                                      </p:cBhvr>
+                                    </p:animEffect>
+                                  </p:childTnLst>
+                                </p:cTn>
+                              </p:par>
+                              <p:par>
+                                <p:cTn id="50" presetID="22" presetClass="entr" presetSubtype="8" fill="hold" nodeType="withEffect">
+                                  <p:stCondLst>
+                                    <p:cond delay="0"/>
+                                  </p:stCondLst>
+                                  <p:childTnLst>
+                                    <p:set>
+                                      <p:cBhvr>
+                                        <p:cTn id="51" dur="1" fill="hold">
+                                          <p:stCondLst>
+                                            <p:cond delay="0"/>
+                                          </p:stCondLst>
+                                        </p:cTn>
+                                        <p:tgtEl>
+                                          <p:spTgt spid="42"/>
+                                        </p:tgtEl>
+                                        <p:attrNameLst>
+                                          <p:attrName>style.visibility</p:attrName>
+                                        </p:attrNameLst>
+                                      </p:cBhvr>
+                                      <p:to>
+                                        <p:strVal val="visible"/>
+                                      </p:to>
+                                    </p:set>
+                                    <p:animEffect transition="in" filter="wipe(left)">
+                                      <p:cBhvr>
+                                        <p:cTn id="52" dur="500"/>
+                                        <p:tgtEl>
+                                          <p:spTgt spid="42"/>
+                                        </p:tgtEl>
+                                      </p:cBhvr>
+                                    </p:animEffect>
+                                  </p:childTnLst>
+                                </p:cTn>
+                              </p:par>
+                              <p:par>
+                                <p:cTn id="53" presetID="22" presetClass="entr" presetSubtype="8" fill="hold" grpId="0" nodeType="withEffect">
+                                  <p:stCondLst>
+                                    <p:cond delay="0"/>
+                                  </p:stCondLst>
+                                  <p:childTnLst>
+                                    <p:set>
+                                      <p:cBhvr>
+                                        <p:cTn id="54" dur="1" fill="hold">
+                                          <p:stCondLst>
+                                            <p:cond delay="0"/>
+                                          </p:stCondLst>
+                                        </p:cTn>
+                                        <p:tgtEl>
+                                          <p:spTgt spid="9"/>
+                                        </p:tgtEl>
+                                        <p:attrNameLst>
+                                          <p:attrName>style.visibility</p:attrName>
+                                        </p:attrNameLst>
+                                      </p:cBhvr>
+                                      <p:to>
+                                        <p:strVal val="visible"/>
+                                      </p:to>
+                                    </p:set>
+                                    <p:animEffect transition="in" filter="wipe(left)">
+                                      <p:cBhvr>
+                                        <p:cTn id="55" dur="500"/>
+                                        <p:tgtEl>
+                                          <p:spTgt spid="9"/>
+                                        </p:tgtEl>
+                                      </p:cBhvr>
+                                    </p:animEffect>
+                                  </p:childTnLst>
+                                </p:cTn>
+                              </p:par>
+                              <p:par>
+                                <p:cTn id="56" presetID="22" presetClass="entr" presetSubtype="8" fill="hold" grpId="0" nodeType="withEffect">
+                                  <p:stCondLst>
+                                    <p:cond delay="0"/>
+                                  </p:stCondLst>
+                                  <p:childTnLst>
+                                    <p:set>
+                                      <p:cBhvr>
+                                        <p:cTn id="57" dur="1" fill="hold">
+                                          <p:stCondLst>
+                                            <p:cond delay="0"/>
+                                          </p:stCondLst>
+                                        </p:cTn>
+                                        <p:tgtEl>
+                                          <p:spTgt spid="10"/>
+                                        </p:tgtEl>
+                                        <p:attrNameLst>
+                                          <p:attrName>style.visibility</p:attrName>
+                                        </p:attrNameLst>
+                                      </p:cBhvr>
+                                      <p:to>
+                                        <p:strVal val="visible"/>
+                                      </p:to>
+                                    </p:set>
+                                    <p:animEffect transition="in" filter="wipe(left)">
+                                      <p:cBhvr>
+                                        <p:cTn id="58" dur="500"/>
+                                        <p:tgtEl>
+                                          <p:spTgt spid="10"/>
+                                        </p:tgtEl>
+                                      </p:cBhvr>
+                                    </p:animEffect>
+                                  </p:childTnLst>
+                                </p:cTn>
+                              </p:par>
+                              <p:par>
+                                <p:cTn id="59" presetID="22" presetClass="entr" presetSubtype="8" fill="hold" grpId="0" nodeType="withEffect">
+                                  <p:stCondLst>
+                                    <p:cond delay="0"/>
+                                  </p:stCondLst>
+                                  <p:childTnLst>
+                                    <p:set>
+                                      <p:cBhvr>
+                                        <p:cTn id="60" dur="1" fill="hold">
+                                          <p:stCondLst>
+                                            <p:cond delay="0"/>
+                                          </p:stCondLst>
+                                        </p:cTn>
+                                        <p:tgtEl>
+                                          <p:spTgt spid="11"/>
+                                        </p:tgtEl>
+                                        <p:attrNameLst>
+                                          <p:attrName>style.visibility</p:attrName>
+                                        </p:attrNameLst>
+                                      </p:cBhvr>
+                                      <p:to>
+                                        <p:strVal val="visible"/>
+                                      </p:to>
+                                    </p:set>
+                                    <p:animEffect transition="in" filter="wipe(left)">
+                                      <p:cBhvr>
+                                        <p:cTn id="61" dur="500"/>
+                                        <p:tgtEl>
+                                          <p:spTgt spid="11"/>
+                                        </p:tgtEl>
+                                      </p:cBhvr>
+                                    </p:animEffect>
+                                  </p:childTnLst>
+                                </p:cTn>
+                              </p:par>
+                              <p:par>
+                                <p:cTn id="62" presetID="22" presetClass="entr" presetSubtype="8" fill="hold" grpId="0" nodeType="withEffect">
+                                  <p:stCondLst>
+                                    <p:cond delay="0"/>
+                                  </p:stCondLst>
+                                  <p:childTnLst>
+                                    <p:set>
+                                      <p:cBhvr>
+                                        <p:cTn id="63" dur="1" fill="hold">
+                                          <p:stCondLst>
+                                            <p:cond delay="0"/>
+                                          </p:stCondLst>
+                                        </p:cTn>
+                                        <p:tgtEl>
+                                          <p:spTgt spid="66"/>
+                                        </p:tgtEl>
+                                        <p:attrNameLst>
+                                          <p:attrName>style.visibility</p:attrName>
+                                        </p:attrNameLst>
+                                      </p:cBhvr>
+                                      <p:to>
+                                        <p:strVal val="visible"/>
+                                      </p:to>
+                                    </p:set>
+                                    <p:animEffect transition="in" filter="wipe(left)">
+                                      <p:cBhvr>
+                                        <p:cTn id="64" dur="500"/>
+                                        <p:tgtEl>
+                                          <p:spTgt spid="66"/>
+                                        </p:tgtEl>
+                                      </p:cBhvr>
+                                    </p:animEffect>
+                                  </p:childTnLst>
+                                </p:cTn>
+                              </p:par>
+                              <p:par>
+                                <p:cTn id="65" presetID="22" presetClass="entr" presetSubtype="8" fill="hold" nodeType="withEffect">
+                                  <p:stCondLst>
+                                    <p:cond delay="0"/>
+                                  </p:stCondLst>
+                                  <p:childTnLst>
+                                    <p:set>
+                                      <p:cBhvr>
+                                        <p:cTn id="66" dur="1" fill="hold">
+                                          <p:stCondLst>
+                                            <p:cond delay="0"/>
+                                          </p:stCondLst>
+                                        </p:cTn>
+                                        <p:tgtEl>
+                                          <p:spTgt spid="45"/>
+                                        </p:tgtEl>
+                                        <p:attrNameLst>
+                                          <p:attrName>style.visibility</p:attrName>
+                                        </p:attrNameLst>
+                                      </p:cBhvr>
+                                      <p:to>
+                                        <p:strVal val="visible"/>
+                                      </p:to>
+                                    </p:set>
+                                    <p:animEffect transition="in" filter="wipe(left)">
+                                      <p:cBhvr>
+                                        <p:cTn id="67" dur="500"/>
+                                        <p:tgtEl>
+                                          <p:spTgt spid="45"/>
+                                        </p:tgtEl>
+                                      </p:cBhvr>
+                                    </p:animEffect>
+                                  </p:childTnLst>
+                                </p:cTn>
+                              </p:par>
+                              <p:par>
+                                <p:cTn id="68" presetID="22" presetClass="entr" presetSubtype="8" fill="hold" nodeType="withEffect">
+                                  <p:stCondLst>
+                                    <p:cond delay="0"/>
+                                  </p:stCondLst>
+                                  <p:childTnLst>
+                                    <p:set>
+                                      <p:cBhvr>
+                                        <p:cTn id="69" dur="1" fill="hold">
+                                          <p:stCondLst>
+                                            <p:cond delay="0"/>
+                                          </p:stCondLst>
+                                        </p:cTn>
+                                        <p:tgtEl>
+                                          <p:spTgt spid="49"/>
+                                        </p:tgtEl>
+                                        <p:attrNameLst>
+                                          <p:attrName>style.visibility</p:attrName>
+                                        </p:attrNameLst>
+                                      </p:cBhvr>
+                                      <p:to>
+                                        <p:strVal val="visible"/>
+                                      </p:to>
+                                    </p:set>
+                                    <p:animEffect transition="in" filter="wipe(left)">
+                                      <p:cBhvr>
+                                        <p:cTn id="70" dur="500"/>
+                                        <p:tgtEl>
+                                          <p:spTgt spid="49"/>
+                                        </p:tgtEl>
+                                      </p:cBhvr>
+                                    </p:animEffect>
+                                  </p:childTnLst>
+                                </p:cTn>
+                              </p:par>
+                              <p:par>
+                                <p:cTn id="71" presetID="22" presetClass="entr" presetSubtype="8" fill="hold" nodeType="withEffect">
+                                  <p:stCondLst>
+                                    <p:cond delay="0"/>
+                                  </p:stCondLst>
+                                  <p:childTnLst>
+                                    <p:set>
+                                      <p:cBhvr>
+                                        <p:cTn id="72" dur="1" fill="hold">
+                                          <p:stCondLst>
+                                            <p:cond delay="0"/>
+                                          </p:stCondLst>
+                                        </p:cTn>
+                                        <p:tgtEl>
+                                          <p:spTgt spid="51"/>
+                                        </p:tgtEl>
+                                        <p:attrNameLst>
+                                          <p:attrName>style.visibility</p:attrName>
+                                        </p:attrNameLst>
+                                      </p:cBhvr>
+                                      <p:to>
+                                        <p:strVal val="visible"/>
+                                      </p:to>
+                                    </p:set>
+                                    <p:animEffect transition="in" filter="wipe(left)">
+                                      <p:cBhvr>
+                                        <p:cTn id="73" dur="500"/>
+                                        <p:tgtEl>
+                                          <p:spTgt spid="51"/>
+                                        </p:tgtEl>
+                                      </p:cBhvr>
+                                    </p:animEffect>
+                                  </p:childTnLst>
+                                </p:cTn>
+                              </p:par>
+                              <p:par>
+                                <p:cTn id="74" presetID="22" presetClass="entr" presetSubtype="8" fill="hold" nodeType="withEffect">
+                                  <p:stCondLst>
+                                    <p:cond delay="0"/>
+                                  </p:stCondLst>
+                                  <p:childTnLst>
+                                    <p:set>
+                                      <p:cBhvr>
+                                        <p:cTn id="75" dur="1" fill="hold">
+                                          <p:stCondLst>
+                                            <p:cond delay="0"/>
+                                          </p:stCondLst>
+                                        </p:cTn>
+                                        <p:tgtEl>
+                                          <p:spTgt spid="53"/>
+                                        </p:tgtEl>
+                                        <p:attrNameLst>
+                                          <p:attrName>style.visibility</p:attrName>
+                                        </p:attrNameLst>
+                                      </p:cBhvr>
+                                      <p:to>
+                                        <p:strVal val="visible"/>
+                                      </p:to>
+                                    </p:set>
+                                    <p:animEffect transition="in" filter="wipe(left)">
+                                      <p:cBhvr>
+                                        <p:cTn id="76" dur="500"/>
+                                        <p:tgtEl>
+                                          <p:spTgt spid="53"/>
+                                        </p:tgtEl>
+                                      </p:cBhvr>
+                                    </p:animEffect>
+                                  </p:childTnLst>
+                                </p:cTn>
+                              </p:par>
+                              <p:par>
+                                <p:cTn id="77" presetID="22" presetClass="entr" presetSubtype="8" fill="hold" nodeType="withEffect">
+                                  <p:stCondLst>
+                                    <p:cond delay="0"/>
+                                  </p:stCondLst>
+                                  <p:childTnLst>
+                                    <p:set>
+                                      <p:cBhvr>
+                                        <p:cTn id="78" dur="1" fill="hold">
+                                          <p:stCondLst>
+                                            <p:cond delay="0"/>
+                                          </p:stCondLst>
+                                        </p:cTn>
+                                        <p:tgtEl>
+                                          <p:spTgt spid="56"/>
+                                        </p:tgtEl>
+                                        <p:attrNameLst>
+                                          <p:attrName>style.visibility</p:attrName>
+                                        </p:attrNameLst>
+                                      </p:cBhvr>
+                                      <p:to>
+                                        <p:strVal val="visible"/>
+                                      </p:to>
+                                    </p:set>
+                                    <p:animEffect transition="in" filter="wipe(left)">
+                                      <p:cBhvr>
+                                        <p:cTn id="79" dur="500"/>
+                                        <p:tgtEl>
+                                          <p:spTgt spid="56"/>
+                                        </p:tgtEl>
+                                      </p:cBhvr>
+                                    </p:animEffect>
+                                  </p:childTnLst>
+                                </p:cTn>
+                              </p:par>
+                              <p:par>
+                                <p:cTn id="80" presetID="22" presetClass="entr" presetSubtype="8" fill="hold" nodeType="withEffect">
+                                  <p:stCondLst>
+                                    <p:cond delay="0"/>
+                                  </p:stCondLst>
+                                  <p:childTnLst>
+                                    <p:set>
+                                      <p:cBhvr>
+                                        <p:cTn id="81" dur="1" fill="hold">
+                                          <p:stCondLst>
+                                            <p:cond delay="0"/>
+                                          </p:stCondLst>
+                                        </p:cTn>
+                                        <p:tgtEl>
+                                          <p:spTgt spid="59"/>
+                                        </p:tgtEl>
+                                        <p:attrNameLst>
+                                          <p:attrName>style.visibility</p:attrName>
+                                        </p:attrNameLst>
+                                      </p:cBhvr>
+                                      <p:to>
+                                        <p:strVal val="visible"/>
+                                      </p:to>
+                                    </p:set>
+                                    <p:animEffect transition="in" filter="wipe(left)">
+                                      <p:cBhvr>
+                                        <p:cTn id="82" dur="500"/>
+                                        <p:tgtEl>
+                                          <p:spTgt spid="59"/>
+                                        </p:tgtEl>
+                                      </p:cBhvr>
+                                    </p:animEffect>
+                                  </p:childTnLst>
+                                </p:cTn>
+                              </p:par>
+                              <p:par>
+                                <p:cTn id="83" presetID="22" presetClass="entr" presetSubtype="8" fill="hold" grpId="0" nodeType="withEffect">
+                                  <p:stCondLst>
+                                    <p:cond delay="0"/>
+                                  </p:stCondLst>
+                                  <p:childTnLst>
+                                    <p:set>
+                                      <p:cBhvr>
+                                        <p:cTn id="84" dur="1" fill="hold">
+                                          <p:stCondLst>
+                                            <p:cond delay="0"/>
+                                          </p:stCondLst>
+                                        </p:cTn>
+                                        <p:tgtEl>
+                                          <p:spTgt spid="67"/>
+                                        </p:tgtEl>
+                                        <p:attrNameLst>
+                                          <p:attrName>style.visibility</p:attrName>
+                                        </p:attrNameLst>
+                                      </p:cBhvr>
+                                      <p:to>
+                                        <p:strVal val="visible"/>
+                                      </p:to>
+                                    </p:set>
+                                    <p:animEffect transition="in" filter="wipe(left)">
+                                      <p:cBhvr>
+                                        <p:cTn id="85" dur="500"/>
+                                        <p:tgtEl>
+                                          <p:spTgt spid="67"/>
+                                        </p:tgtEl>
+                                      </p:cBhvr>
+                                    </p:animEffect>
+                                  </p:childTnLst>
+                                </p:cTn>
+                              </p:par>
+                              <p:par>
+                                <p:cTn id="86" presetID="22" presetClass="entr" presetSubtype="8" fill="hold" grpId="0" nodeType="withEffect">
+                                  <p:stCondLst>
+                                    <p:cond delay="0"/>
+                                  </p:stCondLst>
+                                  <p:childTnLst>
+                                    <p:set>
+                                      <p:cBhvr>
+                                        <p:cTn id="87" dur="1" fill="hold">
+                                          <p:stCondLst>
+                                            <p:cond delay="0"/>
+                                          </p:stCondLst>
+                                        </p:cTn>
+                                        <p:tgtEl>
+                                          <p:spTgt spid="13"/>
+                                        </p:tgtEl>
+                                        <p:attrNameLst>
+                                          <p:attrName>style.visibility</p:attrName>
+                                        </p:attrNameLst>
+                                      </p:cBhvr>
+                                      <p:to>
+                                        <p:strVal val="visible"/>
+                                      </p:to>
+                                    </p:set>
+                                    <p:animEffect transition="in" filter="wipe(left)">
+                                      <p:cBhvr>
+                                        <p:cTn id="88" dur="500"/>
+                                        <p:tgtEl>
+                                          <p:spTgt spid="13"/>
+                                        </p:tgtEl>
+                                      </p:cBhvr>
+                                    </p:animEffect>
+                                  </p:childTnLst>
+                                </p:cTn>
+                              </p:par>
+                              <p:par>
+                                <p:cTn id="89" presetID="22" presetClass="entr" presetSubtype="8" fill="hold" grpId="0" nodeType="withEffect">
+                                  <p:stCondLst>
+                                    <p:cond delay="0"/>
+                                  </p:stCondLst>
+                                  <p:childTnLst>
+                                    <p:set>
+                                      <p:cBhvr>
+                                        <p:cTn id="90" dur="1" fill="hold">
+                                          <p:stCondLst>
+                                            <p:cond delay="0"/>
+                                          </p:stCondLst>
+                                        </p:cTn>
+                                        <p:tgtEl>
+                                          <p:spTgt spid="12"/>
+                                        </p:tgtEl>
+                                        <p:attrNameLst>
+                                          <p:attrName>style.visibility</p:attrName>
+                                        </p:attrNameLst>
+                                      </p:cBhvr>
+                                      <p:to>
+                                        <p:strVal val="visible"/>
+                                      </p:to>
+                                    </p:set>
+                                    <p:animEffect transition="in" filter="wipe(left)">
+                                      <p:cBhvr>
+                                        <p:cTn id="91" dur="500"/>
+                                        <p:tgtEl>
+                                          <p:spTgt spid="12"/>
+                                        </p:tgtEl>
+                                      </p:cBhvr>
+                                    </p:animEffect>
+                                  </p:childTnLst>
+                                </p:cTn>
+                              </p:par>
+                            </p:childTnLst>
+                          </p:cTn>
+                        </p:par>
+                      </p:childTnLst>
+                    </p:cTn>
+                  </p:par>
+                  <p:par>
+                    <p:cTn id="92" fill="hold">
+                      <p:stCondLst>
+                        <p:cond delay="indefinite"/>
+                      </p:stCondLst>
+                      <p:childTnLst>
+                        <p:par>
+                          <p:cTn id="93" fill="hold">
+                            <p:stCondLst>
+                              <p:cond delay="0"/>
+                            </p:stCondLst>
+                            <p:childTnLst>
+                              <p:par>
+                                <p:cTn id="94" presetID="22" presetClass="entr" presetSubtype="4" fill="hold" grpId="0" nodeType="clickEffect">
+                                  <p:stCondLst>
+                                    <p:cond delay="0"/>
+                                  </p:stCondLst>
+                                  <p:childTnLst>
+                                    <p:set>
+                                      <p:cBhvr>
+                                        <p:cTn id="95" dur="1" fill="hold">
+                                          <p:stCondLst>
+                                            <p:cond delay="0"/>
+                                          </p:stCondLst>
+                                        </p:cTn>
+                                        <p:tgtEl>
+                                          <p:spTgt spid="71"/>
+                                        </p:tgtEl>
+                                        <p:attrNameLst>
+                                          <p:attrName>style.visibility</p:attrName>
+                                        </p:attrNameLst>
+                                      </p:cBhvr>
+                                      <p:to>
+                                        <p:strVal val="visible"/>
+                                      </p:to>
+                                    </p:set>
+                                    <p:animEffect transition="in" filter="wipe(down)">
+                                      <p:cBhvr>
+                                        <p:cTn id="96" dur="500"/>
+                                        <p:tgtEl>
+                                          <p:spTgt spid="71"/>
+                                        </p:tgtEl>
+                                      </p:cBhvr>
+                                    </p:animEffect>
+                                  </p:childTnLst>
+                                </p:cTn>
+                              </p:par>
+                            </p:childTnLst>
+                          </p:cTn>
+                        </p:par>
+                      </p:childTnLst>
+                    </p:cTn>
+                  </p:par>
+                  <p:par>
+                    <p:cTn id="97" fill="hold">
+                      <p:stCondLst>
+                        <p:cond delay="indefinite"/>
+                      </p:stCondLst>
+                      <p:childTnLst>
+                        <p:par>
+                          <p:cTn id="98" fill="hold">
+                            <p:stCondLst>
+                              <p:cond delay="0"/>
+                            </p:stCondLst>
+                            <p:childTnLst>
+                              <p:par>
+                                <p:cTn id="99" presetID="22" presetClass="entr" presetSubtype="4" fill="hold" grpId="0" nodeType="clickEffect">
+                                  <p:stCondLst>
+                                    <p:cond delay="0"/>
+                                  </p:stCondLst>
+                                  <p:childTnLst>
+                                    <p:set>
+                                      <p:cBhvr>
+                                        <p:cTn id="100" dur="1" fill="hold">
+                                          <p:stCondLst>
+                                            <p:cond delay="0"/>
+                                          </p:stCondLst>
+                                        </p:cTn>
+                                        <p:tgtEl>
+                                          <p:spTgt spid="68"/>
+                                        </p:tgtEl>
+                                        <p:attrNameLst>
+                                          <p:attrName>style.visibility</p:attrName>
+                                        </p:attrNameLst>
+                                      </p:cBhvr>
+                                      <p:to>
+                                        <p:strVal val="visible"/>
+                                      </p:to>
+                                    </p:set>
+                                    <p:animEffect transition="in" filter="wipe(down)">
+                                      <p:cBhvr>
+                                        <p:cTn id="101" dur="500"/>
+                                        <p:tgtEl>
+                                          <p:spTgt spid="68"/>
+                                        </p:tgtEl>
+                                      </p:cBhvr>
+                                    </p:animEffect>
+                                  </p:childTnLst>
+                                </p:cTn>
+                              </p:par>
+                            </p:childTnLst>
+                          </p:cTn>
+                        </p:par>
+                      </p:childTnLst>
+                    </p:cTn>
+                  </p:par>
+                  <p:par>
+                    <p:cTn id="102" fill="hold">
+                      <p:stCondLst>
+                        <p:cond delay="indefinite"/>
+                      </p:stCondLst>
+                      <p:childTnLst>
+                        <p:par>
+                          <p:cTn id="103" fill="hold">
+                            <p:stCondLst>
+                              <p:cond delay="0"/>
+                            </p:stCondLst>
+                            <p:childTnLst>
+                              <p:par>
+                                <p:cTn id="104" presetID="22" presetClass="entr" presetSubtype="4" fill="hold" grpId="0" nodeType="clickEffect">
+                                  <p:stCondLst>
+                                    <p:cond delay="0"/>
+                                  </p:stCondLst>
+                                  <p:childTnLst>
+                                    <p:set>
+                                      <p:cBhvr>
+                                        <p:cTn id="105" dur="1" fill="hold">
+                                          <p:stCondLst>
+                                            <p:cond delay="0"/>
+                                          </p:stCondLst>
+                                        </p:cTn>
+                                        <p:tgtEl>
+                                          <p:spTgt spid="74"/>
+                                        </p:tgtEl>
+                                        <p:attrNameLst>
+                                          <p:attrName>style.visibility</p:attrName>
+                                        </p:attrNameLst>
+                                      </p:cBhvr>
+                                      <p:to>
+                                        <p:strVal val="visible"/>
+                                      </p:to>
+                                    </p:set>
+                                    <p:animEffect transition="in" filter="wipe(down)">
+                                      <p:cBhvr>
+                                        <p:cTn id="106" dur="500"/>
+                                        <p:tgtEl>
+                                          <p:spTgt spid="74"/>
+                                        </p:tgtEl>
+                                      </p:cBhvr>
+                                    </p:animEffect>
+                                  </p:childTnLst>
+                                </p:cTn>
+                              </p:par>
+                            </p:childTnLst>
+                          </p:cTn>
+                        </p:par>
+                      </p:childTnLst>
+                    </p:cTn>
+                  </p:par>
+                </p:childTnLst>
+              </p:cTn>
+              <p:prevCondLst>
+                <p:cond evt="onPrev" delay="0">
+                  <p:tgtEl>
+                    <p:sldTgt/>
+                  </p:tgtEl>
+                </p:cond>
+              </p:prevCondLst>
+              <p:nextCondLst>
+                <p:cond evt="onNext" delay="0">
+                  <p:tgtEl>
+                    <p:sldTgt/>
+                  </p:tgtEl>
+                </p:cond>
+              </p:nextCondLst>
+            </p:seq>
+          </p:childTnLst>
+        </p:cTn>
+      </p:par>
+    </p:tnLst>
+    <p:bldLst>
+      <p:bldP spid="7" grpId="0" animBg="1"/>
+      <p:bldP spid="6" grpId="0" animBg="1"/>
+      <p:bldP spid="8" grpId="0" animBg="1"/>
+      <p:bldP spid="9" grpId="0" animBg="1"/>
+      <p:bldP spid="10" grpId="0" animBg="1"/>
+      <p:bldP spid="11" grpId="0" animBg="1"/>
+      <p:bldP spid="12" grpId="0" animBg="1"/>
+      <p:bldP spid="13" grpId="0" animBg="1"/>
+      <p:bldP spid="65" grpId="0"/>
+      <p:bldP spid="66" grpId="0"/>
+      <p:bldP spid="67" grpId="0"/>
+      <p:bldP spid="68" grpId="0" animBg="1"/>
+      <p:bldP spid="70" grpId="0"/>
+      <p:bldP spid="71" grpId="0" animBg="1"/>
+      <p:bldP spid="72" grpId="0"/>
+      <p:bldP spid="73" grpId="0"/>
+      <p:bldP spid="74" grpId="0" animBg="1"/>
+    </p:bldLst>
+  </p:timing>
 </p:sld>
 </file>
 

--- a/presentation/bit Composer.pptx
+++ b/presentation/bit Composer.pptx
@@ -265,7 +265,7 @@
           <a:p>
             <a:fld id="{CFE7C3F7-5C92-45C1-81B6-3020317CA2CB}" type="datetimeFigureOut">
               <a:rPr kumimoji="1" lang="ja-JP" altLang="en-US" smtClean="0"/>
-              <a:t>2021/10/7</a:t>
+              <a:t>2021/10/8</a:t>
             </a:fld>
             <a:endParaRPr kumimoji="1" lang="ja-JP" altLang="en-US"/>
           </a:p>
@@ -1209,7 +1209,7 @@
           <a:p>
             <a:fld id="{4A6B28F3-BB62-4EA0-99DF-EF5932BC4FCF}" type="datetimeFigureOut">
               <a:rPr kumimoji="1" lang="ja-JP" altLang="en-US" smtClean="0"/>
-              <a:t>2021/10/7</a:t>
+              <a:t>2021/10/8</a:t>
             </a:fld>
             <a:endParaRPr kumimoji="1" lang="ja-JP" altLang="en-US"/>
           </a:p>
@@ -1451,7 +1451,7 @@
           <a:p>
             <a:fld id="{4A6B28F3-BB62-4EA0-99DF-EF5932BC4FCF}" type="datetimeFigureOut">
               <a:rPr kumimoji="1" lang="ja-JP" altLang="en-US" smtClean="0"/>
-              <a:t>2021/10/7</a:t>
+              <a:t>2021/10/8</a:t>
             </a:fld>
             <a:endParaRPr kumimoji="1" lang="ja-JP" altLang="en-US"/>
           </a:p>
@@ -1703,7 +1703,7 @@
           <a:p>
             <a:fld id="{4A6B28F3-BB62-4EA0-99DF-EF5932BC4FCF}" type="datetimeFigureOut">
               <a:rPr kumimoji="1" lang="ja-JP" altLang="en-US" smtClean="0"/>
-              <a:t>2021/10/7</a:t>
+              <a:t>2021/10/8</a:t>
             </a:fld>
             <a:endParaRPr kumimoji="1" lang="ja-JP" altLang="en-US"/>
           </a:p>
@@ -1945,7 +1945,7 @@
           <a:p>
             <a:fld id="{4A6B28F3-BB62-4EA0-99DF-EF5932BC4FCF}" type="datetimeFigureOut">
               <a:rPr kumimoji="1" lang="ja-JP" altLang="en-US" smtClean="0"/>
-              <a:t>2021/10/7</a:t>
+              <a:t>2021/10/8</a:t>
             </a:fld>
             <a:endParaRPr kumimoji="1" lang="ja-JP" altLang="en-US"/>
           </a:p>
@@ -2232,7 +2232,7 @@
           <a:p>
             <a:fld id="{4A6B28F3-BB62-4EA0-99DF-EF5932BC4FCF}" type="datetimeFigureOut">
               <a:rPr kumimoji="1" lang="ja-JP" altLang="en-US" smtClean="0"/>
-              <a:t>2021/10/7</a:t>
+              <a:t>2021/10/8</a:t>
             </a:fld>
             <a:endParaRPr kumimoji="1" lang="ja-JP" altLang="en-US"/>
           </a:p>
@@ -2573,7 +2573,7 @@
           <a:p>
             <a:fld id="{4A6B28F3-BB62-4EA0-99DF-EF5932BC4FCF}" type="datetimeFigureOut">
               <a:rPr kumimoji="1" lang="ja-JP" altLang="en-US" smtClean="0"/>
-              <a:t>2021/10/7</a:t>
+              <a:t>2021/10/8</a:t>
             </a:fld>
             <a:endParaRPr kumimoji="1" lang="ja-JP" altLang="en-US"/>
           </a:p>
@@ -3061,7 +3061,7 @@
           <a:p>
             <a:fld id="{4A6B28F3-BB62-4EA0-99DF-EF5932BC4FCF}" type="datetimeFigureOut">
               <a:rPr kumimoji="1" lang="ja-JP" altLang="en-US" smtClean="0"/>
-              <a:t>2021/10/7</a:t>
+              <a:t>2021/10/8</a:t>
             </a:fld>
             <a:endParaRPr kumimoji="1" lang="ja-JP" altLang="en-US"/>
           </a:p>
@@ -3214,7 +3214,7 @@
           <a:p>
             <a:fld id="{4A6B28F3-BB62-4EA0-99DF-EF5932BC4FCF}" type="datetimeFigureOut">
               <a:rPr kumimoji="1" lang="ja-JP" altLang="en-US" smtClean="0"/>
-              <a:t>2021/10/7</a:t>
+              <a:t>2021/10/8</a:t>
             </a:fld>
             <a:endParaRPr kumimoji="1" lang="ja-JP" altLang="en-US"/>
           </a:p>
@@ -3339,7 +3339,7 @@
           <a:p>
             <a:fld id="{4A6B28F3-BB62-4EA0-99DF-EF5932BC4FCF}" type="datetimeFigureOut">
               <a:rPr kumimoji="1" lang="ja-JP" altLang="en-US" smtClean="0"/>
-              <a:t>2021/10/7</a:t>
+              <a:t>2021/10/8</a:t>
             </a:fld>
             <a:endParaRPr kumimoji="1" lang="ja-JP" altLang="en-US"/>
           </a:p>
@@ -3694,7 +3694,7 @@
           <a:p>
             <a:fld id="{4A6B28F3-BB62-4EA0-99DF-EF5932BC4FCF}" type="datetimeFigureOut">
               <a:rPr kumimoji="1" lang="ja-JP" altLang="en-US" smtClean="0"/>
-              <a:t>2021/10/7</a:t>
+              <a:t>2021/10/8</a:t>
             </a:fld>
             <a:endParaRPr kumimoji="1" lang="ja-JP" altLang="en-US"/>
           </a:p>
@@ -3994,7 +3994,7 @@
           <a:p>
             <a:fld id="{4A6B28F3-BB62-4EA0-99DF-EF5932BC4FCF}" type="datetimeFigureOut">
               <a:rPr kumimoji="1" lang="ja-JP" altLang="en-US" smtClean="0"/>
-              <a:t>2021/10/7</a:t>
+              <a:t>2021/10/8</a:t>
             </a:fld>
             <a:endParaRPr kumimoji="1" lang="ja-JP" altLang="en-US"/>
           </a:p>
@@ -4279,7 +4279,7 @@
           <a:p>
             <a:fld id="{4A6B28F3-BB62-4EA0-99DF-EF5932BC4FCF}" type="datetimeFigureOut">
               <a:rPr kumimoji="1" lang="ja-JP" altLang="en-US" smtClean="0"/>
-              <a:t>2021/10/7</a:t>
+              <a:t>2021/10/8</a:t>
             </a:fld>
             <a:endParaRPr kumimoji="1" lang="ja-JP" altLang="en-US"/>
           </a:p>
@@ -4993,8 +4993,8 @@
           </a:p>
         </p:txBody>
       </p:sp>
-      <mc:AlternateContent xmlns:mc="http://schemas.openxmlformats.org/markup-compatibility/2006">
-        <mc:Choice xmlns:a14="http://schemas.microsoft.com/office/drawing/2010/main" Requires="a14">
+      <mc:AlternateContent xmlns:mc="http://schemas.openxmlformats.org/markup-compatibility/2006" xmlns:a14="http://schemas.microsoft.com/office/drawing/2010/main">
+        <mc:Choice Requires="a14">
           <p:sp>
             <p:nvSpPr>
               <p:cNvPr id="5" name="フローチャート: 結合子 4">
@@ -5082,7 +5082,7 @@
             </p:txBody>
           </p:sp>
         </mc:Choice>
-        <mc:Fallback>
+        <mc:Fallback xmlns="">
           <p:sp>
             <p:nvSpPr>
               <p:cNvPr id="5" name="フローチャート: 結合子 4">
@@ -5127,8 +5127,8 @@
           </p:sp>
         </mc:Fallback>
       </mc:AlternateContent>
-      <mc:AlternateContent xmlns:mc="http://schemas.openxmlformats.org/markup-compatibility/2006">
-        <mc:Choice xmlns:a14="http://schemas.microsoft.com/office/drawing/2010/main" Requires="a14">
+      <mc:AlternateContent xmlns:mc="http://schemas.openxmlformats.org/markup-compatibility/2006" xmlns:a14="http://schemas.microsoft.com/office/drawing/2010/main">
+        <mc:Choice Requires="a14">
           <p:sp>
             <p:nvSpPr>
               <p:cNvPr id="6" name="フローチャート: 結合子 5">
@@ -5216,7 +5216,7 @@
             </p:txBody>
           </p:sp>
         </mc:Choice>
-        <mc:Fallback>
+        <mc:Fallback xmlns="">
           <p:sp>
             <p:nvSpPr>
               <p:cNvPr id="6" name="フローチャート: 結合子 5">
@@ -5261,8 +5261,8 @@
           </p:sp>
         </mc:Fallback>
       </mc:AlternateContent>
-      <mc:AlternateContent xmlns:mc="http://schemas.openxmlformats.org/markup-compatibility/2006">
-        <mc:Choice xmlns:a14="http://schemas.microsoft.com/office/drawing/2010/main" Requires="a14">
+      <mc:AlternateContent xmlns:mc="http://schemas.openxmlformats.org/markup-compatibility/2006" xmlns:a14="http://schemas.microsoft.com/office/drawing/2010/main">
+        <mc:Choice Requires="a14">
           <p:sp>
             <p:nvSpPr>
               <p:cNvPr id="7" name="フローチャート: 結合子 6">
@@ -5350,7 +5350,7 @@
             </p:txBody>
           </p:sp>
         </mc:Choice>
-        <mc:Fallback>
+        <mc:Fallback xmlns="">
           <p:sp>
             <p:nvSpPr>
               <p:cNvPr id="7" name="フローチャート: 結合子 6">
@@ -5395,8 +5395,8 @@
           </p:sp>
         </mc:Fallback>
       </mc:AlternateContent>
-      <mc:AlternateContent xmlns:mc="http://schemas.openxmlformats.org/markup-compatibility/2006">
-        <mc:Choice xmlns:a14="http://schemas.microsoft.com/office/drawing/2010/main" Requires="a14">
+      <mc:AlternateContent xmlns:mc="http://schemas.openxmlformats.org/markup-compatibility/2006" xmlns:a14="http://schemas.microsoft.com/office/drawing/2010/main">
+        <mc:Choice Requires="a14">
           <p:sp>
             <p:nvSpPr>
               <p:cNvPr id="8" name="フローチャート: 結合子 7">
@@ -5484,7 +5484,7 @@
             </p:txBody>
           </p:sp>
         </mc:Choice>
-        <mc:Fallback>
+        <mc:Fallback xmlns="">
           <p:sp>
             <p:nvSpPr>
               <p:cNvPr id="8" name="フローチャート: 結合子 7">
@@ -5529,8 +5529,8 @@
           </p:sp>
         </mc:Fallback>
       </mc:AlternateContent>
-      <mc:AlternateContent xmlns:mc="http://schemas.openxmlformats.org/markup-compatibility/2006">
-        <mc:Choice xmlns:a14="http://schemas.microsoft.com/office/drawing/2010/main" Requires="a14">
+      <mc:AlternateContent xmlns:mc="http://schemas.openxmlformats.org/markup-compatibility/2006" xmlns:a14="http://schemas.microsoft.com/office/drawing/2010/main">
+        <mc:Choice Requires="a14">
           <p:sp>
             <p:nvSpPr>
               <p:cNvPr id="9" name="フローチャート: 結合子 8">
@@ -5618,7 +5618,7 @@
             </p:txBody>
           </p:sp>
         </mc:Choice>
-        <mc:Fallback>
+        <mc:Fallback xmlns="">
           <p:sp>
             <p:nvSpPr>
               <p:cNvPr id="9" name="フローチャート: 結合子 8">
@@ -5663,8 +5663,8 @@
           </p:sp>
         </mc:Fallback>
       </mc:AlternateContent>
-      <mc:AlternateContent xmlns:mc="http://schemas.openxmlformats.org/markup-compatibility/2006">
-        <mc:Choice xmlns:a14="http://schemas.microsoft.com/office/drawing/2010/main" Requires="a14">
+      <mc:AlternateContent xmlns:mc="http://schemas.openxmlformats.org/markup-compatibility/2006" xmlns:a14="http://schemas.microsoft.com/office/drawing/2010/main">
+        <mc:Choice Requires="a14">
           <p:sp>
             <p:nvSpPr>
               <p:cNvPr id="10" name="フローチャート: 結合子 9">
@@ -5752,7 +5752,7 @@
             </p:txBody>
           </p:sp>
         </mc:Choice>
-        <mc:Fallback>
+        <mc:Fallback xmlns="">
           <p:sp>
             <p:nvSpPr>
               <p:cNvPr id="10" name="フローチャート: 結合子 9">
@@ -5797,8 +5797,8 @@
           </p:sp>
         </mc:Fallback>
       </mc:AlternateContent>
-      <mc:AlternateContent xmlns:mc="http://schemas.openxmlformats.org/markup-compatibility/2006">
-        <mc:Choice xmlns:a14="http://schemas.microsoft.com/office/drawing/2010/main" Requires="a14">
+      <mc:AlternateContent xmlns:mc="http://schemas.openxmlformats.org/markup-compatibility/2006" xmlns:a14="http://schemas.microsoft.com/office/drawing/2010/main">
+        <mc:Choice Requires="a14">
           <p:sp>
             <p:nvSpPr>
               <p:cNvPr id="11" name="フローチャート: 結合子 10">
@@ -5886,7 +5886,7 @@
             </p:txBody>
           </p:sp>
         </mc:Choice>
-        <mc:Fallback>
+        <mc:Fallback xmlns="">
           <p:sp>
             <p:nvSpPr>
               <p:cNvPr id="11" name="フローチャート: 結合子 10">
@@ -5931,8 +5931,8 @@
           </p:sp>
         </mc:Fallback>
       </mc:AlternateContent>
-      <mc:AlternateContent xmlns:mc="http://schemas.openxmlformats.org/markup-compatibility/2006">
-        <mc:Choice xmlns:a14="http://schemas.microsoft.com/office/drawing/2010/main" Requires="a14">
+      <mc:AlternateContent xmlns:mc="http://schemas.openxmlformats.org/markup-compatibility/2006" xmlns:a14="http://schemas.microsoft.com/office/drawing/2010/main">
+        <mc:Choice Requires="a14">
           <p:sp>
             <p:nvSpPr>
               <p:cNvPr id="12" name="フローチャート: 結合子 11">
@@ -6020,7 +6020,7 @@
             </p:txBody>
           </p:sp>
         </mc:Choice>
-        <mc:Fallback>
+        <mc:Fallback xmlns="">
           <p:sp>
             <p:nvSpPr>
               <p:cNvPr id="12" name="フローチャート: 結合子 11">
@@ -6065,8 +6065,8 @@
           </p:sp>
         </mc:Fallback>
       </mc:AlternateContent>
-      <mc:AlternateContent xmlns:mc="http://schemas.openxmlformats.org/markup-compatibility/2006">
-        <mc:Choice xmlns:a14="http://schemas.microsoft.com/office/drawing/2010/main" Requires="a14">
+      <mc:AlternateContent xmlns:mc="http://schemas.openxmlformats.org/markup-compatibility/2006" xmlns:a14="http://schemas.microsoft.com/office/drawing/2010/main">
+        <mc:Choice Requires="a14">
           <p:sp>
             <p:nvSpPr>
               <p:cNvPr id="13" name="フローチャート: 結合子 12">
@@ -6154,7 +6154,7 @@
             </p:txBody>
           </p:sp>
         </mc:Choice>
-        <mc:Fallback>
+        <mc:Fallback xmlns="">
           <p:sp>
             <p:nvSpPr>
               <p:cNvPr id="13" name="フローチャート: 結合子 12">
@@ -6199,8 +6199,8 @@
           </p:sp>
         </mc:Fallback>
       </mc:AlternateContent>
-      <mc:AlternateContent xmlns:mc="http://schemas.openxmlformats.org/markup-compatibility/2006">
-        <mc:Choice xmlns:a14="http://schemas.microsoft.com/office/drawing/2010/main" Requires="a14">
+      <mc:AlternateContent xmlns:mc="http://schemas.openxmlformats.org/markup-compatibility/2006" xmlns:a14="http://schemas.microsoft.com/office/drawing/2010/main">
+        <mc:Choice Requires="a14">
           <p:sp>
             <p:nvSpPr>
               <p:cNvPr id="14" name="フローチャート: 結合子 13">
@@ -6288,7 +6288,7 @@
             </p:txBody>
           </p:sp>
         </mc:Choice>
-        <mc:Fallback>
+        <mc:Fallback xmlns="">
           <p:sp>
             <p:nvSpPr>
               <p:cNvPr id="14" name="フローチャート: 結合子 13">
@@ -7148,8 +7148,8 @@
             <a:chExt cx="1598831" cy="4199840"/>
           </a:xfrm>
         </p:grpSpPr>
-        <mc:AlternateContent xmlns:mc="http://schemas.openxmlformats.org/markup-compatibility/2006">
-          <mc:Choice xmlns:a14="http://schemas.microsoft.com/office/drawing/2010/main" Requires="a14">
+        <mc:AlternateContent xmlns:mc="http://schemas.openxmlformats.org/markup-compatibility/2006" xmlns:a14="http://schemas.microsoft.com/office/drawing/2010/main">
+          <mc:Choice Requires="a14">
             <p:sp>
               <p:nvSpPr>
                 <p:cNvPr id="15" name="フローチャート: 結合子 14">
@@ -7230,7 +7230,7 @@
               </p:txBody>
             </p:sp>
           </mc:Choice>
-          <mc:Fallback>
+          <mc:Fallback xmlns="">
             <p:sp>
               <p:nvSpPr>
                 <p:cNvPr id="15" name="フローチャート: 結合子 14">
@@ -7275,8 +7275,8 @@
             </p:sp>
           </mc:Fallback>
         </mc:AlternateContent>
-        <mc:AlternateContent xmlns:mc="http://schemas.openxmlformats.org/markup-compatibility/2006">
-          <mc:Choice xmlns:a14="http://schemas.microsoft.com/office/drawing/2010/main" Requires="a14">
+        <mc:AlternateContent xmlns:mc="http://schemas.openxmlformats.org/markup-compatibility/2006" xmlns:a14="http://schemas.microsoft.com/office/drawing/2010/main">
+          <mc:Choice Requires="a14">
             <p:sp>
               <p:nvSpPr>
                 <p:cNvPr id="16" name="フローチャート: 結合子 15">
@@ -7345,7 +7345,7 @@
               </p:txBody>
             </p:sp>
           </mc:Choice>
-          <mc:Fallback>
+          <mc:Fallback xmlns="">
             <p:sp>
               <p:nvSpPr>
                 <p:cNvPr id="16" name="フローチャート: 結合子 15">
@@ -7390,8 +7390,8 @@
             </p:sp>
           </mc:Fallback>
         </mc:AlternateContent>
-        <mc:AlternateContent xmlns:mc="http://schemas.openxmlformats.org/markup-compatibility/2006">
-          <mc:Choice xmlns:a14="http://schemas.microsoft.com/office/drawing/2010/main" Requires="a14">
+        <mc:AlternateContent xmlns:mc="http://schemas.openxmlformats.org/markup-compatibility/2006" xmlns:a14="http://schemas.microsoft.com/office/drawing/2010/main">
+          <mc:Choice Requires="a14">
             <p:sp>
               <p:nvSpPr>
                 <p:cNvPr id="17" name="フローチャート: 結合子 16">
@@ -7472,7 +7472,7 @@
               </p:txBody>
             </p:sp>
           </mc:Choice>
-          <mc:Fallback>
+          <mc:Fallback xmlns="">
             <p:sp>
               <p:nvSpPr>
                 <p:cNvPr id="17" name="フローチャート: 結合子 16">
@@ -8963,8 +8963,8 @@
             <a:chExt cx="1598831" cy="4199840"/>
           </a:xfrm>
         </p:grpSpPr>
-        <mc:AlternateContent xmlns:mc="http://schemas.openxmlformats.org/markup-compatibility/2006">
-          <mc:Choice xmlns:a14="http://schemas.microsoft.com/office/drawing/2010/main" Requires="a14">
+        <mc:AlternateContent xmlns:mc="http://schemas.openxmlformats.org/markup-compatibility/2006" xmlns:a14="http://schemas.microsoft.com/office/drawing/2010/main">
+          <mc:Choice Requires="a14">
             <p:sp>
               <p:nvSpPr>
                 <p:cNvPr id="5" name="フローチャート: 結合子 4">
@@ -9045,7 +9045,7 @@
               </p:txBody>
             </p:sp>
           </mc:Choice>
-          <mc:Fallback>
+          <mc:Fallback xmlns="">
             <p:sp>
               <p:nvSpPr>
                 <p:cNvPr id="5" name="フローチャート: 結合子 4">
@@ -9090,8 +9090,8 @@
             </p:sp>
           </mc:Fallback>
         </mc:AlternateContent>
-        <mc:AlternateContent xmlns:mc="http://schemas.openxmlformats.org/markup-compatibility/2006">
-          <mc:Choice xmlns:a14="http://schemas.microsoft.com/office/drawing/2010/main" Requires="a14">
+        <mc:AlternateContent xmlns:mc="http://schemas.openxmlformats.org/markup-compatibility/2006" xmlns:a14="http://schemas.microsoft.com/office/drawing/2010/main">
+          <mc:Choice Requires="a14">
             <p:sp>
               <p:nvSpPr>
                 <p:cNvPr id="6" name="フローチャート: 結合子 5">
@@ -9160,7 +9160,7 @@
               </p:txBody>
             </p:sp>
           </mc:Choice>
-          <mc:Fallback>
+          <mc:Fallback xmlns="">
             <p:sp>
               <p:nvSpPr>
                 <p:cNvPr id="6" name="フローチャート: 結合子 5">
@@ -9205,8 +9205,8 @@
             </p:sp>
           </mc:Fallback>
         </mc:AlternateContent>
-        <mc:AlternateContent xmlns:mc="http://schemas.openxmlformats.org/markup-compatibility/2006">
-          <mc:Choice xmlns:a14="http://schemas.microsoft.com/office/drawing/2010/main" Requires="a14">
+        <mc:AlternateContent xmlns:mc="http://schemas.openxmlformats.org/markup-compatibility/2006" xmlns:a14="http://schemas.microsoft.com/office/drawing/2010/main">
+          <mc:Choice Requires="a14">
             <p:sp>
               <p:nvSpPr>
                 <p:cNvPr id="7" name="フローチャート: 結合子 6">
@@ -9287,7 +9287,7 @@
               </p:txBody>
             </p:sp>
           </mc:Choice>
-          <mc:Fallback>
+          <mc:Fallback xmlns="">
             <p:sp>
               <p:nvSpPr>
                 <p:cNvPr id="7" name="フローチャート: 結合子 6">
@@ -10395,6 +10395,17 @@
             <a:endParaRPr kumimoji="1" lang="en-US" altLang="ja-JP" sz="2800" dirty="0"/>
           </a:p>
           <a:p>
+            <a:pPr marL="800100" lvl="1" indent="-342900" algn="l">
+              <a:buFont typeface="Arial" panose="020B0604020202020204" pitchFamily="34" charset="0"/>
+              <a:buChar char="•"/>
+            </a:pPr>
+            <a:r>
+              <a:rPr lang="en-US" altLang="ja-JP" sz="2400" dirty="0"/>
+              <a:t>yoshitake266/bitComposer_prj</a:t>
+            </a:r>
+            <a:endParaRPr kumimoji="1" lang="en-US" altLang="ja-JP" sz="2400" dirty="0"/>
+          </a:p>
+          <a:p>
             <a:pPr marL="342900" indent="-342900" algn="l">
               <a:buFont typeface="Arial" panose="020B0604020202020204" pitchFamily="34" charset="0"/>
               <a:buChar char="•"/>
@@ -12779,8 +12790,8 @@
           </a:p>
         </p:txBody>
       </p:sp>
-      <mc:AlternateContent xmlns:mc="http://schemas.openxmlformats.org/markup-compatibility/2006" xmlns:a14="http://schemas.microsoft.com/office/drawing/2010/main">
-        <mc:Choice Requires="a14">
+      <mc:AlternateContent xmlns:mc="http://schemas.openxmlformats.org/markup-compatibility/2006">
+        <mc:Choice xmlns:a14="http://schemas.microsoft.com/office/drawing/2010/main" Requires="a14">
           <p:sp>
             <p:nvSpPr>
               <p:cNvPr id="7" name="フローチャート: 結合子 6">
@@ -12832,33 +12843,26 @@
                       <m:sSub>
                         <m:sSubPr>
                           <m:ctrlPr>
-                            <a:rPr lang="en-US" altLang="ja-JP" sz="3200" i="1" smtClean="0">
+                            <a:rPr kumimoji="1" lang="en-US" altLang="ja-JP" sz="3200" i="1" smtClean="0">
                               <a:latin typeface="Cambria Math" panose="02040503050406030204" pitchFamily="18" charset="0"/>
                             </a:rPr>
                           </m:ctrlPr>
                         </m:sSubPr>
                         <m:e>
                           <m:r>
-                            <a:rPr lang="en-US" altLang="ja-JP" sz="3200" i="1">
+                            <a:rPr kumimoji="1" lang="en-US" altLang="ja-JP" sz="3200" b="0" i="1" smtClean="0">
                               <a:latin typeface="Cambria Math" panose="02040503050406030204" pitchFamily="18" charset="0"/>
                             </a:rPr>
-                            <m:t>  </m:t>
+                            <m:t>    </m:t>
                           </m:r>
                           <m:r>
-                            <a:rPr lang="en-US" altLang="ja-JP" sz="3200" i="1">
+                            <a:rPr kumimoji="1" lang="en-US" altLang="ja-JP" sz="3200" b="0" i="1" smtClean="0">
                               <a:latin typeface="Cambria Math" panose="02040503050406030204" pitchFamily="18" charset="0"/>
                             </a:rPr>
-                            <m:t>𝑥</m:t>
+                            <m:t>𝑏</m:t>
                           </m:r>
                         </m:e>
-                        <m:sub>
-                          <m:r>
-                            <a:rPr lang="en-US" altLang="ja-JP" sz="3200" b="0" i="1" smtClean="0">
-                              <a:latin typeface="Cambria Math" panose="02040503050406030204" pitchFamily="18" charset="0"/>
-                            </a:rPr>
-                            <m:t>3</m:t>
-                          </m:r>
-                        </m:sub>
+                        <m:sub/>
                       </m:sSub>
                     </m:oMath>
                   </m:oMathPara>
@@ -12868,7 +12872,7 @@
             </p:txBody>
           </p:sp>
         </mc:Choice>
-        <mc:Fallback xmlns="">
+        <mc:Fallback>
           <p:sp>
             <p:nvSpPr>
               <p:cNvPr id="7" name="フローチャート: 結合子 6">
@@ -14799,8 +14803,8 @@
           </p:sp>
         </mc:Fallback>
       </mc:AlternateContent>
-      <mc:AlternateContent xmlns:mc="http://schemas.openxmlformats.org/markup-compatibility/2006" xmlns:a14="http://schemas.microsoft.com/office/drawing/2010/main">
-        <mc:Choice Requires="a14">
+      <mc:AlternateContent xmlns:mc="http://schemas.openxmlformats.org/markup-compatibility/2006">
+        <mc:Choice xmlns:a14="http://schemas.microsoft.com/office/drawing/2010/main" Requires="a14">
           <p:sp>
             <p:nvSpPr>
               <p:cNvPr id="71" name="吹き出し: 四角形 70">
@@ -14815,8 +14819,8 @@
             </p:nvSpPr>
             <p:spPr>
               <a:xfrm>
-                <a:off x="1855355" y="1973454"/>
-                <a:ext cx="1838387" cy="630072"/>
+                <a:off x="1754060" y="1961241"/>
+                <a:ext cx="1983582" cy="552680"/>
               </a:xfrm>
               <a:prstGeom prst="wedgeRectCallout">
                 <a:avLst>
@@ -14853,7 +14857,7 @@
               <a:p>
                 <a:pPr algn="ctr"/>
                 <a:r>
-                  <a:rPr kumimoji="1" lang="en-US" altLang="ja-JP" sz="1200" dirty="0"/>
+                  <a:rPr kumimoji="1" lang="en-US" altLang="ja-JP" sz="1100" dirty="0"/>
                   <a:t>h = </a:t>
                 </a:r>
                 <a14:m>
@@ -14861,14 +14865,14 @@
                     <m:sSub>
                       <m:sSubPr>
                         <m:ctrlPr>
-                          <a:rPr kumimoji="1" lang="en-US" altLang="ja-JP" sz="1200" i="1" smtClean="0">
+                          <a:rPr kumimoji="1" lang="en-US" altLang="ja-JP" sz="1100" i="1" smtClean="0">
                             <a:latin typeface="Cambria Math" panose="02040503050406030204" pitchFamily="18" charset="0"/>
                           </a:rPr>
                         </m:ctrlPr>
                       </m:sSubPr>
                       <m:e>
                         <m:r>
-                          <a:rPr kumimoji="1" lang="en-US" altLang="ja-JP" sz="1200" b="0" i="1" smtClean="0">
+                          <a:rPr kumimoji="1" lang="en-US" altLang="ja-JP" sz="1100" b="0" i="1" smtClean="0">
                             <a:latin typeface="Cambria Math" panose="02040503050406030204" pitchFamily="18" charset="0"/>
                           </a:rPr>
                           <m:t>𝑥</m:t>
@@ -14876,7 +14880,7 @@
                       </m:e>
                       <m:sub>
                         <m:r>
-                          <a:rPr kumimoji="1" lang="en-US" altLang="ja-JP" sz="1200" b="0" i="1" smtClean="0">
+                          <a:rPr kumimoji="1" lang="en-US" altLang="ja-JP" sz="1100" b="0" i="1" smtClean="0">
                             <a:latin typeface="Cambria Math" panose="02040503050406030204" pitchFamily="18" charset="0"/>
                           </a:rPr>
                           <m:t>1</m:t>
@@ -14886,14 +14890,14 @@
                     <m:sSub>
                       <m:sSubPr>
                         <m:ctrlPr>
-                          <a:rPr kumimoji="1" lang="en-US" altLang="ja-JP" sz="1200" i="1" smtClean="0">
+                          <a:rPr kumimoji="1" lang="en-US" altLang="ja-JP" sz="1100" i="1" smtClean="0">
                             <a:latin typeface="Cambria Math" panose="02040503050406030204" pitchFamily="18" charset="0"/>
                           </a:rPr>
                         </m:ctrlPr>
                       </m:sSubPr>
                       <m:e>
                         <m:r>
-                          <a:rPr kumimoji="1" lang="en-US" altLang="ja-JP" sz="1200" b="0" i="1" smtClean="0">
+                          <a:rPr kumimoji="1" lang="en-US" altLang="ja-JP" sz="1100" b="0" i="1" smtClean="0">
                             <a:latin typeface="Cambria Math" panose="02040503050406030204" pitchFamily="18" charset="0"/>
                           </a:rPr>
                           <m:t>𝑤</m:t>
@@ -14903,14 +14907,14 @@
                         <m:eqArr>
                           <m:eqArrPr>
                             <m:ctrlPr>
-                              <a:rPr kumimoji="1" lang="en-US" altLang="ja-JP" sz="1200" b="0" i="1" smtClean="0">
+                              <a:rPr kumimoji="1" lang="en-US" altLang="ja-JP" sz="1100" b="0" i="1" smtClean="0">
                                 <a:latin typeface="Cambria Math" panose="02040503050406030204" pitchFamily="18" charset="0"/>
                               </a:rPr>
                             </m:ctrlPr>
                           </m:eqArrPr>
                           <m:e>
                             <m:r>
-                              <a:rPr kumimoji="1" lang="en-US" altLang="ja-JP" sz="1200" b="0" i="1" smtClean="0">
+                              <a:rPr kumimoji="1" lang="en-US" altLang="ja-JP" sz="1100" b="0" i="1" smtClean="0">
                                 <a:latin typeface="Cambria Math" panose="02040503050406030204" pitchFamily="18" charset="0"/>
                               </a:rPr>
                               <m:t>11</m:t>
@@ -14918,7 +14922,7 @@
                           </m:e>
                           <m:e>
                             <m:r>
-                              <a:rPr kumimoji="1" lang="en-US" altLang="ja-JP" sz="1200" b="0" i="1" smtClean="0">
+                              <a:rPr kumimoji="1" lang="en-US" altLang="ja-JP" sz="1100" b="0" i="1" smtClean="0">
                                 <a:latin typeface="Cambria Math" panose="02040503050406030204" pitchFamily="18" charset="0"/>
                               </a:rPr>
                               <m:t>…</m:t>
@@ -14928,7 +14932,7 @@
                       </m:sub>
                     </m:sSub>
                     <m:r>
-                      <a:rPr kumimoji="1" lang="en-US" altLang="ja-JP" sz="1200" b="0" i="0" smtClean="0">
+                      <a:rPr kumimoji="1" lang="en-US" altLang="ja-JP" sz="1100" b="0" i="0" smtClean="0">
                         <a:latin typeface="Cambria Math" panose="02040503050406030204" pitchFamily="18" charset="0"/>
                       </a:rPr>
                       <m:t>+</m:t>
@@ -14936,7 +14940,7 @@
                   </m:oMath>
                 </a14:m>
                 <a:r>
-                  <a:rPr kumimoji="1" lang="en-US" altLang="ja-JP" sz="1200" dirty="0"/>
+                  <a:rPr kumimoji="1" lang="en-US" altLang="ja-JP" sz="1100" dirty="0"/>
                   <a:t>… </a:t>
                 </a:r>
                 <a14:m>
@@ -14944,20 +14948,20 @@
                     <m:sSub>
                       <m:sSubPr>
                         <m:ctrlPr>
-                          <a:rPr kumimoji="1" lang="en-US" altLang="ja-JP" sz="1200" i="1" smtClean="0">
+                          <a:rPr kumimoji="1" lang="en-US" altLang="ja-JP" sz="1100" i="1" smtClean="0">
                             <a:latin typeface="Cambria Math" panose="02040503050406030204" pitchFamily="18" charset="0"/>
                           </a:rPr>
                         </m:ctrlPr>
                       </m:sSubPr>
                       <m:e>
                         <m:r>
-                          <a:rPr kumimoji="1" lang="en-US" altLang="ja-JP" sz="1200" b="0" i="1" smtClean="0">
+                          <a:rPr kumimoji="1" lang="en-US" altLang="ja-JP" sz="1100" b="0" i="1" smtClean="0">
                             <a:latin typeface="Cambria Math" panose="02040503050406030204" pitchFamily="18" charset="0"/>
                           </a:rPr>
                           <m:t>+</m:t>
                         </m:r>
                         <m:r>
-                          <a:rPr kumimoji="1" lang="en-US" altLang="ja-JP" sz="1200" b="0" i="1" smtClean="0">
+                          <a:rPr kumimoji="1" lang="en-US" altLang="ja-JP" sz="1100" b="0" i="1" smtClean="0">
                             <a:latin typeface="Cambria Math" panose="02040503050406030204" pitchFamily="18" charset="0"/>
                           </a:rPr>
                           <m:t>𝑥</m:t>
@@ -14965,24 +14969,24 @@
                       </m:e>
                       <m:sub>
                         <m:r>
-                          <a:rPr kumimoji="1" lang="en-US" altLang="ja-JP" sz="1200" b="0" i="1" smtClean="0">
+                          <a:rPr kumimoji="1" lang="en-US" altLang="ja-JP" sz="1100" b="0" i="1" smtClean="0">
                             <a:latin typeface="Cambria Math" panose="02040503050406030204" pitchFamily="18" charset="0"/>
                           </a:rPr>
-                          <m:t>3</m:t>
+                          <m:t>2</m:t>
                         </m:r>
                       </m:sub>
                     </m:sSub>
                     <m:sSub>
                       <m:sSubPr>
                         <m:ctrlPr>
-                          <a:rPr kumimoji="1" lang="en-US" altLang="ja-JP" sz="1200" i="1" smtClean="0">
+                          <a:rPr kumimoji="1" lang="en-US" altLang="ja-JP" sz="1100" i="1" smtClean="0">
                             <a:latin typeface="Cambria Math" panose="02040503050406030204" pitchFamily="18" charset="0"/>
                           </a:rPr>
                         </m:ctrlPr>
                       </m:sSubPr>
                       <m:e>
                         <m:r>
-                          <a:rPr kumimoji="1" lang="en-US" altLang="ja-JP" sz="1200" b="0" i="1" smtClean="0">
+                          <a:rPr kumimoji="1" lang="en-US" altLang="ja-JP" sz="1100" b="0" i="1" smtClean="0">
                             <a:latin typeface="Cambria Math" panose="02040503050406030204" pitchFamily="18" charset="0"/>
                           </a:rPr>
                           <m:t>𝑤</m:t>
@@ -14990,21 +14994,39 @@
                       </m:e>
                       <m:sub>
                         <m:r>
-                          <a:rPr kumimoji="1" lang="en-US" altLang="ja-JP" sz="1200" b="0" i="1" smtClean="0">
+                          <a:rPr kumimoji="1" lang="en-US" altLang="ja-JP" sz="1100" b="0" i="1" smtClean="0">
                             <a:latin typeface="Cambria Math" panose="02040503050406030204" pitchFamily="18" charset="0"/>
                           </a:rPr>
-                          <m:t>31</m:t>
+                          <m:t>2</m:t>
+                        </m:r>
+                        <m:r>
+                          <a:rPr kumimoji="1" lang="en-US" altLang="ja-JP" sz="1100" b="0" i="1" smtClean="0">
+                            <a:latin typeface="Cambria Math" panose="02040503050406030204" pitchFamily="18" charset="0"/>
+                          </a:rPr>
+                          <m:t>1</m:t>
                         </m:r>
                       </m:sub>
                     </m:sSub>
+                    <m:r>
+                      <a:rPr kumimoji="1" lang="en-US" altLang="ja-JP" sz="1100" b="0" i="1" smtClean="0">
+                        <a:latin typeface="Cambria Math" panose="02040503050406030204" pitchFamily="18" charset="0"/>
+                      </a:rPr>
+                      <m:t>+</m:t>
+                    </m:r>
+                    <m:r>
+                      <a:rPr kumimoji="1" lang="en-US" altLang="ja-JP" sz="1100" b="0" i="1" smtClean="0">
+                        <a:latin typeface="Cambria Math" panose="02040503050406030204" pitchFamily="18" charset="0"/>
+                      </a:rPr>
+                      <m:t>𝑏</m:t>
+                    </m:r>
                   </m:oMath>
                 </a14:m>
-                <a:endParaRPr kumimoji="1" lang="ja-JP" altLang="en-US" sz="1200" dirty="0"/>
+                <a:endParaRPr kumimoji="1" lang="ja-JP" altLang="en-US" sz="1100" dirty="0"/>
               </a:p>
             </p:txBody>
           </p:sp>
         </mc:Choice>
-        <mc:Fallback xmlns="">
+        <mc:Fallback>
           <p:sp>
             <p:nvSpPr>
               <p:cNvPr id="71" name="吹き出し: 四角形 70">
@@ -15021,8 +15043,8 @@
             </p:nvSpPr>
             <p:spPr>
               <a:xfrm>
-                <a:off x="1855355" y="1973454"/>
-                <a:ext cx="1838387" cy="630072"/>
+                <a:off x="1754060" y="1961241"/>
+                <a:ext cx="1983582" cy="552680"/>
               </a:xfrm>
               <a:prstGeom prst="wedgeRectCallout">
                 <a:avLst>
@@ -15176,8 +15198,8 @@
           </p:sp>
         </mc:Fallback>
       </mc:AlternateContent>
-      <mc:AlternateContent xmlns:mc="http://schemas.openxmlformats.org/markup-compatibility/2006" xmlns:a14="http://schemas.microsoft.com/office/drawing/2010/main">
-        <mc:Choice Requires="a14">
+      <mc:AlternateContent xmlns:mc="http://schemas.openxmlformats.org/markup-compatibility/2006">
+        <mc:Choice xmlns:a14="http://schemas.microsoft.com/office/drawing/2010/main" Requires="a14">
           <p:sp>
             <p:nvSpPr>
               <p:cNvPr id="73" name="テキスト ボックス 72">
@@ -15192,8 +15214,8 @@
             </p:nvSpPr>
             <p:spPr>
               <a:xfrm rot="18473499">
-                <a:off x="1641621" y="4851992"/>
-                <a:ext cx="497150" cy="369332"/>
+                <a:off x="1641621" y="4765783"/>
+                <a:ext cx="497150" cy="541751"/>
               </a:xfrm>
               <a:prstGeom prst="rect">
                 <a:avLst/>
@@ -15224,27 +15246,22 @@
                             </a:rPr>
                           </m:ctrlPr>
                         </m:sSubPr>
-                        <m:e>
-                          <m:r>
-                            <a:rPr kumimoji="1" lang="en-US" altLang="ja-JP" b="1" i="1" smtClean="0">
-                              <a:solidFill>
-                                <a:srgbClr val="FF0000"/>
-                              </a:solidFill>
-                              <a:latin typeface="Cambria Math" panose="02040503050406030204" pitchFamily="18" charset="0"/>
-                            </a:rPr>
-                            <m:t>𝒘</m:t>
-                          </m:r>
-                        </m:e>
+                        <m:e/>
                         <m:sub>
-                          <m:r>
-                            <a:rPr kumimoji="1" lang="en-US" altLang="ja-JP" b="1" i="1" smtClean="0">
-                              <a:solidFill>
-                                <a:srgbClr val="FF0000"/>
-                              </a:solidFill>
-                              <a:latin typeface="Cambria Math" panose="02040503050406030204" pitchFamily="18" charset="0"/>
-                            </a:rPr>
-                            <m:t>𝟑𝟏</m:t>
-                          </m:r>
+                          <m:eqArr>
+                            <m:eqArrPr>
+                              <m:ctrlPr>
+                                <a:rPr kumimoji="1" lang="en-US" altLang="ja-JP" b="1" i="1" smtClean="0">
+                                  <a:solidFill>
+                                    <a:srgbClr val="FF0000"/>
+                                  </a:solidFill>
+                                  <a:latin typeface="Cambria Math" panose="02040503050406030204" pitchFamily="18" charset="0"/>
+                                </a:rPr>
+                              </m:ctrlPr>
+                            </m:eqArrPr>
+                            <m:e/>
+                            <m:e/>
+                          </m:eqArr>
                         </m:sub>
                       </m:sSub>
                     </m:oMath>
@@ -15255,7 +15272,7 @@
             </p:txBody>
           </p:sp>
         </mc:Choice>
-        <mc:Fallback xmlns="">
+        <mc:Fallback>
           <p:sp>
             <p:nvSpPr>
               <p:cNvPr id="73" name="テキスト ボックス 72">
@@ -15272,8 +15289,8 @@
             </p:nvSpPr>
             <p:spPr>
               <a:xfrm rot="18473499">
-                <a:off x="1641621" y="4851992"/>
-                <a:ext cx="497150" cy="369332"/>
+                <a:off x="1641621" y="4765783"/>
+                <a:ext cx="497150" cy="541751"/>
               </a:xfrm>
               <a:prstGeom prst="rect">
                 <a:avLst/>
@@ -15281,7 +15298,7 @@
               <a:blipFill>
                 <a:blip r:embed="rId13"/>
                 <a:stretch>
-                  <a:fillRect r="-3030"/>
+                  <a:fillRect/>
                 </a:stretch>
               </a:blipFill>
             </p:spPr>

--- a/presentation/bit Composer.pptx
+++ b/presentation/bit Composer.pptx
@@ -722,7 +722,7 @@
             </a:r>
             <a:r>
               <a:rPr kumimoji="1" lang="ja-JP" altLang="en-US" dirty="0"/>
-              <a:t>を使った自動作曲アプリです。例としてはスーパーマリオブラザーズやドラゴンクエストの曲などをほうふつとさせるような曲を作曲します。</a:t>
+              <a:t>を使った自動作曲アプリです。例えばスーパーマリオブラザーズやドラゴンクエストの曲などをイメージできるような曲を作曲します。</a:t>
             </a:r>
           </a:p>
         </p:txBody>
@@ -10400,9 +10400,24 @@
               <a:buChar char="•"/>
             </a:pPr>
             <a:r>
+              <a:rPr lang="en-US" altLang="ja-JP" sz="2400"/>
+              <a:t>yoshitake266</a:t>
+            </a:r>
+            <a:r>
               <a:rPr lang="en-US" altLang="ja-JP" sz="2400" dirty="0"/>
-              <a:t>yoshitake266/bitComposer_prj</a:t>
-            </a:r>
+              <a:t>/</a:t>
+            </a:r>
+            <a:r>
+              <a:rPr lang="en-US" altLang="ja-JP" sz="2400" dirty="0" err="1"/>
+              <a:t>bitComposer_prj</a:t>
+            </a:r>
+            <a:endParaRPr lang="en-US" altLang="ja-JP" sz="2400" dirty="0"/>
+          </a:p>
+          <a:p>
+            <a:pPr marL="800100" lvl="1" indent="-342900" algn="l">
+              <a:buFont typeface="Arial" panose="020B0604020202020204" pitchFamily="34" charset="0"/>
+              <a:buChar char="•"/>
+            </a:pPr>
             <a:endParaRPr kumimoji="1" lang="en-US" altLang="ja-JP" sz="2400" dirty="0"/>
           </a:p>
           <a:p>
@@ -10663,7 +10678,7 @@
         <p:spPr>
           <a:xfrm>
             <a:off x="1257300" y="2584113"/>
-            <a:ext cx="9677400" cy="3385542"/>
+            <a:ext cx="9677400" cy="1231106"/>
           </a:xfrm>
           <a:prstGeom prst="rect">
             <a:avLst/>
@@ -10689,58 +10704,12 @@
           <a:p>
             <a:r>
               <a:rPr lang="ja-JP" altLang="en-US" sz="2800" dirty="0"/>
-              <a:t>ゲームに使われる音楽に雰囲気が似た曲を作曲します。</a:t>
-            </a:r>
-            <a:endParaRPr lang="en-US" altLang="ja-JP" sz="2800" dirty="0"/>
-          </a:p>
-          <a:p>
-            <a:endParaRPr lang="en-US" altLang="ja-JP" sz="2800" dirty="0"/>
-          </a:p>
-          <a:p>
-            <a:r>
-              <a:rPr lang="ja-JP" altLang="en-US" sz="2800" dirty="0"/>
-              <a:t>例</a:t>
-            </a:r>
-            <a:endParaRPr lang="en-US" altLang="ja-JP" sz="2800" dirty="0"/>
-          </a:p>
-          <a:p>
-            <a:pPr marL="457200" indent="-457200">
-              <a:buFont typeface="Arial" panose="020B0604020202020204" pitchFamily="34" charset="0"/>
-              <a:buChar char="•"/>
-            </a:pPr>
-            <a:r>
-              <a:rPr lang="ja-JP" altLang="en-US" sz="2800" dirty="0"/>
-              <a:t>スーパーマリオブラザーズ </a:t>
-            </a:r>
-            <a:r>
-              <a:rPr lang="en-US" altLang="ja-JP" sz="2800" dirty="0"/>
-              <a:t>1 - 1(</a:t>
-            </a:r>
-            <a:r>
-              <a:rPr lang="ja-JP" altLang="en-US" sz="2800" dirty="0"/>
-              <a:t>地上</a:t>
-            </a:r>
-            <a:r>
-              <a:rPr lang="en-US" altLang="ja-JP" sz="2800" dirty="0"/>
-              <a:t>BGM)</a:t>
-            </a:r>
-          </a:p>
-          <a:p>
-            <a:pPr marL="457200" indent="-457200">
-              <a:buFont typeface="Arial" panose="020B0604020202020204" pitchFamily="34" charset="0"/>
-              <a:buChar char="•"/>
-            </a:pPr>
-            <a:r>
-              <a:rPr lang="ja-JP" altLang="en-US" sz="2800" dirty="0"/>
-              <a:t>ドラゴンクエスト オープニング</a:t>
-            </a:r>
-            <a:endParaRPr lang="en-US" altLang="ja-JP" sz="2800" dirty="0"/>
-          </a:p>
-          <a:p>
-            <a:pPr marL="457200" indent="-457200">
-              <a:buFont typeface="Arial" panose="020B0604020202020204" pitchFamily="34" charset="0"/>
-              <a:buChar char="•"/>
-            </a:pPr>
+              <a:t>ゲームに使われる音楽に雰囲気が似た曲を作曲</a:t>
+            </a:r>
+            <a:r>
+              <a:rPr lang="ja-JP" altLang="en-US" sz="2800"/>
+              <a:t>します。</a:t>
+            </a:r>
             <a:endParaRPr lang="en-US" altLang="ja-JP" sz="2800" dirty="0"/>
           </a:p>
           <a:p>
@@ -12790,8 +12759,8 @@
           </a:p>
         </p:txBody>
       </p:sp>
-      <mc:AlternateContent xmlns:mc="http://schemas.openxmlformats.org/markup-compatibility/2006">
-        <mc:Choice xmlns:a14="http://schemas.microsoft.com/office/drawing/2010/main" Requires="a14">
+      <mc:AlternateContent xmlns:mc="http://schemas.openxmlformats.org/markup-compatibility/2006" xmlns:a14="http://schemas.microsoft.com/office/drawing/2010/main">
+        <mc:Choice Requires="a14">
           <p:sp>
             <p:nvSpPr>
               <p:cNvPr id="7" name="フローチャート: 結合子 6">
@@ -12872,7 +12841,7 @@
             </p:txBody>
           </p:sp>
         </mc:Choice>
-        <mc:Fallback>
+        <mc:Fallback xmlns="">
           <p:sp>
             <p:nvSpPr>
               <p:cNvPr id="7" name="フローチャート: 結合子 6">
@@ -14803,8 +14772,8 @@
           </p:sp>
         </mc:Fallback>
       </mc:AlternateContent>
-      <mc:AlternateContent xmlns:mc="http://schemas.openxmlformats.org/markup-compatibility/2006">
-        <mc:Choice xmlns:a14="http://schemas.microsoft.com/office/drawing/2010/main" Requires="a14">
+      <mc:AlternateContent xmlns:mc="http://schemas.openxmlformats.org/markup-compatibility/2006" xmlns:a14="http://schemas.microsoft.com/office/drawing/2010/main">
+        <mc:Choice Requires="a14">
           <p:sp>
             <p:nvSpPr>
               <p:cNvPr id="71" name="吹き出し: 四角形 70">
@@ -14997,13 +14966,7 @@
                           <a:rPr kumimoji="1" lang="en-US" altLang="ja-JP" sz="1100" b="0" i="1" smtClean="0">
                             <a:latin typeface="Cambria Math" panose="02040503050406030204" pitchFamily="18" charset="0"/>
                           </a:rPr>
-                          <m:t>2</m:t>
-                        </m:r>
-                        <m:r>
-                          <a:rPr kumimoji="1" lang="en-US" altLang="ja-JP" sz="1100" b="0" i="1" smtClean="0">
-                            <a:latin typeface="Cambria Math" panose="02040503050406030204" pitchFamily="18" charset="0"/>
-                          </a:rPr>
-                          <m:t>1</m:t>
+                          <m:t>21</m:t>
                         </m:r>
                       </m:sub>
                     </m:sSub>
@@ -15026,7 +14989,7 @@
             </p:txBody>
           </p:sp>
         </mc:Choice>
-        <mc:Fallback>
+        <mc:Fallback xmlns="">
           <p:sp>
             <p:nvSpPr>
               <p:cNvPr id="71" name="吹き出し: 四角形 70">
@@ -15198,8 +15161,8 @@
           </p:sp>
         </mc:Fallback>
       </mc:AlternateContent>
-      <mc:AlternateContent xmlns:mc="http://schemas.openxmlformats.org/markup-compatibility/2006">
-        <mc:Choice xmlns:a14="http://schemas.microsoft.com/office/drawing/2010/main" Requires="a14">
+      <mc:AlternateContent xmlns:mc="http://schemas.openxmlformats.org/markup-compatibility/2006" xmlns:a14="http://schemas.microsoft.com/office/drawing/2010/main">
+        <mc:Choice Requires="a14">
           <p:sp>
             <p:nvSpPr>
               <p:cNvPr id="73" name="テキスト ボックス 72">
@@ -15272,7 +15235,7 @@
             </p:txBody>
           </p:sp>
         </mc:Choice>
-        <mc:Fallback>
+        <mc:Fallback xmlns="">
           <p:sp>
             <p:nvSpPr>
               <p:cNvPr id="73" name="テキスト ボックス 72">
